--- a/VEEPortingGuide/images/ui_overview2.pptx
+++ b/VEEPortingGuide/images/ui_overview2.pptx
@@ -261,7 +261,7 @@
           <a:p>
             <a:fld id="{4E285625-C24A-4341-90BC-6CD71F835625}" type="datetimeFigureOut">
               <a:rPr lang="en-GB" smtClean="0"/>
-              <a:t>23/11/2020</a:t>
+              <a:t>02/06/2023</a:t>
             </a:fld>
             <a:endParaRPr lang="en-GB"/>
           </a:p>
@@ -461,7 +461,7 @@
           <a:p>
             <a:fld id="{4E285625-C24A-4341-90BC-6CD71F835625}" type="datetimeFigureOut">
               <a:rPr lang="en-GB" smtClean="0"/>
-              <a:t>23/11/2020</a:t>
+              <a:t>02/06/2023</a:t>
             </a:fld>
             <a:endParaRPr lang="en-GB"/>
           </a:p>
@@ -671,7 +671,7 @@
           <a:p>
             <a:fld id="{4E285625-C24A-4341-90BC-6CD71F835625}" type="datetimeFigureOut">
               <a:rPr lang="en-GB" smtClean="0"/>
-              <a:t>23/11/2020</a:t>
+              <a:t>02/06/2023</a:t>
             </a:fld>
             <a:endParaRPr lang="en-GB"/>
           </a:p>
@@ -871,7 +871,7 @@
           <a:p>
             <a:fld id="{4E285625-C24A-4341-90BC-6CD71F835625}" type="datetimeFigureOut">
               <a:rPr lang="en-GB" smtClean="0"/>
-              <a:t>23/11/2020</a:t>
+              <a:t>02/06/2023</a:t>
             </a:fld>
             <a:endParaRPr lang="en-GB"/>
           </a:p>
@@ -1147,7 +1147,7 @@
           <a:p>
             <a:fld id="{4E285625-C24A-4341-90BC-6CD71F835625}" type="datetimeFigureOut">
               <a:rPr lang="en-GB" smtClean="0"/>
-              <a:t>23/11/2020</a:t>
+              <a:t>02/06/2023</a:t>
             </a:fld>
             <a:endParaRPr lang="en-GB"/>
           </a:p>
@@ -1415,7 +1415,7 @@
           <a:p>
             <a:fld id="{4E285625-C24A-4341-90BC-6CD71F835625}" type="datetimeFigureOut">
               <a:rPr lang="en-GB" smtClean="0"/>
-              <a:t>23/11/2020</a:t>
+              <a:t>02/06/2023</a:t>
             </a:fld>
             <a:endParaRPr lang="en-GB"/>
           </a:p>
@@ -1830,7 +1830,7 @@
           <a:p>
             <a:fld id="{4E285625-C24A-4341-90BC-6CD71F835625}" type="datetimeFigureOut">
               <a:rPr lang="en-GB" smtClean="0"/>
-              <a:t>23/11/2020</a:t>
+              <a:t>02/06/2023</a:t>
             </a:fld>
             <a:endParaRPr lang="en-GB"/>
           </a:p>
@@ -1972,7 +1972,7 @@
           <a:p>
             <a:fld id="{4E285625-C24A-4341-90BC-6CD71F835625}" type="datetimeFigureOut">
               <a:rPr lang="en-GB" smtClean="0"/>
-              <a:t>23/11/2020</a:t>
+              <a:t>02/06/2023</a:t>
             </a:fld>
             <a:endParaRPr lang="en-GB"/>
           </a:p>
@@ -2085,7 +2085,7 @@
           <a:p>
             <a:fld id="{4E285625-C24A-4341-90BC-6CD71F835625}" type="datetimeFigureOut">
               <a:rPr lang="en-GB" smtClean="0"/>
-              <a:t>23/11/2020</a:t>
+              <a:t>02/06/2023</a:t>
             </a:fld>
             <a:endParaRPr lang="en-GB"/>
           </a:p>
@@ -2398,7 +2398,7 @@
           <a:p>
             <a:fld id="{4E285625-C24A-4341-90BC-6CD71F835625}" type="datetimeFigureOut">
               <a:rPr lang="en-GB" smtClean="0"/>
-              <a:t>23/11/2020</a:t>
+              <a:t>02/06/2023</a:t>
             </a:fld>
             <a:endParaRPr lang="en-GB"/>
           </a:p>
@@ -2687,7 +2687,7 @@
           <a:p>
             <a:fld id="{4E285625-C24A-4341-90BC-6CD71F835625}" type="datetimeFigureOut">
               <a:rPr lang="en-GB" smtClean="0"/>
-              <a:t>23/11/2020</a:t>
+              <a:t>02/06/2023</a:t>
             </a:fld>
             <a:endParaRPr lang="en-GB"/>
           </a:p>
@@ -2930,7 +2930,7 @@
           <a:p>
             <a:fld id="{4E285625-C24A-4341-90BC-6CD71F835625}" type="datetimeFigureOut">
               <a:rPr lang="en-GB" smtClean="0"/>
-              <a:t>23/11/2020</a:t>
+              <a:t>02/06/2023</a:t>
             </a:fld>
             <a:endParaRPr lang="en-GB"/>
           </a:p>

--- a/VEEPortingGuide/images/ui_overview2.pptx
+++ b/VEEPortingGuide/images/ui_overview2.pptx
@@ -5,16 +5,21 @@
     <p:sldMasterId id="2147483660" r:id="rId1"/>
   </p:sldMasterIdLst>
   <p:notesMasterIdLst>
-    <p:notesMasterId r:id="rId6"/>
+    <p:notesMasterId r:id="rId11"/>
   </p:notesMasterIdLst>
   <p:handoutMasterIdLst>
-    <p:handoutMasterId r:id="rId7"/>
+    <p:handoutMasterId r:id="rId12"/>
   </p:handoutMasterIdLst>
   <p:sldIdLst>
     <p:sldId id="256" r:id="rId2"/>
     <p:sldId id="309" r:id="rId3"/>
     <p:sldId id="310" r:id="rId4"/>
     <p:sldId id="311" r:id="rId5"/>
+    <p:sldId id="314" r:id="rId6"/>
+    <p:sldId id="315" r:id="rId7"/>
+    <p:sldId id="312" r:id="rId8"/>
+    <p:sldId id="313" r:id="rId9"/>
+    <p:sldId id="316" r:id="rId10"/>
   </p:sldIdLst>
   <p:sldSz cx="12192000" cy="6858000"/>
   <p:notesSz cx="6858000" cy="9144000"/>
@@ -1185,6 +1190,861 @@
     <p:extLst>
       <p:ext uri="{BB962C8B-B14F-4D97-AF65-F5344CB8AC3E}">
         <p14:creationId xmlns:p14="http://schemas.microsoft.com/office/powerpoint/2010/main" val="3784057969"/>
+      </p:ext>
+    </p:extLst>
+  </p:cSld>
+  <p:clrMapOvr>
+    <a:masterClrMapping/>
+  </p:clrMapOvr>
+</p:notes>
+</file>
+
+<file path=ppt/notesSlides/notesSlide4.xml><?xml version="1.0" encoding="utf-8"?>
+<p:notes xmlns:a="http://schemas.openxmlformats.org/drawingml/2006/main" xmlns:r="http://schemas.openxmlformats.org/officeDocument/2006/relationships" xmlns:p="http://schemas.openxmlformats.org/presentationml/2006/main">
+  <p:cSld>
+    <p:spTree>
+      <p:nvGrpSpPr>
+        <p:cNvPr id="1" name=""/>
+        <p:cNvGrpSpPr/>
+        <p:nvPr/>
+      </p:nvGrpSpPr>
+      <p:grpSpPr>
+        <a:xfrm>
+          <a:off x="0" y="0"/>
+          <a:ext cx="0" cy="0"/>
+          <a:chOff x="0" y="0"/>
+          <a:chExt cx="0" cy="0"/>
+        </a:xfrm>
+      </p:grpSpPr>
+      <p:sp>
+        <p:nvSpPr>
+          <p:cNvPr id="2" name="Slide Image Placeholder 1"/>
+          <p:cNvSpPr>
+            <a:spLocks noGrp="1" noRot="1" noChangeAspect="1"/>
+          </p:cNvSpPr>
+          <p:nvPr>
+            <p:ph type="sldImg"/>
+          </p:nvPr>
+        </p:nvSpPr>
+        <p:spPr/>
+      </p:sp>
+      <p:sp>
+        <p:nvSpPr>
+          <p:cNvPr id="3" name="Notes Placeholder 2"/>
+          <p:cNvSpPr>
+            <a:spLocks noGrp="1"/>
+          </p:cNvSpPr>
+          <p:nvPr>
+            <p:ph type="body" idx="1"/>
+          </p:nvPr>
+        </p:nvSpPr>
+        <p:spPr/>
+        <p:txBody>
+          <a:bodyPr/>
+          <a:lstStyle/>
+          <a:p>
+            <a:pPr marL="0" indent="0">
+              <a:buFont typeface="Arial" panose="020B0604020202020204" pitchFamily="34" charset="0"/>
+              <a:buNone/>
+            </a:pPr>
+            <a:r>
+              <a:rPr lang="en-US" b="1" dirty="0"/>
+              <a:t>Stéphane</a:t>
+            </a:r>
+          </a:p>
+          <a:p>
+            <a:pPr marL="0" indent="0">
+              <a:buFont typeface="Arial" panose="020B0604020202020204" pitchFamily="34" charset="0"/>
+              <a:buNone/>
+            </a:pPr>
+            <a:endParaRPr lang="en-US" b="1" dirty="0"/>
+          </a:p>
+          <a:p>
+            <a:pPr marL="171450" lvl="0" indent="-171450">
+              <a:buFont typeface="Arial" panose="020B0604020202020204" pitchFamily="34" charset="0"/>
+              <a:buChar char="•"/>
+            </a:pPr>
+            <a:r>
+              <a:rPr lang="en-US" dirty="0"/>
+              <a:t>The LCD continuously refreshes its content by reading the data from a memory buffer.</a:t>
+            </a:r>
+          </a:p>
+          <a:p>
+            <a:pPr marL="628639" lvl="1" indent="-171450">
+              <a:buFont typeface="Arial" panose="020B0604020202020204" pitchFamily="34" charset="0"/>
+              <a:buChar char="•"/>
+            </a:pPr>
+            <a:r>
+              <a:rPr lang="en-US" dirty="0"/>
+              <a:t>The buffer size depends on the LCD size and its number of bits per pixel.</a:t>
+            </a:r>
+          </a:p>
+          <a:p>
+            <a:pPr marL="628639" lvl="1" indent="-171450">
+              <a:buFont typeface="Arial" panose="020B0604020202020204" pitchFamily="34" charset="0"/>
+              <a:buChar char="•"/>
+            </a:pPr>
+            <a:r>
+              <a:rPr lang="en-US" dirty="0"/>
+              <a:t>We cannot stop this refresh, otherwise the image fades away.</a:t>
+            </a:r>
+          </a:p>
+          <a:p>
+            <a:pPr marL="171450" lvl="0" indent="-171450">
+              <a:buFont typeface="Arial" panose="020B0604020202020204" pitchFamily="34" charset="0"/>
+              <a:buChar char="•"/>
+            </a:pPr>
+            <a:r>
+              <a:rPr lang="en-US" dirty="0"/>
+              <a:t>A new frame often appears every 16.6ms (60Hz).</a:t>
+            </a:r>
+          </a:p>
+          <a:p>
+            <a:pPr marL="171450" indent="-171450">
+              <a:buFont typeface="Arial" panose="020B0604020202020204" pitchFamily="34" charset="0"/>
+              <a:buChar char="•"/>
+            </a:pPr>
+            <a:r>
+              <a:rPr lang="en-US" dirty="0"/>
+              <a:t>The electric signals may be generated by an internal LCD controller in the LCD device or by a LCD controller in the MCU.</a:t>
+            </a:r>
+          </a:p>
+          <a:p>
+            <a:pPr marL="171450" indent="-171450">
+              <a:buFont typeface="Arial" panose="020B0604020202020204" pitchFamily="34" charset="0"/>
+              <a:buChar char="•"/>
+            </a:pPr>
+            <a:r>
+              <a:rPr lang="en-US" dirty="0"/>
+              <a:t>The electric signals frequency is several MHz</a:t>
+            </a:r>
+          </a:p>
+          <a:p>
+            <a:pPr marL="171450" indent="-171450">
+              <a:buFont typeface="Arial" panose="020B0604020202020204" pitchFamily="34" charset="0"/>
+              <a:buChar char="•"/>
+            </a:pPr>
+            <a:endParaRPr lang="en-US" dirty="0"/>
+          </a:p>
+          <a:p>
+            <a:pPr marL="171450" indent="-171450">
+              <a:buFont typeface="Arial" panose="020B0604020202020204" pitchFamily="34" charset="0"/>
+              <a:buChar char="•"/>
+            </a:pPr>
+            <a:r>
+              <a:rPr lang="en-US" dirty="0"/>
+              <a:t>If we draw at the same time and in the same buffer than the LCD, we will see the drawings “one by one” instead of seeing the entire frame at once</a:t>
+            </a:r>
+          </a:p>
+        </p:txBody>
+      </p:sp>
+      <p:sp>
+        <p:nvSpPr>
+          <p:cNvPr id="4" name="Footer Placeholder 3"/>
+          <p:cNvSpPr>
+            <a:spLocks noGrp="1"/>
+          </p:cNvSpPr>
+          <p:nvPr>
+            <p:ph type="ftr" sz="quarter" idx="4"/>
+          </p:nvPr>
+        </p:nvSpPr>
+        <p:spPr/>
+        <p:txBody>
+          <a:bodyPr/>
+          <a:lstStyle/>
+          <a:p>
+            <a:endParaRPr lang="en-US" dirty="0"/>
+          </a:p>
+        </p:txBody>
+      </p:sp>
+    </p:spTree>
+    <p:extLst>
+      <p:ext uri="{BB962C8B-B14F-4D97-AF65-F5344CB8AC3E}">
+        <p14:creationId xmlns:p14="http://schemas.microsoft.com/office/powerpoint/2010/main" val="2015207821"/>
+      </p:ext>
+    </p:extLst>
+  </p:cSld>
+  <p:clrMapOvr>
+    <a:masterClrMapping/>
+  </p:clrMapOvr>
+</p:notes>
+</file>
+
+<file path=ppt/notesSlides/notesSlide5.xml><?xml version="1.0" encoding="utf-8"?>
+<p:notes xmlns:a="http://schemas.openxmlformats.org/drawingml/2006/main" xmlns:r="http://schemas.openxmlformats.org/officeDocument/2006/relationships" xmlns:p="http://schemas.openxmlformats.org/presentationml/2006/main">
+  <p:cSld>
+    <p:spTree>
+      <p:nvGrpSpPr>
+        <p:cNvPr id="1" name=""/>
+        <p:cNvGrpSpPr/>
+        <p:nvPr/>
+      </p:nvGrpSpPr>
+      <p:grpSpPr>
+        <a:xfrm>
+          <a:off x="0" y="0"/>
+          <a:ext cx="0" cy="0"/>
+          <a:chOff x="0" y="0"/>
+          <a:chExt cx="0" cy="0"/>
+        </a:xfrm>
+      </p:grpSpPr>
+      <p:sp>
+        <p:nvSpPr>
+          <p:cNvPr id="2" name="Slide Image Placeholder 1"/>
+          <p:cNvSpPr>
+            <a:spLocks noGrp="1" noRot="1" noChangeAspect="1"/>
+          </p:cNvSpPr>
+          <p:nvPr>
+            <p:ph type="sldImg"/>
+          </p:nvPr>
+        </p:nvSpPr>
+        <p:spPr/>
+      </p:sp>
+      <p:sp>
+        <p:nvSpPr>
+          <p:cNvPr id="3" name="Notes Placeholder 2"/>
+          <p:cNvSpPr>
+            <a:spLocks noGrp="1"/>
+          </p:cNvSpPr>
+          <p:nvPr>
+            <p:ph type="body" idx="1"/>
+          </p:nvPr>
+        </p:nvSpPr>
+        <p:spPr/>
+        <p:txBody>
+          <a:bodyPr/>
+          <a:lstStyle/>
+          <a:p>
+            <a:pPr marL="0" indent="0">
+              <a:buFont typeface="Arial" panose="020B0604020202020204" pitchFamily="34" charset="0"/>
+              <a:buNone/>
+            </a:pPr>
+            <a:r>
+              <a:rPr lang="en-US" b="1" dirty="0"/>
+              <a:t>Stéphane</a:t>
+            </a:r>
+          </a:p>
+          <a:p>
+            <a:pPr marL="0" indent="0">
+              <a:buFont typeface="Arial" panose="020B0604020202020204" pitchFamily="34" charset="0"/>
+              <a:buNone/>
+            </a:pPr>
+            <a:endParaRPr lang="en-US" b="1" dirty="0"/>
+          </a:p>
+          <a:p>
+            <a:pPr marL="171450" lvl="0" indent="-171450">
+              <a:buFont typeface="Arial" panose="020B0604020202020204" pitchFamily="34" charset="0"/>
+              <a:buChar char="•"/>
+            </a:pPr>
+            <a:r>
+              <a:rPr lang="en-US" dirty="0"/>
+              <a:t>The LCD continuously refreshes its content by reading the data from a memory buffer.</a:t>
+            </a:r>
+          </a:p>
+          <a:p>
+            <a:pPr marL="628639" lvl="1" indent="-171450">
+              <a:buFont typeface="Arial" panose="020B0604020202020204" pitchFamily="34" charset="0"/>
+              <a:buChar char="•"/>
+            </a:pPr>
+            <a:r>
+              <a:rPr lang="en-US" dirty="0"/>
+              <a:t>The buffer size depends on the LCD size and its number of bits per pixel.</a:t>
+            </a:r>
+          </a:p>
+          <a:p>
+            <a:pPr marL="628639" lvl="1" indent="-171450">
+              <a:buFont typeface="Arial" panose="020B0604020202020204" pitchFamily="34" charset="0"/>
+              <a:buChar char="•"/>
+            </a:pPr>
+            <a:r>
+              <a:rPr lang="en-US" dirty="0"/>
+              <a:t>We cannot stop this refresh, otherwise the image fades away.</a:t>
+            </a:r>
+          </a:p>
+          <a:p>
+            <a:pPr marL="171450" lvl="0" indent="-171450">
+              <a:buFont typeface="Arial" panose="020B0604020202020204" pitchFamily="34" charset="0"/>
+              <a:buChar char="•"/>
+            </a:pPr>
+            <a:r>
+              <a:rPr lang="en-US" dirty="0"/>
+              <a:t>A new frame often appears every 16.6ms (60Hz).</a:t>
+            </a:r>
+          </a:p>
+          <a:p>
+            <a:pPr marL="171450" indent="-171450">
+              <a:buFont typeface="Arial" panose="020B0604020202020204" pitchFamily="34" charset="0"/>
+              <a:buChar char="•"/>
+            </a:pPr>
+            <a:r>
+              <a:rPr lang="en-US" dirty="0"/>
+              <a:t>The electric signals may be generated by an internal LCD controller in the LCD device or by a LCD controller in the MCU.</a:t>
+            </a:r>
+          </a:p>
+          <a:p>
+            <a:pPr marL="171450" indent="-171450">
+              <a:buFont typeface="Arial" panose="020B0604020202020204" pitchFamily="34" charset="0"/>
+              <a:buChar char="•"/>
+            </a:pPr>
+            <a:r>
+              <a:rPr lang="en-US" dirty="0"/>
+              <a:t>The electric signals frequency is several MHz</a:t>
+            </a:r>
+          </a:p>
+          <a:p>
+            <a:pPr marL="171450" indent="-171450">
+              <a:buFont typeface="Arial" panose="020B0604020202020204" pitchFamily="34" charset="0"/>
+              <a:buChar char="•"/>
+            </a:pPr>
+            <a:endParaRPr lang="en-US" dirty="0"/>
+          </a:p>
+          <a:p>
+            <a:pPr marL="171450" indent="-171450">
+              <a:buFont typeface="Arial" panose="020B0604020202020204" pitchFamily="34" charset="0"/>
+              <a:buChar char="•"/>
+            </a:pPr>
+            <a:r>
+              <a:rPr lang="en-US" dirty="0"/>
+              <a:t>If we draw at the same time and in the same buffer than the LCD, we will see the drawings “one by one” instead of seeing the entire frame at once</a:t>
+            </a:r>
+          </a:p>
+        </p:txBody>
+      </p:sp>
+      <p:sp>
+        <p:nvSpPr>
+          <p:cNvPr id="4" name="Footer Placeholder 3"/>
+          <p:cNvSpPr>
+            <a:spLocks noGrp="1"/>
+          </p:cNvSpPr>
+          <p:nvPr>
+            <p:ph type="ftr" sz="quarter" idx="4"/>
+          </p:nvPr>
+        </p:nvSpPr>
+        <p:spPr/>
+        <p:txBody>
+          <a:bodyPr/>
+          <a:lstStyle/>
+          <a:p>
+            <a:endParaRPr lang="en-US" dirty="0"/>
+          </a:p>
+        </p:txBody>
+      </p:sp>
+    </p:spTree>
+    <p:extLst>
+      <p:ext uri="{BB962C8B-B14F-4D97-AF65-F5344CB8AC3E}">
+        <p14:creationId xmlns:p14="http://schemas.microsoft.com/office/powerpoint/2010/main" val="3874974915"/>
+      </p:ext>
+    </p:extLst>
+  </p:cSld>
+  <p:clrMapOvr>
+    <a:masterClrMapping/>
+  </p:clrMapOvr>
+</p:notes>
+</file>
+
+<file path=ppt/notesSlides/notesSlide6.xml><?xml version="1.0" encoding="utf-8"?>
+<p:notes xmlns:a="http://schemas.openxmlformats.org/drawingml/2006/main" xmlns:r="http://schemas.openxmlformats.org/officeDocument/2006/relationships" xmlns:p="http://schemas.openxmlformats.org/presentationml/2006/main">
+  <p:cSld>
+    <p:spTree>
+      <p:nvGrpSpPr>
+        <p:cNvPr id="1" name=""/>
+        <p:cNvGrpSpPr/>
+        <p:nvPr/>
+      </p:nvGrpSpPr>
+      <p:grpSpPr>
+        <a:xfrm>
+          <a:off x="0" y="0"/>
+          <a:ext cx="0" cy="0"/>
+          <a:chOff x="0" y="0"/>
+          <a:chExt cx="0" cy="0"/>
+        </a:xfrm>
+      </p:grpSpPr>
+      <p:sp>
+        <p:nvSpPr>
+          <p:cNvPr id="2" name="Slide Image Placeholder 1"/>
+          <p:cNvSpPr>
+            <a:spLocks noGrp="1" noRot="1" noChangeAspect="1"/>
+          </p:cNvSpPr>
+          <p:nvPr>
+            <p:ph type="sldImg"/>
+          </p:nvPr>
+        </p:nvSpPr>
+        <p:spPr/>
+      </p:sp>
+      <p:sp>
+        <p:nvSpPr>
+          <p:cNvPr id="3" name="Notes Placeholder 2"/>
+          <p:cNvSpPr>
+            <a:spLocks noGrp="1"/>
+          </p:cNvSpPr>
+          <p:nvPr>
+            <p:ph type="body" idx="1"/>
+          </p:nvPr>
+        </p:nvSpPr>
+        <p:spPr/>
+        <p:txBody>
+          <a:bodyPr/>
+          <a:lstStyle/>
+          <a:p>
+            <a:pPr marL="0" indent="0">
+              <a:buFont typeface="Arial" panose="020B0604020202020204" pitchFamily="34" charset="0"/>
+              <a:buNone/>
+            </a:pPr>
+            <a:r>
+              <a:rPr lang="en-US" b="1" dirty="0"/>
+              <a:t>Stéphane</a:t>
+            </a:r>
+          </a:p>
+          <a:p>
+            <a:pPr marL="0" indent="0">
+              <a:buFont typeface="Arial" panose="020B0604020202020204" pitchFamily="34" charset="0"/>
+              <a:buNone/>
+            </a:pPr>
+            <a:endParaRPr lang="en-US" b="1" dirty="0"/>
+          </a:p>
+          <a:p>
+            <a:pPr marL="171450" lvl="0" indent="-171450">
+              <a:buFont typeface="Arial" panose="020B0604020202020204" pitchFamily="34" charset="0"/>
+              <a:buChar char="•"/>
+            </a:pPr>
+            <a:r>
+              <a:rPr lang="en-US" dirty="0"/>
+              <a:t>The LCD continuously refreshes its content by reading the data from a memory buffer.</a:t>
+            </a:r>
+          </a:p>
+          <a:p>
+            <a:pPr marL="628639" lvl="1" indent="-171450">
+              <a:buFont typeface="Arial" panose="020B0604020202020204" pitchFamily="34" charset="0"/>
+              <a:buChar char="•"/>
+            </a:pPr>
+            <a:r>
+              <a:rPr lang="en-US" dirty="0"/>
+              <a:t>The buffer size depends on the LCD size and its number of bits per pixel.</a:t>
+            </a:r>
+          </a:p>
+          <a:p>
+            <a:pPr marL="628639" lvl="1" indent="-171450">
+              <a:buFont typeface="Arial" panose="020B0604020202020204" pitchFamily="34" charset="0"/>
+              <a:buChar char="•"/>
+            </a:pPr>
+            <a:r>
+              <a:rPr lang="en-US" dirty="0"/>
+              <a:t>We cannot stop this refresh, otherwise the image fades away.</a:t>
+            </a:r>
+          </a:p>
+          <a:p>
+            <a:pPr marL="171450" lvl="0" indent="-171450">
+              <a:buFont typeface="Arial" panose="020B0604020202020204" pitchFamily="34" charset="0"/>
+              <a:buChar char="•"/>
+            </a:pPr>
+            <a:r>
+              <a:rPr lang="en-US" dirty="0"/>
+              <a:t>A new frame often appears every 16.6ms (60Hz).</a:t>
+            </a:r>
+          </a:p>
+          <a:p>
+            <a:pPr marL="171450" indent="-171450">
+              <a:buFont typeface="Arial" panose="020B0604020202020204" pitchFamily="34" charset="0"/>
+              <a:buChar char="•"/>
+            </a:pPr>
+            <a:r>
+              <a:rPr lang="en-US" dirty="0"/>
+              <a:t>The electric signals may be generated by an internal LCD controller in the LCD device or by a LCD controller in the MCU.</a:t>
+            </a:r>
+          </a:p>
+          <a:p>
+            <a:pPr marL="171450" indent="-171450">
+              <a:buFont typeface="Arial" panose="020B0604020202020204" pitchFamily="34" charset="0"/>
+              <a:buChar char="•"/>
+            </a:pPr>
+            <a:r>
+              <a:rPr lang="en-US" dirty="0"/>
+              <a:t>The electric signals frequency is several MHz</a:t>
+            </a:r>
+          </a:p>
+          <a:p>
+            <a:pPr marL="171450" indent="-171450">
+              <a:buFont typeface="Arial" panose="020B0604020202020204" pitchFamily="34" charset="0"/>
+              <a:buChar char="•"/>
+            </a:pPr>
+            <a:endParaRPr lang="en-US" dirty="0"/>
+          </a:p>
+          <a:p>
+            <a:pPr marL="171450" indent="-171450">
+              <a:buFont typeface="Arial" panose="020B0604020202020204" pitchFamily="34" charset="0"/>
+              <a:buChar char="•"/>
+            </a:pPr>
+            <a:r>
+              <a:rPr lang="en-US" dirty="0"/>
+              <a:t>If we draw at the same time and in the same buffer than the LCD, we will see the drawings “one by one” instead of seeing the entire frame at once</a:t>
+            </a:r>
+          </a:p>
+        </p:txBody>
+      </p:sp>
+      <p:sp>
+        <p:nvSpPr>
+          <p:cNvPr id="4" name="Footer Placeholder 3"/>
+          <p:cNvSpPr>
+            <a:spLocks noGrp="1"/>
+          </p:cNvSpPr>
+          <p:nvPr>
+            <p:ph type="ftr" sz="quarter" idx="4"/>
+          </p:nvPr>
+        </p:nvSpPr>
+        <p:spPr/>
+        <p:txBody>
+          <a:bodyPr/>
+          <a:lstStyle/>
+          <a:p>
+            <a:endParaRPr lang="en-US" dirty="0"/>
+          </a:p>
+        </p:txBody>
+      </p:sp>
+    </p:spTree>
+    <p:extLst>
+      <p:ext uri="{BB962C8B-B14F-4D97-AF65-F5344CB8AC3E}">
+        <p14:creationId xmlns:p14="http://schemas.microsoft.com/office/powerpoint/2010/main" val="4258723038"/>
+      </p:ext>
+    </p:extLst>
+  </p:cSld>
+  <p:clrMapOvr>
+    <a:masterClrMapping/>
+  </p:clrMapOvr>
+</p:notes>
+</file>
+
+<file path=ppt/notesSlides/notesSlide7.xml><?xml version="1.0" encoding="utf-8"?>
+<p:notes xmlns:a="http://schemas.openxmlformats.org/drawingml/2006/main" xmlns:r="http://schemas.openxmlformats.org/officeDocument/2006/relationships" xmlns:p="http://schemas.openxmlformats.org/presentationml/2006/main">
+  <p:cSld>
+    <p:spTree>
+      <p:nvGrpSpPr>
+        <p:cNvPr id="1" name=""/>
+        <p:cNvGrpSpPr/>
+        <p:nvPr/>
+      </p:nvGrpSpPr>
+      <p:grpSpPr>
+        <a:xfrm>
+          <a:off x="0" y="0"/>
+          <a:ext cx="0" cy="0"/>
+          <a:chOff x="0" y="0"/>
+          <a:chExt cx="0" cy="0"/>
+        </a:xfrm>
+      </p:grpSpPr>
+      <p:sp>
+        <p:nvSpPr>
+          <p:cNvPr id="2" name="Slide Image Placeholder 1"/>
+          <p:cNvSpPr>
+            <a:spLocks noGrp="1" noRot="1" noChangeAspect="1"/>
+          </p:cNvSpPr>
+          <p:nvPr>
+            <p:ph type="sldImg"/>
+          </p:nvPr>
+        </p:nvSpPr>
+        <p:spPr/>
+      </p:sp>
+      <p:sp>
+        <p:nvSpPr>
+          <p:cNvPr id="3" name="Notes Placeholder 2"/>
+          <p:cNvSpPr>
+            <a:spLocks noGrp="1"/>
+          </p:cNvSpPr>
+          <p:nvPr>
+            <p:ph type="body" idx="1"/>
+          </p:nvPr>
+        </p:nvSpPr>
+        <p:spPr/>
+        <p:txBody>
+          <a:bodyPr/>
+          <a:lstStyle/>
+          <a:p>
+            <a:pPr marL="0" indent="0">
+              <a:buFont typeface="Arial" panose="020B0604020202020204" pitchFamily="34" charset="0"/>
+              <a:buNone/>
+            </a:pPr>
+            <a:r>
+              <a:rPr lang="en-US" b="1" dirty="0"/>
+              <a:t>Stéphane</a:t>
+            </a:r>
+          </a:p>
+          <a:p>
+            <a:pPr marL="0" indent="0">
+              <a:buFont typeface="Arial" panose="020B0604020202020204" pitchFamily="34" charset="0"/>
+              <a:buNone/>
+            </a:pPr>
+            <a:endParaRPr lang="en-US" b="1" dirty="0"/>
+          </a:p>
+          <a:p>
+            <a:pPr marL="171450" lvl="0" indent="-171450">
+              <a:buFont typeface="Arial" panose="020B0604020202020204" pitchFamily="34" charset="0"/>
+              <a:buChar char="•"/>
+            </a:pPr>
+            <a:r>
+              <a:rPr lang="en-US" dirty="0"/>
+              <a:t>The LCD continuously refreshes its content by reading the data from a memory buffer.</a:t>
+            </a:r>
+          </a:p>
+          <a:p>
+            <a:pPr marL="628639" lvl="1" indent="-171450">
+              <a:buFont typeface="Arial" panose="020B0604020202020204" pitchFamily="34" charset="0"/>
+              <a:buChar char="•"/>
+            </a:pPr>
+            <a:r>
+              <a:rPr lang="en-US" dirty="0"/>
+              <a:t>The buffer size depends on the LCD size and its number of bits per pixel.</a:t>
+            </a:r>
+          </a:p>
+          <a:p>
+            <a:pPr marL="628639" lvl="1" indent="-171450">
+              <a:buFont typeface="Arial" panose="020B0604020202020204" pitchFamily="34" charset="0"/>
+              <a:buChar char="•"/>
+            </a:pPr>
+            <a:r>
+              <a:rPr lang="en-US" dirty="0"/>
+              <a:t>We cannot stop this refresh, otherwise the image fades away.</a:t>
+            </a:r>
+          </a:p>
+          <a:p>
+            <a:pPr marL="171450" lvl="0" indent="-171450">
+              <a:buFont typeface="Arial" panose="020B0604020202020204" pitchFamily="34" charset="0"/>
+              <a:buChar char="•"/>
+            </a:pPr>
+            <a:r>
+              <a:rPr lang="en-US" dirty="0"/>
+              <a:t>A new frame often appears every 16.6ms (60Hz).</a:t>
+            </a:r>
+          </a:p>
+          <a:p>
+            <a:pPr marL="171450" indent="-171450">
+              <a:buFont typeface="Arial" panose="020B0604020202020204" pitchFamily="34" charset="0"/>
+              <a:buChar char="•"/>
+            </a:pPr>
+            <a:r>
+              <a:rPr lang="en-US" dirty="0"/>
+              <a:t>The electric signals may be generated by an internal LCD controller in the LCD device or by a LCD controller in the MCU.</a:t>
+            </a:r>
+          </a:p>
+          <a:p>
+            <a:pPr marL="171450" indent="-171450">
+              <a:buFont typeface="Arial" panose="020B0604020202020204" pitchFamily="34" charset="0"/>
+              <a:buChar char="•"/>
+            </a:pPr>
+            <a:r>
+              <a:rPr lang="en-US" dirty="0"/>
+              <a:t>The electric signals frequency is several MHz</a:t>
+            </a:r>
+          </a:p>
+          <a:p>
+            <a:pPr marL="171450" indent="-171450">
+              <a:buFont typeface="Arial" panose="020B0604020202020204" pitchFamily="34" charset="0"/>
+              <a:buChar char="•"/>
+            </a:pPr>
+            <a:endParaRPr lang="en-US" dirty="0"/>
+          </a:p>
+          <a:p>
+            <a:pPr marL="171450" indent="-171450">
+              <a:buFont typeface="Arial" panose="020B0604020202020204" pitchFamily="34" charset="0"/>
+              <a:buChar char="•"/>
+            </a:pPr>
+            <a:r>
+              <a:rPr lang="en-US" dirty="0"/>
+              <a:t>If we draw at the same time and in the same buffer than the LCD, we will see the drawings “one by one” instead of seeing the entire frame at once</a:t>
+            </a:r>
+          </a:p>
+        </p:txBody>
+      </p:sp>
+      <p:sp>
+        <p:nvSpPr>
+          <p:cNvPr id="4" name="Footer Placeholder 3"/>
+          <p:cNvSpPr>
+            <a:spLocks noGrp="1"/>
+          </p:cNvSpPr>
+          <p:nvPr>
+            <p:ph type="ftr" sz="quarter" idx="4"/>
+          </p:nvPr>
+        </p:nvSpPr>
+        <p:spPr/>
+        <p:txBody>
+          <a:bodyPr/>
+          <a:lstStyle/>
+          <a:p>
+            <a:endParaRPr lang="en-US" dirty="0"/>
+          </a:p>
+        </p:txBody>
+      </p:sp>
+    </p:spTree>
+    <p:extLst>
+      <p:ext uri="{BB962C8B-B14F-4D97-AF65-F5344CB8AC3E}">
+        <p14:creationId xmlns:p14="http://schemas.microsoft.com/office/powerpoint/2010/main" val="3852453196"/>
+      </p:ext>
+    </p:extLst>
+  </p:cSld>
+  <p:clrMapOvr>
+    <a:masterClrMapping/>
+  </p:clrMapOvr>
+</p:notes>
+</file>
+
+<file path=ppt/notesSlides/notesSlide8.xml><?xml version="1.0" encoding="utf-8"?>
+<p:notes xmlns:a="http://schemas.openxmlformats.org/drawingml/2006/main" xmlns:r="http://schemas.openxmlformats.org/officeDocument/2006/relationships" xmlns:p="http://schemas.openxmlformats.org/presentationml/2006/main">
+  <p:cSld>
+    <p:spTree>
+      <p:nvGrpSpPr>
+        <p:cNvPr id="1" name=""/>
+        <p:cNvGrpSpPr/>
+        <p:nvPr/>
+      </p:nvGrpSpPr>
+      <p:grpSpPr>
+        <a:xfrm>
+          <a:off x="0" y="0"/>
+          <a:ext cx="0" cy="0"/>
+          <a:chOff x="0" y="0"/>
+          <a:chExt cx="0" cy="0"/>
+        </a:xfrm>
+      </p:grpSpPr>
+      <p:sp>
+        <p:nvSpPr>
+          <p:cNvPr id="2" name="Slide Image Placeholder 1"/>
+          <p:cNvSpPr>
+            <a:spLocks noGrp="1" noRot="1" noChangeAspect="1"/>
+          </p:cNvSpPr>
+          <p:nvPr>
+            <p:ph type="sldImg"/>
+          </p:nvPr>
+        </p:nvSpPr>
+        <p:spPr/>
+      </p:sp>
+      <p:sp>
+        <p:nvSpPr>
+          <p:cNvPr id="3" name="Notes Placeholder 2"/>
+          <p:cNvSpPr>
+            <a:spLocks noGrp="1"/>
+          </p:cNvSpPr>
+          <p:nvPr>
+            <p:ph type="body" idx="1"/>
+          </p:nvPr>
+        </p:nvSpPr>
+        <p:spPr/>
+        <p:txBody>
+          <a:bodyPr/>
+          <a:lstStyle/>
+          <a:p>
+            <a:pPr marL="0" indent="0">
+              <a:buFont typeface="Arial" panose="020B0604020202020204" pitchFamily="34" charset="0"/>
+              <a:buNone/>
+            </a:pPr>
+            <a:r>
+              <a:rPr lang="en-US" b="1" dirty="0"/>
+              <a:t>Stéphane</a:t>
+            </a:r>
+          </a:p>
+          <a:p>
+            <a:pPr marL="0" indent="0">
+              <a:buFont typeface="Arial" panose="020B0604020202020204" pitchFamily="34" charset="0"/>
+              <a:buNone/>
+            </a:pPr>
+            <a:endParaRPr lang="en-US" b="1" dirty="0"/>
+          </a:p>
+          <a:p>
+            <a:pPr marL="171450" lvl="0" indent="-171450">
+              <a:buFont typeface="Arial" panose="020B0604020202020204" pitchFamily="34" charset="0"/>
+              <a:buChar char="•"/>
+            </a:pPr>
+            <a:r>
+              <a:rPr lang="en-US" dirty="0"/>
+              <a:t>The LCD continuously refreshes its content by reading the data from a memory buffer.</a:t>
+            </a:r>
+          </a:p>
+          <a:p>
+            <a:pPr marL="628639" lvl="1" indent="-171450">
+              <a:buFont typeface="Arial" panose="020B0604020202020204" pitchFamily="34" charset="0"/>
+              <a:buChar char="•"/>
+            </a:pPr>
+            <a:r>
+              <a:rPr lang="en-US" dirty="0"/>
+              <a:t>The buffer size depends on the LCD size and its number of bits per pixel.</a:t>
+            </a:r>
+          </a:p>
+          <a:p>
+            <a:pPr marL="628639" lvl="1" indent="-171450">
+              <a:buFont typeface="Arial" panose="020B0604020202020204" pitchFamily="34" charset="0"/>
+              <a:buChar char="•"/>
+            </a:pPr>
+            <a:r>
+              <a:rPr lang="en-US" dirty="0"/>
+              <a:t>We cannot stop this refresh, otherwise the image fades away.</a:t>
+            </a:r>
+          </a:p>
+          <a:p>
+            <a:pPr marL="171450" lvl="0" indent="-171450">
+              <a:buFont typeface="Arial" panose="020B0604020202020204" pitchFamily="34" charset="0"/>
+              <a:buChar char="•"/>
+            </a:pPr>
+            <a:r>
+              <a:rPr lang="en-US" dirty="0"/>
+              <a:t>A new frame often appears every 16.6ms (60Hz).</a:t>
+            </a:r>
+          </a:p>
+          <a:p>
+            <a:pPr marL="171450" indent="-171450">
+              <a:buFont typeface="Arial" panose="020B0604020202020204" pitchFamily="34" charset="0"/>
+              <a:buChar char="•"/>
+            </a:pPr>
+            <a:r>
+              <a:rPr lang="en-US" dirty="0"/>
+              <a:t>The electric signals may be generated by an internal LCD controller in the LCD device or by a LCD controller in the MCU.</a:t>
+            </a:r>
+          </a:p>
+          <a:p>
+            <a:pPr marL="171450" indent="-171450">
+              <a:buFont typeface="Arial" panose="020B0604020202020204" pitchFamily="34" charset="0"/>
+              <a:buChar char="•"/>
+            </a:pPr>
+            <a:r>
+              <a:rPr lang="en-US" dirty="0"/>
+              <a:t>The electric signals frequency is several MHz</a:t>
+            </a:r>
+          </a:p>
+          <a:p>
+            <a:pPr marL="171450" indent="-171450">
+              <a:buFont typeface="Arial" panose="020B0604020202020204" pitchFamily="34" charset="0"/>
+              <a:buChar char="•"/>
+            </a:pPr>
+            <a:endParaRPr lang="en-US" dirty="0"/>
+          </a:p>
+          <a:p>
+            <a:pPr marL="171450" indent="-171450">
+              <a:buFont typeface="Arial" panose="020B0604020202020204" pitchFamily="34" charset="0"/>
+              <a:buChar char="•"/>
+            </a:pPr>
+            <a:r>
+              <a:rPr lang="en-US" dirty="0"/>
+              <a:t>If we draw at the same time and in the same buffer than the LCD, we will see the drawings “one by one” instead of seeing the entire frame at once</a:t>
+            </a:r>
+          </a:p>
+        </p:txBody>
+      </p:sp>
+      <p:sp>
+        <p:nvSpPr>
+          <p:cNvPr id="4" name="Footer Placeholder 3"/>
+          <p:cNvSpPr>
+            <a:spLocks noGrp="1"/>
+          </p:cNvSpPr>
+          <p:nvPr>
+            <p:ph type="ftr" sz="quarter" idx="4"/>
+          </p:nvPr>
+        </p:nvSpPr>
+        <p:spPr/>
+        <p:txBody>
+          <a:bodyPr/>
+          <a:lstStyle/>
+          <a:p>
+            <a:endParaRPr lang="en-US" dirty="0"/>
+          </a:p>
+        </p:txBody>
+      </p:sp>
+    </p:spTree>
+    <p:extLst>
+      <p:ext uri="{BB962C8B-B14F-4D97-AF65-F5344CB8AC3E}">
+        <p14:creationId xmlns:p14="http://schemas.microsoft.com/office/powerpoint/2010/main" val="506615833"/>
       </p:ext>
     </p:extLst>
   </p:cSld>
@@ -20132,118 +20992,6 @@
           <a:chExt cx="0" cy="0"/>
         </a:xfrm>
       </p:grpSpPr>
-      <p:sp>
-        <p:nvSpPr>
-          <p:cNvPr id="2" name="Text Placeholder 1">
-            <a:extLst>
-              <a:ext uri="{FF2B5EF4-FFF2-40B4-BE49-F238E27FC236}">
-                <a16:creationId xmlns:a16="http://schemas.microsoft.com/office/drawing/2014/main" id="{3464DFA8-8621-AED5-4766-761E83B0876B}"/>
-              </a:ext>
-            </a:extLst>
-          </p:cNvPr>
-          <p:cNvSpPr>
-            <a:spLocks noGrp="1"/>
-          </p:cNvSpPr>
-          <p:nvPr>
-            <p:ph type="body" idx="1"/>
-          </p:nvPr>
-        </p:nvSpPr>
-        <p:spPr/>
-        <p:txBody>
-          <a:bodyPr/>
-          <a:lstStyle/>
-          <a:p>
-            <a:r>
-              <a:rPr lang="en-US" dirty="0"/>
-              <a:t>Display continuous refresh</a:t>
-            </a:r>
-          </a:p>
-        </p:txBody>
-      </p:sp>
-      <p:sp>
-        <p:nvSpPr>
-          <p:cNvPr id="4" name="Date Placeholder 3">
-            <a:extLst>
-              <a:ext uri="{FF2B5EF4-FFF2-40B4-BE49-F238E27FC236}">
-                <a16:creationId xmlns:a16="http://schemas.microsoft.com/office/drawing/2014/main" id="{F9FF2894-A701-2020-51BF-582DBC3EC8EA}"/>
-              </a:ext>
-            </a:extLst>
-          </p:cNvPr>
-          <p:cNvSpPr>
-            <a:spLocks noGrp="1"/>
-          </p:cNvSpPr>
-          <p:nvPr>
-            <p:ph type="dt" sz="half" idx="10"/>
-          </p:nvPr>
-        </p:nvSpPr>
-        <p:spPr/>
-        <p:txBody>
-          <a:bodyPr/>
-          <a:lstStyle/>
-          <a:p>
-            <a:r>
-              <a:rPr lang="en-US" dirty="0"/>
-              <a:t>V0.1 Jan. 2024</a:t>
-            </a:r>
-          </a:p>
-        </p:txBody>
-      </p:sp>
-      <p:sp>
-        <p:nvSpPr>
-          <p:cNvPr id="5" name="Footer Placeholder 4">
-            <a:extLst>
-              <a:ext uri="{FF2B5EF4-FFF2-40B4-BE49-F238E27FC236}">
-                <a16:creationId xmlns:a16="http://schemas.microsoft.com/office/drawing/2014/main" id="{42C578FF-97EE-71F7-05FC-7AA8379E28AF}"/>
-              </a:ext>
-            </a:extLst>
-          </p:cNvPr>
-          <p:cNvSpPr>
-            <a:spLocks noGrp="1"/>
-          </p:cNvSpPr>
-          <p:nvPr>
-            <p:ph type="ftr" sz="quarter" idx="12"/>
-          </p:nvPr>
-        </p:nvSpPr>
-        <p:spPr/>
-        <p:txBody>
-          <a:bodyPr/>
-          <a:lstStyle/>
-          <a:p>
-            <a:r>
-              <a:rPr lang="en-US" dirty="0"/>
-              <a:t>© MICROEJ 2024 - CONFIDENTIAL</a:t>
-            </a:r>
-          </a:p>
-        </p:txBody>
-      </p:sp>
-      <p:sp>
-        <p:nvSpPr>
-          <p:cNvPr id="6" name="Title 5">
-            <a:extLst>
-              <a:ext uri="{FF2B5EF4-FFF2-40B4-BE49-F238E27FC236}">
-                <a16:creationId xmlns:a16="http://schemas.microsoft.com/office/drawing/2014/main" id="{EE66C0D3-BDF4-82B1-27F4-32BEFB28622D}"/>
-              </a:ext>
-            </a:extLst>
-          </p:cNvPr>
-          <p:cNvSpPr>
-            <a:spLocks noGrp="1"/>
-          </p:cNvSpPr>
-          <p:nvPr>
-            <p:ph type="title"/>
-          </p:nvPr>
-        </p:nvSpPr>
-        <p:spPr/>
-        <p:txBody>
-          <a:bodyPr/>
-          <a:lstStyle/>
-          <a:p>
-            <a:r>
-              <a:rPr lang="en-US" dirty="0"/>
-              <a:t>Introduction</a:t>
-            </a:r>
-          </a:p>
-        </p:txBody>
-      </p:sp>
       <p:pic>
         <p:nvPicPr>
           <p:cNvPr id="8" name="Picture 7">
@@ -20709,118 +21457,6 @@
                 <a:ea typeface="Source Sans Pro" panose="020B0503030403020204" pitchFamily="34" charset="0"/>
               </a:rPr>
               <a:t>Display module</a:t>
-            </a:r>
-          </a:p>
-        </p:txBody>
-      </p:sp>
-      <p:sp>
-        <p:nvSpPr>
-          <p:cNvPr id="2" name="Text Placeholder 1">
-            <a:extLst>
-              <a:ext uri="{FF2B5EF4-FFF2-40B4-BE49-F238E27FC236}">
-                <a16:creationId xmlns:a16="http://schemas.microsoft.com/office/drawing/2014/main" id="{3464DFA8-8621-AED5-4766-761E83B0876B}"/>
-              </a:ext>
-            </a:extLst>
-          </p:cNvPr>
-          <p:cNvSpPr>
-            <a:spLocks noGrp="1"/>
-          </p:cNvSpPr>
-          <p:nvPr>
-            <p:ph type="body" idx="1"/>
-          </p:nvPr>
-        </p:nvSpPr>
-        <p:spPr/>
-        <p:txBody>
-          <a:bodyPr/>
-          <a:lstStyle/>
-          <a:p>
-            <a:r>
-              <a:rPr lang="en-US" dirty="0"/>
-              <a:t>Display continuous refresh</a:t>
-            </a:r>
-          </a:p>
-        </p:txBody>
-      </p:sp>
-      <p:sp>
-        <p:nvSpPr>
-          <p:cNvPr id="4" name="Date Placeholder 3">
-            <a:extLst>
-              <a:ext uri="{FF2B5EF4-FFF2-40B4-BE49-F238E27FC236}">
-                <a16:creationId xmlns:a16="http://schemas.microsoft.com/office/drawing/2014/main" id="{F9FF2894-A701-2020-51BF-582DBC3EC8EA}"/>
-              </a:ext>
-            </a:extLst>
-          </p:cNvPr>
-          <p:cNvSpPr>
-            <a:spLocks noGrp="1"/>
-          </p:cNvSpPr>
-          <p:nvPr>
-            <p:ph type="dt" sz="half" idx="10"/>
-          </p:nvPr>
-        </p:nvSpPr>
-        <p:spPr/>
-        <p:txBody>
-          <a:bodyPr/>
-          <a:lstStyle/>
-          <a:p>
-            <a:r>
-              <a:rPr lang="en-US" dirty="0"/>
-              <a:t>V0.1 Jan. 2024</a:t>
-            </a:r>
-          </a:p>
-        </p:txBody>
-      </p:sp>
-      <p:sp>
-        <p:nvSpPr>
-          <p:cNvPr id="5" name="Footer Placeholder 4">
-            <a:extLst>
-              <a:ext uri="{FF2B5EF4-FFF2-40B4-BE49-F238E27FC236}">
-                <a16:creationId xmlns:a16="http://schemas.microsoft.com/office/drawing/2014/main" id="{42C578FF-97EE-71F7-05FC-7AA8379E28AF}"/>
-              </a:ext>
-            </a:extLst>
-          </p:cNvPr>
-          <p:cNvSpPr>
-            <a:spLocks noGrp="1"/>
-          </p:cNvSpPr>
-          <p:nvPr>
-            <p:ph type="ftr" sz="quarter" idx="12"/>
-          </p:nvPr>
-        </p:nvSpPr>
-        <p:spPr/>
-        <p:txBody>
-          <a:bodyPr/>
-          <a:lstStyle/>
-          <a:p>
-            <a:r>
-              <a:rPr lang="en-US" dirty="0"/>
-              <a:t>© MICROEJ 2024 - CONFIDENTIAL</a:t>
-            </a:r>
-          </a:p>
-        </p:txBody>
-      </p:sp>
-      <p:sp>
-        <p:nvSpPr>
-          <p:cNvPr id="6" name="Title 5">
-            <a:extLst>
-              <a:ext uri="{FF2B5EF4-FFF2-40B4-BE49-F238E27FC236}">
-                <a16:creationId xmlns:a16="http://schemas.microsoft.com/office/drawing/2014/main" id="{EE66C0D3-BDF4-82B1-27F4-32BEFB28622D}"/>
-              </a:ext>
-            </a:extLst>
-          </p:cNvPr>
-          <p:cNvSpPr>
-            <a:spLocks noGrp="1"/>
-          </p:cNvSpPr>
-          <p:nvPr>
-            <p:ph type="title"/>
-          </p:nvPr>
-        </p:nvSpPr>
-        <p:spPr/>
-        <p:txBody>
-          <a:bodyPr/>
-          <a:lstStyle/>
-          <a:p>
-            <a:r>
-              <a:rPr lang="en-US" dirty="0"/>
-              <a:t>Introduction</a:t>
             </a:r>
           </a:p>
         </p:txBody>
@@ -21444,118 +22080,6 @@
           </a:p>
         </p:txBody>
       </p:sp>
-      <p:sp>
-        <p:nvSpPr>
-          <p:cNvPr id="2" name="Text Placeholder 1">
-            <a:extLst>
-              <a:ext uri="{FF2B5EF4-FFF2-40B4-BE49-F238E27FC236}">
-                <a16:creationId xmlns:a16="http://schemas.microsoft.com/office/drawing/2014/main" id="{3464DFA8-8621-AED5-4766-761E83B0876B}"/>
-              </a:ext>
-            </a:extLst>
-          </p:cNvPr>
-          <p:cNvSpPr>
-            <a:spLocks noGrp="1"/>
-          </p:cNvSpPr>
-          <p:nvPr>
-            <p:ph type="body" idx="1"/>
-          </p:nvPr>
-        </p:nvSpPr>
-        <p:spPr/>
-        <p:txBody>
-          <a:bodyPr/>
-          <a:lstStyle/>
-          <a:p>
-            <a:r>
-              <a:rPr lang="en-US" dirty="0"/>
-              <a:t>Display continuous refresh</a:t>
-            </a:r>
-          </a:p>
-        </p:txBody>
-      </p:sp>
-      <p:sp>
-        <p:nvSpPr>
-          <p:cNvPr id="4" name="Date Placeholder 3">
-            <a:extLst>
-              <a:ext uri="{FF2B5EF4-FFF2-40B4-BE49-F238E27FC236}">
-                <a16:creationId xmlns:a16="http://schemas.microsoft.com/office/drawing/2014/main" id="{F9FF2894-A701-2020-51BF-582DBC3EC8EA}"/>
-              </a:ext>
-            </a:extLst>
-          </p:cNvPr>
-          <p:cNvSpPr>
-            <a:spLocks noGrp="1"/>
-          </p:cNvSpPr>
-          <p:nvPr>
-            <p:ph type="dt" sz="half" idx="10"/>
-          </p:nvPr>
-        </p:nvSpPr>
-        <p:spPr/>
-        <p:txBody>
-          <a:bodyPr/>
-          <a:lstStyle/>
-          <a:p>
-            <a:r>
-              <a:rPr lang="en-US" dirty="0"/>
-              <a:t>V0.1 Jan. 2024</a:t>
-            </a:r>
-          </a:p>
-        </p:txBody>
-      </p:sp>
-      <p:sp>
-        <p:nvSpPr>
-          <p:cNvPr id="5" name="Footer Placeholder 4">
-            <a:extLst>
-              <a:ext uri="{FF2B5EF4-FFF2-40B4-BE49-F238E27FC236}">
-                <a16:creationId xmlns:a16="http://schemas.microsoft.com/office/drawing/2014/main" id="{42C578FF-97EE-71F7-05FC-7AA8379E28AF}"/>
-              </a:ext>
-            </a:extLst>
-          </p:cNvPr>
-          <p:cNvSpPr>
-            <a:spLocks noGrp="1"/>
-          </p:cNvSpPr>
-          <p:nvPr>
-            <p:ph type="ftr" sz="quarter" idx="12"/>
-          </p:nvPr>
-        </p:nvSpPr>
-        <p:spPr/>
-        <p:txBody>
-          <a:bodyPr/>
-          <a:lstStyle/>
-          <a:p>
-            <a:r>
-              <a:rPr lang="en-US" dirty="0"/>
-              <a:t>© MICROEJ 2024 - CONFIDENTIAL</a:t>
-            </a:r>
-          </a:p>
-        </p:txBody>
-      </p:sp>
-      <p:sp>
-        <p:nvSpPr>
-          <p:cNvPr id="6" name="Title 5">
-            <a:extLst>
-              <a:ext uri="{FF2B5EF4-FFF2-40B4-BE49-F238E27FC236}">
-                <a16:creationId xmlns:a16="http://schemas.microsoft.com/office/drawing/2014/main" id="{EE66C0D3-BDF4-82B1-27F4-32BEFB28622D}"/>
-              </a:ext>
-            </a:extLst>
-          </p:cNvPr>
-          <p:cNvSpPr>
-            <a:spLocks noGrp="1"/>
-          </p:cNvSpPr>
-          <p:nvPr>
-            <p:ph type="title"/>
-          </p:nvPr>
-        </p:nvSpPr>
-        <p:spPr/>
-        <p:txBody>
-          <a:bodyPr/>
-          <a:lstStyle/>
-          <a:p>
-            <a:r>
-              <a:rPr lang="en-US" dirty="0"/>
-              <a:t>Introduction</a:t>
-            </a:r>
-          </a:p>
-        </p:txBody>
-      </p:sp>
       <p:pic>
         <p:nvPicPr>
           <p:cNvPr id="8" name="Picture 7">
@@ -21961,6 +22485,4036 @@
     <p:extLst>
       <p:ext uri="{BB962C8B-B14F-4D97-AF65-F5344CB8AC3E}">
         <p14:creationId xmlns:p14="http://schemas.microsoft.com/office/powerpoint/2010/main" val="2362863917"/>
+      </p:ext>
+    </p:extLst>
+  </p:cSld>
+  <p:clrMapOvr>
+    <a:masterClrMapping/>
+  </p:clrMapOvr>
+</p:sld>
+</file>
+
+<file path=ppt/slides/slide5.xml><?xml version="1.0" encoding="utf-8"?>
+<p:sld xmlns:a="http://schemas.openxmlformats.org/drawingml/2006/main" xmlns:r="http://schemas.openxmlformats.org/officeDocument/2006/relationships" xmlns:p="http://schemas.openxmlformats.org/presentationml/2006/main">
+  <p:cSld>
+    <p:spTree>
+      <p:nvGrpSpPr>
+        <p:cNvPr id="1" name=""/>
+        <p:cNvGrpSpPr/>
+        <p:nvPr/>
+      </p:nvGrpSpPr>
+      <p:grpSpPr>
+        <a:xfrm>
+          <a:off x="0" y="0"/>
+          <a:ext cx="0" cy="0"/>
+          <a:chOff x="0" y="0"/>
+          <a:chExt cx="0" cy="0"/>
+        </a:xfrm>
+      </p:grpSpPr>
+      <p:sp>
+        <p:nvSpPr>
+          <p:cNvPr id="16" name="Rectangle 15">
+            <a:extLst>
+              <a:ext uri="{FF2B5EF4-FFF2-40B4-BE49-F238E27FC236}">
+                <a16:creationId xmlns:a16="http://schemas.microsoft.com/office/drawing/2014/main" id="{64AD43B7-23E8-6DBF-53B4-D516396CBA62}"/>
+              </a:ext>
+            </a:extLst>
+          </p:cNvPr>
+          <p:cNvSpPr/>
+          <p:nvPr/>
+        </p:nvSpPr>
+        <p:spPr>
+          <a:xfrm>
+            <a:off x="1255923" y="2159305"/>
+            <a:ext cx="3538753" cy="2566930"/>
+          </a:xfrm>
+          <a:prstGeom prst="rect">
+            <a:avLst/>
+          </a:prstGeom>
+          <a:ln/>
+        </p:spPr>
+        <p:style>
+          <a:lnRef idx="2">
+            <a:schemeClr val="accent2"/>
+          </a:lnRef>
+          <a:fillRef idx="1">
+            <a:schemeClr val="lt1"/>
+          </a:fillRef>
+          <a:effectRef idx="0">
+            <a:schemeClr val="accent2"/>
+          </a:effectRef>
+          <a:fontRef idx="minor">
+            <a:schemeClr val="dk1"/>
+          </a:fontRef>
+        </p:style>
+        <p:txBody>
+          <a:bodyPr rtlCol="0" anchor="b" anchorCtr="0"/>
+          <a:lstStyle/>
+          <a:p>
+            <a:pPr algn="ctr"/>
+            <a:r>
+              <a:rPr lang="en-US" sz="1400" dirty="0">
+                <a:solidFill>
+                  <a:schemeClr val="tx2"/>
+                </a:solidFill>
+                <a:latin typeface="Source Sans Pro Light" panose="020B0403030403020204" pitchFamily="34" charset="77"/>
+                <a:ea typeface="Source Sans Pro" panose="020B0503030403020204" pitchFamily="34" charset="0"/>
+              </a:rPr>
+              <a:t>MCU</a:t>
+            </a:r>
+          </a:p>
+        </p:txBody>
+      </p:sp>
+      <p:sp>
+        <p:nvSpPr>
+          <p:cNvPr id="11" name="Rectangle 10">
+            <a:extLst>
+              <a:ext uri="{FF2B5EF4-FFF2-40B4-BE49-F238E27FC236}">
+                <a16:creationId xmlns:a16="http://schemas.microsoft.com/office/drawing/2014/main" id="{FD80A1C3-DC8A-ADFF-8382-C05410AF9436}"/>
+              </a:ext>
+            </a:extLst>
+          </p:cNvPr>
+          <p:cNvSpPr/>
+          <p:nvPr/>
+        </p:nvSpPr>
+        <p:spPr>
+          <a:xfrm>
+            <a:off x="5177928" y="2159306"/>
+            <a:ext cx="6257580" cy="2566930"/>
+          </a:xfrm>
+          <a:prstGeom prst="rect">
+            <a:avLst/>
+          </a:prstGeom>
+          <a:ln/>
+        </p:spPr>
+        <p:style>
+          <a:lnRef idx="2">
+            <a:schemeClr val="accent2"/>
+          </a:lnRef>
+          <a:fillRef idx="1">
+            <a:schemeClr val="lt1"/>
+          </a:fillRef>
+          <a:effectRef idx="0">
+            <a:schemeClr val="accent2"/>
+          </a:effectRef>
+          <a:fontRef idx="minor">
+            <a:schemeClr val="dk1"/>
+          </a:fontRef>
+        </p:style>
+        <p:txBody>
+          <a:bodyPr rtlCol="0" anchor="b" anchorCtr="0"/>
+          <a:lstStyle/>
+          <a:p>
+            <a:pPr algn="ctr"/>
+            <a:r>
+              <a:rPr lang="en-US" sz="1400" dirty="0">
+                <a:solidFill>
+                  <a:schemeClr val="tx2"/>
+                </a:solidFill>
+                <a:latin typeface="Source Sans Pro Light" panose="020B0403030403020204" pitchFamily="34" charset="77"/>
+                <a:ea typeface="Source Sans Pro" panose="020B0503030403020204" pitchFamily="34" charset="0"/>
+              </a:rPr>
+              <a:t>Display module</a:t>
+            </a:r>
+          </a:p>
+        </p:txBody>
+      </p:sp>
+      <p:grpSp>
+        <p:nvGrpSpPr>
+          <p:cNvPr id="3" name="Group 2">
+            <a:extLst>
+              <a:ext uri="{FF2B5EF4-FFF2-40B4-BE49-F238E27FC236}">
+                <a16:creationId xmlns:a16="http://schemas.microsoft.com/office/drawing/2014/main" id="{BA030F01-D386-07D8-28D4-D295E41BDCA1}"/>
+              </a:ext>
+            </a:extLst>
+          </p:cNvPr>
+          <p:cNvGrpSpPr>
+            <a:grpSpLocks noChangeAspect="1"/>
+          </p:cNvGrpSpPr>
+          <p:nvPr/>
+        </p:nvGrpSpPr>
+        <p:grpSpPr>
+          <a:xfrm>
+            <a:off x="6515452" y="2479481"/>
+            <a:ext cx="4600568" cy="1787652"/>
+            <a:chOff x="5325630" y="2187838"/>
+            <a:chExt cx="6003142" cy="2332653"/>
+          </a:xfrm>
+        </p:grpSpPr>
+        <p:pic>
+          <p:nvPicPr>
+            <p:cNvPr id="8" name="Picture 7">
+              <a:extLst>
+                <a:ext uri="{FF2B5EF4-FFF2-40B4-BE49-F238E27FC236}">
+                  <a16:creationId xmlns:a16="http://schemas.microsoft.com/office/drawing/2014/main" id="{FFED50E9-4666-827D-A26D-B1C27D6DCC8C}"/>
+                </a:ext>
+              </a:extLst>
+            </p:cNvPr>
+            <p:cNvPicPr>
+              <a:picLocks noChangeAspect="1"/>
+            </p:cNvPicPr>
+            <p:nvPr/>
+          </p:nvPicPr>
+          <p:blipFill rotWithShape="1">
+            <a:blip r:embed="rId3" cstate="print">
+              <a:extLst>
+                <a:ext uri="{28A0092B-C50C-407E-A947-70E740481C1C}">
+                  <a14:useLocalDpi xmlns:a14="http://schemas.microsoft.com/office/drawing/2010/main" val="0"/>
+                </a:ext>
+              </a:extLst>
+            </a:blip>
+            <a:srcRect l="18554" t="45307" r="13825" b="13196"/>
+            <a:stretch/>
+          </p:blipFill>
+          <p:spPr>
+            <a:xfrm>
+              <a:off x="8354662" y="2505270"/>
+              <a:ext cx="2974110" cy="1847461"/>
+            </a:xfrm>
+            <a:prstGeom prst="rect">
+              <a:avLst/>
+            </a:prstGeom>
+          </p:spPr>
+        </p:pic>
+        <p:sp>
+          <p:nvSpPr>
+            <p:cNvPr id="9" name="Rectangle 8">
+              <a:extLst>
+                <a:ext uri="{FF2B5EF4-FFF2-40B4-BE49-F238E27FC236}">
+                  <a16:creationId xmlns:a16="http://schemas.microsoft.com/office/drawing/2014/main" id="{1A2856C8-2CFE-CD28-F430-C4BAB5AC7E97}"/>
+                </a:ext>
+              </a:extLst>
+            </p:cNvPr>
+            <p:cNvSpPr/>
+            <p:nvPr/>
+          </p:nvSpPr>
+          <p:spPr>
+            <a:xfrm>
+              <a:off x="5325630" y="2766527"/>
+              <a:ext cx="2136710" cy="1324946"/>
+            </a:xfrm>
+            <a:prstGeom prst="rect">
+              <a:avLst/>
+            </a:prstGeom>
+            <a:ln/>
+          </p:spPr>
+          <p:style>
+            <a:lnRef idx="2">
+              <a:schemeClr val="accent1"/>
+            </a:lnRef>
+            <a:fillRef idx="1">
+              <a:schemeClr val="lt1"/>
+            </a:fillRef>
+            <a:effectRef idx="0">
+              <a:schemeClr val="accent1"/>
+            </a:effectRef>
+            <a:fontRef idx="minor">
+              <a:schemeClr val="dk1"/>
+            </a:fontRef>
+          </p:style>
+          <p:txBody>
+            <a:bodyPr rtlCol="0" anchor="ctr"/>
+            <a:lstStyle/>
+            <a:p>
+              <a:pPr algn="ctr"/>
+              <a:r>
+                <a:rPr lang="en-US" sz="1400" dirty="0">
+                  <a:solidFill>
+                    <a:schemeClr val="tx2"/>
+                  </a:solidFill>
+                  <a:latin typeface="Source Sans Pro Light" panose="020B0403030403020204" pitchFamily="34" charset="77"/>
+                  <a:ea typeface="Source Sans Pro" panose="020B0503030403020204" pitchFamily="34" charset="0"/>
+                </a:rPr>
+                <a:t>Memory</a:t>
+              </a:r>
+            </a:p>
+          </p:txBody>
+        </p:sp>
+        <p:cxnSp>
+          <p:nvCxnSpPr>
+            <p:cNvPr id="12" name="Straight Connector 11">
+              <a:extLst>
+                <a:ext uri="{FF2B5EF4-FFF2-40B4-BE49-F238E27FC236}">
+                  <a16:creationId xmlns:a16="http://schemas.microsoft.com/office/drawing/2014/main" id="{22EAEBA0-CC84-B4FA-2E32-89A6CD4415DA}"/>
+                </a:ext>
+              </a:extLst>
+            </p:cNvPr>
+            <p:cNvCxnSpPr>
+              <a:stCxn id="9" idx="3"/>
+              <a:endCxn id="8" idx="1"/>
+            </p:cNvCxnSpPr>
+            <p:nvPr/>
+          </p:nvCxnSpPr>
+          <p:spPr>
+            <a:xfrm>
+              <a:off x="7462340" y="3429000"/>
+              <a:ext cx="892322" cy="1"/>
+            </a:xfrm>
+            <a:prstGeom prst="line">
+              <a:avLst/>
+            </a:prstGeom>
+          </p:spPr>
+          <p:style>
+            <a:lnRef idx="1">
+              <a:schemeClr val="accent4"/>
+            </a:lnRef>
+            <a:fillRef idx="0">
+              <a:schemeClr val="accent4"/>
+            </a:fillRef>
+            <a:effectRef idx="0">
+              <a:schemeClr val="accent4"/>
+            </a:effectRef>
+            <a:fontRef idx="minor">
+              <a:schemeClr val="tx1"/>
+            </a:fontRef>
+          </p:style>
+        </p:cxnSp>
+        <p:cxnSp>
+          <p:nvCxnSpPr>
+            <p:cNvPr id="13" name="Straight Connector 12">
+              <a:extLst>
+                <a:ext uri="{FF2B5EF4-FFF2-40B4-BE49-F238E27FC236}">
+                  <a16:creationId xmlns:a16="http://schemas.microsoft.com/office/drawing/2014/main" id="{74E61ECF-86F3-86F3-3684-3341060CF69F}"/>
+                </a:ext>
+              </a:extLst>
+            </p:cNvPr>
+            <p:cNvCxnSpPr>
+              <a:cxnSpLocks/>
+            </p:cNvCxnSpPr>
+            <p:nvPr/>
+          </p:nvCxnSpPr>
+          <p:spPr>
+            <a:xfrm flipV="1">
+              <a:off x="7792681" y="3354164"/>
+              <a:ext cx="148324" cy="190263"/>
+            </a:xfrm>
+            <a:prstGeom prst="line">
+              <a:avLst/>
+            </a:prstGeom>
+          </p:spPr>
+          <p:style>
+            <a:lnRef idx="1">
+              <a:schemeClr val="accent4"/>
+            </a:lnRef>
+            <a:fillRef idx="0">
+              <a:schemeClr val="accent4"/>
+            </a:fillRef>
+            <a:effectRef idx="0">
+              <a:schemeClr val="accent4"/>
+            </a:effectRef>
+            <a:fontRef idx="minor">
+              <a:schemeClr val="tx1"/>
+            </a:fontRef>
+          </p:style>
+        </p:cxnSp>
+        <p:sp>
+          <p:nvSpPr>
+            <p:cNvPr id="10" name="Arc 9">
+              <a:extLst>
+                <a:ext uri="{FF2B5EF4-FFF2-40B4-BE49-F238E27FC236}">
+                  <a16:creationId xmlns:a16="http://schemas.microsoft.com/office/drawing/2014/main" id="{070CE625-638E-D085-FAEA-696B711BC3C5}"/>
+                </a:ext>
+              </a:extLst>
+            </p:cNvPr>
+            <p:cNvSpPr/>
+            <p:nvPr/>
+          </p:nvSpPr>
+          <p:spPr>
+            <a:xfrm>
+              <a:off x="6674527" y="2187838"/>
+              <a:ext cx="2467948" cy="2332653"/>
+            </a:xfrm>
+            <a:prstGeom prst="arc">
+              <a:avLst>
+                <a:gd name="adj1" fmla="val 12872902"/>
+                <a:gd name="adj2" fmla="val 8225889"/>
+              </a:avLst>
+            </a:prstGeom>
+            <a:ln w="25400">
+              <a:tailEnd type="stealth" w="lg" len="lg"/>
+            </a:ln>
+          </p:spPr>
+          <p:style>
+            <a:lnRef idx="1">
+              <a:schemeClr val="accent1"/>
+            </a:lnRef>
+            <a:fillRef idx="0">
+              <a:schemeClr val="accent1"/>
+            </a:fillRef>
+            <a:effectRef idx="0">
+              <a:schemeClr val="accent1"/>
+            </a:effectRef>
+            <a:fontRef idx="minor">
+              <a:schemeClr val="tx1"/>
+            </a:fontRef>
+          </p:style>
+          <p:txBody>
+            <a:bodyPr rtlCol="0" anchor="ctr"/>
+            <a:lstStyle/>
+            <a:p>
+              <a:pPr algn="ctr"/>
+              <a:endParaRPr lang="en-US"/>
+            </a:p>
+          </p:txBody>
+        </p:sp>
+      </p:grpSp>
+      <p:sp>
+        <p:nvSpPr>
+          <p:cNvPr id="7" name="Rectangle 6">
+            <a:extLst>
+              <a:ext uri="{FF2B5EF4-FFF2-40B4-BE49-F238E27FC236}">
+                <a16:creationId xmlns:a16="http://schemas.microsoft.com/office/drawing/2014/main" id="{EE9CF8DD-BEBD-03CC-60A2-FB1191005967}"/>
+              </a:ext>
+            </a:extLst>
+          </p:cNvPr>
+          <p:cNvSpPr/>
+          <p:nvPr/>
+        </p:nvSpPr>
+        <p:spPr>
+          <a:xfrm>
+            <a:off x="5499706" y="3173335"/>
+            <a:ext cx="762586" cy="507693"/>
+          </a:xfrm>
+          <a:prstGeom prst="rect">
+            <a:avLst/>
+          </a:prstGeom>
+          <a:ln/>
+        </p:spPr>
+        <p:style>
+          <a:lnRef idx="2">
+            <a:schemeClr val="accent1"/>
+          </a:lnRef>
+          <a:fillRef idx="1">
+            <a:schemeClr val="lt1"/>
+          </a:fillRef>
+          <a:effectRef idx="0">
+            <a:schemeClr val="accent1"/>
+          </a:effectRef>
+          <a:fontRef idx="minor">
+            <a:schemeClr val="dk1"/>
+          </a:fontRef>
+        </p:style>
+        <p:txBody>
+          <a:bodyPr rtlCol="0" anchor="ctr"/>
+          <a:lstStyle/>
+          <a:p>
+            <a:pPr algn="ctr"/>
+            <a:r>
+              <a:rPr lang="en-US" sz="1400" dirty="0">
+                <a:solidFill>
+                  <a:schemeClr val="tx2"/>
+                </a:solidFill>
+                <a:latin typeface="Source Sans Pro Light" panose="020B0403030403020204" pitchFamily="34" charset="77"/>
+                <a:ea typeface="Source Sans Pro" panose="020B0503030403020204" pitchFamily="34" charset="0"/>
+              </a:rPr>
+              <a:t>LCDC</a:t>
+            </a:r>
+          </a:p>
+        </p:txBody>
+      </p:sp>
+      <p:sp>
+        <p:nvSpPr>
+          <p:cNvPr id="14" name="Rectangle 13">
+            <a:extLst>
+              <a:ext uri="{FF2B5EF4-FFF2-40B4-BE49-F238E27FC236}">
+                <a16:creationId xmlns:a16="http://schemas.microsoft.com/office/drawing/2014/main" id="{F79704A7-1530-628C-D595-3F2FEF1E99C5}"/>
+              </a:ext>
+            </a:extLst>
+          </p:cNvPr>
+          <p:cNvSpPr/>
+          <p:nvPr/>
+        </p:nvSpPr>
+        <p:spPr>
+          <a:xfrm>
+            <a:off x="3832651" y="3173335"/>
+            <a:ext cx="762586" cy="507693"/>
+          </a:xfrm>
+          <a:prstGeom prst="rect">
+            <a:avLst/>
+          </a:prstGeom>
+          <a:ln/>
+        </p:spPr>
+        <p:style>
+          <a:lnRef idx="2">
+            <a:schemeClr val="accent1"/>
+          </a:lnRef>
+          <a:fillRef idx="1">
+            <a:schemeClr val="lt1"/>
+          </a:fillRef>
+          <a:effectRef idx="0">
+            <a:schemeClr val="accent1"/>
+          </a:effectRef>
+          <a:fontRef idx="minor">
+            <a:schemeClr val="dk1"/>
+          </a:fontRef>
+        </p:style>
+        <p:txBody>
+          <a:bodyPr rtlCol="0" anchor="ctr"/>
+          <a:lstStyle/>
+          <a:p>
+            <a:pPr algn="ctr"/>
+            <a:r>
+              <a:rPr lang="en-US" sz="1400" dirty="0">
+                <a:solidFill>
+                  <a:schemeClr val="tx2"/>
+                </a:solidFill>
+                <a:latin typeface="Source Sans Pro Light" panose="020B0403030403020204" pitchFamily="34" charset="77"/>
+                <a:ea typeface="Source Sans Pro" panose="020B0503030403020204" pitchFamily="34" charset="0"/>
+              </a:rPr>
+              <a:t>SPI</a:t>
+            </a:r>
+          </a:p>
+        </p:txBody>
+      </p:sp>
+      <p:sp>
+        <p:nvSpPr>
+          <p:cNvPr id="15" name="Rectangle 14">
+            <a:extLst>
+              <a:ext uri="{FF2B5EF4-FFF2-40B4-BE49-F238E27FC236}">
+                <a16:creationId xmlns:a16="http://schemas.microsoft.com/office/drawing/2014/main" id="{65049CB4-0DDB-CE65-2175-D46A619BA7B2}"/>
+              </a:ext>
+            </a:extLst>
+          </p:cNvPr>
+          <p:cNvSpPr/>
+          <p:nvPr/>
+        </p:nvSpPr>
+        <p:spPr>
+          <a:xfrm>
+            <a:off x="1942002" y="2935077"/>
+            <a:ext cx="1637489" cy="1015386"/>
+          </a:xfrm>
+          <a:prstGeom prst="rect">
+            <a:avLst/>
+          </a:prstGeom>
+          <a:ln/>
+        </p:spPr>
+        <p:style>
+          <a:lnRef idx="2">
+            <a:schemeClr val="accent1"/>
+          </a:lnRef>
+          <a:fillRef idx="1">
+            <a:schemeClr val="lt1"/>
+          </a:fillRef>
+          <a:effectRef idx="0">
+            <a:schemeClr val="accent1"/>
+          </a:effectRef>
+          <a:fontRef idx="minor">
+            <a:schemeClr val="dk1"/>
+          </a:fontRef>
+        </p:style>
+        <p:txBody>
+          <a:bodyPr rtlCol="0" anchor="ctr"/>
+          <a:lstStyle/>
+          <a:p>
+            <a:pPr algn="ctr"/>
+            <a:r>
+              <a:rPr lang="en-US" sz="1400" dirty="0">
+                <a:solidFill>
+                  <a:schemeClr val="tx2"/>
+                </a:solidFill>
+                <a:latin typeface="Source Sans Pro Light" panose="020B0403030403020204" pitchFamily="34" charset="77"/>
+                <a:ea typeface="Source Sans Pro" panose="020B0503030403020204" pitchFamily="34" charset="0"/>
+              </a:rPr>
+              <a:t>Memory</a:t>
+            </a:r>
+          </a:p>
+        </p:txBody>
+      </p:sp>
+      <p:cxnSp>
+        <p:nvCxnSpPr>
+          <p:cNvPr id="17" name="Straight Connector 16">
+            <a:extLst>
+              <a:ext uri="{FF2B5EF4-FFF2-40B4-BE49-F238E27FC236}">
+                <a16:creationId xmlns:a16="http://schemas.microsoft.com/office/drawing/2014/main" id="{39002000-D704-2B02-CC7E-0FEDD6AAC47B}"/>
+              </a:ext>
+            </a:extLst>
+          </p:cNvPr>
+          <p:cNvCxnSpPr>
+            <a:cxnSpLocks/>
+            <a:stCxn id="14" idx="3"/>
+            <a:endCxn id="7" idx="1"/>
+          </p:cNvCxnSpPr>
+          <p:nvPr/>
+        </p:nvCxnSpPr>
+        <p:spPr>
+          <a:xfrm>
+            <a:off x="4595237" y="3427182"/>
+            <a:ext cx="904469" cy="0"/>
+          </a:xfrm>
+          <a:prstGeom prst="line">
+            <a:avLst/>
+          </a:prstGeom>
+          <a:ln w="19050"/>
+        </p:spPr>
+        <p:style>
+          <a:lnRef idx="1">
+            <a:schemeClr val="accent4"/>
+          </a:lnRef>
+          <a:fillRef idx="0">
+            <a:schemeClr val="accent4"/>
+          </a:fillRef>
+          <a:effectRef idx="0">
+            <a:schemeClr val="accent4"/>
+          </a:effectRef>
+          <a:fontRef idx="minor">
+            <a:schemeClr val="tx1"/>
+          </a:fontRef>
+        </p:style>
+      </p:cxnSp>
+      <p:cxnSp>
+        <p:nvCxnSpPr>
+          <p:cNvPr id="20" name="Straight Connector 19">
+            <a:extLst>
+              <a:ext uri="{FF2B5EF4-FFF2-40B4-BE49-F238E27FC236}">
+                <a16:creationId xmlns:a16="http://schemas.microsoft.com/office/drawing/2014/main" id="{A58706F5-92DC-DD6A-522F-3751BFC398BA}"/>
+              </a:ext>
+            </a:extLst>
+          </p:cNvPr>
+          <p:cNvCxnSpPr>
+            <a:cxnSpLocks/>
+          </p:cNvCxnSpPr>
+          <p:nvPr/>
+        </p:nvCxnSpPr>
+        <p:spPr>
+          <a:xfrm flipV="1">
+            <a:off x="4914110" y="3347638"/>
+            <a:ext cx="148324" cy="190263"/>
+          </a:xfrm>
+          <a:prstGeom prst="line">
+            <a:avLst/>
+          </a:prstGeom>
+          <a:ln w="15875"/>
+        </p:spPr>
+        <p:style>
+          <a:lnRef idx="1">
+            <a:schemeClr val="accent4"/>
+          </a:lnRef>
+          <a:fillRef idx="0">
+            <a:schemeClr val="accent4"/>
+          </a:fillRef>
+          <a:effectRef idx="0">
+            <a:schemeClr val="accent4"/>
+          </a:effectRef>
+          <a:fontRef idx="minor">
+            <a:schemeClr val="tx1"/>
+          </a:fontRef>
+        </p:style>
+      </p:cxnSp>
+      <p:sp>
+        <p:nvSpPr>
+          <p:cNvPr id="2" name="TextBox 1">
+            <a:extLst>
+              <a:ext uri="{FF2B5EF4-FFF2-40B4-BE49-F238E27FC236}">
+                <a16:creationId xmlns:a16="http://schemas.microsoft.com/office/drawing/2014/main" id="{DA8DCD39-EBF3-014D-82C4-C5529F107777}"/>
+              </a:ext>
+            </a:extLst>
+          </p:cNvPr>
+          <p:cNvSpPr txBox="1"/>
+          <p:nvPr/>
+        </p:nvSpPr>
+        <p:spPr>
+          <a:xfrm>
+            <a:off x="-106322" y="3288533"/>
+            <a:ext cx="827153" cy="215444"/>
+          </a:xfrm>
+          <a:prstGeom prst="rect">
+            <a:avLst/>
+          </a:prstGeom>
+          <a:noFill/>
+        </p:spPr>
+        <p:txBody>
+          <a:bodyPr vert="horz" wrap="square" lIns="0" tIns="0" rIns="0" bIns="0" numCol="1" spcCol="288000" rtlCol="0" anchor="t" anchorCtr="0">
+            <a:spAutoFit/>
+          </a:bodyPr>
+          <a:lstStyle/>
+          <a:p>
+            <a:pPr algn="r">
+              <a:spcBef>
+                <a:spcPts val="0"/>
+              </a:spcBef>
+              <a:spcAft>
+                <a:spcPts val="600"/>
+              </a:spcAft>
+            </a:pPr>
+            <a:r>
+              <a:rPr lang="en-US" sz="1400" b="0" i="0" spc="0" dirty="0">
+                <a:ln>
+                  <a:noFill/>
+                </a:ln>
+                <a:solidFill>
+                  <a:schemeClr val="tx2"/>
+                </a:solidFill>
+                <a:latin typeface="Source Sans Pro Light" charset="0"/>
+                <a:ea typeface="Source Sans Pro Light" charset="0"/>
+                <a:cs typeface="Source Sans Pro Light" charset="0"/>
+              </a:rPr>
+              <a:t>Drawings </a:t>
+            </a:r>
+          </a:p>
+        </p:txBody>
+      </p:sp>
+      <p:cxnSp>
+        <p:nvCxnSpPr>
+          <p:cNvPr id="4" name="Straight Arrow Connector 3">
+            <a:extLst>
+              <a:ext uri="{FF2B5EF4-FFF2-40B4-BE49-F238E27FC236}">
+                <a16:creationId xmlns:a16="http://schemas.microsoft.com/office/drawing/2014/main" id="{531A6B53-51DD-18D3-7C28-73C71F2DA8A6}"/>
+              </a:ext>
+            </a:extLst>
+          </p:cNvPr>
+          <p:cNvCxnSpPr/>
+          <p:nvPr/>
+        </p:nvCxnSpPr>
+        <p:spPr>
+          <a:xfrm>
+            <a:off x="934696" y="3423593"/>
+            <a:ext cx="896407" cy="0"/>
+          </a:xfrm>
+          <a:prstGeom prst="straightConnector1">
+            <a:avLst/>
+          </a:prstGeom>
+          <a:ln w="25400">
+            <a:tailEnd type="stealth" w="lg" len="med"/>
+          </a:ln>
+        </p:spPr>
+        <p:style>
+          <a:lnRef idx="1">
+            <a:schemeClr val="accent1"/>
+          </a:lnRef>
+          <a:fillRef idx="0">
+            <a:schemeClr val="accent1"/>
+          </a:fillRef>
+          <a:effectRef idx="0">
+            <a:schemeClr val="accent1"/>
+          </a:effectRef>
+          <a:fontRef idx="minor">
+            <a:schemeClr val="tx1"/>
+          </a:fontRef>
+        </p:style>
+      </p:cxnSp>
+      <p:sp>
+        <p:nvSpPr>
+          <p:cNvPr id="5" name="TextBox 4">
+            <a:extLst>
+              <a:ext uri="{FF2B5EF4-FFF2-40B4-BE49-F238E27FC236}">
+                <a16:creationId xmlns:a16="http://schemas.microsoft.com/office/drawing/2014/main" id="{126407F5-BD51-821F-43C9-00B9709F827C}"/>
+              </a:ext>
+            </a:extLst>
+          </p:cNvPr>
+          <p:cNvSpPr txBox="1"/>
+          <p:nvPr/>
+        </p:nvSpPr>
+        <p:spPr>
+          <a:xfrm>
+            <a:off x="4381099" y="4966545"/>
+            <a:ext cx="827153" cy="215444"/>
+          </a:xfrm>
+          <a:prstGeom prst="rect">
+            <a:avLst/>
+          </a:prstGeom>
+          <a:noFill/>
+        </p:spPr>
+        <p:txBody>
+          <a:bodyPr vert="horz" wrap="square" lIns="0" tIns="0" rIns="0" bIns="0" numCol="1" spcCol="288000" rtlCol="0" anchor="t" anchorCtr="0">
+            <a:spAutoFit/>
+          </a:bodyPr>
+          <a:lstStyle/>
+          <a:p>
+            <a:pPr algn="r">
+              <a:spcBef>
+                <a:spcPts val="0"/>
+              </a:spcBef>
+              <a:spcAft>
+                <a:spcPts val="600"/>
+              </a:spcAft>
+            </a:pPr>
+            <a:r>
+              <a:rPr lang="en-US" sz="1400" b="0" i="0" spc="0" dirty="0">
+                <a:ln>
+                  <a:noFill/>
+                </a:ln>
+                <a:solidFill>
+                  <a:schemeClr val="tx2"/>
+                </a:solidFill>
+                <a:latin typeface="Source Sans Pro Light" charset="0"/>
+                <a:ea typeface="Source Sans Pro Light" charset="0"/>
+                <a:cs typeface="Source Sans Pro Light" charset="0"/>
+              </a:rPr>
+              <a:t>Flush </a:t>
+            </a:r>
+          </a:p>
+        </p:txBody>
+      </p:sp>
+      <p:cxnSp>
+        <p:nvCxnSpPr>
+          <p:cNvPr id="6" name="Straight Arrow Connector 5">
+            <a:extLst>
+              <a:ext uri="{FF2B5EF4-FFF2-40B4-BE49-F238E27FC236}">
+                <a16:creationId xmlns:a16="http://schemas.microsoft.com/office/drawing/2014/main" id="{C755B294-CDF8-93A4-E147-FF714C150828}"/>
+              </a:ext>
+            </a:extLst>
+          </p:cNvPr>
+          <p:cNvCxnSpPr/>
+          <p:nvPr/>
+        </p:nvCxnSpPr>
+        <p:spPr>
+          <a:xfrm>
+            <a:off x="4595237" y="4914399"/>
+            <a:ext cx="896407" cy="0"/>
+          </a:xfrm>
+          <a:prstGeom prst="straightConnector1">
+            <a:avLst/>
+          </a:prstGeom>
+          <a:ln w="25400">
+            <a:tailEnd type="stealth" w="lg" len="med"/>
+          </a:ln>
+        </p:spPr>
+        <p:style>
+          <a:lnRef idx="1">
+            <a:schemeClr val="accent1"/>
+          </a:lnRef>
+          <a:fillRef idx="0">
+            <a:schemeClr val="accent1"/>
+          </a:fillRef>
+          <a:effectRef idx="0">
+            <a:schemeClr val="accent1"/>
+          </a:effectRef>
+          <a:fontRef idx="minor">
+            <a:schemeClr val="tx1"/>
+          </a:fontRef>
+        </p:style>
+      </p:cxnSp>
+    </p:spTree>
+    <p:extLst>
+      <p:ext uri="{BB962C8B-B14F-4D97-AF65-F5344CB8AC3E}">
+        <p14:creationId xmlns:p14="http://schemas.microsoft.com/office/powerpoint/2010/main" val="2645337099"/>
+      </p:ext>
+    </p:extLst>
+  </p:cSld>
+  <p:clrMapOvr>
+    <a:masterClrMapping/>
+  </p:clrMapOvr>
+</p:sld>
+</file>
+
+<file path=ppt/slides/slide6.xml><?xml version="1.0" encoding="utf-8"?>
+<p:sld xmlns:a="http://schemas.openxmlformats.org/drawingml/2006/main" xmlns:r="http://schemas.openxmlformats.org/officeDocument/2006/relationships" xmlns:p="http://schemas.openxmlformats.org/presentationml/2006/main">
+  <p:cSld>
+    <p:spTree>
+      <p:nvGrpSpPr>
+        <p:cNvPr id="1" name=""/>
+        <p:cNvGrpSpPr/>
+        <p:nvPr/>
+      </p:nvGrpSpPr>
+      <p:grpSpPr>
+        <a:xfrm>
+          <a:off x="0" y="0"/>
+          <a:ext cx="0" cy="0"/>
+          <a:chOff x="0" y="0"/>
+          <a:chExt cx="0" cy="0"/>
+        </a:xfrm>
+      </p:grpSpPr>
+      <p:sp>
+        <p:nvSpPr>
+          <p:cNvPr id="16" name="Rectangle 15">
+            <a:extLst>
+              <a:ext uri="{FF2B5EF4-FFF2-40B4-BE49-F238E27FC236}">
+                <a16:creationId xmlns:a16="http://schemas.microsoft.com/office/drawing/2014/main" id="{64AD43B7-23E8-6DBF-53B4-D516396CBA62}"/>
+              </a:ext>
+            </a:extLst>
+          </p:cNvPr>
+          <p:cNvSpPr/>
+          <p:nvPr/>
+        </p:nvSpPr>
+        <p:spPr>
+          <a:xfrm>
+            <a:off x="1255923" y="2159305"/>
+            <a:ext cx="3538753" cy="2566930"/>
+          </a:xfrm>
+          <a:prstGeom prst="rect">
+            <a:avLst/>
+          </a:prstGeom>
+          <a:ln/>
+        </p:spPr>
+        <p:style>
+          <a:lnRef idx="2">
+            <a:schemeClr val="accent2"/>
+          </a:lnRef>
+          <a:fillRef idx="1">
+            <a:schemeClr val="lt1"/>
+          </a:fillRef>
+          <a:effectRef idx="0">
+            <a:schemeClr val="accent2"/>
+          </a:effectRef>
+          <a:fontRef idx="minor">
+            <a:schemeClr val="dk1"/>
+          </a:fontRef>
+        </p:style>
+        <p:txBody>
+          <a:bodyPr rtlCol="0" anchor="b" anchorCtr="0"/>
+          <a:lstStyle/>
+          <a:p>
+            <a:pPr algn="ctr"/>
+            <a:r>
+              <a:rPr lang="en-US" sz="1400" dirty="0">
+                <a:solidFill>
+                  <a:schemeClr val="tx2"/>
+                </a:solidFill>
+                <a:latin typeface="Source Sans Pro Light" panose="020B0403030403020204" pitchFamily="34" charset="77"/>
+                <a:ea typeface="Source Sans Pro" panose="020B0503030403020204" pitchFamily="34" charset="0"/>
+              </a:rPr>
+              <a:t>MCU</a:t>
+            </a:r>
+          </a:p>
+        </p:txBody>
+      </p:sp>
+      <p:sp>
+        <p:nvSpPr>
+          <p:cNvPr id="11" name="Rectangle 10">
+            <a:extLst>
+              <a:ext uri="{FF2B5EF4-FFF2-40B4-BE49-F238E27FC236}">
+                <a16:creationId xmlns:a16="http://schemas.microsoft.com/office/drawing/2014/main" id="{FD80A1C3-DC8A-ADFF-8382-C05410AF9436}"/>
+              </a:ext>
+            </a:extLst>
+          </p:cNvPr>
+          <p:cNvSpPr/>
+          <p:nvPr/>
+        </p:nvSpPr>
+        <p:spPr>
+          <a:xfrm>
+            <a:off x="5177928" y="2159306"/>
+            <a:ext cx="4384713" cy="2566930"/>
+          </a:xfrm>
+          <a:prstGeom prst="rect">
+            <a:avLst/>
+          </a:prstGeom>
+          <a:ln/>
+        </p:spPr>
+        <p:style>
+          <a:lnRef idx="2">
+            <a:schemeClr val="accent2"/>
+          </a:lnRef>
+          <a:fillRef idx="1">
+            <a:schemeClr val="lt1"/>
+          </a:fillRef>
+          <a:effectRef idx="0">
+            <a:schemeClr val="accent2"/>
+          </a:effectRef>
+          <a:fontRef idx="minor">
+            <a:schemeClr val="dk1"/>
+          </a:fontRef>
+        </p:style>
+        <p:txBody>
+          <a:bodyPr rtlCol="0" anchor="b" anchorCtr="0"/>
+          <a:lstStyle/>
+          <a:p>
+            <a:pPr algn="ctr"/>
+            <a:r>
+              <a:rPr lang="en-US" sz="1400" dirty="0">
+                <a:solidFill>
+                  <a:schemeClr val="tx2"/>
+                </a:solidFill>
+                <a:latin typeface="Source Sans Pro Light" panose="020B0403030403020204" pitchFamily="34" charset="77"/>
+                <a:ea typeface="Source Sans Pro" panose="020B0503030403020204" pitchFamily="34" charset="0"/>
+              </a:rPr>
+              <a:t>Display module</a:t>
+            </a:r>
+          </a:p>
+        </p:txBody>
+      </p:sp>
+      <p:pic>
+        <p:nvPicPr>
+          <p:cNvPr id="8" name="Picture 7">
+            <a:extLst>
+              <a:ext uri="{FF2B5EF4-FFF2-40B4-BE49-F238E27FC236}">
+                <a16:creationId xmlns:a16="http://schemas.microsoft.com/office/drawing/2014/main" id="{FFED50E9-4666-827D-A26D-B1C27D6DCC8C}"/>
+              </a:ext>
+            </a:extLst>
+          </p:cNvPr>
+          <p:cNvPicPr>
+            <a:picLocks noChangeAspect="1"/>
+          </p:cNvPicPr>
+          <p:nvPr/>
+        </p:nvPicPr>
+        <p:blipFill rotWithShape="1">
+          <a:blip r:embed="rId3" cstate="print">
+            <a:extLst>
+              <a:ext uri="{28A0092B-C50C-407E-A947-70E740481C1C}">
+                <a14:useLocalDpi xmlns:a14="http://schemas.microsoft.com/office/drawing/2010/main" val="0"/>
+              </a:ext>
+            </a:extLst>
+          </a:blip>
+          <a:srcRect l="18554" t="45307" r="13825" b="13196"/>
+          <a:stretch/>
+        </p:blipFill>
+        <p:spPr>
+          <a:xfrm>
+            <a:off x="6941878" y="2722748"/>
+            <a:ext cx="2279239" cy="1415820"/>
+          </a:xfrm>
+          <a:prstGeom prst="rect">
+            <a:avLst/>
+          </a:prstGeom>
+        </p:spPr>
+      </p:pic>
+      <p:sp>
+        <p:nvSpPr>
+          <p:cNvPr id="10" name="Arc 9">
+            <a:extLst>
+              <a:ext uri="{FF2B5EF4-FFF2-40B4-BE49-F238E27FC236}">
+                <a16:creationId xmlns:a16="http://schemas.microsoft.com/office/drawing/2014/main" id="{070CE625-638E-D085-FAEA-696B711BC3C5}"/>
+              </a:ext>
+            </a:extLst>
+          </p:cNvPr>
+          <p:cNvSpPr/>
+          <p:nvPr/>
+        </p:nvSpPr>
+        <p:spPr>
+          <a:xfrm>
+            <a:off x="2049136" y="2556600"/>
+            <a:ext cx="5496491" cy="1787652"/>
+          </a:xfrm>
+          <a:prstGeom prst="arc">
+            <a:avLst>
+              <a:gd name="adj1" fmla="val 11979648"/>
+              <a:gd name="adj2" fmla="val 9567484"/>
+            </a:avLst>
+          </a:prstGeom>
+          <a:ln w="25400">
+            <a:tailEnd type="stealth" w="lg" len="lg"/>
+          </a:ln>
+        </p:spPr>
+        <p:style>
+          <a:lnRef idx="1">
+            <a:schemeClr val="accent1"/>
+          </a:lnRef>
+          <a:fillRef idx="0">
+            <a:schemeClr val="accent1"/>
+          </a:fillRef>
+          <a:effectRef idx="0">
+            <a:schemeClr val="accent1"/>
+          </a:effectRef>
+          <a:fontRef idx="minor">
+            <a:schemeClr val="tx1"/>
+          </a:fontRef>
+        </p:style>
+        <p:txBody>
+          <a:bodyPr rtlCol="0" anchor="ctr"/>
+          <a:lstStyle/>
+          <a:p>
+            <a:pPr algn="ctr"/>
+            <a:endParaRPr lang="en-US"/>
+          </a:p>
+        </p:txBody>
+      </p:sp>
+      <p:sp>
+        <p:nvSpPr>
+          <p:cNvPr id="7" name="Rectangle 6">
+            <a:extLst>
+              <a:ext uri="{FF2B5EF4-FFF2-40B4-BE49-F238E27FC236}">
+                <a16:creationId xmlns:a16="http://schemas.microsoft.com/office/drawing/2014/main" id="{EE9CF8DD-BEBD-03CC-60A2-FB1191005967}"/>
+              </a:ext>
+            </a:extLst>
+          </p:cNvPr>
+          <p:cNvSpPr/>
+          <p:nvPr/>
+        </p:nvSpPr>
+        <p:spPr>
+          <a:xfrm>
+            <a:off x="5499706" y="3173335"/>
+            <a:ext cx="762586" cy="507693"/>
+          </a:xfrm>
+          <a:prstGeom prst="rect">
+            <a:avLst/>
+          </a:prstGeom>
+          <a:ln/>
+        </p:spPr>
+        <p:style>
+          <a:lnRef idx="2">
+            <a:schemeClr val="accent1"/>
+          </a:lnRef>
+          <a:fillRef idx="1">
+            <a:schemeClr val="lt1"/>
+          </a:fillRef>
+          <a:effectRef idx="0">
+            <a:schemeClr val="accent1"/>
+          </a:effectRef>
+          <a:fontRef idx="minor">
+            <a:schemeClr val="dk1"/>
+          </a:fontRef>
+        </p:style>
+        <p:txBody>
+          <a:bodyPr rtlCol="0" anchor="ctr"/>
+          <a:lstStyle/>
+          <a:p>
+            <a:pPr algn="ctr"/>
+            <a:r>
+              <a:rPr lang="en-US" sz="1400" dirty="0">
+                <a:solidFill>
+                  <a:schemeClr val="tx2"/>
+                </a:solidFill>
+                <a:latin typeface="Source Sans Pro Light" panose="020B0403030403020204" pitchFamily="34" charset="77"/>
+                <a:ea typeface="Source Sans Pro" panose="020B0503030403020204" pitchFamily="34" charset="0"/>
+              </a:rPr>
+              <a:t>LCDC</a:t>
+            </a:r>
+          </a:p>
+        </p:txBody>
+      </p:sp>
+      <p:sp>
+        <p:nvSpPr>
+          <p:cNvPr id="14" name="Rectangle 13">
+            <a:extLst>
+              <a:ext uri="{FF2B5EF4-FFF2-40B4-BE49-F238E27FC236}">
+                <a16:creationId xmlns:a16="http://schemas.microsoft.com/office/drawing/2014/main" id="{F79704A7-1530-628C-D595-3F2FEF1E99C5}"/>
+              </a:ext>
+            </a:extLst>
+          </p:cNvPr>
+          <p:cNvSpPr/>
+          <p:nvPr/>
+        </p:nvSpPr>
+        <p:spPr>
+          <a:xfrm>
+            <a:off x="3832651" y="3173335"/>
+            <a:ext cx="762586" cy="507693"/>
+          </a:xfrm>
+          <a:prstGeom prst="rect">
+            <a:avLst/>
+          </a:prstGeom>
+          <a:ln/>
+        </p:spPr>
+        <p:style>
+          <a:lnRef idx="2">
+            <a:schemeClr val="accent1"/>
+          </a:lnRef>
+          <a:fillRef idx="1">
+            <a:schemeClr val="lt1"/>
+          </a:fillRef>
+          <a:effectRef idx="0">
+            <a:schemeClr val="accent1"/>
+          </a:effectRef>
+          <a:fontRef idx="minor">
+            <a:schemeClr val="dk1"/>
+          </a:fontRef>
+        </p:style>
+        <p:txBody>
+          <a:bodyPr rtlCol="0" anchor="ctr"/>
+          <a:lstStyle/>
+          <a:p>
+            <a:pPr algn="ctr"/>
+            <a:r>
+              <a:rPr lang="en-US" sz="1400" dirty="0">
+                <a:solidFill>
+                  <a:schemeClr val="tx2"/>
+                </a:solidFill>
+                <a:latin typeface="Source Sans Pro Light" panose="020B0403030403020204" pitchFamily="34" charset="77"/>
+                <a:ea typeface="Source Sans Pro" panose="020B0503030403020204" pitchFamily="34" charset="0"/>
+              </a:rPr>
+              <a:t>LCDC</a:t>
+            </a:r>
+          </a:p>
+        </p:txBody>
+      </p:sp>
+      <p:sp>
+        <p:nvSpPr>
+          <p:cNvPr id="15" name="Rectangle 14">
+            <a:extLst>
+              <a:ext uri="{FF2B5EF4-FFF2-40B4-BE49-F238E27FC236}">
+                <a16:creationId xmlns:a16="http://schemas.microsoft.com/office/drawing/2014/main" id="{65049CB4-0DDB-CE65-2175-D46A619BA7B2}"/>
+              </a:ext>
+            </a:extLst>
+          </p:cNvPr>
+          <p:cNvSpPr/>
+          <p:nvPr/>
+        </p:nvSpPr>
+        <p:spPr>
+          <a:xfrm>
+            <a:off x="1942002" y="2935077"/>
+            <a:ext cx="1637489" cy="1015386"/>
+          </a:xfrm>
+          <a:prstGeom prst="rect">
+            <a:avLst/>
+          </a:prstGeom>
+          <a:ln/>
+        </p:spPr>
+        <p:style>
+          <a:lnRef idx="2">
+            <a:schemeClr val="accent1"/>
+          </a:lnRef>
+          <a:fillRef idx="1">
+            <a:schemeClr val="lt1"/>
+          </a:fillRef>
+          <a:effectRef idx="0">
+            <a:schemeClr val="accent1"/>
+          </a:effectRef>
+          <a:fontRef idx="minor">
+            <a:schemeClr val="dk1"/>
+          </a:fontRef>
+        </p:style>
+        <p:txBody>
+          <a:bodyPr rtlCol="0" anchor="ctr"/>
+          <a:lstStyle/>
+          <a:p>
+            <a:pPr algn="ctr"/>
+            <a:r>
+              <a:rPr lang="en-US" sz="1400" dirty="0">
+                <a:solidFill>
+                  <a:schemeClr val="tx2"/>
+                </a:solidFill>
+                <a:latin typeface="Source Sans Pro Light" panose="020B0403030403020204" pitchFamily="34" charset="77"/>
+                <a:ea typeface="Source Sans Pro" panose="020B0503030403020204" pitchFamily="34" charset="0"/>
+              </a:rPr>
+              <a:t>Memory</a:t>
+            </a:r>
+          </a:p>
+        </p:txBody>
+      </p:sp>
+      <p:cxnSp>
+        <p:nvCxnSpPr>
+          <p:cNvPr id="17" name="Straight Connector 16">
+            <a:extLst>
+              <a:ext uri="{FF2B5EF4-FFF2-40B4-BE49-F238E27FC236}">
+                <a16:creationId xmlns:a16="http://schemas.microsoft.com/office/drawing/2014/main" id="{39002000-D704-2B02-CC7E-0FEDD6AAC47B}"/>
+              </a:ext>
+            </a:extLst>
+          </p:cNvPr>
+          <p:cNvCxnSpPr>
+            <a:cxnSpLocks/>
+            <a:stCxn id="14" idx="3"/>
+            <a:endCxn id="7" idx="1"/>
+          </p:cNvCxnSpPr>
+          <p:nvPr/>
+        </p:nvCxnSpPr>
+        <p:spPr>
+          <a:xfrm>
+            <a:off x="4595237" y="3427182"/>
+            <a:ext cx="904469" cy="0"/>
+          </a:xfrm>
+          <a:prstGeom prst="line">
+            <a:avLst/>
+          </a:prstGeom>
+          <a:ln w="19050"/>
+        </p:spPr>
+        <p:style>
+          <a:lnRef idx="1">
+            <a:schemeClr val="accent4"/>
+          </a:lnRef>
+          <a:fillRef idx="0">
+            <a:schemeClr val="accent4"/>
+          </a:fillRef>
+          <a:effectRef idx="0">
+            <a:schemeClr val="accent4"/>
+          </a:effectRef>
+          <a:fontRef idx="minor">
+            <a:schemeClr val="tx1"/>
+          </a:fontRef>
+        </p:style>
+      </p:cxnSp>
+      <p:cxnSp>
+        <p:nvCxnSpPr>
+          <p:cNvPr id="20" name="Straight Connector 19">
+            <a:extLst>
+              <a:ext uri="{FF2B5EF4-FFF2-40B4-BE49-F238E27FC236}">
+                <a16:creationId xmlns:a16="http://schemas.microsoft.com/office/drawing/2014/main" id="{A58706F5-92DC-DD6A-522F-3751BFC398BA}"/>
+              </a:ext>
+            </a:extLst>
+          </p:cNvPr>
+          <p:cNvCxnSpPr>
+            <a:cxnSpLocks/>
+          </p:cNvCxnSpPr>
+          <p:nvPr/>
+        </p:nvCxnSpPr>
+        <p:spPr>
+          <a:xfrm flipV="1">
+            <a:off x="4914110" y="3347638"/>
+            <a:ext cx="148324" cy="190263"/>
+          </a:xfrm>
+          <a:prstGeom prst="line">
+            <a:avLst/>
+          </a:prstGeom>
+          <a:ln w="15875"/>
+        </p:spPr>
+        <p:style>
+          <a:lnRef idx="1">
+            <a:schemeClr val="accent4"/>
+          </a:lnRef>
+          <a:fillRef idx="0">
+            <a:schemeClr val="accent4"/>
+          </a:fillRef>
+          <a:effectRef idx="0">
+            <a:schemeClr val="accent4"/>
+          </a:effectRef>
+          <a:fontRef idx="minor">
+            <a:schemeClr val="tx1"/>
+          </a:fontRef>
+        </p:style>
+      </p:cxnSp>
+      <p:cxnSp>
+        <p:nvCxnSpPr>
+          <p:cNvPr id="18" name="Straight Connector 17">
+            <a:extLst>
+              <a:ext uri="{FF2B5EF4-FFF2-40B4-BE49-F238E27FC236}">
+                <a16:creationId xmlns:a16="http://schemas.microsoft.com/office/drawing/2014/main" id="{2D602AE7-0E9D-5DE3-055C-6D70D35F7389}"/>
+              </a:ext>
+            </a:extLst>
+          </p:cNvPr>
+          <p:cNvCxnSpPr/>
+          <p:nvPr/>
+        </p:nvCxnSpPr>
+        <p:spPr>
+          <a:xfrm>
+            <a:off x="6260165" y="3439361"/>
+            <a:ext cx="683840" cy="1"/>
+          </a:xfrm>
+          <a:prstGeom prst="line">
+            <a:avLst/>
+          </a:prstGeom>
+        </p:spPr>
+        <p:style>
+          <a:lnRef idx="1">
+            <a:schemeClr val="accent4"/>
+          </a:lnRef>
+          <a:fillRef idx="0">
+            <a:schemeClr val="accent4"/>
+          </a:fillRef>
+          <a:effectRef idx="0">
+            <a:schemeClr val="accent4"/>
+          </a:effectRef>
+          <a:fontRef idx="minor">
+            <a:schemeClr val="tx1"/>
+          </a:fontRef>
+        </p:style>
+      </p:cxnSp>
+      <p:cxnSp>
+        <p:nvCxnSpPr>
+          <p:cNvPr id="19" name="Straight Connector 18">
+            <a:extLst>
+              <a:ext uri="{FF2B5EF4-FFF2-40B4-BE49-F238E27FC236}">
+                <a16:creationId xmlns:a16="http://schemas.microsoft.com/office/drawing/2014/main" id="{FCAF8A7D-C69E-3F8B-CFA8-B2A81AEA78A2}"/>
+              </a:ext>
+            </a:extLst>
+          </p:cNvPr>
+          <p:cNvCxnSpPr>
+            <a:cxnSpLocks/>
+          </p:cNvCxnSpPr>
+          <p:nvPr/>
+        </p:nvCxnSpPr>
+        <p:spPr>
+          <a:xfrm flipV="1">
+            <a:off x="6513325" y="3382010"/>
+            <a:ext cx="113670" cy="145810"/>
+          </a:xfrm>
+          <a:prstGeom prst="line">
+            <a:avLst/>
+          </a:prstGeom>
+        </p:spPr>
+        <p:style>
+          <a:lnRef idx="1">
+            <a:schemeClr val="accent4"/>
+          </a:lnRef>
+          <a:fillRef idx="0">
+            <a:schemeClr val="accent4"/>
+          </a:fillRef>
+          <a:effectRef idx="0">
+            <a:schemeClr val="accent4"/>
+          </a:effectRef>
+          <a:fontRef idx="minor">
+            <a:schemeClr val="tx1"/>
+          </a:fontRef>
+        </p:style>
+      </p:cxnSp>
+      <p:sp>
+        <p:nvSpPr>
+          <p:cNvPr id="2" name="TextBox 1">
+            <a:extLst>
+              <a:ext uri="{FF2B5EF4-FFF2-40B4-BE49-F238E27FC236}">
+                <a16:creationId xmlns:a16="http://schemas.microsoft.com/office/drawing/2014/main" id="{8935B3F9-1C4A-94EF-1AF7-870411A287A3}"/>
+              </a:ext>
+            </a:extLst>
+          </p:cNvPr>
+          <p:cNvSpPr txBox="1"/>
+          <p:nvPr/>
+        </p:nvSpPr>
+        <p:spPr>
+          <a:xfrm>
+            <a:off x="-106322" y="3288533"/>
+            <a:ext cx="827153" cy="215444"/>
+          </a:xfrm>
+          <a:prstGeom prst="rect">
+            <a:avLst/>
+          </a:prstGeom>
+          <a:noFill/>
+        </p:spPr>
+        <p:txBody>
+          <a:bodyPr vert="horz" wrap="square" lIns="0" tIns="0" rIns="0" bIns="0" numCol="1" spcCol="288000" rtlCol="0" anchor="t" anchorCtr="0">
+            <a:spAutoFit/>
+          </a:bodyPr>
+          <a:lstStyle/>
+          <a:p>
+            <a:pPr algn="r">
+              <a:spcBef>
+                <a:spcPts val="0"/>
+              </a:spcBef>
+              <a:spcAft>
+                <a:spcPts val="600"/>
+              </a:spcAft>
+            </a:pPr>
+            <a:r>
+              <a:rPr lang="en-US" sz="1400" b="0" i="0" spc="0" dirty="0">
+                <a:ln>
+                  <a:noFill/>
+                </a:ln>
+                <a:solidFill>
+                  <a:schemeClr val="tx2"/>
+                </a:solidFill>
+                <a:latin typeface="Source Sans Pro Light" charset="0"/>
+                <a:ea typeface="Source Sans Pro Light" charset="0"/>
+                <a:cs typeface="Source Sans Pro Light" charset="0"/>
+              </a:rPr>
+              <a:t>Drawings </a:t>
+            </a:r>
+          </a:p>
+        </p:txBody>
+      </p:sp>
+      <p:cxnSp>
+        <p:nvCxnSpPr>
+          <p:cNvPr id="3" name="Straight Arrow Connector 2">
+            <a:extLst>
+              <a:ext uri="{FF2B5EF4-FFF2-40B4-BE49-F238E27FC236}">
+                <a16:creationId xmlns:a16="http://schemas.microsoft.com/office/drawing/2014/main" id="{788CC8D6-6CE4-0122-4B7C-DAD3A86919E7}"/>
+              </a:ext>
+            </a:extLst>
+          </p:cNvPr>
+          <p:cNvCxnSpPr/>
+          <p:nvPr/>
+        </p:nvCxnSpPr>
+        <p:spPr>
+          <a:xfrm>
+            <a:off x="934696" y="3423593"/>
+            <a:ext cx="896407" cy="0"/>
+          </a:xfrm>
+          <a:prstGeom prst="straightConnector1">
+            <a:avLst/>
+          </a:prstGeom>
+          <a:ln w="25400">
+            <a:tailEnd type="stealth" w="lg" len="med"/>
+          </a:ln>
+        </p:spPr>
+        <p:style>
+          <a:lnRef idx="1">
+            <a:schemeClr val="accent1"/>
+          </a:lnRef>
+          <a:fillRef idx="0">
+            <a:schemeClr val="accent1"/>
+          </a:fillRef>
+          <a:effectRef idx="0">
+            <a:schemeClr val="accent1"/>
+          </a:effectRef>
+          <a:fontRef idx="minor">
+            <a:schemeClr val="tx1"/>
+          </a:fontRef>
+        </p:style>
+      </p:cxnSp>
+    </p:spTree>
+    <p:extLst>
+      <p:ext uri="{BB962C8B-B14F-4D97-AF65-F5344CB8AC3E}">
+        <p14:creationId xmlns:p14="http://schemas.microsoft.com/office/powerpoint/2010/main" val="1997297738"/>
+      </p:ext>
+    </p:extLst>
+  </p:cSld>
+  <p:clrMapOvr>
+    <a:masterClrMapping/>
+  </p:clrMapOvr>
+</p:sld>
+</file>
+
+<file path=ppt/slides/slide7.xml><?xml version="1.0" encoding="utf-8"?>
+<p:sld xmlns:a="http://schemas.openxmlformats.org/drawingml/2006/main" xmlns:r="http://schemas.openxmlformats.org/officeDocument/2006/relationships" xmlns:p="http://schemas.openxmlformats.org/presentationml/2006/main">
+  <p:cSld>
+    <p:spTree>
+      <p:nvGrpSpPr>
+        <p:cNvPr id="1" name=""/>
+        <p:cNvGrpSpPr/>
+        <p:nvPr/>
+      </p:nvGrpSpPr>
+      <p:grpSpPr>
+        <a:xfrm>
+          <a:off x="0" y="0"/>
+          <a:ext cx="0" cy="0"/>
+          <a:chOff x="0" y="0"/>
+          <a:chExt cx="0" cy="0"/>
+        </a:xfrm>
+      </p:grpSpPr>
+      <p:sp>
+        <p:nvSpPr>
+          <p:cNvPr id="16" name="Rectangle 15">
+            <a:extLst>
+              <a:ext uri="{FF2B5EF4-FFF2-40B4-BE49-F238E27FC236}">
+                <a16:creationId xmlns:a16="http://schemas.microsoft.com/office/drawing/2014/main" id="{64AD43B7-23E8-6DBF-53B4-D516396CBA62}"/>
+              </a:ext>
+            </a:extLst>
+          </p:cNvPr>
+          <p:cNvSpPr/>
+          <p:nvPr/>
+        </p:nvSpPr>
+        <p:spPr>
+          <a:xfrm>
+            <a:off x="1421176" y="2145535"/>
+            <a:ext cx="5290435" cy="2566930"/>
+          </a:xfrm>
+          <a:prstGeom prst="rect">
+            <a:avLst/>
+          </a:prstGeom>
+          <a:ln/>
+        </p:spPr>
+        <p:style>
+          <a:lnRef idx="2">
+            <a:schemeClr val="accent2"/>
+          </a:lnRef>
+          <a:fillRef idx="1">
+            <a:schemeClr val="lt1"/>
+          </a:fillRef>
+          <a:effectRef idx="0">
+            <a:schemeClr val="accent2"/>
+          </a:effectRef>
+          <a:fontRef idx="minor">
+            <a:schemeClr val="dk1"/>
+          </a:fontRef>
+        </p:style>
+        <p:txBody>
+          <a:bodyPr rtlCol="0" anchor="b" anchorCtr="0"/>
+          <a:lstStyle/>
+          <a:p>
+            <a:pPr algn="ctr"/>
+            <a:r>
+              <a:rPr lang="en-US" sz="1400" dirty="0">
+                <a:solidFill>
+                  <a:schemeClr val="tx2"/>
+                </a:solidFill>
+                <a:latin typeface="Source Sans Pro Light" panose="020B0403030403020204" pitchFamily="34" charset="77"/>
+                <a:ea typeface="Source Sans Pro" panose="020B0503030403020204" pitchFamily="34" charset="0"/>
+              </a:rPr>
+              <a:t>MCU</a:t>
+            </a:r>
+          </a:p>
+        </p:txBody>
+      </p:sp>
+      <p:sp>
+        <p:nvSpPr>
+          <p:cNvPr id="11" name="Rectangle 10">
+            <a:extLst>
+              <a:ext uri="{FF2B5EF4-FFF2-40B4-BE49-F238E27FC236}">
+                <a16:creationId xmlns:a16="http://schemas.microsoft.com/office/drawing/2014/main" id="{FD80A1C3-DC8A-ADFF-8382-C05410AF9436}"/>
+              </a:ext>
+            </a:extLst>
+          </p:cNvPr>
+          <p:cNvSpPr/>
+          <p:nvPr/>
+        </p:nvSpPr>
+        <p:spPr>
+          <a:xfrm>
+            <a:off x="7094863" y="2145536"/>
+            <a:ext cx="4384713" cy="2566930"/>
+          </a:xfrm>
+          <a:prstGeom prst="rect">
+            <a:avLst/>
+          </a:prstGeom>
+          <a:ln/>
+        </p:spPr>
+        <p:style>
+          <a:lnRef idx="2">
+            <a:schemeClr val="accent2"/>
+          </a:lnRef>
+          <a:fillRef idx="1">
+            <a:schemeClr val="lt1"/>
+          </a:fillRef>
+          <a:effectRef idx="0">
+            <a:schemeClr val="accent2"/>
+          </a:effectRef>
+          <a:fontRef idx="minor">
+            <a:schemeClr val="dk1"/>
+          </a:fontRef>
+        </p:style>
+        <p:txBody>
+          <a:bodyPr rtlCol="0" anchor="b" anchorCtr="0"/>
+          <a:lstStyle/>
+          <a:p>
+            <a:pPr algn="ctr"/>
+            <a:r>
+              <a:rPr lang="en-US" sz="1400" dirty="0">
+                <a:solidFill>
+                  <a:schemeClr val="tx2"/>
+                </a:solidFill>
+                <a:latin typeface="Source Sans Pro Light" panose="020B0403030403020204" pitchFamily="34" charset="77"/>
+                <a:ea typeface="Source Sans Pro" panose="020B0503030403020204" pitchFamily="34" charset="0"/>
+              </a:rPr>
+              <a:t>Display module</a:t>
+            </a:r>
+          </a:p>
+        </p:txBody>
+      </p:sp>
+      <p:pic>
+        <p:nvPicPr>
+          <p:cNvPr id="8" name="Picture 7">
+            <a:extLst>
+              <a:ext uri="{FF2B5EF4-FFF2-40B4-BE49-F238E27FC236}">
+                <a16:creationId xmlns:a16="http://schemas.microsoft.com/office/drawing/2014/main" id="{FFED50E9-4666-827D-A26D-B1C27D6DCC8C}"/>
+              </a:ext>
+            </a:extLst>
+          </p:cNvPr>
+          <p:cNvPicPr>
+            <a:picLocks noChangeAspect="1"/>
+          </p:cNvPicPr>
+          <p:nvPr/>
+        </p:nvPicPr>
+        <p:blipFill rotWithShape="1">
+          <a:blip r:embed="rId3" cstate="print">
+            <a:extLst>
+              <a:ext uri="{28A0092B-C50C-407E-A947-70E740481C1C}">
+                <a14:useLocalDpi xmlns:a14="http://schemas.microsoft.com/office/drawing/2010/main" val="0"/>
+              </a:ext>
+            </a:extLst>
+          </a:blip>
+          <a:srcRect l="18554" t="45307" r="13825" b="13196"/>
+          <a:stretch/>
+        </p:blipFill>
+        <p:spPr>
+          <a:xfrm>
+            <a:off x="8858813" y="2708978"/>
+            <a:ext cx="2279239" cy="1415820"/>
+          </a:xfrm>
+          <a:prstGeom prst="rect">
+            <a:avLst/>
+          </a:prstGeom>
+        </p:spPr>
+      </p:pic>
+      <p:sp>
+        <p:nvSpPr>
+          <p:cNvPr id="10" name="Arc 9">
+            <a:extLst>
+              <a:ext uri="{FF2B5EF4-FFF2-40B4-BE49-F238E27FC236}">
+                <a16:creationId xmlns:a16="http://schemas.microsoft.com/office/drawing/2014/main" id="{070CE625-638E-D085-FAEA-696B711BC3C5}"/>
+              </a:ext>
+            </a:extLst>
+          </p:cNvPr>
+          <p:cNvSpPr/>
+          <p:nvPr/>
+        </p:nvSpPr>
+        <p:spPr>
+          <a:xfrm>
+            <a:off x="3966071" y="2542830"/>
+            <a:ext cx="5496491" cy="1787652"/>
+          </a:xfrm>
+          <a:prstGeom prst="arc">
+            <a:avLst>
+              <a:gd name="adj1" fmla="val 11979648"/>
+              <a:gd name="adj2" fmla="val 9567484"/>
+            </a:avLst>
+          </a:prstGeom>
+          <a:ln w="25400">
+            <a:tailEnd type="stealth" w="lg" len="lg"/>
+          </a:ln>
+        </p:spPr>
+        <p:style>
+          <a:lnRef idx="1">
+            <a:schemeClr val="accent1"/>
+          </a:lnRef>
+          <a:fillRef idx="0">
+            <a:schemeClr val="accent1"/>
+          </a:fillRef>
+          <a:effectRef idx="0">
+            <a:schemeClr val="accent1"/>
+          </a:effectRef>
+          <a:fontRef idx="minor">
+            <a:schemeClr val="tx1"/>
+          </a:fontRef>
+        </p:style>
+        <p:txBody>
+          <a:bodyPr rtlCol="0" anchor="ctr"/>
+          <a:lstStyle/>
+          <a:p>
+            <a:pPr algn="ctr"/>
+            <a:endParaRPr lang="en-US"/>
+          </a:p>
+        </p:txBody>
+      </p:sp>
+      <p:sp>
+        <p:nvSpPr>
+          <p:cNvPr id="7" name="Rectangle 6">
+            <a:extLst>
+              <a:ext uri="{FF2B5EF4-FFF2-40B4-BE49-F238E27FC236}">
+                <a16:creationId xmlns:a16="http://schemas.microsoft.com/office/drawing/2014/main" id="{EE9CF8DD-BEBD-03CC-60A2-FB1191005967}"/>
+              </a:ext>
+            </a:extLst>
+          </p:cNvPr>
+          <p:cNvSpPr/>
+          <p:nvPr/>
+        </p:nvSpPr>
+        <p:spPr>
+          <a:xfrm>
+            <a:off x="7416641" y="3159565"/>
+            <a:ext cx="762586" cy="507693"/>
+          </a:xfrm>
+          <a:prstGeom prst="rect">
+            <a:avLst/>
+          </a:prstGeom>
+          <a:ln/>
+        </p:spPr>
+        <p:style>
+          <a:lnRef idx="2">
+            <a:schemeClr val="accent1"/>
+          </a:lnRef>
+          <a:fillRef idx="1">
+            <a:schemeClr val="lt1"/>
+          </a:fillRef>
+          <a:effectRef idx="0">
+            <a:schemeClr val="accent1"/>
+          </a:effectRef>
+          <a:fontRef idx="minor">
+            <a:schemeClr val="dk1"/>
+          </a:fontRef>
+        </p:style>
+        <p:txBody>
+          <a:bodyPr rtlCol="0" anchor="ctr"/>
+          <a:lstStyle/>
+          <a:p>
+            <a:pPr algn="ctr"/>
+            <a:r>
+              <a:rPr lang="en-US" sz="1400" dirty="0">
+                <a:solidFill>
+                  <a:schemeClr val="tx2"/>
+                </a:solidFill>
+                <a:latin typeface="Source Sans Pro Light" panose="020B0403030403020204" pitchFamily="34" charset="77"/>
+                <a:ea typeface="Source Sans Pro" panose="020B0503030403020204" pitchFamily="34" charset="0"/>
+              </a:rPr>
+              <a:t>LCDC</a:t>
+            </a:r>
+          </a:p>
+        </p:txBody>
+      </p:sp>
+      <p:sp>
+        <p:nvSpPr>
+          <p:cNvPr id="14" name="Rectangle 13">
+            <a:extLst>
+              <a:ext uri="{FF2B5EF4-FFF2-40B4-BE49-F238E27FC236}">
+                <a16:creationId xmlns:a16="http://schemas.microsoft.com/office/drawing/2014/main" id="{F79704A7-1530-628C-D595-3F2FEF1E99C5}"/>
+              </a:ext>
+            </a:extLst>
+          </p:cNvPr>
+          <p:cNvSpPr/>
+          <p:nvPr/>
+        </p:nvSpPr>
+        <p:spPr>
+          <a:xfrm>
+            <a:off x="5749586" y="3159565"/>
+            <a:ext cx="762586" cy="507693"/>
+          </a:xfrm>
+          <a:prstGeom prst="rect">
+            <a:avLst/>
+          </a:prstGeom>
+          <a:ln/>
+        </p:spPr>
+        <p:style>
+          <a:lnRef idx="2">
+            <a:schemeClr val="accent1"/>
+          </a:lnRef>
+          <a:fillRef idx="1">
+            <a:schemeClr val="lt1"/>
+          </a:fillRef>
+          <a:effectRef idx="0">
+            <a:schemeClr val="accent1"/>
+          </a:effectRef>
+          <a:fontRef idx="minor">
+            <a:schemeClr val="dk1"/>
+          </a:fontRef>
+        </p:style>
+        <p:txBody>
+          <a:bodyPr rtlCol="0" anchor="ctr"/>
+          <a:lstStyle/>
+          <a:p>
+            <a:pPr algn="ctr"/>
+            <a:r>
+              <a:rPr lang="en-US" sz="1400" dirty="0">
+                <a:solidFill>
+                  <a:schemeClr val="tx2"/>
+                </a:solidFill>
+                <a:latin typeface="Source Sans Pro Light" panose="020B0403030403020204" pitchFamily="34" charset="77"/>
+                <a:ea typeface="Source Sans Pro" panose="020B0503030403020204" pitchFamily="34" charset="0"/>
+              </a:rPr>
+              <a:t>LCDC</a:t>
+            </a:r>
+          </a:p>
+        </p:txBody>
+      </p:sp>
+      <p:sp>
+        <p:nvSpPr>
+          <p:cNvPr id="15" name="Rectangle 14">
+            <a:extLst>
+              <a:ext uri="{FF2B5EF4-FFF2-40B4-BE49-F238E27FC236}">
+                <a16:creationId xmlns:a16="http://schemas.microsoft.com/office/drawing/2014/main" id="{65049CB4-0DDB-CE65-2175-D46A619BA7B2}"/>
+              </a:ext>
+            </a:extLst>
+          </p:cNvPr>
+          <p:cNvSpPr/>
+          <p:nvPr/>
+        </p:nvSpPr>
+        <p:spPr>
+          <a:xfrm>
+            <a:off x="3858937" y="2921307"/>
+            <a:ext cx="1637489" cy="1015386"/>
+          </a:xfrm>
+          <a:prstGeom prst="rect">
+            <a:avLst/>
+          </a:prstGeom>
+          <a:ln/>
+        </p:spPr>
+        <p:style>
+          <a:lnRef idx="2">
+            <a:schemeClr val="accent1"/>
+          </a:lnRef>
+          <a:fillRef idx="1">
+            <a:schemeClr val="lt1"/>
+          </a:fillRef>
+          <a:effectRef idx="0">
+            <a:schemeClr val="accent1"/>
+          </a:effectRef>
+          <a:fontRef idx="minor">
+            <a:schemeClr val="dk1"/>
+          </a:fontRef>
+        </p:style>
+        <p:txBody>
+          <a:bodyPr rtlCol="0" anchor="ctr"/>
+          <a:lstStyle/>
+          <a:p>
+            <a:pPr algn="ctr"/>
+            <a:r>
+              <a:rPr lang="en-US" sz="1400" dirty="0">
+                <a:solidFill>
+                  <a:schemeClr val="tx2"/>
+                </a:solidFill>
+                <a:latin typeface="Source Sans Pro Light" panose="020B0403030403020204" pitchFamily="34" charset="77"/>
+                <a:ea typeface="Source Sans Pro" panose="020B0503030403020204" pitchFamily="34" charset="0"/>
+              </a:rPr>
+              <a:t>Frame buffer</a:t>
+            </a:r>
+          </a:p>
+        </p:txBody>
+      </p:sp>
+      <p:cxnSp>
+        <p:nvCxnSpPr>
+          <p:cNvPr id="17" name="Straight Connector 16">
+            <a:extLst>
+              <a:ext uri="{FF2B5EF4-FFF2-40B4-BE49-F238E27FC236}">
+                <a16:creationId xmlns:a16="http://schemas.microsoft.com/office/drawing/2014/main" id="{39002000-D704-2B02-CC7E-0FEDD6AAC47B}"/>
+              </a:ext>
+            </a:extLst>
+          </p:cNvPr>
+          <p:cNvCxnSpPr>
+            <a:cxnSpLocks/>
+            <a:stCxn id="14" idx="3"/>
+            <a:endCxn id="7" idx="1"/>
+          </p:cNvCxnSpPr>
+          <p:nvPr/>
+        </p:nvCxnSpPr>
+        <p:spPr>
+          <a:xfrm>
+            <a:off x="6512172" y="3413412"/>
+            <a:ext cx="904469" cy="0"/>
+          </a:xfrm>
+          <a:prstGeom prst="line">
+            <a:avLst/>
+          </a:prstGeom>
+          <a:ln w="19050"/>
+        </p:spPr>
+        <p:style>
+          <a:lnRef idx="1">
+            <a:schemeClr val="accent4"/>
+          </a:lnRef>
+          <a:fillRef idx="0">
+            <a:schemeClr val="accent4"/>
+          </a:fillRef>
+          <a:effectRef idx="0">
+            <a:schemeClr val="accent4"/>
+          </a:effectRef>
+          <a:fontRef idx="minor">
+            <a:schemeClr val="tx1"/>
+          </a:fontRef>
+        </p:style>
+      </p:cxnSp>
+      <p:cxnSp>
+        <p:nvCxnSpPr>
+          <p:cNvPr id="20" name="Straight Connector 19">
+            <a:extLst>
+              <a:ext uri="{FF2B5EF4-FFF2-40B4-BE49-F238E27FC236}">
+                <a16:creationId xmlns:a16="http://schemas.microsoft.com/office/drawing/2014/main" id="{A58706F5-92DC-DD6A-522F-3751BFC398BA}"/>
+              </a:ext>
+            </a:extLst>
+          </p:cNvPr>
+          <p:cNvCxnSpPr>
+            <a:cxnSpLocks/>
+          </p:cNvCxnSpPr>
+          <p:nvPr/>
+        </p:nvCxnSpPr>
+        <p:spPr>
+          <a:xfrm flipV="1">
+            <a:off x="6831045" y="3333868"/>
+            <a:ext cx="148324" cy="190263"/>
+          </a:xfrm>
+          <a:prstGeom prst="line">
+            <a:avLst/>
+          </a:prstGeom>
+          <a:ln w="15875"/>
+        </p:spPr>
+        <p:style>
+          <a:lnRef idx="1">
+            <a:schemeClr val="accent4"/>
+          </a:lnRef>
+          <a:fillRef idx="0">
+            <a:schemeClr val="accent4"/>
+          </a:fillRef>
+          <a:effectRef idx="0">
+            <a:schemeClr val="accent4"/>
+          </a:effectRef>
+          <a:fontRef idx="minor">
+            <a:schemeClr val="tx1"/>
+          </a:fontRef>
+        </p:style>
+      </p:cxnSp>
+      <p:cxnSp>
+        <p:nvCxnSpPr>
+          <p:cNvPr id="18" name="Straight Connector 17">
+            <a:extLst>
+              <a:ext uri="{FF2B5EF4-FFF2-40B4-BE49-F238E27FC236}">
+                <a16:creationId xmlns:a16="http://schemas.microsoft.com/office/drawing/2014/main" id="{2D602AE7-0E9D-5DE3-055C-6D70D35F7389}"/>
+              </a:ext>
+            </a:extLst>
+          </p:cNvPr>
+          <p:cNvCxnSpPr/>
+          <p:nvPr/>
+        </p:nvCxnSpPr>
+        <p:spPr>
+          <a:xfrm>
+            <a:off x="8177100" y="3425591"/>
+            <a:ext cx="683840" cy="1"/>
+          </a:xfrm>
+          <a:prstGeom prst="line">
+            <a:avLst/>
+          </a:prstGeom>
+        </p:spPr>
+        <p:style>
+          <a:lnRef idx="1">
+            <a:schemeClr val="accent4"/>
+          </a:lnRef>
+          <a:fillRef idx="0">
+            <a:schemeClr val="accent4"/>
+          </a:fillRef>
+          <a:effectRef idx="0">
+            <a:schemeClr val="accent4"/>
+          </a:effectRef>
+          <a:fontRef idx="minor">
+            <a:schemeClr val="tx1"/>
+          </a:fontRef>
+        </p:style>
+      </p:cxnSp>
+      <p:cxnSp>
+        <p:nvCxnSpPr>
+          <p:cNvPr id="19" name="Straight Connector 18">
+            <a:extLst>
+              <a:ext uri="{FF2B5EF4-FFF2-40B4-BE49-F238E27FC236}">
+                <a16:creationId xmlns:a16="http://schemas.microsoft.com/office/drawing/2014/main" id="{FCAF8A7D-C69E-3F8B-CFA8-B2A81AEA78A2}"/>
+              </a:ext>
+            </a:extLst>
+          </p:cNvPr>
+          <p:cNvCxnSpPr>
+            <a:cxnSpLocks/>
+          </p:cNvCxnSpPr>
+          <p:nvPr/>
+        </p:nvCxnSpPr>
+        <p:spPr>
+          <a:xfrm flipV="1">
+            <a:off x="8430260" y="3368240"/>
+            <a:ext cx="113670" cy="145810"/>
+          </a:xfrm>
+          <a:prstGeom prst="line">
+            <a:avLst/>
+          </a:prstGeom>
+        </p:spPr>
+        <p:style>
+          <a:lnRef idx="1">
+            <a:schemeClr val="accent4"/>
+          </a:lnRef>
+          <a:fillRef idx="0">
+            <a:schemeClr val="accent4"/>
+          </a:fillRef>
+          <a:effectRef idx="0">
+            <a:schemeClr val="accent4"/>
+          </a:effectRef>
+          <a:fontRef idx="minor">
+            <a:schemeClr val="tx1"/>
+          </a:fontRef>
+        </p:style>
+      </p:cxnSp>
+      <p:sp>
+        <p:nvSpPr>
+          <p:cNvPr id="3" name="Rectangle 2">
+            <a:extLst>
+              <a:ext uri="{FF2B5EF4-FFF2-40B4-BE49-F238E27FC236}">
+                <a16:creationId xmlns:a16="http://schemas.microsoft.com/office/drawing/2014/main" id="{46E57B75-70B0-F647-D712-A75871947801}"/>
+              </a:ext>
+            </a:extLst>
+          </p:cNvPr>
+          <p:cNvSpPr/>
+          <p:nvPr/>
+        </p:nvSpPr>
+        <p:spPr>
+          <a:xfrm>
+            <a:off x="1910693" y="2917898"/>
+            <a:ext cx="1637489" cy="1015386"/>
+          </a:xfrm>
+          <a:prstGeom prst="rect">
+            <a:avLst/>
+          </a:prstGeom>
+          <a:ln/>
+        </p:spPr>
+        <p:style>
+          <a:lnRef idx="2">
+            <a:schemeClr val="accent1"/>
+          </a:lnRef>
+          <a:fillRef idx="1">
+            <a:schemeClr val="lt1"/>
+          </a:fillRef>
+          <a:effectRef idx="0">
+            <a:schemeClr val="accent1"/>
+          </a:effectRef>
+          <a:fontRef idx="minor">
+            <a:schemeClr val="dk1"/>
+          </a:fontRef>
+        </p:style>
+        <p:txBody>
+          <a:bodyPr rtlCol="0" anchor="ctr"/>
+          <a:lstStyle/>
+          <a:p>
+            <a:pPr algn="ctr"/>
+            <a:r>
+              <a:rPr lang="en-US" sz="1400" dirty="0">
+                <a:solidFill>
+                  <a:schemeClr val="tx2"/>
+                </a:solidFill>
+                <a:latin typeface="Source Sans Pro Light" panose="020B0403030403020204" pitchFamily="34" charset="77"/>
+                <a:ea typeface="Source Sans Pro" panose="020B0503030403020204" pitchFamily="34" charset="0"/>
+              </a:rPr>
+              <a:t>Back buffer</a:t>
+            </a:r>
+          </a:p>
+        </p:txBody>
+      </p:sp>
+      <p:sp>
+        <p:nvSpPr>
+          <p:cNvPr id="9" name="TextBox 8">
+            <a:extLst>
+              <a:ext uri="{FF2B5EF4-FFF2-40B4-BE49-F238E27FC236}">
+                <a16:creationId xmlns:a16="http://schemas.microsoft.com/office/drawing/2014/main" id="{C1612016-8035-FD67-2BBA-1979063563E8}"/>
+              </a:ext>
+            </a:extLst>
+          </p:cNvPr>
+          <p:cNvSpPr txBox="1"/>
+          <p:nvPr/>
+        </p:nvSpPr>
+        <p:spPr>
+          <a:xfrm>
+            <a:off x="0" y="3288533"/>
+            <a:ext cx="720832" cy="215444"/>
+          </a:xfrm>
+          <a:prstGeom prst="rect">
+            <a:avLst/>
+          </a:prstGeom>
+          <a:noFill/>
+        </p:spPr>
+        <p:txBody>
+          <a:bodyPr vert="horz" wrap="square" lIns="0" tIns="0" rIns="0" bIns="0" numCol="1" spcCol="288000" rtlCol="0" anchor="t" anchorCtr="0">
+            <a:spAutoFit/>
+          </a:bodyPr>
+          <a:lstStyle/>
+          <a:p>
+            <a:pPr algn="r">
+              <a:spcBef>
+                <a:spcPts val="0"/>
+              </a:spcBef>
+              <a:spcAft>
+                <a:spcPts val="600"/>
+              </a:spcAft>
+            </a:pPr>
+            <a:r>
+              <a:rPr lang="en-US" sz="1400" b="0" i="0" spc="0" dirty="0">
+                <a:ln>
+                  <a:noFill/>
+                </a:ln>
+                <a:solidFill>
+                  <a:schemeClr val="tx2"/>
+                </a:solidFill>
+                <a:latin typeface="Source Sans Pro Light" charset="0"/>
+                <a:ea typeface="Source Sans Pro Light" charset="0"/>
+                <a:cs typeface="Source Sans Pro Light" charset="0"/>
+              </a:rPr>
+              <a:t>Drawings </a:t>
+            </a:r>
+          </a:p>
+        </p:txBody>
+      </p:sp>
+      <p:cxnSp>
+        <p:nvCxnSpPr>
+          <p:cNvPr id="12" name="Straight Arrow Connector 11">
+            <a:extLst>
+              <a:ext uri="{FF2B5EF4-FFF2-40B4-BE49-F238E27FC236}">
+                <a16:creationId xmlns:a16="http://schemas.microsoft.com/office/drawing/2014/main" id="{18E49BAF-41A5-1AF0-1587-F3A4FEC1AA83}"/>
+              </a:ext>
+            </a:extLst>
+          </p:cNvPr>
+          <p:cNvCxnSpPr/>
+          <p:nvPr/>
+        </p:nvCxnSpPr>
+        <p:spPr>
+          <a:xfrm>
+            <a:off x="934696" y="3423593"/>
+            <a:ext cx="896407" cy="0"/>
+          </a:xfrm>
+          <a:prstGeom prst="straightConnector1">
+            <a:avLst/>
+          </a:prstGeom>
+          <a:ln w="25400">
+            <a:tailEnd type="stealth" w="lg" len="med"/>
+          </a:ln>
+        </p:spPr>
+        <p:style>
+          <a:lnRef idx="1">
+            <a:schemeClr val="accent1"/>
+          </a:lnRef>
+          <a:fillRef idx="0">
+            <a:schemeClr val="accent1"/>
+          </a:fillRef>
+          <a:effectRef idx="0">
+            <a:schemeClr val="accent1"/>
+          </a:effectRef>
+          <a:fontRef idx="minor">
+            <a:schemeClr val="tx1"/>
+          </a:fontRef>
+        </p:style>
+      </p:cxnSp>
+      <p:sp>
+        <p:nvSpPr>
+          <p:cNvPr id="13" name="Arc 12">
+            <a:extLst>
+              <a:ext uri="{FF2B5EF4-FFF2-40B4-BE49-F238E27FC236}">
+                <a16:creationId xmlns:a16="http://schemas.microsoft.com/office/drawing/2014/main" id="{14602117-C629-F566-8BBB-4CAA62B083BE}"/>
+              </a:ext>
+            </a:extLst>
+          </p:cNvPr>
+          <p:cNvSpPr>
+            <a:spLocks noChangeAspect="1"/>
+          </p:cNvSpPr>
+          <p:nvPr/>
+        </p:nvSpPr>
+        <p:spPr>
+          <a:xfrm>
+            <a:off x="3343714" y="3159565"/>
+            <a:ext cx="659970" cy="623790"/>
+          </a:xfrm>
+          <a:prstGeom prst="arc">
+            <a:avLst>
+              <a:gd name="adj1" fmla="val 12872902"/>
+              <a:gd name="adj2" fmla="val 10403590"/>
+            </a:avLst>
+          </a:prstGeom>
+          <a:ln w="25400">
+            <a:tailEnd type="stealth" w="lg" len="lg"/>
+          </a:ln>
+        </p:spPr>
+        <p:style>
+          <a:lnRef idx="1">
+            <a:schemeClr val="accent1"/>
+          </a:lnRef>
+          <a:fillRef idx="0">
+            <a:schemeClr val="accent1"/>
+          </a:fillRef>
+          <a:effectRef idx="0">
+            <a:schemeClr val="accent1"/>
+          </a:effectRef>
+          <a:fontRef idx="minor">
+            <a:schemeClr val="tx1"/>
+          </a:fontRef>
+        </p:style>
+        <p:txBody>
+          <a:bodyPr rtlCol="0" anchor="ctr"/>
+          <a:lstStyle/>
+          <a:p>
+            <a:pPr algn="ctr"/>
+            <a:endParaRPr lang="en-US"/>
+          </a:p>
+        </p:txBody>
+      </p:sp>
+      <p:sp>
+        <p:nvSpPr>
+          <p:cNvPr id="25" name="TextBox 24">
+            <a:extLst>
+              <a:ext uri="{FF2B5EF4-FFF2-40B4-BE49-F238E27FC236}">
+                <a16:creationId xmlns:a16="http://schemas.microsoft.com/office/drawing/2014/main" id="{3FAE8C18-2985-2E71-6B8F-5B68E0AA2ADA}"/>
+              </a:ext>
+            </a:extLst>
+          </p:cNvPr>
+          <p:cNvSpPr txBox="1"/>
+          <p:nvPr/>
+        </p:nvSpPr>
+        <p:spPr>
+          <a:xfrm>
+            <a:off x="3081171" y="3998004"/>
+            <a:ext cx="827153" cy="215444"/>
+          </a:xfrm>
+          <a:prstGeom prst="rect">
+            <a:avLst/>
+          </a:prstGeom>
+          <a:noFill/>
+        </p:spPr>
+        <p:txBody>
+          <a:bodyPr vert="horz" wrap="square" lIns="0" tIns="0" rIns="0" bIns="0" numCol="1" spcCol="288000" rtlCol="0" anchor="t" anchorCtr="0">
+            <a:spAutoFit/>
+          </a:bodyPr>
+          <a:lstStyle/>
+          <a:p>
+            <a:pPr algn="r">
+              <a:spcBef>
+                <a:spcPts val="0"/>
+              </a:spcBef>
+              <a:spcAft>
+                <a:spcPts val="600"/>
+              </a:spcAft>
+            </a:pPr>
+            <a:r>
+              <a:rPr lang="en-US" sz="1400" b="0" i="0" spc="0" dirty="0">
+                <a:ln>
+                  <a:noFill/>
+                </a:ln>
+                <a:solidFill>
+                  <a:schemeClr val="tx2"/>
+                </a:solidFill>
+                <a:latin typeface="Source Sans Pro Light" charset="0"/>
+                <a:ea typeface="Source Sans Pro Light" charset="0"/>
+                <a:cs typeface="Source Sans Pro Light" charset="0"/>
+              </a:rPr>
+              <a:t>Flush </a:t>
+            </a:r>
+          </a:p>
+        </p:txBody>
+      </p:sp>
+    </p:spTree>
+    <p:extLst>
+      <p:ext uri="{BB962C8B-B14F-4D97-AF65-F5344CB8AC3E}">
+        <p14:creationId xmlns:p14="http://schemas.microsoft.com/office/powerpoint/2010/main" val="279627850"/>
+      </p:ext>
+    </p:extLst>
+  </p:cSld>
+  <p:clrMapOvr>
+    <a:masterClrMapping/>
+  </p:clrMapOvr>
+</p:sld>
+</file>
+
+<file path=ppt/slides/slide8.xml><?xml version="1.0" encoding="utf-8"?>
+<p:sld xmlns:a="http://schemas.openxmlformats.org/drawingml/2006/main" xmlns:r="http://schemas.openxmlformats.org/officeDocument/2006/relationships" xmlns:p="http://schemas.openxmlformats.org/presentationml/2006/main">
+  <p:cSld>
+    <p:spTree>
+      <p:nvGrpSpPr>
+        <p:cNvPr id="1" name=""/>
+        <p:cNvGrpSpPr/>
+        <p:nvPr/>
+      </p:nvGrpSpPr>
+      <p:grpSpPr>
+        <a:xfrm>
+          <a:off x="0" y="0"/>
+          <a:ext cx="0" cy="0"/>
+          <a:chOff x="0" y="0"/>
+          <a:chExt cx="0" cy="0"/>
+        </a:xfrm>
+      </p:grpSpPr>
+      <p:sp>
+        <p:nvSpPr>
+          <p:cNvPr id="16" name="Rectangle 15">
+            <a:extLst>
+              <a:ext uri="{FF2B5EF4-FFF2-40B4-BE49-F238E27FC236}">
+                <a16:creationId xmlns:a16="http://schemas.microsoft.com/office/drawing/2014/main" id="{64AD43B7-23E8-6DBF-53B4-D516396CBA62}"/>
+              </a:ext>
+            </a:extLst>
+          </p:cNvPr>
+          <p:cNvSpPr/>
+          <p:nvPr/>
+        </p:nvSpPr>
+        <p:spPr>
+          <a:xfrm>
+            <a:off x="1421176" y="2145534"/>
+            <a:ext cx="5290435" cy="3770519"/>
+          </a:xfrm>
+          <a:prstGeom prst="rect">
+            <a:avLst/>
+          </a:prstGeom>
+          <a:ln/>
+        </p:spPr>
+        <p:style>
+          <a:lnRef idx="2">
+            <a:schemeClr val="accent2"/>
+          </a:lnRef>
+          <a:fillRef idx="1">
+            <a:schemeClr val="lt1"/>
+          </a:fillRef>
+          <a:effectRef idx="0">
+            <a:schemeClr val="accent2"/>
+          </a:effectRef>
+          <a:fontRef idx="minor">
+            <a:schemeClr val="dk1"/>
+          </a:fontRef>
+        </p:style>
+        <p:txBody>
+          <a:bodyPr rtlCol="0" anchor="b" anchorCtr="0"/>
+          <a:lstStyle/>
+          <a:p>
+            <a:pPr algn="ctr"/>
+            <a:r>
+              <a:rPr lang="en-US" sz="1400" dirty="0">
+                <a:solidFill>
+                  <a:schemeClr val="tx2"/>
+                </a:solidFill>
+                <a:latin typeface="Source Sans Pro Light" panose="020B0403030403020204" pitchFamily="34" charset="77"/>
+                <a:ea typeface="Source Sans Pro" panose="020B0503030403020204" pitchFamily="34" charset="0"/>
+              </a:rPr>
+              <a:t>MCU</a:t>
+            </a:r>
+          </a:p>
+        </p:txBody>
+      </p:sp>
+      <p:sp>
+        <p:nvSpPr>
+          <p:cNvPr id="11" name="Rectangle 10">
+            <a:extLst>
+              <a:ext uri="{FF2B5EF4-FFF2-40B4-BE49-F238E27FC236}">
+                <a16:creationId xmlns:a16="http://schemas.microsoft.com/office/drawing/2014/main" id="{FD80A1C3-DC8A-ADFF-8382-C05410AF9436}"/>
+              </a:ext>
+            </a:extLst>
+          </p:cNvPr>
+          <p:cNvSpPr/>
+          <p:nvPr/>
+        </p:nvSpPr>
+        <p:spPr>
+          <a:xfrm>
+            <a:off x="7094863" y="2145536"/>
+            <a:ext cx="4384713" cy="2566930"/>
+          </a:xfrm>
+          <a:prstGeom prst="rect">
+            <a:avLst/>
+          </a:prstGeom>
+          <a:ln/>
+        </p:spPr>
+        <p:style>
+          <a:lnRef idx="2">
+            <a:schemeClr val="accent2"/>
+          </a:lnRef>
+          <a:fillRef idx="1">
+            <a:schemeClr val="lt1"/>
+          </a:fillRef>
+          <a:effectRef idx="0">
+            <a:schemeClr val="accent2"/>
+          </a:effectRef>
+          <a:fontRef idx="minor">
+            <a:schemeClr val="dk1"/>
+          </a:fontRef>
+        </p:style>
+        <p:txBody>
+          <a:bodyPr rtlCol="0" anchor="b" anchorCtr="0"/>
+          <a:lstStyle/>
+          <a:p>
+            <a:pPr algn="ctr"/>
+            <a:r>
+              <a:rPr lang="en-US" sz="1400" dirty="0">
+                <a:solidFill>
+                  <a:schemeClr val="tx2"/>
+                </a:solidFill>
+                <a:latin typeface="Source Sans Pro Light" panose="020B0403030403020204" pitchFamily="34" charset="77"/>
+                <a:ea typeface="Source Sans Pro" panose="020B0503030403020204" pitchFamily="34" charset="0"/>
+              </a:rPr>
+              <a:t>Display module</a:t>
+            </a:r>
+          </a:p>
+        </p:txBody>
+      </p:sp>
+      <p:pic>
+        <p:nvPicPr>
+          <p:cNvPr id="8" name="Picture 7">
+            <a:extLst>
+              <a:ext uri="{FF2B5EF4-FFF2-40B4-BE49-F238E27FC236}">
+                <a16:creationId xmlns:a16="http://schemas.microsoft.com/office/drawing/2014/main" id="{FFED50E9-4666-827D-A26D-B1C27D6DCC8C}"/>
+              </a:ext>
+            </a:extLst>
+          </p:cNvPr>
+          <p:cNvPicPr>
+            <a:picLocks noChangeAspect="1"/>
+          </p:cNvPicPr>
+          <p:nvPr/>
+        </p:nvPicPr>
+        <p:blipFill rotWithShape="1">
+          <a:blip r:embed="rId3" cstate="print">
+            <a:extLst>
+              <a:ext uri="{28A0092B-C50C-407E-A947-70E740481C1C}">
+                <a14:useLocalDpi xmlns:a14="http://schemas.microsoft.com/office/drawing/2010/main" val="0"/>
+              </a:ext>
+            </a:extLst>
+          </a:blip>
+          <a:srcRect l="18554" t="45307" r="13825" b="13196"/>
+          <a:stretch/>
+        </p:blipFill>
+        <p:spPr>
+          <a:xfrm>
+            <a:off x="8858813" y="2708978"/>
+            <a:ext cx="2279239" cy="1415820"/>
+          </a:xfrm>
+          <a:prstGeom prst="rect">
+            <a:avLst/>
+          </a:prstGeom>
+        </p:spPr>
+      </p:pic>
+      <p:sp>
+        <p:nvSpPr>
+          <p:cNvPr id="10" name="Arc 9">
+            <a:extLst>
+              <a:ext uri="{FF2B5EF4-FFF2-40B4-BE49-F238E27FC236}">
+                <a16:creationId xmlns:a16="http://schemas.microsoft.com/office/drawing/2014/main" id="{070CE625-638E-D085-FAEA-696B711BC3C5}"/>
+              </a:ext>
+            </a:extLst>
+          </p:cNvPr>
+          <p:cNvSpPr/>
+          <p:nvPr/>
+        </p:nvSpPr>
+        <p:spPr>
+          <a:xfrm>
+            <a:off x="3966071" y="2542830"/>
+            <a:ext cx="5496491" cy="1787652"/>
+          </a:xfrm>
+          <a:prstGeom prst="arc">
+            <a:avLst>
+              <a:gd name="adj1" fmla="val 11979648"/>
+              <a:gd name="adj2" fmla="val 9567484"/>
+            </a:avLst>
+          </a:prstGeom>
+          <a:ln w="25400">
+            <a:tailEnd type="stealth" w="lg" len="lg"/>
+          </a:ln>
+        </p:spPr>
+        <p:style>
+          <a:lnRef idx="1">
+            <a:schemeClr val="accent1"/>
+          </a:lnRef>
+          <a:fillRef idx="0">
+            <a:schemeClr val="accent1"/>
+          </a:fillRef>
+          <a:effectRef idx="0">
+            <a:schemeClr val="accent1"/>
+          </a:effectRef>
+          <a:fontRef idx="minor">
+            <a:schemeClr val="tx1"/>
+          </a:fontRef>
+        </p:style>
+        <p:txBody>
+          <a:bodyPr rtlCol="0" anchor="ctr"/>
+          <a:lstStyle/>
+          <a:p>
+            <a:pPr algn="ctr"/>
+            <a:endParaRPr lang="en-US"/>
+          </a:p>
+        </p:txBody>
+      </p:sp>
+      <p:sp>
+        <p:nvSpPr>
+          <p:cNvPr id="7" name="Rectangle 6">
+            <a:extLst>
+              <a:ext uri="{FF2B5EF4-FFF2-40B4-BE49-F238E27FC236}">
+                <a16:creationId xmlns:a16="http://schemas.microsoft.com/office/drawing/2014/main" id="{EE9CF8DD-BEBD-03CC-60A2-FB1191005967}"/>
+              </a:ext>
+            </a:extLst>
+          </p:cNvPr>
+          <p:cNvSpPr/>
+          <p:nvPr/>
+        </p:nvSpPr>
+        <p:spPr>
+          <a:xfrm>
+            <a:off x="7416641" y="3159565"/>
+            <a:ext cx="762586" cy="507693"/>
+          </a:xfrm>
+          <a:prstGeom prst="rect">
+            <a:avLst/>
+          </a:prstGeom>
+          <a:ln/>
+        </p:spPr>
+        <p:style>
+          <a:lnRef idx="2">
+            <a:schemeClr val="accent1"/>
+          </a:lnRef>
+          <a:fillRef idx="1">
+            <a:schemeClr val="lt1"/>
+          </a:fillRef>
+          <a:effectRef idx="0">
+            <a:schemeClr val="accent1"/>
+          </a:effectRef>
+          <a:fontRef idx="minor">
+            <a:schemeClr val="dk1"/>
+          </a:fontRef>
+        </p:style>
+        <p:txBody>
+          <a:bodyPr rtlCol="0" anchor="ctr"/>
+          <a:lstStyle/>
+          <a:p>
+            <a:pPr algn="ctr"/>
+            <a:r>
+              <a:rPr lang="en-US" sz="1400" dirty="0">
+                <a:solidFill>
+                  <a:schemeClr val="tx2"/>
+                </a:solidFill>
+                <a:latin typeface="Source Sans Pro Light" panose="020B0403030403020204" pitchFamily="34" charset="77"/>
+                <a:ea typeface="Source Sans Pro" panose="020B0503030403020204" pitchFamily="34" charset="0"/>
+              </a:rPr>
+              <a:t>LCDC</a:t>
+            </a:r>
+          </a:p>
+        </p:txBody>
+      </p:sp>
+      <p:sp>
+        <p:nvSpPr>
+          <p:cNvPr id="14" name="Rectangle 13">
+            <a:extLst>
+              <a:ext uri="{FF2B5EF4-FFF2-40B4-BE49-F238E27FC236}">
+                <a16:creationId xmlns:a16="http://schemas.microsoft.com/office/drawing/2014/main" id="{F79704A7-1530-628C-D595-3F2FEF1E99C5}"/>
+              </a:ext>
+            </a:extLst>
+          </p:cNvPr>
+          <p:cNvSpPr/>
+          <p:nvPr/>
+        </p:nvSpPr>
+        <p:spPr>
+          <a:xfrm>
+            <a:off x="5749586" y="3159565"/>
+            <a:ext cx="762586" cy="507693"/>
+          </a:xfrm>
+          <a:prstGeom prst="rect">
+            <a:avLst/>
+          </a:prstGeom>
+          <a:ln/>
+        </p:spPr>
+        <p:style>
+          <a:lnRef idx="2">
+            <a:schemeClr val="accent1"/>
+          </a:lnRef>
+          <a:fillRef idx="1">
+            <a:schemeClr val="lt1"/>
+          </a:fillRef>
+          <a:effectRef idx="0">
+            <a:schemeClr val="accent1"/>
+          </a:effectRef>
+          <a:fontRef idx="minor">
+            <a:schemeClr val="dk1"/>
+          </a:fontRef>
+        </p:style>
+        <p:txBody>
+          <a:bodyPr rtlCol="0" anchor="ctr"/>
+          <a:lstStyle/>
+          <a:p>
+            <a:pPr algn="ctr"/>
+            <a:r>
+              <a:rPr lang="en-US" sz="1400" dirty="0">
+                <a:solidFill>
+                  <a:schemeClr val="tx2"/>
+                </a:solidFill>
+                <a:latin typeface="Source Sans Pro Light" panose="020B0403030403020204" pitchFamily="34" charset="77"/>
+                <a:ea typeface="Source Sans Pro" panose="020B0503030403020204" pitchFamily="34" charset="0"/>
+              </a:rPr>
+              <a:t>LCDC</a:t>
+            </a:r>
+          </a:p>
+        </p:txBody>
+      </p:sp>
+      <p:sp>
+        <p:nvSpPr>
+          <p:cNvPr id="15" name="Rectangle 14">
+            <a:extLst>
+              <a:ext uri="{FF2B5EF4-FFF2-40B4-BE49-F238E27FC236}">
+                <a16:creationId xmlns:a16="http://schemas.microsoft.com/office/drawing/2014/main" id="{65049CB4-0DDB-CE65-2175-D46A619BA7B2}"/>
+              </a:ext>
+            </a:extLst>
+          </p:cNvPr>
+          <p:cNvSpPr/>
+          <p:nvPr/>
+        </p:nvSpPr>
+        <p:spPr>
+          <a:xfrm>
+            <a:off x="3858937" y="2921307"/>
+            <a:ext cx="1637489" cy="1015386"/>
+          </a:xfrm>
+          <a:prstGeom prst="rect">
+            <a:avLst/>
+          </a:prstGeom>
+          <a:ln/>
+        </p:spPr>
+        <p:style>
+          <a:lnRef idx="2">
+            <a:schemeClr val="accent1"/>
+          </a:lnRef>
+          <a:fillRef idx="1">
+            <a:schemeClr val="lt1"/>
+          </a:fillRef>
+          <a:effectRef idx="0">
+            <a:schemeClr val="accent1"/>
+          </a:effectRef>
+          <a:fontRef idx="minor">
+            <a:schemeClr val="dk1"/>
+          </a:fontRef>
+        </p:style>
+        <p:txBody>
+          <a:bodyPr rtlCol="0" anchor="ctr"/>
+          <a:lstStyle/>
+          <a:p>
+            <a:pPr algn="ctr"/>
+            <a:r>
+              <a:rPr lang="en-US" sz="1400" dirty="0">
+                <a:solidFill>
+                  <a:schemeClr val="tx2"/>
+                </a:solidFill>
+                <a:latin typeface="Source Sans Pro Light" panose="020B0403030403020204" pitchFamily="34" charset="77"/>
+                <a:ea typeface="Source Sans Pro" panose="020B0503030403020204" pitchFamily="34" charset="0"/>
+              </a:rPr>
+              <a:t>Back buffer 1</a:t>
+            </a:r>
+          </a:p>
+        </p:txBody>
+      </p:sp>
+      <p:cxnSp>
+        <p:nvCxnSpPr>
+          <p:cNvPr id="17" name="Straight Connector 16">
+            <a:extLst>
+              <a:ext uri="{FF2B5EF4-FFF2-40B4-BE49-F238E27FC236}">
+                <a16:creationId xmlns:a16="http://schemas.microsoft.com/office/drawing/2014/main" id="{39002000-D704-2B02-CC7E-0FEDD6AAC47B}"/>
+              </a:ext>
+            </a:extLst>
+          </p:cNvPr>
+          <p:cNvCxnSpPr>
+            <a:cxnSpLocks/>
+            <a:stCxn id="14" idx="3"/>
+            <a:endCxn id="7" idx="1"/>
+          </p:cNvCxnSpPr>
+          <p:nvPr/>
+        </p:nvCxnSpPr>
+        <p:spPr>
+          <a:xfrm>
+            <a:off x="6512172" y="3413412"/>
+            <a:ext cx="904469" cy="0"/>
+          </a:xfrm>
+          <a:prstGeom prst="line">
+            <a:avLst/>
+          </a:prstGeom>
+          <a:ln w="19050"/>
+        </p:spPr>
+        <p:style>
+          <a:lnRef idx="1">
+            <a:schemeClr val="accent4"/>
+          </a:lnRef>
+          <a:fillRef idx="0">
+            <a:schemeClr val="accent4"/>
+          </a:fillRef>
+          <a:effectRef idx="0">
+            <a:schemeClr val="accent4"/>
+          </a:effectRef>
+          <a:fontRef idx="minor">
+            <a:schemeClr val="tx1"/>
+          </a:fontRef>
+        </p:style>
+      </p:cxnSp>
+      <p:cxnSp>
+        <p:nvCxnSpPr>
+          <p:cNvPr id="20" name="Straight Connector 19">
+            <a:extLst>
+              <a:ext uri="{FF2B5EF4-FFF2-40B4-BE49-F238E27FC236}">
+                <a16:creationId xmlns:a16="http://schemas.microsoft.com/office/drawing/2014/main" id="{A58706F5-92DC-DD6A-522F-3751BFC398BA}"/>
+              </a:ext>
+            </a:extLst>
+          </p:cNvPr>
+          <p:cNvCxnSpPr>
+            <a:cxnSpLocks/>
+          </p:cNvCxnSpPr>
+          <p:nvPr/>
+        </p:nvCxnSpPr>
+        <p:spPr>
+          <a:xfrm flipV="1">
+            <a:off x="6831045" y="3333868"/>
+            <a:ext cx="148324" cy="190263"/>
+          </a:xfrm>
+          <a:prstGeom prst="line">
+            <a:avLst/>
+          </a:prstGeom>
+          <a:ln w="15875"/>
+        </p:spPr>
+        <p:style>
+          <a:lnRef idx="1">
+            <a:schemeClr val="accent4"/>
+          </a:lnRef>
+          <a:fillRef idx="0">
+            <a:schemeClr val="accent4"/>
+          </a:fillRef>
+          <a:effectRef idx="0">
+            <a:schemeClr val="accent4"/>
+          </a:effectRef>
+          <a:fontRef idx="minor">
+            <a:schemeClr val="tx1"/>
+          </a:fontRef>
+        </p:style>
+      </p:cxnSp>
+      <p:cxnSp>
+        <p:nvCxnSpPr>
+          <p:cNvPr id="18" name="Straight Connector 17">
+            <a:extLst>
+              <a:ext uri="{FF2B5EF4-FFF2-40B4-BE49-F238E27FC236}">
+                <a16:creationId xmlns:a16="http://schemas.microsoft.com/office/drawing/2014/main" id="{2D602AE7-0E9D-5DE3-055C-6D70D35F7389}"/>
+              </a:ext>
+            </a:extLst>
+          </p:cNvPr>
+          <p:cNvCxnSpPr/>
+          <p:nvPr/>
+        </p:nvCxnSpPr>
+        <p:spPr>
+          <a:xfrm>
+            <a:off x="8177100" y="3425591"/>
+            <a:ext cx="683840" cy="1"/>
+          </a:xfrm>
+          <a:prstGeom prst="line">
+            <a:avLst/>
+          </a:prstGeom>
+        </p:spPr>
+        <p:style>
+          <a:lnRef idx="1">
+            <a:schemeClr val="accent4"/>
+          </a:lnRef>
+          <a:fillRef idx="0">
+            <a:schemeClr val="accent4"/>
+          </a:fillRef>
+          <a:effectRef idx="0">
+            <a:schemeClr val="accent4"/>
+          </a:effectRef>
+          <a:fontRef idx="minor">
+            <a:schemeClr val="tx1"/>
+          </a:fontRef>
+        </p:style>
+      </p:cxnSp>
+      <p:cxnSp>
+        <p:nvCxnSpPr>
+          <p:cNvPr id="19" name="Straight Connector 18">
+            <a:extLst>
+              <a:ext uri="{FF2B5EF4-FFF2-40B4-BE49-F238E27FC236}">
+                <a16:creationId xmlns:a16="http://schemas.microsoft.com/office/drawing/2014/main" id="{FCAF8A7D-C69E-3F8B-CFA8-B2A81AEA78A2}"/>
+              </a:ext>
+            </a:extLst>
+          </p:cNvPr>
+          <p:cNvCxnSpPr>
+            <a:cxnSpLocks/>
+          </p:cNvCxnSpPr>
+          <p:nvPr/>
+        </p:nvCxnSpPr>
+        <p:spPr>
+          <a:xfrm flipV="1">
+            <a:off x="8430260" y="3368240"/>
+            <a:ext cx="113670" cy="145810"/>
+          </a:xfrm>
+          <a:prstGeom prst="line">
+            <a:avLst/>
+          </a:prstGeom>
+        </p:spPr>
+        <p:style>
+          <a:lnRef idx="1">
+            <a:schemeClr val="accent4"/>
+          </a:lnRef>
+          <a:fillRef idx="0">
+            <a:schemeClr val="accent4"/>
+          </a:fillRef>
+          <a:effectRef idx="0">
+            <a:schemeClr val="accent4"/>
+          </a:effectRef>
+          <a:fontRef idx="minor">
+            <a:schemeClr val="tx1"/>
+          </a:fontRef>
+        </p:style>
+      </p:cxnSp>
+      <p:sp>
+        <p:nvSpPr>
+          <p:cNvPr id="3" name="Rectangle 2">
+            <a:extLst>
+              <a:ext uri="{FF2B5EF4-FFF2-40B4-BE49-F238E27FC236}">
+                <a16:creationId xmlns:a16="http://schemas.microsoft.com/office/drawing/2014/main" id="{46E57B75-70B0-F647-D712-A75871947801}"/>
+              </a:ext>
+            </a:extLst>
+          </p:cNvPr>
+          <p:cNvSpPr/>
+          <p:nvPr/>
+        </p:nvSpPr>
+        <p:spPr>
+          <a:xfrm>
+            <a:off x="1910693" y="2917898"/>
+            <a:ext cx="1637489" cy="1015386"/>
+          </a:xfrm>
+          <a:prstGeom prst="rect">
+            <a:avLst/>
+          </a:prstGeom>
+          <a:ln/>
+        </p:spPr>
+        <p:style>
+          <a:lnRef idx="2">
+            <a:schemeClr val="accent1"/>
+          </a:lnRef>
+          <a:fillRef idx="1">
+            <a:schemeClr val="lt1"/>
+          </a:fillRef>
+          <a:effectRef idx="0">
+            <a:schemeClr val="accent1"/>
+          </a:effectRef>
+          <a:fontRef idx="minor">
+            <a:schemeClr val="dk1"/>
+          </a:fontRef>
+        </p:style>
+        <p:txBody>
+          <a:bodyPr rtlCol="0" anchor="ctr"/>
+          <a:lstStyle/>
+          <a:p>
+            <a:pPr algn="ctr"/>
+            <a:r>
+              <a:rPr lang="en-US" sz="1400" dirty="0">
+                <a:solidFill>
+                  <a:schemeClr val="tx2"/>
+                </a:solidFill>
+                <a:latin typeface="Source Sans Pro Light" panose="020B0403030403020204" pitchFamily="34" charset="77"/>
+                <a:ea typeface="Source Sans Pro" panose="020B0503030403020204" pitchFamily="34" charset="0"/>
+              </a:rPr>
+              <a:t>Back buffer 3</a:t>
+            </a:r>
+          </a:p>
+        </p:txBody>
+      </p:sp>
+      <p:sp>
+        <p:nvSpPr>
+          <p:cNvPr id="9" name="TextBox 8">
+            <a:extLst>
+              <a:ext uri="{FF2B5EF4-FFF2-40B4-BE49-F238E27FC236}">
+                <a16:creationId xmlns:a16="http://schemas.microsoft.com/office/drawing/2014/main" id="{C1612016-8035-FD67-2BBA-1979063563E8}"/>
+              </a:ext>
+            </a:extLst>
+          </p:cNvPr>
+          <p:cNvSpPr txBox="1"/>
+          <p:nvPr/>
+        </p:nvSpPr>
+        <p:spPr>
+          <a:xfrm>
+            <a:off x="-106322" y="3288533"/>
+            <a:ext cx="827153" cy="215444"/>
+          </a:xfrm>
+          <a:prstGeom prst="rect">
+            <a:avLst/>
+          </a:prstGeom>
+          <a:noFill/>
+        </p:spPr>
+        <p:txBody>
+          <a:bodyPr vert="horz" wrap="square" lIns="0" tIns="0" rIns="0" bIns="0" numCol="1" spcCol="288000" rtlCol="0" anchor="t" anchorCtr="0">
+            <a:spAutoFit/>
+          </a:bodyPr>
+          <a:lstStyle/>
+          <a:p>
+            <a:pPr algn="r">
+              <a:spcBef>
+                <a:spcPts val="0"/>
+              </a:spcBef>
+              <a:spcAft>
+                <a:spcPts val="600"/>
+              </a:spcAft>
+            </a:pPr>
+            <a:r>
+              <a:rPr lang="en-US" sz="1400" b="0" i="0" spc="0" dirty="0">
+                <a:ln>
+                  <a:noFill/>
+                </a:ln>
+                <a:solidFill>
+                  <a:schemeClr val="tx2"/>
+                </a:solidFill>
+                <a:latin typeface="Source Sans Pro Light" charset="0"/>
+                <a:ea typeface="Source Sans Pro Light" charset="0"/>
+                <a:cs typeface="Source Sans Pro Light" charset="0"/>
+              </a:rPr>
+              <a:t>Drawings </a:t>
+            </a:r>
+          </a:p>
+        </p:txBody>
+      </p:sp>
+      <p:cxnSp>
+        <p:nvCxnSpPr>
+          <p:cNvPr id="12" name="Straight Arrow Connector 11">
+            <a:extLst>
+              <a:ext uri="{FF2B5EF4-FFF2-40B4-BE49-F238E27FC236}">
+                <a16:creationId xmlns:a16="http://schemas.microsoft.com/office/drawing/2014/main" id="{18E49BAF-41A5-1AF0-1587-F3A4FEC1AA83}"/>
+              </a:ext>
+            </a:extLst>
+          </p:cNvPr>
+          <p:cNvCxnSpPr/>
+          <p:nvPr/>
+        </p:nvCxnSpPr>
+        <p:spPr>
+          <a:xfrm>
+            <a:off x="934696" y="3423593"/>
+            <a:ext cx="896407" cy="0"/>
+          </a:xfrm>
+          <a:prstGeom prst="straightConnector1">
+            <a:avLst/>
+          </a:prstGeom>
+          <a:ln w="25400">
+            <a:tailEnd type="stealth" w="lg" len="med"/>
+          </a:ln>
+        </p:spPr>
+        <p:style>
+          <a:lnRef idx="1">
+            <a:schemeClr val="accent1"/>
+          </a:lnRef>
+          <a:fillRef idx="0">
+            <a:schemeClr val="accent1"/>
+          </a:fillRef>
+          <a:effectRef idx="0">
+            <a:schemeClr val="accent1"/>
+          </a:effectRef>
+          <a:fontRef idx="minor">
+            <a:schemeClr val="tx1"/>
+          </a:fontRef>
+        </p:style>
+      </p:cxnSp>
+      <p:sp>
+        <p:nvSpPr>
+          <p:cNvPr id="13" name="Rectangle 12">
+            <a:extLst>
+              <a:ext uri="{FF2B5EF4-FFF2-40B4-BE49-F238E27FC236}">
+                <a16:creationId xmlns:a16="http://schemas.microsoft.com/office/drawing/2014/main" id="{7CCD8170-7E6D-115B-6FCD-FA491B6FDE14}"/>
+              </a:ext>
+            </a:extLst>
+          </p:cNvPr>
+          <p:cNvSpPr/>
+          <p:nvPr/>
+        </p:nvSpPr>
+        <p:spPr>
+          <a:xfrm>
+            <a:off x="2938382" y="4197955"/>
+            <a:ext cx="1637489" cy="1015386"/>
+          </a:xfrm>
+          <a:prstGeom prst="rect">
+            <a:avLst/>
+          </a:prstGeom>
+          <a:ln/>
+        </p:spPr>
+        <p:style>
+          <a:lnRef idx="2">
+            <a:schemeClr val="accent1"/>
+          </a:lnRef>
+          <a:fillRef idx="1">
+            <a:schemeClr val="lt1"/>
+          </a:fillRef>
+          <a:effectRef idx="0">
+            <a:schemeClr val="accent1"/>
+          </a:effectRef>
+          <a:fontRef idx="minor">
+            <a:schemeClr val="dk1"/>
+          </a:fontRef>
+        </p:style>
+        <p:txBody>
+          <a:bodyPr rtlCol="0" anchor="ctr"/>
+          <a:lstStyle/>
+          <a:p>
+            <a:pPr algn="ctr"/>
+            <a:r>
+              <a:rPr lang="en-US" sz="1400" dirty="0">
+                <a:solidFill>
+                  <a:schemeClr val="tx2"/>
+                </a:solidFill>
+                <a:latin typeface="Source Sans Pro Light" panose="020B0403030403020204" pitchFamily="34" charset="77"/>
+                <a:ea typeface="Source Sans Pro" panose="020B0503030403020204" pitchFamily="34" charset="0"/>
+              </a:rPr>
+              <a:t>Back buffer 2</a:t>
+            </a:r>
+          </a:p>
+        </p:txBody>
+      </p:sp>
+      <p:sp>
+        <p:nvSpPr>
+          <p:cNvPr id="21" name="Arc 20">
+            <a:extLst>
+              <a:ext uri="{FF2B5EF4-FFF2-40B4-BE49-F238E27FC236}">
+                <a16:creationId xmlns:a16="http://schemas.microsoft.com/office/drawing/2014/main" id="{618D0302-BE83-655A-FD0E-9D0609829D77}"/>
+              </a:ext>
+            </a:extLst>
+          </p:cNvPr>
+          <p:cNvSpPr>
+            <a:spLocks noChangeAspect="1"/>
+          </p:cNvSpPr>
+          <p:nvPr/>
+        </p:nvSpPr>
+        <p:spPr>
+          <a:xfrm>
+            <a:off x="3298565" y="3576581"/>
+            <a:ext cx="914850" cy="864697"/>
+          </a:xfrm>
+          <a:prstGeom prst="arc">
+            <a:avLst>
+              <a:gd name="adj1" fmla="val 12872902"/>
+              <a:gd name="adj2" fmla="val 10403590"/>
+            </a:avLst>
+          </a:prstGeom>
+          <a:ln w="25400">
+            <a:tailEnd type="stealth" w="lg" len="lg"/>
+          </a:ln>
+        </p:spPr>
+        <p:style>
+          <a:lnRef idx="1">
+            <a:schemeClr val="accent1"/>
+          </a:lnRef>
+          <a:fillRef idx="0">
+            <a:schemeClr val="accent1"/>
+          </a:fillRef>
+          <a:effectRef idx="0">
+            <a:schemeClr val="accent1"/>
+          </a:effectRef>
+          <a:fontRef idx="minor">
+            <a:schemeClr val="tx1"/>
+          </a:fontRef>
+        </p:style>
+        <p:txBody>
+          <a:bodyPr rtlCol="0" anchor="ctr"/>
+          <a:lstStyle/>
+          <a:p>
+            <a:pPr algn="ctr"/>
+            <a:endParaRPr lang="en-US"/>
+          </a:p>
+        </p:txBody>
+      </p:sp>
+      <p:sp>
+        <p:nvSpPr>
+          <p:cNvPr id="26" name="TextBox 25">
+            <a:extLst>
+              <a:ext uri="{FF2B5EF4-FFF2-40B4-BE49-F238E27FC236}">
+                <a16:creationId xmlns:a16="http://schemas.microsoft.com/office/drawing/2014/main" id="{09B0B8FB-9440-F064-AFA4-8481D68F3B58}"/>
+              </a:ext>
+            </a:extLst>
+          </p:cNvPr>
+          <p:cNvSpPr txBox="1"/>
+          <p:nvPr/>
+        </p:nvSpPr>
+        <p:spPr>
+          <a:xfrm>
+            <a:off x="3134605" y="3950457"/>
+            <a:ext cx="827153" cy="215444"/>
+          </a:xfrm>
+          <a:prstGeom prst="rect">
+            <a:avLst/>
+          </a:prstGeom>
+          <a:noFill/>
+        </p:spPr>
+        <p:txBody>
+          <a:bodyPr vert="horz" wrap="square" lIns="0" tIns="0" rIns="0" bIns="0" numCol="1" spcCol="288000" rtlCol="0" anchor="t" anchorCtr="0">
+            <a:spAutoFit/>
+          </a:bodyPr>
+          <a:lstStyle/>
+          <a:p>
+            <a:pPr algn="r">
+              <a:spcBef>
+                <a:spcPts val="0"/>
+              </a:spcBef>
+              <a:spcAft>
+                <a:spcPts val="600"/>
+              </a:spcAft>
+            </a:pPr>
+            <a:r>
+              <a:rPr lang="en-US" sz="1400" b="0" i="0" spc="0" dirty="0">
+                <a:ln>
+                  <a:noFill/>
+                </a:ln>
+                <a:solidFill>
+                  <a:schemeClr val="tx2"/>
+                </a:solidFill>
+                <a:latin typeface="Source Sans Pro Light" charset="0"/>
+                <a:ea typeface="Source Sans Pro Light" charset="0"/>
+                <a:cs typeface="Source Sans Pro Light" charset="0"/>
+              </a:rPr>
+              <a:t>Flush </a:t>
+            </a:r>
+          </a:p>
+        </p:txBody>
+      </p:sp>
+    </p:spTree>
+    <p:extLst>
+      <p:ext uri="{BB962C8B-B14F-4D97-AF65-F5344CB8AC3E}">
+        <p14:creationId xmlns:p14="http://schemas.microsoft.com/office/powerpoint/2010/main" val="721566621"/>
+      </p:ext>
+    </p:extLst>
+  </p:cSld>
+  <p:clrMapOvr>
+    <a:masterClrMapping/>
+  </p:clrMapOvr>
+</p:sld>
+</file>
+
+<file path=ppt/slides/slide9.xml><?xml version="1.0" encoding="utf-8"?>
+<p:sld xmlns:a="http://schemas.openxmlformats.org/drawingml/2006/main" xmlns:r="http://schemas.openxmlformats.org/officeDocument/2006/relationships" xmlns:p="http://schemas.openxmlformats.org/presentationml/2006/main">
+  <p:cSld>
+    <p:spTree>
+      <p:nvGrpSpPr>
+        <p:cNvPr id="1" name=""/>
+        <p:cNvGrpSpPr/>
+        <p:nvPr/>
+      </p:nvGrpSpPr>
+      <p:grpSpPr>
+        <a:xfrm>
+          <a:off x="0" y="0"/>
+          <a:ext cx="0" cy="0"/>
+          <a:chOff x="0" y="0"/>
+          <a:chExt cx="0" cy="0"/>
+        </a:xfrm>
+      </p:grpSpPr>
+      <p:sp>
+        <p:nvSpPr>
+          <p:cNvPr id="16" name="Rectangle 15">
+            <a:extLst>
+              <a:ext uri="{FF2B5EF4-FFF2-40B4-BE49-F238E27FC236}">
+                <a16:creationId xmlns:a16="http://schemas.microsoft.com/office/drawing/2014/main" id="{64AD43B7-23E8-6DBF-53B4-D516396CBA62}"/>
+              </a:ext>
+            </a:extLst>
+          </p:cNvPr>
+          <p:cNvSpPr/>
+          <p:nvPr/>
+        </p:nvSpPr>
+        <p:spPr>
+          <a:xfrm>
+            <a:off x="1255923" y="2108282"/>
+            <a:ext cx="3538753" cy="3073706"/>
+          </a:xfrm>
+          <a:prstGeom prst="rect">
+            <a:avLst/>
+          </a:prstGeom>
+          <a:ln/>
+        </p:spPr>
+        <p:style>
+          <a:lnRef idx="2">
+            <a:schemeClr val="accent2"/>
+          </a:lnRef>
+          <a:fillRef idx="1">
+            <a:schemeClr val="lt1"/>
+          </a:fillRef>
+          <a:effectRef idx="0">
+            <a:schemeClr val="accent2"/>
+          </a:effectRef>
+          <a:fontRef idx="minor">
+            <a:schemeClr val="dk1"/>
+          </a:fontRef>
+        </p:style>
+        <p:txBody>
+          <a:bodyPr rtlCol="0" anchor="b" anchorCtr="0"/>
+          <a:lstStyle/>
+          <a:p>
+            <a:pPr algn="ctr"/>
+            <a:r>
+              <a:rPr lang="en-US" sz="1400" dirty="0">
+                <a:solidFill>
+                  <a:schemeClr val="tx2"/>
+                </a:solidFill>
+                <a:latin typeface="Source Sans Pro Light" panose="020B0403030403020204" pitchFamily="34" charset="77"/>
+                <a:ea typeface="Source Sans Pro" panose="020B0503030403020204" pitchFamily="34" charset="0"/>
+              </a:rPr>
+              <a:t>MCU</a:t>
+            </a:r>
+          </a:p>
+        </p:txBody>
+      </p:sp>
+      <p:sp>
+        <p:nvSpPr>
+          <p:cNvPr id="11" name="Rectangle 10">
+            <a:extLst>
+              <a:ext uri="{FF2B5EF4-FFF2-40B4-BE49-F238E27FC236}">
+                <a16:creationId xmlns:a16="http://schemas.microsoft.com/office/drawing/2014/main" id="{FD80A1C3-DC8A-ADFF-8382-C05410AF9436}"/>
+              </a:ext>
+            </a:extLst>
+          </p:cNvPr>
+          <p:cNvSpPr/>
+          <p:nvPr/>
+        </p:nvSpPr>
+        <p:spPr>
+          <a:xfrm>
+            <a:off x="5208252" y="2108281"/>
+            <a:ext cx="6257580" cy="3073706"/>
+          </a:xfrm>
+          <a:prstGeom prst="rect">
+            <a:avLst/>
+          </a:prstGeom>
+          <a:ln/>
+        </p:spPr>
+        <p:style>
+          <a:lnRef idx="2">
+            <a:schemeClr val="accent2"/>
+          </a:lnRef>
+          <a:fillRef idx="1">
+            <a:schemeClr val="lt1"/>
+          </a:fillRef>
+          <a:effectRef idx="0">
+            <a:schemeClr val="accent2"/>
+          </a:effectRef>
+          <a:fontRef idx="minor">
+            <a:schemeClr val="dk1"/>
+          </a:fontRef>
+        </p:style>
+        <p:txBody>
+          <a:bodyPr rtlCol="0" anchor="b" anchorCtr="0"/>
+          <a:lstStyle/>
+          <a:p>
+            <a:pPr algn="ctr"/>
+            <a:r>
+              <a:rPr lang="en-US" sz="1400" dirty="0">
+                <a:solidFill>
+                  <a:schemeClr val="tx2"/>
+                </a:solidFill>
+                <a:latin typeface="Source Sans Pro Light" panose="020B0403030403020204" pitchFamily="34" charset="77"/>
+                <a:ea typeface="Source Sans Pro" panose="020B0503030403020204" pitchFamily="34" charset="0"/>
+              </a:rPr>
+              <a:t>Display module</a:t>
+            </a:r>
+          </a:p>
+        </p:txBody>
+      </p:sp>
+      <p:grpSp>
+        <p:nvGrpSpPr>
+          <p:cNvPr id="3" name="Group 2">
+            <a:extLst>
+              <a:ext uri="{FF2B5EF4-FFF2-40B4-BE49-F238E27FC236}">
+                <a16:creationId xmlns:a16="http://schemas.microsoft.com/office/drawing/2014/main" id="{BA030F01-D386-07D8-28D4-D295E41BDCA1}"/>
+              </a:ext>
+            </a:extLst>
+          </p:cNvPr>
+          <p:cNvGrpSpPr>
+            <a:grpSpLocks noChangeAspect="1"/>
+          </p:cNvGrpSpPr>
+          <p:nvPr/>
+        </p:nvGrpSpPr>
+        <p:grpSpPr>
+          <a:xfrm>
+            <a:off x="6515452" y="2479481"/>
+            <a:ext cx="4600568" cy="1787652"/>
+            <a:chOff x="5325630" y="2187838"/>
+            <a:chExt cx="6003142" cy="2332653"/>
+          </a:xfrm>
+        </p:grpSpPr>
+        <p:pic>
+          <p:nvPicPr>
+            <p:cNvPr id="8" name="Picture 7">
+              <a:extLst>
+                <a:ext uri="{FF2B5EF4-FFF2-40B4-BE49-F238E27FC236}">
+                  <a16:creationId xmlns:a16="http://schemas.microsoft.com/office/drawing/2014/main" id="{FFED50E9-4666-827D-A26D-B1C27D6DCC8C}"/>
+                </a:ext>
+              </a:extLst>
+            </p:cNvPr>
+            <p:cNvPicPr>
+              <a:picLocks noChangeAspect="1"/>
+            </p:cNvPicPr>
+            <p:nvPr/>
+          </p:nvPicPr>
+          <p:blipFill rotWithShape="1">
+            <a:blip r:embed="rId3" cstate="print">
+              <a:extLst>
+                <a:ext uri="{28A0092B-C50C-407E-A947-70E740481C1C}">
+                  <a14:useLocalDpi xmlns:a14="http://schemas.microsoft.com/office/drawing/2010/main" val="0"/>
+                </a:ext>
+              </a:extLst>
+            </a:blip>
+            <a:srcRect l="18554" t="45307" r="13825" b="13196"/>
+            <a:stretch/>
+          </p:blipFill>
+          <p:spPr>
+            <a:xfrm>
+              <a:off x="8354662" y="2505270"/>
+              <a:ext cx="2974110" cy="1847461"/>
+            </a:xfrm>
+            <a:prstGeom prst="rect">
+              <a:avLst/>
+            </a:prstGeom>
+          </p:spPr>
+        </p:pic>
+        <p:sp>
+          <p:nvSpPr>
+            <p:cNvPr id="9" name="Rectangle 8">
+              <a:extLst>
+                <a:ext uri="{FF2B5EF4-FFF2-40B4-BE49-F238E27FC236}">
+                  <a16:creationId xmlns:a16="http://schemas.microsoft.com/office/drawing/2014/main" id="{1A2856C8-2CFE-CD28-F430-C4BAB5AC7E97}"/>
+                </a:ext>
+              </a:extLst>
+            </p:cNvPr>
+            <p:cNvSpPr/>
+            <p:nvPr/>
+          </p:nvSpPr>
+          <p:spPr>
+            <a:xfrm>
+              <a:off x="5325630" y="2766527"/>
+              <a:ext cx="2136710" cy="1324946"/>
+            </a:xfrm>
+            <a:prstGeom prst="rect">
+              <a:avLst/>
+            </a:prstGeom>
+            <a:ln/>
+          </p:spPr>
+          <p:style>
+            <a:lnRef idx="2">
+              <a:schemeClr val="accent1"/>
+            </a:lnRef>
+            <a:fillRef idx="1">
+              <a:schemeClr val="lt1"/>
+            </a:fillRef>
+            <a:effectRef idx="0">
+              <a:schemeClr val="accent1"/>
+            </a:effectRef>
+            <a:fontRef idx="minor">
+              <a:schemeClr val="dk1"/>
+            </a:fontRef>
+          </p:style>
+          <p:txBody>
+            <a:bodyPr rtlCol="0" anchor="ctr"/>
+            <a:lstStyle/>
+            <a:p>
+              <a:pPr algn="ctr"/>
+              <a:r>
+                <a:rPr lang="en-US" sz="1400" dirty="0">
+                  <a:solidFill>
+                    <a:schemeClr val="tx2"/>
+                  </a:solidFill>
+                  <a:latin typeface="Source Sans Pro Light" panose="020B0403030403020204" pitchFamily="34" charset="77"/>
+                  <a:ea typeface="Source Sans Pro" panose="020B0503030403020204" pitchFamily="34" charset="0"/>
+                </a:rPr>
+                <a:t>Memory</a:t>
+              </a:r>
+            </a:p>
+          </p:txBody>
+        </p:sp>
+        <p:cxnSp>
+          <p:nvCxnSpPr>
+            <p:cNvPr id="12" name="Straight Connector 11">
+              <a:extLst>
+                <a:ext uri="{FF2B5EF4-FFF2-40B4-BE49-F238E27FC236}">
+                  <a16:creationId xmlns:a16="http://schemas.microsoft.com/office/drawing/2014/main" id="{22EAEBA0-CC84-B4FA-2E32-89A6CD4415DA}"/>
+                </a:ext>
+              </a:extLst>
+            </p:cNvPr>
+            <p:cNvCxnSpPr>
+              <a:stCxn id="9" idx="3"/>
+              <a:endCxn id="8" idx="1"/>
+            </p:cNvCxnSpPr>
+            <p:nvPr/>
+          </p:nvCxnSpPr>
+          <p:spPr>
+            <a:xfrm>
+              <a:off x="7462340" y="3429000"/>
+              <a:ext cx="892322" cy="1"/>
+            </a:xfrm>
+            <a:prstGeom prst="line">
+              <a:avLst/>
+            </a:prstGeom>
+          </p:spPr>
+          <p:style>
+            <a:lnRef idx="1">
+              <a:schemeClr val="accent4"/>
+            </a:lnRef>
+            <a:fillRef idx="0">
+              <a:schemeClr val="accent4"/>
+            </a:fillRef>
+            <a:effectRef idx="0">
+              <a:schemeClr val="accent4"/>
+            </a:effectRef>
+            <a:fontRef idx="minor">
+              <a:schemeClr val="tx1"/>
+            </a:fontRef>
+          </p:style>
+        </p:cxnSp>
+        <p:cxnSp>
+          <p:nvCxnSpPr>
+            <p:cNvPr id="13" name="Straight Connector 12">
+              <a:extLst>
+                <a:ext uri="{FF2B5EF4-FFF2-40B4-BE49-F238E27FC236}">
+                  <a16:creationId xmlns:a16="http://schemas.microsoft.com/office/drawing/2014/main" id="{74E61ECF-86F3-86F3-3684-3341060CF69F}"/>
+                </a:ext>
+              </a:extLst>
+            </p:cNvPr>
+            <p:cNvCxnSpPr>
+              <a:cxnSpLocks/>
+            </p:cNvCxnSpPr>
+            <p:nvPr/>
+          </p:nvCxnSpPr>
+          <p:spPr>
+            <a:xfrm flipV="1">
+              <a:off x="7792681" y="3354164"/>
+              <a:ext cx="148324" cy="190263"/>
+            </a:xfrm>
+            <a:prstGeom prst="line">
+              <a:avLst/>
+            </a:prstGeom>
+          </p:spPr>
+          <p:style>
+            <a:lnRef idx="1">
+              <a:schemeClr val="accent4"/>
+            </a:lnRef>
+            <a:fillRef idx="0">
+              <a:schemeClr val="accent4"/>
+            </a:fillRef>
+            <a:effectRef idx="0">
+              <a:schemeClr val="accent4"/>
+            </a:effectRef>
+            <a:fontRef idx="minor">
+              <a:schemeClr val="tx1"/>
+            </a:fontRef>
+          </p:style>
+        </p:cxnSp>
+        <p:sp>
+          <p:nvSpPr>
+            <p:cNvPr id="10" name="Arc 9">
+              <a:extLst>
+                <a:ext uri="{FF2B5EF4-FFF2-40B4-BE49-F238E27FC236}">
+                  <a16:creationId xmlns:a16="http://schemas.microsoft.com/office/drawing/2014/main" id="{070CE625-638E-D085-FAEA-696B711BC3C5}"/>
+                </a:ext>
+              </a:extLst>
+            </p:cNvPr>
+            <p:cNvSpPr/>
+            <p:nvPr/>
+          </p:nvSpPr>
+          <p:spPr>
+            <a:xfrm>
+              <a:off x="6674527" y="2187838"/>
+              <a:ext cx="2467948" cy="2332653"/>
+            </a:xfrm>
+            <a:prstGeom prst="arc">
+              <a:avLst>
+                <a:gd name="adj1" fmla="val 12872902"/>
+                <a:gd name="adj2" fmla="val 8225889"/>
+              </a:avLst>
+            </a:prstGeom>
+            <a:ln w="25400">
+              <a:tailEnd type="stealth" w="lg" len="lg"/>
+            </a:ln>
+          </p:spPr>
+          <p:style>
+            <a:lnRef idx="1">
+              <a:schemeClr val="accent1"/>
+            </a:lnRef>
+            <a:fillRef idx="0">
+              <a:schemeClr val="accent1"/>
+            </a:fillRef>
+            <a:effectRef idx="0">
+              <a:schemeClr val="accent1"/>
+            </a:effectRef>
+            <a:fontRef idx="minor">
+              <a:schemeClr val="tx1"/>
+            </a:fontRef>
+          </p:style>
+          <p:txBody>
+            <a:bodyPr rtlCol="0" anchor="ctr"/>
+            <a:lstStyle/>
+            <a:p>
+              <a:pPr algn="ctr"/>
+              <a:endParaRPr lang="en-US"/>
+            </a:p>
+          </p:txBody>
+        </p:sp>
+      </p:grpSp>
+      <p:sp>
+        <p:nvSpPr>
+          <p:cNvPr id="7" name="Rectangle 6">
+            <a:extLst>
+              <a:ext uri="{FF2B5EF4-FFF2-40B4-BE49-F238E27FC236}">
+                <a16:creationId xmlns:a16="http://schemas.microsoft.com/office/drawing/2014/main" id="{EE9CF8DD-BEBD-03CC-60A2-FB1191005967}"/>
+              </a:ext>
+            </a:extLst>
+          </p:cNvPr>
+          <p:cNvSpPr/>
+          <p:nvPr/>
+        </p:nvSpPr>
+        <p:spPr>
+          <a:xfrm>
+            <a:off x="5499706" y="3173335"/>
+            <a:ext cx="762586" cy="507693"/>
+          </a:xfrm>
+          <a:prstGeom prst="rect">
+            <a:avLst/>
+          </a:prstGeom>
+          <a:ln/>
+        </p:spPr>
+        <p:style>
+          <a:lnRef idx="2">
+            <a:schemeClr val="accent1"/>
+          </a:lnRef>
+          <a:fillRef idx="1">
+            <a:schemeClr val="lt1"/>
+          </a:fillRef>
+          <a:effectRef idx="0">
+            <a:schemeClr val="accent1"/>
+          </a:effectRef>
+          <a:fontRef idx="minor">
+            <a:schemeClr val="dk1"/>
+          </a:fontRef>
+        </p:style>
+        <p:txBody>
+          <a:bodyPr rtlCol="0" anchor="ctr"/>
+          <a:lstStyle/>
+          <a:p>
+            <a:pPr algn="ctr"/>
+            <a:r>
+              <a:rPr lang="en-US" sz="1400" dirty="0">
+                <a:solidFill>
+                  <a:schemeClr val="tx2"/>
+                </a:solidFill>
+                <a:latin typeface="Source Sans Pro Light" panose="020B0403030403020204" pitchFamily="34" charset="77"/>
+                <a:ea typeface="Source Sans Pro" panose="020B0503030403020204" pitchFamily="34" charset="0"/>
+              </a:rPr>
+              <a:t>LCDC</a:t>
+            </a:r>
+          </a:p>
+        </p:txBody>
+      </p:sp>
+      <p:sp>
+        <p:nvSpPr>
+          <p:cNvPr id="14" name="Rectangle 13">
+            <a:extLst>
+              <a:ext uri="{FF2B5EF4-FFF2-40B4-BE49-F238E27FC236}">
+                <a16:creationId xmlns:a16="http://schemas.microsoft.com/office/drawing/2014/main" id="{F79704A7-1530-628C-D595-3F2FEF1E99C5}"/>
+              </a:ext>
+            </a:extLst>
+          </p:cNvPr>
+          <p:cNvSpPr/>
+          <p:nvPr/>
+        </p:nvSpPr>
+        <p:spPr>
+          <a:xfrm>
+            <a:off x="3832651" y="3173335"/>
+            <a:ext cx="762586" cy="507693"/>
+          </a:xfrm>
+          <a:prstGeom prst="rect">
+            <a:avLst/>
+          </a:prstGeom>
+          <a:ln/>
+        </p:spPr>
+        <p:style>
+          <a:lnRef idx="2">
+            <a:schemeClr val="accent1"/>
+          </a:lnRef>
+          <a:fillRef idx="1">
+            <a:schemeClr val="lt1"/>
+          </a:fillRef>
+          <a:effectRef idx="0">
+            <a:schemeClr val="accent1"/>
+          </a:effectRef>
+          <a:fontRef idx="minor">
+            <a:schemeClr val="dk1"/>
+          </a:fontRef>
+        </p:style>
+        <p:txBody>
+          <a:bodyPr rtlCol="0" anchor="ctr"/>
+          <a:lstStyle/>
+          <a:p>
+            <a:pPr algn="ctr"/>
+            <a:r>
+              <a:rPr lang="en-US" sz="1400" dirty="0">
+                <a:solidFill>
+                  <a:schemeClr val="tx2"/>
+                </a:solidFill>
+                <a:latin typeface="Source Sans Pro Light" panose="020B0403030403020204" pitchFamily="34" charset="77"/>
+                <a:ea typeface="Source Sans Pro" panose="020B0503030403020204" pitchFamily="34" charset="0"/>
+              </a:rPr>
+              <a:t>SPI</a:t>
+            </a:r>
+          </a:p>
+        </p:txBody>
+      </p:sp>
+      <p:sp>
+        <p:nvSpPr>
+          <p:cNvPr id="15" name="Rectangle 14">
+            <a:extLst>
+              <a:ext uri="{FF2B5EF4-FFF2-40B4-BE49-F238E27FC236}">
+                <a16:creationId xmlns:a16="http://schemas.microsoft.com/office/drawing/2014/main" id="{65049CB4-0DDB-CE65-2175-D46A619BA7B2}"/>
+              </a:ext>
+            </a:extLst>
+          </p:cNvPr>
+          <p:cNvSpPr/>
+          <p:nvPr/>
+        </p:nvSpPr>
+        <p:spPr>
+          <a:xfrm>
+            <a:off x="2052933" y="2365872"/>
+            <a:ext cx="1637489" cy="1015386"/>
+          </a:xfrm>
+          <a:prstGeom prst="rect">
+            <a:avLst/>
+          </a:prstGeom>
+          <a:ln/>
+        </p:spPr>
+        <p:style>
+          <a:lnRef idx="2">
+            <a:schemeClr val="accent1"/>
+          </a:lnRef>
+          <a:fillRef idx="1">
+            <a:schemeClr val="lt1"/>
+          </a:fillRef>
+          <a:effectRef idx="0">
+            <a:schemeClr val="accent1"/>
+          </a:effectRef>
+          <a:fontRef idx="minor">
+            <a:schemeClr val="dk1"/>
+          </a:fontRef>
+        </p:style>
+        <p:txBody>
+          <a:bodyPr rtlCol="0" anchor="ctr"/>
+          <a:lstStyle/>
+          <a:p>
+            <a:pPr algn="ctr"/>
+            <a:r>
+              <a:rPr lang="en-US" sz="1400" dirty="0">
+                <a:solidFill>
+                  <a:schemeClr val="tx2"/>
+                </a:solidFill>
+                <a:latin typeface="Source Sans Pro Light" panose="020B0403030403020204" pitchFamily="34" charset="77"/>
+                <a:ea typeface="Source Sans Pro" panose="020B0503030403020204" pitchFamily="34" charset="0"/>
+              </a:rPr>
+              <a:t>Memory</a:t>
+            </a:r>
+          </a:p>
+        </p:txBody>
+      </p:sp>
+      <p:cxnSp>
+        <p:nvCxnSpPr>
+          <p:cNvPr id="17" name="Straight Connector 16">
+            <a:extLst>
+              <a:ext uri="{FF2B5EF4-FFF2-40B4-BE49-F238E27FC236}">
+                <a16:creationId xmlns:a16="http://schemas.microsoft.com/office/drawing/2014/main" id="{39002000-D704-2B02-CC7E-0FEDD6AAC47B}"/>
+              </a:ext>
+            </a:extLst>
+          </p:cNvPr>
+          <p:cNvCxnSpPr>
+            <a:cxnSpLocks/>
+            <a:stCxn id="14" idx="3"/>
+            <a:endCxn id="7" idx="1"/>
+          </p:cNvCxnSpPr>
+          <p:nvPr/>
+        </p:nvCxnSpPr>
+        <p:spPr>
+          <a:xfrm>
+            <a:off x="4595237" y="3427182"/>
+            <a:ext cx="904469" cy="0"/>
+          </a:xfrm>
+          <a:prstGeom prst="line">
+            <a:avLst/>
+          </a:prstGeom>
+          <a:ln w="19050"/>
+        </p:spPr>
+        <p:style>
+          <a:lnRef idx="1">
+            <a:schemeClr val="accent4"/>
+          </a:lnRef>
+          <a:fillRef idx="0">
+            <a:schemeClr val="accent4"/>
+          </a:fillRef>
+          <a:effectRef idx="0">
+            <a:schemeClr val="accent4"/>
+          </a:effectRef>
+          <a:fontRef idx="minor">
+            <a:schemeClr val="tx1"/>
+          </a:fontRef>
+        </p:style>
+      </p:cxnSp>
+      <p:cxnSp>
+        <p:nvCxnSpPr>
+          <p:cNvPr id="20" name="Straight Connector 19">
+            <a:extLst>
+              <a:ext uri="{FF2B5EF4-FFF2-40B4-BE49-F238E27FC236}">
+                <a16:creationId xmlns:a16="http://schemas.microsoft.com/office/drawing/2014/main" id="{A58706F5-92DC-DD6A-522F-3751BFC398BA}"/>
+              </a:ext>
+            </a:extLst>
+          </p:cNvPr>
+          <p:cNvCxnSpPr>
+            <a:cxnSpLocks/>
+          </p:cNvCxnSpPr>
+          <p:nvPr/>
+        </p:nvCxnSpPr>
+        <p:spPr>
+          <a:xfrm flipV="1">
+            <a:off x="4914110" y="3347638"/>
+            <a:ext cx="148324" cy="190263"/>
+          </a:xfrm>
+          <a:prstGeom prst="line">
+            <a:avLst/>
+          </a:prstGeom>
+          <a:ln w="15875"/>
+        </p:spPr>
+        <p:style>
+          <a:lnRef idx="1">
+            <a:schemeClr val="accent4"/>
+          </a:lnRef>
+          <a:fillRef idx="0">
+            <a:schemeClr val="accent4"/>
+          </a:fillRef>
+          <a:effectRef idx="0">
+            <a:schemeClr val="accent4"/>
+          </a:effectRef>
+          <a:fontRef idx="minor">
+            <a:schemeClr val="tx1"/>
+          </a:fontRef>
+        </p:style>
+      </p:cxnSp>
+      <p:sp>
+        <p:nvSpPr>
+          <p:cNvPr id="2" name="TextBox 1">
+            <a:extLst>
+              <a:ext uri="{FF2B5EF4-FFF2-40B4-BE49-F238E27FC236}">
+                <a16:creationId xmlns:a16="http://schemas.microsoft.com/office/drawing/2014/main" id="{DA8DCD39-EBF3-014D-82C4-C5529F107777}"/>
+              </a:ext>
+            </a:extLst>
+          </p:cNvPr>
+          <p:cNvSpPr txBox="1"/>
+          <p:nvPr/>
+        </p:nvSpPr>
+        <p:spPr>
+          <a:xfrm>
+            <a:off x="-108953" y="3383661"/>
+            <a:ext cx="827153" cy="215444"/>
+          </a:xfrm>
+          <a:prstGeom prst="rect">
+            <a:avLst/>
+          </a:prstGeom>
+          <a:noFill/>
+        </p:spPr>
+        <p:txBody>
+          <a:bodyPr vert="horz" wrap="square" lIns="0" tIns="0" rIns="0" bIns="0" numCol="1" spcCol="288000" rtlCol="0" anchor="t" anchorCtr="0">
+            <a:spAutoFit/>
+          </a:bodyPr>
+          <a:lstStyle/>
+          <a:p>
+            <a:pPr algn="r">
+              <a:spcBef>
+                <a:spcPts val="0"/>
+              </a:spcBef>
+              <a:spcAft>
+                <a:spcPts val="600"/>
+              </a:spcAft>
+            </a:pPr>
+            <a:r>
+              <a:rPr lang="en-US" sz="1400" b="0" i="0" spc="0" dirty="0">
+                <a:ln>
+                  <a:noFill/>
+                </a:ln>
+                <a:solidFill>
+                  <a:schemeClr val="tx2"/>
+                </a:solidFill>
+                <a:latin typeface="Source Sans Pro Light" charset="0"/>
+                <a:ea typeface="Source Sans Pro Light" charset="0"/>
+                <a:cs typeface="Source Sans Pro Light" charset="0"/>
+              </a:rPr>
+              <a:t>Drawings </a:t>
+            </a:r>
+          </a:p>
+        </p:txBody>
+      </p:sp>
+      <p:cxnSp>
+        <p:nvCxnSpPr>
+          <p:cNvPr id="4" name="Straight Arrow Connector 3">
+            <a:extLst>
+              <a:ext uri="{FF2B5EF4-FFF2-40B4-BE49-F238E27FC236}">
+                <a16:creationId xmlns:a16="http://schemas.microsoft.com/office/drawing/2014/main" id="{531A6B53-51DD-18D3-7C28-73C71F2DA8A6}"/>
+              </a:ext>
+            </a:extLst>
+          </p:cNvPr>
+          <p:cNvCxnSpPr/>
+          <p:nvPr/>
+        </p:nvCxnSpPr>
+        <p:spPr>
+          <a:xfrm>
+            <a:off x="934696" y="3512341"/>
+            <a:ext cx="896407" cy="0"/>
+          </a:xfrm>
+          <a:prstGeom prst="straightConnector1">
+            <a:avLst/>
+          </a:prstGeom>
+          <a:ln w="25400">
+            <a:tailEnd type="stealth" w="lg" len="med"/>
+          </a:ln>
+        </p:spPr>
+        <p:style>
+          <a:lnRef idx="1">
+            <a:schemeClr val="accent1"/>
+          </a:lnRef>
+          <a:fillRef idx="0">
+            <a:schemeClr val="accent1"/>
+          </a:fillRef>
+          <a:effectRef idx="0">
+            <a:schemeClr val="accent1"/>
+          </a:effectRef>
+          <a:fontRef idx="minor">
+            <a:schemeClr val="tx1"/>
+          </a:fontRef>
+        </p:style>
+      </p:cxnSp>
+      <p:sp>
+        <p:nvSpPr>
+          <p:cNvPr id="5" name="TextBox 4">
+            <a:extLst>
+              <a:ext uri="{FF2B5EF4-FFF2-40B4-BE49-F238E27FC236}">
+                <a16:creationId xmlns:a16="http://schemas.microsoft.com/office/drawing/2014/main" id="{126407F5-BD51-821F-43C9-00B9709F827C}"/>
+              </a:ext>
+            </a:extLst>
+          </p:cNvPr>
+          <p:cNvSpPr txBox="1"/>
+          <p:nvPr/>
+        </p:nvSpPr>
+        <p:spPr>
+          <a:xfrm>
+            <a:off x="4381099" y="5434197"/>
+            <a:ext cx="827153" cy="215444"/>
+          </a:xfrm>
+          <a:prstGeom prst="rect">
+            <a:avLst/>
+          </a:prstGeom>
+          <a:noFill/>
+        </p:spPr>
+        <p:txBody>
+          <a:bodyPr vert="horz" wrap="square" lIns="0" tIns="0" rIns="0" bIns="0" numCol="1" spcCol="288000" rtlCol="0" anchor="t" anchorCtr="0">
+            <a:spAutoFit/>
+          </a:bodyPr>
+          <a:lstStyle/>
+          <a:p>
+            <a:pPr algn="r">
+              <a:spcBef>
+                <a:spcPts val="0"/>
+              </a:spcBef>
+              <a:spcAft>
+                <a:spcPts val="600"/>
+              </a:spcAft>
+            </a:pPr>
+            <a:r>
+              <a:rPr lang="en-US" sz="1400" b="0" i="0" spc="0" dirty="0">
+                <a:ln>
+                  <a:noFill/>
+                </a:ln>
+                <a:solidFill>
+                  <a:schemeClr val="tx2"/>
+                </a:solidFill>
+                <a:latin typeface="Source Sans Pro Light" charset="0"/>
+                <a:ea typeface="Source Sans Pro Light" charset="0"/>
+                <a:cs typeface="Source Sans Pro Light" charset="0"/>
+              </a:rPr>
+              <a:t>Flush </a:t>
+            </a:r>
+          </a:p>
+        </p:txBody>
+      </p:sp>
+      <p:cxnSp>
+        <p:nvCxnSpPr>
+          <p:cNvPr id="6" name="Straight Arrow Connector 5">
+            <a:extLst>
+              <a:ext uri="{FF2B5EF4-FFF2-40B4-BE49-F238E27FC236}">
+                <a16:creationId xmlns:a16="http://schemas.microsoft.com/office/drawing/2014/main" id="{C755B294-CDF8-93A4-E147-FF714C150828}"/>
+              </a:ext>
+            </a:extLst>
+          </p:cNvPr>
+          <p:cNvCxnSpPr/>
+          <p:nvPr/>
+        </p:nvCxnSpPr>
+        <p:spPr>
+          <a:xfrm>
+            <a:off x="4595237" y="5382051"/>
+            <a:ext cx="896407" cy="0"/>
+          </a:xfrm>
+          <a:prstGeom prst="straightConnector1">
+            <a:avLst/>
+          </a:prstGeom>
+          <a:ln w="25400">
+            <a:tailEnd type="stealth" w="lg" len="med"/>
+          </a:ln>
+        </p:spPr>
+        <p:style>
+          <a:lnRef idx="1">
+            <a:schemeClr val="accent1"/>
+          </a:lnRef>
+          <a:fillRef idx="0">
+            <a:schemeClr val="accent1"/>
+          </a:fillRef>
+          <a:effectRef idx="0">
+            <a:schemeClr val="accent1"/>
+          </a:effectRef>
+          <a:fontRef idx="minor">
+            <a:schemeClr val="tx1"/>
+          </a:fontRef>
+        </p:style>
+      </p:cxnSp>
+      <p:sp>
+        <p:nvSpPr>
+          <p:cNvPr id="18" name="Rectangle 17">
+            <a:extLst>
+              <a:ext uri="{FF2B5EF4-FFF2-40B4-BE49-F238E27FC236}">
+                <a16:creationId xmlns:a16="http://schemas.microsoft.com/office/drawing/2014/main" id="{3E5BDFBB-C481-3856-1112-7781E942AC65}"/>
+              </a:ext>
+            </a:extLst>
+          </p:cNvPr>
+          <p:cNvSpPr/>
+          <p:nvPr/>
+        </p:nvSpPr>
+        <p:spPr>
+          <a:xfrm>
+            <a:off x="2034273" y="3632811"/>
+            <a:ext cx="1637489" cy="1015386"/>
+          </a:xfrm>
+          <a:prstGeom prst="rect">
+            <a:avLst/>
+          </a:prstGeom>
+          <a:ln/>
+        </p:spPr>
+        <p:style>
+          <a:lnRef idx="2">
+            <a:schemeClr val="accent1"/>
+          </a:lnRef>
+          <a:fillRef idx="1">
+            <a:schemeClr val="lt1"/>
+          </a:fillRef>
+          <a:effectRef idx="0">
+            <a:schemeClr val="accent1"/>
+          </a:effectRef>
+          <a:fontRef idx="minor">
+            <a:schemeClr val="dk1"/>
+          </a:fontRef>
+        </p:style>
+        <p:txBody>
+          <a:bodyPr rtlCol="0" anchor="ctr"/>
+          <a:lstStyle/>
+          <a:p>
+            <a:pPr algn="ctr"/>
+            <a:r>
+              <a:rPr lang="en-US" sz="1400" dirty="0">
+                <a:solidFill>
+                  <a:schemeClr val="tx2"/>
+                </a:solidFill>
+                <a:latin typeface="Source Sans Pro Light" panose="020B0403030403020204" pitchFamily="34" charset="77"/>
+                <a:ea typeface="Source Sans Pro" panose="020B0503030403020204" pitchFamily="34" charset="0"/>
+              </a:rPr>
+              <a:t>Memory</a:t>
+            </a:r>
+          </a:p>
+        </p:txBody>
+      </p:sp>
+      <p:sp>
+        <p:nvSpPr>
+          <p:cNvPr id="19" name="Arc 18">
+            <a:extLst>
+              <a:ext uri="{FF2B5EF4-FFF2-40B4-BE49-F238E27FC236}">
+                <a16:creationId xmlns:a16="http://schemas.microsoft.com/office/drawing/2014/main" id="{8B3BF005-B2B2-25A1-F455-13819651C16D}"/>
+              </a:ext>
+            </a:extLst>
+          </p:cNvPr>
+          <p:cNvSpPr>
+            <a:spLocks noChangeAspect="1"/>
+          </p:cNvSpPr>
+          <p:nvPr/>
+        </p:nvSpPr>
+        <p:spPr>
+          <a:xfrm>
+            <a:off x="2613906" y="3162795"/>
+            <a:ext cx="574951" cy="543432"/>
+          </a:xfrm>
+          <a:prstGeom prst="arc">
+            <a:avLst>
+              <a:gd name="adj1" fmla="val 12872902"/>
+              <a:gd name="adj2" fmla="val 10403590"/>
+            </a:avLst>
+          </a:prstGeom>
+          <a:ln w="25400">
+            <a:tailEnd type="stealth" w="lg" len="lg"/>
+          </a:ln>
+        </p:spPr>
+        <p:style>
+          <a:lnRef idx="1">
+            <a:schemeClr val="accent1"/>
+          </a:lnRef>
+          <a:fillRef idx="0">
+            <a:schemeClr val="accent1"/>
+          </a:fillRef>
+          <a:effectRef idx="0">
+            <a:schemeClr val="accent1"/>
+          </a:effectRef>
+          <a:fontRef idx="minor">
+            <a:schemeClr val="tx1"/>
+          </a:fontRef>
+        </p:style>
+        <p:txBody>
+          <a:bodyPr rtlCol="0" anchor="ctr"/>
+          <a:lstStyle/>
+          <a:p>
+            <a:pPr algn="ctr"/>
+            <a:endParaRPr lang="en-US"/>
+          </a:p>
+        </p:txBody>
+      </p:sp>
+      <p:sp>
+        <p:nvSpPr>
+          <p:cNvPr id="21" name="TextBox 20">
+            <a:extLst>
+              <a:ext uri="{FF2B5EF4-FFF2-40B4-BE49-F238E27FC236}">
+                <a16:creationId xmlns:a16="http://schemas.microsoft.com/office/drawing/2014/main" id="{457EE1CA-2397-8280-B964-D184A41A290C}"/>
+              </a:ext>
+            </a:extLst>
+          </p:cNvPr>
+          <p:cNvSpPr txBox="1"/>
+          <p:nvPr/>
+        </p:nvSpPr>
+        <p:spPr>
+          <a:xfrm>
+            <a:off x="2264094" y="3383661"/>
+            <a:ext cx="827153" cy="215444"/>
+          </a:xfrm>
+          <a:prstGeom prst="rect">
+            <a:avLst/>
+          </a:prstGeom>
+          <a:noFill/>
+        </p:spPr>
+        <p:txBody>
+          <a:bodyPr vert="horz" wrap="square" lIns="0" tIns="0" rIns="0" bIns="0" numCol="1" spcCol="288000" rtlCol="0" anchor="t" anchorCtr="0">
+            <a:spAutoFit/>
+          </a:bodyPr>
+          <a:lstStyle/>
+          <a:p>
+            <a:pPr algn="r">
+              <a:spcBef>
+                <a:spcPts val="0"/>
+              </a:spcBef>
+              <a:spcAft>
+                <a:spcPts val="600"/>
+              </a:spcAft>
+            </a:pPr>
+            <a:r>
+              <a:rPr lang="en-US" sz="1400" b="0" i="0" spc="0" dirty="0">
+                <a:ln>
+                  <a:noFill/>
+                </a:ln>
+                <a:solidFill>
+                  <a:schemeClr val="tx2"/>
+                </a:solidFill>
+                <a:latin typeface="Source Sans Pro Light" charset="0"/>
+                <a:ea typeface="Source Sans Pro Light" charset="0"/>
+                <a:cs typeface="Source Sans Pro Light" charset="0"/>
+              </a:rPr>
+              <a:t>Flush </a:t>
+            </a:r>
+          </a:p>
+        </p:txBody>
+      </p:sp>
+    </p:spTree>
+    <p:extLst>
+      <p:ext uri="{BB962C8B-B14F-4D97-AF65-F5344CB8AC3E}">
+        <p14:creationId xmlns:p14="http://schemas.microsoft.com/office/powerpoint/2010/main" val="1928443540"/>
       </p:ext>
     </p:extLst>
   </p:cSld>

--- a/VEEPortingGuide/images/ui_overview2.pptx
+++ b/VEEPortingGuide/images/ui_overview2.pptx
@@ -5,10 +5,10 @@
     <p:sldMasterId id="2147483660" r:id="rId1"/>
   </p:sldMasterIdLst>
   <p:notesMasterIdLst>
-    <p:notesMasterId r:id="rId11"/>
+    <p:notesMasterId r:id="rId13"/>
   </p:notesMasterIdLst>
   <p:handoutMasterIdLst>
-    <p:handoutMasterId r:id="rId12"/>
+    <p:handoutMasterId r:id="rId14"/>
   </p:handoutMasterIdLst>
   <p:sldIdLst>
     <p:sldId id="256" r:id="rId2"/>
@@ -20,6 +20,8 @@
     <p:sldId id="312" r:id="rId8"/>
     <p:sldId id="313" r:id="rId9"/>
     <p:sldId id="316" r:id="rId10"/>
+    <p:sldId id="318" r:id="rId11"/>
+    <p:sldId id="317" r:id="rId12"/>
   </p:sldIdLst>
   <p:sldSz cx="12192000" cy="6858000"/>
   <p:notesSz cx="6858000" cy="9144000"/>
@@ -235,7 +237,7 @@
               <a:rPr lang="fr-FR" smtClean="0">
                 <a:latin typeface="Calibri Regular" charset="0"/>
               </a:rPr>
-              <a:t>mercredi 31 janvier 2024</a:t>
+              <a:t>vendredi 2 février 2024</a:t>
             </a:fld>
             <a:endParaRPr lang="en-US" dirty="0">
               <a:latin typeface="Calibri Regular" charset="0"/>
@@ -413,7 +415,7 @@
           <a:p>
             <a:fld id="{885721CF-495B-2B41-A23A-4D3221F80235}" type="datetime2">
               <a:rPr lang="fr-FR" smtClean="0"/>
-              <a:t>mercredi 31 janvier 2024</a:t>
+              <a:t>vendredi 2 février 2024</a:t>
             </a:fld>
             <a:endParaRPr lang="en-US" dirty="0"/>
           </a:p>
@@ -857,6 +859,177 @@
 </p:notes>
 </file>
 
+<file path=ppt/notesSlides/notesSlide10.xml><?xml version="1.0" encoding="utf-8"?>
+<p:notes xmlns:a="http://schemas.openxmlformats.org/drawingml/2006/main" xmlns:r="http://schemas.openxmlformats.org/officeDocument/2006/relationships" xmlns:p="http://schemas.openxmlformats.org/presentationml/2006/main">
+  <p:cSld>
+    <p:spTree>
+      <p:nvGrpSpPr>
+        <p:cNvPr id="1" name=""/>
+        <p:cNvGrpSpPr/>
+        <p:nvPr/>
+      </p:nvGrpSpPr>
+      <p:grpSpPr>
+        <a:xfrm>
+          <a:off x="0" y="0"/>
+          <a:ext cx="0" cy="0"/>
+          <a:chOff x="0" y="0"/>
+          <a:chExt cx="0" cy="0"/>
+        </a:xfrm>
+      </p:grpSpPr>
+      <p:sp>
+        <p:nvSpPr>
+          <p:cNvPr id="2" name="Slide Image Placeholder 1"/>
+          <p:cNvSpPr>
+            <a:spLocks noGrp="1" noRot="1" noChangeAspect="1"/>
+          </p:cNvSpPr>
+          <p:nvPr>
+            <p:ph type="sldImg"/>
+          </p:nvPr>
+        </p:nvSpPr>
+        <p:spPr/>
+      </p:sp>
+      <p:sp>
+        <p:nvSpPr>
+          <p:cNvPr id="3" name="Notes Placeholder 2"/>
+          <p:cNvSpPr>
+            <a:spLocks noGrp="1"/>
+          </p:cNvSpPr>
+          <p:nvPr>
+            <p:ph type="body" idx="1"/>
+          </p:nvPr>
+        </p:nvSpPr>
+        <p:spPr/>
+        <p:txBody>
+          <a:bodyPr/>
+          <a:lstStyle/>
+          <a:p>
+            <a:pPr marL="0" indent="0">
+              <a:buFont typeface="Arial" panose="020B0604020202020204" pitchFamily="34" charset="0"/>
+              <a:buNone/>
+            </a:pPr>
+            <a:r>
+              <a:rPr lang="en-US" b="1" dirty="0"/>
+              <a:t>Stéphane</a:t>
+            </a:r>
+          </a:p>
+          <a:p>
+            <a:pPr marL="0" indent="0">
+              <a:buFont typeface="Arial" panose="020B0604020202020204" pitchFamily="34" charset="0"/>
+              <a:buNone/>
+            </a:pPr>
+            <a:endParaRPr lang="en-US" b="1" dirty="0"/>
+          </a:p>
+          <a:p>
+            <a:pPr marL="171450" lvl="0" indent="-171450">
+              <a:buFont typeface="Arial" panose="020B0604020202020204" pitchFamily="34" charset="0"/>
+              <a:buChar char="•"/>
+            </a:pPr>
+            <a:r>
+              <a:rPr lang="en-US" dirty="0"/>
+              <a:t>The LCD continuously refreshes its content by reading the data from a memory buffer.</a:t>
+            </a:r>
+          </a:p>
+          <a:p>
+            <a:pPr marL="628639" lvl="1" indent="-171450">
+              <a:buFont typeface="Arial" panose="020B0604020202020204" pitchFamily="34" charset="0"/>
+              <a:buChar char="•"/>
+            </a:pPr>
+            <a:r>
+              <a:rPr lang="en-US" dirty="0"/>
+              <a:t>The buffer size depends on the LCD size and its number of bits per pixel.</a:t>
+            </a:r>
+          </a:p>
+          <a:p>
+            <a:pPr marL="628639" lvl="1" indent="-171450">
+              <a:buFont typeface="Arial" panose="020B0604020202020204" pitchFamily="34" charset="0"/>
+              <a:buChar char="•"/>
+            </a:pPr>
+            <a:r>
+              <a:rPr lang="en-US" dirty="0"/>
+              <a:t>We cannot stop this refresh, otherwise the image fades away.</a:t>
+            </a:r>
+          </a:p>
+          <a:p>
+            <a:pPr marL="171450" lvl="0" indent="-171450">
+              <a:buFont typeface="Arial" panose="020B0604020202020204" pitchFamily="34" charset="0"/>
+              <a:buChar char="•"/>
+            </a:pPr>
+            <a:r>
+              <a:rPr lang="en-US" dirty="0"/>
+              <a:t>A new frame often appears every 16.6ms (60Hz).</a:t>
+            </a:r>
+          </a:p>
+          <a:p>
+            <a:pPr marL="171450" indent="-171450">
+              <a:buFont typeface="Arial" panose="020B0604020202020204" pitchFamily="34" charset="0"/>
+              <a:buChar char="•"/>
+            </a:pPr>
+            <a:r>
+              <a:rPr lang="en-US" dirty="0"/>
+              <a:t>The electric signals may be generated by an internal LCD controller in the LCD device or by a LCD controller in the MCU.</a:t>
+            </a:r>
+          </a:p>
+          <a:p>
+            <a:pPr marL="171450" indent="-171450">
+              <a:buFont typeface="Arial" panose="020B0604020202020204" pitchFamily="34" charset="0"/>
+              <a:buChar char="•"/>
+            </a:pPr>
+            <a:r>
+              <a:rPr lang="en-US" dirty="0"/>
+              <a:t>The electric signals frequency is several MHz</a:t>
+            </a:r>
+          </a:p>
+          <a:p>
+            <a:pPr marL="171450" indent="-171450">
+              <a:buFont typeface="Arial" panose="020B0604020202020204" pitchFamily="34" charset="0"/>
+              <a:buChar char="•"/>
+            </a:pPr>
+            <a:endParaRPr lang="en-US" dirty="0"/>
+          </a:p>
+          <a:p>
+            <a:pPr marL="171450" indent="-171450">
+              <a:buFont typeface="Arial" panose="020B0604020202020204" pitchFamily="34" charset="0"/>
+              <a:buChar char="•"/>
+            </a:pPr>
+            <a:r>
+              <a:rPr lang="en-US" dirty="0"/>
+              <a:t>If we draw at the same time and in the same buffer than the LCD, we will see the drawings “one by one” instead of seeing the entire frame at once</a:t>
+            </a:r>
+          </a:p>
+        </p:txBody>
+      </p:sp>
+      <p:sp>
+        <p:nvSpPr>
+          <p:cNvPr id="4" name="Footer Placeholder 3"/>
+          <p:cNvSpPr>
+            <a:spLocks noGrp="1"/>
+          </p:cNvSpPr>
+          <p:nvPr>
+            <p:ph type="ftr" sz="quarter" idx="4"/>
+          </p:nvPr>
+        </p:nvSpPr>
+        <p:spPr/>
+        <p:txBody>
+          <a:bodyPr/>
+          <a:lstStyle/>
+          <a:p>
+            <a:endParaRPr lang="en-US" dirty="0"/>
+          </a:p>
+        </p:txBody>
+      </p:sp>
+    </p:spTree>
+    <p:extLst>
+      <p:ext uri="{BB962C8B-B14F-4D97-AF65-F5344CB8AC3E}">
+        <p14:creationId xmlns:p14="http://schemas.microsoft.com/office/powerpoint/2010/main" val="883837639"/>
+      </p:ext>
+    </p:extLst>
+  </p:cSld>
+  <p:clrMapOvr>
+    <a:masterClrMapping/>
+  </p:clrMapOvr>
+</p:notes>
+</file>
+
 <file path=ppt/notesSlides/notesSlide2.xml><?xml version="1.0" encoding="utf-8"?>
 <p:notes xmlns:a="http://schemas.openxmlformats.org/drawingml/2006/main" xmlns:r="http://schemas.openxmlformats.org/officeDocument/2006/relationships" xmlns:p="http://schemas.openxmlformats.org/presentationml/2006/main">
   <p:cSld>
@@ -2045,6 +2218,177 @@
     <p:extLst>
       <p:ext uri="{BB962C8B-B14F-4D97-AF65-F5344CB8AC3E}">
         <p14:creationId xmlns:p14="http://schemas.microsoft.com/office/powerpoint/2010/main" val="506615833"/>
+      </p:ext>
+    </p:extLst>
+  </p:cSld>
+  <p:clrMapOvr>
+    <a:masterClrMapping/>
+  </p:clrMapOvr>
+</p:notes>
+</file>
+
+<file path=ppt/notesSlides/notesSlide9.xml><?xml version="1.0" encoding="utf-8"?>
+<p:notes xmlns:a="http://schemas.openxmlformats.org/drawingml/2006/main" xmlns:r="http://schemas.openxmlformats.org/officeDocument/2006/relationships" xmlns:p="http://schemas.openxmlformats.org/presentationml/2006/main">
+  <p:cSld>
+    <p:spTree>
+      <p:nvGrpSpPr>
+        <p:cNvPr id="1" name=""/>
+        <p:cNvGrpSpPr/>
+        <p:nvPr/>
+      </p:nvGrpSpPr>
+      <p:grpSpPr>
+        <a:xfrm>
+          <a:off x="0" y="0"/>
+          <a:ext cx="0" cy="0"/>
+          <a:chOff x="0" y="0"/>
+          <a:chExt cx="0" cy="0"/>
+        </a:xfrm>
+      </p:grpSpPr>
+      <p:sp>
+        <p:nvSpPr>
+          <p:cNvPr id="2" name="Slide Image Placeholder 1"/>
+          <p:cNvSpPr>
+            <a:spLocks noGrp="1" noRot="1" noChangeAspect="1"/>
+          </p:cNvSpPr>
+          <p:nvPr>
+            <p:ph type="sldImg"/>
+          </p:nvPr>
+        </p:nvSpPr>
+        <p:spPr/>
+      </p:sp>
+      <p:sp>
+        <p:nvSpPr>
+          <p:cNvPr id="3" name="Notes Placeholder 2"/>
+          <p:cNvSpPr>
+            <a:spLocks noGrp="1"/>
+          </p:cNvSpPr>
+          <p:nvPr>
+            <p:ph type="body" idx="1"/>
+          </p:nvPr>
+        </p:nvSpPr>
+        <p:spPr/>
+        <p:txBody>
+          <a:bodyPr/>
+          <a:lstStyle/>
+          <a:p>
+            <a:pPr marL="0" indent="0">
+              <a:buFont typeface="Arial" panose="020B0604020202020204" pitchFamily="34" charset="0"/>
+              <a:buNone/>
+            </a:pPr>
+            <a:r>
+              <a:rPr lang="en-US" b="1" dirty="0"/>
+              <a:t>Stéphane</a:t>
+            </a:r>
+          </a:p>
+          <a:p>
+            <a:pPr marL="0" indent="0">
+              <a:buFont typeface="Arial" panose="020B0604020202020204" pitchFamily="34" charset="0"/>
+              <a:buNone/>
+            </a:pPr>
+            <a:endParaRPr lang="en-US" b="1" dirty="0"/>
+          </a:p>
+          <a:p>
+            <a:pPr marL="171450" lvl="0" indent="-171450">
+              <a:buFont typeface="Arial" panose="020B0604020202020204" pitchFamily="34" charset="0"/>
+              <a:buChar char="•"/>
+            </a:pPr>
+            <a:r>
+              <a:rPr lang="en-US" dirty="0"/>
+              <a:t>The LCD continuously refreshes its content by reading the data from a memory buffer.</a:t>
+            </a:r>
+          </a:p>
+          <a:p>
+            <a:pPr marL="628639" lvl="1" indent="-171450">
+              <a:buFont typeface="Arial" panose="020B0604020202020204" pitchFamily="34" charset="0"/>
+              <a:buChar char="•"/>
+            </a:pPr>
+            <a:r>
+              <a:rPr lang="en-US" dirty="0"/>
+              <a:t>The buffer size depends on the LCD size and its number of bits per pixel.</a:t>
+            </a:r>
+          </a:p>
+          <a:p>
+            <a:pPr marL="628639" lvl="1" indent="-171450">
+              <a:buFont typeface="Arial" panose="020B0604020202020204" pitchFamily="34" charset="0"/>
+              <a:buChar char="•"/>
+            </a:pPr>
+            <a:r>
+              <a:rPr lang="en-US" dirty="0"/>
+              <a:t>We cannot stop this refresh, otherwise the image fades away.</a:t>
+            </a:r>
+          </a:p>
+          <a:p>
+            <a:pPr marL="171450" lvl="0" indent="-171450">
+              <a:buFont typeface="Arial" panose="020B0604020202020204" pitchFamily="34" charset="0"/>
+              <a:buChar char="•"/>
+            </a:pPr>
+            <a:r>
+              <a:rPr lang="en-US" dirty="0"/>
+              <a:t>A new frame often appears every 16.6ms (60Hz).</a:t>
+            </a:r>
+          </a:p>
+          <a:p>
+            <a:pPr marL="171450" indent="-171450">
+              <a:buFont typeface="Arial" panose="020B0604020202020204" pitchFamily="34" charset="0"/>
+              <a:buChar char="•"/>
+            </a:pPr>
+            <a:r>
+              <a:rPr lang="en-US" dirty="0"/>
+              <a:t>The electric signals may be generated by an internal LCD controller in the LCD device or by a LCD controller in the MCU.</a:t>
+            </a:r>
+          </a:p>
+          <a:p>
+            <a:pPr marL="171450" indent="-171450">
+              <a:buFont typeface="Arial" panose="020B0604020202020204" pitchFamily="34" charset="0"/>
+              <a:buChar char="•"/>
+            </a:pPr>
+            <a:r>
+              <a:rPr lang="en-US" dirty="0"/>
+              <a:t>The electric signals frequency is several MHz</a:t>
+            </a:r>
+          </a:p>
+          <a:p>
+            <a:pPr marL="171450" indent="-171450">
+              <a:buFont typeface="Arial" panose="020B0604020202020204" pitchFamily="34" charset="0"/>
+              <a:buChar char="•"/>
+            </a:pPr>
+            <a:endParaRPr lang="en-US" dirty="0"/>
+          </a:p>
+          <a:p>
+            <a:pPr marL="171450" indent="-171450">
+              <a:buFont typeface="Arial" panose="020B0604020202020204" pitchFamily="34" charset="0"/>
+              <a:buChar char="•"/>
+            </a:pPr>
+            <a:r>
+              <a:rPr lang="en-US" dirty="0"/>
+              <a:t>If we draw at the same time and in the same buffer than the LCD, we will see the drawings “one by one” instead of seeing the entire frame at once</a:t>
+            </a:r>
+          </a:p>
+        </p:txBody>
+      </p:sp>
+      <p:sp>
+        <p:nvSpPr>
+          <p:cNvPr id="4" name="Footer Placeholder 3"/>
+          <p:cNvSpPr>
+            <a:spLocks noGrp="1"/>
+          </p:cNvSpPr>
+          <p:nvPr>
+            <p:ph type="ftr" sz="quarter" idx="4"/>
+          </p:nvPr>
+        </p:nvSpPr>
+        <p:spPr/>
+        <p:txBody>
+          <a:bodyPr/>
+          <a:lstStyle/>
+          <a:p>
+            <a:endParaRPr lang="en-US" dirty="0"/>
+          </a:p>
+        </p:txBody>
+      </p:sp>
+    </p:spTree>
+    <p:extLst>
+      <p:ext uri="{BB962C8B-B14F-4D97-AF65-F5344CB8AC3E}">
+        <p14:creationId xmlns:p14="http://schemas.microsoft.com/office/powerpoint/2010/main" val="2417623509"/>
       </p:ext>
     </p:extLst>
   </p:cSld>
@@ -14653,7 +14997,7 @@
           <a:p>
             <a:fld id="{4E285625-C24A-4341-90BC-6CD71F835625}" type="datetimeFigureOut">
               <a:rPr lang="en-GB" smtClean="0"/>
-              <a:t>31/01/2024</a:t>
+              <a:t>02/02/2024</a:t>
             </a:fld>
             <a:endParaRPr lang="en-GB"/>
           </a:p>
@@ -20966,6 +21310,813 @@
     <p:extLst>
       <p:ext uri="{BB962C8B-B14F-4D97-AF65-F5344CB8AC3E}">
         <p14:creationId xmlns:p14="http://schemas.microsoft.com/office/powerpoint/2010/main" val="167739976"/>
+      </p:ext>
+    </p:extLst>
+  </p:cSld>
+  <p:clrMapOvr>
+    <a:masterClrMapping/>
+  </p:clrMapOvr>
+</p:sld>
+</file>
+
+<file path=ppt/slides/slide10.xml><?xml version="1.0" encoding="utf-8"?>
+<p:sld xmlns:a="http://schemas.openxmlformats.org/drawingml/2006/main" xmlns:r="http://schemas.openxmlformats.org/officeDocument/2006/relationships" xmlns:p="http://schemas.openxmlformats.org/presentationml/2006/main">
+  <p:cSld>
+    <p:spTree>
+      <p:nvGrpSpPr>
+        <p:cNvPr id="1" name=""/>
+        <p:cNvGrpSpPr/>
+        <p:nvPr/>
+      </p:nvGrpSpPr>
+      <p:grpSpPr>
+        <a:xfrm>
+          <a:off x="0" y="0"/>
+          <a:ext cx="0" cy="0"/>
+          <a:chOff x="0" y="0"/>
+          <a:chExt cx="0" cy="0"/>
+        </a:xfrm>
+      </p:grpSpPr>
+      <p:sp>
+        <p:nvSpPr>
+          <p:cNvPr id="16" name="Rectangle 15">
+            <a:extLst>
+              <a:ext uri="{FF2B5EF4-FFF2-40B4-BE49-F238E27FC236}">
+                <a16:creationId xmlns:a16="http://schemas.microsoft.com/office/drawing/2014/main" id="{64AD43B7-23E8-6DBF-53B4-D516396CBA62}"/>
+              </a:ext>
+            </a:extLst>
+          </p:cNvPr>
+          <p:cNvSpPr/>
+          <p:nvPr/>
+        </p:nvSpPr>
+        <p:spPr>
+          <a:xfrm>
+            <a:off x="1421176" y="2145535"/>
+            <a:ext cx="5290435" cy="2566930"/>
+          </a:xfrm>
+          <a:prstGeom prst="rect">
+            <a:avLst/>
+          </a:prstGeom>
+          <a:ln/>
+        </p:spPr>
+        <p:style>
+          <a:lnRef idx="2">
+            <a:schemeClr val="accent2"/>
+          </a:lnRef>
+          <a:fillRef idx="1">
+            <a:schemeClr val="lt1"/>
+          </a:fillRef>
+          <a:effectRef idx="0">
+            <a:schemeClr val="accent2"/>
+          </a:effectRef>
+          <a:fontRef idx="minor">
+            <a:schemeClr val="dk1"/>
+          </a:fontRef>
+        </p:style>
+        <p:txBody>
+          <a:bodyPr rtlCol="0" anchor="b" anchorCtr="0"/>
+          <a:lstStyle/>
+          <a:p>
+            <a:pPr algn="ctr"/>
+            <a:r>
+              <a:rPr lang="en-US" sz="1400" dirty="0">
+                <a:solidFill>
+                  <a:schemeClr val="tx2"/>
+                </a:solidFill>
+                <a:latin typeface="Source Sans Pro Light" panose="020B0403030403020204" pitchFamily="34" charset="77"/>
+                <a:ea typeface="Source Sans Pro" panose="020B0503030403020204" pitchFamily="34" charset="0"/>
+              </a:rPr>
+              <a:t>MCU</a:t>
+            </a:r>
+          </a:p>
+        </p:txBody>
+      </p:sp>
+      <p:sp>
+        <p:nvSpPr>
+          <p:cNvPr id="11" name="Rectangle 10">
+            <a:extLst>
+              <a:ext uri="{FF2B5EF4-FFF2-40B4-BE49-F238E27FC236}">
+                <a16:creationId xmlns:a16="http://schemas.microsoft.com/office/drawing/2014/main" id="{FD80A1C3-DC8A-ADFF-8382-C05410AF9436}"/>
+              </a:ext>
+            </a:extLst>
+          </p:cNvPr>
+          <p:cNvSpPr/>
+          <p:nvPr/>
+        </p:nvSpPr>
+        <p:spPr>
+          <a:xfrm>
+            <a:off x="7094863" y="2145536"/>
+            <a:ext cx="4384713" cy="2566930"/>
+          </a:xfrm>
+          <a:prstGeom prst="rect">
+            <a:avLst/>
+          </a:prstGeom>
+          <a:ln/>
+        </p:spPr>
+        <p:style>
+          <a:lnRef idx="2">
+            <a:schemeClr val="accent2"/>
+          </a:lnRef>
+          <a:fillRef idx="1">
+            <a:schemeClr val="lt1"/>
+          </a:fillRef>
+          <a:effectRef idx="0">
+            <a:schemeClr val="accent2"/>
+          </a:effectRef>
+          <a:fontRef idx="minor">
+            <a:schemeClr val="dk1"/>
+          </a:fontRef>
+        </p:style>
+        <p:txBody>
+          <a:bodyPr rtlCol="0" anchor="b" anchorCtr="0"/>
+          <a:lstStyle/>
+          <a:p>
+            <a:pPr algn="ctr"/>
+            <a:r>
+              <a:rPr lang="en-US" sz="1400" dirty="0">
+                <a:solidFill>
+                  <a:schemeClr val="tx2"/>
+                </a:solidFill>
+                <a:latin typeface="Source Sans Pro Light" panose="020B0403030403020204" pitchFamily="34" charset="77"/>
+                <a:ea typeface="Source Sans Pro" panose="020B0503030403020204" pitchFamily="34" charset="0"/>
+              </a:rPr>
+              <a:t>Display module</a:t>
+            </a:r>
+          </a:p>
+        </p:txBody>
+      </p:sp>
+      <p:pic>
+        <p:nvPicPr>
+          <p:cNvPr id="8" name="Picture 7">
+            <a:extLst>
+              <a:ext uri="{FF2B5EF4-FFF2-40B4-BE49-F238E27FC236}">
+                <a16:creationId xmlns:a16="http://schemas.microsoft.com/office/drawing/2014/main" id="{FFED50E9-4666-827D-A26D-B1C27D6DCC8C}"/>
+              </a:ext>
+            </a:extLst>
+          </p:cNvPr>
+          <p:cNvPicPr>
+            <a:picLocks noChangeAspect="1"/>
+          </p:cNvPicPr>
+          <p:nvPr/>
+        </p:nvPicPr>
+        <p:blipFill rotWithShape="1">
+          <a:blip r:embed="rId3" cstate="print">
+            <a:extLst>
+              <a:ext uri="{28A0092B-C50C-407E-A947-70E740481C1C}">
+                <a14:useLocalDpi xmlns:a14="http://schemas.microsoft.com/office/drawing/2010/main" val="0"/>
+              </a:ext>
+            </a:extLst>
+          </a:blip>
+          <a:srcRect l="18554" t="45307" r="13825" b="13196"/>
+          <a:stretch/>
+        </p:blipFill>
+        <p:spPr>
+          <a:xfrm>
+            <a:off x="8858813" y="2708978"/>
+            <a:ext cx="2279239" cy="1415820"/>
+          </a:xfrm>
+          <a:prstGeom prst="rect">
+            <a:avLst/>
+          </a:prstGeom>
+        </p:spPr>
+      </p:pic>
+      <p:sp>
+        <p:nvSpPr>
+          <p:cNvPr id="10" name="Arc 9">
+            <a:extLst>
+              <a:ext uri="{FF2B5EF4-FFF2-40B4-BE49-F238E27FC236}">
+                <a16:creationId xmlns:a16="http://schemas.microsoft.com/office/drawing/2014/main" id="{070CE625-638E-D085-FAEA-696B711BC3C5}"/>
+              </a:ext>
+            </a:extLst>
+          </p:cNvPr>
+          <p:cNvSpPr/>
+          <p:nvPr/>
+        </p:nvSpPr>
+        <p:spPr>
+          <a:xfrm>
+            <a:off x="3966071" y="2542830"/>
+            <a:ext cx="5496491" cy="1787652"/>
+          </a:xfrm>
+          <a:prstGeom prst="arc">
+            <a:avLst>
+              <a:gd name="adj1" fmla="val 11979648"/>
+              <a:gd name="adj2" fmla="val 9567484"/>
+            </a:avLst>
+          </a:prstGeom>
+          <a:ln w="25400">
+            <a:tailEnd type="stealth" w="lg" len="lg"/>
+          </a:ln>
+        </p:spPr>
+        <p:style>
+          <a:lnRef idx="1">
+            <a:schemeClr val="accent1"/>
+          </a:lnRef>
+          <a:fillRef idx="0">
+            <a:schemeClr val="accent1"/>
+          </a:fillRef>
+          <a:effectRef idx="0">
+            <a:schemeClr val="accent1"/>
+          </a:effectRef>
+          <a:fontRef idx="minor">
+            <a:schemeClr val="tx1"/>
+          </a:fontRef>
+        </p:style>
+        <p:txBody>
+          <a:bodyPr rtlCol="0" anchor="ctr"/>
+          <a:lstStyle/>
+          <a:p>
+            <a:pPr algn="ctr"/>
+            <a:endParaRPr lang="en-US"/>
+          </a:p>
+        </p:txBody>
+      </p:sp>
+      <p:sp>
+        <p:nvSpPr>
+          <p:cNvPr id="7" name="Rectangle 6">
+            <a:extLst>
+              <a:ext uri="{FF2B5EF4-FFF2-40B4-BE49-F238E27FC236}">
+                <a16:creationId xmlns:a16="http://schemas.microsoft.com/office/drawing/2014/main" id="{EE9CF8DD-BEBD-03CC-60A2-FB1191005967}"/>
+              </a:ext>
+            </a:extLst>
+          </p:cNvPr>
+          <p:cNvSpPr/>
+          <p:nvPr/>
+        </p:nvSpPr>
+        <p:spPr>
+          <a:xfrm>
+            <a:off x="7416641" y="3159565"/>
+            <a:ext cx="762586" cy="507693"/>
+          </a:xfrm>
+          <a:prstGeom prst="rect">
+            <a:avLst/>
+          </a:prstGeom>
+          <a:ln/>
+        </p:spPr>
+        <p:style>
+          <a:lnRef idx="2">
+            <a:schemeClr val="accent1"/>
+          </a:lnRef>
+          <a:fillRef idx="1">
+            <a:schemeClr val="lt1"/>
+          </a:fillRef>
+          <a:effectRef idx="0">
+            <a:schemeClr val="accent1"/>
+          </a:effectRef>
+          <a:fontRef idx="minor">
+            <a:schemeClr val="dk1"/>
+          </a:fontRef>
+        </p:style>
+        <p:txBody>
+          <a:bodyPr rtlCol="0" anchor="ctr"/>
+          <a:lstStyle/>
+          <a:p>
+            <a:pPr algn="ctr"/>
+            <a:r>
+              <a:rPr lang="en-US" sz="1400" dirty="0">
+                <a:solidFill>
+                  <a:schemeClr val="tx2"/>
+                </a:solidFill>
+                <a:latin typeface="Source Sans Pro Light" panose="020B0403030403020204" pitchFamily="34" charset="77"/>
+                <a:ea typeface="Source Sans Pro" panose="020B0503030403020204" pitchFamily="34" charset="0"/>
+              </a:rPr>
+              <a:t>LCDC</a:t>
+            </a:r>
+          </a:p>
+        </p:txBody>
+      </p:sp>
+      <p:sp>
+        <p:nvSpPr>
+          <p:cNvPr id="14" name="Rectangle 13">
+            <a:extLst>
+              <a:ext uri="{FF2B5EF4-FFF2-40B4-BE49-F238E27FC236}">
+                <a16:creationId xmlns:a16="http://schemas.microsoft.com/office/drawing/2014/main" id="{F79704A7-1530-628C-D595-3F2FEF1E99C5}"/>
+              </a:ext>
+            </a:extLst>
+          </p:cNvPr>
+          <p:cNvSpPr/>
+          <p:nvPr/>
+        </p:nvSpPr>
+        <p:spPr>
+          <a:xfrm>
+            <a:off x="5749586" y="3159565"/>
+            <a:ext cx="762586" cy="507693"/>
+          </a:xfrm>
+          <a:prstGeom prst="rect">
+            <a:avLst/>
+          </a:prstGeom>
+          <a:ln/>
+        </p:spPr>
+        <p:style>
+          <a:lnRef idx="2">
+            <a:schemeClr val="accent1"/>
+          </a:lnRef>
+          <a:fillRef idx="1">
+            <a:schemeClr val="lt1"/>
+          </a:fillRef>
+          <a:effectRef idx="0">
+            <a:schemeClr val="accent1"/>
+          </a:effectRef>
+          <a:fontRef idx="minor">
+            <a:schemeClr val="dk1"/>
+          </a:fontRef>
+        </p:style>
+        <p:txBody>
+          <a:bodyPr rtlCol="0" anchor="ctr"/>
+          <a:lstStyle/>
+          <a:p>
+            <a:pPr algn="ctr"/>
+            <a:r>
+              <a:rPr lang="en-US" sz="1400" dirty="0">
+                <a:solidFill>
+                  <a:schemeClr val="tx2"/>
+                </a:solidFill>
+                <a:latin typeface="Source Sans Pro Light" panose="020B0403030403020204" pitchFamily="34" charset="77"/>
+                <a:ea typeface="Source Sans Pro" panose="020B0503030403020204" pitchFamily="34" charset="0"/>
+              </a:rPr>
+              <a:t>LCDC</a:t>
+            </a:r>
+          </a:p>
+        </p:txBody>
+      </p:sp>
+      <p:sp>
+        <p:nvSpPr>
+          <p:cNvPr id="15" name="Rectangle 14">
+            <a:extLst>
+              <a:ext uri="{FF2B5EF4-FFF2-40B4-BE49-F238E27FC236}">
+                <a16:creationId xmlns:a16="http://schemas.microsoft.com/office/drawing/2014/main" id="{65049CB4-0DDB-CE65-2175-D46A619BA7B2}"/>
+              </a:ext>
+            </a:extLst>
+          </p:cNvPr>
+          <p:cNvSpPr/>
+          <p:nvPr/>
+        </p:nvSpPr>
+        <p:spPr>
+          <a:xfrm>
+            <a:off x="3858937" y="2921307"/>
+            <a:ext cx="1637489" cy="1015386"/>
+          </a:xfrm>
+          <a:prstGeom prst="rect">
+            <a:avLst/>
+          </a:prstGeom>
+          <a:ln/>
+        </p:spPr>
+        <p:style>
+          <a:lnRef idx="2">
+            <a:schemeClr val="accent1"/>
+          </a:lnRef>
+          <a:fillRef idx="1">
+            <a:schemeClr val="lt1"/>
+          </a:fillRef>
+          <a:effectRef idx="0">
+            <a:schemeClr val="accent1"/>
+          </a:effectRef>
+          <a:fontRef idx="minor">
+            <a:schemeClr val="dk1"/>
+          </a:fontRef>
+        </p:style>
+        <p:txBody>
+          <a:bodyPr rtlCol="0" anchor="ctr"/>
+          <a:lstStyle/>
+          <a:p>
+            <a:pPr algn="ctr"/>
+            <a:r>
+              <a:rPr lang="en-US" sz="1400" dirty="0">
+                <a:solidFill>
+                  <a:schemeClr val="tx2"/>
+                </a:solidFill>
+                <a:latin typeface="Source Sans Pro Light" panose="020B0403030403020204" pitchFamily="34" charset="77"/>
+                <a:ea typeface="Source Sans Pro" panose="020B0503030403020204" pitchFamily="34" charset="0"/>
+              </a:rPr>
+              <a:t>Frame buffer</a:t>
+            </a:r>
+          </a:p>
+        </p:txBody>
+      </p:sp>
+      <p:cxnSp>
+        <p:nvCxnSpPr>
+          <p:cNvPr id="17" name="Straight Connector 16">
+            <a:extLst>
+              <a:ext uri="{FF2B5EF4-FFF2-40B4-BE49-F238E27FC236}">
+                <a16:creationId xmlns:a16="http://schemas.microsoft.com/office/drawing/2014/main" id="{39002000-D704-2B02-CC7E-0FEDD6AAC47B}"/>
+              </a:ext>
+            </a:extLst>
+          </p:cNvPr>
+          <p:cNvCxnSpPr>
+            <a:cxnSpLocks/>
+            <a:stCxn id="14" idx="3"/>
+            <a:endCxn id="7" idx="1"/>
+          </p:cNvCxnSpPr>
+          <p:nvPr/>
+        </p:nvCxnSpPr>
+        <p:spPr>
+          <a:xfrm>
+            <a:off x="6512172" y="3413412"/>
+            <a:ext cx="904469" cy="0"/>
+          </a:xfrm>
+          <a:prstGeom prst="line">
+            <a:avLst/>
+          </a:prstGeom>
+          <a:ln w="19050"/>
+        </p:spPr>
+        <p:style>
+          <a:lnRef idx="1">
+            <a:schemeClr val="accent4"/>
+          </a:lnRef>
+          <a:fillRef idx="0">
+            <a:schemeClr val="accent4"/>
+          </a:fillRef>
+          <a:effectRef idx="0">
+            <a:schemeClr val="accent4"/>
+          </a:effectRef>
+          <a:fontRef idx="minor">
+            <a:schemeClr val="tx1"/>
+          </a:fontRef>
+        </p:style>
+      </p:cxnSp>
+      <p:cxnSp>
+        <p:nvCxnSpPr>
+          <p:cNvPr id="20" name="Straight Connector 19">
+            <a:extLst>
+              <a:ext uri="{FF2B5EF4-FFF2-40B4-BE49-F238E27FC236}">
+                <a16:creationId xmlns:a16="http://schemas.microsoft.com/office/drawing/2014/main" id="{A58706F5-92DC-DD6A-522F-3751BFC398BA}"/>
+              </a:ext>
+            </a:extLst>
+          </p:cNvPr>
+          <p:cNvCxnSpPr>
+            <a:cxnSpLocks/>
+          </p:cNvCxnSpPr>
+          <p:nvPr/>
+        </p:nvCxnSpPr>
+        <p:spPr>
+          <a:xfrm flipV="1">
+            <a:off x="6831045" y="3333868"/>
+            <a:ext cx="148324" cy="190263"/>
+          </a:xfrm>
+          <a:prstGeom prst="line">
+            <a:avLst/>
+          </a:prstGeom>
+          <a:ln w="15875"/>
+        </p:spPr>
+        <p:style>
+          <a:lnRef idx="1">
+            <a:schemeClr val="accent4"/>
+          </a:lnRef>
+          <a:fillRef idx="0">
+            <a:schemeClr val="accent4"/>
+          </a:fillRef>
+          <a:effectRef idx="0">
+            <a:schemeClr val="accent4"/>
+          </a:effectRef>
+          <a:fontRef idx="minor">
+            <a:schemeClr val="tx1"/>
+          </a:fontRef>
+        </p:style>
+      </p:cxnSp>
+      <p:cxnSp>
+        <p:nvCxnSpPr>
+          <p:cNvPr id="18" name="Straight Connector 17">
+            <a:extLst>
+              <a:ext uri="{FF2B5EF4-FFF2-40B4-BE49-F238E27FC236}">
+                <a16:creationId xmlns:a16="http://schemas.microsoft.com/office/drawing/2014/main" id="{2D602AE7-0E9D-5DE3-055C-6D70D35F7389}"/>
+              </a:ext>
+            </a:extLst>
+          </p:cNvPr>
+          <p:cNvCxnSpPr/>
+          <p:nvPr/>
+        </p:nvCxnSpPr>
+        <p:spPr>
+          <a:xfrm>
+            <a:off x="8177100" y="3425591"/>
+            <a:ext cx="683840" cy="1"/>
+          </a:xfrm>
+          <a:prstGeom prst="line">
+            <a:avLst/>
+          </a:prstGeom>
+        </p:spPr>
+        <p:style>
+          <a:lnRef idx="1">
+            <a:schemeClr val="accent4"/>
+          </a:lnRef>
+          <a:fillRef idx="0">
+            <a:schemeClr val="accent4"/>
+          </a:fillRef>
+          <a:effectRef idx="0">
+            <a:schemeClr val="accent4"/>
+          </a:effectRef>
+          <a:fontRef idx="minor">
+            <a:schemeClr val="tx1"/>
+          </a:fontRef>
+        </p:style>
+      </p:cxnSp>
+      <p:cxnSp>
+        <p:nvCxnSpPr>
+          <p:cNvPr id="19" name="Straight Connector 18">
+            <a:extLst>
+              <a:ext uri="{FF2B5EF4-FFF2-40B4-BE49-F238E27FC236}">
+                <a16:creationId xmlns:a16="http://schemas.microsoft.com/office/drawing/2014/main" id="{FCAF8A7D-C69E-3F8B-CFA8-B2A81AEA78A2}"/>
+              </a:ext>
+            </a:extLst>
+          </p:cNvPr>
+          <p:cNvCxnSpPr>
+            <a:cxnSpLocks/>
+          </p:cNvCxnSpPr>
+          <p:nvPr/>
+        </p:nvCxnSpPr>
+        <p:spPr>
+          <a:xfrm flipV="1">
+            <a:off x="8430260" y="3368240"/>
+            <a:ext cx="113670" cy="145810"/>
+          </a:xfrm>
+          <a:prstGeom prst="line">
+            <a:avLst/>
+          </a:prstGeom>
+        </p:spPr>
+        <p:style>
+          <a:lnRef idx="1">
+            <a:schemeClr val="accent4"/>
+          </a:lnRef>
+          <a:fillRef idx="0">
+            <a:schemeClr val="accent4"/>
+          </a:fillRef>
+          <a:effectRef idx="0">
+            <a:schemeClr val="accent4"/>
+          </a:effectRef>
+          <a:fontRef idx="minor">
+            <a:schemeClr val="tx1"/>
+          </a:fontRef>
+        </p:style>
+      </p:cxnSp>
+      <p:sp>
+        <p:nvSpPr>
+          <p:cNvPr id="3" name="Rectangle 2">
+            <a:extLst>
+              <a:ext uri="{FF2B5EF4-FFF2-40B4-BE49-F238E27FC236}">
+                <a16:creationId xmlns:a16="http://schemas.microsoft.com/office/drawing/2014/main" id="{46E57B75-70B0-F647-D712-A75871947801}"/>
+              </a:ext>
+            </a:extLst>
+          </p:cNvPr>
+          <p:cNvSpPr/>
+          <p:nvPr/>
+        </p:nvSpPr>
+        <p:spPr>
+          <a:xfrm>
+            <a:off x="1910693" y="2917898"/>
+            <a:ext cx="1637489" cy="1015386"/>
+          </a:xfrm>
+          <a:prstGeom prst="rect">
+            <a:avLst/>
+          </a:prstGeom>
+          <a:ln/>
+        </p:spPr>
+        <p:style>
+          <a:lnRef idx="2">
+            <a:schemeClr val="accent1"/>
+          </a:lnRef>
+          <a:fillRef idx="1">
+            <a:schemeClr val="lt1"/>
+          </a:fillRef>
+          <a:effectRef idx="0">
+            <a:schemeClr val="accent1"/>
+          </a:effectRef>
+          <a:fontRef idx="minor">
+            <a:schemeClr val="dk1"/>
+          </a:fontRef>
+        </p:style>
+        <p:txBody>
+          <a:bodyPr rtlCol="0" anchor="ctr"/>
+          <a:lstStyle/>
+          <a:p>
+            <a:pPr algn="ctr"/>
+            <a:r>
+              <a:rPr lang="en-US" sz="1400" dirty="0">
+                <a:solidFill>
+                  <a:schemeClr val="tx2"/>
+                </a:solidFill>
+                <a:latin typeface="Source Sans Pro Light" panose="020B0403030403020204" pitchFamily="34" charset="77"/>
+                <a:ea typeface="Source Sans Pro" panose="020B0503030403020204" pitchFamily="34" charset="0"/>
+              </a:rPr>
+              <a:t>Back buffer</a:t>
+            </a:r>
+          </a:p>
+        </p:txBody>
+      </p:sp>
+      <p:sp>
+        <p:nvSpPr>
+          <p:cNvPr id="9" name="TextBox 8">
+            <a:extLst>
+              <a:ext uri="{FF2B5EF4-FFF2-40B4-BE49-F238E27FC236}">
+                <a16:creationId xmlns:a16="http://schemas.microsoft.com/office/drawing/2014/main" id="{C1612016-8035-FD67-2BBA-1979063563E8}"/>
+              </a:ext>
+            </a:extLst>
+          </p:cNvPr>
+          <p:cNvSpPr txBox="1"/>
+          <p:nvPr/>
+        </p:nvSpPr>
+        <p:spPr>
+          <a:xfrm>
+            <a:off x="0" y="3288533"/>
+            <a:ext cx="720832" cy="215444"/>
+          </a:xfrm>
+          <a:prstGeom prst="rect">
+            <a:avLst/>
+          </a:prstGeom>
+          <a:noFill/>
+        </p:spPr>
+        <p:txBody>
+          <a:bodyPr vert="horz" wrap="square" lIns="0" tIns="0" rIns="0" bIns="0" numCol="1" spcCol="288000" rtlCol="0" anchor="t" anchorCtr="0">
+            <a:spAutoFit/>
+          </a:bodyPr>
+          <a:lstStyle/>
+          <a:p>
+            <a:pPr algn="r">
+              <a:spcBef>
+                <a:spcPts val="0"/>
+              </a:spcBef>
+              <a:spcAft>
+                <a:spcPts val="600"/>
+              </a:spcAft>
+            </a:pPr>
+            <a:r>
+              <a:rPr lang="en-US" sz="1400" b="0" i="0" spc="0" dirty="0">
+                <a:ln>
+                  <a:noFill/>
+                </a:ln>
+                <a:solidFill>
+                  <a:schemeClr val="tx2"/>
+                </a:solidFill>
+                <a:latin typeface="Source Sans Pro Light" charset="0"/>
+                <a:ea typeface="Source Sans Pro Light" charset="0"/>
+                <a:cs typeface="Source Sans Pro Light" charset="0"/>
+              </a:rPr>
+              <a:t>Drawings </a:t>
+            </a:r>
+          </a:p>
+        </p:txBody>
+      </p:sp>
+      <p:cxnSp>
+        <p:nvCxnSpPr>
+          <p:cNvPr id="12" name="Straight Arrow Connector 11">
+            <a:extLst>
+              <a:ext uri="{FF2B5EF4-FFF2-40B4-BE49-F238E27FC236}">
+                <a16:creationId xmlns:a16="http://schemas.microsoft.com/office/drawing/2014/main" id="{18E49BAF-41A5-1AF0-1587-F3A4FEC1AA83}"/>
+              </a:ext>
+            </a:extLst>
+          </p:cNvPr>
+          <p:cNvCxnSpPr/>
+          <p:nvPr/>
+        </p:nvCxnSpPr>
+        <p:spPr>
+          <a:xfrm>
+            <a:off x="934696" y="3423593"/>
+            <a:ext cx="896407" cy="0"/>
+          </a:xfrm>
+          <a:prstGeom prst="straightConnector1">
+            <a:avLst/>
+          </a:prstGeom>
+          <a:ln w="25400">
+            <a:tailEnd type="stealth" w="lg" len="med"/>
+          </a:ln>
+        </p:spPr>
+        <p:style>
+          <a:lnRef idx="1">
+            <a:schemeClr val="accent1"/>
+          </a:lnRef>
+          <a:fillRef idx="0">
+            <a:schemeClr val="accent1"/>
+          </a:fillRef>
+          <a:effectRef idx="0">
+            <a:schemeClr val="accent1"/>
+          </a:effectRef>
+          <a:fontRef idx="minor">
+            <a:schemeClr val="tx1"/>
+          </a:fontRef>
+        </p:style>
+      </p:cxnSp>
+      <p:sp>
+        <p:nvSpPr>
+          <p:cNvPr id="25" name="TextBox 24">
+            <a:extLst>
+              <a:ext uri="{FF2B5EF4-FFF2-40B4-BE49-F238E27FC236}">
+                <a16:creationId xmlns:a16="http://schemas.microsoft.com/office/drawing/2014/main" id="{3FAE8C18-2985-2E71-6B8F-5B68E0AA2ADA}"/>
+              </a:ext>
+            </a:extLst>
+          </p:cNvPr>
+          <p:cNvSpPr txBox="1"/>
+          <p:nvPr/>
+        </p:nvSpPr>
+        <p:spPr>
+          <a:xfrm>
+            <a:off x="3081171" y="4156949"/>
+            <a:ext cx="827153" cy="215444"/>
+          </a:xfrm>
+          <a:prstGeom prst="rect">
+            <a:avLst/>
+          </a:prstGeom>
+          <a:noFill/>
+        </p:spPr>
+        <p:txBody>
+          <a:bodyPr vert="horz" wrap="square" lIns="0" tIns="0" rIns="0" bIns="0" numCol="1" spcCol="288000" rtlCol="0" anchor="t" anchorCtr="0">
+            <a:spAutoFit/>
+          </a:bodyPr>
+          <a:lstStyle/>
+          <a:p>
+            <a:pPr algn="r">
+              <a:spcBef>
+                <a:spcPts val="0"/>
+              </a:spcBef>
+              <a:spcAft>
+                <a:spcPts val="600"/>
+              </a:spcAft>
+            </a:pPr>
+            <a:r>
+              <a:rPr lang="en-US" sz="1400" b="0" i="0" spc="0" dirty="0">
+                <a:ln>
+                  <a:noFill/>
+                </a:ln>
+                <a:solidFill>
+                  <a:schemeClr val="tx2"/>
+                </a:solidFill>
+                <a:latin typeface="Source Sans Pro Light" charset="0"/>
+                <a:ea typeface="Source Sans Pro Light" charset="0"/>
+                <a:cs typeface="Source Sans Pro Light" charset="0"/>
+              </a:rPr>
+              <a:t>Flush </a:t>
+            </a:r>
+          </a:p>
+        </p:txBody>
+      </p:sp>
+      <p:cxnSp>
+        <p:nvCxnSpPr>
+          <p:cNvPr id="2" name="Straight Arrow Connector 1">
+            <a:extLst>
+              <a:ext uri="{FF2B5EF4-FFF2-40B4-BE49-F238E27FC236}">
+                <a16:creationId xmlns:a16="http://schemas.microsoft.com/office/drawing/2014/main" id="{F713EF1F-B989-0E94-CEDA-7F7765A98819}"/>
+              </a:ext>
+            </a:extLst>
+          </p:cNvPr>
+          <p:cNvCxnSpPr/>
+          <p:nvPr/>
+        </p:nvCxnSpPr>
+        <p:spPr>
+          <a:xfrm>
+            <a:off x="3287262" y="4124798"/>
+            <a:ext cx="896407" cy="0"/>
+          </a:xfrm>
+          <a:prstGeom prst="straightConnector1">
+            <a:avLst/>
+          </a:prstGeom>
+          <a:ln w="25400">
+            <a:tailEnd type="stealth" w="lg" len="med"/>
+          </a:ln>
+        </p:spPr>
+        <p:style>
+          <a:lnRef idx="1">
+            <a:schemeClr val="accent1"/>
+          </a:lnRef>
+          <a:fillRef idx="0">
+            <a:schemeClr val="accent1"/>
+          </a:fillRef>
+          <a:effectRef idx="0">
+            <a:schemeClr val="accent1"/>
+          </a:effectRef>
+          <a:fontRef idx="minor">
+            <a:schemeClr val="tx1"/>
+          </a:fontRef>
+        </p:style>
+      </p:cxnSp>
+    </p:spTree>
+    <p:extLst>
+      <p:ext uri="{BB962C8B-B14F-4D97-AF65-F5344CB8AC3E}">
+        <p14:creationId xmlns:p14="http://schemas.microsoft.com/office/powerpoint/2010/main" val="2802100400"/>
+      </p:ext>
+    </p:extLst>
+  </p:cSld>
+  <p:clrMapOvr>
+    <a:masterClrMapping/>
+  </p:clrMapOvr>
+</p:sld>
+</file>
+
+<file path=ppt/slides/slide11.xml><?xml version="1.0" encoding="utf-8"?>
+<p:sld xmlns:a="http://schemas.openxmlformats.org/drawingml/2006/main" xmlns:r="http://schemas.openxmlformats.org/officeDocument/2006/relationships" xmlns:p="http://schemas.openxmlformats.org/presentationml/2006/main">
+  <p:cSld>
+    <p:spTree>
+      <p:nvGrpSpPr>
+        <p:cNvPr id="1" name=""/>
+        <p:cNvGrpSpPr/>
+        <p:nvPr/>
+      </p:nvGrpSpPr>
+      <p:grpSpPr>
+        <a:xfrm>
+          <a:off x="0" y="0"/>
+          <a:ext cx="0" cy="0"/>
+          <a:chOff x="0" y="0"/>
+          <a:chExt cx="0" cy="0"/>
+        </a:xfrm>
+      </p:grpSpPr>
+    </p:spTree>
+    <p:extLst>
+      <p:ext uri="{BB962C8B-B14F-4D97-AF65-F5344CB8AC3E}">
+        <p14:creationId xmlns:p14="http://schemas.microsoft.com/office/powerpoint/2010/main" val="2116760150"/>
       </p:ext>
     </p:extLst>
   </p:cSld>

--- a/VEEPortingGuide/images/ui_overview2.pptx
+++ b/VEEPortingGuide/images/ui_overview2.pptx
@@ -32553,6 +32553,473 @@
           </a:p>
         </p:txBody>
       </p:sp>
+      <p:sp>
+        <p:nvSpPr>
+          <p:cNvPr id="5" name="Rectangle 4">
+            <a:extLst>
+              <a:ext uri="{FF2B5EF4-FFF2-40B4-BE49-F238E27FC236}">
+                <a16:creationId xmlns:a16="http://schemas.microsoft.com/office/drawing/2014/main" id="{A4E912D6-78AD-4515-649A-9C3FF6E5297D}"/>
+              </a:ext>
+            </a:extLst>
+          </p:cNvPr>
+          <p:cNvSpPr/>
+          <p:nvPr/>
+        </p:nvSpPr>
+        <p:spPr>
+          <a:xfrm>
+            <a:off x="4732591" y="2321281"/>
+            <a:ext cx="655295" cy="377472"/>
+          </a:xfrm>
+          <a:prstGeom prst="rect">
+            <a:avLst/>
+          </a:prstGeom>
+          <a:solidFill>
+            <a:schemeClr val="tx1"/>
+          </a:solidFill>
+          <a:ln/>
+        </p:spPr>
+        <p:style>
+          <a:lnRef idx="2">
+            <a:schemeClr val="accent1"/>
+          </a:lnRef>
+          <a:fillRef idx="1">
+            <a:schemeClr val="lt1"/>
+          </a:fillRef>
+          <a:effectRef idx="0">
+            <a:schemeClr val="accent1"/>
+          </a:effectRef>
+          <a:fontRef idx="minor">
+            <a:schemeClr val="dk1"/>
+          </a:fontRef>
+        </p:style>
+        <p:txBody>
+          <a:bodyPr rtlCol="0" anchor="ctr"/>
+          <a:lstStyle/>
+          <a:p>
+            <a:endParaRPr lang="en-US" sz="1400" b="1" dirty="0">
+              <a:solidFill>
+                <a:schemeClr val="bg1"/>
+              </a:solidFill>
+              <a:latin typeface="Source Sans Pro Light" panose="020B0403030403020204" pitchFamily="34" charset="77"/>
+              <a:ea typeface="Source Sans Pro" panose="020B0503030403020204" pitchFamily="34" charset="0"/>
+            </a:endParaRPr>
+          </a:p>
+        </p:txBody>
+      </p:sp>
+      <p:sp>
+        <p:nvSpPr>
+          <p:cNvPr id="6" name="Rectangle 5">
+            <a:extLst>
+              <a:ext uri="{FF2B5EF4-FFF2-40B4-BE49-F238E27FC236}">
+                <a16:creationId xmlns:a16="http://schemas.microsoft.com/office/drawing/2014/main" id="{58DF592C-E1A8-DAA3-7D3E-4BED04A71F7B}"/>
+              </a:ext>
+            </a:extLst>
+          </p:cNvPr>
+          <p:cNvSpPr/>
+          <p:nvPr/>
+        </p:nvSpPr>
+        <p:spPr>
+          <a:xfrm>
+            <a:off x="4767962" y="2343820"/>
+            <a:ext cx="266700" cy="240548"/>
+          </a:xfrm>
+          <a:prstGeom prst="rect">
+            <a:avLst/>
+          </a:prstGeom>
+          <a:solidFill>
+            <a:schemeClr val="accent4"/>
+          </a:solidFill>
+          <a:ln w="12700">
+            <a:noFill/>
+          </a:ln>
+        </p:spPr>
+        <p:style>
+          <a:lnRef idx="2">
+            <a:schemeClr val="accent1">
+              <a:shade val="50000"/>
+            </a:schemeClr>
+          </a:lnRef>
+          <a:fillRef idx="1">
+            <a:schemeClr val="accent1"/>
+          </a:fillRef>
+          <a:effectRef idx="0">
+            <a:schemeClr val="accent1"/>
+          </a:effectRef>
+          <a:fontRef idx="minor">
+            <a:schemeClr val="lt1"/>
+          </a:fontRef>
+        </p:style>
+        <p:txBody>
+          <a:bodyPr rtlCol="0" anchor="ctr"/>
+          <a:lstStyle/>
+          <a:p>
+            <a:pPr algn="ctr"/>
+            <a:r>
+              <a:rPr lang="en-US" sz="1400" b="1" dirty="0">
+                <a:solidFill>
+                  <a:schemeClr val="bg1"/>
+                </a:solidFill>
+                <a:latin typeface="Source Sans Pro Light" panose="020B0403030403020204" pitchFamily="34" charset="77"/>
+                <a:ea typeface="Source Sans Pro" panose="020B0503030403020204" pitchFamily="34" charset="0"/>
+              </a:rPr>
+              <a:t>A</a:t>
+            </a:r>
+          </a:p>
+        </p:txBody>
+      </p:sp>
+      <p:sp>
+        <p:nvSpPr>
+          <p:cNvPr id="7" name="Rectangle 6">
+            <a:extLst>
+              <a:ext uri="{FF2B5EF4-FFF2-40B4-BE49-F238E27FC236}">
+                <a16:creationId xmlns:a16="http://schemas.microsoft.com/office/drawing/2014/main" id="{B1B4068A-DC0B-955A-1802-5005D602E084}"/>
+              </a:ext>
+            </a:extLst>
+          </p:cNvPr>
+          <p:cNvSpPr/>
+          <p:nvPr/>
+        </p:nvSpPr>
+        <p:spPr>
+          <a:xfrm>
+            <a:off x="5078755" y="2432927"/>
+            <a:ext cx="266700" cy="240548"/>
+          </a:xfrm>
+          <a:prstGeom prst="rect">
+            <a:avLst/>
+          </a:prstGeom>
+          <a:solidFill>
+            <a:schemeClr val="accent2"/>
+          </a:solidFill>
+          <a:ln w="12700">
+            <a:noFill/>
+          </a:ln>
+        </p:spPr>
+        <p:style>
+          <a:lnRef idx="2">
+            <a:schemeClr val="accent1">
+              <a:shade val="50000"/>
+            </a:schemeClr>
+          </a:lnRef>
+          <a:fillRef idx="1">
+            <a:schemeClr val="accent1"/>
+          </a:fillRef>
+          <a:effectRef idx="0">
+            <a:schemeClr val="accent1"/>
+          </a:effectRef>
+          <a:fontRef idx="minor">
+            <a:schemeClr val="lt1"/>
+          </a:fontRef>
+        </p:style>
+        <p:txBody>
+          <a:bodyPr rtlCol="0" anchor="ctr"/>
+          <a:lstStyle/>
+          <a:p>
+            <a:pPr algn="ctr"/>
+            <a:r>
+              <a:rPr lang="en-US" sz="1400" b="1" dirty="0">
+                <a:solidFill>
+                  <a:schemeClr val="bg1"/>
+                </a:solidFill>
+                <a:latin typeface="Source Sans Pro Light" panose="020B0403030403020204" pitchFamily="34" charset="77"/>
+                <a:ea typeface="Source Sans Pro" panose="020B0503030403020204" pitchFamily="34" charset="0"/>
+              </a:rPr>
+              <a:t>B</a:t>
+            </a:r>
+          </a:p>
+        </p:txBody>
+      </p:sp>
+      <p:sp>
+        <p:nvSpPr>
+          <p:cNvPr id="16" name="Rectangle 15">
+            <a:extLst>
+              <a:ext uri="{FF2B5EF4-FFF2-40B4-BE49-F238E27FC236}">
+                <a16:creationId xmlns:a16="http://schemas.microsoft.com/office/drawing/2014/main" id="{B183C7D3-B89E-82F2-D0C9-A6847078B209}"/>
+              </a:ext>
+            </a:extLst>
+          </p:cNvPr>
+          <p:cNvSpPr/>
+          <p:nvPr/>
+        </p:nvSpPr>
+        <p:spPr>
+          <a:xfrm>
+            <a:off x="4789178" y="2432927"/>
+            <a:ext cx="266700" cy="240548"/>
+          </a:xfrm>
+          <a:prstGeom prst="rect">
+            <a:avLst/>
+          </a:prstGeom>
+          <a:solidFill>
+            <a:schemeClr val="accent3"/>
+          </a:solidFill>
+          <a:ln w="12700">
+            <a:noFill/>
+          </a:ln>
+        </p:spPr>
+        <p:style>
+          <a:lnRef idx="2">
+            <a:schemeClr val="accent1">
+              <a:shade val="50000"/>
+            </a:schemeClr>
+          </a:lnRef>
+          <a:fillRef idx="1">
+            <a:schemeClr val="accent1"/>
+          </a:fillRef>
+          <a:effectRef idx="0">
+            <a:schemeClr val="accent1"/>
+          </a:effectRef>
+          <a:fontRef idx="minor">
+            <a:schemeClr val="lt1"/>
+          </a:fontRef>
+        </p:style>
+        <p:txBody>
+          <a:bodyPr rtlCol="0" anchor="ctr"/>
+          <a:lstStyle/>
+          <a:p>
+            <a:pPr algn="ctr"/>
+            <a:r>
+              <a:rPr lang="en-US" sz="1400" b="1" dirty="0">
+                <a:solidFill>
+                  <a:schemeClr val="bg1"/>
+                </a:solidFill>
+                <a:latin typeface="Source Sans Pro Light" panose="020B0403030403020204" pitchFamily="34" charset="77"/>
+                <a:ea typeface="Source Sans Pro" panose="020B0503030403020204" pitchFamily="34" charset="0"/>
+              </a:rPr>
+              <a:t>C</a:t>
+            </a:r>
+          </a:p>
+        </p:txBody>
+      </p:sp>
+      <p:sp>
+        <p:nvSpPr>
+          <p:cNvPr id="18" name="Rectangle 17">
+            <a:extLst>
+              <a:ext uri="{FF2B5EF4-FFF2-40B4-BE49-F238E27FC236}">
+                <a16:creationId xmlns:a16="http://schemas.microsoft.com/office/drawing/2014/main" id="{449F39A2-9CE9-73F5-F0BF-E3DFEB2AA2E2}"/>
+              </a:ext>
+            </a:extLst>
+          </p:cNvPr>
+          <p:cNvSpPr/>
+          <p:nvPr/>
+        </p:nvSpPr>
+        <p:spPr>
+          <a:xfrm>
+            <a:off x="4728230" y="2815984"/>
+            <a:ext cx="655295" cy="377472"/>
+          </a:xfrm>
+          <a:prstGeom prst="rect">
+            <a:avLst/>
+          </a:prstGeom>
+          <a:solidFill>
+            <a:schemeClr val="tx1"/>
+          </a:solidFill>
+          <a:ln/>
+        </p:spPr>
+        <p:style>
+          <a:lnRef idx="2">
+            <a:schemeClr val="accent1"/>
+          </a:lnRef>
+          <a:fillRef idx="1">
+            <a:schemeClr val="lt1"/>
+          </a:fillRef>
+          <a:effectRef idx="0">
+            <a:schemeClr val="accent1"/>
+          </a:effectRef>
+          <a:fontRef idx="minor">
+            <a:schemeClr val="dk1"/>
+          </a:fontRef>
+        </p:style>
+        <p:txBody>
+          <a:bodyPr rtlCol="0" anchor="ctr"/>
+          <a:lstStyle/>
+          <a:p>
+            <a:endParaRPr lang="en-US" sz="1400" b="1" dirty="0">
+              <a:solidFill>
+                <a:schemeClr val="bg1"/>
+              </a:solidFill>
+              <a:latin typeface="Source Sans Pro Light" panose="020B0403030403020204" pitchFamily="34" charset="77"/>
+              <a:ea typeface="Source Sans Pro" panose="020B0503030403020204" pitchFamily="34" charset="0"/>
+            </a:endParaRPr>
+          </a:p>
+        </p:txBody>
+      </p:sp>
+      <p:sp>
+        <p:nvSpPr>
+          <p:cNvPr id="25" name="Rectangle 24">
+            <a:extLst>
+              <a:ext uri="{FF2B5EF4-FFF2-40B4-BE49-F238E27FC236}">
+                <a16:creationId xmlns:a16="http://schemas.microsoft.com/office/drawing/2014/main" id="{00504A60-7EF9-25ED-1011-367E9AD24672}"/>
+              </a:ext>
+            </a:extLst>
+          </p:cNvPr>
+          <p:cNvSpPr/>
+          <p:nvPr/>
+        </p:nvSpPr>
+        <p:spPr>
+          <a:xfrm>
+            <a:off x="4763601" y="2838523"/>
+            <a:ext cx="266700" cy="240548"/>
+          </a:xfrm>
+          <a:prstGeom prst="rect">
+            <a:avLst/>
+          </a:prstGeom>
+          <a:solidFill>
+            <a:schemeClr val="accent4"/>
+          </a:solidFill>
+          <a:ln w="12700">
+            <a:noFill/>
+          </a:ln>
+        </p:spPr>
+        <p:style>
+          <a:lnRef idx="2">
+            <a:schemeClr val="accent1">
+              <a:shade val="50000"/>
+            </a:schemeClr>
+          </a:lnRef>
+          <a:fillRef idx="1">
+            <a:schemeClr val="accent1"/>
+          </a:fillRef>
+          <a:effectRef idx="0">
+            <a:schemeClr val="accent1"/>
+          </a:effectRef>
+          <a:fontRef idx="minor">
+            <a:schemeClr val="lt1"/>
+          </a:fontRef>
+        </p:style>
+        <p:txBody>
+          <a:bodyPr rtlCol="0" anchor="ctr"/>
+          <a:lstStyle/>
+          <a:p>
+            <a:pPr algn="ctr"/>
+            <a:r>
+              <a:rPr lang="en-US" sz="1400" b="1" dirty="0">
+                <a:solidFill>
+                  <a:schemeClr val="bg1"/>
+                </a:solidFill>
+                <a:latin typeface="Source Sans Pro Light" panose="020B0403030403020204" pitchFamily="34" charset="77"/>
+                <a:ea typeface="Source Sans Pro" panose="020B0503030403020204" pitchFamily="34" charset="0"/>
+              </a:rPr>
+              <a:t>A</a:t>
+            </a:r>
+          </a:p>
+        </p:txBody>
+      </p:sp>
+      <p:sp>
+        <p:nvSpPr>
+          <p:cNvPr id="26" name="Rectangle 25">
+            <a:extLst>
+              <a:ext uri="{FF2B5EF4-FFF2-40B4-BE49-F238E27FC236}">
+                <a16:creationId xmlns:a16="http://schemas.microsoft.com/office/drawing/2014/main" id="{BCA4FF00-FCF5-4DB5-2152-BA194D746683}"/>
+              </a:ext>
+            </a:extLst>
+          </p:cNvPr>
+          <p:cNvSpPr/>
+          <p:nvPr/>
+        </p:nvSpPr>
+        <p:spPr>
+          <a:xfrm>
+            <a:off x="5074394" y="2927630"/>
+            <a:ext cx="266700" cy="240548"/>
+          </a:xfrm>
+          <a:prstGeom prst="rect">
+            <a:avLst/>
+          </a:prstGeom>
+          <a:solidFill>
+            <a:schemeClr val="accent2"/>
+          </a:solidFill>
+          <a:ln w="12700">
+            <a:noFill/>
+          </a:ln>
+        </p:spPr>
+        <p:style>
+          <a:lnRef idx="2">
+            <a:schemeClr val="accent1">
+              <a:shade val="50000"/>
+            </a:schemeClr>
+          </a:lnRef>
+          <a:fillRef idx="1">
+            <a:schemeClr val="accent1"/>
+          </a:fillRef>
+          <a:effectRef idx="0">
+            <a:schemeClr val="accent1"/>
+          </a:effectRef>
+          <a:fontRef idx="minor">
+            <a:schemeClr val="lt1"/>
+          </a:fontRef>
+        </p:style>
+        <p:txBody>
+          <a:bodyPr rtlCol="0" anchor="ctr"/>
+          <a:lstStyle/>
+          <a:p>
+            <a:pPr algn="ctr"/>
+            <a:r>
+              <a:rPr lang="en-US" sz="1400" b="1" dirty="0">
+                <a:solidFill>
+                  <a:schemeClr val="bg1"/>
+                </a:solidFill>
+                <a:latin typeface="Source Sans Pro Light" panose="020B0403030403020204" pitchFamily="34" charset="77"/>
+                <a:ea typeface="Source Sans Pro" panose="020B0503030403020204" pitchFamily="34" charset="0"/>
+              </a:rPr>
+              <a:t>B</a:t>
+            </a:r>
+          </a:p>
+        </p:txBody>
+      </p:sp>
+      <p:sp>
+        <p:nvSpPr>
+          <p:cNvPr id="27" name="Rectangle 26">
+            <a:extLst>
+              <a:ext uri="{FF2B5EF4-FFF2-40B4-BE49-F238E27FC236}">
+                <a16:creationId xmlns:a16="http://schemas.microsoft.com/office/drawing/2014/main" id="{68AFE4B5-778F-2960-8D99-78A2572BBEAB}"/>
+              </a:ext>
+            </a:extLst>
+          </p:cNvPr>
+          <p:cNvSpPr/>
+          <p:nvPr/>
+        </p:nvSpPr>
+        <p:spPr>
+          <a:xfrm>
+            <a:off x="5074394" y="2926549"/>
+            <a:ext cx="266699" cy="240548"/>
+          </a:xfrm>
+          <a:prstGeom prst="rect">
+            <a:avLst/>
+          </a:prstGeom>
+          <a:blipFill>
+            <a:blip r:embed="rId3"/>
+            <a:tile tx="0" ty="0" sx="100000" sy="100000" flip="none" algn="tl"/>
+          </a:blipFill>
+          <a:ln>
+            <a:noFill/>
+          </a:ln>
+        </p:spPr>
+        <p:style>
+          <a:lnRef idx="2">
+            <a:schemeClr val="accent1"/>
+          </a:lnRef>
+          <a:fillRef idx="1">
+            <a:schemeClr val="lt1"/>
+          </a:fillRef>
+          <a:effectRef idx="0">
+            <a:schemeClr val="accent1"/>
+          </a:effectRef>
+          <a:fontRef idx="minor">
+            <a:schemeClr val="dk1"/>
+          </a:fontRef>
+        </p:style>
+        <p:txBody>
+          <a:bodyPr rtlCol="0" anchor="ctr"/>
+          <a:lstStyle/>
+          <a:p>
+            <a:endParaRPr lang="en-US" sz="1400" dirty="0">
+              <a:solidFill>
+                <a:schemeClr val="tx2"/>
+              </a:solidFill>
+              <a:latin typeface="Source Sans Pro Light" panose="020B0403030403020204" pitchFamily="34" charset="77"/>
+              <a:ea typeface="Source Sans Pro" panose="020B0503030403020204" pitchFamily="34" charset="0"/>
+            </a:endParaRPr>
+          </a:p>
+        </p:txBody>
+      </p:sp>
     </p:spTree>
     <p:extLst>
       <p:ext uri="{BB962C8B-B14F-4D97-AF65-F5344CB8AC3E}">
@@ -32751,6 +33218,96 @@
                       </p:childTnLst>
                     </p:cTn>
                   </p:par>
+                  <p:par>
+                    <p:cTn id="19" fill="hold">
+                      <p:stCondLst>
+                        <p:cond delay="indefinite"/>
+                      </p:stCondLst>
+                      <p:childTnLst>
+                        <p:par>
+                          <p:cTn id="20" fill="hold">
+                            <p:stCondLst>
+                              <p:cond delay="0"/>
+                            </p:stCondLst>
+                            <p:childTnLst>
+                              <p:par>
+                                <p:cTn id="21" presetID="1" presetClass="entr" presetSubtype="0" fill="hold" grpId="0" nodeType="clickEffect">
+                                  <p:stCondLst>
+                                    <p:cond delay="0"/>
+                                  </p:stCondLst>
+                                  <p:childTnLst>
+                                    <p:set>
+                                      <p:cBhvr>
+                                        <p:cTn id="22" dur="1" fill="hold">
+                                          <p:stCondLst>
+                                            <p:cond delay="0"/>
+                                          </p:stCondLst>
+                                        </p:cTn>
+                                        <p:tgtEl>
+                                          <p:spTgt spid="5"/>
+                                        </p:tgtEl>
+                                        <p:attrNameLst>
+                                          <p:attrName>style.visibility</p:attrName>
+                                        </p:attrNameLst>
+                                      </p:cBhvr>
+                                      <p:to>
+                                        <p:strVal val="visible"/>
+                                      </p:to>
+                                    </p:set>
+                                  </p:childTnLst>
+                                </p:cTn>
+                              </p:par>
+                            </p:childTnLst>
+                          </p:cTn>
+                        </p:par>
+                      </p:childTnLst>
+                    </p:cTn>
+                  </p:par>
+                  <p:par>
+                    <p:cTn id="23" fill="hold">
+                      <p:stCondLst>
+                        <p:cond delay="indefinite"/>
+                      </p:stCondLst>
+                      <p:childTnLst>
+                        <p:par>
+                          <p:cTn id="24" fill="hold">
+                            <p:stCondLst>
+                              <p:cond delay="0"/>
+                            </p:stCondLst>
+                            <p:childTnLst>
+                              <p:par>
+                                <p:cTn id="25" presetID="1" presetClass="entr" presetSubtype="0" fill="hold" grpId="0" nodeType="clickEffect">
+                                  <p:stCondLst>
+                                    <p:cond delay="0"/>
+                                  </p:stCondLst>
+                                  <p:childTnLst>
+                                    <p:set>
+                                      <p:cBhvr>
+                                        <p:cTn id="26" dur="1" fill="hold">
+                                          <p:stCondLst>
+                                            <p:cond delay="0"/>
+                                          </p:stCondLst>
+                                        </p:cTn>
+                                        <p:tgtEl>
+                                          <p:spTgt spid="18"/>
+                                        </p:tgtEl>
+                                        <p:attrNameLst>
+                                          <p:attrName>style.visibility</p:attrName>
+                                        </p:attrNameLst>
+                                      </p:cBhvr>
+                                      <p:to>
+                                        <p:strVal val="visible"/>
+                                      </p:to>
+                                    </p:set>
+                                  </p:childTnLst>
+                                </p:cTn>
+                              </p:par>
+                            </p:childTnLst>
+                          </p:cTn>
+                        </p:par>
+                      </p:childTnLst>
+                    </p:cTn>
+                  </p:par>
                 </p:childTnLst>
               </p:cTn>
               <p:prevCondLst>
@@ -32777,6 +33334,8 @@
       <p:bldP spid="8" grpId="0" animBg="1"/>
       <p:bldP spid="19" grpId="0" animBg="1"/>
       <p:bldP spid="22" grpId="0" animBg="1"/>
+      <p:bldP spid="5" grpId="0" animBg="1"/>
+      <p:bldP spid="18" grpId="0" animBg="1"/>
     </p:bldLst>
   </p:timing>
 </p:sld>

--- a/VEEPortingGuide/images/ui_overview2.pptx
+++ b/VEEPortingGuide/images/ui_overview2.pptx
@@ -5,10 +5,10 @@
     <p:sldMasterId id="2147483660" r:id="rId1"/>
   </p:sldMasterIdLst>
   <p:notesMasterIdLst>
-    <p:notesMasterId r:id="rId14"/>
+    <p:notesMasterId r:id="rId16"/>
   </p:notesMasterIdLst>
   <p:handoutMasterIdLst>
-    <p:handoutMasterId r:id="rId15"/>
+    <p:handoutMasterId r:id="rId17"/>
   </p:handoutMasterIdLst>
   <p:sldIdLst>
     <p:sldId id="256" r:id="rId2"/>
@@ -23,6 +23,8 @@
     <p:sldId id="318" r:id="rId11"/>
     <p:sldId id="317" r:id="rId12"/>
     <p:sldId id="319" r:id="rId13"/>
+    <p:sldId id="320" r:id="rId14"/>
+    <p:sldId id="321" r:id="rId15"/>
   </p:sldIdLst>
   <p:sldSz cx="12192000" cy="6858000"/>
   <p:notesSz cx="6858000" cy="9144000"/>
@@ -9645,7 +9647,7 @@
               <a:rPr lang="fr-FR" smtClean="0">
                 <a:latin typeface="Calibri Regular" charset="0"/>
               </a:rPr>
-              <a:t>mardi 6 février 2024</a:t>
+              <a:t>mercredi 7 février 2024</a:t>
             </a:fld>
             <a:endParaRPr lang="en-US" dirty="0">
               <a:latin typeface="Calibri Regular" charset="0"/>
@@ -9823,7 +9825,7 @@
           <a:p>
             <a:fld id="{885721CF-495B-2B41-A23A-4D3221F80235}" type="datetime2">
               <a:rPr lang="fr-FR" smtClean="0"/>
-              <a:t>mardi 6 février 2024</a:t>
+              <a:t>mercredi 7 février 2024</a:t>
             </a:fld>
             <a:endParaRPr lang="en-US" dirty="0"/>
           </a:p>
@@ -10144,94 +10146,7 @@
               <a:buFont typeface="Arial" panose="020B0604020202020204" pitchFamily="34" charset="0"/>
               <a:buNone/>
             </a:pPr>
-            <a:r>
-              <a:rPr lang="en-US" b="1" dirty="0"/>
-              <a:t>Stéphane</a:t>
-            </a:r>
-          </a:p>
-          <a:p>
-            <a:pPr marL="0" indent="0">
-              <a:buFont typeface="Arial" panose="020B0604020202020204" pitchFamily="34" charset="0"/>
-              <a:buNone/>
-            </a:pPr>
-            <a:endParaRPr lang="en-US" b="1" dirty="0"/>
-          </a:p>
-          <a:p>
-            <a:pPr marL="171450" lvl="0" indent="-171450">
-              <a:buFont typeface="Arial" panose="020B0604020202020204" pitchFamily="34" charset="0"/>
-              <a:buChar char="•"/>
-            </a:pPr>
-            <a:r>
-              <a:rPr lang="en-US" dirty="0"/>
-              <a:t>The LCD continuously refreshes its content by reading the data from a memory buffer.</a:t>
-            </a:r>
-          </a:p>
-          <a:p>
-            <a:pPr marL="628639" lvl="1" indent="-171450">
-              <a:buFont typeface="Arial" panose="020B0604020202020204" pitchFamily="34" charset="0"/>
-              <a:buChar char="•"/>
-            </a:pPr>
-            <a:r>
-              <a:rPr lang="en-US" dirty="0"/>
-              <a:t>The buffer size depends on the LCD size and its number of bits per pixel.</a:t>
-            </a:r>
-          </a:p>
-          <a:p>
-            <a:pPr marL="628639" lvl="1" indent="-171450">
-              <a:buFont typeface="Arial" panose="020B0604020202020204" pitchFamily="34" charset="0"/>
-              <a:buChar char="•"/>
-            </a:pPr>
-            <a:r>
-              <a:rPr lang="en-US" dirty="0"/>
-              <a:t>We cannot stop this refresh, otherwise the image fades away.</a:t>
-            </a:r>
-          </a:p>
-          <a:p>
-            <a:pPr marL="171450" lvl="0" indent="-171450">
-              <a:buFont typeface="Arial" panose="020B0604020202020204" pitchFamily="34" charset="0"/>
-              <a:buChar char="•"/>
-            </a:pPr>
-            <a:r>
-              <a:rPr lang="en-US" dirty="0"/>
-              <a:t>A new frame often appears every 16.6ms (60Hz).</a:t>
-            </a:r>
-          </a:p>
-          <a:p>
-            <a:pPr marL="171450" indent="-171450">
-              <a:buFont typeface="Arial" panose="020B0604020202020204" pitchFamily="34" charset="0"/>
-              <a:buChar char="•"/>
-            </a:pPr>
-            <a:r>
-              <a:rPr lang="en-US" dirty="0"/>
-              <a:t>The electric signals may be generated by an internal LCD controller in the LCD device or by a LCD controller in the MCU.</a:t>
-            </a:r>
-          </a:p>
-          <a:p>
-            <a:pPr marL="171450" indent="-171450">
-              <a:buFont typeface="Arial" panose="020B0604020202020204" pitchFamily="34" charset="0"/>
-              <a:buChar char="•"/>
-            </a:pPr>
-            <a:r>
-              <a:rPr lang="en-US" dirty="0"/>
-              <a:t>The electric signals frequency is several MHz</a:t>
-            </a:r>
-          </a:p>
-          <a:p>
-            <a:pPr marL="171450" indent="-171450">
-              <a:buFont typeface="Arial" panose="020B0604020202020204" pitchFamily="34" charset="0"/>
-              <a:buChar char="•"/>
-            </a:pPr>
             <a:endParaRPr lang="en-US" dirty="0"/>
-          </a:p>
-          <a:p>
-            <a:pPr marL="171450" indent="-171450">
-              <a:buFont typeface="Arial" panose="020B0604020202020204" pitchFamily="34" charset="0"/>
-              <a:buChar char="•"/>
-            </a:pPr>
-            <a:r>
-              <a:rPr lang="en-US" dirty="0"/>
-              <a:t>If we draw at the same time and in the same buffer than the LCD, we will see the drawings “one by one” instead of seeing the entire frame at once</a:t>
-            </a:r>
           </a:p>
         </p:txBody>
       </p:sp>
@@ -10315,94 +10230,7 @@
               <a:buFont typeface="Arial" panose="020B0604020202020204" pitchFamily="34" charset="0"/>
               <a:buNone/>
             </a:pPr>
-            <a:r>
-              <a:rPr lang="en-US" b="1" dirty="0"/>
-              <a:t>Stéphane</a:t>
-            </a:r>
-          </a:p>
-          <a:p>
-            <a:pPr marL="0" indent="0">
-              <a:buFont typeface="Arial" panose="020B0604020202020204" pitchFamily="34" charset="0"/>
-              <a:buNone/>
-            </a:pPr>
-            <a:endParaRPr lang="en-US" b="1" dirty="0"/>
-          </a:p>
-          <a:p>
-            <a:pPr marL="171450" lvl="0" indent="-171450">
-              <a:buFont typeface="Arial" panose="020B0604020202020204" pitchFamily="34" charset="0"/>
-              <a:buChar char="•"/>
-            </a:pPr>
-            <a:r>
-              <a:rPr lang="en-US" dirty="0"/>
-              <a:t>The LCD continuously refreshes its content by reading the data from a memory buffer.</a:t>
-            </a:r>
-          </a:p>
-          <a:p>
-            <a:pPr marL="628639" lvl="1" indent="-171450">
-              <a:buFont typeface="Arial" panose="020B0604020202020204" pitchFamily="34" charset="0"/>
-              <a:buChar char="•"/>
-            </a:pPr>
-            <a:r>
-              <a:rPr lang="en-US" dirty="0"/>
-              <a:t>The buffer size depends on the LCD size and its number of bits per pixel.</a:t>
-            </a:r>
-          </a:p>
-          <a:p>
-            <a:pPr marL="628639" lvl="1" indent="-171450">
-              <a:buFont typeface="Arial" panose="020B0604020202020204" pitchFamily="34" charset="0"/>
-              <a:buChar char="•"/>
-            </a:pPr>
-            <a:r>
-              <a:rPr lang="en-US" dirty="0"/>
-              <a:t>We cannot stop this refresh, otherwise the image fades away.</a:t>
-            </a:r>
-          </a:p>
-          <a:p>
-            <a:pPr marL="171450" lvl="0" indent="-171450">
-              <a:buFont typeface="Arial" panose="020B0604020202020204" pitchFamily="34" charset="0"/>
-              <a:buChar char="•"/>
-            </a:pPr>
-            <a:r>
-              <a:rPr lang="en-US" dirty="0"/>
-              <a:t>A new frame often appears every 16.6ms (60Hz).</a:t>
-            </a:r>
-          </a:p>
-          <a:p>
-            <a:pPr marL="171450" indent="-171450">
-              <a:buFont typeface="Arial" panose="020B0604020202020204" pitchFamily="34" charset="0"/>
-              <a:buChar char="•"/>
-            </a:pPr>
-            <a:r>
-              <a:rPr lang="en-US" dirty="0"/>
-              <a:t>The electric signals may be generated by an internal LCD controller in the LCD device or by a LCD controller in the MCU.</a:t>
-            </a:r>
-          </a:p>
-          <a:p>
-            <a:pPr marL="171450" indent="-171450">
-              <a:buFont typeface="Arial" panose="020B0604020202020204" pitchFamily="34" charset="0"/>
-              <a:buChar char="•"/>
-            </a:pPr>
-            <a:r>
-              <a:rPr lang="en-US" dirty="0"/>
-              <a:t>The electric signals frequency is several MHz</a:t>
-            </a:r>
-          </a:p>
-          <a:p>
-            <a:pPr marL="171450" indent="-171450">
-              <a:buFont typeface="Arial" panose="020B0604020202020204" pitchFamily="34" charset="0"/>
-              <a:buChar char="•"/>
-            </a:pPr>
             <a:endParaRPr lang="en-US" dirty="0"/>
-          </a:p>
-          <a:p>
-            <a:pPr marL="171450" indent="-171450">
-              <a:buFont typeface="Arial" panose="020B0604020202020204" pitchFamily="34" charset="0"/>
-              <a:buChar char="•"/>
-            </a:pPr>
-            <a:r>
-              <a:rPr lang="en-US" dirty="0"/>
-              <a:t>If we draw at the same time and in the same buffer than the LCD, we will see the drawings “one by one” instead of seeing the entire frame at once</a:t>
-            </a:r>
           </a:p>
         </p:txBody>
       </p:sp>
@@ -10486,94 +10314,7 @@
               <a:buFont typeface="Arial" panose="020B0604020202020204" pitchFamily="34" charset="0"/>
               <a:buNone/>
             </a:pPr>
-            <a:r>
-              <a:rPr lang="en-US" b="1" dirty="0"/>
-              <a:t>Stéphane</a:t>
-            </a:r>
-          </a:p>
-          <a:p>
-            <a:pPr marL="0" indent="0">
-              <a:buFont typeface="Arial" panose="020B0604020202020204" pitchFamily="34" charset="0"/>
-              <a:buNone/>
-            </a:pPr>
-            <a:endParaRPr lang="en-US" b="1" dirty="0"/>
-          </a:p>
-          <a:p>
-            <a:pPr marL="171450" lvl="0" indent="-171450">
-              <a:buFont typeface="Arial" panose="020B0604020202020204" pitchFamily="34" charset="0"/>
-              <a:buChar char="•"/>
-            </a:pPr>
-            <a:r>
-              <a:rPr lang="en-US" dirty="0"/>
-              <a:t>The LCD continuously refreshes its content by reading the data from a memory buffer.</a:t>
-            </a:r>
-          </a:p>
-          <a:p>
-            <a:pPr marL="628639" lvl="1" indent="-171450">
-              <a:buFont typeface="Arial" panose="020B0604020202020204" pitchFamily="34" charset="0"/>
-              <a:buChar char="•"/>
-            </a:pPr>
-            <a:r>
-              <a:rPr lang="en-US" dirty="0"/>
-              <a:t>The buffer size depends on the LCD size and its number of bits per pixel.</a:t>
-            </a:r>
-          </a:p>
-          <a:p>
-            <a:pPr marL="628639" lvl="1" indent="-171450">
-              <a:buFont typeface="Arial" panose="020B0604020202020204" pitchFamily="34" charset="0"/>
-              <a:buChar char="•"/>
-            </a:pPr>
-            <a:r>
-              <a:rPr lang="en-US" dirty="0"/>
-              <a:t>We cannot stop this refresh, otherwise the image fades away.</a:t>
-            </a:r>
-          </a:p>
-          <a:p>
-            <a:pPr marL="171450" lvl="0" indent="-171450">
-              <a:buFont typeface="Arial" panose="020B0604020202020204" pitchFamily="34" charset="0"/>
-              <a:buChar char="•"/>
-            </a:pPr>
-            <a:r>
-              <a:rPr lang="en-US" dirty="0"/>
-              <a:t>A new frame often appears every 16.6ms (60Hz).</a:t>
-            </a:r>
-          </a:p>
-          <a:p>
-            <a:pPr marL="171450" indent="-171450">
-              <a:buFont typeface="Arial" panose="020B0604020202020204" pitchFamily="34" charset="0"/>
-              <a:buChar char="•"/>
-            </a:pPr>
-            <a:r>
-              <a:rPr lang="en-US" dirty="0"/>
-              <a:t>The electric signals may be generated by an internal LCD controller in the LCD device or by a LCD controller in the MCU.</a:t>
-            </a:r>
-          </a:p>
-          <a:p>
-            <a:pPr marL="171450" indent="-171450">
-              <a:buFont typeface="Arial" panose="020B0604020202020204" pitchFamily="34" charset="0"/>
-              <a:buChar char="•"/>
-            </a:pPr>
-            <a:r>
-              <a:rPr lang="en-US" dirty="0"/>
-              <a:t>The electric signals frequency is several MHz</a:t>
-            </a:r>
-          </a:p>
-          <a:p>
-            <a:pPr marL="171450" indent="-171450">
-              <a:buFont typeface="Arial" panose="020B0604020202020204" pitchFamily="34" charset="0"/>
-              <a:buChar char="•"/>
-            </a:pPr>
             <a:endParaRPr lang="en-US" dirty="0"/>
-          </a:p>
-          <a:p>
-            <a:pPr marL="171450" indent="-171450">
-              <a:buFont typeface="Arial" panose="020B0604020202020204" pitchFamily="34" charset="0"/>
-              <a:buChar char="•"/>
-            </a:pPr>
-            <a:r>
-              <a:rPr lang="en-US" dirty="0"/>
-              <a:t>If we draw at the same time and in the same buffer than the LCD, we will see the drawings “one by one” instead of seeing the entire frame at once</a:t>
-            </a:r>
           </a:p>
         </p:txBody>
       </p:sp>
@@ -10600,6 +10341,174 @@
     <p:extLst>
       <p:ext uri="{BB962C8B-B14F-4D97-AF65-F5344CB8AC3E}">
         <p14:creationId xmlns:p14="http://schemas.microsoft.com/office/powerpoint/2010/main" val="858701620"/>
+      </p:ext>
+    </p:extLst>
+  </p:cSld>
+  <p:clrMapOvr>
+    <a:masterClrMapping/>
+  </p:clrMapOvr>
+</p:notes>
+</file>
+
+<file path=ppt/notesSlides/notesSlide12.xml><?xml version="1.0" encoding="utf-8"?>
+<p:notes xmlns:a="http://schemas.openxmlformats.org/drawingml/2006/main" xmlns:r="http://schemas.openxmlformats.org/officeDocument/2006/relationships" xmlns:p="http://schemas.openxmlformats.org/presentationml/2006/main">
+  <p:cSld>
+    <p:spTree>
+      <p:nvGrpSpPr>
+        <p:cNvPr id="1" name=""/>
+        <p:cNvGrpSpPr/>
+        <p:nvPr/>
+      </p:nvGrpSpPr>
+      <p:grpSpPr>
+        <a:xfrm>
+          <a:off x="0" y="0"/>
+          <a:ext cx="0" cy="0"/>
+          <a:chOff x="0" y="0"/>
+          <a:chExt cx="0" cy="0"/>
+        </a:xfrm>
+      </p:grpSpPr>
+      <p:sp>
+        <p:nvSpPr>
+          <p:cNvPr id="2" name="Slide Image Placeholder 1"/>
+          <p:cNvSpPr>
+            <a:spLocks noGrp="1" noRot="1" noChangeAspect="1"/>
+          </p:cNvSpPr>
+          <p:nvPr>
+            <p:ph type="sldImg"/>
+          </p:nvPr>
+        </p:nvSpPr>
+        <p:spPr/>
+      </p:sp>
+      <p:sp>
+        <p:nvSpPr>
+          <p:cNvPr id="3" name="Notes Placeholder 2"/>
+          <p:cNvSpPr>
+            <a:spLocks noGrp="1"/>
+          </p:cNvSpPr>
+          <p:nvPr>
+            <p:ph type="body" idx="1"/>
+          </p:nvPr>
+        </p:nvSpPr>
+        <p:spPr/>
+        <p:txBody>
+          <a:bodyPr/>
+          <a:lstStyle/>
+          <a:p>
+            <a:pPr marL="0" indent="0">
+              <a:buFont typeface="Arial" panose="020B0604020202020204" pitchFamily="34" charset="0"/>
+              <a:buNone/>
+            </a:pPr>
+            <a:endParaRPr lang="en-US" dirty="0"/>
+          </a:p>
+        </p:txBody>
+      </p:sp>
+      <p:sp>
+        <p:nvSpPr>
+          <p:cNvPr id="4" name="Footer Placeholder 3"/>
+          <p:cNvSpPr>
+            <a:spLocks noGrp="1"/>
+          </p:cNvSpPr>
+          <p:nvPr>
+            <p:ph type="ftr" sz="quarter" idx="4"/>
+          </p:nvPr>
+        </p:nvSpPr>
+        <p:spPr/>
+        <p:txBody>
+          <a:bodyPr/>
+          <a:lstStyle/>
+          <a:p>
+            <a:endParaRPr lang="en-US" dirty="0"/>
+          </a:p>
+        </p:txBody>
+      </p:sp>
+    </p:spTree>
+    <p:extLst>
+      <p:ext uri="{BB962C8B-B14F-4D97-AF65-F5344CB8AC3E}">
+        <p14:creationId xmlns:p14="http://schemas.microsoft.com/office/powerpoint/2010/main" val="3764272466"/>
+      </p:ext>
+    </p:extLst>
+  </p:cSld>
+  <p:clrMapOvr>
+    <a:masterClrMapping/>
+  </p:clrMapOvr>
+</p:notes>
+</file>
+
+<file path=ppt/notesSlides/notesSlide13.xml><?xml version="1.0" encoding="utf-8"?>
+<p:notes xmlns:a="http://schemas.openxmlformats.org/drawingml/2006/main" xmlns:r="http://schemas.openxmlformats.org/officeDocument/2006/relationships" xmlns:p="http://schemas.openxmlformats.org/presentationml/2006/main">
+  <p:cSld>
+    <p:spTree>
+      <p:nvGrpSpPr>
+        <p:cNvPr id="1" name=""/>
+        <p:cNvGrpSpPr/>
+        <p:nvPr/>
+      </p:nvGrpSpPr>
+      <p:grpSpPr>
+        <a:xfrm>
+          <a:off x="0" y="0"/>
+          <a:ext cx="0" cy="0"/>
+          <a:chOff x="0" y="0"/>
+          <a:chExt cx="0" cy="0"/>
+        </a:xfrm>
+      </p:grpSpPr>
+      <p:sp>
+        <p:nvSpPr>
+          <p:cNvPr id="2" name="Slide Image Placeholder 1"/>
+          <p:cNvSpPr>
+            <a:spLocks noGrp="1" noRot="1" noChangeAspect="1"/>
+          </p:cNvSpPr>
+          <p:nvPr>
+            <p:ph type="sldImg"/>
+          </p:nvPr>
+        </p:nvSpPr>
+        <p:spPr/>
+      </p:sp>
+      <p:sp>
+        <p:nvSpPr>
+          <p:cNvPr id="3" name="Notes Placeholder 2"/>
+          <p:cNvSpPr>
+            <a:spLocks noGrp="1"/>
+          </p:cNvSpPr>
+          <p:nvPr>
+            <p:ph type="body" idx="1"/>
+          </p:nvPr>
+        </p:nvSpPr>
+        <p:spPr/>
+        <p:txBody>
+          <a:bodyPr/>
+          <a:lstStyle/>
+          <a:p>
+            <a:pPr marL="0" indent="0">
+              <a:buFont typeface="Arial" panose="020B0604020202020204" pitchFamily="34" charset="0"/>
+              <a:buNone/>
+            </a:pPr>
+            <a:endParaRPr lang="en-US" dirty="0"/>
+          </a:p>
+        </p:txBody>
+      </p:sp>
+      <p:sp>
+        <p:nvSpPr>
+          <p:cNvPr id="4" name="Footer Placeholder 3"/>
+          <p:cNvSpPr>
+            <a:spLocks noGrp="1"/>
+          </p:cNvSpPr>
+          <p:nvPr>
+            <p:ph type="ftr" sz="quarter" idx="4"/>
+          </p:nvPr>
+        </p:nvSpPr>
+        <p:spPr/>
+        <p:txBody>
+          <a:bodyPr/>
+          <a:lstStyle/>
+          <a:p>
+            <a:endParaRPr lang="en-US" dirty="0"/>
+          </a:p>
+        </p:txBody>
+      </p:sp>
+    </p:spTree>
+    <p:extLst>
+      <p:ext uri="{BB962C8B-B14F-4D97-AF65-F5344CB8AC3E}">
+        <p14:creationId xmlns:p14="http://schemas.microsoft.com/office/powerpoint/2010/main" val="296598514"/>
       </p:ext>
     </p:extLst>
   </p:cSld>
@@ -10657,94 +10566,7 @@
               <a:buFont typeface="Arial" panose="020B0604020202020204" pitchFamily="34" charset="0"/>
               <a:buNone/>
             </a:pPr>
-            <a:r>
-              <a:rPr lang="en-US" b="1" dirty="0"/>
-              <a:t>Stéphane</a:t>
-            </a:r>
-          </a:p>
-          <a:p>
-            <a:pPr marL="0" indent="0">
-              <a:buFont typeface="Arial" panose="020B0604020202020204" pitchFamily="34" charset="0"/>
-              <a:buNone/>
-            </a:pPr>
-            <a:endParaRPr lang="en-US" b="1" dirty="0"/>
-          </a:p>
-          <a:p>
-            <a:pPr marL="171450" lvl="0" indent="-171450">
-              <a:buFont typeface="Arial" panose="020B0604020202020204" pitchFamily="34" charset="0"/>
-              <a:buChar char="•"/>
-            </a:pPr>
-            <a:r>
-              <a:rPr lang="en-US" dirty="0"/>
-              <a:t>The LCD continuously refreshes its content by reading the data from a memory buffer.</a:t>
-            </a:r>
-          </a:p>
-          <a:p>
-            <a:pPr marL="628639" lvl="1" indent="-171450">
-              <a:buFont typeface="Arial" panose="020B0604020202020204" pitchFamily="34" charset="0"/>
-              <a:buChar char="•"/>
-            </a:pPr>
-            <a:r>
-              <a:rPr lang="en-US" dirty="0"/>
-              <a:t>The buffer size depends on the LCD size and its number of bits per pixel.</a:t>
-            </a:r>
-          </a:p>
-          <a:p>
-            <a:pPr marL="628639" lvl="1" indent="-171450">
-              <a:buFont typeface="Arial" panose="020B0604020202020204" pitchFamily="34" charset="0"/>
-              <a:buChar char="•"/>
-            </a:pPr>
-            <a:r>
-              <a:rPr lang="en-US" dirty="0"/>
-              <a:t>We cannot stop this refresh, otherwise the image fades away.</a:t>
-            </a:r>
-          </a:p>
-          <a:p>
-            <a:pPr marL="171450" lvl="0" indent="-171450">
-              <a:buFont typeface="Arial" panose="020B0604020202020204" pitchFamily="34" charset="0"/>
-              <a:buChar char="•"/>
-            </a:pPr>
-            <a:r>
-              <a:rPr lang="en-US" dirty="0"/>
-              <a:t>A new frame often appears every 16.6ms (60Hz).</a:t>
-            </a:r>
-          </a:p>
-          <a:p>
-            <a:pPr marL="171450" indent="-171450">
-              <a:buFont typeface="Arial" panose="020B0604020202020204" pitchFamily="34" charset="0"/>
-              <a:buChar char="•"/>
-            </a:pPr>
-            <a:r>
-              <a:rPr lang="en-US" dirty="0"/>
-              <a:t>The electric signals may be generated by an internal LCD controller in the LCD device or by a LCD controller in the MCU.</a:t>
-            </a:r>
-          </a:p>
-          <a:p>
-            <a:pPr marL="171450" indent="-171450">
-              <a:buFont typeface="Arial" panose="020B0604020202020204" pitchFamily="34" charset="0"/>
-              <a:buChar char="•"/>
-            </a:pPr>
-            <a:r>
-              <a:rPr lang="en-US" dirty="0"/>
-              <a:t>The electric signals frequency is several MHz</a:t>
-            </a:r>
-          </a:p>
-          <a:p>
-            <a:pPr marL="171450" indent="-171450">
-              <a:buFont typeface="Arial" panose="020B0604020202020204" pitchFamily="34" charset="0"/>
-              <a:buChar char="•"/>
-            </a:pPr>
             <a:endParaRPr lang="en-US" dirty="0"/>
-          </a:p>
-          <a:p>
-            <a:pPr marL="171450" indent="-171450">
-              <a:buFont typeface="Arial" panose="020B0604020202020204" pitchFamily="34" charset="0"/>
-              <a:buChar char="•"/>
-            </a:pPr>
-            <a:r>
-              <a:rPr lang="en-US" dirty="0"/>
-              <a:t>If we draw at the same time and in the same buffer than the LCD, we will see the drawings “one by one” instead of seeing the entire frame at once</a:t>
-            </a:r>
           </a:p>
         </p:txBody>
       </p:sp>
@@ -10828,94 +10650,7 @@
               <a:buFont typeface="Arial" panose="020B0604020202020204" pitchFamily="34" charset="0"/>
               <a:buNone/>
             </a:pPr>
-            <a:r>
-              <a:rPr lang="en-US" b="1" dirty="0"/>
-              <a:t>Stéphane</a:t>
-            </a:r>
-          </a:p>
-          <a:p>
-            <a:pPr marL="0" indent="0">
-              <a:buFont typeface="Arial" panose="020B0604020202020204" pitchFamily="34" charset="0"/>
-              <a:buNone/>
-            </a:pPr>
-            <a:endParaRPr lang="en-US" b="1" dirty="0"/>
-          </a:p>
-          <a:p>
-            <a:pPr marL="171450" lvl="0" indent="-171450">
-              <a:buFont typeface="Arial" panose="020B0604020202020204" pitchFamily="34" charset="0"/>
-              <a:buChar char="•"/>
-            </a:pPr>
-            <a:r>
-              <a:rPr lang="en-US" dirty="0"/>
-              <a:t>The LCD continuously refreshes its content by reading the data from a memory buffer.</a:t>
-            </a:r>
-          </a:p>
-          <a:p>
-            <a:pPr marL="628639" lvl="1" indent="-171450">
-              <a:buFont typeface="Arial" panose="020B0604020202020204" pitchFamily="34" charset="0"/>
-              <a:buChar char="•"/>
-            </a:pPr>
-            <a:r>
-              <a:rPr lang="en-US" dirty="0"/>
-              <a:t>The buffer size depends on the LCD size and its number of bits per pixel.</a:t>
-            </a:r>
-          </a:p>
-          <a:p>
-            <a:pPr marL="628639" lvl="1" indent="-171450">
-              <a:buFont typeface="Arial" panose="020B0604020202020204" pitchFamily="34" charset="0"/>
-              <a:buChar char="•"/>
-            </a:pPr>
-            <a:r>
-              <a:rPr lang="en-US" dirty="0"/>
-              <a:t>We cannot stop this refresh, otherwise the image fades away.</a:t>
-            </a:r>
-          </a:p>
-          <a:p>
-            <a:pPr marL="171450" lvl="0" indent="-171450">
-              <a:buFont typeface="Arial" panose="020B0604020202020204" pitchFamily="34" charset="0"/>
-              <a:buChar char="•"/>
-            </a:pPr>
-            <a:r>
-              <a:rPr lang="en-US" dirty="0"/>
-              <a:t>A new frame often appears every 16.6ms (60Hz).</a:t>
-            </a:r>
-          </a:p>
-          <a:p>
-            <a:pPr marL="171450" indent="-171450">
-              <a:buFont typeface="Arial" panose="020B0604020202020204" pitchFamily="34" charset="0"/>
-              <a:buChar char="•"/>
-            </a:pPr>
-            <a:r>
-              <a:rPr lang="en-US" dirty="0"/>
-              <a:t>The electric signals may be generated by an internal LCD controller in the LCD device or by a LCD controller in the MCU.</a:t>
-            </a:r>
-          </a:p>
-          <a:p>
-            <a:pPr marL="171450" indent="-171450">
-              <a:buFont typeface="Arial" panose="020B0604020202020204" pitchFamily="34" charset="0"/>
-              <a:buChar char="•"/>
-            </a:pPr>
-            <a:r>
-              <a:rPr lang="en-US" dirty="0"/>
-              <a:t>The electric signals frequency is several MHz</a:t>
-            </a:r>
-          </a:p>
-          <a:p>
-            <a:pPr marL="171450" indent="-171450">
-              <a:buFont typeface="Arial" panose="020B0604020202020204" pitchFamily="34" charset="0"/>
-              <a:buChar char="•"/>
-            </a:pPr>
             <a:endParaRPr lang="en-US" dirty="0"/>
-          </a:p>
-          <a:p>
-            <a:pPr marL="171450" indent="-171450">
-              <a:buFont typeface="Arial" panose="020B0604020202020204" pitchFamily="34" charset="0"/>
-              <a:buChar char="•"/>
-            </a:pPr>
-            <a:r>
-              <a:rPr lang="en-US" dirty="0"/>
-              <a:t>If we draw at the same time and in the same buffer than the LCD, we will see the drawings “one by one” instead of seeing the entire frame at once</a:t>
-            </a:r>
           </a:p>
         </p:txBody>
       </p:sp>
@@ -10999,94 +10734,7 @@
               <a:buFont typeface="Arial" panose="020B0604020202020204" pitchFamily="34" charset="0"/>
               <a:buNone/>
             </a:pPr>
-            <a:r>
-              <a:rPr lang="en-US" b="1" dirty="0"/>
-              <a:t>Stéphane</a:t>
-            </a:r>
-          </a:p>
-          <a:p>
-            <a:pPr marL="0" indent="0">
-              <a:buFont typeface="Arial" panose="020B0604020202020204" pitchFamily="34" charset="0"/>
-              <a:buNone/>
-            </a:pPr>
-            <a:endParaRPr lang="en-US" b="1" dirty="0"/>
-          </a:p>
-          <a:p>
-            <a:pPr marL="171450" lvl="0" indent="-171450">
-              <a:buFont typeface="Arial" panose="020B0604020202020204" pitchFamily="34" charset="0"/>
-              <a:buChar char="•"/>
-            </a:pPr>
-            <a:r>
-              <a:rPr lang="en-US" dirty="0"/>
-              <a:t>The LCD continuously refreshes its content by reading the data from a memory buffer.</a:t>
-            </a:r>
-          </a:p>
-          <a:p>
-            <a:pPr marL="628639" lvl="1" indent="-171450">
-              <a:buFont typeface="Arial" panose="020B0604020202020204" pitchFamily="34" charset="0"/>
-              <a:buChar char="•"/>
-            </a:pPr>
-            <a:r>
-              <a:rPr lang="en-US" dirty="0"/>
-              <a:t>The buffer size depends on the LCD size and its number of bits per pixel.</a:t>
-            </a:r>
-          </a:p>
-          <a:p>
-            <a:pPr marL="628639" lvl="1" indent="-171450">
-              <a:buFont typeface="Arial" panose="020B0604020202020204" pitchFamily="34" charset="0"/>
-              <a:buChar char="•"/>
-            </a:pPr>
-            <a:r>
-              <a:rPr lang="en-US" dirty="0"/>
-              <a:t>We cannot stop this refresh, otherwise the image fades away.</a:t>
-            </a:r>
-          </a:p>
-          <a:p>
-            <a:pPr marL="171450" lvl="0" indent="-171450">
-              <a:buFont typeface="Arial" panose="020B0604020202020204" pitchFamily="34" charset="0"/>
-              <a:buChar char="•"/>
-            </a:pPr>
-            <a:r>
-              <a:rPr lang="en-US" dirty="0"/>
-              <a:t>A new frame often appears every 16.6ms (60Hz).</a:t>
-            </a:r>
-          </a:p>
-          <a:p>
-            <a:pPr marL="171450" indent="-171450">
-              <a:buFont typeface="Arial" panose="020B0604020202020204" pitchFamily="34" charset="0"/>
-              <a:buChar char="•"/>
-            </a:pPr>
-            <a:r>
-              <a:rPr lang="en-US" dirty="0"/>
-              <a:t>The electric signals may be generated by an internal LCD controller in the LCD device or by a LCD controller in the MCU.</a:t>
-            </a:r>
-          </a:p>
-          <a:p>
-            <a:pPr marL="171450" indent="-171450">
-              <a:buFont typeface="Arial" panose="020B0604020202020204" pitchFamily="34" charset="0"/>
-              <a:buChar char="•"/>
-            </a:pPr>
-            <a:r>
-              <a:rPr lang="en-US" dirty="0"/>
-              <a:t>The electric signals frequency is several MHz</a:t>
-            </a:r>
-          </a:p>
-          <a:p>
-            <a:pPr marL="171450" indent="-171450">
-              <a:buFont typeface="Arial" panose="020B0604020202020204" pitchFamily="34" charset="0"/>
-              <a:buChar char="•"/>
-            </a:pPr>
             <a:endParaRPr lang="en-US" dirty="0"/>
-          </a:p>
-          <a:p>
-            <a:pPr marL="171450" indent="-171450">
-              <a:buFont typeface="Arial" panose="020B0604020202020204" pitchFamily="34" charset="0"/>
-              <a:buChar char="•"/>
-            </a:pPr>
-            <a:r>
-              <a:rPr lang="en-US" dirty="0"/>
-              <a:t>If we draw at the same time and in the same buffer than the LCD, we will see the drawings “one by one” instead of seeing the entire frame at once</a:t>
-            </a:r>
           </a:p>
         </p:txBody>
       </p:sp>
@@ -11170,94 +10818,7 @@
               <a:buFont typeface="Arial" panose="020B0604020202020204" pitchFamily="34" charset="0"/>
               <a:buNone/>
             </a:pPr>
-            <a:r>
-              <a:rPr lang="en-US" b="1" dirty="0"/>
-              <a:t>Stéphane</a:t>
-            </a:r>
-          </a:p>
-          <a:p>
-            <a:pPr marL="0" indent="0">
-              <a:buFont typeface="Arial" panose="020B0604020202020204" pitchFamily="34" charset="0"/>
-              <a:buNone/>
-            </a:pPr>
-            <a:endParaRPr lang="en-US" b="1" dirty="0"/>
-          </a:p>
-          <a:p>
-            <a:pPr marL="171450" lvl="0" indent="-171450">
-              <a:buFont typeface="Arial" panose="020B0604020202020204" pitchFamily="34" charset="0"/>
-              <a:buChar char="•"/>
-            </a:pPr>
-            <a:r>
-              <a:rPr lang="en-US" dirty="0"/>
-              <a:t>The LCD continuously refreshes its content by reading the data from a memory buffer.</a:t>
-            </a:r>
-          </a:p>
-          <a:p>
-            <a:pPr marL="628639" lvl="1" indent="-171450">
-              <a:buFont typeface="Arial" panose="020B0604020202020204" pitchFamily="34" charset="0"/>
-              <a:buChar char="•"/>
-            </a:pPr>
-            <a:r>
-              <a:rPr lang="en-US" dirty="0"/>
-              <a:t>The buffer size depends on the LCD size and its number of bits per pixel.</a:t>
-            </a:r>
-          </a:p>
-          <a:p>
-            <a:pPr marL="628639" lvl="1" indent="-171450">
-              <a:buFont typeface="Arial" panose="020B0604020202020204" pitchFamily="34" charset="0"/>
-              <a:buChar char="•"/>
-            </a:pPr>
-            <a:r>
-              <a:rPr lang="en-US" dirty="0"/>
-              <a:t>We cannot stop this refresh, otherwise the image fades away.</a:t>
-            </a:r>
-          </a:p>
-          <a:p>
-            <a:pPr marL="171450" lvl="0" indent="-171450">
-              <a:buFont typeface="Arial" panose="020B0604020202020204" pitchFamily="34" charset="0"/>
-              <a:buChar char="•"/>
-            </a:pPr>
-            <a:r>
-              <a:rPr lang="en-US" dirty="0"/>
-              <a:t>A new frame often appears every 16.6ms (60Hz).</a:t>
-            </a:r>
-          </a:p>
-          <a:p>
-            <a:pPr marL="171450" indent="-171450">
-              <a:buFont typeface="Arial" panose="020B0604020202020204" pitchFamily="34" charset="0"/>
-              <a:buChar char="•"/>
-            </a:pPr>
-            <a:r>
-              <a:rPr lang="en-US" dirty="0"/>
-              <a:t>The electric signals may be generated by an internal LCD controller in the LCD device or by a LCD controller in the MCU.</a:t>
-            </a:r>
-          </a:p>
-          <a:p>
-            <a:pPr marL="171450" indent="-171450">
-              <a:buFont typeface="Arial" panose="020B0604020202020204" pitchFamily="34" charset="0"/>
-              <a:buChar char="•"/>
-            </a:pPr>
-            <a:r>
-              <a:rPr lang="en-US" dirty="0"/>
-              <a:t>The electric signals frequency is several MHz</a:t>
-            </a:r>
-          </a:p>
-          <a:p>
-            <a:pPr marL="171450" indent="-171450">
-              <a:buFont typeface="Arial" panose="020B0604020202020204" pitchFamily="34" charset="0"/>
-              <a:buChar char="•"/>
-            </a:pPr>
             <a:endParaRPr lang="en-US" dirty="0"/>
-          </a:p>
-          <a:p>
-            <a:pPr marL="171450" indent="-171450">
-              <a:buFont typeface="Arial" panose="020B0604020202020204" pitchFamily="34" charset="0"/>
-              <a:buChar char="•"/>
-            </a:pPr>
-            <a:r>
-              <a:rPr lang="en-US" dirty="0"/>
-              <a:t>If we draw at the same time and in the same buffer than the LCD, we will see the drawings “one by one” instead of seeing the entire frame at once</a:t>
-            </a:r>
           </a:p>
         </p:txBody>
       </p:sp>
@@ -11341,94 +10902,7 @@
               <a:buFont typeface="Arial" panose="020B0604020202020204" pitchFamily="34" charset="0"/>
               <a:buNone/>
             </a:pPr>
-            <a:r>
-              <a:rPr lang="en-US" b="1" dirty="0"/>
-              <a:t>Stéphane</a:t>
-            </a:r>
-          </a:p>
-          <a:p>
-            <a:pPr marL="0" indent="0">
-              <a:buFont typeface="Arial" panose="020B0604020202020204" pitchFamily="34" charset="0"/>
-              <a:buNone/>
-            </a:pPr>
-            <a:endParaRPr lang="en-US" b="1" dirty="0"/>
-          </a:p>
-          <a:p>
-            <a:pPr marL="171450" lvl="0" indent="-171450">
-              <a:buFont typeface="Arial" panose="020B0604020202020204" pitchFamily="34" charset="0"/>
-              <a:buChar char="•"/>
-            </a:pPr>
-            <a:r>
-              <a:rPr lang="en-US" dirty="0"/>
-              <a:t>The LCD continuously refreshes its content by reading the data from a memory buffer.</a:t>
-            </a:r>
-          </a:p>
-          <a:p>
-            <a:pPr marL="628639" lvl="1" indent="-171450">
-              <a:buFont typeface="Arial" panose="020B0604020202020204" pitchFamily="34" charset="0"/>
-              <a:buChar char="•"/>
-            </a:pPr>
-            <a:r>
-              <a:rPr lang="en-US" dirty="0"/>
-              <a:t>The buffer size depends on the LCD size and its number of bits per pixel.</a:t>
-            </a:r>
-          </a:p>
-          <a:p>
-            <a:pPr marL="628639" lvl="1" indent="-171450">
-              <a:buFont typeface="Arial" panose="020B0604020202020204" pitchFamily="34" charset="0"/>
-              <a:buChar char="•"/>
-            </a:pPr>
-            <a:r>
-              <a:rPr lang="en-US" dirty="0"/>
-              <a:t>We cannot stop this refresh, otherwise the image fades away.</a:t>
-            </a:r>
-          </a:p>
-          <a:p>
-            <a:pPr marL="171450" lvl="0" indent="-171450">
-              <a:buFont typeface="Arial" panose="020B0604020202020204" pitchFamily="34" charset="0"/>
-              <a:buChar char="•"/>
-            </a:pPr>
-            <a:r>
-              <a:rPr lang="en-US" dirty="0"/>
-              <a:t>A new frame often appears every 16.6ms (60Hz).</a:t>
-            </a:r>
-          </a:p>
-          <a:p>
-            <a:pPr marL="171450" indent="-171450">
-              <a:buFont typeface="Arial" panose="020B0604020202020204" pitchFamily="34" charset="0"/>
-              <a:buChar char="•"/>
-            </a:pPr>
-            <a:r>
-              <a:rPr lang="en-US" dirty="0"/>
-              <a:t>The electric signals may be generated by an internal LCD controller in the LCD device or by a LCD controller in the MCU.</a:t>
-            </a:r>
-          </a:p>
-          <a:p>
-            <a:pPr marL="171450" indent="-171450">
-              <a:buFont typeface="Arial" panose="020B0604020202020204" pitchFamily="34" charset="0"/>
-              <a:buChar char="•"/>
-            </a:pPr>
-            <a:r>
-              <a:rPr lang="en-US" dirty="0"/>
-              <a:t>The electric signals frequency is several MHz</a:t>
-            </a:r>
-          </a:p>
-          <a:p>
-            <a:pPr marL="171450" indent="-171450">
-              <a:buFont typeface="Arial" panose="020B0604020202020204" pitchFamily="34" charset="0"/>
-              <a:buChar char="•"/>
-            </a:pPr>
             <a:endParaRPr lang="en-US" dirty="0"/>
-          </a:p>
-          <a:p>
-            <a:pPr marL="171450" indent="-171450">
-              <a:buFont typeface="Arial" panose="020B0604020202020204" pitchFamily="34" charset="0"/>
-              <a:buChar char="•"/>
-            </a:pPr>
-            <a:r>
-              <a:rPr lang="en-US" dirty="0"/>
-              <a:t>If we draw at the same time and in the same buffer than the LCD, we will see the drawings “one by one” instead of seeing the entire frame at once</a:t>
-            </a:r>
           </a:p>
         </p:txBody>
       </p:sp>
@@ -11512,94 +10986,7 @@
               <a:buFont typeface="Arial" panose="020B0604020202020204" pitchFamily="34" charset="0"/>
               <a:buNone/>
             </a:pPr>
-            <a:r>
-              <a:rPr lang="en-US" b="1" dirty="0"/>
-              <a:t>Stéphane</a:t>
-            </a:r>
-          </a:p>
-          <a:p>
-            <a:pPr marL="0" indent="0">
-              <a:buFont typeface="Arial" panose="020B0604020202020204" pitchFamily="34" charset="0"/>
-              <a:buNone/>
-            </a:pPr>
-            <a:endParaRPr lang="en-US" b="1" dirty="0"/>
-          </a:p>
-          <a:p>
-            <a:pPr marL="171450" lvl="0" indent="-171450">
-              <a:buFont typeface="Arial" panose="020B0604020202020204" pitchFamily="34" charset="0"/>
-              <a:buChar char="•"/>
-            </a:pPr>
-            <a:r>
-              <a:rPr lang="en-US" dirty="0"/>
-              <a:t>The LCD continuously refreshes its content by reading the data from a memory buffer.</a:t>
-            </a:r>
-          </a:p>
-          <a:p>
-            <a:pPr marL="628639" lvl="1" indent="-171450">
-              <a:buFont typeface="Arial" panose="020B0604020202020204" pitchFamily="34" charset="0"/>
-              <a:buChar char="•"/>
-            </a:pPr>
-            <a:r>
-              <a:rPr lang="en-US" dirty="0"/>
-              <a:t>The buffer size depends on the LCD size and its number of bits per pixel.</a:t>
-            </a:r>
-          </a:p>
-          <a:p>
-            <a:pPr marL="628639" lvl="1" indent="-171450">
-              <a:buFont typeface="Arial" panose="020B0604020202020204" pitchFamily="34" charset="0"/>
-              <a:buChar char="•"/>
-            </a:pPr>
-            <a:r>
-              <a:rPr lang="en-US" dirty="0"/>
-              <a:t>We cannot stop this refresh, otherwise the image fades away.</a:t>
-            </a:r>
-          </a:p>
-          <a:p>
-            <a:pPr marL="171450" lvl="0" indent="-171450">
-              <a:buFont typeface="Arial" panose="020B0604020202020204" pitchFamily="34" charset="0"/>
-              <a:buChar char="•"/>
-            </a:pPr>
-            <a:r>
-              <a:rPr lang="en-US" dirty="0"/>
-              <a:t>A new frame often appears every 16.6ms (60Hz).</a:t>
-            </a:r>
-          </a:p>
-          <a:p>
-            <a:pPr marL="171450" indent="-171450">
-              <a:buFont typeface="Arial" panose="020B0604020202020204" pitchFamily="34" charset="0"/>
-              <a:buChar char="•"/>
-            </a:pPr>
-            <a:r>
-              <a:rPr lang="en-US" dirty="0"/>
-              <a:t>The electric signals may be generated by an internal LCD controller in the LCD device or by a LCD controller in the MCU.</a:t>
-            </a:r>
-          </a:p>
-          <a:p>
-            <a:pPr marL="171450" indent="-171450">
-              <a:buFont typeface="Arial" panose="020B0604020202020204" pitchFamily="34" charset="0"/>
-              <a:buChar char="•"/>
-            </a:pPr>
-            <a:r>
-              <a:rPr lang="en-US" dirty="0"/>
-              <a:t>The electric signals frequency is several MHz</a:t>
-            </a:r>
-          </a:p>
-          <a:p>
-            <a:pPr marL="171450" indent="-171450">
-              <a:buFont typeface="Arial" panose="020B0604020202020204" pitchFamily="34" charset="0"/>
-              <a:buChar char="•"/>
-            </a:pPr>
             <a:endParaRPr lang="en-US" dirty="0"/>
-          </a:p>
-          <a:p>
-            <a:pPr marL="171450" indent="-171450">
-              <a:buFont typeface="Arial" panose="020B0604020202020204" pitchFamily="34" charset="0"/>
-              <a:buChar char="•"/>
-            </a:pPr>
-            <a:r>
-              <a:rPr lang="en-US" dirty="0"/>
-              <a:t>If we draw at the same time and in the same buffer than the LCD, we will see the drawings “one by one” instead of seeing the entire frame at once</a:t>
-            </a:r>
           </a:p>
         </p:txBody>
       </p:sp>
@@ -11683,94 +11070,7 @@
               <a:buFont typeface="Arial" panose="020B0604020202020204" pitchFamily="34" charset="0"/>
               <a:buNone/>
             </a:pPr>
-            <a:r>
-              <a:rPr lang="en-US" b="1" dirty="0"/>
-              <a:t>Stéphane</a:t>
-            </a:r>
-          </a:p>
-          <a:p>
-            <a:pPr marL="0" indent="0">
-              <a:buFont typeface="Arial" panose="020B0604020202020204" pitchFamily="34" charset="0"/>
-              <a:buNone/>
-            </a:pPr>
-            <a:endParaRPr lang="en-US" b="1" dirty="0"/>
-          </a:p>
-          <a:p>
-            <a:pPr marL="171450" lvl="0" indent="-171450">
-              <a:buFont typeface="Arial" panose="020B0604020202020204" pitchFamily="34" charset="0"/>
-              <a:buChar char="•"/>
-            </a:pPr>
-            <a:r>
-              <a:rPr lang="en-US" dirty="0"/>
-              <a:t>The LCD continuously refreshes its content by reading the data from a memory buffer.</a:t>
-            </a:r>
-          </a:p>
-          <a:p>
-            <a:pPr marL="628639" lvl="1" indent="-171450">
-              <a:buFont typeface="Arial" panose="020B0604020202020204" pitchFamily="34" charset="0"/>
-              <a:buChar char="•"/>
-            </a:pPr>
-            <a:r>
-              <a:rPr lang="en-US" dirty="0"/>
-              <a:t>The buffer size depends on the LCD size and its number of bits per pixel.</a:t>
-            </a:r>
-          </a:p>
-          <a:p>
-            <a:pPr marL="628639" lvl="1" indent="-171450">
-              <a:buFont typeface="Arial" panose="020B0604020202020204" pitchFamily="34" charset="0"/>
-              <a:buChar char="•"/>
-            </a:pPr>
-            <a:r>
-              <a:rPr lang="en-US" dirty="0"/>
-              <a:t>We cannot stop this refresh, otherwise the image fades away.</a:t>
-            </a:r>
-          </a:p>
-          <a:p>
-            <a:pPr marL="171450" lvl="0" indent="-171450">
-              <a:buFont typeface="Arial" panose="020B0604020202020204" pitchFamily="34" charset="0"/>
-              <a:buChar char="•"/>
-            </a:pPr>
-            <a:r>
-              <a:rPr lang="en-US" dirty="0"/>
-              <a:t>A new frame often appears every 16.6ms (60Hz).</a:t>
-            </a:r>
-          </a:p>
-          <a:p>
-            <a:pPr marL="171450" indent="-171450">
-              <a:buFont typeface="Arial" panose="020B0604020202020204" pitchFamily="34" charset="0"/>
-              <a:buChar char="•"/>
-            </a:pPr>
-            <a:r>
-              <a:rPr lang="en-US" dirty="0"/>
-              <a:t>The electric signals may be generated by an internal LCD controller in the LCD device or by a LCD controller in the MCU.</a:t>
-            </a:r>
-          </a:p>
-          <a:p>
-            <a:pPr marL="171450" indent="-171450">
-              <a:buFont typeface="Arial" panose="020B0604020202020204" pitchFamily="34" charset="0"/>
-              <a:buChar char="•"/>
-            </a:pPr>
-            <a:r>
-              <a:rPr lang="en-US" dirty="0"/>
-              <a:t>The electric signals frequency is several MHz</a:t>
-            </a:r>
-          </a:p>
-          <a:p>
-            <a:pPr marL="171450" indent="-171450">
-              <a:buFont typeface="Arial" panose="020B0604020202020204" pitchFamily="34" charset="0"/>
-              <a:buChar char="•"/>
-            </a:pPr>
             <a:endParaRPr lang="en-US" dirty="0"/>
-          </a:p>
-          <a:p>
-            <a:pPr marL="171450" indent="-171450">
-              <a:buFont typeface="Arial" panose="020B0604020202020204" pitchFamily="34" charset="0"/>
-              <a:buChar char="•"/>
-            </a:pPr>
-            <a:r>
-              <a:rPr lang="en-US" dirty="0"/>
-              <a:t>If we draw at the same time and in the same buffer than the LCD, we will see the drawings “one by one” instead of seeing the entire frame at once</a:t>
-            </a:r>
           </a:p>
         </p:txBody>
       </p:sp>
@@ -11854,94 +11154,7 @@
               <a:buFont typeface="Arial" panose="020B0604020202020204" pitchFamily="34" charset="0"/>
               <a:buNone/>
             </a:pPr>
-            <a:r>
-              <a:rPr lang="en-US" b="1" dirty="0"/>
-              <a:t>Stéphane</a:t>
-            </a:r>
-          </a:p>
-          <a:p>
-            <a:pPr marL="0" indent="0">
-              <a:buFont typeface="Arial" panose="020B0604020202020204" pitchFamily="34" charset="0"/>
-              <a:buNone/>
-            </a:pPr>
-            <a:endParaRPr lang="en-US" b="1" dirty="0"/>
-          </a:p>
-          <a:p>
-            <a:pPr marL="171450" lvl="0" indent="-171450">
-              <a:buFont typeface="Arial" panose="020B0604020202020204" pitchFamily="34" charset="0"/>
-              <a:buChar char="•"/>
-            </a:pPr>
-            <a:r>
-              <a:rPr lang="en-US" dirty="0"/>
-              <a:t>The LCD continuously refreshes its content by reading the data from a memory buffer.</a:t>
-            </a:r>
-          </a:p>
-          <a:p>
-            <a:pPr marL="628639" lvl="1" indent="-171450">
-              <a:buFont typeface="Arial" panose="020B0604020202020204" pitchFamily="34" charset="0"/>
-              <a:buChar char="•"/>
-            </a:pPr>
-            <a:r>
-              <a:rPr lang="en-US" dirty="0"/>
-              <a:t>The buffer size depends on the LCD size and its number of bits per pixel.</a:t>
-            </a:r>
-          </a:p>
-          <a:p>
-            <a:pPr marL="628639" lvl="1" indent="-171450">
-              <a:buFont typeface="Arial" panose="020B0604020202020204" pitchFamily="34" charset="0"/>
-              <a:buChar char="•"/>
-            </a:pPr>
-            <a:r>
-              <a:rPr lang="en-US" dirty="0"/>
-              <a:t>We cannot stop this refresh, otherwise the image fades away.</a:t>
-            </a:r>
-          </a:p>
-          <a:p>
-            <a:pPr marL="171450" lvl="0" indent="-171450">
-              <a:buFont typeface="Arial" panose="020B0604020202020204" pitchFamily="34" charset="0"/>
-              <a:buChar char="•"/>
-            </a:pPr>
-            <a:r>
-              <a:rPr lang="en-US" dirty="0"/>
-              <a:t>A new frame often appears every 16.6ms (60Hz).</a:t>
-            </a:r>
-          </a:p>
-          <a:p>
-            <a:pPr marL="171450" indent="-171450">
-              <a:buFont typeface="Arial" panose="020B0604020202020204" pitchFamily="34" charset="0"/>
-              <a:buChar char="•"/>
-            </a:pPr>
-            <a:r>
-              <a:rPr lang="en-US" dirty="0"/>
-              <a:t>The electric signals may be generated by an internal LCD controller in the LCD device or by a LCD controller in the MCU.</a:t>
-            </a:r>
-          </a:p>
-          <a:p>
-            <a:pPr marL="171450" indent="-171450">
-              <a:buFont typeface="Arial" panose="020B0604020202020204" pitchFamily="34" charset="0"/>
-              <a:buChar char="•"/>
-            </a:pPr>
-            <a:r>
-              <a:rPr lang="en-US" dirty="0"/>
-              <a:t>The electric signals frequency is several MHz</a:t>
-            </a:r>
-          </a:p>
-          <a:p>
-            <a:pPr marL="171450" indent="-171450">
-              <a:buFont typeface="Arial" panose="020B0604020202020204" pitchFamily="34" charset="0"/>
-              <a:buChar char="•"/>
-            </a:pPr>
             <a:endParaRPr lang="en-US" dirty="0"/>
-          </a:p>
-          <a:p>
-            <a:pPr marL="171450" indent="-171450">
-              <a:buFont typeface="Arial" panose="020B0604020202020204" pitchFamily="34" charset="0"/>
-              <a:buChar char="•"/>
-            </a:pPr>
-            <a:r>
-              <a:rPr lang="en-US" dirty="0"/>
-              <a:t>If we draw at the same time and in the same buffer than the LCD, we will see the drawings “one by one” instead of seeing the entire frame at once</a:t>
-            </a:r>
           </a:p>
         </p:txBody>
       </p:sp>
@@ -24576,7 +23789,7 @@
           <a:p>
             <a:fld id="{4E285625-C24A-4341-90BC-6CD71F835625}" type="datetimeFigureOut">
               <a:rPr lang="en-GB" smtClean="0"/>
-              <a:t>06/02/2024</a:t>
+              <a:t>07/02/2024</a:t>
             </a:fld>
             <a:endParaRPr lang="en-GB"/>
           </a:p>
@@ -35204,6 +34417,5084 @@
     <p:extLst>
       <p:ext uri="{BB962C8B-B14F-4D97-AF65-F5344CB8AC3E}">
         <p14:creationId xmlns:p14="http://schemas.microsoft.com/office/powerpoint/2010/main" val="956997582"/>
+      </p:ext>
+    </p:extLst>
+  </p:cSld>
+  <p:clrMapOvr>
+    <a:masterClrMapping/>
+  </p:clrMapOvr>
+</p:sld>
+</file>
+
+<file path=ppt/slides/slide13.xml><?xml version="1.0" encoding="utf-8"?>
+<p:sld xmlns:a="http://schemas.openxmlformats.org/drawingml/2006/main" xmlns:r="http://schemas.openxmlformats.org/officeDocument/2006/relationships" xmlns:p="http://schemas.openxmlformats.org/presentationml/2006/main">
+  <p:cSld>
+    <p:spTree>
+      <p:nvGrpSpPr>
+        <p:cNvPr id="1" name=""/>
+        <p:cNvGrpSpPr/>
+        <p:nvPr/>
+      </p:nvGrpSpPr>
+      <p:grpSpPr>
+        <a:xfrm>
+          <a:off x="0" y="0"/>
+          <a:ext cx="0" cy="0"/>
+          <a:chOff x="0" y="0"/>
+          <a:chExt cx="0" cy="0"/>
+        </a:xfrm>
+      </p:grpSpPr>
+      <p:sp>
+        <p:nvSpPr>
+          <p:cNvPr id="30" name="Arrow: Left-Right 29">
+            <a:extLst>
+              <a:ext uri="{FF2B5EF4-FFF2-40B4-BE49-F238E27FC236}">
+                <a16:creationId xmlns:a16="http://schemas.microsoft.com/office/drawing/2014/main" id="{6042CC01-9602-7E2E-7DE6-64C7D4E403CE}"/>
+              </a:ext>
+            </a:extLst>
+          </p:cNvPr>
+          <p:cNvSpPr/>
+          <p:nvPr/>
+        </p:nvSpPr>
+        <p:spPr>
+          <a:xfrm>
+            <a:off x="7417494" y="4389898"/>
+            <a:ext cx="1727409" cy="720000"/>
+          </a:xfrm>
+          <a:prstGeom prst="leftRightArrow">
+            <a:avLst>
+              <a:gd name="adj1" fmla="val 100000"/>
+              <a:gd name="adj2" fmla="val 28824"/>
+            </a:avLst>
+          </a:prstGeom>
+          <a:ln>
+            <a:headEnd type="none" w="med" len="med"/>
+            <a:tailEnd type="none" w="med" len="med"/>
+          </a:ln>
+        </p:spPr>
+        <p:style>
+          <a:lnRef idx="2">
+            <a:schemeClr val="accent2"/>
+          </a:lnRef>
+          <a:fillRef idx="1">
+            <a:schemeClr val="lt1"/>
+          </a:fillRef>
+          <a:effectRef idx="0">
+            <a:schemeClr val="accent2"/>
+          </a:effectRef>
+          <a:fontRef idx="minor">
+            <a:schemeClr val="dk1"/>
+          </a:fontRef>
+        </p:style>
+        <p:txBody>
+          <a:bodyPr lIns="0" tIns="0" rIns="0" bIns="0" rtlCol="0" anchor="ctr"/>
+          <a:lstStyle/>
+          <a:p>
+            <a:pPr algn="ctr"/>
+            <a:r>
+              <a:rPr lang="en-US" sz="1400" dirty="0">
+                <a:solidFill>
+                  <a:schemeClr val="tx1"/>
+                </a:solidFill>
+              </a:rPr>
+              <a:t>Display can</a:t>
+            </a:r>
+          </a:p>
+          <a:p>
+            <a:pPr algn="ctr"/>
+            <a:r>
+              <a:rPr lang="en-US" sz="1400" dirty="0">
+                <a:solidFill>
+                  <a:schemeClr val="tx1"/>
+                </a:solidFill>
+              </a:rPr>
+              <a:t>change its source</a:t>
+            </a:r>
+          </a:p>
+          <a:p>
+            <a:pPr algn="ctr"/>
+            <a:r>
+              <a:rPr lang="en-US" sz="1400" dirty="0">
+                <a:solidFill>
+                  <a:schemeClr val="tx1"/>
+                </a:solidFill>
+              </a:rPr>
+              <a:t>buffer address</a:t>
+            </a:r>
+          </a:p>
+        </p:txBody>
+      </p:sp>
+      <p:cxnSp>
+        <p:nvCxnSpPr>
+          <p:cNvPr id="42" name="Connector: Elbow 41">
+            <a:extLst>
+              <a:ext uri="{FF2B5EF4-FFF2-40B4-BE49-F238E27FC236}">
+                <a16:creationId xmlns:a16="http://schemas.microsoft.com/office/drawing/2014/main" id="{C44BEDCC-5975-8298-1735-4F05D3B246E8}"/>
+              </a:ext>
+            </a:extLst>
+          </p:cNvPr>
+          <p:cNvCxnSpPr>
+            <a:cxnSpLocks/>
+            <a:stCxn id="378" idx="3"/>
+            <a:endCxn id="101" idx="0"/>
+          </p:cNvCxnSpPr>
+          <p:nvPr/>
+        </p:nvCxnSpPr>
+        <p:spPr>
+          <a:xfrm rot="10800000" flipV="1">
+            <a:off x="2962159" y="1421277"/>
+            <a:ext cx="460128" cy="1279458"/>
+          </a:xfrm>
+          <a:prstGeom prst="bentConnector2">
+            <a:avLst/>
+          </a:prstGeom>
+          <a:ln w="19050">
+            <a:tailEnd type="triangle"/>
+          </a:ln>
+        </p:spPr>
+        <p:style>
+          <a:lnRef idx="1">
+            <a:schemeClr val="accent1"/>
+          </a:lnRef>
+          <a:fillRef idx="0">
+            <a:schemeClr val="accent1"/>
+          </a:fillRef>
+          <a:effectRef idx="0">
+            <a:schemeClr val="accent1"/>
+          </a:effectRef>
+          <a:fontRef idx="minor">
+            <a:schemeClr val="tx1"/>
+          </a:fontRef>
+        </p:style>
+      </p:cxnSp>
+      <p:sp>
+        <p:nvSpPr>
+          <p:cNvPr id="45" name="TextBox 44">
+            <a:extLst>
+              <a:ext uri="{FF2B5EF4-FFF2-40B4-BE49-F238E27FC236}">
+                <a16:creationId xmlns:a16="http://schemas.microsoft.com/office/drawing/2014/main" id="{70C8ED73-1DF2-00BE-28FF-1E7A78AF2938}"/>
+              </a:ext>
+            </a:extLst>
+          </p:cNvPr>
+          <p:cNvSpPr txBox="1"/>
+          <p:nvPr/>
+        </p:nvSpPr>
+        <p:spPr>
+          <a:xfrm>
+            <a:off x="3125663" y="1146982"/>
+            <a:ext cx="296624" cy="215444"/>
+          </a:xfrm>
+          <a:prstGeom prst="rect">
+            <a:avLst/>
+          </a:prstGeom>
+          <a:noFill/>
+        </p:spPr>
+        <p:txBody>
+          <a:bodyPr vert="horz" wrap="square" lIns="0" tIns="0" rIns="0" bIns="0" numCol="1" spcCol="288000" rtlCol="0" anchor="t" anchorCtr="0">
+            <a:spAutoFit/>
+          </a:bodyPr>
+          <a:lstStyle/>
+          <a:p>
+            <a:pPr algn="l">
+              <a:spcBef>
+                <a:spcPts val="0"/>
+              </a:spcBef>
+              <a:spcAft>
+                <a:spcPts val="600"/>
+              </a:spcAft>
+            </a:pPr>
+            <a:r>
+              <a:rPr lang="en-US" sz="1400" b="0" i="0" spc="0" dirty="0">
+                <a:ln>
+                  <a:noFill/>
+                </a:ln>
+                <a:solidFill>
+                  <a:schemeClr val="tx2"/>
+                </a:solidFill>
+                <a:latin typeface="Source Sans Pro Light" charset="0"/>
+                <a:ea typeface="Source Sans Pro Light" charset="0"/>
+                <a:cs typeface="Source Sans Pro Light" charset="0"/>
+              </a:rPr>
+              <a:t>no</a:t>
+            </a:r>
+          </a:p>
+        </p:txBody>
+      </p:sp>
+      <p:cxnSp>
+        <p:nvCxnSpPr>
+          <p:cNvPr id="47" name="Connector: Elbow 46">
+            <a:extLst>
+              <a:ext uri="{FF2B5EF4-FFF2-40B4-BE49-F238E27FC236}">
+                <a16:creationId xmlns:a16="http://schemas.microsoft.com/office/drawing/2014/main" id="{F4361246-7642-982F-396A-73F65A53BA1B}"/>
+              </a:ext>
+            </a:extLst>
+          </p:cNvPr>
+          <p:cNvCxnSpPr>
+            <a:cxnSpLocks/>
+            <a:stCxn id="378" idx="7"/>
+            <a:endCxn id="377" idx="1"/>
+          </p:cNvCxnSpPr>
+          <p:nvPr/>
+        </p:nvCxnSpPr>
+        <p:spPr>
+          <a:xfrm>
+            <a:off x="5150287" y="1421277"/>
+            <a:ext cx="956026" cy="317157"/>
+          </a:xfrm>
+          <a:prstGeom prst="bentConnector2">
+            <a:avLst/>
+          </a:prstGeom>
+          <a:ln w="19050">
+            <a:tailEnd type="triangle"/>
+          </a:ln>
+        </p:spPr>
+        <p:style>
+          <a:lnRef idx="1">
+            <a:schemeClr val="accent1"/>
+          </a:lnRef>
+          <a:fillRef idx="0">
+            <a:schemeClr val="accent1"/>
+          </a:fillRef>
+          <a:effectRef idx="0">
+            <a:schemeClr val="accent1"/>
+          </a:effectRef>
+          <a:fontRef idx="minor">
+            <a:schemeClr val="tx1"/>
+          </a:fontRef>
+        </p:style>
+      </p:cxnSp>
+      <p:cxnSp>
+        <p:nvCxnSpPr>
+          <p:cNvPr id="51" name="Connector: Elbow 50">
+            <a:extLst>
+              <a:ext uri="{FF2B5EF4-FFF2-40B4-BE49-F238E27FC236}">
+                <a16:creationId xmlns:a16="http://schemas.microsoft.com/office/drawing/2014/main" id="{6AC02264-4EBE-0A96-9139-2AA9BB385783}"/>
+              </a:ext>
+            </a:extLst>
+          </p:cNvPr>
+          <p:cNvCxnSpPr>
+            <a:cxnSpLocks/>
+            <a:stCxn id="377" idx="3"/>
+            <a:endCxn id="102" idx="0"/>
+          </p:cNvCxnSpPr>
+          <p:nvPr/>
+        </p:nvCxnSpPr>
+        <p:spPr>
+          <a:xfrm rot="10800000" flipV="1">
+            <a:off x="5058263" y="2098433"/>
+            <a:ext cx="184051" cy="602301"/>
+          </a:xfrm>
+          <a:prstGeom prst="bentConnector2">
+            <a:avLst/>
+          </a:prstGeom>
+          <a:ln w="19050">
+            <a:tailEnd type="triangle"/>
+          </a:ln>
+        </p:spPr>
+        <p:style>
+          <a:lnRef idx="1">
+            <a:schemeClr val="accent1"/>
+          </a:lnRef>
+          <a:fillRef idx="0">
+            <a:schemeClr val="accent1"/>
+          </a:fillRef>
+          <a:effectRef idx="0">
+            <a:schemeClr val="accent1"/>
+          </a:effectRef>
+          <a:fontRef idx="minor">
+            <a:schemeClr val="tx1"/>
+          </a:fontRef>
+        </p:style>
+      </p:cxnSp>
+      <p:cxnSp>
+        <p:nvCxnSpPr>
+          <p:cNvPr id="57" name="Connector: Elbow 56">
+            <a:extLst>
+              <a:ext uri="{FF2B5EF4-FFF2-40B4-BE49-F238E27FC236}">
+                <a16:creationId xmlns:a16="http://schemas.microsoft.com/office/drawing/2014/main" id="{3CBC7428-63AA-ED97-BC95-E9ACEC4CAA35}"/>
+              </a:ext>
+            </a:extLst>
+          </p:cNvPr>
+          <p:cNvCxnSpPr>
+            <a:cxnSpLocks/>
+            <a:stCxn id="377" idx="7"/>
+            <a:endCxn id="103" idx="0"/>
+          </p:cNvCxnSpPr>
+          <p:nvPr/>
+        </p:nvCxnSpPr>
+        <p:spPr>
+          <a:xfrm>
+            <a:off x="6970313" y="2098434"/>
+            <a:ext cx="184052" cy="602301"/>
+          </a:xfrm>
+          <a:prstGeom prst="bentConnector2">
+            <a:avLst/>
+          </a:prstGeom>
+          <a:ln w="19050">
+            <a:tailEnd type="triangle"/>
+          </a:ln>
+        </p:spPr>
+        <p:style>
+          <a:lnRef idx="1">
+            <a:schemeClr val="accent1"/>
+          </a:lnRef>
+          <a:fillRef idx="0">
+            <a:schemeClr val="accent1"/>
+          </a:fillRef>
+          <a:effectRef idx="0">
+            <a:schemeClr val="accent1"/>
+          </a:effectRef>
+          <a:fontRef idx="minor">
+            <a:schemeClr val="tx1"/>
+          </a:fontRef>
+        </p:style>
+      </p:cxnSp>
+      <p:sp>
+        <p:nvSpPr>
+          <p:cNvPr id="101" name="Rectangle: Rounded Corners 100">
+            <a:extLst>
+              <a:ext uri="{FF2B5EF4-FFF2-40B4-BE49-F238E27FC236}">
+                <a16:creationId xmlns:a16="http://schemas.microsoft.com/office/drawing/2014/main" id="{4F495089-CA0C-7101-CCD2-C400D45B18C7}"/>
+              </a:ext>
+            </a:extLst>
+          </p:cNvPr>
+          <p:cNvSpPr/>
+          <p:nvPr/>
+        </p:nvSpPr>
+        <p:spPr>
+          <a:xfrm>
+            <a:off x="2098159" y="2700735"/>
+            <a:ext cx="1728000" cy="720000"/>
+          </a:xfrm>
+          <a:prstGeom prst="roundRect">
+            <a:avLst/>
+          </a:prstGeom>
+          <a:ln/>
+        </p:spPr>
+        <p:style>
+          <a:lnRef idx="2">
+            <a:schemeClr val="accent5"/>
+          </a:lnRef>
+          <a:fillRef idx="1">
+            <a:schemeClr val="lt1"/>
+          </a:fillRef>
+          <a:effectRef idx="0">
+            <a:schemeClr val="accent5"/>
+          </a:effectRef>
+          <a:fontRef idx="minor">
+            <a:schemeClr val="dk1"/>
+          </a:fontRef>
+        </p:style>
+        <p:txBody>
+          <a:bodyPr rtlCol="0" anchor="ctr"/>
+          <a:lstStyle/>
+          <a:p>
+            <a:pPr algn="ctr"/>
+            <a:r>
+              <a:rPr lang="en-US" sz="2000" dirty="0">
+                <a:solidFill>
+                  <a:schemeClr val="tx2"/>
+                </a:solidFill>
+                <a:latin typeface="Source Sans Pro Light" panose="020B0403030403020204" pitchFamily="34" charset="77"/>
+                <a:ea typeface="Source Sans Pro" panose="020B0503030403020204" pitchFamily="34" charset="0"/>
+              </a:rPr>
+              <a:t>Partial</a:t>
+            </a:r>
+          </a:p>
+        </p:txBody>
+      </p:sp>
+      <p:sp>
+        <p:nvSpPr>
+          <p:cNvPr id="102" name="Rectangle: Rounded Corners 101">
+            <a:extLst>
+              <a:ext uri="{FF2B5EF4-FFF2-40B4-BE49-F238E27FC236}">
+                <a16:creationId xmlns:a16="http://schemas.microsoft.com/office/drawing/2014/main" id="{BFE73C68-3E24-7C23-701F-7F7A3400050F}"/>
+              </a:ext>
+            </a:extLst>
+          </p:cNvPr>
+          <p:cNvSpPr/>
+          <p:nvPr/>
+        </p:nvSpPr>
+        <p:spPr>
+          <a:xfrm>
+            <a:off x="4194262" y="2700735"/>
+            <a:ext cx="1728000" cy="720000"/>
+          </a:xfrm>
+          <a:prstGeom prst="roundRect">
+            <a:avLst/>
+          </a:prstGeom>
+          <a:ln/>
+        </p:spPr>
+        <p:style>
+          <a:lnRef idx="2">
+            <a:schemeClr val="accent5"/>
+          </a:lnRef>
+          <a:fillRef idx="1">
+            <a:schemeClr val="lt1"/>
+          </a:fillRef>
+          <a:effectRef idx="0">
+            <a:schemeClr val="accent5"/>
+          </a:effectRef>
+          <a:fontRef idx="minor">
+            <a:schemeClr val="dk1"/>
+          </a:fontRef>
+        </p:style>
+        <p:txBody>
+          <a:bodyPr rtlCol="0" anchor="ctr"/>
+          <a:lstStyle/>
+          <a:p>
+            <a:pPr algn="ctr"/>
+            <a:r>
+              <a:rPr lang="en-US" sz="2000" dirty="0">
+                <a:solidFill>
+                  <a:schemeClr val="tx2"/>
+                </a:solidFill>
+                <a:latin typeface="Source Sans Pro Light" panose="020B0403030403020204" pitchFamily="34" charset="77"/>
+                <a:ea typeface="Source Sans Pro" panose="020B0503030403020204" pitchFamily="34" charset="0"/>
+              </a:rPr>
+              <a:t>Single</a:t>
+            </a:r>
+          </a:p>
+        </p:txBody>
+      </p:sp>
+      <p:sp>
+        <p:nvSpPr>
+          <p:cNvPr id="103" name="Rectangle: Rounded Corners 102">
+            <a:extLst>
+              <a:ext uri="{FF2B5EF4-FFF2-40B4-BE49-F238E27FC236}">
+                <a16:creationId xmlns:a16="http://schemas.microsoft.com/office/drawing/2014/main" id="{C9125C09-6557-9C6C-805E-0A7A6FC75287}"/>
+              </a:ext>
+            </a:extLst>
+          </p:cNvPr>
+          <p:cNvSpPr/>
+          <p:nvPr/>
+        </p:nvSpPr>
+        <p:spPr>
+          <a:xfrm>
+            <a:off x="6290365" y="2700735"/>
+            <a:ext cx="1728000" cy="720000"/>
+          </a:xfrm>
+          <a:prstGeom prst="roundRect">
+            <a:avLst/>
+          </a:prstGeom>
+          <a:ln/>
+        </p:spPr>
+        <p:style>
+          <a:lnRef idx="2">
+            <a:schemeClr val="accent5"/>
+          </a:lnRef>
+          <a:fillRef idx="1">
+            <a:schemeClr val="lt1"/>
+          </a:fillRef>
+          <a:effectRef idx="0">
+            <a:schemeClr val="accent5"/>
+          </a:effectRef>
+          <a:fontRef idx="minor">
+            <a:schemeClr val="dk1"/>
+          </a:fontRef>
+        </p:style>
+        <p:txBody>
+          <a:bodyPr rtlCol="0" anchor="ctr"/>
+          <a:lstStyle/>
+          <a:p>
+            <a:pPr algn="ctr"/>
+            <a:r>
+              <a:rPr lang="en-US" sz="2000" dirty="0">
+                <a:solidFill>
+                  <a:schemeClr val="tx2"/>
+                </a:solidFill>
+                <a:latin typeface="Source Sans Pro Light" panose="020B0403030403020204" pitchFamily="34" charset="77"/>
+                <a:ea typeface="Source Sans Pro" panose="020B0503030403020204" pitchFamily="34" charset="0"/>
+              </a:rPr>
+              <a:t>Copy &amp; Swap</a:t>
+            </a:r>
+          </a:p>
+        </p:txBody>
+      </p:sp>
+      <p:sp>
+        <p:nvSpPr>
+          <p:cNvPr id="104" name="Rectangle: Rounded Corners 103">
+            <a:extLst>
+              <a:ext uri="{FF2B5EF4-FFF2-40B4-BE49-F238E27FC236}">
+                <a16:creationId xmlns:a16="http://schemas.microsoft.com/office/drawing/2014/main" id="{D0F580C9-06B4-F693-6C0E-9C6CDAE81AFF}"/>
+              </a:ext>
+            </a:extLst>
+          </p:cNvPr>
+          <p:cNvSpPr/>
+          <p:nvPr/>
+        </p:nvSpPr>
+        <p:spPr>
+          <a:xfrm>
+            <a:off x="2056" y="2700735"/>
+            <a:ext cx="1728000" cy="720000"/>
+          </a:xfrm>
+          <a:prstGeom prst="roundRect">
+            <a:avLst/>
+          </a:prstGeom>
+          <a:ln/>
+        </p:spPr>
+        <p:style>
+          <a:lnRef idx="2">
+            <a:schemeClr val="accent5"/>
+          </a:lnRef>
+          <a:fillRef idx="1">
+            <a:schemeClr val="lt1"/>
+          </a:fillRef>
+          <a:effectRef idx="0">
+            <a:schemeClr val="accent5"/>
+          </a:effectRef>
+          <a:fontRef idx="minor">
+            <a:schemeClr val="dk1"/>
+          </a:fontRef>
+        </p:style>
+        <p:txBody>
+          <a:bodyPr rtlCol="0" anchor="ctr"/>
+          <a:lstStyle/>
+          <a:p>
+            <a:pPr algn="ctr"/>
+            <a:r>
+              <a:rPr lang="en-US" sz="2000" dirty="0">
+                <a:solidFill>
+                  <a:schemeClr val="tx2"/>
+                </a:solidFill>
+                <a:latin typeface="Source Sans Pro Light" panose="020B0403030403020204" pitchFamily="34" charset="77"/>
+                <a:ea typeface="Source Sans Pro" panose="020B0503030403020204" pitchFamily="34" charset="0"/>
+              </a:rPr>
+              <a:t>Direct</a:t>
+            </a:r>
+          </a:p>
+        </p:txBody>
+      </p:sp>
+      <p:sp>
+        <p:nvSpPr>
+          <p:cNvPr id="105" name="Rectangle: Rounded Corners 104">
+            <a:extLst>
+              <a:ext uri="{FF2B5EF4-FFF2-40B4-BE49-F238E27FC236}">
+                <a16:creationId xmlns:a16="http://schemas.microsoft.com/office/drawing/2014/main" id="{49B5E044-7426-B85F-1C86-B25E8C9365C3}"/>
+              </a:ext>
+            </a:extLst>
+          </p:cNvPr>
+          <p:cNvSpPr/>
+          <p:nvPr/>
+        </p:nvSpPr>
+        <p:spPr>
+          <a:xfrm>
+            <a:off x="8386468" y="2700735"/>
+            <a:ext cx="1728000" cy="720000"/>
+          </a:xfrm>
+          <a:prstGeom prst="roundRect">
+            <a:avLst/>
+          </a:prstGeom>
+          <a:ln/>
+        </p:spPr>
+        <p:style>
+          <a:lnRef idx="2">
+            <a:schemeClr val="accent5"/>
+          </a:lnRef>
+          <a:fillRef idx="1">
+            <a:schemeClr val="lt1"/>
+          </a:fillRef>
+          <a:effectRef idx="0">
+            <a:schemeClr val="accent5"/>
+          </a:effectRef>
+          <a:fontRef idx="minor">
+            <a:schemeClr val="dk1"/>
+          </a:fontRef>
+        </p:style>
+        <p:txBody>
+          <a:bodyPr rtlCol="0" anchor="ctr"/>
+          <a:lstStyle/>
+          <a:p>
+            <a:pPr algn="ctr"/>
+            <a:r>
+              <a:rPr lang="en-US" sz="2000" dirty="0">
+                <a:solidFill>
+                  <a:schemeClr val="tx2"/>
+                </a:solidFill>
+                <a:latin typeface="Source Sans Pro Light" panose="020B0403030403020204" pitchFamily="34" charset="77"/>
+                <a:ea typeface="Source Sans Pro" panose="020B0503030403020204" pitchFamily="34" charset="0"/>
+              </a:rPr>
+              <a:t>Swap Double</a:t>
+            </a:r>
+          </a:p>
+        </p:txBody>
+      </p:sp>
+      <p:sp>
+        <p:nvSpPr>
+          <p:cNvPr id="106" name="Rectangle: Rounded Corners 105">
+            <a:extLst>
+              <a:ext uri="{FF2B5EF4-FFF2-40B4-BE49-F238E27FC236}">
+                <a16:creationId xmlns:a16="http://schemas.microsoft.com/office/drawing/2014/main" id="{55B53320-503C-B1A1-E3B0-5DC470A28734}"/>
+              </a:ext>
+            </a:extLst>
+          </p:cNvPr>
+          <p:cNvSpPr/>
+          <p:nvPr/>
+        </p:nvSpPr>
+        <p:spPr>
+          <a:xfrm>
+            <a:off x="10482569" y="2700735"/>
+            <a:ext cx="1728000" cy="720000"/>
+          </a:xfrm>
+          <a:prstGeom prst="roundRect">
+            <a:avLst/>
+          </a:prstGeom>
+          <a:ln/>
+        </p:spPr>
+        <p:style>
+          <a:lnRef idx="2">
+            <a:schemeClr val="accent5"/>
+          </a:lnRef>
+          <a:fillRef idx="1">
+            <a:schemeClr val="lt1"/>
+          </a:fillRef>
+          <a:effectRef idx="0">
+            <a:schemeClr val="accent5"/>
+          </a:effectRef>
+          <a:fontRef idx="minor">
+            <a:schemeClr val="dk1"/>
+          </a:fontRef>
+        </p:style>
+        <p:txBody>
+          <a:bodyPr rtlCol="0" anchor="ctr"/>
+          <a:lstStyle/>
+          <a:p>
+            <a:pPr algn="ctr"/>
+            <a:r>
+              <a:rPr lang="en-US" sz="2000" dirty="0">
+                <a:solidFill>
+                  <a:schemeClr val="tx2"/>
+                </a:solidFill>
+                <a:latin typeface="Source Sans Pro Light" panose="020B0403030403020204" pitchFamily="34" charset="77"/>
+                <a:ea typeface="Source Sans Pro" panose="020B0503030403020204" pitchFamily="34" charset="0"/>
+              </a:rPr>
+              <a:t>Swap Triple</a:t>
+            </a:r>
+          </a:p>
+        </p:txBody>
+      </p:sp>
+      <p:cxnSp>
+        <p:nvCxnSpPr>
+          <p:cNvPr id="121" name="Connector: Elbow 120">
+            <a:extLst>
+              <a:ext uri="{FF2B5EF4-FFF2-40B4-BE49-F238E27FC236}">
+                <a16:creationId xmlns:a16="http://schemas.microsoft.com/office/drawing/2014/main" id="{EF7CD84B-9679-1347-52F5-AAABE6C3070D}"/>
+              </a:ext>
+            </a:extLst>
+          </p:cNvPr>
+          <p:cNvCxnSpPr>
+            <a:cxnSpLocks/>
+            <a:stCxn id="346" idx="3"/>
+            <a:endCxn id="378" idx="1"/>
+          </p:cNvCxnSpPr>
+          <p:nvPr/>
+        </p:nvCxnSpPr>
+        <p:spPr>
+          <a:xfrm>
+            <a:off x="548956" y="557001"/>
+            <a:ext cx="3737331" cy="504276"/>
+          </a:xfrm>
+          <a:prstGeom prst="bentConnector2">
+            <a:avLst/>
+          </a:prstGeom>
+          <a:ln w="19050">
+            <a:tailEnd type="triangle"/>
+          </a:ln>
+        </p:spPr>
+        <p:style>
+          <a:lnRef idx="1">
+            <a:schemeClr val="accent1"/>
+          </a:lnRef>
+          <a:fillRef idx="0">
+            <a:schemeClr val="accent1"/>
+          </a:fillRef>
+          <a:effectRef idx="0">
+            <a:schemeClr val="accent1"/>
+          </a:effectRef>
+          <a:fontRef idx="minor">
+            <a:schemeClr val="tx1"/>
+          </a:fontRef>
+        </p:style>
+      </p:cxnSp>
+      <p:cxnSp>
+        <p:nvCxnSpPr>
+          <p:cNvPr id="163" name="Connector: Elbow 162">
+            <a:extLst>
+              <a:ext uri="{FF2B5EF4-FFF2-40B4-BE49-F238E27FC236}">
+                <a16:creationId xmlns:a16="http://schemas.microsoft.com/office/drawing/2014/main" id="{9A4D8CF6-54D9-5C5D-810C-742709D5855D}"/>
+              </a:ext>
+            </a:extLst>
+          </p:cNvPr>
+          <p:cNvCxnSpPr>
+            <a:cxnSpLocks/>
+            <a:stCxn id="347" idx="3"/>
+            <a:endCxn id="374" idx="5"/>
+          </p:cNvCxnSpPr>
+          <p:nvPr/>
+        </p:nvCxnSpPr>
+        <p:spPr>
+          <a:xfrm flipV="1">
+            <a:off x="548956" y="5737349"/>
+            <a:ext cx="3362141" cy="660675"/>
+          </a:xfrm>
+          <a:prstGeom prst="bentConnector2">
+            <a:avLst/>
+          </a:prstGeom>
+          <a:ln w="19050">
+            <a:tailEnd type="triangle"/>
+          </a:ln>
+        </p:spPr>
+        <p:style>
+          <a:lnRef idx="1">
+            <a:schemeClr val="accent1"/>
+          </a:lnRef>
+          <a:fillRef idx="0">
+            <a:schemeClr val="accent1"/>
+          </a:fillRef>
+          <a:effectRef idx="0">
+            <a:schemeClr val="accent1"/>
+          </a:effectRef>
+          <a:fontRef idx="minor">
+            <a:schemeClr val="tx1"/>
+          </a:fontRef>
+        </p:style>
+      </p:cxnSp>
+      <p:cxnSp>
+        <p:nvCxnSpPr>
+          <p:cNvPr id="178" name="Connector: Elbow 177">
+            <a:extLst>
+              <a:ext uri="{FF2B5EF4-FFF2-40B4-BE49-F238E27FC236}">
+                <a16:creationId xmlns:a16="http://schemas.microsoft.com/office/drawing/2014/main" id="{FFD1759D-4DC1-0CC9-59EA-1959F5F6B2D3}"/>
+              </a:ext>
+            </a:extLst>
+          </p:cNvPr>
+          <p:cNvCxnSpPr>
+            <a:cxnSpLocks/>
+            <a:stCxn id="374" idx="3"/>
+            <a:endCxn id="373" idx="5"/>
+          </p:cNvCxnSpPr>
+          <p:nvPr/>
+        </p:nvCxnSpPr>
+        <p:spPr>
+          <a:xfrm rot="10800000">
+            <a:off x="1914109" y="4383037"/>
+            <a:ext cx="1132989" cy="994313"/>
+          </a:xfrm>
+          <a:prstGeom prst="bentConnector2">
+            <a:avLst/>
+          </a:prstGeom>
+          <a:ln w="19050">
+            <a:tailEnd type="triangle"/>
+          </a:ln>
+        </p:spPr>
+        <p:style>
+          <a:lnRef idx="1">
+            <a:schemeClr val="accent1"/>
+          </a:lnRef>
+          <a:fillRef idx="0">
+            <a:schemeClr val="accent1"/>
+          </a:fillRef>
+          <a:effectRef idx="0">
+            <a:schemeClr val="accent1"/>
+          </a:effectRef>
+          <a:fontRef idx="minor">
+            <a:schemeClr val="tx1"/>
+          </a:fontRef>
+        </p:style>
+      </p:cxnSp>
+      <p:cxnSp>
+        <p:nvCxnSpPr>
+          <p:cNvPr id="185" name="Connector: Elbow 184">
+            <a:extLst>
+              <a:ext uri="{FF2B5EF4-FFF2-40B4-BE49-F238E27FC236}">
+                <a16:creationId xmlns:a16="http://schemas.microsoft.com/office/drawing/2014/main" id="{A63C6871-684C-F4BE-4773-2A6D6B1DB92A}"/>
+              </a:ext>
+            </a:extLst>
+          </p:cNvPr>
+          <p:cNvCxnSpPr>
+            <a:cxnSpLocks/>
+            <a:stCxn id="374" idx="7"/>
+            <a:endCxn id="30" idx="5"/>
+          </p:cNvCxnSpPr>
+          <p:nvPr/>
+        </p:nvCxnSpPr>
+        <p:spPr>
+          <a:xfrm flipV="1">
+            <a:off x="4775097" y="5109898"/>
+            <a:ext cx="3506102" cy="267451"/>
+          </a:xfrm>
+          <a:prstGeom prst="bentConnector2">
+            <a:avLst/>
+          </a:prstGeom>
+          <a:ln w="19050">
+            <a:tailEnd type="triangle"/>
+          </a:ln>
+        </p:spPr>
+        <p:style>
+          <a:lnRef idx="1">
+            <a:schemeClr val="accent1"/>
+          </a:lnRef>
+          <a:fillRef idx="0">
+            <a:schemeClr val="accent1"/>
+          </a:fillRef>
+          <a:effectRef idx="0">
+            <a:schemeClr val="accent1"/>
+          </a:effectRef>
+          <a:fontRef idx="minor">
+            <a:schemeClr val="tx1"/>
+          </a:fontRef>
+        </p:style>
+      </p:cxnSp>
+      <p:cxnSp>
+        <p:nvCxnSpPr>
+          <p:cNvPr id="191" name="Connector: Elbow 190">
+            <a:extLst>
+              <a:ext uri="{FF2B5EF4-FFF2-40B4-BE49-F238E27FC236}">
+                <a16:creationId xmlns:a16="http://schemas.microsoft.com/office/drawing/2014/main" id="{92B61D9E-6404-5493-B360-5DD9CA29115B}"/>
+              </a:ext>
+            </a:extLst>
+          </p:cNvPr>
+          <p:cNvCxnSpPr>
+            <a:cxnSpLocks/>
+            <a:stCxn id="376" idx="3"/>
+            <a:endCxn id="102" idx="2"/>
+          </p:cNvCxnSpPr>
+          <p:nvPr/>
+        </p:nvCxnSpPr>
+        <p:spPr>
+          <a:xfrm rot="10800000">
+            <a:off x="5058262" y="3420736"/>
+            <a:ext cx="184052" cy="602301"/>
+          </a:xfrm>
+          <a:prstGeom prst="bentConnector2">
+            <a:avLst/>
+          </a:prstGeom>
+          <a:ln w="19050">
+            <a:tailEnd type="triangle"/>
+          </a:ln>
+        </p:spPr>
+        <p:style>
+          <a:lnRef idx="1">
+            <a:schemeClr val="accent1"/>
+          </a:lnRef>
+          <a:fillRef idx="0">
+            <a:schemeClr val="accent1"/>
+          </a:fillRef>
+          <a:effectRef idx="0">
+            <a:schemeClr val="accent1"/>
+          </a:effectRef>
+          <a:fontRef idx="minor">
+            <a:schemeClr val="tx1"/>
+          </a:fontRef>
+        </p:style>
+      </p:cxnSp>
+      <p:cxnSp>
+        <p:nvCxnSpPr>
+          <p:cNvPr id="194" name="Connector: Elbow 193">
+            <a:extLst>
+              <a:ext uri="{FF2B5EF4-FFF2-40B4-BE49-F238E27FC236}">
+                <a16:creationId xmlns:a16="http://schemas.microsoft.com/office/drawing/2014/main" id="{DB6FBEB8-54F6-C526-DF28-C8791B9E85B9}"/>
+              </a:ext>
+            </a:extLst>
+          </p:cNvPr>
+          <p:cNvCxnSpPr>
+            <a:cxnSpLocks/>
+            <a:stCxn id="376" idx="7"/>
+            <a:endCxn id="103" idx="2"/>
+          </p:cNvCxnSpPr>
+          <p:nvPr/>
+        </p:nvCxnSpPr>
+        <p:spPr>
+          <a:xfrm flipV="1">
+            <a:off x="6970314" y="3420735"/>
+            <a:ext cx="184051" cy="602301"/>
+          </a:xfrm>
+          <a:prstGeom prst="bentConnector2">
+            <a:avLst/>
+          </a:prstGeom>
+          <a:ln w="19050">
+            <a:tailEnd type="triangle"/>
+          </a:ln>
+        </p:spPr>
+        <p:style>
+          <a:lnRef idx="1">
+            <a:schemeClr val="accent1"/>
+          </a:lnRef>
+          <a:fillRef idx="0">
+            <a:schemeClr val="accent1"/>
+          </a:fillRef>
+          <a:effectRef idx="0">
+            <a:schemeClr val="accent1"/>
+          </a:effectRef>
+          <a:fontRef idx="minor">
+            <a:schemeClr val="tx1"/>
+          </a:fontRef>
+        </p:style>
+      </p:cxnSp>
+      <p:cxnSp>
+        <p:nvCxnSpPr>
+          <p:cNvPr id="199" name="Connector: Elbow 198">
+            <a:extLst>
+              <a:ext uri="{FF2B5EF4-FFF2-40B4-BE49-F238E27FC236}">
+                <a16:creationId xmlns:a16="http://schemas.microsoft.com/office/drawing/2014/main" id="{FA8080F9-05EE-D57C-67F8-B1277B56FF2D}"/>
+              </a:ext>
+            </a:extLst>
+          </p:cNvPr>
+          <p:cNvCxnSpPr>
+            <a:cxnSpLocks/>
+            <a:stCxn id="375" idx="3"/>
+            <a:endCxn id="105" idx="2"/>
+          </p:cNvCxnSpPr>
+          <p:nvPr/>
+        </p:nvCxnSpPr>
+        <p:spPr>
+          <a:xfrm rot="10800000">
+            <a:off x="9250468" y="3420736"/>
+            <a:ext cx="184052" cy="602301"/>
+          </a:xfrm>
+          <a:prstGeom prst="bentConnector2">
+            <a:avLst/>
+          </a:prstGeom>
+          <a:ln w="19050">
+            <a:tailEnd type="triangle"/>
+          </a:ln>
+        </p:spPr>
+        <p:style>
+          <a:lnRef idx="1">
+            <a:schemeClr val="accent1"/>
+          </a:lnRef>
+          <a:fillRef idx="0">
+            <a:schemeClr val="accent1"/>
+          </a:fillRef>
+          <a:effectRef idx="0">
+            <a:schemeClr val="accent1"/>
+          </a:effectRef>
+          <a:fontRef idx="minor">
+            <a:schemeClr val="tx1"/>
+          </a:fontRef>
+        </p:style>
+      </p:cxnSp>
+      <p:cxnSp>
+        <p:nvCxnSpPr>
+          <p:cNvPr id="202" name="Connector: Elbow 201">
+            <a:extLst>
+              <a:ext uri="{FF2B5EF4-FFF2-40B4-BE49-F238E27FC236}">
+                <a16:creationId xmlns:a16="http://schemas.microsoft.com/office/drawing/2014/main" id="{6E25B20F-2B95-4747-375B-721EF9815348}"/>
+              </a:ext>
+            </a:extLst>
+          </p:cNvPr>
+          <p:cNvCxnSpPr>
+            <a:cxnSpLocks/>
+            <a:stCxn id="375" idx="7"/>
+            <a:endCxn id="106" idx="2"/>
+          </p:cNvCxnSpPr>
+          <p:nvPr/>
+        </p:nvCxnSpPr>
+        <p:spPr>
+          <a:xfrm flipV="1">
+            <a:off x="11162520" y="3420735"/>
+            <a:ext cx="184049" cy="602301"/>
+          </a:xfrm>
+          <a:prstGeom prst="bentConnector2">
+            <a:avLst/>
+          </a:prstGeom>
+          <a:ln w="19050">
+            <a:tailEnd type="triangle"/>
+          </a:ln>
+        </p:spPr>
+        <p:style>
+          <a:lnRef idx="1">
+            <a:schemeClr val="accent1"/>
+          </a:lnRef>
+          <a:fillRef idx="0">
+            <a:schemeClr val="accent1"/>
+          </a:fillRef>
+          <a:effectRef idx="0">
+            <a:schemeClr val="accent1"/>
+          </a:effectRef>
+          <a:fontRef idx="minor">
+            <a:schemeClr val="tx1"/>
+          </a:fontRef>
+        </p:style>
+      </p:cxnSp>
+      <p:cxnSp>
+        <p:nvCxnSpPr>
+          <p:cNvPr id="221" name="Connector: Elbow 220">
+            <a:extLst>
+              <a:ext uri="{FF2B5EF4-FFF2-40B4-BE49-F238E27FC236}">
+                <a16:creationId xmlns:a16="http://schemas.microsoft.com/office/drawing/2014/main" id="{F154F4F8-78CF-7C48-2447-FECAD47E357A}"/>
+              </a:ext>
+            </a:extLst>
+          </p:cNvPr>
+          <p:cNvCxnSpPr>
+            <a:cxnSpLocks/>
+            <a:stCxn id="30" idx="3"/>
+            <a:endCxn id="376" idx="5"/>
+          </p:cNvCxnSpPr>
+          <p:nvPr/>
+        </p:nvCxnSpPr>
+        <p:spPr>
+          <a:xfrm rot="10800000">
+            <a:off x="6106314" y="4383036"/>
+            <a:ext cx="1311180" cy="366862"/>
+          </a:xfrm>
+          <a:prstGeom prst="bentConnector2">
+            <a:avLst/>
+          </a:prstGeom>
+          <a:ln w="19050">
+            <a:tailEnd type="triangle"/>
+          </a:ln>
+        </p:spPr>
+        <p:style>
+          <a:lnRef idx="1">
+            <a:schemeClr val="accent1"/>
+          </a:lnRef>
+          <a:fillRef idx="0">
+            <a:schemeClr val="accent1"/>
+          </a:fillRef>
+          <a:effectRef idx="0">
+            <a:schemeClr val="accent1"/>
+          </a:effectRef>
+          <a:fontRef idx="minor">
+            <a:schemeClr val="tx1"/>
+          </a:fontRef>
+        </p:style>
+      </p:cxnSp>
+      <p:cxnSp>
+        <p:nvCxnSpPr>
+          <p:cNvPr id="224" name="Connector: Elbow 223">
+            <a:extLst>
+              <a:ext uri="{FF2B5EF4-FFF2-40B4-BE49-F238E27FC236}">
+                <a16:creationId xmlns:a16="http://schemas.microsoft.com/office/drawing/2014/main" id="{E660088F-ABC7-825F-6509-AD2E8CBB8A0B}"/>
+              </a:ext>
+            </a:extLst>
+          </p:cNvPr>
+          <p:cNvCxnSpPr>
+            <a:cxnSpLocks/>
+            <a:stCxn id="30" idx="7"/>
+            <a:endCxn id="375" idx="5"/>
+          </p:cNvCxnSpPr>
+          <p:nvPr/>
+        </p:nvCxnSpPr>
+        <p:spPr>
+          <a:xfrm flipV="1">
+            <a:off x="9144903" y="4383036"/>
+            <a:ext cx="1153617" cy="366862"/>
+          </a:xfrm>
+          <a:prstGeom prst="bentConnector2">
+            <a:avLst/>
+          </a:prstGeom>
+          <a:ln w="19050">
+            <a:tailEnd type="triangle"/>
+          </a:ln>
+        </p:spPr>
+        <p:style>
+          <a:lnRef idx="1">
+            <a:schemeClr val="accent1"/>
+          </a:lnRef>
+          <a:fillRef idx="0">
+            <a:schemeClr val="accent1"/>
+          </a:fillRef>
+          <a:effectRef idx="0">
+            <a:schemeClr val="accent1"/>
+          </a:effectRef>
+          <a:fontRef idx="minor">
+            <a:schemeClr val="tx1"/>
+          </a:fontRef>
+        </p:style>
+      </p:cxnSp>
+      <p:cxnSp>
+        <p:nvCxnSpPr>
+          <p:cNvPr id="227" name="Connector: Elbow 226">
+            <a:extLst>
+              <a:ext uri="{FF2B5EF4-FFF2-40B4-BE49-F238E27FC236}">
+                <a16:creationId xmlns:a16="http://schemas.microsoft.com/office/drawing/2014/main" id="{766C904F-AB37-1FCE-ADD5-1E16C37C1B32}"/>
+              </a:ext>
+            </a:extLst>
+          </p:cNvPr>
+          <p:cNvCxnSpPr>
+            <a:cxnSpLocks/>
+            <a:stCxn id="373" idx="7"/>
+            <a:endCxn id="101" idx="2"/>
+          </p:cNvCxnSpPr>
+          <p:nvPr/>
+        </p:nvCxnSpPr>
+        <p:spPr>
+          <a:xfrm flipV="1">
+            <a:off x="2778108" y="3420735"/>
+            <a:ext cx="184051" cy="602301"/>
+          </a:xfrm>
+          <a:prstGeom prst="bentConnector2">
+            <a:avLst/>
+          </a:prstGeom>
+          <a:ln w="19050">
+            <a:tailEnd type="triangle"/>
+          </a:ln>
+        </p:spPr>
+        <p:style>
+          <a:lnRef idx="1">
+            <a:schemeClr val="accent1"/>
+          </a:lnRef>
+          <a:fillRef idx="0">
+            <a:schemeClr val="accent1"/>
+          </a:fillRef>
+          <a:effectRef idx="0">
+            <a:schemeClr val="accent1"/>
+          </a:effectRef>
+          <a:fontRef idx="minor">
+            <a:schemeClr val="tx1"/>
+          </a:fontRef>
+        </p:style>
+      </p:cxnSp>
+      <p:cxnSp>
+        <p:nvCxnSpPr>
+          <p:cNvPr id="230" name="Connector: Elbow 229">
+            <a:extLst>
+              <a:ext uri="{FF2B5EF4-FFF2-40B4-BE49-F238E27FC236}">
+                <a16:creationId xmlns:a16="http://schemas.microsoft.com/office/drawing/2014/main" id="{74CF5528-47F2-0814-0764-4390C85C48AC}"/>
+              </a:ext>
+            </a:extLst>
+          </p:cNvPr>
+          <p:cNvCxnSpPr>
+            <a:cxnSpLocks/>
+            <a:stCxn id="373" idx="3"/>
+            <a:endCxn id="104" idx="2"/>
+          </p:cNvCxnSpPr>
+          <p:nvPr/>
+        </p:nvCxnSpPr>
+        <p:spPr>
+          <a:xfrm rot="10800000">
+            <a:off x="866056" y="3420736"/>
+            <a:ext cx="184052" cy="602301"/>
+          </a:xfrm>
+          <a:prstGeom prst="bentConnector2">
+            <a:avLst/>
+          </a:prstGeom>
+          <a:ln w="19050">
+            <a:tailEnd type="triangle"/>
+          </a:ln>
+        </p:spPr>
+        <p:style>
+          <a:lnRef idx="1">
+            <a:schemeClr val="accent1"/>
+          </a:lnRef>
+          <a:fillRef idx="0">
+            <a:schemeClr val="accent1"/>
+          </a:fillRef>
+          <a:effectRef idx="0">
+            <a:schemeClr val="accent1"/>
+          </a:effectRef>
+          <a:fontRef idx="minor">
+            <a:schemeClr val="tx1"/>
+          </a:fontRef>
+        </p:style>
+      </p:cxnSp>
+      <p:sp>
+        <p:nvSpPr>
+          <p:cNvPr id="346" name="Rectangle: Rounded Corners 345">
+            <a:extLst>
+              <a:ext uri="{FF2B5EF4-FFF2-40B4-BE49-F238E27FC236}">
+                <a16:creationId xmlns:a16="http://schemas.microsoft.com/office/drawing/2014/main" id="{1576D262-DE94-17FD-37C3-B880D0B65D74}"/>
+              </a:ext>
+            </a:extLst>
+          </p:cNvPr>
+          <p:cNvSpPr/>
+          <p:nvPr/>
+        </p:nvSpPr>
+        <p:spPr>
+          <a:xfrm>
+            <a:off x="-1179044" y="197001"/>
+            <a:ext cx="1728000" cy="720000"/>
+          </a:xfrm>
+          <a:prstGeom prst="roundRect">
+            <a:avLst/>
+          </a:prstGeom>
+          <a:ln/>
+        </p:spPr>
+        <p:style>
+          <a:lnRef idx="2">
+            <a:schemeClr val="accent3"/>
+          </a:lnRef>
+          <a:fillRef idx="1">
+            <a:schemeClr val="lt1"/>
+          </a:fillRef>
+          <a:effectRef idx="0">
+            <a:schemeClr val="accent3"/>
+          </a:effectRef>
+          <a:fontRef idx="minor">
+            <a:schemeClr val="dk1"/>
+          </a:fontRef>
+        </p:style>
+        <p:txBody>
+          <a:bodyPr rtlCol="0" anchor="ctr"/>
+          <a:lstStyle/>
+          <a:p>
+            <a:pPr algn="ctr"/>
+            <a:r>
+              <a:rPr lang="en-US" sz="2000" dirty="0">
+                <a:solidFill>
+                  <a:schemeClr val="tx2"/>
+                </a:solidFill>
+                <a:latin typeface="Source Sans Pro Light" panose="020B0403030403020204" pitchFamily="34" charset="77"/>
+                <a:ea typeface="Source Sans Pro" panose="020B0503030403020204" pitchFamily="34" charset="0"/>
+              </a:rPr>
+              <a:t>Connection Serial</a:t>
+            </a:r>
+          </a:p>
+        </p:txBody>
+      </p:sp>
+      <p:sp>
+        <p:nvSpPr>
+          <p:cNvPr id="347" name="Rectangle: Rounded Corners 346">
+            <a:extLst>
+              <a:ext uri="{FF2B5EF4-FFF2-40B4-BE49-F238E27FC236}">
+                <a16:creationId xmlns:a16="http://schemas.microsoft.com/office/drawing/2014/main" id="{6B6DA69B-ED96-CB13-EF97-6ED6A3688616}"/>
+              </a:ext>
+            </a:extLst>
+          </p:cNvPr>
+          <p:cNvSpPr/>
+          <p:nvPr/>
+        </p:nvSpPr>
+        <p:spPr>
+          <a:xfrm>
+            <a:off x="-1179044" y="6038024"/>
+            <a:ext cx="1728000" cy="720000"/>
+          </a:xfrm>
+          <a:prstGeom prst="roundRect">
+            <a:avLst/>
+          </a:prstGeom>
+          <a:ln/>
+        </p:spPr>
+        <p:style>
+          <a:lnRef idx="2">
+            <a:schemeClr val="accent3"/>
+          </a:lnRef>
+          <a:fillRef idx="1">
+            <a:schemeClr val="lt1"/>
+          </a:fillRef>
+          <a:effectRef idx="0">
+            <a:schemeClr val="accent3"/>
+          </a:effectRef>
+          <a:fontRef idx="minor">
+            <a:schemeClr val="dk1"/>
+          </a:fontRef>
+        </p:style>
+        <p:txBody>
+          <a:bodyPr rtlCol="0" anchor="ctr"/>
+          <a:lstStyle/>
+          <a:p>
+            <a:pPr algn="ctr"/>
+            <a:r>
+              <a:rPr lang="en-US" sz="2000" dirty="0">
+                <a:solidFill>
+                  <a:schemeClr val="tx2"/>
+                </a:solidFill>
+                <a:latin typeface="Source Sans Pro Light" panose="020B0403030403020204" pitchFamily="34" charset="77"/>
+                <a:ea typeface="Source Sans Pro" panose="020B0503030403020204" pitchFamily="34" charset="0"/>
+              </a:rPr>
+              <a:t>Connection Parallel</a:t>
+            </a:r>
+          </a:p>
+        </p:txBody>
+      </p:sp>
+      <p:sp>
+        <p:nvSpPr>
+          <p:cNvPr id="373" name="Arrow: Left-Right 372">
+            <a:extLst>
+              <a:ext uri="{FF2B5EF4-FFF2-40B4-BE49-F238E27FC236}">
+                <a16:creationId xmlns:a16="http://schemas.microsoft.com/office/drawing/2014/main" id="{00224DA0-4EF9-00D5-8694-0D346E18628F}"/>
+              </a:ext>
+            </a:extLst>
+          </p:cNvPr>
+          <p:cNvSpPr/>
+          <p:nvPr/>
+        </p:nvSpPr>
+        <p:spPr>
+          <a:xfrm>
+            <a:off x="1050108" y="3663036"/>
+            <a:ext cx="1728000" cy="720000"/>
+          </a:xfrm>
+          <a:prstGeom prst="leftRightArrow">
+            <a:avLst>
+              <a:gd name="adj1" fmla="val 100000"/>
+              <a:gd name="adj2" fmla="val 28824"/>
+            </a:avLst>
+          </a:prstGeom>
+          <a:ln>
+            <a:headEnd type="none" w="med" len="med"/>
+            <a:tailEnd type="none" w="med" len="med"/>
+          </a:ln>
+        </p:spPr>
+        <p:style>
+          <a:lnRef idx="2">
+            <a:schemeClr val="accent2"/>
+          </a:lnRef>
+          <a:fillRef idx="1">
+            <a:schemeClr val="lt1"/>
+          </a:fillRef>
+          <a:effectRef idx="0">
+            <a:schemeClr val="accent2"/>
+          </a:effectRef>
+          <a:fontRef idx="minor">
+            <a:schemeClr val="dk1"/>
+          </a:fontRef>
+        </p:style>
+        <p:txBody>
+          <a:bodyPr lIns="0" tIns="0" rIns="0" bIns="0" rtlCol="0" anchor="ctr"/>
+          <a:lstStyle/>
+          <a:p>
+            <a:pPr algn="ctr"/>
+            <a:r>
+              <a:rPr lang="en-US" sz="1400" dirty="0">
+                <a:solidFill>
+                  <a:schemeClr val="tx1"/>
+                </a:solidFill>
+              </a:rPr>
+              <a:t>Available RAM</a:t>
+            </a:r>
+          </a:p>
+          <a:p>
+            <a:pPr algn="ctr"/>
+            <a:r>
+              <a:rPr lang="en-US" sz="1400" dirty="0">
+                <a:solidFill>
+                  <a:schemeClr val="tx1"/>
+                </a:solidFill>
+              </a:rPr>
+              <a:t>for a partial buffer</a:t>
+            </a:r>
+          </a:p>
+        </p:txBody>
+      </p:sp>
+      <p:sp>
+        <p:nvSpPr>
+          <p:cNvPr id="374" name="Arrow: Left-Right 373">
+            <a:extLst>
+              <a:ext uri="{FF2B5EF4-FFF2-40B4-BE49-F238E27FC236}">
+                <a16:creationId xmlns:a16="http://schemas.microsoft.com/office/drawing/2014/main" id="{573BC02A-2FEA-F33B-6F75-AA8E83E44F14}"/>
+              </a:ext>
+            </a:extLst>
+          </p:cNvPr>
+          <p:cNvSpPr/>
+          <p:nvPr/>
+        </p:nvSpPr>
+        <p:spPr>
+          <a:xfrm>
+            <a:off x="3047097" y="5017349"/>
+            <a:ext cx="1728000" cy="720000"/>
+          </a:xfrm>
+          <a:prstGeom prst="leftRightArrow">
+            <a:avLst>
+              <a:gd name="adj1" fmla="val 100000"/>
+              <a:gd name="adj2" fmla="val 28824"/>
+            </a:avLst>
+          </a:prstGeom>
+          <a:ln>
+            <a:headEnd type="none" w="med" len="med"/>
+            <a:tailEnd type="none" w="med" len="med"/>
+          </a:ln>
+        </p:spPr>
+        <p:style>
+          <a:lnRef idx="2">
+            <a:schemeClr val="accent2"/>
+          </a:lnRef>
+          <a:fillRef idx="1">
+            <a:schemeClr val="lt1"/>
+          </a:fillRef>
+          <a:effectRef idx="0">
+            <a:schemeClr val="accent2"/>
+          </a:effectRef>
+          <a:fontRef idx="minor">
+            <a:schemeClr val="dk1"/>
+          </a:fontRef>
+        </p:style>
+        <p:txBody>
+          <a:bodyPr lIns="0" tIns="0" rIns="0" bIns="0" rtlCol="0" anchor="ctr"/>
+          <a:lstStyle/>
+          <a:p>
+            <a:pPr algn="ctr"/>
+            <a:r>
+              <a:rPr lang="en-US" sz="1400" dirty="0">
+                <a:solidFill>
+                  <a:schemeClr val="tx1"/>
+                </a:solidFill>
+              </a:rPr>
+              <a:t>Available RAM</a:t>
+            </a:r>
+          </a:p>
+          <a:p>
+            <a:pPr algn="ctr"/>
+            <a:r>
+              <a:rPr lang="en-US" sz="1400" dirty="0">
+                <a:solidFill>
+                  <a:schemeClr val="tx1"/>
+                </a:solidFill>
+              </a:rPr>
+              <a:t>for 2 buffers</a:t>
+            </a:r>
+          </a:p>
+        </p:txBody>
+      </p:sp>
+      <p:sp>
+        <p:nvSpPr>
+          <p:cNvPr id="375" name="Arrow: Left-Right 374">
+            <a:extLst>
+              <a:ext uri="{FF2B5EF4-FFF2-40B4-BE49-F238E27FC236}">
+                <a16:creationId xmlns:a16="http://schemas.microsoft.com/office/drawing/2014/main" id="{BE6FDAB0-7141-6003-6911-CD8FDC89DA83}"/>
+              </a:ext>
+            </a:extLst>
+          </p:cNvPr>
+          <p:cNvSpPr/>
+          <p:nvPr/>
+        </p:nvSpPr>
+        <p:spPr>
+          <a:xfrm>
+            <a:off x="9434520" y="3663036"/>
+            <a:ext cx="1728000" cy="720000"/>
+          </a:xfrm>
+          <a:prstGeom prst="leftRightArrow">
+            <a:avLst>
+              <a:gd name="adj1" fmla="val 100000"/>
+              <a:gd name="adj2" fmla="val 28824"/>
+            </a:avLst>
+          </a:prstGeom>
+          <a:ln>
+            <a:headEnd type="none" w="med" len="med"/>
+            <a:tailEnd type="none" w="med" len="med"/>
+          </a:ln>
+        </p:spPr>
+        <p:style>
+          <a:lnRef idx="2">
+            <a:schemeClr val="accent2"/>
+          </a:lnRef>
+          <a:fillRef idx="1">
+            <a:schemeClr val="lt1"/>
+          </a:fillRef>
+          <a:effectRef idx="0">
+            <a:schemeClr val="accent2"/>
+          </a:effectRef>
+          <a:fontRef idx="minor">
+            <a:schemeClr val="dk1"/>
+          </a:fontRef>
+        </p:style>
+        <p:txBody>
+          <a:bodyPr lIns="0" tIns="0" rIns="0" bIns="0" rtlCol="0" anchor="ctr"/>
+          <a:lstStyle/>
+          <a:p>
+            <a:pPr algn="ctr"/>
+            <a:r>
+              <a:rPr lang="en-US" sz="1400" dirty="0">
+                <a:solidFill>
+                  <a:schemeClr val="tx1"/>
+                </a:solidFill>
+              </a:rPr>
+              <a:t>Available RAM</a:t>
+            </a:r>
+          </a:p>
+          <a:p>
+            <a:pPr algn="ctr"/>
+            <a:r>
+              <a:rPr lang="en-US" sz="1400" dirty="0">
+                <a:solidFill>
+                  <a:schemeClr val="tx1"/>
+                </a:solidFill>
+              </a:rPr>
+              <a:t>for 3 buffers</a:t>
+            </a:r>
+          </a:p>
+        </p:txBody>
+      </p:sp>
+      <p:sp>
+        <p:nvSpPr>
+          <p:cNvPr id="376" name="Arrow: Left-Right 375">
+            <a:extLst>
+              <a:ext uri="{FF2B5EF4-FFF2-40B4-BE49-F238E27FC236}">
+                <a16:creationId xmlns:a16="http://schemas.microsoft.com/office/drawing/2014/main" id="{229A7E58-09C1-03AC-3F1E-2E105858CBCD}"/>
+              </a:ext>
+            </a:extLst>
+          </p:cNvPr>
+          <p:cNvSpPr/>
+          <p:nvPr/>
+        </p:nvSpPr>
+        <p:spPr>
+          <a:xfrm>
+            <a:off x="5242314" y="3663036"/>
+            <a:ext cx="1728000" cy="720000"/>
+          </a:xfrm>
+          <a:prstGeom prst="leftRightArrow">
+            <a:avLst>
+              <a:gd name="adj1" fmla="val 100000"/>
+              <a:gd name="adj2" fmla="val 28824"/>
+            </a:avLst>
+          </a:prstGeom>
+          <a:ln>
+            <a:headEnd type="none" w="med" len="med"/>
+            <a:tailEnd type="none" w="med" len="med"/>
+          </a:ln>
+        </p:spPr>
+        <p:style>
+          <a:lnRef idx="2">
+            <a:schemeClr val="accent2"/>
+          </a:lnRef>
+          <a:fillRef idx="1">
+            <a:schemeClr val="lt1"/>
+          </a:fillRef>
+          <a:effectRef idx="0">
+            <a:schemeClr val="accent2"/>
+          </a:effectRef>
+          <a:fontRef idx="minor">
+            <a:schemeClr val="dk1"/>
+          </a:fontRef>
+        </p:style>
+        <p:txBody>
+          <a:bodyPr lIns="0" tIns="0" rIns="0" bIns="0" rtlCol="0" anchor="ctr"/>
+          <a:lstStyle/>
+          <a:p>
+            <a:pPr algn="ctr"/>
+            <a:r>
+              <a:rPr lang="en-US" sz="1400" dirty="0">
+                <a:solidFill>
+                  <a:schemeClr val="tx1"/>
+                </a:solidFill>
+              </a:rPr>
+              <a:t>Available RAM</a:t>
+            </a:r>
+          </a:p>
+          <a:p>
+            <a:pPr algn="ctr"/>
+            <a:r>
+              <a:rPr lang="en-US" sz="1400" dirty="0">
+                <a:solidFill>
+                  <a:schemeClr val="tx1"/>
+                </a:solidFill>
+              </a:rPr>
+              <a:t>for 3 buffers</a:t>
+            </a:r>
+          </a:p>
+        </p:txBody>
+      </p:sp>
+      <p:sp>
+        <p:nvSpPr>
+          <p:cNvPr id="377" name="Arrow: Left-Right 376">
+            <a:extLst>
+              <a:ext uri="{FF2B5EF4-FFF2-40B4-BE49-F238E27FC236}">
+                <a16:creationId xmlns:a16="http://schemas.microsoft.com/office/drawing/2014/main" id="{BCB48974-9E19-05BD-8E4E-380059242433}"/>
+              </a:ext>
+            </a:extLst>
+          </p:cNvPr>
+          <p:cNvSpPr/>
+          <p:nvPr/>
+        </p:nvSpPr>
+        <p:spPr>
+          <a:xfrm>
+            <a:off x="5242313" y="1738434"/>
+            <a:ext cx="1728000" cy="720000"/>
+          </a:xfrm>
+          <a:prstGeom prst="leftRightArrow">
+            <a:avLst>
+              <a:gd name="adj1" fmla="val 100000"/>
+              <a:gd name="adj2" fmla="val 28824"/>
+            </a:avLst>
+          </a:prstGeom>
+          <a:ln>
+            <a:headEnd type="none" w="med" len="med"/>
+            <a:tailEnd type="none" w="med" len="med"/>
+          </a:ln>
+        </p:spPr>
+        <p:style>
+          <a:lnRef idx="2">
+            <a:schemeClr val="accent2"/>
+          </a:lnRef>
+          <a:fillRef idx="1">
+            <a:schemeClr val="lt1"/>
+          </a:fillRef>
+          <a:effectRef idx="0">
+            <a:schemeClr val="accent2"/>
+          </a:effectRef>
+          <a:fontRef idx="minor">
+            <a:schemeClr val="dk1"/>
+          </a:fontRef>
+        </p:style>
+        <p:txBody>
+          <a:bodyPr lIns="0" tIns="0" rIns="0" bIns="0" rtlCol="0" anchor="ctr"/>
+          <a:lstStyle/>
+          <a:p>
+            <a:pPr algn="ctr"/>
+            <a:r>
+              <a:rPr lang="en-US" sz="1400" dirty="0">
+                <a:solidFill>
+                  <a:schemeClr val="tx1"/>
+                </a:solidFill>
+              </a:rPr>
+              <a:t>Available RAM</a:t>
+            </a:r>
+          </a:p>
+          <a:p>
+            <a:pPr algn="ctr"/>
+            <a:r>
+              <a:rPr lang="en-US" sz="1400" dirty="0">
+                <a:solidFill>
+                  <a:schemeClr val="tx1"/>
+                </a:solidFill>
+              </a:rPr>
+              <a:t>for 2 buffers</a:t>
+            </a:r>
+          </a:p>
+        </p:txBody>
+      </p:sp>
+      <p:sp>
+        <p:nvSpPr>
+          <p:cNvPr id="378" name="Arrow: Left-Right 377">
+            <a:extLst>
+              <a:ext uri="{FF2B5EF4-FFF2-40B4-BE49-F238E27FC236}">
+                <a16:creationId xmlns:a16="http://schemas.microsoft.com/office/drawing/2014/main" id="{4AAB4CEE-D87E-C6FD-D094-9038DC7569E7}"/>
+              </a:ext>
+            </a:extLst>
+          </p:cNvPr>
+          <p:cNvSpPr/>
+          <p:nvPr/>
+        </p:nvSpPr>
+        <p:spPr>
+          <a:xfrm>
+            <a:off x="3422287" y="1061277"/>
+            <a:ext cx="1728000" cy="720000"/>
+          </a:xfrm>
+          <a:prstGeom prst="leftRightArrow">
+            <a:avLst>
+              <a:gd name="adj1" fmla="val 100000"/>
+              <a:gd name="adj2" fmla="val 28824"/>
+            </a:avLst>
+          </a:prstGeom>
+          <a:ln>
+            <a:headEnd type="none" w="med" len="med"/>
+            <a:tailEnd type="none" w="med" len="med"/>
+          </a:ln>
+        </p:spPr>
+        <p:style>
+          <a:lnRef idx="2">
+            <a:schemeClr val="accent2"/>
+          </a:lnRef>
+          <a:fillRef idx="1">
+            <a:schemeClr val="lt1"/>
+          </a:fillRef>
+          <a:effectRef idx="0">
+            <a:schemeClr val="accent2"/>
+          </a:effectRef>
+          <a:fontRef idx="minor">
+            <a:schemeClr val="dk1"/>
+          </a:fontRef>
+        </p:style>
+        <p:txBody>
+          <a:bodyPr lIns="0" tIns="0" rIns="0" bIns="0" rtlCol="0" anchor="ctr"/>
+          <a:lstStyle/>
+          <a:p>
+            <a:pPr algn="ctr"/>
+            <a:r>
+              <a:rPr lang="en-US" sz="1400" dirty="0">
+                <a:solidFill>
+                  <a:schemeClr val="tx1"/>
+                </a:solidFill>
+              </a:rPr>
+              <a:t>Available RAM</a:t>
+            </a:r>
+          </a:p>
+          <a:p>
+            <a:pPr algn="ctr"/>
+            <a:r>
+              <a:rPr lang="en-US" sz="1400" dirty="0">
+                <a:solidFill>
+                  <a:schemeClr val="tx1"/>
+                </a:solidFill>
+              </a:rPr>
+              <a:t>for 1 buffer</a:t>
+            </a:r>
+          </a:p>
+        </p:txBody>
+      </p:sp>
+      <p:sp>
+        <p:nvSpPr>
+          <p:cNvPr id="463" name="TextBox 462">
+            <a:extLst>
+              <a:ext uri="{FF2B5EF4-FFF2-40B4-BE49-F238E27FC236}">
+                <a16:creationId xmlns:a16="http://schemas.microsoft.com/office/drawing/2014/main" id="{43F63FCF-F1B2-8F4B-A4E0-7CF0D9007EFC}"/>
+              </a:ext>
+            </a:extLst>
+          </p:cNvPr>
+          <p:cNvSpPr txBox="1"/>
+          <p:nvPr/>
+        </p:nvSpPr>
+        <p:spPr>
+          <a:xfrm>
+            <a:off x="5027488" y="1885172"/>
+            <a:ext cx="296624" cy="215444"/>
+          </a:xfrm>
+          <a:prstGeom prst="rect">
+            <a:avLst/>
+          </a:prstGeom>
+          <a:noFill/>
+        </p:spPr>
+        <p:txBody>
+          <a:bodyPr vert="horz" wrap="square" lIns="0" tIns="0" rIns="0" bIns="0" numCol="1" spcCol="288000" rtlCol="0" anchor="t" anchorCtr="0">
+            <a:spAutoFit/>
+          </a:bodyPr>
+          <a:lstStyle/>
+          <a:p>
+            <a:pPr algn="l">
+              <a:spcBef>
+                <a:spcPts val="0"/>
+              </a:spcBef>
+              <a:spcAft>
+                <a:spcPts val="600"/>
+              </a:spcAft>
+            </a:pPr>
+            <a:r>
+              <a:rPr lang="en-US" sz="1400" b="0" i="0" spc="0" dirty="0">
+                <a:ln>
+                  <a:noFill/>
+                </a:ln>
+                <a:solidFill>
+                  <a:schemeClr val="tx2"/>
+                </a:solidFill>
+                <a:latin typeface="Source Sans Pro Light" charset="0"/>
+                <a:ea typeface="Source Sans Pro Light" charset="0"/>
+                <a:cs typeface="Source Sans Pro Light" charset="0"/>
+              </a:rPr>
+              <a:t>no</a:t>
+            </a:r>
+          </a:p>
+        </p:txBody>
+      </p:sp>
+      <p:sp>
+        <p:nvSpPr>
+          <p:cNvPr id="464" name="TextBox 463">
+            <a:extLst>
+              <a:ext uri="{FF2B5EF4-FFF2-40B4-BE49-F238E27FC236}">
+                <a16:creationId xmlns:a16="http://schemas.microsoft.com/office/drawing/2014/main" id="{091F1015-56A2-93A3-DEAD-A24DEDF01C71}"/>
+              </a:ext>
+            </a:extLst>
+          </p:cNvPr>
+          <p:cNvSpPr txBox="1"/>
+          <p:nvPr/>
+        </p:nvSpPr>
+        <p:spPr>
+          <a:xfrm>
+            <a:off x="784835" y="4022023"/>
+            <a:ext cx="296624" cy="215444"/>
+          </a:xfrm>
+          <a:prstGeom prst="rect">
+            <a:avLst/>
+          </a:prstGeom>
+          <a:noFill/>
+        </p:spPr>
+        <p:txBody>
+          <a:bodyPr vert="horz" wrap="square" lIns="0" tIns="0" rIns="0" bIns="0" numCol="1" spcCol="288000" rtlCol="0" anchor="t" anchorCtr="0">
+            <a:spAutoFit/>
+          </a:bodyPr>
+          <a:lstStyle/>
+          <a:p>
+            <a:pPr algn="l">
+              <a:spcBef>
+                <a:spcPts val="0"/>
+              </a:spcBef>
+              <a:spcAft>
+                <a:spcPts val="600"/>
+              </a:spcAft>
+            </a:pPr>
+            <a:r>
+              <a:rPr lang="en-US" sz="1400" b="0" i="0" spc="0" dirty="0">
+                <a:ln>
+                  <a:noFill/>
+                </a:ln>
+                <a:solidFill>
+                  <a:schemeClr val="tx2"/>
+                </a:solidFill>
+                <a:latin typeface="Source Sans Pro Light" charset="0"/>
+                <a:ea typeface="Source Sans Pro Light" charset="0"/>
+                <a:cs typeface="Source Sans Pro Light" charset="0"/>
+              </a:rPr>
+              <a:t>no</a:t>
+            </a:r>
+          </a:p>
+        </p:txBody>
+      </p:sp>
+      <p:sp>
+        <p:nvSpPr>
+          <p:cNvPr id="465" name="TextBox 464">
+            <a:extLst>
+              <a:ext uri="{FF2B5EF4-FFF2-40B4-BE49-F238E27FC236}">
+                <a16:creationId xmlns:a16="http://schemas.microsoft.com/office/drawing/2014/main" id="{48C8433C-8216-043D-73E0-05CEB84AA441}"/>
+              </a:ext>
+            </a:extLst>
+          </p:cNvPr>
+          <p:cNvSpPr txBox="1"/>
+          <p:nvPr/>
+        </p:nvSpPr>
+        <p:spPr>
+          <a:xfrm>
+            <a:off x="5037349" y="4003598"/>
+            <a:ext cx="296624" cy="215444"/>
+          </a:xfrm>
+          <a:prstGeom prst="rect">
+            <a:avLst/>
+          </a:prstGeom>
+          <a:noFill/>
+        </p:spPr>
+        <p:txBody>
+          <a:bodyPr vert="horz" wrap="square" lIns="0" tIns="0" rIns="0" bIns="0" numCol="1" spcCol="288000" rtlCol="0" anchor="t" anchorCtr="0">
+            <a:spAutoFit/>
+          </a:bodyPr>
+          <a:lstStyle/>
+          <a:p>
+            <a:pPr algn="l">
+              <a:spcBef>
+                <a:spcPts val="0"/>
+              </a:spcBef>
+              <a:spcAft>
+                <a:spcPts val="600"/>
+              </a:spcAft>
+            </a:pPr>
+            <a:r>
+              <a:rPr lang="en-US" sz="1400" b="0" i="0" spc="0" dirty="0">
+                <a:ln>
+                  <a:noFill/>
+                </a:ln>
+                <a:solidFill>
+                  <a:schemeClr val="tx2"/>
+                </a:solidFill>
+                <a:latin typeface="Source Sans Pro Light" charset="0"/>
+                <a:ea typeface="Source Sans Pro Light" charset="0"/>
+                <a:cs typeface="Source Sans Pro Light" charset="0"/>
+              </a:rPr>
+              <a:t>no</a:t>
+            </a:r>
+          </a:p>
+        </p:txBody>
+      </p:sp>
+      <p:sp>
+        <p:nvSpPr>
+          <p:cNvPr id="466" name="TextBox 465">
+            <a:extLst>
+              <a:ext uri="{FF2B5EF4-FFF2-40B4-BE49-F238E27FC236}">
+                <a16:creationId xmlns:a16="http://schemas.microsoft.com/office/drawing/2014/main" id="{D68146F2-D51B-7791-7109-E77F380A0A80}"/>
+              </a:ext>
+            </a:extLst>
+          </p:cNvPr>
+          <p:cNvSpPr txBox="1"/>
+          <p:nvPr/>
+        </p:nvSpPr>
+        <p:spPr>
+          <a:xfrm>
+            <a:off x="7161615" y="4749898"/>
+            <a:ext cx="296624" cy="215444"/>
+          </a:xfrm>
+          <a:prstGeom prst="rect">
+            <a:avLst/>
+          </a:prstGeom>
+          <a:noFill/>
+        </p:spPr>
+        <p:txBody>
+          <a:bodyPr vert="horz" wrap="square" lIns="0" tIns="0" rIns="0" bIns="0" numCol="1" spcCol="288000" rtlCol="0" anchor="t" anchorCtr="0">
+            <a:spAutoFit/>
+          </a:bodyPr>
+          <a:lstStyle/>
+          <a:p>
+            <a:pPr algn="l">
+              <a:spcBef>
+                <a:spcPts val="0"/>
+              </a:spcBef>
+              <a:spcAft>
+                <a:spcPts val="600"/>
+              </a:spcAft>
+            </a:pPr>
+            <a:r>
+              <a:rPr lang="en-US" sz="1400" b="0" i="0" spc="0" dirty="0">
+                <a:ln>
+                  <a:noFill/>
+                </a:ln>
+                <a:solidFill>
+                  <a:schemeClr val="tx2"/>
+                </a:solidFill>
+                <a:latin typeface="Source Sans Pro Light" charset="0"/>
+                <a:ea typeface="Source Sans Pro Light" charset="0"/>
+                <a:cs typeface="Source Sans Pro Light" charset="0"/>
+              </a:rPr>
+              <a:t>no</a:t>
+            </a:r>
+          </a:p>
+        </p:txBody>
+      </p:sp>
+      <p:sp>
+        <p:nvSpPr>
+          <p:cNvPr id="467" name="TextBox 466">
+            <a:extLst>
+              <a:ext uri="{FF2B5EF4-FFF2-40B4-BE49-F238E27FC236}">
+                <a16:creationId xmlns:a16="http://schemas.microsoft.com/office/drawing/2014/main" id="{09FFC3F5-D2CA-6653-E82B-2EE93DDC6795}"/>
+              </a:ext>
+            </a:extLst>
+          </p:cNvPr>
+          <p:cNvSpPr txBox="1"/>
+          <p:nvPr/>
+        </p:nvSpPr>
+        <p:spPr>
+          <a:xfrm>
+            <a:off x="9235811" y="4013756"/>
+            <a:ext cx="296624" cy="215444"/>
+          </a:xfrm>
+          <a:prstGeom prst="rect">
+            <a:avLst/>
+          </a:prstGeom>
+          <a:noFill/>
+        </p:spPr>
+        <p:txBody>
+          <a:bodyPr vert="horz" wrap="square" lIns="0" tIns="0" rIns="0" bIns="0" numCol="1" spcCol="288000" rtlCol="0" anchor="t" anchorCtr="0">
+            <a:spAutoFit/>
+          </a:bodyPr>
+          <a:lstStyle/>
+          <a:p>
+            <a:pPr algn="l">
+              <a:spcBef>
+                <a:spcPts val="0"/>
+              </a:spcBef>
+              <a:spcAft>
+                <a:spcPts val="600"/>
+              </a:spcAft>
+            </a:pPr>
+            <a:r>
+              <a:rPr lang="en-US" sz="1400" b="0" i="0" spc="0" dirty="0">
+                <a:ln>
+                  <a:noFill/>
+                </a:ln>
+                <a:solidFill>
+                  <a:schemeClr val="tx2"/>
+                </a:solidFill>
+                <a:latin typeface="Source Sans Pro Light" charset="0"/>
+                <a:ea typeface="Source Sans Pro Light" charset="0"/>
+                <a:cs typeface="Source Sans Pro Light" charset="0"/>
+              </a:rPr>
+              <a:t>no</a:t>
+            </a:r>
+          </a:p>
+        </p:txBody>
+      </p:sp>
+      <p:sp>
+        <p:nvSpPr>
+          <p:cNvPr id="468" name="TextBox 467">
+            <a:extLst>
+              <a:ext uri="{FF2B5EF4-FFF2-40B4-BE49-F238E27FC236}">
+                <a16:creationId xmlns:a16="http://schemas.microsoft.com/office/drawing/2014/main" id="{580DC9F1-77A8-2A2B-CB29-361202138909}"/>
+              </a:ext>
+            </a:extLst>
+          </p:cNvPr>
+          <p:cNvSpPr txBox="1"/>
+          <p:nvPr/>
+        </p:nvSpPr>
+        <p:spPr>
+          <a:xfrm>
+            <a:off x="5185661" y="1137589"/>
+            <a:ext cx="296624" cy="215444"/>
+          </a:xfrm>
+          <a:prstGeom prst="rect">
+            <a:avLst/>
+          </a:prstGeom>
+          <a:noFill/>
+        </p:spPr>
+        <p:txBody>
+          <a:bodyPr vert="horz" wrap="square" lIns="0" tIns="0" rIns="0" bIns="0" numCol="1" spcCol="288000" rtlCol="0" anchor="t" anchorCtr="0">
+            <a:spAutoFit/>
+          </a:bodyPr>
+          <a:lstStyle/>
+          <a:p>
+            <a:pPr algn="l">
+              <a:spcBef>
+                <a:spcPts val="0"/>
+              </a:spcBef>
+              <a:spcAft>
+                <a:spcPts val="600"/>
+              </a:spcAft>
+            </a:pPr>
+            <a:r>
+              <a:rPr lang="en-US" sz="1400" b="0" i="0" spc="0" dirty="0">
+                <a:ln>
+                  <a:noFill/>
+                </a:ln>
+                <a:solidFill>
+                  <a:schemeClr val="tx2"/>
+                </a:solidFill>
+                <a:latin typeface="Source Sans Pro Light" charset="0"/>
+                <a:ea typeface="Source Sans Pro Light" charset="0"/>
+                <a:cs typeface="Source Sans Pro Light" charset="0"/>
+              </a:rPr>
+              <a:t>yes</a:t>
+            </a:r>
+          </a:p>
+        </p:txBody>
+      </p:sp>
+      <p:sp>
+        <p:nvSpPr>
+          <p:cNvPr id="469" name="TextBox 468">
+            <a:extLst>
+              <a:ext uri="{FF2B5EF4-FFF2-40B4-BE49-F238E27FC236}">
+                <a16:creationId xmlns:a16="http://schemas.microsoft.com/office/drawing/2014/main" id="{C6130480-EB3A-662B-CFB5-3B1E4BF7BAC5}"/>
+              </a:ext>
+            </a:extLst>
+          </p:cNvPr>
+          <p:cNvSpPr txBox="1"/>
+          <p:nvPr/>
+        </p:nvSpPr>
+        <p:spPr>
+          <a:xfrm>
+            <a:off x="7028760" y="1874571"/>
+            <a:ext cx="296624" cy="215444"/>
+          </a:xfrm>
+          <a:prstGeom prst="rect">
+            <a:avLst/>
+          </a:prstGeom>
+          <a:noFill/>
+        </p:spPr>
+        <p:txBody>
+          <a:bodyPr vert="horz" wrap="square" lIns="0" tIns="0" rIns="0" bIns="0" numCol="1" spcCol="288000" rtlCol="0" anchor="t" anchorCtr="0">
+            <a:spAutoFit/>
+          </a:bodyPr>
+          <a:lstStyle/>
+          <a:p>
+            <a:pPr algn="l">
+              <a:spcBef>
+                <a:spcPts val="0"/>
+              </a:spcBef>
+              <a:spcAft>
+                <a:spcPts val="600"/>
+              </a:spcAft>
+            </a:pPr>
+            <a:r>
+              <a:rPr lang="en-US" sz="1400" b="0" i="0" spc="0" dirty="0">
+                <a:ln>
+                  <a:noFill/>
+                </a:ln>
+                <a:solidFill>
+                  <a:schemeClr val="tx2"/>
+                </a:solidFill>
+                <a:latin typeface="Source Sans Pro Light" charset="0"/>
+                <a:ea typeface="Source Sans Pro Light" charset="0"/>
+                <a:cs typeface="Source Sans Pro Light" charset="0"/>
+              </a:rPr>
+              <a:t>yes</a:t>
+            </a:r>
+          </a:p>
+        </p:txBody>
+      </p:sp>
+      <p:sp>
+        <p:nvSpPr>
+          <p:cNvPr id="470" name="TextBox 469">
+            <a:extLst>
+              <a:ext uri="{FF2B5EF4-FFF2-40B4-BE49-F238E27FC236}">
+                <a16:creationId xmlns:a16="http://schemas.microsoft.com/office/drawing/2014/main" id="{4A7B9183-5C3B-7C72-041B-7DA40F6B031F}"/>
+              </a:ext>
+            </a:extLst>
+          </p:cNvPr>
+          <p:cNvSpPr txBox="1"/>
+          <p:nvPr/>
+        </p:nvSpPr>
+        <p:spPr>
+          <a:xfrm>
+            <a:off x="2802451" y="4029651"/>
+            <a:ext cx="296624" cy="215444"/>
+          </a:xfrm>
+          <a:prstGeom prst="rect">
+            <a:avLst/>
+          </a:prstGeom>
+          <a:noFill/>
+        </p:spPr>
+        <p:txBody>
+          <a:bodyPr vert="horz" wrap="square" lIns="0" tIns="0" rIns="0" bIns="0" numCol="1" spcCol="288000" rtlCol="0" anchor="t" anchorCtr="0">
+            <a:spAutoFit/>
+          </a:bodyPr>
+          <a:lstStyle/>
+          <a:p>
+            <a:pPr algn="l">
+              <a:spcBef>
+                <a:spcPts val="0"/>
+              </a:spcBef>
+              <a:spcAft>
+                <a:spcPts val="600"/>
+              </a:spcAft>
+            </a:pPr>
+            <a:r>
+              <a:rPr lang="en-US" sz="1400" b="0" i="0" spc="0" dirty="0">
+                <a:ln>
+                  <a:noFill/>
+                </a:ln>
+                <a:solidFill>
+                  <a:schemeClr val="tx2"/>
+                </a:solidFill>
+                <a:latin typeface="Source Sans Pro Light" charset="0"/>
+                <a:ea typeface="Source Sans Pro Light" charset="0"/>
+                <a:cs typeface="Source Sans Pro Light" charset="0"/>
+              </a:rPr>
+              <a:t>yes</a:t>
+            </a:r>
+          </a:p>
+        </p:txBody>
+      </p:sp>
+      <p:sp>
+        <p:nvSpPr>
+          <p:cNvPr id="471" name="TextBox 470">
+            <a:extLst>
+              <a:ext uri="{FF2B5EF4-FFF2-40B4-BE49-F238E27FC236}">
+                <a16:creationId xmlns:a16="http://schemas.microsoft.com/office/drawing/2014/main" id="{05186061-03F2-16E4-0402-23A66E806597}"/>
+              </a:ext>
+            </a:extLst>
+          </p:cNvPr>
+          <p:cNvSpPr txBox="1"/>
+          <p:nvPr/>
+        </p:nvSpPr>
+        <p:spPr>
+          <a:xfrm>
+            <a:off x="6955656" y="4039875"/>
+            <a:ext cx="296624" cy="215444"/>
+          </a:xfrm>
+          <a:prstGeom prst="rect">
+            <a:avLst/>
+          </a:prstGeom>
+          <a:noFill/>
+        </p:spPr>
+        <p:txBody>
+          <a:bodyPr vert="horz" wrap="square" lIns="0" tIns="0" rIns="0" bIns="0" numCol="1" spcCol="288000" rtlCol="0" anchor="t" anchorCtr="0">
+            <a:spAutoFit/>
+          </a:bodyPr>
+          <a:lstStyle/>
+          <a:p>
+            <a:pPr algn="l">
+              <a:spcBef>
+                <a:spcPts val="0"/>
+              </a:spcBef>
+              <a:spcAft>
+                <a:spcPts val="600"/>
+              </a:spcAft>
+            </a:pPr>
+            <a:r>
+              <a:rPr lang="en-US" sz="1400" b="0" i="0" spc="0" dirty="0">
+                <a:ln>
+                  <a:noFill/>
+                </a:ln>
+                <a:solidFill>
+                  <a:schemeClr val="tx2"/>
+                </a:solidFill>
+                <a:latin typeface="Source Sans Pro Light" charset="0"/>
+                <a:ea typeface="Source Sans Pro Light" charset="0"/>
+                <a:cs typeface="Source Sans Pro Light" charset="0"/>
+              </a:rPr>
+              <a:t>yes</a:t>
+            </a:r>
+          </a:p>
+        </p:txBody>
+      </p:sp>
+      <p:sp>
+        <p:nvSpPr>
+          <p:cNvPr id="472" name="TextBox 471">
+            <a:extLst>
+              <a:ext uri="{FF2B5EF4-FFF2-40B4-BE49-F238E27FC236}">
+                <a16:creationId xmlns:a16="http://schemas.microsoft.com/office/drawing/2014/main" id="{329C2101-7140-D3E4-3C0E-EB776986D1A7}"/>
+              </a:ext>
+            </a:extLst>
+          </p:cNvPr>
+          <p:cNvSpPr txBox="1"/>
+          <p:nvPr/>
+        </p:nvSpPr>
+        <p:spPr>
+          <a:xfrm>
+            <a:off x="9144903" y="4747332"/>
+            <a:ext cx="296624" cy="215444"/>
+          </a:xfrm>
+          <a:prstGeom prst="rect">
+            <a:avLst/>
+          </a:prstGeom>
+          <a:noFill/>
+        </p:spPr>
+        <p:txBody>
+          <a:bodyPr vert="horz" wrap="square" lIns="0" tIns="0" rIns="0" bIns="0" numCol="1" spcCol="288000" rtlCol="0" anchor="t" anchorCtr="0">
+            <a:spAutoFit/>
+          </a:bodyPr>
+          <a:lstStyle/>
+          <a:p>
+            <a:pPr algn="l">
+              <a:spcBef>
+                <a:spcPts val="0"/>
+              </a:spcBef>
+              <a:spcAft>
+                <a:spcPts val="600"/>
+              </a:spcAft>
+            </a:pPr>
+            <a:r>
+              <a:rPr lang="en-US" sz="1400" b="0" i="0" spc="0" dirty="0">
+                <a:ln>
+                  <a:noFill/>
+                </a:ln>
+                <a:solidFill>
+                  <a:schemeClr val="tx2"/>
+                </a:solidFill>
+                <a:latin typeface="Source Sans Pro Light" charset="0"/>
+                <a:ea typeface="Source Sans Pro Light" charset="0"/>
+                <a:cs typeface="Source Sans Pro Light" charset="0"/>
+              </a:rPr>
+              <a:t>yes</a:t>
+            </a:r>
+          </a:p>
+        </p:txBody>
+      </p:sp>
+      <p:sp>
+        <p:nvSpPr>
+          <p:cNvPr id="473" name="TextBox 472">
+            <a:extLst>
+              <a:ext uri="{FF2B5EF4-FFF2-40B4-BE49-F238E27FC236}">
+                <a16:creationId xmlns:a16="http://schemas.microsoft.com/office/drawing/2014/main" id="{9B65A6ED-F90E-A3F8-EE59-959115A336BC}"/>
+              </a:ext>
+            </a:extLst>
+          </p:cNvPr>
+          <p:cNvSpPr txBox="1"/>
+          <p:nvPr/>
+        </p:nvSpPr>
+        <p:spPr>
+          <a:xfrm>
+            <a:off x="11198257" y="4022023"/>
+            <a:ext cx="296624" cy="215444"/>
+          </a:xfrm>
+          <a:prstGeom prst="rect">
+            <a:avLst/>
+          </a:prstGeom>
+          <a:noFill/>
+        </p:spPr>
+        <p:txBody>
+          <a:bodyPr vert="horz" wrap="square" lIns="0" tIns="0" rIns="0" bIns="0" numCol="1" spcCol="288000" rtlCol="0" anchor="t" anchorCtr="0">
+            <a:spAutoFit/>
+          </a:bodyPr>
+          <a:lstStyle/>
+          <a:p>
+            <a:pPr algn="l">
+              <a:spcBef>
+                <a:spcPts val="0"/>
+              </a:spcBef>
+              <a:spcAft>
+                <a:spcPts val="600"/>
+              </a:spcAft>
+            </a:pPr>
+            <a:r>
+              <a:rPr lang="en-US" sz="1400" b="0" i="0" spc="0" dirty="0">
+                <a:ln>
+                  <a:noFill/>
+                </a:ln>
+                <a:solidFill>
+                  <a:schemeClr val="tx2"/>
+                </a:solidFill>
+                <a:latin typeface="Source Sans Pro Light" charset="0"/>
+                <a:ea typeface="Source Sans Pro Light" charset="0"/>
+                <a:cs typeface="Source Sans Pro Light" charset="0"/>
+              </a:rPr>
+              <a:t>yes</a:t>
+            </a:r>
+          </a:p>
+        </p:txBody>
+      </p:sp>
+      <p:sp>
+        <p:nvSpPr>
+          <p:cNvPr id="475" name="TextBox 474">
+            <a:extLst>
+              <a:ext uri="{FF2B5EF4-FFF2-40B4-BE49-F238E27FC236}">
+                <a16:creationId xmlns:a16="http://schemas.microsoft.com/office/drawing/2014/main" id="{5A75253E-E205-9AD2-833F-768D6B6004D4}"/>
+              </a:ext>
+            </a:extLst>
+          </p:cNvPr>
+          <p:cNvSpPr txBox="1"/>
+          <p:nvPr/>
+        </p:nvSpPr>
+        <p:spPr>
+          <a:xfrm>
+            <a:off x="4820736" y="5377349"/>
+            <a:ext cx="296624" cy="215444"/>
+          </a:xfrm>
+          <a:prstGeom prst="rect">
+            <a:avLst/>
+          </a:prstGeom>
+          <a:noFill/>
+        </p:spPr>
+        <p:txBody>
+          <a:bodyPr vert="horz" wrap="square" lIns="0" tIns="0" rIns="0" bIns="0" numCol="1" spcCol="288000" rtlCol="0" anchor="t" anchorCtr="0">
+            <a:spAutoFit/>
+          </a:bodyPr>
+          <a:lstStyle/>
+          <a:p>
+            <a:pPr algn="l">
+              <a:spcBef>
+                <a:spcPts val="0"/>
+              </a:spcBef>
+              <a:spcAft>
+                <a:spcPts val="600"/>
+              </a:spcAft>
+            </a:pPr>
+            <a:r>
+              <a:rPr lang="en-US" sz="1400" b="0" i="0" spc="0" dirty="0">
+                <a:ln>
+                  <a:noFill/>
+                </a:ln>
+                <a:solidFill>
+                  <a:schemeClr val="tx2"/>
+                </a:solidFill>
+                <a:latin typeface="Source Sans Pro Light" charset="0"/>
+                <a:ea typeface="Source Sans Pro Light" charset="0"/>
+                <a:cs typeface="Source Sans Pro Light" charset="0"/>
+              </a:rPr>
+              <a:t>yes</a:t>
+            </a:r>
+          </a:p>
+        </p:txBody>
+      </p:sp>
+      <p:sp>
+        <p:nvSpPr>
+          <p:cNvPr id="477" name="TextBox 476">
+            <a:extLst>
+              <a:ext uri="{FF2B5EF4-FFF2-40B4-BE49-F238E27FC236}">
+                <a16:creationId xmlns:a16="http://schemas.microsoft.com/office/drawing/2014/main" id="{8781F7C8-70DA-2FE2-13CC-8A98AFB81AF9}"/>
+              </a:ext>
+            </a:extLst>
+          </p:cNvPr>
+          <p:cNvSpPr txBox="1"/>
+          <p:nvPr/>
+        </p:nvSpPr>
+        <p:spPr>
+          <a:xfrm>
+            <a:off x="2820576" y="5383964"/>
+            <a:ext cx="296624" cy="215444"/>
+          </a:xfrm>
+          <a:prstGeom prst="rect">
+            <a:avLst/>
+          </a:prstGeom>
+          <a:noFill/>
+        </p:spPr>
+        <p:txBody>
+          <a:bodyPr vert="horz" wrap="square" lIns="0" tIns="0" rIns="0" bIns="0" numCol="1" spcCol="288000" rtlCol="0" anchor="t" anchorCtr="0">
+            <a:spAutoFit/>
+          </a:bodyPr>
+          <a:lstStyle/>
+          <a:p>
+            <a:pPr algn="l">
+              <a:spcBef>
+                <a:spcPts val="0"/>
+              </a:spcBef>
+              <a:spcAft>
+                <a:spcPts val="600"/>
+              </a:spcAft>
+            </a:pPr>
+            <a:r>
+              <a:rPr lang="en-US" sz="1400" b="0" i="0" spc="0" dirty="0">
+                <a:ln>
+                  <a:noFill/>
+                </a:ln>
+                <a:solidFill>
+                  <a:schemeClr val="tx2"/>
+                </a:solidFill>
+                <a:latin typeface="Source Sans Pro Light" charset="0"/>
+                <a:ea typeface="Source Sans Pro Light" charset="0"/>
+                <a:cs typeface="Source Sans Pro Light" charset="0"/>
+              </a:rPr>
+              <a:t>no</a:t>
+            </a:r>
+          </a:p>
+        </p:txBody>
+      </p:sp>
+    </p:spTree>
+    <p:extLst>
+      <p:ext uri="{BB962C8B-B14F-4D97-AF65-F5344CB8AC3E}">
+        <p14:creationId xmlns:p14="http://schemas.microsoft.com/office/powerpoint/2010/main" val="3605211680"/>
+      </p:ext>
+    </p:extLst>
+  </p:cSld>
+  <p:clrMapOvr>
+    <a:masterClrMapping/>
+  </p:clrMapOvr>
+</p:sld>
+</file>
+
+<file path=ppt/slides/slide14.xml><?xml version="1.0" encoding="utf-8"?>
+<p:sld xmlns:a="http://schemas.openxmlformats.org/drawingml/2006/main" xmlns:r="http://schemas.openxmlformats.org/officeDocument/2006/relationships" xmlns:p="http://schemas.openxmlformats.org/presentationml/2006/main">
+  <p:cSld>
+    <p:spTree>
+      <p:nvGrpSpPr>
+        <p:cNvPr id="1" name=""/>
+        <p:cNvGrpSpPr/>
+        <p:nvPr/>
+      </p:nvGrpSpPr>
+      <p:grpSpPr>
+        <a:xfrm>
+          <a:off x="0" y="0"/>
+          <a:ext cx="0" cy="0"/>
+          <a:chOff x="0" y="0"/>
+          <a:chExt cx="0" cy="0"/>
+        </a:xfrm>
+      </p:grpSpPr>
+      <p:cxnSp>
+        <p:nvCxnSpPr>
+          <p:cNvPr id="42" name="Connector: Elbow 41">
+            <a:extLst>
+              <a:ext uri="{FF2B5EF4-FFF2-40B4-BE49-F238E27FC236}">
+                <a16:creationId xmlns:a16="http://schemas.microsoft.com/office/drawing/2014/main" id="{C44BEDCC-5975-8298-1735-4F05D3B246E8}"/>
+              </a:ext>
+            </a:extLst>
+          </p:cNvPr>
+          <p:cNvCxnSpPr>
+            <a:cxnSpLocks/>
+            <a:stCxn id="226" idx="0"/>
+            <a:endCxn id="101" idx="1"/>
+          </p:cNvCxnSpPr>
+          <p:nvPr/>
+        </p:nvCxnSpPr>
+        <p:spPr>
+          <a:xfrm rot="5400000" flipH="1" flipV="1">
+            <a:off x="3440968" y="475980"/>
+            <a:ext cx="375354" cy="2941739"/>
+          </a:xfrm>
+          <a:prstGeom prst="bentConnector2">
+            <a:avLst/>
+          </a:prstGeom>
+          <a:ln w="19050">
+            <a:tailEnd type="triangle"/>
+          </a:ln>
+        </p:spPr>
+        <p:style>
+          <a:lnRef idx="1">
+            <a:schemeClr val="accent1"/>
+          </a:lnRef>
+          <a:fillRef idx="0">
+            <a:schemeClr val="accent1"/>
+          </a:fillRef>
+          <a:effectRef idx="0">
+            <a:schemeClr val="accent1"/>
+          </a:effectRef>
+          <a:fontRef idx="minor">
+            <a:schemeClr val="tx1"/>
+          </a:fontRef>
+        </p:style>
+      </p:cxnSp>
+      <p:sp>
+        <p:nvSpPr>
+          <p:cNvPr id="45" name="TextBox 44">
+            <a:extLst>
+              <a:ext uri="{FF2B5EF4-FFF2-40B4-BE49-F238E27FC236}">
+                <a16:creationId xmlns:a16="http://schemas.microsoft.com/office/drawing/2014/main" id="{70C8ED73-1DF2-00BE-28FF-1E7A78AF2938}"/>
+              </a:ext>
+            </a:extLst>
+          </p:cNvPr>
+          <p:cNvSpPr txBox="1"/>
+          <p:nvPr/>
+        </p:nvSpPr>
+        <p:spPr>
+          <a:xfrm>
+            <a:off x="-2744195" y="-4929353"/>
+            <a:ext cx="296624" cy="215444"/>
+          </a:xfrm>
+          <a:prstGeom prst="rect">
+            <a:avLst/>
+          </a:prstGeom>
+          <a:noFill/>
+        </p:spPr>
+        <p:txBody>
+          <a:bodyPr vert="horz" wrap="square" lIns="0" tIns="0" rIns="0" bIns="0" numCol="1" spcCol="288000" rtlCol="0" anchor="t" anchorCtr="0">
+            <a:spAutoFit/>
+          </a:bodyPr>
+          <a:lstStyle/>
+          <a:p>
+            <a:pPr algn="l">
+              <a:spcBef>
+                <a:spcPts val="0"/>
+              </a:spcBef>
+              <a:spcAft>
+                <a:spcPts val="600"/>
+              </a:spcAft>
+            </a:pPr>
+            <a:r>
+              <a:rPr lang="en-US" sz="1400" b="0" i="0" spc="0" dirty="0">
+                <a:ln>
+                  <a:noFill/>
+                </a:ln>
+                <a:solidFill>
+                  <a:schemeClr val="tx2"/>
+                </a:solidFill>
+                <a:latin typeface="Source Sans Pro Light" charset="0"/>
+                <a:ea typeface="Source Sans Pro Light" charset="0"/>
+                <a:cs typeface="Source Sans Pro Light" charset="0"/>
+              </a:rPr>
+              <a:t>no</a:t>
+            </a:r>
+          </a:p>
+        </p:txBody>
+      </p:sp>
+      <p:cxnSp>
+        <p:nvCxnSpPr>
+          <p:cNvPr id="47" name="Connector: Elbow 46">
+            <a:extLst>
+              <a:ext uri="{FF2B5EF4-FFF2-40B4-BE49-F238E27FC236}">
+                <a16:creationId xmlns:a16="http://schemas.microsoft.com/office/drawing/2014/main" id="{F4361246-7642-982F-396A-73F65A53BA1B}"/>
+              </a:ext>
+            </a:extLst>
+          </p:cNvPr>
+          <p:cNvCxnSpPr>
+            <a:cxnSpLocks/>
+            <a:stCxn id="226" idx="4"/>
+            <a:endCxn id="232" idx="2"/>
+          </p:cNvCxnSpPr>
+          <p:nvPr/>
+        </p:nvCxnSpPr>
+        <p:spPr>
+          <a:xfrm rot="16200000" flipH="1">
+            <a:off x="2309685" y="2774617"/>
+            <a:ext cx="551848" cy="855666"/>
+          </a:xfrm>
+          <a:prstGeom prst="bentConnector2">
+            <a:avLst/>
+          </a:prstGeom>
+          <a:ln w="19050">
+            <a:tailEnd type="triangle"/>
+          </a:ln>
+        </p:spPr>
+        <p:style>
+          <a:lnRef idx="1">
+            <a:schemeClr val="accent1"/>
+          </a:lnRef>
+          <a:fillRef idx="0">
+            <a:schemeClr val="accent1"/>
+          </a:fillRef>
+          <a:effectRef idx="0">
+            <a:schemeClr val="accent1"/>
+          </a:effectRef>
+          <a:fontRef idx="minor">
+            <a:schemeClr val="tx1"/>
+          </a:fontRef>
+        </p:style>
+      </p:cxnSp>
+      <p:cxnSp>
+        <p:nvCxnSpPr>
+          <p:cNvPr id="51" name="Connector: Elbow 50">
+            <a:extLst>
+              <a:ext uri="{FF2B5EF4-FFF2-40B4-BE49-F238E27FC236}">
+                <a16:creationId xmlns:a16="http://schemas.microsoft.com/office/drawing/2014/main" id="{6AC02264-4EBE-0A96-9139-2AA9BB385783}"/>
+              </a:ext>
+            </a:extLst>
+          </p:cNvPr>
+          <p:cNvCxnSpPr>
+            <a:cxnSpLocks/>
+            <a:stCxn id="232" idx="4"/>
+            <a:endCxn id="103" idx="1"/>
+          </p:cNvCxnSpPr>
+          <p:nvPr/>
+        </p:nvCxnSpPr>
+        <p:spPr>
+          <a:xfrm rot="16200000" flipH="1">
+            <a:off x="4376236" y="3303579"/>
+            <a:ext cx="152484" cy="1294073"/>
+          </a:xfrm>
+          <a:prstGeom prst="bentConnector2">
+            <a:avLst/>
+          </a:prstGeom>
+          <a:ln w="19050">
+            <a:tailEnd type="triangle"/>
+          </a:ln>
+        </p:spPr>
+        <p:style>
+          <a:lnRef idx="1">
+            <a:schemeClr val="accent1"/>
+          </a:lnRef>
+          <a:fillRef idx="0">
+            <a:schemeClr val="accent1"/>
+          </a:fillRef>
+          <a:effectRef idx="0">
+            <a:schemeClr val="accent1"/>
+          </a:effectRef>
+          <a:fontRef idx="minor">
+            <a:schemeClr val="tx1"/>
+          </a:fontRef>
+        </p:style>
+      </p:cxnSp>
+      <p:cxnSp>
+        <p:nvCxnSpPr>
+          <p:cNvPr id="57" name="Connector: Elbow 56">
+            <a:extLst>
+              <a:ext uri="{FF2B5EF4-FFF2-40B4-BE49-F238E27FC236}">
+                <a16:creationId xmlns:a16="http://schemas.microsoft.com/office/drawing/2014/main" id="{3CBC7428-63AA-ED97-BC95-E9ACEC4CAA35}"/>
+              </a:ext>
+            </a:extLst>
+          </p:cNvPr>
+          <p:cNvCxnSpPr>
+            <a:cxnSpLocks/>
+            <a:stCxn id="232" idx="0"/>
+            <a:endCxn id="102" idx="1"/>
+          </p:cNvCxnSpPr>
+          <p:nvPr/>
+        </p:nvCxnSpPr>
+        <p:spPr>
+          <a:xfrm rot="5400000" flipH="1" flipV="1">
+            <a:off x="4357799" y="2340659"/>
+            <a:ext cx="189359" cy="1294073"/>
+          </a:xfrm>
+          <a:prstGeom prst="bentConnector2">
+            <a:avLst/>
+          </a:prstGeom>
+          <a:ln w="19050">
+            <a:tailEnd type="triangle"/>
+          </a:ln>
+        </p:spPr>
+        <p:style>
+          <a:lnRef idx="1">
+            <a:schemeClr val="accent1"/>
+          </a:lnRef>
+          <a:fillRef idx="0">
+            <a:schemeClr val="accent1"/>
+          </a:fillRef>
+          <a:effectRef idx="0">
+            <a:schemeClr val="accent1"/>
+          </a:effectRef>
+          <a:fontRef idx="minor">
+            <a:schemeClr val="tx1"/>
+          </a:fontRef>
+        </p:style>
+      </p:cxnSp>
+      <p:sp>
+        <p:nvSpPr>
+          <p:cNvPr id="101" name="Rectangle: Rounded Corners 100">
+            <a:extLst>
+              <a:ext uri="{FF2B5EF4-FFF2-40B4-BE49-F238E27FC236}">
+                <a16:creationId xmlns:a16="http://schemas.microsoft.com/office/drawing/2014/main" id="{4F495089-CA0C-7101-CCD2-C400D45B18C7}"/>
+              </a:ext>
+            </a:extLst>
+          </p:cNvPr>
+          <p:cNvSpPr/>
+          <p:nvPr/>
+        </p:nvSpPr>
+        <p:spPr>
+          <a:xfrm>
+            <a:off x="5099515" y="1363172"/>
+            <a:ext cx="1584000" cy="792000"/>
+          </a:xfrm>
+          <a:prstGeom prst="roundRect">
+            <a:avLst/>
+          </a:prstGeom>
+          <a:ln/>
+        </p:spPr>
+        <p:style>
+          <a:lnRef idx="2">
+            <a:schemeClr val="accent5"/>
+          </a:lnRef>
+          <a:fillRef idx="1">
+            <a:schemeClr val="lt1"/>
+          </a:fillRef>
+          <a:effectRef idx="0">
+            <a:schemeClr val="accent5"/>
+          </a:effectRef>
+          <a:fontRef idx="minor">
+            <a:schemeClr val="dk1"/>
+          </a:fontRef>
+        </p:style>
+        <p:txBody>
+          <a:bodyPr rtlCol="0" anchor="ctr"/>
+          <a:lstStyle/>
+          <a:p>
+            <a:pPr algn="ctr"/>
+            <a:r>
+              <a:rPr lang="en-US" sz="2000" dirty="0">
+                <a:solidFill>
+                  <a:schemeClr val="tx2"/>
+                </a:solidFill>
+                <a:latin typeface="Source Sans Pro Light" panose="020B0403030403020204" pitchFamily="34" charset="77"/>
+                <a:ea typeface="Source Sans Pro" panose="020B0503030403020204" pitchFamily="34" charset="0"/>
+              </a:rPr>
+              <a:t>Partial</a:t>
+            </a:r>
+          </a:p>
+        </p:txBody>
+      </p:sp>
+      <p:sp>
+        <p:nvSpPr>
+          <p:cNvPr id="102" name="Rectangle: Rounded Corners 101">
+            <a:extLst>
+              <a:ext uri="{FF2B5EF4-FFF2-40B4-BE49-F238E27FC236}">
+                <a16:creationId xmlns:a16="http://schemas.microsoft.com/office/drawing/2014/main" id="{BFE73C68-3E24-7C23-701F-7F7A3400050F}"/>
+              </a:ext>
+            </a:extLst>
+          </p:cNvPr>
+          <p:cNvSpPr/>
+          <p:nvPr/>
+        </p:nvSpPr>
+        <p:spPr>
+          <a:xfrm>
+            <a:off x="5099515" y="2497015"/>
+            <a:ext cx="1584000" cy="792000"/>
+          </a:xfrm>
+          <a:prstGeom prst="roundRect">
+            <a:avLst/>
+          </a:prstGeom>
+          <a:ln/>
+        </p:spPr>
+        <p:style>
+          <a:lnRef idx="2">
+            <a:schemeClr val="accent5"/>
+          </a:lnRef>
+          <a:fillRef idx="1">
+            <a:schemeClr val="lt1"/>
+          </a:fillRef>
+          <a:effectRef idx="0">
+            <a:schemeClr val="accent5"/>
+          </a:effectRef>
+          <a:fontRef idx="minor">
+            <a:schemeClr val="dk1"/>
+          </a:fontRef>
+        </p:style>
+        <p:txBody>
+          <a:bodyPr rtlCol="0" anchor="ctr"/>
+          <a:lstStyle/>
+          <a:p>
+            <a:pPr algn="ctr"/>
+            <a:r>
+              <a:rPr lang="en-US" sz="2000" dirty="0">
+                <a:solidFill>
+                  <a:schemeClr val="tx2"/>
+                </a:solidFill>
+                <a:latin typeface="Source Sans Pro Light" panose="020B0403030403020204" pitchFamily="34" charset="77"/>
+                <a:ea typeface="Source Sans Pro" panose="020B0503030403020204" pitchFamily="34" charset="0"/>
+              </a:rPr>
+              <a:t>Single</a:t>
+            </a:r>
+          </a:p>
+        </p:txBody>
+      </p:sp>
+      <p:sp>
+        <p:nvSpPr>
+          <p:cNvPr id="103" name="Rectangle: Rounded Corners 102">
+            <a:extLst>
+              <a:ext uri="{FF2B5EF4-FFF2-40B4-BE49-F238E27FC236}">
+                <a16:creationId xmlns:a16="http://schemas.microsoft.com/office/drawing/2014/main" id="{C9125C09-6557-9C6C-805E-0A7A6FC75287}"/>
+              </a:ext>
+            </a:extLst>
+          </p:cNvPr>
+          <p:cNvSpPr/>
+          <p:nvPr/>
+        </p:nvSpPr>
+        <p:spPr>
+          <a:xfrm>
+            <a:off x="5099515" y="3630858"/>
+            <a:ext cx="1584000" cy="792000"/>
+          </a:xfrm>
+          <a:prstGeom prst="roundRect">
+            <a:avLst/>
+          </a:prstGeom>
+          <a:ln/>
+        </p:spPr>
+        <p:style>
+          <a:lnRef idx="2">
+            <a:schemeClr val="accent5"/>
+          </a:lnRef>
+          <a:fillRef idx="1">
+            <a:schemeClr val="lt1"/>
+          </a:fillRef>
+          <a:effectRef idx="0">
+            <a:schemeClr val="accent5"/>
+          </a:effectRef>
+          <a:fontRef idx="minor">
+            <a:schemeClr val="dk1"/>
+          </a:fontRef>
+        </p:style>
+        <p:txBody>
+          <a:bodyPr rtlCol="0" anchor="ctr"/>
+          <a:lstStyle/>
+          <a:p>
+            <a:pPr algn="ctr"/>
+            <a:r>
+              <a:rPr lang="en-US" sz="2000" dirty="0">
+                <a:solidFill>
+                  <a:schemeClr val="tx2"/>
+                </a:solidFill>
+                <a:latin typeface="Source Sans Pro Light" panose="020B0403030403020204" pitchFamily="34" charset="77"/>
+                <a:ea typeface="Source Sans Pro" panose="020B0503030403020204" pitchFamily="34" charset="0"/>
+              </a:rPr>
+              <a:t>Copy &amp; Swap</a:t>
+            </a:r>
+          </a:p>
+        </p:txBody>
+      </p:sp>
+      <p:sp>
+        <p:nvSpPr>
+          <p:cNvPr id="104" name="Rectangle: Rounded Corners 103">
+            <a:extLst>
+              <a:ext uri="{FF2B5EF4-FFF2-40B4-BE49-F238E27FC236}">
+                <a16:creationId xmlns:a16="http://schemas.microsoft.com/office/drawing/2014/main" id="{D0F580C9-06B4-F693-6C0E-9C6CDAE81AFF}"/>
+              </a:ext>
+            </a:extLst>
+          </p:cNvPr>
+          <p:cNvSpPr/>
+          <p:nvPr/>
+        </p:nvSpPr>
+        <p:spPr>
+          <a:xfrm>
+            <a:off x="5099515" y="229329"/>
+            <a:ext cx="1584000" cy="792000"/>
+          </a:xfrm>
+          <a:prstGeom prst="roundRect">
+            <a:avLst/>
+          </a:prstGeom>
+          <a:ln/>
+        </p:spPr>
+        <p:style>
+          <a:lnRef idx="2">
+            <a:schemeClr val="accent5"/>
+          </a:lnRef>
+          <a:fillRef idx="1">
+            <a:schemeClr val="lt1"/>
+          </a:fillRef>
+          <a:effectRef idx="0">
+            <a:schemeClr val="accent5"/>
+          </a:effectRef>
+          <a:fontRef idx="minor">
+            <a:schemeClr val="dk1"/>
+          </a:fontRef>
+        </p:style>
+        <p:txBody>
+          <a:bodyPr rtlCol="0" anchor="ctr"/>
+          <a:lstStyle/>
+          <a:p>
+            <a:pPr algn="ctr"/>
+            <a:r>
+              <a:rPr lang="en-US" sz="2000" dirty="0">
+                <a:solidFill>
+                  <a:schemeClr val="tx2"/>
+                </a:solidFill>
+                <a:latin typeface="Source Sans Pro Light" panose="020B0403030403020204" pitchFamily="34" charset="77"/>
+                <a:ea typeface="Source Sans Pro" panose="020B0503030403020204" pitchFamily="34" charset="0"/>
+              </a:rPr>
+              <a:t>Direct</a:t>
+            </a:r>
+          </a:p>
+        </p:txBody>
+      </p:sp>
+      <p:sp>
+        <p:nvSpPr>
+          <p:cNvPr id="105" name="Rectangle: Rounded Corners 104">
+            <a:extLst>
+              <a:ext uri="{FF2B5EF4-FFF2-40B4-BE49-F238E27FC236}">
+                <a16:creationId xmlns:a16="http://schemas.microsoft.com/office/drawing/2014/main" id="{49B5E044-7426-B85F-1C86-B25E8C9365C3}"/>
+              </a:ext>
+            </a:extLst>
+          </p:cNvPr>
+          <p:cNvSpPr/>
+          <p:nvPr/>
+        </p:nvSpPr>
+        <p:spPr>
+          <a:xfrm>
+            <a:off x="5099515" y="4764701"/>
+            <a:ext cx="1584000" cy="792000"/>
+          </a:xfrm>
+          <a:prstGeom prst="roundRect">
+            <a:avLst/>
+          </a:prstGeom>
+          <a:ln/>
+        </p:spPr>
+        <p:style>
+          <a:lnRef idx="2">
+            <a:schemeClr val="accent5"/>
+          </a:lnRef>
+          <a:fillRef idx="1">
+            <a:schemeClr val="lt1"/>
+          </a:fillRef>
+          <a:effectRef idx="0">
+            <a:schemeClr val="accent5"/>
+          </a:effectRef>
+          <a:fontRef idx="minor">
+            <a:schemeClr val="dk1"/>
+          </a:fontRef>
+        </p:style>
+        <p:txBody>
+          <a:bodyPr rtlCol="0" anchor="ctr"/>
+          <a:lstStyle/>
+          <a:p>
+            <a:pPr algn="ctr"/>
+            <a:r>
+              <a:rPr lang="en-US" sz="2000" dirty="0">
+                <a:solidFill>
+                  <a:schemeClr val="tx2"/>
+                </a:solidFill>
+                <a:latin typeface="Source Sans Pro Light" panose="020B0403030403020204" pitchFamily="34" charset="77"/>
+                <a:ea typeface="Source Sans Pro" panose="020B0503030403020204" pitchFamily="34" charset="0"/>
+              </a:rPr>
+              <a:t>Swap Double</a:t>
+            </a:r>
+          </a:p>
+        </p:txBody>
+      </p:sp>
+      <p:sp>
+        <p:nvSpPr>
+          <p:cNvPr id="106" name="Rectangle: Rounded Corners 105">
+            <a:extLst>
+              <a:ext uri="{FF2B5EF4-FFF2-40B4-BE49-F238E27FC236}">
+                <a16:creationId xmlns:a16="http://schemas.microsoft.com/office/drawing/2014/main" id="{55B53320-503C-B1A1-E3B0-5DC470A28734}"/>
+              </a:ext>
+            </a:extLst>
+          </p:cNvPr>
+          <p:cNvSpPr/>
+          <p:nvPr/>
+        </p:nvSpPr>
+        <p:spPr>
+          <a:xfrm>
+            <a:off x="5099515" y="5898542"/>
+            <a:ext cx="1584000" cy="792000"/>
+          </a:xfrm>
+          <a:prstGeom prst="roundRect">
+            <a:avLst/>
+          </a:prstGeom>
+          <a:ln/>
+        </p:spPr>
+        <p:style>
+          <a:lnRef idx="2">
+            <a:schemeClr val="accent5"/>
+          </a:lnRef>
+          <a:fillRef idx="1">
+            <a:schemeClr val="lt1"/>
+          </a:fillRef>
+          <a:effectRef idx="0">
+            <a:schemeClr val="accent5"/>
+          </a:effectRef>
+          <a:fontRef idx="minor">
+            <a:schemeClr val="dk1"/>
+          </a:fontRef>
+        </p:style>
+        <p:txBody>
+          <a:bodyPr rtlCol="0" anchor="ctr"/>
+          <a:lstStyle/>
+          <a:p>
+            <a:pPr algn="ctr"/>
+            <a:r>
+              <a:rPr lang="en-US" sz="2000" dirty="0">
+                <a:solidFill>
+                  <a:schemeClr val="tx2"/>
+                </a:solidFill>
+                <a:latin typeface="Source Sans Pro Light" panose="020B0403030403020204" pitchFamily="34" charset="77"/>
+                <a:ea typeface="Source Sans Pro" panose="020B0503030403020204" pitchFamily="34" charset="0"/>
+              </a:rPr>
+              <a:t>Swap Triple</a:t>
+            </a:r>
+          </a:p>
+        </p:txBody>
+      </p:sp>
+      <p:cxnSp>
+        <p:nvCxnSpPr>
+          <p:cNvPr id="121" name="Connector: Elbow 120">
+            <a:extLst>
+              <a:ext uri="{FF2B5EF4-FFF2-40B4-BE49-F238E27FC236}">
+                <a16:creationId xmlns:a16="http://schemas.microsoft.com/office/drawing/2014/main" id="{EF7CD84B-9679-1347-52F5-AAABE6C3070D}"/>
+              </a:ext>
+            </a:extLst>
+          </p:cNvPr>
+          <p:cNvCxnSpPr>
+            <a:cxnSpLocks/>
+            <a:stCxn id="346" idx="2"/>
+            <a:endCxn id="226" idx="2"/>
+          </p:cNvCxnSpPr>
+          <p:nvPr/>
+        </p:nvCxnSpPr>
+        <p:spPr>
+          <a:xfrm rot="16200000" flipH="1">
+            <a:off x="-138146" y="1026604"/>
+            <a:ext cx="2530526" cy="477318"/>
+          </a:xfrm>
+          <a:prstGeom prst="bentConnector2">
+            <a:avLst/>
+          </a:prstGeom>
+          <a:ln w="19050">
+            <a:tailEnd type="triangle"/>
+          </a:ln>
+        </p:spPr>
+        <p:style>
+          <a:lnRef idx="1">
+            <a:schemeClr val="accent1"/>
+          </a:lnRef>
+          <a:fillRef idx="0">
+            <a:schemeClr val="accent1"/>
+          </a:fillRef>
+          <a:effectRef idx="0">
+            <a:schemeClr val="accent1"/>
+          </a:effectRef>
+          <a:fontRef idx="minor">
+            <a:schemeClr val="tx1"/>
+          </a:fontRef>
+        </p:style>
+      </p:cxnSp>
+      <p:cxnSp>
+        <p:nvCxnSpPr>
+          <p:cNvPr id="163" name="Connector: Elbow 162">
+            <a:extLst>
+              <a:ext uri="{FF2B5EF4-FFF2-40B4-BE49-F238E27FC236}">
+                <a16:creationId xmlns:a16="http://schemas.microsoft.com/office/drawing/2014/main" id="{9A4D8CF6-54D9-5C5D-810C-742709D5855D}"/>
+              </a:ext>
+            </a:extLst>
+          </p:cNvPr>
+          <p:cNvCxnSpPr>
+            <a:cxnSpLocks/>
+            <a:stCxn id="347" idx="2"/>
+            <a:endCxn id="97" idx="6"/>
+          </p:cNvCxnSpPr>
+          <p:nvPr/>
+        </p:nvCxnSpPr>
+        <p:spPr>
+          <a:xfrm rot="5400000">
+            <a:off x="10251001" y="1188168"/>
+            <a:ext cx="2911455" cy="535116"/>
+          </a:xfrm>
+          <a:prstGeom prst="bentConnector2">
+            <a:avLst/>
+          </a:prstGeom>
+          <a:ln w="19050">
+            <a:tailEnd type="triangle"/>
+          </a:ln>
+        </p:spPr>
+        <p:style>
+          <a:lnRef idx="1">
+            <a:schemeClr val="accent1"/>
+          </a:lnRef>
+          <a:fillRef idx="0">
+            <a:schemeClr val="accent1"/>
+          </a:fillRef>
+          <a:effectRef idx="0">
+            <a:schemeClr val="accent1"/>
+          </a:effectRef>
+          <a:fontRef idx="minor">
+            <a:schemeClr val="tx1"/>
+          </a:fontRef>
+        </p:style>
+      </p:cxnSp>
+      <p:cxnSp>
+        <p:nvCxnSpPr>
+          <p:cNvPr id="178" name="Connector: Elbow 177">
+            <a:extLst>
+              <a:ext uri="{FF2B5EF4-FFF2-40B4-BE49-F238E27FC236}">
+                <a16:creationId xmlns:a16="http://schemas.microsoft.com/office/drawing/2014/main" id="{FFD1759D-4DC1-0CC9-59EA-1959F5F6B2D3}"/>
+              </a:ext>
+            </a:extLst>
+          </p:cNvPr>
+          <p:cNvCxnSpPr>
+            <a:cxnSpLocks/>
+            <a:stCxn id="97" idx="0"/>
+            <a:endCxn id="107" idx="6"/>
+          </p:cNvCxnSpPr>
+          <p:nvPr/>
+        </p:nvCxnSpPr>
+        <p:spPr>
+          <a:xfrm rot="16200000" flipV="1">
+            <a:off x="8950543" y="818826"/>
+            <a:ext cx="1307182" cy="2086073"/>
+          </a:xfrm>
+          <a:prstGeom prst="bentConnector2">
+            <a:avLst/>
+          </a:prstGeom>
+          <a:ln w="19050">
+            <a:tailEnd type="triangle"/>
+          </a:ln>
+        </p:spPr>
+        <p:style>
+          <a:lnRef idx="1">
+            <a:schemeClr val="accent1"/>
+          </a:lnRef>
+          <a:fillRef idx="0">
+            <a:schemeClr val="accent1"/>
+          </a:fillRef>
+          <a:effectRef idx="0">
+            <a:schemeClr val="accent1"/>
+          </a:effectRef>
+          <a:fontRef idx="minor">
+            <a:schemeClr val="tx1"/>
+          </a:fontRef>
+        </p:style>
+      </p:cxnSp>
+      <p:cxnSp>
+        <p:nvCxnSpPr>
+          <p:cNvPr id="185" name="Connector: Elbow 184">
+            <a:extLst>
+              <a:ext uri="{FF2B5EF4-FFF2-40B4-BE49-F238E27FC236}">
+                <a16:creationId xmlns:a16="http://schemas.microsoft.com/office/drawing/2014/main" id="{A63C6871-684C-F4BE-4773-2A6D6B1DB92A}"/>
+              </a:ext>
+            </a:extLst>
+          </p:cNvPr>
+          <p:cNvCxnSpPr>
+            <a:cxnSpLocks/>
+            <a:stCxn id="97" idx="4"/>
+            <a:endCxn id="225" idx="6"/>
+          </p:cNvCxnSpPr>
+          <p:nvPr/>
+        </p:nvCxnSpPr>
+        <p:spPr>
+          <a:xfrm rot="5400000">
+            <a:off x="9741124" y="3633432"/>
+            <a:ext cx="1232024" cy="580068"/>
+          </a:xfrm>
+          <a:prstGeom prst="bentConnector2">
+            <a:avLst/>
+          </a:prstGeom>
+          <a:ln w="19050">
+            <a:tailEnd type="triangle"/>
+          </a:ln>
+        </p:spPr>
+        <p:style>
+          <a:lnRef idx="1">
+            <a:schemeClr val="accent1"/>
+          </a:lnRef>
+          <a:fillRef idx="0">
+            <a:schemeClr val="accent1"/>
+          </a:fillRef>
+          <a:effectRef idx="0">
+            <a:schemeClr val="accent1"/>
+          </a:effectRef>
+          <a:fontRef idx="minor">
+            <a:schemeClr val="tx1"/>
+          </a:fontRef>
+        </p:style>
+      </p:cxnSp>
+      <p:cxnSp>
+        <p:nvCxnSpPr>
+          <p:cNvPr id="191" name="Connector: Elbow 190">
+            <a:extLst>
+              <a:ext uri="{FF2B5EF4-FFF2-40B4-BE49-F238E27FC236}">
+                <a16:creationId xmlns:a16="http://schemas.microsoft.com/office/drawing/2014/main" id="{92B61D9E-6404-5493-B360-5DD9CA29115B}"/>
+              </a:ext>
+            </a:extLst>
+          </p:cNvPr>
+          <p:cNvCxnSpPr>
+            <a:cxnSpLocks/>
+            <a:stCxn id="323" idx="4"/>
+            <a:endCxn id="106" idx="3"/>
+          </p:cNvCxnSpPr>
+          <p:nvPr/>
+        </p:nvCxnSpPr>
+        <p:spPr>
+          <a:xfrm rot="5400000">
+            <a:off x="7153069" y="5653924"/>
+            <a:ext cx="171064" cy="1110172"/>
+          </a:xfrm>
+          <a:prstGeom prst="bentConnector2">
+            <a:avLst/>
+          </a:prstGeom>
+          <a:ln w="19050">
+            <a:tailEnd type="triangle"/>
+          </a:ln>
+        </p:spPr>
+        <p:style>
+          <a:lnRef idx="1">
+            <a:schemeClr val="accent1"/>
+          </a:lnRef>
+          <a:fillRef idx="0">
+            <a:schemeClr val="accent1"/>
+          </a:fillRef>
+          <a:effectRef idx="0">
+            <a:schemeClr val="accent1"/>
+          </a:effectRef>
+          <a:fontRef idx="minor">
+            <a:schemeClr val="tx1"/>
+          </a:fontRef>
+        </p:style>
+      </p:cxnSp>
+      <p:cxnSp>
+        <p:nvCxnSpPr>
+          <p:cNvPr id="194" name="Connector: Elbow 193">
+            <a:extLst>
+              <a:ext uri="{FF2B5EF4-FFF2-40B4-BE49-F238E27FC236}">
+                <a16:creationId xmlns:a16="http://schemas.microsoft.com/office/drawing/2014/main" id="{DB6FBEB8-54F6-C526-DF28-C8791B9E85B9}"/>
+              </a:ext>
+            </a:extLst>
+          </p:cNvPr>
+          <p:cNvCxnSpPr>
+            <a:cxnSpLocks/>
+            <a:stCxn id="322" idx="4"/>
+            <a:endCxn id="103" idx="3"/>
+          </p:cNvCxnSpPr>
+          <p:nvPr/>
+        </p:nvCxnSpPr>
+        <p:spPr>
+          <a:xfrm rot="5400000">
+            <a:off x="7150065" y="3407825"/>
+            <a:ext cx="152483" cy="1085582"/>
+          </a:xfrm>
+          <a:prstGeom prst="bentConnector2">
+            <a:avLst/>
+          </a:prstGeom>
+          <a:ln w="19050">
+            <a:tailEnd type="triangle"/>
+          </a:ln>
+        </p:spPr>
+        <p:style>
+          <a:lnRef idx="1">
+            <a:schemeClr val="accent1"/>
+          </a:lnRef>
+          <a:fillRef idx="0">
+            <a:schemeClr val="accent1"/>
+          </a:fillRef>
+          <a:effectRef idx="0">
+            <a:schemeClr val="accent1"/>
+          </a:effectRef>
+          <a:fontRef idx="minor">
+            <a:schemeClr val="tx1"/>
+          </a:fontRef>
+        </p:style>
+      </p:cxnSp>
+      <p:cxnSp>
+        <p:nvCxnSpPr>
+          <p:cNvPr id="199" name="Connector: Elbow 198">
+            <a:extLst>
+              <a:ext uri="{FF2B5EF4-FFF2-40B4-BE49-F238E27FC236}">
+                <a16:creationId xmlns:a16="http://schemas.microsoft.com/office/drawing/2014/main" id="{FA8080F9-05EE-D57C-67F8-B1277B56FF2D}"/>
+              </a:ext>
+            </a:extLst>
+          </p:cNvPr>
+          <p:cNvCxnSpPr>
+            <a:cxnSpLocks/>
+            <a:stCxn id="322" idx="0"/>
+            <a:endCxn id="102" idx="3"/>
+          </p:cNvCxnSpPr>
+          <p:nvPr/>
+        </p:nvCxnSpPr>
+        <p:spPr>
+          <a:xfrm rot="16200000" flipV="1">
+            <a:off x="7131626" y="2444904"/>
+            <a:ext cx="189360" cy="1085582"/>
+          </a:xfrm>
+          <a:prstGeom prst="bentConnector2">
+            <a:avLst/>
+          </a:prstGeom>
+          <a:ln w="19050">
+            <a:tailEnd type="triangle"/>
+          </a:ln>
+        </p:spPr>
+        <p:style>
+          <a:lnRef idx="1">
+            <a:schemeClr val="accent1"/>
+          </a:lnRef>
+          <a:fillRef idx="0">
+            <a:schemeClr val="accent1"/>
+          </a:fillRef>
+          <a:effectRef idx="0">
+            <a:schemeClr val="accent1"/>
+          </a:effectRef>
+          <a:fontRef idx="minor">
+            <a:schemeClr val="tx1"/>
+          </a:fontRef>
+        </p:style>
+      </p:cxnSp>
+      <p:cxnSp>
+        <p:nvCxnSpPr>
+          <p:cNvPr id="202" name="Connector: Elbow 201">
+            <a:extLst>
+              <a:ext uri="{FF2B5EF4-FFF2-40B4-BE49-F238E27FC236}">
+                <a16:creationId xmlns:a16="http://schemas.microsoft.com/office/drawing/2014/main" id="{6E25B20F-2B95-4747-375B-721EF9815348}"/>
+              </a:ext>
+            </a:extLst>
+          </p:cNvPr>
+          <p:cNvCxnSpPr>
+            <a:cxnSpLocks/>
+            <a:stCxn id="323" idx="0"/>
+            <a:endCxn id="105" idx="3"/>
+          </p:cNvCxnSpPr>
+          <p:nvPr/>
+        </p:nvCxnSpPr>
+        <p:spPr>
+          <a:xfrm rot="16200000" flipV="1">
+            <a:off x="7153213" y="4691004"/>
+            <a:ext cx="170777" cy="1110172"/>
+          </a:xfrm>
+          <a:prstGeom prst="bentConnector2">
+            <a:avLst/>
+          </a:prstGeom>
+          <a:ln w="19050">
+            <a:tailEnd type="triangle"/>
+          </a:ln>
+        </p:spPr>
+        <p:style>
+          <a:lnRef idx="1">
+            <a:schemeClr val="accent1"/>
+          </a:lnRef>
+          <a:fillRef idx="0">
+            <a:schemeClr val="accent1"/>
+          </a:fillRef>
+          <a:effectRef idx="0">
+            <a:schemeClr val="accent1"/>
+          </a:effectRef>
+          <a:fontRef idx="minor">
+            <a:schemeClr val="tx1"/>
+          </a:fontRef>
+        </p:style>
+      </p:cxnSp>
+      <p:cxnSp>
+        <p:nvCxnSpPr>
+          <p:cNvPr id="221" name="Connector: Elbow 220">
+            <a:extLst>
+              <a:ext uri="{FF2B5EF4-FFF2-40B4-BE49-F238E27FC236}">
+                <a16:creationId xmlns:a16="http://schemas.microsoft.com/office/drawing/2014/main" id="{F154F4F8-78CF-7C48-2447-FECAD47E357A}"/>
+              </a:ext>
+            </a:extLst>
+          </p:cNvPr>
+          <p:cNvCxnSpPr>
+            <a:cxnSpLocks/>
+            <a:stCxn id="225" idx="0"/>
+            <a:endCxn id="322" idx="6"/>
+          </p:cNvCxnSpPr>
+          <p:nvPr/>
+        </p:nvCxnSpPr>
+        <p:spPr>
+          <a:xfrm rot="16200000" flipV="1">
+            <a:off x="8585549" y="3453924"/>
+            <a:ext cx="665103" cy="714005"/>
+          </a:xfrm>
+          <a:prstGeom prst="bentConnector2">
+            <a:avLst/>
+          </a:prstGeom>
+          <a:ln w="19050">
+            <a:tailEnd type="triangle"/>
+          </a:ln>
+        </p:spPr>
+        <p:style>
+          <a:lnRef idx="1">
+            <a:schemeClr val="accent1"/>
+          </a:lnRef>
+          <a:fillRef idx="0">
+            <a:schemeClr val="accent1"/>
+          </a:fillRef>
+          <a:effectRef idx="0">
+            <a:schemeClr val="accent1"/>
+          </a:effectRef>
+          <a:fontRef idx="minor">
+            <a:schemeClr val="tx1"/>
+          </a:fontRef>
+        </p:style>
+      </p:cxnSp>
+      <p:cxnSp>
+        <p:nvCxnSpPr>
+          <p:cNvPr id="224" name="Connector: Elbow 223">
+            <a:extLst>
+              <a:ext uri="{FF2B5EF4-FFF2-40B4-BE49-F238E27FC236}">
+                <a16:creationId xmlns:a16="http://schemas.microsoft.com/office/drawing/2014/main" id="{E660088F-ABC7-825F-6509-AD2E8CBB8A0B}"/>
+              </a:ext>
+            </a:extLst>
+          </p:cNvPr>
+          <p:cNvCxnSpPr>
+            <a:cxnSpLocks/>
+            <a:stCxn id="225" idx="4"/>
+            <a:endCxn id="323" idx="6"/>
+          </p:cNvCxnSpPr>
+          <p:nvPr/>
+        </p:nvCxnSpPr>
+        <p:spPr>
+          <a:xfrm rot="5400000">
+            <a:off x="8534395" y="4986771"/>
+            <a:ext cx="792000" cy="689415"/>
+          </a:xfrm>
+          <a:prstGeom prst="bentConnector2">
+            <a:avLst/>
+          </a:prstGeom>
+          <a:ln w="19050">
+            <a:tailEnd type="triangle"/>
+          </a:ln>
+        </p:spPr>
+        <p:style>
+          <a:lnRef idx="1">
+            <a:schemeClr val="accent1"/>
+          </a:lnRef>
+          <a:fillRef idx="0">
+            <a:schemeClr val="accent1"/>
+          </a:fillRef>
+          <a:effectRef idx="0">
+            <a:schemeClr val="accent1"/>
+          </a:effectRef>
+          <a:fontRef idx="minor">
+            <a:schemeClr val="tx1"/>
+          </a:fontRef>
+        </p:style>
+      </p:cxnSp>
+      <p:cxnSp>
+        <p:nvCxnSpPr>
+          <p:cNvPr id="227" name="Connector: Elbow 226">
+            <a:extLst>
+              <a:ext uri="{FF2B5EF4-FFF2-40B4-BE49-F238E27FC236}">
+                <a16:creationId xmlns:a16="http://schemas.microsoft.com/office/drawing/2014/main" id="{766C904F-AB37-1FCE-ADD5-1E16C37C1B32}"/>
+              </a:ext>
+            </a:extLst>
+          </p:cNvPr>
+          <p:cNvCxnSpPr>
+            <a:cxnSpLocks/>
+            <a:stCxn id="107" idx="4"/>
+            <a:endCxn id="101" idx="3"/>
+          </p:cNvCxnSpPr>
+          <p:nvPr/>
+        </p:nvCxnSpPr>
+        <p:spPr>
+          <a:xfrm rot="5400000">
+            <a:off x="7148856" y="1138931"/>
+            <a:ext cx="154900" cy="1085582"/>
+          </a:xfrm>
+          <a:prstGeom prst="bentConnector2">
+            <a:avLst/>
+          </a:prstGeom>
+          <a:ln w="19050">
+            <a:tailEnd type="triangle"/>
+          </a:ln>
+        </p:spPr>
+        <p:style>
+          <a:lnRef idx="1">
+            <a:schemeClr val="accent1"/>
+          </a:lnRef>
+          <a:fillRef idx="0">
+            <a:schemeClr val="accent1"/>
+          </a:fillRef>
+          <a:effectRef idx="0">
+            <a:schemeClr val="accent1"/>
+          </a:effectRef>
+          <a:fontRef idx="minor">
+            <a:schemeClr val="tx1"/>
+          </a:fontRef>
+        </p:style>
+      </p:cxnSp>
+      <p:cxnSp>
+        <p:nvCxnSpPr>
+          <p:cNvPr id="230" name="Connector: Elbow 229">
+            <a:extLst>
+              <a:ext uri="{FF2B5EF4-FFF2-40B4-BE49-F238E27FC236}">
+                <a16:creationId xmlns:a16="http://schemas.microsoft.com/office/drawing/2014/main" id="{74CF5528-47F2-0814-0764-4390C85C48AC}"/>
+              </a:ext>
+            </a:extLst>
+          </p:cNvPr>
+          <p:cNvCxnSpPr>
+            <a:cxnSpLocks/>
+            <a:stCxn id="107" idx="0"/>
+            <a:endCxn id="104" idx="3"/>
+          </p:cNvCxnSpPr>
+          <p:nvPr/>
+        </p:nvCxnSpPr>
+        <p:spPr>
+          <a:xfrm rot="16200000" flipV="1">
+            <a:off x="7132835" y="176010"/>
+            <a:ext cx="186943" cy="1085582"/>
+          </a:xfrm>
+          <a:prstGeom prst="bentConnector2">
+            <a:avLst/>
+          </a:prstGeom>
+          <a:ln w="19050">
+            <a:tailEnd type="triangle"/>
+          </a:ln>
+        </p:spPr>
+        <p:style>
+          <a:lnRef idx="1">
+            <a:schemeClr val="accent1"/>
+          </a:lnRef>
+          <a:fillRef idx="0">
+            <a:schemeClr val="accent1"/>
+          </a:fillRef>
+          <a:effectRef idx="0">
+            <a:schemeClr val="accent1"/>
+          </a:effectRef>
+          <a:fontRef idx="minor">
+            <a:schemeClr val="tx1"/>
+          </a:fontRef>
+        </p:style>
+      </p:cxnSp>
+      <p:sp>
+        <p:nvSpPr>
+          <p:cNvPr id="346" name="Rectangle: Rounded Corners 345">
+            <a:extLst>
+              <a:ext uri="{FF2B5EF4-FFF2-40B4-BE49-F238E27FC236}">
+                <a16:creationId xmlns:a16="http://schemas.microsoft.com/office/drawing/2014/main" id="{1576D262-DE94-17FD-37C3-B880D0B65D74}"/>
+              </a:ext>
+            </a:extLst>
+          </p:cNvPr>
+          <p:cNvSpPr/>
+          <p:nvPr/>
+        </p:nvSpPr>
+        <p:spPr>
+          <a:xfrm>
+            <a:off x="96458" y="-792000"/>
+            <a:ext cx="1584000" cy="792000"/>
+          </a:xfrm>
+          <a:prstGeom prst="roundRect">
+            <a:avLst/>
+          </a:prstGeom>
+          <a:ln/>
+        </p:spPr>
+        <p:style>
+          <a:lnRef idx="2">
+            <a:schemeClr val="accent3"/>
+          </a:lnRef>
+          <a:fillRef idx="1">
+            <a:schemeClr val="lt1"/>
+          </a:fillRef>
+          <a:effectRef idx="0">
+            <a:schemeClr val="accent3"/>
+          </a:effectRef>
+          <a:fontRef idx="minor">
+            <a:schemeClr val="dk1"/>
+          </a:fontRef>
+        </p:style>
+        <p:txBody>
+          <a:bodyPr rtlCol="0" anchor="ctr"/>
+          <a:lstStyle/>
+          <a:p>
+            <a:pPr algn="ctr"/>
+            <a:r>
+              <a:rPr lang="en-US" sz="2000" dirty="0">
+                <a:solidFill>
+                  <a:schemeClr val="tx2"/>
+                </a:solidFill>
+                <a:latin typeface="Source Sans Pro Light" panose="020B0403030403020204" pitchFamily="34" charset="77"/>
+                <a:ea typeface="Source Sans Pro" panose="020B0503030403020204" pitchFamily="34" charset="0"/>
+              </a:rPr>
+              <a:t>Connection Serial</a:t>
+            </a:r>
+          </a:p>
+        </p:txBody>
+      </p:sp>
+      <p:sp>
+        <p:nvSpPr>
+          <p:cNvPr id="347" name="Rectangle: Rounded Corners 346">
+            <a:extLst>
+              <a:ext uri="{FF2B5EF4-FFF2-40B4-BE49-F238E27FC236}">
+                <a16:creationId xmlns:a16="http://schemas.microsoft.com/office/drawing/2014/main" id="{6B6DA69B-ED96-CB13-EF97-6ED6A3688616}"/>
+              </a:ext>
+            </a:extLst>
+          </p:cNvPr>
+          <p:cNvSpPr/>
+          <p:nvPr/>
+        </p:nvSpPr>
+        <p:spPr>
+          <a:xfrm>
+            <a:off x="11182286" y="-792001"/>
+            <a:ext cx="1584000" cy="792000"/>
+          </a:xfrm>
+          <a:prstGeom prst="roundRect">
+            <a:avLst/>
+          </a:prstGeom>
+          <a:ln/>
+        </p:spPr>
+        <p:style>
+          <a:lnRef idx="2">
+            <a:schemeClr val="accent3"/>
+          </a:lnRef>
+          <a:fillRef idx="1">
+            <a:schemeClr val="lt1"/>
+          </a:fillRef>
+          <a:effectRef idx="0">
+            <a:schemeClr val="accent3"/>
+          </a:effectRef>
+          <a:fontRef idx="minor">
+            <a:schemeClr val="dk1"/>
+          </a:fontRef>
+        </p:style>
+        <p:txBody>
+          <a:bodyPr rtlCol="0" anchor="ctr"/>
+          <a:lstStyle/>
+          <a:p>
+            <a:pPr algn="ctr"/>
+            <a:r>
+              <a:rPr lang="en-US" sz="2000" dirty="0">
+                <a:solidFill>
+                  <a:schemeClr val="tx2"/>
+                </a:solidFill>
+                <a:latin typeface="Source Sans Pro Light" panose="020B0403030403020204" pitchFamily="34" charset="77"/>
+                <a:ea typeface="Source Sans Pro" panose="020B0503030403020204" pitchFamily="34" charset="0"/>
+              </a:rPr>
+              <a:t>Connection Parallel</a:t>
+            </a:r>
+          </a:p>
+        </p:txBody>
+      </p:sp>
+      <p:sp>
+        <p:nvSpPr>
+          <p:cNvPr id="468" name="TextBox 467">
+            <a:extLst>
+              <a:ext uri="{FF2B5EF4-FFF2-40B4-BE49-F238E27FC236}">
+                <a16:creationId xmlns:a16="http://schemas.microsoft.com/office/drawing/2014/main" id="{580DC9F1-77A8-2A2B-CB29-361202138909}"/>
+              </a:ext>
+            </a:extLst>
+          </p:cNvPr>
+          <p:cNvSpPr txBox="1"/>
+          <p:nvPr/>
+        </p:nvSpPr>
+        <p:spPr>
+          <a:xfrm>
+            <a:off x="-684197" y="-4938746"/>
+            <a:ext cx="296624" cy="215444"/>
+          </a:xfrm>
+          <a:prstGeom prst="rect">
+            <a:avLst/>
+          </a:prstGeom>
+          <a:noFill/>
+        </p:spPr>
+        <p:txBody>
+          <a:bodyPr vert="horz" wrap="square" lIns="0" tIns="0" rIns="0" bIns="0" numCol="1" spcCol="288000" rtlCol="0" anchor="t" anchorCtr="0">
+            <a:spAutoFit/>
+          </a:bodyPr>
+          <a:lstStyle/>
+          <a:p>
+            <a:pPr algn="l">
+              <a:spcBef>
+                <a:spcPts val="0"/>
+              </a:spcBef>
+              <a:spcAft>
+                <a:spcPts val="600"/>
+              </a:spcAft>
+            </a:pPr>
+            <a:r>
+              <a:rPr lang="en-US" sz="1400" b="0" i="0" spc="0" dirty="0">
+                <a:ln>
+                  <a:noFill/>
+                </a:ln>
+                <a:solidFill>
+                  <a:schemeClr val="tx2"/>
+                </a:solidFill>
+                <a:latin typeface="Source Sans Pro Light" charset="0"/>
+                <a:ea typeface="Source Sans Pro Light" charset="0"/>
+                <a:cs typeface="Source Sans Pro Light" charset="0"/>
+              </a:rPr>
+              <a:t>yes</a:t>
+            </a:r>
+          </a:p>
+        </p:txBody>
+      </p:sp>
+      <p:sp>
+        <p:nvSpPr>
+          <p:cNvPr id="469" name="TextBox 468">
+            <a:extLst>
+              <a:ext uri="{FF2B5EF4-FFF2-40B4-BE49-F238E27FC236}">
+                <a16:creationId xmlns:a16="http://schemas.microsoft.com/office/drawing/2014/main" id="{C6130480-EB3A-662B-CFB5-3B1E4BF7BAC5}"/>
+              </a:ext>
+            </a:extLst>
+          </p:cNvPr>
+          <p:cNvSpPr txBox="1"/>
+          <p:nvPr/>
+        </p:nvSpPr>
+        <p:spPr>
+          <a:xfrm>
+            <a:off x="1158902" y="-4201764"/>
+            <a:ext cx="296624" cy="215444"/>
+          </a:xfrm>
+          <a:prstGeom prst="rect">
+            <a:avLst/>
+          </a:prstGeom>
+          <a:noFill/>
+        </p:spPr>
+        <p:txBody>
+          <a:bodyPr vert="horz" wrap="square" lIns="0" tIns="0" rIns="0" bIns="0" numCol="1" spcCol="288000" rtlCol="0" anchor="t" anchorCtr="0">
+            <a:spAutoFit/>
+          </a:bodyPr>
+          <a:lstStyle/>
+          <a:p>
+            <a:pPr algn="l">
+              <a:spcBef>
+                <a:spcPts val="0"/>
+              </a:spcBef>
+              <a:spcAft>
+                <a:spcPts val="600"/>
+              </a:spcAft>
+            </a:pPr>
+            <a:r>
+              <a:rPr lang="en-US" sz="1400" b="0" i="0" spc="0" dirty="0">
+                <a:ln>
+                  <a:noFill/>
+                </a:ln>
+                <a:solidFill>
+                  <a:schemeClr val="tx2"/>
+                </a:solidFill>
+                <a:latin typeface="Source Sans Pro Light" charset="0"/>
+                <a:ea typeface="Source Sans Pro Light" charset="0"/>
+                <a:cs typeface="Source Sans Pro Light" charset="0"/>
+              </a:rPr>
+              <a:t>yes</a:t>
+            </a:r>
+          </a:p>
+        </p:txBody>
+      </p:sp>
+      <p:grpSp>
+        <p:nvGrpSpPr>
+          <p:cNvPr id="186" name="Group 185">
+            <a:extLst>
+              <a:ext uri="{FF2B5EF4-FFF2-40B4-BE49-F238E27FC236}">
+                <a16:creationId xmlns:a16="http://schemas.microsoft.com/office/drawing/2014/main" id="{CC3F5DB7-C232-F940-F30C-16CBFFD1B838}"/>
+              </a:ext>
+            </a:extLst>
+          </p:cNvPr>
+          <p:cNvGrpSpPr/>
+          <p:nvPr/>
+        </p:nvGrpSpPr>
+        <p:grpSpPr>
+          <a:xfrm>
+            <a:off x="1824723" y="1877555"/>
+            <a:ext cx="296624" cy="1326520"/>
+            <a:chOff x="1824723" y="1877555"/>
+            <a:chExt cx="296624" cy="1326520"/>
+          </a:xfrm>
+        </p:grpSpPr>
+        <p:sp>
+          <p:nvSpPr>
+            <p:cNvPr id="464" name="TextBox 463">
+              <a:extLst>
+                <a:ext uri="{FF2B5EF4-FFF2-40B4-BE49-F238E27FC236}">
+                  <a16:creationId xmlns:a16="http://schemas.microsoft.com/office/drawing/2014/main" id="{091F1015-56A2-93A3-DEAD-A24DEDF01C71}"/>
+                </a:ext>
+              </a:extLst>
+            </p:cNvPr>
+            <p:cNvSpPr txBox="1"/>
+            <p:nvPr/>
+          </p:nvSpPr>
+          <p:spPr>
+            <a:xfrm>
+              <a:off x="1824723" y="1877555"/>
+              <a:ext cx="296624" cy="215444"/>
+            </a:xfrm>
+            <a:prstGeom prst="rect">
+              <a:avLst/>
+            </a:prstGeom>
+            <a:noFill/>
+          </p:spPr>
+          <p:txBody>
+            <a:bodyPr vert="horz" wrap="square" lIns="0" tIns="0" rIns="0" bIns="0" numCol="1" spcCol="288000" rtlCol="0" anchor="t" anchorCtr="0">
+              <a:spAutoFit/>
+            </a:bodyPr>
+            <a:lstStyle/>
+            <a:p>
+              <a:pPr algn="ctr">
+                <a:spcBef>
+                  <a:spcPts val="0"/>
+                </a:spcBef>
+                <a:spcAft>
+                  <a:spcPts val="600"/>
+                </a:spcAft>
+              </a:pPr>
+              <a:r>
+                <a:rPr lang="en-US" sz="1400" b="0" i="0" spc="0" dirty="0">
+                  <a:ln>
+                    <a:noFill/>
+                  </a:ln>
+                  <a:solidFill>
+                    <a:schemeClr val="tx2"/>
+                  </a:solidFill>
+                  <a:latin typeface="Source Sans Pro Light" charset="0"/>
+                  <a:ea typeface="Source Sans Pro Light" charset="0"/>
+                  <a:cs typeface="Source Sans Pro Light" charset="0"/>
+                </a:rPr>
+                <a:t>no</a:t>
+              </a:r>
+            </a:p>
+          </p:txBody>
+        </p:sp>
+        <p:sp>
+          <p:nvSpPr>
+            <p:cNvPr id="473" name="TextBox 472">
+              <a:extLst>
+                <a:ext uri="{FF2B5EF4-FFF2-40B4-BE49-F238E27FC236}">
+                  <a16:creationId xmlns:a16="http://schemas.microsoft.com/office/drawing/2014/main" id="{9B65A6ED-F90E-A3F8-EE59-959115A336BC}"/>
+                </a:ext>
+              </a:extLst>
+            </p:cNvPr>
+            <p:cNvSpPr txBox="1"/>
+            <p:nvPr/>
+          </p:nvSpPr>
+          <p:spPr>
+            <a:xfrm>
+              <a:off x="1824723" y="2988631"/>
+              <a:ext cx="296624" cy="215444"/>
+            </a:xfrm>
+            <a:prstGeom prst="rect">
+              <a:avLst/>
+            </a:prstGeom>
+            <a:noFill/>
+          </p:spPr>
+          <p:txBody>
+            <a:bodyPr vert="horz" wrap="square" lIns="0" tIns="0" rIns="0" bIns="0" numCol="1" spcCol="288000" rtlCol="0" anchor="t" anchorCtr="0">
+              <a:spAutoFit/>
+            </a:bodyPr>
+            <a:lstStyle/>
+            <a:p>
+              <a:pPr algn="ctr">
+                <a:spcBef>
+                  <a:spcPts val="0"/>
+                </a:spcBef>
+                <a:spcAft>
+                  <a:spcPts val="600"/>
+                </a:spcAft>
+              </a:pPr>
+              <a:r>
+                <a:rPr lang="en-US" sz="1400" b="0" i="0" spc="0" dirty="0">
+                  <a:ln>
+                    <a:noFill/>
+                  </a:ln>
+                  <a:solidFill>
+                    <a:schemeClr val="tx2"/>
+                  </a:solidFill>
+                  <a:latin typeface="Source Sans Pro Light" charset="0"/>
+                  <a:ea typeface="Source Sans Pro Light" charset="0"/>
+                  <a:cs typeface="Source Sans Pro Light" charset="0"/>
+                </a:rPr>
+                <a:t>yes</a:t>
+              </a:r>
+            </a:p>
+          </p:txBody>
+        </p:sp>
+      </p:grpSp>
+      <p:sp>
+        <p:nvSpPr>
+          <p:cNvPr id="225" name="Arrow: Up-Down 224">
+            <a:extLst>
+              <a:ext uri="{FF2B5EF4-FFF2-40B4-BE49-F238E27FC236}">
+                <a16:creationId xmlns:a16="http://schemas.microsoft.com/office/drawing/2014/main" id="{B772B153-ABEA-B7B0-4319-5264B7DC20B1}"/>
+              </a:ext>
+            </a:extLst>
+          </p:cNvPr>
+          <p:cNvSpPr/>
+          <p:nvPr/>
+        </p:nvSpPr>
+        <p:spPr>
+          <a:xfrm>
+            <a:off x="8483102" y="4143478"/>
+            <a:ext cx="1584000" cy="792000"/>
+          </a:xfrm>
+          <a:prstGeom prst="upDownArrow">
+            <a:avLst>
+              <a:gd name="adj1" fmla="val 100000"/>
+              <a:gd name="adj2" fmla="val 17192"/>
+            </a:avLst>
+          </a:prstGeom>
+          <a:ln>
+            <a:headEnd type="none" w="med" len="med"/>
+            <a:tailEnd type="none" w="med" len="med"/>
+          </a:ln>
+        </p:spPr>
+        <p:style>
+          <a:lnRef idx="2">
+            <a:schemeClr val="accent2"/>
+          </a:lnRef>
+          <a:fillRef idx="1">
+            <a:schemeClr val="lt1"/>
+          </a:fillRef>
+          <a:effectRef idx="0">
+            <a:schemeClr val="accent2"/>
+          </a:effectRef>
+          <a:fontRef idx="minor">
+            <a:schemeClr val="dk1"/>
+          </a:fontRef>
+        </p:style>
+        <p:txBody>
+          <a:bodyPr lIns="0" tIns="0" rIns="0" bIns="0" rtlCol="0" anchor="ctr"/>
+          <a:lstStyle/>
+          <a:p>
+            <a:pPr algn="ctr"/>
+            <a:r>
+              <a:rPr lang="en-US" sz="1400" dirty="0">
+                <a:solidFill>
+                  <a:schemeClr val="tx1"/>
+                </a:solidFill>
+              </a:rPr>
+              <a:t>Display can</a:t>
+            </a:r>
+          </a:p>
+          <a:p>
+            <a:pPr algn="ctr"/>
+            <a:r>
+              <a:rPr lang="en-US" sz="1400" dirty="0">
+                <a:solidFill>
+                  <a:schemeClr val="tx1"/>
+                </a:solidFill>
+              </a:rPr>
+              <a:t>change its source</a:t>
+            </a:r>
+          </a:p>
+          <a:p>
+            <a:pPr algn="ctr"/>
+            <a:r>
+              <a:rPr lang="en-US" sz="1400" dirty="0">
+                <a:solidFill>
+                  <a:schemeClr val="tx1"/>
+                </a:solidFill>
+              </a:rPr>
+              <a:t>buffer address</a:t>
+            </a:r>
+          </a:p>
+        </p:txBody>
+      </p:sp>
+      <p:sp>
+        <p:nvSpPr>
+          <p:cNvPr id="226" name="Arrow: Up-Down 225">
+            <a:extLst>
+              <a:ext uri="{FF2B5EF4-FFF2-40B4-BE49-F238E27FC236}">
+                <a16:creationId xmlns:a16="http://schemas.microsoft.com/office/drawing/2014/main" id="{5A1656AD-61E8-D9C9-0DBC-F8212BCBC9D4}"/>
+              </a:ext>
+            </a:extLst>
+          </p:cNvPr>
+          <p:cNvSpPr/>
+          <p:nvPr/>
+        </p:nvSpPr>
+        <p:spPr>
+          <a:xfrm>
+            <a:off x="1365776" y="2134526"/>
+            <a:ext cx="1584000" cy="792000"/>
+          </a:xfrm>
+          <a:prstGeom prst="upDownArrow">
+            <a:avLst>
+              <a:gd name="adj1" fmla="val 100000"/>
+              <a:gd name="adj2" fmla="val 17192"/>
+            </a:avLst>
+          </a:prstGeom>
+          <a:ln>
+            <a:headEnd type="none" w="med" len="med"/>
+            <a:tailEnd type="none" w="med" len="med"/>
+          </a:ln>
+        </p:spPr>
+        <p:style>
+          <a:lnRef idx="2">
+            <a:schemeClr val="accent2"/>
+          </a:lnRef>
+          <a:fillRef idx="1">
+            <a:schemeClr val="lt1"/>
+          </a:fillRef>
+          <a:effectRef idx="0">
+            <a:schemeClr val="accent2"/>
+          </a:effectRef>
+          <a:fontRef idx="minor">
+            <a:schemeClr val="dk1"/>
+          </a:fontRef>
+        </p:style>
+        <p:txBody>
+          <a:bodyPr lIns="0" tIns="0" rIns="0" bIns="0" rtlCol="0" anchor="ctr"/>
+          <a:lstStyle/>
+          <a:p>
+            <a:pPr algn="ctr"/>
+            <a:r>
+              <a:rPr lang="en-US" sz="1400" dirty="0">
+                <a:solidFill>
+                  <a:schemeClr val="tx1"/>
+                </a:solidFill>
+              </a:rPr>
+              <a:t>Available RAM</a:t>
+            </a:r>
+          </a:p>
+          <a:p>
+            <a:pPr algn="ctr"/>
+            <a:r>
+              <a:rPr lang="en-US" sz="1400" dirty="0">
+                <a:solidFill>
+                  <a:schemeClr val="tx1"/>
+                </a:solidFill>
+              </a:rPr>
+              <a:t>for 1 buffer</a:t>
+            </a:r>
+          </a:p>
+        </p:txBody>
+      </p:sp>
+      <p:sp>
+        <p:nvSpPr>
+          <p:cNvPr id="232" name="Arrow: Up-Down 231">
+            <a:extLst>
+              <a:ext uri="{FF2B5EF4-FFF2-40B4-BE49-F238E27FC236}">
+                <a16:creationId xmlns:a16="http://schemas.microsoft.com/office/drawing/2014/main" id="{168DDE6D-D1E6-7B55-2A23-CD0113E76329}"/>
+              </a:ext>
+            </a:extLst>
+          </p:cNvPr>
+          <p:cNvSpPr/>
+          <p:nvPr/>
+        </p:nvSpPr>
+        <p:spPr>
+          <a:xfrm>
+            <a:off x="3013442" y="3082374"/>
+            <a:ext cx="1584000" cy="792000"/>
+          </a:xfrm>
+          <a:prstGeom prst="upDownArrow">
+            <a:avLst>
+              <a:gd name="adj1" fmla="val 100000"/>
+              <a:gd name="adj2" fmla="val 17192"/>
+            </a:avLst>
+          </a:prstGeom>
+          <a:ln>
+            <a:headEnd type="none" w="med" len="med"/>
+            <a:tailEnd type="none" w="med" len="med"/>
+          </a:ln>
+        </p:spPr>
+        <p:style>
+          <a:lnRef idx="2">
+            <a:schemeClr val="accent2"/>
+          </a:lnRef>
+          <a:fillRef idx="1">
+            <a:schemeClr val="lt1"/>
+          </a:fillRef>
+          <a:effectRef idx="0">
+            <a:schemeClr val="accent2"/>
+          </a:effectRef>
+          <a:fontRef idx="minor">
+            <a:schemeClr val="dk1"/>
+          </a:fontRef>
+        </p:style>
+        <p:txBody>
+          <a:bodyPr lIns="0" tIns="0" rIns="0" bIns="0" rtlCol="0" anchor="ctr"/>
+          <a:lstStyle/>
+          <a:p>
+            <a:pPr algn="ctr"/>
+            <a:r>
+              <a:rPr lang="en-US" sz="1400" dirty="0">
+                <a:solidFill>
+                  <a:schemeClr val="tx1"/>
+                </a:solidFill>
+              </a:rPr>
+              <a:t>Available RAM</a:t>
+            </a:r>
+          </a:p>
+          <a:p>
+            <a:pPr algn="ctr"/>
+            <a:r>
+              <a:rPr lang="en-US" sz="1400" dirty="0">
+                <a:solidFill>
+                  <a:schemeClr val="tx1"/>
+                </a:solidFill>
+              </a:rPr>
+              <a:t>for 2 buffers</a:t>
+            </a:r>
+          </a:p>
+        </p:txBody>
+      </p:sp>
+      <p:sp>
+        <p:nvSpPr>
+          <p:cNvPr id="97" name="Arrow: Up-Down 96">
+            <a:extLst>
+              <a:ext uri="{FF2B5EF4-FFF2-40B4-BE49-F238E27FC236}">
+                <a16:creationId xmlns:a16="http://schemas.microsoft.com/office/drawing/2014/main" id="{8D2C1050-137B-56A5-44CA-E1CB1913D870}"/>
+              </a:ext>
+            </a:extLst>
+          </p:cNvPr>
+          <p:cNvSpPr/>
+          <p:nvPr/>
+        </p:nvSpPr>
+        <p:spPr>
+          <a:xfrm>
+            <a:off x="9855170" y="2515454"/>
+            <a:ext cx="1584000" cy="792000"/>
+          </a:xfrm>
+          <a:prstGeom prst="upDownArrow">
+            <a:avLst>
+              <a:gd name="adj1" fmla="val 100000"/>
+              <a:gd name="adj2" fmla="val 17192"/>
+            </a:avLst>
+          </a:prstGeom>
+          <a:ln>
+            <a:headEnd type="none" w="med" len="med"/>
+            <a:tailEnd type="none" w="med" len="med"/>
+          </a:ln>
+        </p:spPr>
+        <p:style>
+          <a:lnRef idx="2">
+            <a:schemeClr val="accent2"/>
+          </a:lnRef>
+          <a:fillRef idx="1">
+            <a:schemeClr val="lt1"/>
+          </a:fillRef>
+          <a:effectRef idx="0">
+            <a:schemeClr val="accent2"/>
+          </a:effectRef>
+          <a:fontRef idx="minor">
+            <a:schemeClr val="dk1"/>
+          </a:fontRef>
+        </p:style>
+        <p:txBody>
+          <a:bodyPr lIns="0" tIns="0" rIns="0" bIns="0" rtlCol="0" anchor="ctr"/>
+          <a:lstStyle/>
+          <a:p>
+            <a:pPr algn="ctr"/>
+            <a:r>
+              <a:rPr lang="en-US" sz="1400" dirty="0">
+                <a:solidFill>
+                  <a:schemeClr val="tx1"/>
+                </a:solidFill>
+              </a:rPr>
+              <a:t>Available RAM</a:t>
+            </a:r>
+          </a:p>
+          <a:p>
+            <a:pPr algn="ctr"/>
+            <a:r>
+              <a:rPr lang="en-US" sz="1400" dirty="0">
+                <a:solidFill>
+                  <a:schemeClr val="tx1"/>
+                </a:solidFill>
+              </a:rPr>
+              <a:t>for 2 buffers</a:t>
+            </a:r>
+          </a:p>
+        </p:txBody>
+      </p:sp>
+      <p:sp>
+        <p:nvSpPr>
+          <p:cNvPr id="107" name="Arrow: Up-Down 106">
+            <a:extLst>
+              <a:ext uri="{FF2B5EF4-FFF2-40B4-BE49-F238E27FC236}">
+                <a16:creationId xmlns:a16="http://schemas.microsoft.com/office/drawing/2014/main" id="{33485C48-6BDF-71E6-52D9-A5147A9DC8A0}"/>
+              </a:ext>
+            </a:extLst>
+          </p:cNvPr>
+          <p:cNvSpPr/>
+          <p:nvPr/>
+        </p:nvSpPr>
+        <p:spPr>
+          <a:xfrm>
+            <a:off x="6977097" y="812272"/>
+            <a:ext cx="1584000" cy="792000"/>
+          </a:xfrm>
+          <a:prstGeom prst="upDownArrow">
+            <a:avLst>
+              <a:gd name="adj1" fmla="val 100000"/>
+              <a:gd name="adj2" fmla="val 17192"/>
+            </a:avLst>
+          </a:prstGeom>
+          <a:ln>
+            <a:headEnd type="none" w="med" len="med"/>
+            <a:tailEnd type="none" w="med" len="med"/>
+          </a:ln>
+        </p:spPr>
+        <p:style>
+          <a:lnRef idx="2">
+            <a:schemeClr val="accent2"/>
+          </a:lnRef>
+          <a:fillRef idx="1">
+            <a:schemeClr val="lt1"/>
+          </a:fillRef>
+          <a:effectRef idx="0">
+            <a:schemeClr val="accent2"/>
+          </a:effectRef>
+          <a:fontRef idx="minor">
+            <a:schemeClr val="dk1"/>
+          </a:fontRef>
+        </p:style>
+        <p:txBody>
+          <a:bodyPr lIns="0" tIns="0" rIns="0" bIns="0" rtlCol="0" anchor="ctr"/>
+          <a:lstStyle/>
+          <a:p>
+            <a:pPr algn="ctr"/>
+            <a:r>
+              <a:rPr lang="en-US" sz="1400" dirty="0">
+                <a:solidFill>
+                  <a:schemeClr val="tx1"/>
+                </a:solidFill>
+              </a:rPr>
+              <a:t>Available RAM</a:t>
+            </a:r>
+          </a:p>
+          <a:p>
+            <a:pPr algn="ctr"/>
+            <a:r>
+              <a:rPr lang="en-US" sz="1400" dirty="0">
+                <a:solidFill>
+                  <a:schemeClr val="tx1"/>
+                </a:solidFill>
+              </a:rPr>
+              <a:t>for a partial buffer</a:t>
+            </a:r>
+          </a:p>
+        </p:txBody>
+      </p:sp>
+      <p:sp>
+        <p:nvSpPr>
+          <p:cNvPr id="322" name="Arrow: Up-Down 321">
+            <a:extLst>
+              <a:ext uri="{FF2B5EF4-FFF2-40B4-BE49-F238E27FC236}">
+                <a16:creationId xmlns:a16="http://schemas.microsoft.com/office/drawing/2014/main" id="{5C41A624-85D7-4922-DD37-CE72A9D25DFF}"/>
+              </a:ext>
+            </a:extLst>
+          </p:cNvPr>
+          <p:cNvSpPr/>
+          <p:nvPr/>
+        </p:nvSpPr>
+        <p:spPr>
+          <a:xfrm>
+            <a:off x="6977097" y="3082375"/>
+            <a:ext cx="1584000" cy="792000"/>
+          </a:xfrm>
+          <a:prstGeom prst="upDownArrow">
+            <a:avLst>
+              <a:gd name="adj1" fmla="val 100000"/>
+              <a:gd name="adj2" fmla="val 17192"/>
+            </a:avLst>
+          </a:prstGeom>
+          <a:ln>
+            <a:headEnd type="none" w="med" len="med"/>
+            <a:tailEnd type="none" w="med" len="med"/>
+          </a:ln>
+        </p:spPr>
+        <p:style>
+          <a:lnRef idx="2">
+            <a:schemeClr val="accent2"/>
+          </a:lnRef>
+          <a:fillRef idx="1">
+            <a:schemeClr val="lt1"/>
+          </a:fillRef>
+          <a:effectRef idx="0">
+            <a:schemeClr val="accent2"/>
+          </a:effectRef>
+          <a:fontRef idx="minor">
+            <a:schemeClr val="dk1"/>
+          </a:fontRef>
+        </p:style>
+        <p:txBody>
+          <a:bodyPr lIns="0" tIns="0" rIns="0" bIns="0" rtlCol="0" anchor="ctr"/>
+          <a:lstStyle/>
+          <a:p>
+            <a:pPr algn="ctr"/>
+            <a:r>
+              <a:rPr lang="en-US" sz="1400" dirty="0">
+                <a:solidFill>
+                  <a:schemeClr val="tx1"/>
+                </a:solidFill>
+              </a:rPr>
+              <a:t>Available RAM</a:t>
+            </a:r>
+          </a:p>
+          <a:p>
+            <a:pPr algn="ctr"/>
+            <a:r>
+              <a:rPr lang="en-US" sz="1400" dirty="0">
+                <a:solidFill>
+                  <a:schemeClr val="tx1"/>
+                </a:solidFill>
+              </a:rPr>
+              <a:t>for 3 buffers</a:t>
+            </a:r>
+          </a:p>
+        </p:txBody>
+      </p:sp>
+      <p:sp>
+        <p:nvSpPr>
+          <p:cNvPr id="323" name="Arrow: Up-Down 322">
+            <a:extLst>
+              <a:ext uri="{FF2B5EF4-FFF2-40B4-BE49-F238E27FC236}">
+                <a16:creationId xmlns:a16="http://schemas.microsoft.com/office/drawing/2014/main" id="{77C5C231-E8F9-FB58-DA67-5D14631E459B}"/>
+              </a:ext>
+            </a:extLst>
+          </p:cNvPr>
+          <p:cNvSpPr/>
+          <p:nvPr/>
+        </p:nvSpPr>
+        <p:spPr>
+          <a:xfrm>
+            <a:off x="7001687" y="5331478"/>
+            <a:ext cx="1584000" cy="792000"/>
+          </a:xfrm>
+          <a:prstGeom prst="upDownArrow">
+            <a:avLst>
+              <a:gd name="adj1" fmla="val 100000"/>
+              <a:gd name="adj2" fmla="val 17192"/>
+            </a:avLst>
+          </a:prstGeom>
+          <a:ln>
+            <a:headEnd type="none" w="med" len="med"/>
+            <a:tailEnd type="none" w="med" len="med"/>
+          </a:ln>
+        </p:spPr>
+        <p:style>
+          <a:lnRef idx="2">
+            <a:schemeClr val="accent2"/>
+          </a:lnRef>
+          <a:fillRef idx="1">
+            <a:schemeClr val="lt1"/>
+          </a:fillRef>
+          <a:effectRef idx="0">
+            <a:schemeClr val="accent2"/>
+          </a:effectRef>
+          <a:fontRef idx="minor">
+            <a:schemeClr val="dk1"/>
+          </a:fontRef>
+        </p:style>
+        <p:txBody>
+          <a:bodyPr lIns="0" tIns="0" rIns="0" bIns="0" rtlCol="0" anchor="ctr"/>
+          <a:lstStyle/>
+          <a:p>
+            <a:pPr algn="ctr"/>
+            <a:r>
+              <a:rPr lang="en-US" sz="1400" dirty="0">
+                <a:solidFill>
+                  <a:schemeClr val="tx1"/>
+                </a:solidFill>
+              </a:rPr>
+              <a:t>Available RAM</a:t>
+            </a:r>
+          </a:p>
+          <a:p>
+            <a:pPr algn="ctr"/>
+            <a:r>
+              <a:rPr lang="en-US" sz="1400" dirty="0">
+                <a:solidFill>
+                  <a:schemeClr val="tx1"/>
+                </a:solidFill>
+              </a:rPr>
+              <a:t>for 3 buffers</a:t>
+            </a:r>
+          </a:p>
+        </p:txBody>
+      </p:sp>
+      <p:grpSp>
+        <p:nvGrpSpPr>
+          <p:cNvPr id="187" name="Group 186">
+            <a:extLst>
+              <a:ext uri="{FF2B5EF4-FFF2-40B4-BE49-F238E27FC236}">
+                <a16:creationId xmlns:a16="http://schemas.microsoft.com/office/drawing/2014/main" id="{59180BA8-373A-919D-DF27-05D8ACC62D49}"/>
+              </a:ext>
+            </a:extLst>
+          </p:cNvPr>
+          <p:cNvGrpSpPr/>
+          <p:nvPr/>
+        </p:nvGrpSpPr>
+        <p:grpSpPr>
+          <a:xfrm>
+            <a:off x="3462403" y="2816958"/>
+            <a:ext cx="296624" cy="1326520"/>
+            <a:chOff x="1824723" y="1877555"/>
+            <a:chExt cx="296624" cy="1326520"/>
+          </a:xfrm>
+        </p:grpSpPr>
+        <p:sp>
+          <p:nvSpPr>
+            <p:cNvPr id="188" name="TextBox 187">
+              <a:extLst>
+                <a:ext uri="{FF2B5EF4-FFF2-40B4-BE49-F238E27FC236}">
+                  <a16:creationId xmlns:a16="http://schemas.microsoft.com/office/drawing/2014/main" id="{9EC5D9AA-52C5-BFBC-192C-2E1532977C38}"/>
+                </a:ext>
+              </a:extLst>
+            </p:cNvPr>
+            <p:cNvSpPr txBox="1"/>
+            <p:nvPr/>
+          </p:nvSpPr>
+          <p:spPr>
+            <a:xfrm>
+              <a:off x="1824723" y="1877555"/>
+              <a:ext cx="296624" cy="215444"/>
+            </a:xfrm>
+            <a:prstGeom prst="rect">
+              <a:avLst/>
+            </a:prstGeom>
+            <a:noFill/>
+          </p:spPr>
+          <p:txBody>
+            <a:bodyPr vert="horz" wrap="square" lIns="0" tIns="0" rIns="0" bIns="0" numCol="1" spcCol="288000" rtlCol="0" anchor="t" anchorCtr="0">
+              <a:spAutoFit/>
+            </a:bodyPr>
+            <a:lstStyle/>
+            <a:p>
+              <a:pPr algn="ctr">
+                <a:spcBef>
+                  <a:spcPts val="0"/>
+                </a:spcBef>
+                <a:spcAft>
+                  <a:spcPts val="600"/>
+                </a:spcAft>
+              </a:pPr>
+              <a:r>
+                <a:rPr lang="en-US" sz="1400" b="0" i="0" spc="0" dirty="0">
+                  <a:ln>
+                    <a:noFill/>
+                  </a:ln>
+                  <a:solidFill>
+                    <a:schemeClr val="tx2"/>
+                  </a:solidFill>
+                  <a:latin typeface="Source Sans Pro Light" charset="0"/>
+                  <a:ea typeface="Source Sans Pro Light" charset="0"/>
+                  <a:cs typeface="Source Sans Pro Light" charset="0"/>
+                </a:rPr>
+                <a:t>no</a:t>
+              </a:r>
+            </a:p>
+          </p:txBody>
+        </p:sp>
+        <p:sp>
+          <p:nvSpPr>
+            <p:cNvPr id="189" name="TextBox 188">
+              <a:extLst>
+                <a:ext uri="{FF2B5EF4-FFF2-40B4-BE49-F238E27FC236}">
+                  <a16:creationId xmlns:a16="http://schemas.microsoft.com/office/drawing/2014/main" id="{F67D99B5-6DB6-9D57-121A-292A9B0CAAD1}"/>
+                </a:ext>
+              </a:extLst>
+            </p:cNvPr>
+            <p:cNvSpPr txBox="1"/>
+            <p:nvPr/>
+          </p:nvSpPr>
+          <p:spPr>
+            <a:xfrm>
+              <a:off x="1824723" y="2988631"/>
+              <a:ext cx="296624" cy="215444"/>
+            </a:xfrm>
+            <a:prstGeom prst="rect">
+              <a:avLst/>
+            </a:prstGeom>
+            <a:noFill/>
+          </p:spPr>
+          <p:txBody>
+            <a:bodyPr vert="horz" wrap="square" lIns="0" tIns="0" rIns="0" bIns="0" numCol="1" spcCol="288000" rtlCol="0" anchor="t" anchorCtr="0">
+              <a:spAutoFit/>
+            </a:bodyPr>
+            <a:lstStyle/>
+            <a:p>
+              <a:pPr algn="ctr">
+                <a:spcBef>
+                  <a:spcPts val="0"/>
+                </a:spcBef>
+                <a:spcAft>
+                  <a:spcPts val="600"/>
+                </a:spcAft>
+              </a:pPr>
+              <a:r>
+                <a:rPr lang="en-US" sz="1400" b="0" i="0" spc="0" dirty="0">
+                  <a:ln>
+                    <a:noFill/>
+                  </a:ln>
+                  <a:solidFill>
+                    <a:schemeClr val="tx2"/>
+                  </a:solidFill>
+                  <a:latin typeface="Source Sans Pro Light" charset="0"/>
+                  <a:ea typeface="Source Sans Pro Light" charset="0"/>
+                  <a:cs typeface="Source Sans Pro Light" charset="0"/>
+                </a:rPr>
+                <a:t>yes</a:t>
+              </a:r>
+            </a:p>
+          </p:txBody>
+        </p:sp>
+      </p:grpSp>
+      <p:grpSp>
+        <p:nvGrpSpPr>
+          <p:cNvPr id="190" name="Group 189">
+            <a:extLst>
+              <a:ext uri="{FF2B5EF4-FFF2-40B4-BE49-F238E27FC236}">
+                <a16:creationId xmlns:a16="http://schemas.microsoft.com/office/drawing/2014/main" id="{E6C8B0C3-6643-98AC-D803-9815777DA331}"/>
+              </a:ext>
+            </a:extLst>
+          </p:cNvPr>
+          <p:cNvGrpSpPr/>
+          <p:nvPr/>
+        </p:nvGrpSpPr>
+        <p:grpSpPr>
+          <a:xfrm>
+            <a:off x="7793687" y="535342"/>
+            <a:ext cx="296624" cy="1326520"/>
+            <a:chOff x="1824723" y="1877555"/>
+            <a:chExt cx="296624" cy="1326520"/>
+          </a:xfrm>
+        </p:grpSpPr>
+        <p:sp>
+          <p:nvSpPr>
+            <p:cNvPr id="192" name="TextBox 191">
+              <a:extLst>
+                <a:ext uri="{FF2B5EF4-FFF2-40B4-BE49-F238E27FC236}">
+                  <a16:creationId xmlns:a16="http://schemas.microsoft.com/office/drawing/2014/main" id="{4AC5B446-DE1D-1024-10AC-70594CEF8B0D}"/>
+                </a:ext>
+              </a:extLst>
+            </p:cNvPr>
+            <p:cNvSpPr txBox="1"/>
+            <p:nvPr/>
+          </p:nvSpPr>
+          <p:spPr>
+            <a:xfrm>
+              <a:off x="1824723" y="1877555"/>
+              <a:ext cx="296624" cy="215444"/>
+            </a:xfrm>
+            <a:prstGeom prst="rect">
+              <a:avLst/>
+            </a:prstGeom>
+            <a:noFill/>
+          </p:spPr>
+          <p:txBody>
+            <a:bodyPr vert="horz" wrap="square" lIns="0" tIns="0" rIns="0" bIns="0" numCol="1" spcCol="288000" rtlCol="0" anchor="t" anchorCtr="0">
+              <a:spAutoFit/>
+            </a:bodyPr>
+            <a:lstStyle/>
+            <a:p>
+              <a:pPr algn="ctr">
+                <a:spcBef>
+                  <a:spcPts val="0"/>
+                </a:spcBef>
+                <a:spcAft>
+                  <a:spcPts val="600"/>
+                </a:spcAft>
+              </a:pPr>
+              <a:r>
+                <a:rPr lang="en-US" sz="1400" b="0" i="0" spc="0" dirty="0">
+                  <a:ln>
+                    <a:noFill/>
+                  </a:ln>
+                  <a:solidFill>
+                    <a:schemeClr val="tx2"/>
+                  </a:solidFill>
+                  <a:latin typeface="Source Sans Pro Light" charset="0"/>
+                  <a:ea typeface="Source Sans Pro Light" charset="0"/>
+                  <a:cs typeface="Source Sans Pro Light" charset="0"/>
+                </a:rPr>
+                <a:t>no</a:t>
+              </a:r>
+            </a:p>
+          </p:txBody>
+        </p:sp>
+        <p:sp>
+          <p:nvSpPr>
+            <p:cNvPr id="193" name="TextBox 192">
+              <a:extLst>
+                <a:ext uri="{FF2B5EF4-FFF2-40B4-BE49-F238E27FC236}">
+                  <a16:creationId xmlns:a16="http://schemas.microsoft.com/office/drawing/2014/main" id="{A7AB6BB7-CC2B-EC00-5781-1F06AA793859}"/>
+                </a:ext>
+              </a:extLst>
+            </p:cNvPr>
+            <p:cNvSpPr txBox="1"/>
+            <p:nvPr/>
+          </p:nvSpPr>
+          <p:spPr>
+            <a:xfrm>
+              <a:off x="1824723" y="2988631"/>
+              <a:ext cx="296624" cy="215444"/>
+            </a:xfrm>
+            <a:prstGeom prst="rect">
+              <a:avLst/>
+            </a:prstGeom>
+            <a:noFill/>
+          </p:spPr>
+          <p:txBody>
+            <a:bodyPr vert="horz" wrap="square" lIns="0" tIns="0" rIns="0" bIns="0" numCol="1" spcCol="288000" rtlCol="0" anchor="t" anchorCtr="0">
+              <a:spAutoFit/>
+            </a:bodyPr>
+            <a:lstStyle/>
+            <a:p>
+              <a:pPr algn="ctr">
+                <a:spcBef>
+                  <a:spcPts val="0"/>
+                </a:spcBef>
+                <a:spcAft>
+                  <a:spcPts val="600"/>
+                </a:spcAft>
+              </a:pPr>
+              <a:r>
+                <a:rPr lang="en-US" sz="1400" b="0" i="0" spc="0" dirty="0">
+                  <a:ln>
+                    <a:noFill/>
+                  </a:ln>
+                  <a:solidFill>
+                    <a:schemeClr val="tx2"/>
+                  </a:solidFill>
+                  <a:latin typeface="Source Sans Pro Light" charset="0"/>
+                  <a:ea typeface="Source Sans Pro Light" charset="0"/>
+                  <a:cs typeface="Source Sans Pro Light" charset="0"/>
+                </a:rPr>
+                <a:t>yes</a:t>
+              </a:r>
+            </a:p>
+          </p:txBody>
+        </p:sp>
+      </p:grpSp>
+      <p:grpSp>
+        <p:nvGrpSpPr>
+          <p:cNvPr id="195" name="Group 194">
+            <a:extLst>
+              <a:ext uri="{FF2B5EF4-FFF2-40B4-BE49-F238E27FC236}">
+                <a16:creationId xmlns:a16="http://schemas.microsoft.com/office/drawing/2014/main" id="{34ADC96B-47A6-C006-F657-4DE56D587817}"/>
+              </a:ext>
+            </a:extLst>
+          </p:cNvPr>
+          <p:cNvGrpSpPr/>
+          <p:nvPr/>
+        </p:nvGrpSpPr>
+        <p:grpSpPr>
+          <a:xfrm>
+            <a:off x="7861211" y="2815114"/>
+            <a:ext cx="296624" cy="1326520"/>
+            <a:chOff x="1824723" y="1877555"/>
+            <a:chExt cx="296624" cy="1326520"/>
+          </a:xfrm>
+        </p:grpSpPr>
+        <p:sp>
+          <p:nvSpPr>
+            <p:cNvPr id="196" name="TextBox 195">
+              <a:extLst>
+                <a:ext uri="{FF2B5EF4-FFF2-40B4-BE49-F238E27FC236}">
+                  <a16:creationId xmlns:a16="http://schemas.microsoft.com/office/drawing/2014/main" id="{54502718-3C63-1E31-735B-E12D859F2609}"/>
+                </a:ext>
+              </a:extLst>
+            </p:cNvPr>
+            <p:cNvSpPr txBox="1"/>
+            <p:nvPr/>
+          </p:nvSpPr>
+          <p:spPr>
+            <a:xfrm>
+              <a:off x="1824723" y="1877555"/>
+              <a:ext cx="296624" cy="215444"/>
+            </a:xfrm>
+            <a:prstGeom prst="rect">
+              <a:avLst/>
+            </a:prstGeom>
+            <a:noFill/>
+          </p:spPr>
+          <p:txBody>
+            <a:bodyPr vert="horz" wrap="square" lIns="0" tIns="0" rIns="0" bIns="0" numCol="1" spcCol="288000" rtlCol="0" anchor="t" anchorCtr="0">
+              <a:spAutoFit/>
+            </a:bodyPr>
+            <a:lstStyle/>
+            <a:p>
+              <a:pPr algn="ctr">
+                <a:spcBef>
+                  <a:spcPts val="0"/>
+                </a:spcBef>
+                <a:spcAft>
+                  <a:spcPts val="600"/>
+                </a:spcAft>
+              </a:pPr>
+              <a:r>
+                <a:rPr lang="en-US" sz="1400" b="0" i="0" spc="0" dirty="0">
+                  <a:ln>
+                    <a:noFill/>
+                  </a:ln>
+                  <a:solidFill>
+                    <a:schemeClr val="tx2"/>
+                  </a:solidFill>
+                  <a:latin typeface="Source Sans Pro Light" charset="0"/>
+                  <a:ea typeface="Source Sans Pro Light" charset="0"/>
+                  <a:cs typeface="Source Sans Pro Light" charset="0"/>
+                </a:rPr>
+                <a:t>no</a:t>
+              </a:r>
+            </a:p>
+          </p:txBody>
+        </p:sp>
+        <p:sp>
+          <p:nvSpPr>
+            <p:cNvPr id="197" name="TextBox 196">
+              <a:extLst>
+                <a:ext uri="{FF2B5EF4-FFF2-40B4-BE49-F238E27FC236}">
+                  <a16:creationId xmlns:a16="http://schemas.microsoft.com/office/drawing/2014/main" id="{DF181A0E-CDB7-5115-A14C-2713A5CA3AFF}"/>
+                </a:ext>
+              </a:extLst>
+            </p:cNvPr>
+            <p:cNvSpPr txBox="1"/>
+            <p:nvPr/>
+          </p:nvSpPr>
+          <p:spPr>
+            <a:xfrm>
+              <a:off x="1824723" y="2988631"/>
+              <a:ext cx="296624" cy="215444"/>
+            </a:xfrm>
+            <a:prstGeom prst="rect">
+              <a:avLst/>
+            </a:prstGeom>
+            <a:noFill/>
+          </p:spPr>
+          <p:txBody>
+            <a:bodyPr vert="horz" wrap="square" lIns="0" tIns="0" rIns="0" bIns="0" numCol="1" spcCol="288000" rtlCol="0" anchor="t" anchorCtr="0">
+              <a:spAutoFit/>
+            </a:bodyPr>
+            <a:lstStyle/>
+            <a:p>
+              <a:pPr algn="ctr">
+                <a:spcBef>
+                  <a:spcPts val="0"/>
+                </a:spcBef>
+                <a:spcAft>
+                  <a:spcPts val="600"/>
+                </a:spcAft>
+              </a:pPr>
+              <a:r>
+                <a:rPr lang="en-US" sz="1400" b="0" i="0" spc="0" dirty="0">
+                  <a:ln>
+                    <a:noFill/>
+                  </a:ln>
+                  <a:solidFill>
+                    <a:schemeClr val="tx2"/>
+                  </a:solidFill>
+                  <a:latin typeface="Source Sans Pro Light" charset="0"/>
+                  <a:ea typeface="Source Sans Pro Light" charset="0"/>
+                  <a:cs typeface="Source Sans Pro Light" charset="0"/>
+                </a:rPr>
+                <a:t>yes</a:t>
+              </a:r>
+            </a:p>
+          </p:txBody>
+        </p:sp>
+      </p:grpSp>
+      <p:grpSp>
+        <p:nvGrpSpPr>
+          <p:cNvPr id="198" name="Group 197">
+            <a:extLst>
+              <a:ext uri="{FF2B5EF4-FFF2-40B4-BE49-F238E27FC236}">
+                <a16:creationId xmlns:a16="http://schemas.microsoft.com/office/drawing/2014/main" id="{45101D72-DCD3-FA8B-D486-B1BA329BEE10}"/>
+              </a:ext>
+            </a:extLst>
+          </p:cNvPr>
+          <p:cNvGrpSpPr/>
+          <p:nvPr/>
+        </p:nvGrpSpPr>
+        <p:grpSpPr>
+          <a:xfrm>
+            <a:off x="9338722" y="3887073"/>
+            <a:ext cx="296624" cy="1326520"/>
+            <a:chOff x="1824723" y="1877555"/>
+            <a:chExt cx="296624" cy="1326520"/>
+          </a:xfrm>
+        </p:grpSpPr>
+        <p:sp>
+          <p:nvSpPr>
+            <p:cNvPr id="200" name="TextBox 199">
+              <a:extLst>
+                <a:ext uri="{FF2B5EF4-FFF2-40B4-BE49-F238E27FC236}">
+                  <a16:creationId xmlns:a16="http://schemas.microsoft.com/office/drawing/2014/main" id="{99643F2A-BD15-2817-0AE0-CF4921313F43}"/>
+                </a:ext>
+              </a:extLst>
+            </p:cNvPr>
+            <p:cNvSpPr txBox="1"/>
+            <p:nvPr/>
+          </p:nvSpPr>
+          <p:spPr>
+            <a:xfrm>
+              <a:off x="1824723" y="1877555"/>
+              <a:ext cx="296624" cy="215444"/>
+            </a:xfrm>
+            <a:prstGeom prst="rect">
+              <a:avLst/>
+            </a:prstGeom>
+            <a:noFill/>
+          </p:spPr>
+          <p:txBody>
+            <a:bodyPr vert="horz" wrap="square" lIns="0" tIns="0" rIns="0" bIns="0" numCol="1" spcCol="288000" rtlCol="0" anchor="t" anchorCtr="0">
+              <a:spAutoFit/>
+            </a:bodyPr>
+            <a:lstStyle/>
+            <a:p>
+              <a:pPr algn="ctr">
+                <a:spcBef>
+                  <a:spcPts val="0"/>
+                </a:spcBef>
+                <a:spcAft>
+                  <a:spcPts val="600"/>
+                </a:spcAft>
+              </a:pPr>
+              <a:r>
+                <a:rPr lang="en-US" sz="1400" b="0" i="0" spc="0" dirty="0">
+                  <a:ln>
+                    <a:noFill/>
+                  </a:ln>
+                  <a:solidFill>
+                    <a:schemeClr val="tx2"/>
+                  </a:solidFill>
+                  <a:latin typeface="Source Sans Pro Light" charset="0"/>
+                  <a:ea typeface="Source Sans Pro Light" charset="0"/>
+                  <a:cs typeface="Source Sans Pro Light" charset="0"/>
+                </a:rPr>
+                <a:t>no</a:t>
+              </a:r>
+            </a:p>
+          </p:txBody>
+        </p:sp>
+        <p:sp>
+          <p:nvSpPr>
+            <p:cNvPr id="201" name="TextBox 200">
+              <a:extLst>
+                <a:ext uri="{FF2B5EF4-FFF2-40B4-BE49-F238E27FC236}">
+                  <a16:creationId xmlns:a16="http://schemas.microsoft.com/office/drawing/2014/main" id="{7294FE89-C5EA-BB4C-BF0E-98CD059C05ED}"/>
+                </a:ext>
+              </a:extLst>
+            </p:cNvPr>
+            <p:cNvSpPr txBox="1"/>
+            <p:nvPr/>
+          </p:nvSpPr>
+          <p:spPr>
+            <a:xfrm>
+              <a:off x="1824723" y="2988631"/>
+              <a:ext cx="296624" cy="215444"/>
+            </a:xfrm>
+            <a:prstGeom prst="rect">
+              <a:avLst/>
+            </a:prstGeom>
+            <a:noFill/>
+          </p:spPr>
+          <p:txBody>
+            <a:bodyPr vert="horz" wrap="square" lIns="0" tIns="0" rIns="0" bIns="0" numCol="1" spcCol="288000" rtlCol="0" anchor="t" anchorCtr="0">
+              <a:spAutoFit/>
+            </a:bodyPr>
+            <a:lstStyle/>
+            <a:p>
+              <a:pPr algn="ctr">
+                <a:spcBef>
+                  <a:spcPts val="0"/>
+                </a:spcBef>
+                <a:spcAft>
+                  <a:spcPts val="600"/>
+                </a:spcAft>
+              </a:pPr>
+              <a:r>
+                <a:rPr lang="en-US" sz="1400" b="0" i="0" spc="0" dirty="0">
+                  <a:ln>
+                    <a:noFill/>
+                  </a:ln>
+                  <a:solidFill>
+                    <a:schemeClr val="tx2"/>
+                  </a:solidFill>
+                  <a:latin typeface="Source Sans Pro Light" charset="0"/>
+                  <a:ea typeface="Source Sans Pro Light" charset="0"/>
+                  <a:cs typeface="Source Sans Pro Light" charset="0"/>
+                </a:rPr>
+                <a:t>yes</a:t>
+              </a:r>
+            </a:p>
+          </p:txBody>
+        </p:sp>
+      </p:grpSp>
+      <p:grpSp>
+        <p:nvGrpSpPr>
+          <p:cNvPr id="203" name="Group 202">
+            <a:extLst>
+              <a:ext uri="{FF2B5EF4-FFF2-40B4-BE49-F238E27FC236}">
+                <a16:creationId xmlns:a16="http://schemas.microsoft.com/office/drawing/2014/main" id="{35EED792-C421-516D-1E3B-DB0D044FC3C6}"/>
+              </a:ext>
+            </a:extLst>
+          </p:cNvPr>
+          <p:cNvGrpSpPr/>
+          <p:nvPr/>
+        </p:nvGrpSpPr>
+        <p:grpSpPr>
+          <a:xfrm>
+            <a:off x="7857306" y="5064218"/>
+            <a:ext cx="296624" cy="1326520"/>
+            <a:chOff x="1824723" y="1877555"/>
+            <a:chExt cx="296624" cy="1326520"/>
+          </a:xfrm>
+        </p:grpSpPr>
+        <p:sp>
+          <p:nvSpPr>
+            <p:cNvPr id="204" name="TextBox 203">
+              <a:extLst>
+                <a:ext uri="{FF2B5EF4-FFF2-40B4-BE49-F238E27FC236}">
+                  <a16:creationId xmlns:a16="http://schemas.microsoft.com/office/drawing/2014/main" id="{7E48058A-9E6F-02A4-DF02-2F800ABE7235}"/>
+                </a:ext>
+              </a:extLst>
+            </p:cNvPr>
+            <p:cNvSpPr txBox="1"/>
+            <p:nvPr/>
+          </p:nvSpPr>
+          <p:spPr>
+            <a:xfrm>
+              <a:off x="1824723" y="1877555"/>
+              <a:ext cx="296624" cy="215444"/>
+            </a:xfrm>
+            <a:prstGeom prst="rect">
+              <a:avLst/>
+            </a:prstGeom>
+            <a:noFill/>
+          </p:spPr>
+          <p:txBody>
+            <a:bodyPr vert="horz" wrap="square" lIns="0" tIns="0" rIns="0" bIns="0" numCol="1" spcCol="288000" rtlCol="0" anchor="t" anchorCtr="0">
+              <a:spAutoFit/>
+            </a:bodyPr>
+            <a:lstStyle/>
+            <a:p>
+              <a:pPr algn="ctr">
+                <a:spcBef>
+                  <a:spcPts val="0"/>
+                </a:spcBef>
+                <a:spcAft>
+                  <a:spcPts val="600"/>
+                </a:spcAft>
+              </a:pPr>
+              <a:r>
+                <a:rPr lang="en-US" sz="1400" b="0" i="0" spc="0" dirty="0">
+                  <a:ln>
+                    <a:noFill/>
+                  </a:ln>
+                  <a:solidFill>
+                    <a:schemeClr val="tx2"/>
+                  </a:solidFill>
+                  <a:latin typeface="Source Sans Pro Light" charset="0"/>
+                  <a:ea typeface="Source Sans Pro Light" charset="0"/>
+                  <a:cs typeface="Source Sans Pro Light" charset="0"/>
+                </a:rPr>
+                <a:t>no</a:t>
+              </a:r>
+            </a:p>
+          </p:txBody>
+        </p:sp>
+        <p:sp>
+          <p:nvSpPr>
+            <p:cNvPr id="205" name="TextBox 204">
+              <a:extLst>
+                <a:ext uri="{FF2B5EF4-FFF2-40B4-BE49-F238E27FC236}">
+                  <a16:creationId xmlns:a16="http://schemas.microsoft.com/office/drawing/2014/main" id="{3C3A66BA-B4AC-848B-8DC9-6EFF5A44133A}"/>
+                </a:ext>
+              </a:extLst>
+            </p:cNvPr>
+            <p:cNvSpPr txBox="1"/>
+            <p:nvPr/>
+          </p:nvSpPr>
+          <p:spPr>
+            <a:xfrm>
+              <a:off x="1824723" y="2988631"/>
+              <a:ext cx="296624" cy="215444"/>
+            </a:xfrm>
+            <a:prstGeom prst="rect">
+              <a:avLst/>
+            </a:prstGeom>
+            <a:noFill/>
+          </p:spPr>
+          <p:txBody>
+            <a:bodyPr vert="horz" wrap="square" lIns="0" tIns="0" rIns="0" bIns="0" numCol="1" spcCol="288000" rtlCol="0" anchor="t" anchorCtr="0">
+              <a:spAutoFit/>
+            </a:bodyPr>
+            <a:lstStyle/>
+            <a:p>
+              <a:pPr algn="ctr">
+                <a:spcBef>
+                  <a:spcPts val="0"/>
+                </a:spcBef>
+                <a:spcAft>
+                  <a:spcPts val="600"/>
+                </a:spcAft>
+              </a:pPr>
+              <a:r>
+                <a:rPr lang="en-US" sz="1400" b="0" i="0" spc="0" dirty="0">
+                  <a:ln>
+                    <a:noFill/>
+                  </a:ln>
+                  <a:solidFill>
+                    <a:schemeClr val="tx2"/>
+                  </a:solidFill>
+                  <a:latin typeface="Source Sans Pro Light" charset="0"/>
+                  <a:ea typeface="Source Sans Pro Light" charset="0"/>
+                  <a:cs typeface="Source Sans Pro Light" charset="0"/>
+                </a:rPr>
+                <a:t>yes</a:t>
+              </a:r>
+            </a:p>
+          </p:txBody>
+        </p:sp>
+      </p:grpSp>
+      <p:grpSp>
+        <p:nvGrpSpPr>
+          <p:cNvPr id="206" name="Group 205">
+            <a:extLst>
+              <a:ext uri="{FF2B5EF4-FFF2-40B4-BE49-F238E27FC236}">
+                <a16:creationId xmlns:a16="http://schemas.microsoft.com/office/drawing/2014/main" id="{AC9C50CC-DBBB-8DDB-2F70-CC916D8150E9}"/>
+              </a:ext>
+            </a:extLst>
+          </p:cNvPr>
+          <p:cNvGrpSpPr/>
+          <p:nvPr/>
+        </p:nvGrpSpPr>
+        <p:grpSpPr>
+          <a:xfrm>
+            <a:off x="10739284" y="2259576"/>
+            <a:ext cx="296624" cy="1326520"/>
+            <a:chOff x="1824723" y="1877555"/>
+            <a:chExt cx="296624" cy="1326520"/>
+          </a:xfrm>
+        </p:grpSpPr>
+        <p:sp>
+          <p:nvSpPr>
+            <p:cNvPr id="207" name="TextBox 206">
+              <a:extLst>
+                <a:ext uri="{FF2B5EF4-FFF2-40B4-BE49-F238E27FC236}">
+                  <a16:creationId xmlns:a16="http://schemas.microsoft.com/office/drawing/2014/main" id="{2C275ADF-2445-7000-A443-55EFAAAEF134}"/>
+                </a:ext>
+              </a:extLst>
+            </p:cNvPr>
+            <p:cNvSpPr txBox="1"/>
+            <p:nvPr/>
+          </p:nvSpPr>
+          <p:spPr>
+            <a:xfrm>
+              <a:off x="1824723" y="1877555"/>
+              <a:ext cx="296624" cy="215444"/>
+            </a:xfrm>
+            <a:prstGeom prst="rect">
+              <a:avLst/>
+            </a:prstGeom>
+            <a:noFill/>
+          </p:spPr>
+          <p:txBody>
+            <a:bodyPr vert="horz" wrap="square" lIns="0" tIns="0" rIns="0" bIns="0" numCol="1" spcCol="288000" rtlCol="0" anchor="t" anchorCtr="0">
+              <a:spAutoFit/>
+            </a:bodyPr>
+            <a:lstStyle/>
+            <a:p>
+              <a:pPr algn="ctr">
+                <a:spcBef>
+                  <a:spcPts val="0"/>
+                </a:spcBef>
+                <a:spcAft>
+                  <a:spcPts val="600"/>
+                </a:spcAft>
+              </a:pPr>
+              <a:r>
+                <a:rPr lang="en-US" sz="1400" b="0" i="0" spc="0" dirty="0">
+                  <a:ln>
+                    <a:noFill/>
+                  </a:ln>
+                  <a:solidFill>
+                    <a:schemeClr val="tx2"/>
+                  </a:solidFill>
+                  <a:latin typeface="Source Sans Pro Light" charset="0"/>
+                  <a:ea typeface="Source Sans Pro Light" charset="0"/>
+                  <a:cs typeface="Source Sans Pro Light" charset="0"/>
+                </a:rPr>
+                <a:t>no</a:t>
+              </a:r>
+            </a:p>
+          </p:txBody>
+        </p:sp>
+        <p:sp>
+          <p:nvSpPr>
+            <p:cNvPr id="208" name="TextBox 207">
+              <a:extLst>
+                <a:ext uri="{FF2B5EF4-FFF2-40B4-BE49-F238E27FC236}">
+                  <a16:creationId xmlns:a16="http://schemas.microsoft.com/office/drawing/2014/main" id="{CC9C373B-D5C0-A533-4F87-E67FD1AEF52F}"/>
+                </a:ext>
+              </a:extLst>
+            </p:cNvPr>
+            <p:cNvSpPr txBox="1"/>
+            <p:nvPr/>
+          </p:nvSpPr>
+          <p:spPr>
+            <a:xfrm>
+              <a:off x="1824723" y="2988631"/>
+              <a:ext cx="296624" cy="215444"/>
+            </a:xfrm>
+            <a:prstGeom prst="rect">
+              <a:avLst/>
+            </a:prstGeom>
+            <a:noFill/>
+          </p:spPr>
+          <p:txBody>
+            <a:bodyPr vert="horz" wrap="square" lIns="0" tIns="0" rIns="0" bIns="0" numCol="1" spcCol="288000" rtlCol="0" anchor="t" anchorCtr="0">
+              <a:spAutoFit/>
+            </a:bodyPr>
+            <a:lstStyle/>
+            <a:p>
+              <a:pPr algn="ctr">
+                <a:spcBef>
+                  <a:spcPts val="0"/>
+                </a:spcBef>
+                <a:spcAft>
+                  <a:spcPts val="600"/>
+                </a:spcAft>
+              </a:pPr>
+              <a:r>
+                <a:rPr lang="en-US" sz="1400" b="0" i="0" spc="0" dirty="0">
+                  <a:ln>
+                    <a:noFill/>
+                  </a:ln>
+                  <a:solidFill>
+                    <a:schemeClr val="tx2"/>
+                  </a:solidFill>
+                  <a:latin typeface="Source Sans Pro Light" charset="0"/>
+                  <a:ea typeface="Source Sans Pro Light" charset="0"/>
+                  <a:cs typeface="Source Sans Pro Light" charset="0"/>
+                </a:rPr>
+                <a:t>yes</a:t>
+              </a:r>
+            </a:p>
+          </p:txBody>
+        </p:sp>
+      </p:grpSp>
+    </p:spTree>
+    <p:extLst>
+      <p:ext uri="{BB962C8B-B14F-4D97-AF65-F5344CB8AC3E}">
+        <p14:creationId xmlns:p14="http://schemas.microsoft.com/office/powerpoint/2010/main" val="2348798651"/>
       </p:ext>
     </p:extLst>
   </p:cSld>

--- a/VEEPortingGuide/images/ui_overview2.pptx
+++ b/VEEPortingGuide/images/ui_overview2.pptx
@@ -5,10 +5,10 @@
     <p:sldMasterId id="2147483660" r:id="rId1"/>
   </p:sldMasterIdLst>
   <p:notesMasterIdLst>
-    <p:notesMasterId r:id="rId16"/>
+    <p:notesMasterId r:id="rId17"/>
   </p:notesMasterIdLst>
   <p:handoutMasterIdLst>
-    <p:handoutMasterId r:id="rId17"/>
+    <p:handoutMasterId r:id="rId18"/>
   </p:handoutMasterIdLst>
   <p:sldIdLst>
     <p:sldId id="256" r:id="rId2"/>
@@ -21,10 +21,11 @@
     <p:sldId id="313" r:id="rId9"/>
     <p:sldId id="316" r:id="rId10"/>
     <p:sldId id="318" r:id="rId11"/>
-    <p:sldId id="317" r:id="rId12"/>
-    <p:sldId id="319" r:id="rId13"/>
-    <p:sldId id="320" r:id="rId14"/>
-    <p:sldId id="321" r:id="rId15"/>
+    <p:sldId id="322" r:id="rId12"/>
+    <p:sldId id="317" r:id="rId13"/>
+    <p:sldId id="319" r:id="rId14"/>
+    <p:sldId id="320" r:id="rId15"/>
+    <p:sldId id="321" r:id="rId16"/>
   </p:sldIdLst>
   <p:sldSz cx="12192000" cy="6858000"/>
   <p:notesSz cx="6858000" cy="9144000"/>
@@ -10256,7 +10257,7 @@
     </p:spTree>
     <p:extLst>
       <p:ext uri="{BB962C8B-B14F-4D97-AF65-F5344CB8AC3E}">
-        <p14:creationId xmlns:p14="http://schemas.microsoft.com/office/powerpoint/2010/main" val="883837639"/>
+        <p14:creationId xmlns:p14="http://schemas.microsoft.com/office/powerpoint/2010/main" val="1811495877"/>
       </p:ext>
     </p:extLst>
   </p:cSld>
@@ -10340,7 +10341,7 @@
     </p:spTree>
     <p:extLst>
       <p:ext uri="{BB962C8B-B14F-4D97-AF65-F5344CB8AC3E}">
-        <p14:creationId xmlns:p14="http://schemas.microsoft.com/office/powerpoint/2010/main" val="858701620"/>
+        <p14:creationId xmlns:p14="http://schemas.microsoft.com/office/powerpoint/2010/main" val="883837639"/>
       </p:ext>
     </p:extLst>
   </p:cSld>
@@ -10424,6 +10425,90 @@
     </p:spTree>
     <p:extLst>
       <p:ext uri="{BB962C8B-B14F-4D97-AF65-F5344CB8AC3E}">
+        <p14:creationId xmlns:p14="http://schemas.microsoft.com/office/powerpoint/2010/main" val="858701620"/>
+      </p:ext>
+    </p:extLst>
+  </p:cSld>
+  <p:clrMapOvr>
+    <a:masterClrMapping/>
+  </p:clrMapOvr>
+</p:notes>
+</file>
+
+<file path=ppt/notesSlides/notesSlide13.xml><?xml version="1.0" encoding="utf-8"?>
+<p:notes xmlns:a="http://schemas.openxmlformats.org/drawingml/2006/main" xmlns:r="http://schemas.openxmlformats.org/officeDocument/2006/relationships" xmlns:p="http://schemas.openxmlformats.org/presentationml/2006/main">
+  <p:cSld>
+    <p:spTree>
+      <p:nvGrpSpPr>
+        <p:cNvPr id="1" name=""/>
+        <p:cNvGrpSpPr/>
+        <p:nvPr/>
+      </p:nvGrpSpPr>
+      <p:grpSpPr>
+        <a:xfrm>
+          <a:off x="0" y="0"/>
+          <a:ext cx="0" cy="0"/>
+          <a:chOff x="0" y="0"/>
+          <a:chExt cx="0" cy="0"/>
+        </a:xfrm>
+      </p:grpSpPr>
+      <p:sp>
+        <p:nvSpPr>
+          <p:cNvPr id="2" name="Slide Image Placeholder 1"/>
+          <p:cNvSpPr>
+            <a:spLocks noGrp="1" noRot="1" noChangeAspect="1"/>
+          </p:cNvSpPr>
+          <p:nvPr>
+            <p:ph type="sldImg"/>
+          </p:nvPr>
+        </p:nvSpPr>
+        <p:spPr/>
+      </p:sp>
+      <p:sp>
+        <p:nvSpPr>
+          <p:cNvPr id="3" name="Notes Placeholder 2"/>
+          <p:cNvSpPr>
+            <a:spLocks noGrp="1"/>
+          </p:cNvSpPr>
+          <p:nvPr>
+            <p:ph type="body" idx="1"/>
+          </p:nvPr>
+        </p:nvSpPr>
+        <p:spPr/>
+        <p:txBody>
+          <a:bodyPr/>
+          <a:lstStyle/>
+          <a:p>
+            <a:pPr marL="0" indent="0">
+              <a:buFont typeface="Arial" panose="020B0604020202020204" pitchFamily="34" charset="0"/>
+              <a:buNone/>
+            </a:pPr>
+            <a:endParaRPr lang="en-US" dirty="0"/>
+          </a:p>
+        </p:txBody>
+      </p:sp>
+      <p:sp>
+        <p:nvSpPr>
+          <p:cNvPr id="4" name="Footer Placeholder 3"/>
+          <p:cNvSpPr>
+            <a:spLocks noGrp="1"/>
+          </p:cNvSpPr>
+          <p:nvPr>
+            <p:ph type="ftr" sz="quarter" idx="4"/>
+          </p:nvPr>
+        </p:nvSpPr>
+        <p:spPr/>
+        <p:txBody>
+          <a:bodyPr/>
+          <a:lstStyle/>
+          <a:p>
+            <a:endParaRPr lang="en-US" dirty="0"/>
+          </a:p>
+        </p:txBody>
+      </p:sp>
+    </p:spTree>
+    <p:extLst>
+      <p:ext uri="{BB962C8B-B14F-4D97-AF65-F5344CB8AC3E}">
         <p14:creationId xmlns:p14="http://schemas.microsoft.com/office/powerpoint/2010/main" val="3764272466"/>
       </p:ext>
     </p:extLst>
@@ -10434,7 +10519,7 @@
 </p:notes>
 </file>
 
-<file path=ppt/notesSlides/notesSlide13.xml><?xml version="1.0" encoding="utf-8"?>
+<file path=ppt/notesSlides/notesSlide14.xml><?xml version="1.0" encoding="utf-8"?>
 <p:notes xmlns:a="http://schemas.openxmlformats.org/drawingml/2006/main" xmlns:r="http://schemas.openxmlformats.org/officeDocument/2006/relationships" xmlns:p="http://schemas.openxmlformats.org/presentationml/2006/main">
   <p:cSld>
     <p:spTree>
@@ -30907,6 +30992,891 @@
       </p:grpSpPr>
       <p:sp>
         <p:nvSpPr>
+          <p:cNvPr id="16" name="Rectangle 15">
+            <a:extLst>
+              <a:ext uri="{FF2B5EF4-FFF2-40B4-BE49-F238E27FC236}">
+                <a16:creationId xmlns:a16="http://schemas.microsoft.com/office/drawing/2014/main" id="{64AD43B7-23E8-6DBF-53B4-D516396CBA62}"/>
+              </a:ext>
+            </a:extLst>
+          </p:cNvPr>
+          <p:cNvSpPr/>
+          <p:nvPr/>
+        </p:nvSpPr>
+        <p:spPr>
+          <a:xfrm>
+            <a:off x="1431375" y="1897676"/>
+            <a:ext cx="5290435" cy="3296624"/>
+          </a:xfrm>
+          <a:prstGeom prst="rect">
+            <a:avLst/>
+          </a:prstGeom>
+          <a:ln/>
+        </p:spPr>
+        <p:style>
+          <a:lnRef idx="2">
+            <a:schemeClr val="accent2"/>
+          </a:lnRef>
+          <a:fillRef idx="1">
+            <a:schemeClr val="lt1"/>
+          </a:fillRef>
+          <a:effectRef idx="0">
+            <a:schemeClr val="accent2"/>
+          </a:effectRef>
+          <a:fontRef idx="minor">
+            <a:schemeClr val="dk1"/>
+          </a:fontRef>
+        </p:style>
+        <p:txBody>
+          <a:bodyPr rtlCol="0" anchor="b" anchorCtr="0"/>
+          <a:lstStyle/>
+          <a:p>
+            <a:pPr algn="ctr"/>
+            <a:r>
+              <a:rPr lang="en-US" sz="1400" dirty="0">
+                <a:solidFill>
+                  <a:schemeClr val="tx2"/>
+                </a:solidFill>
+                <a:latin typeface="Source Sans Pro Light" panose="020B0403030403020204" pitchFamily="34" charset="77"/>
+                <a:ea typeface="Source Sans Pro" panose="020B0503030403020204" pitchFamily="34" charset="0"/>
+              </a:rPr>
+              <a:t>MCU</a:t>
+            </a:r>
+          </a:p>
+        </p:txBody>
+      </p:sp>
+      <p:sp>
+        <p:nvSpPr>
+          <p:cNvPr id="11" name="Rectangle 10">
+            <a:extLst>
+              <a:ext uri="{FF2B5EF4-FFF2-40B4-BE49-F238E27FC236}">
+                <a16:creationId xmlns:a16="http://schemas.microsoft.com/office/drawing/2014/main" id="{FD80A1C3-DC8A-ADFF-8382-C05410AF9436}"/>
+              </a:ext>
+            </a:extLst>
+          </p:cNvPr>
+          <p:cNvSpPr/>
+          <p:nvPr/>
+        </p:nvSpPr>
+        <p:spPr>
+          <a:xfrm>
+            <a:off x="7127664" y="1897675"/>
+            <a:ext cx="4384713" cy="3296624"/>
+          </a:xfrm>
+          <a:prstGeom prst="rect">
+            <a:avLst/>
+          </a:prstGeom>
+          <a:ln/>
+        </p:spPr>
+        <p:style>
+          <a:lnRef idx="2">
+            <a:schemeClr val="accent2"/>
+          </a:lnRef>
+          <a:fillRef idx="1">
+            <a:schemeClr val="lt1"/>
+          </a:fillRef>
+          <a:effectRef idx="0">
+            <a:schemeClr val="accent2"/>
+          </a:effectRef>
+          <a:fontRef idx="minor">
+            <a:schemeClr val="dk1"/>
+          </a:fontRef>
+        </p:style>
+        <p:txBody>
+          <a:bodyPr rtlCol="0" anchor="b" anchorCtr="0"/>
+          <a:lstStyle/>
+          <a:p>
+            <a:pPr algn="ctr"/>
+            <a:r>
+              <a:rPr lang="en-US" sz="1400" dirty="0">
+                <a:solidFill>
+                  <a:schemeClr val="tx2"/>
+                </a:solidFill>
+                <a:latin typeface="Source Sans Pro Light" panose="020B0403030403020204" pitchFamily="34" charset="77"/>
+                <a:ea typeface="Source Sans Pro" panose="020B0503030403020204" pitchFamily="34" charset="0"/>
+              </a:rPr>
+              <a:t>Display module</a:t>
+            </a:r>
+          </a:p>
+        </p:txBody>
+      </p:sp>
+      <p:pic>
+        <p:nvPicPr>
+          <p:cNvPr id="8" name="Picture 7">
+            <a:extLst>
+              <a:ext uri="{FF2B5EF4-FFF2-40B4-BE49-F238E27FC236}">
+                <a16:creationId xmlns:a16="http://schemas.microsoft.com/office/drawing/2014/main" id="{FFED50E9-4666-827D-A26D-B1C27D6DCC8C}"/>
+              </a:ext>
+            </a:extLst>
+          </p:cNvPr>
+          <p:cNvPicPr>
+            <a:picLocks noChangeAspect="1"/>
+          </p:cNvPicPr>
+          <p:nvPr/>
+        </p:nvPicPr>
+        <p:blipFill rotWithShape="1">
+          <a:blip r:embed="rId3" cstate="print">
+            <a:extLst>
+              <a:ext uri="{28A0092B-C50C-407E-A947-70E740481C1C}">
+                <a14:useLocalDpi xmlns:a14="http://schemas.microsoft.com/office/drawing/2010/main" val="0"/>
+              </a:ext>
+            </a:extLst>
+          </a:blip>
+          <a:srcRect l="18554" t="45307" r="13825" b="13196"/>
+          <a:stretch/>
+        </p:blipFill>
+        <p:spPr>
+          <a:xfrm>
+            <a:off x="8858813" y="2708978"/>
+            <a:ext cx="2279239" cy="1415820"/>
+          </a:xfrm>
+          <a:prstGeom prst="rect">
+            <a:avLst/>
+          </a:prstGeom>
+        </p:spPr>
+      </p:pic>
+      <p:sp>
+        <p:nvSpPr>
+          <p:cNvPr id="10" name="Arc 9">
+            <a:extLst>
+              <a:ext uri="{FF2B5EF4-FFF2-40B4-BE49-F238E27FC236}">
+                <a16:creationId xmlns:a16="http://schemas.microsoft.com/office/drawing/2014/main" id="{070CE625-638E-D085-FAEA-696B711BC3C5}"/>
+              </a:ext>
+            </a:extLst>
+          </p:cNvPr>
+          <p:cNvSpPr/>
+          <p:nvPr/>
+        </p:nvSpPr>
+        <p:spPr>
+          <a:xfrm>
+            <a:off x="3966071" y="2542830"/>
+            <a:ext cx="5496491" cy="1787652"/>
+          </a:xfrm>
+          <a:prstGeom prst="arc">
+            <a:avLst>
+              <a:gd name="adj1" fmla="val 11979648"/>
+              <a:gd name="adj2" fmla="val 9567484"/>
+            </a:avLst>
+          </a:prstGeom>
+          <a:ln w="25400">
+            <a:tailEnd type="stealth" w="lg" len="lg"/>
+          </a:ln>
+        </p:spPr>
+        <p:style>
+          <a:lnRef idx="1">
+            <a:schemeClr val="accent1"/>
+          </a:lnRef>
+          <a:fillRef idx="0">
+            <a:schemeClr val="accent1"/>
+          </a:fillRef>
+          <a:effectRef idx="0">
+            <a:schemeClr val="accent1"/>
+          </a:effectRef>
+          <a:fontRef idx="minor">
+            <a:schemeClr val="tx1"/>
+          </a:fontRef>
+        </p:style>
+        <p:txBody>
+          <a:bodyPr rtlCol="0" anchor="ctr"/>
+          <a:lstStyle/>
+          <a:p>
+            <a:pPr algn="ctr"/>
+            <a:endParaRPr lang="en-US"/>
+          </a:p>
+        </p:txBody>
+      </p:sp>
+      <p:sp>
+        <p:nvSpPr>
+          <p:cNvPr id="7" name="Rectangle 6">
+            <a:extLst>
+              <a:ext uri="{FF2B5EF4-FFF2-40B4-BE49-F238E27FC236}">
+                <a16:creationId xmlns:a16="http://schemas.microsoft.com/office/drawing/2014/main" id="{EE9CF8DD-BEBD-03CC-60A2-FB1191005967}"/>
+              </a:ext>
+            </a:extLst>
+          </p:cNvPr>
+          <p:cNvSpPr/>
+          <p:nvPr/>
+        </p:nvSpPr>
+        <p:spPr>
+          <a:xfrm>
+            <a:off x="7416641" y="3159565"/>
+            <a:ext cx="762586" cy="507693"/>
+          </a:xfrm>
+          <a:prstGeom prst="rect">
+            <a:avLst/>
+          </a:prstGeom>
+          <a:ln/>
+        </p:spPr>
+        <p:style>
+          <a:lnRef idx="2">
+            <a:schemeClr val="accent1"/>
+          </a:lnRef>
+          <a:fillRef idx="1">
+            <a:schemeClr val="lt1"/>
+          </a:fillRef>
+          <a:effectRef idx="0">
+            <a:schemeClr val="accent1"/>
+          </a:effectRef>
+          <a:fontRef idx="minor">
+            <a:schemeClr val="dk1"/>
+          </a:fontRef>
+        </p:style>
+        <p:txBody>
+          <a:bodyPr rtlCol="0" anchor="ctr"/>
+          <a:lstStyle/>
+          <a:p>
+            <a:pPr algn="ctr"/>
+            <a:r>
+              <a:rPr lang="en-US" sz="1400" dirty="0">
+                <a:solidFill>
+                  <a:schemeClr val="tx2"/>
+                </a:solidFill>
+                <a:latin typeface="Source Sans Pro Light" panose="020B0403030403020204" pitchFamily="34" charset="77"/>
+                <a:ea typeface="Source Sans Pro" panose="020B0503030403020204" pitchFamily="34" charset="0"/>
+              </a:rPr>
+              <a:t>LCDC</a:t>
+            </a:r>
+          </a:p>
+        </p:txBody>
+      </p:sp>
+      <p:sp>
+        <p:nvSpPr>
+          <p:cNvPr id="14" name="Rectangle 13">
+            <a:extLst>
+              <a:ext uri="{FF2B5EF4-FFF2-40B4-BE49-F238E27FC236}">
+                <a16:creationId xmlns:a16="http://schemas.microsoft.com/office/drawing/2014/main" id="{F79704A7-1530-628C-D595-3F2FEF1E99C5}"/>
+              </a:ext>
+            </a:extLst>
+          </p:cNvPr>
+          <p:cNvSpPr/>
+          <p:nvPr/>
+        </p:nvSpPr>
+        <p:spPr>
+          <a:xfrm>
+            <a:off x="5749586" y="3159565"/>
+            <a:ext cx="762586" cy="507693"/>
+          </a:xfrm>
+          <a:prstGeom prst="rect">
+            <a:avLst/>
+          </a:prstGeom>
+          <a:ln/>
+        </p:spPr>
+        <p:style>
+          <a:lnRef idx="2">
+            <a:schemeClr val="accent1"/>
+          </a:lnRef>
+          <a:fillRef idx="1">
+            <a:schemeClr val="lt1"/>
+          </a:fillRef>
+          <a:effectRef idx="0">
+            <a:schemeClr val="accent1"/>
+          </a:effectRef>
+          <a:fontRef idx="minor">
+            <a:schemeClr val="dk1"/>
+          </a:fontRef>
+        </p:style>
+        <p:txBody>
+          <a:bodyPr rtlCol="0" anchor="ctr"/>
+          <a:lstStyle/>
+          <a:p>
+            <a:pPr algn="ctr"/>
+            <a:r>
+              <a:rPr lang="en-US" sz="1400" dirty="0">
+                <a:solidFill>
+                  <a:schemeClr val="tx2"/>
+                </a:solidFill>
+                <a:latin typeface="Source Sans Pro Light" panose="020B0403030403020204" pitchFamily="34" charset="77"/>
+                <a:ea typeface="Source Sans Pro" panose="020B0503030403020204" pitchFamily="34" charset="0"/>
+              </a:rPr>
+              <a:t>LCDC</a:t>
+            </a:r>
+          </a:p>
+        </p:txBody>
+      </p:sp>
+      <p:sp>
+        <p:nvSpPr>
+          <p:cNvPr id="15" name="Rectangle 14">
+            <a:extLst>
+              <a:ext uri="{FF2B5EF4-FFF2-40B4-BE49-F238E27FC236}">
+                <a16:creationId xmlns:a16="http://schemas.microsoft.com/office/drawing/2014/main" id="{65049CB4-0DDB-CE65-2175-D46A619BA7B2}"/>
+              </a:ext>
+            </a:extLst>
+          </p:cNvPr>
+          <p:cNvSpPr/>
+          <p:nvPr/>
+        </p:nvSpPr>
+        <p:spPr>
+          <a:xfrm>
+            <a:off x="3858937" y="2921307"/>
+            <a:ext cx="1637489" cy="1015386"/>
+          </a:xfrm>
+          <a:prstGeom prst="rect">
+            <a:avLst/>
+          </a:prstGeom>
+          <a:ln/>
+        </p:spPr>
+        <p:style>
+          <a:lnRef idx="2">
+            <a:schemeClr val="accent1"/>
+          </a:lnRef>
+          <a:fillRef idx="1">
+            <a:schemeClr val="lt1"/>
+          </a:fillRef>
+          <a:effectRef idx="0">
+            <a:schemeClr val="accent1"/>
+          </a:effectRef>
+          <a:fontRef idx="minor">
+            <a:schemeClr val="dk1"/>
+          </a:fontRef>
+        </p:style>
+        <p:txBody>
+          <a:bodyPr rtlCol="0" anchor="ctr"/>
+          <a:lstStyle/>
+          <a:p>
+            <a:pPr algn="ctr"/>
+            <a:r>
+              <a:rPr lang="en-US" sz="1400" dirty="0">
+                <a:solidFill>
+                  <a:schemeClr val="tx2"/>
+                </a:solidFill>
+                <a:latin typeface="Source Sans Pro Light" panose="020B0403030403020204" pitchFamily="34" charset="77"/>
+                <a:ea typeface="Source Sans Pro" panose="020B0503030403020204" pitchFamily="34" charset="0"/>
+              </a:rPr>
+              <a:t>Frame buffer</a:t>
+            </a:r>
+          </a:p>
+        </p:txBody>
+      </p:sp>
+      <p:cxnSp>
+        <p:nvCxnSpPr>
+          <p:cNvPr id="17" name="Straight Connector 16">
+            <a:extLst>
+              <a:ext uri="{FF2B5EF4-FFF2-40B4-BE49-F238E27FC236}">
+                <a16:creationId xmlns:a16="http://schemas.microsoft.com/office/drawing/2014/main" id="{39002000-D704-2B02-CC7E-0FEDD6AAC47B}"/>
+              </a:ext>
+            </a:extLst>
+          </p:cNvPr>
+          <p:cNvCxnSpPr>
+            <a:cxnSpLocks/>
+            <a:stCxn id="14" idx="3"/>
+            <a:endCxn id="7" idx="1"/>
+          </p:cNvCxnSpPr>
+          <p:nvPr/>
+        </p:nvCxnSpPr>
+        <p:spPr>
+          <a:xfrm>
+            <a:off x="6512172" y="3413412"/>
+            <a:ext cx="904469" cy="0"/>
+          </a:xfrm>
+          <a:prstGeom prst="line">
+            <a:avLst/>
+          </a:prstGeom>
+          <a:ln w="19050"/>
+        </p:spPr>
+        <p:style>
+          <a:lnRef idx="1">
+            <a:schemeClr val="accent4"/>
+          </a:lnRef>
+          <a:fillRef idx="0">
+            <a:schemeClr val="accent4"/>
+          </a:fillRef>
+          <a:effectRef idx="0">
+            <a:schemeClr val="accent4"/>
+          </a:effectRef>
+          <a:fontRef idx="minor">
+            <a:schemeClr val="tx1"/>
+          </a:fontRef>
+        </p:style>
+      </p:cxnSp>
+      <p:cxnSp>
+        <p:nvCxnSpPr>
+          <p:cNvPr id="20" name="Straight Connector 19">
+            <a:extLst>
+              <a:ext uri="{FF2B5EF4-FFF2-40B4-BE49-F238E27FC236}">
+                <a16:creationId xmlns:a16="http://schemas.microsoft.com/office/drawing/2014/main" id="{A58706F5-92DC-DD6A-522F-3751BFC398BA}"/>
+              </a:ext>
+            </a:extLst>
+          </p:cNvPr>
+          <p:cNvCxnSpPr>
+            <a:cxnSpLocks/>
+          </p:cNvCxnSpPr>
+          <p:nvPr/>
+        </p:nvCxnSpPr>
+        <p:spPr>
+          <a:xfrm flipV="1">
+            <a:off x="6831045" y="3333868"/>
+            <a:ext cx="148324" cy="190263"/>
+          </a:xfrm>
+          <a:prstGeom prst="line">
+            <a:avLst/>
+          </a:prstGeom>
+          <a:ln w="15875"/>
+        </p:spPr>
+        <p:style>
+          <a:lnRef idx="1">
+            <a:schemeClr val="accent4"/>
+          </a:lnRef>
+          <a:fillRef idx="0">
+            <a:schemeClr val="accent4"/>
+          </a:fillRef>
+          <a:effectRef idx="0">
+            <a:schemeClr val="accent4"/>
+          </a:effectRef>
+          <a:fontRef idx="minor">
+            <a:schemeClr val="tx1"/>
+          </a:fontRef>
+        </p:style>
+      </p:cxnSp>
+      <p:cxnSp>
+        <p:nvCxnSpPr>
+          <p:cNvPr id="18" name="Straight Connector 17">
+            <a:extLst>
+              <a:ext uri="{FF2B5EF4-FFF2-40B4-BE49-F238E27FC236}">
+                <a16:creationId xmlns:a16="http://schemas.microsoft.com/office/drawing/2014/main" id="{2D602AE7-0E9D-5DE3-055C-6D70D35F7389}"/>
+              </a:ext>
+            </a:extLst>
+          </p:cNvPr>
+          <p:cNvCxnSpPr/>
+          <p:nvPr/>
+        </p:nvCxnSpPr>
+        <p:spPr>
+          <a:xfrm>
+            <a:off x="8177100" y="3425591"/>
+            <a:ext cx="683840" cy="1"/>
+          </a:xfrm>
+          <a:prstGeom prst="line">
+            <a:avLst/>
+          </a:prstGeom>
+        </p:spPr>
+        <p:style>
+          <a:lnRef idx="1">
+            <a:schemeClr val="accent4"/>
+          </a:lnRef>
+          <a:fillRef idx="0">
+            <a:schemeClr val="accent4"/>
+          </a:fillRef>
+          <a:effectRef idx="0">
+            <a:schemeClr val="accent4"/>
+          </a:effectRef>
+          <a:fontRef idx="minor">
+            <a:schemeClr val="tx1"/>
+          </a:fontRef>
+        </p:style>
+      </p:cxnSp>
+      <p:cxnSp>
+        <p:nvCxnSpPr>
+          <p:cNvPr id="19" name="Straight Connector 18">
+            <a:extLst>
+              <a:ext uri="{FF2B5EF4-FFF2-40B4-BE49-F238E27FC236}">
+                <a16:creationId xmlns:a16="http://schemas.microsoft.com/office/drawing/2014/main" id="{FCAF8A7D-C69E-3F8B-CFA8-B2A81AEA78A2}"/>
+              </a:ext>
+            </a:extLst>
+          </p:cNvPr>
+          <p:cNvCxnSpPr>
+            <a:cxnSpLocks/>
+          </p:cNvCxnSpPr>
+          <p:nvPr/>
+        </p:nvCxnSpPr>
+        <p:spPr>
+          <a:xfrm flipV="1">
+            <a:off x="8430260" y="3368240"/>
+            <a:ext cx="113670" cy="145810"/>
+          </a:xfrm>
+          <a:prstGeom prst="line">
+            <a:avLst/>
+          </a:prstGeom>
+        </p:spPr>
+        <p:style>
+          <a:lnRef idx="1">
+            <a:schemeClr val="accent4"/>
+          </a:lnRef>
+          <a:fillRef idx="0">
+            <a:schemeClr val="accent4"/>
+          </a:fillRef>
+          <a:effectRef idx="0">
+            <a:schemeClr val="accent4"/>
+          </a:effectRef>
+          <a:fontRef idx="minor">
+            <a:schemeClr val="tx1"/>
+          </a:fontRef>
+        </p:style>
+      </p:cxnSp>
+      <p:sp>
+        <p:nvSpPr>
+          <p:cNvPr id="3" name="Rectangle 2">
+            <a:extLst>
+              <a:ext uri="{FF2B5EF4-FFF2-40B4-BE49-F238E27FC236}">
+                <a16:creationId xmlns:a16="http://schemas.microsoft.com/office/drawing/2014/main" id="{46E57B75-70B0-F647-D712-A75871947801}"/>
+              </a:ext>
+            </a:extLst>
+          </p:cNvPr>
+          <p:cNvSpPr/>
+          <p:nvPr/>
+        </p:nvSpPr>
+        <p:spPr>
+          <a:xfrm>
+            <a:off x="1949057" y="2307134"/>
+            <a:ext cx="1637489" cy="1015386"/>
+          </a:xfrm>
+          <a:prstGeom prst="rect">
+            <a:avLst/>
+          </a:prstGeom>
+          <a:ln/>
+        </p:spPr>
+        <p:style>
+          <a:lnRef idx="2">
+            <a:schemeClr val="accent1"/>
+          </a:lnRef>
+          <a:fillRef idx="1">
+            <a:schemeClr val="lt1"/>
+          </a:fillRef>
+          <a:effectRef idx="0">
+            <a:schemeClr val="accent1"/>
+          </a:effectRef>
+          <a:fontRef idx="minor">
+            <a:schemeClr val="dk1"/>
+          </a:fontRef>
+        </p:style>
+        <p:txBody>
+          <a:bodyPr rtlCol="0" anchor="ctr"/>
+          <a:lstStyle/>
+          <a:p>
+            <a:pPr algn="ctr"/>
+            <a:r>
+              <a:rPr lang="en-US" sz="1400" dirty="0">
+                <a:solidFill>
+                  <a:schemeClr val="tx2"/>
+                </a:solidFill>
+                <a:latin typeface="Source Sans Pro Light" panose="020B0403030403020204" pitchFamily="34" charset="77"/>
+                <a:ea typeface="Source Sans Pro" panose="020B0503030403020204" pitchFamily="34" charset="0"/>
+              </a:rPr>
+              <a:t>Back buffer</a:t>
+            </a:r>
+          </a:p>
+        </p:txBody>
+      </p:sp>
+      <p:sp>
+        <p:nvSpPr>
+          <p:cNvPr id="9" name="TextBox 8">
+            <a:extLst>
+              <a:ext uri="{FF2B5EF4-FFF2-40B4-BE49-F238E27FC236}">
+                <a16:creationId xmlns:a16="http://schemas.microsoft.com/office/drawing/2014/main" id="{C1612016-8035-FD67-2BBA-1979063563E8}"/>
+              </a:ext>
+            </a:extLst>
+          </p:cNvPr>
+          <p:cNvSpPr txBox="1"/>
+          <p:nvPr/>
+        </p:nvSpPr>
+        <p:spPr>
+          <a:xfrm>
+            <a:off x="0" y="3288533"/>
+            <a:ext cx="720832" cy="215444"/>
+          </a:xfrm>
+          <a:prstGeom prst="rect">
+            <a:avLst/>
+          </a:prstGeom>
+          <a:noFill/>
+        </p:spPr>
+        <p:txBody>
+          <a:bodyPr vert="horz" wrap="square" lIns="0" tIns="0" rIns="0" bIns="0" numCol="1" spcCol="288000" rtlCol="0" anchor="t" anchorCtr="0">
+            <a:spAutoFit/>
+          </a:bodyPr>
+          <a:lstStyle/>
+          <a:p>
+            <a:pPr algn="r">
+              <a:spcBef>
+                <a:spcPts val="0"/>
+              </a:spcBef>
+              <a:spcAft>
+                <a:spcPts val="600"/>
+              </a:spcAft>
+            </a:pPr>
+            <a:r>
+              <a:rPr lang="en-US" sz="1400" b="0" i="0" spc="0" dirty="0">
+                <a:ln>
+                  <a:noFill/>
+                </a:ln>
+                <a:solidFill>
+                  <a:schemeClr val="tx2"/>
+                </a:solidFill>
+                <a:latin typeface="Source Sans Pro Light" charset="0"/>
+                <a:ea typeface="Source Sans Pro Light" charset="0"/>
+                <a:cs typeface="Source Sans Pro Light" charset="0"/>
+              </a:rPr>
+              <a:t>Drawings </a:t>
+            </a:r>
+          </a:p>
+        </p:txBody>
+      </p:sp>
+      <p:cxnSp>
+        <p:nvCxnSpPr>
+          <p:cNvPr id="12" name="Straight Arrow Connector 11">
+            <a:extLst>
+              <a:ext uri="{FF2B5EF4-FFF2-40B4-BE49-F238E27FC236}">
+                <a16:creationId xmlns:a16="http://schemas.microsoft.com/office/drawing/2014/main" id="{18E49BAF-41A5-1AF0-1587-F3A4FEC1AA83}"/>
+              </a:ext>
+            </a:extLst>
+          </p:cNvPr>
+          <p:cNvCxnSpPr/>
+          <p:nvPr/>
+        </p:nvCxnSpPr>
+        <p:spPr>
+          <a:xfrm>
+            <a:off x="934696" y="3423593"/>
+            <a:ext cx="896407" cy="0"/>
+          </a:xfrm>
+          <a:prstGeom prst="straightConnector1">
+            <a:avLst/>
+          </a:prstGeom>
+          <a:ln w="25400">
+            <a:tailEnd type="stealth" w="lg" len="med"/>
+          </a:ln>
+        </p:spPr>
+        <p:style>
+          <a:lnRef idx="1">
+            <a:schemeClr val="accent1"/>
+          </a:lnRef>
+          <a:fillRef idx="0">
+            <a:schemeClr val="accent1"/>
+          </a:fillRef>
+          <a:effectRef idx="0">
+            <a:schemeClr val="accent1"/>
+          </a:effectRef>
+          <a:fontRef idx="minor">
+            <a:schemeClr val="tx1"/>
+          </a:fontRef>
+        </p:style>
+      </p:cxnSp>
+      <p:cxnSp>
+        <p:nvCxnSpPr>
+          <p:cNvPr id="2" name="Straight Arrow Connector 1">
+            <a:extLst>
+              <a:ext uri="{FF2B5EF4-FFF2-40B4-BE49-F238E27FC236}">
+                <a16:creationId xmlns:a16="http://schemas.microsoft.com/office/drawing/2014/main" id="{F713EF1F-B989-0E94-CEDA-7F7765A98819}"/>
+              </a:ext>
+            </a:extLst>
+          </p:cNvPr>
+          <p:cNvCxnSpPr>
+            <a:cxnSpLocks/>
+          </p:cNvCxnSpPr>
+          <p:nvPr/>
+        </p:nvCxnSpPr>
+        <p:spPr>
+          <a:xfrm>
+            <a:off x="3494747" y="3472914"/>
+            <a:ext cx="599973" cy="0"/>
+          </a:xfrm>
+          <a:prstGeom prst="straightConnector1">
+            <a:avLst/>
+          </a:prstGeom>
+          <a:ln w="25400">
+            <a:tailEnd type="stealth" w="lg" len="med"/>
+          </a:ln>
+        </p:spPr>
+        <p:style>
+          <a:lnRef idx="1">
+            <a:schemeClr val="accent1"/>
+          </a:lnRef>
+          <a:fillRef idx="0">
+            <a:schemeClr val="accent1"/>
+          </a:fillRef>
+          <a:effectRef idx="0">
+            <a:schemeClr val="accent1"/>
+          </a:effectRef>
+          <a:fontRef idx="minor">
+            <a:schemeClr val="tx1"/>
+          </a:fontRef>
+        </p:style>
+      </p:cxnSp>
+      <p:sp>
+        <p:nvSpPr>
+          <p:cNvPr id="4" name="Rectangle 3">
+            <a:extLst>
+              <a:ext uri="{FF2B5EF4-FFF2-40B4-BE49-F238E27FC236}">
+                <a16:creationId xmlns:a16="http://schemas.microsoft.com/office/drawing/2014/main" id="{CED46245-158F-A895-FC48-1BA060A2F501}"/>
+              </a:ext>
+            </a:extLst>
+          </p:cNvPr>
+          <p:cNvSpPr/>
+          <p:nvPr/>
+        </p:nvSpPr>
+        <p:spPr>
+          <a:xfrm>
+            <a:off x="1945330" y="3730540"/>
+            <a:ext cx="1637489" cy="1015386"/>
+          </a:xfrm>
+          <a:prstGeom prst="rect">
+            <a:avLst/>
+          </a:prstGeom>
+          <a:ln/>
+        </p:spPr>
+        <p:style>
+          <a:lnRef idx="2">
+            <a:schemeClr val="accent1"/>
+          </a:lnRef>
+          <a:fillRef idx="1">
+            <a:schemeClr val="lt1"/>
+          </a:fillRef>
+          <a:effectRef idx="0">
+            <a:schemeClr val="accent1"/>
+          </a:effectRef>
+          <a:fontRef idx="minor">
+            <a:schemeClr val="dk1"/>
+          </a:fontRef>
+        </p:style>
+        <p:txBody>
+          <a:bodyPr rtlCol="0" anchor="ctr"/>
+          <a:lstStyle/>
+          <a:p>
+            <a:pPr algn="ctr"/>
+            <a:r>
+              <a:rPr lang="en-US" sz="1400" dirty="0">
+                <a:solidFill>
+                  <a:schemeClr val="tx2"/>
+                </a:solidFill>
+                <a:latin typeface="Source Sans Pro Light" panose="020B0403030403020204" pitchFamily="34" charset="77"/>
+                <a:ea typeface="Source Sans Pro" panose="020B0503030403020204" pitchFamily="34" charset="0"/>
+              </a:rPr>
+              <a:t>Back buffer</a:t>
+            </a:r>
+          </a:p>
+        </p:txBody>
+      </p:sp>
+      <p:sp>
+        <p:nvSpPr>
+          <p:cNvPr id="5" name="Arc 4">
+            <a:extLst>
+              <a:ext uri="{FF2B5EF4-FFF2-40B4-BE49-F238E27FC236}">
+                <a16:creationId xmlns:a16="http://schemas.microsoft.com/office/drawing/2014/main" id="{6473BA74-36D0-0BF4-EC2F-D253ED35AB30}"/>
+              </a:ext>
+            </a:extLst>
+          </p:cNvPr>
+          <p:cNvSpPr>
+            <a:spLocks noChangeAspect="1"/>
+          </p:cNvSpPr>
+          <p:nvPr/>
+        </p:nvSpPr>
+        <p:spPr>
+          <a:xfrm>
+            <a:off x="2460265" y="3232261"/>
+            <a:ext cx="574951" cy="543432"/>
+          </a:xfrm>
+          <a:prstGeom prst="arc">
+            <a:avLst>
+              <a:gd name="adj1" fmla="val 12872902"/>
+              <a:gd name="adj2" fmla="val 10403590"/>
+            </a:avLst>
+          </a:prstGeom>
+          <a:ln w="25400">
+            <a:tailEnd type="stealth" w="lg" len="lg"/>
+          </a:ln>
+        </p:spPr>
+        <p:style>
+          <a:lnRef idx="1">
+            <a:schemeClr val="accent1"/>
+          </a:lnRef>
+          <a:fillRef idx="0">
+            <a:schemeClr val="accent1"/>
+          </a:fillRef>
+          <a:effectRef idx="0">
+            <a:schemeClr val="accent1"/>
+          </a:effectRef>
+          <a:fontRef idx="minor">
+            <a:schemeClr val="tx1"/>
+          </a:fontRef>
+        </p:style>
+        <p:txBody>
+          <a:bodyPr rtlCol="0" anchor="ctr"/>
+          <a:lstStyle/>
+          <a:p>
+            <a:pPr algn="ctr"/>
+            <a:endParaRPr lang="en-US"/>
+          </a:p>
+        </p:txBody>
+      </p:sp>
+      <p:sp>
+        <p:nvSpPr>
+          <p:cNvPr id="6" name="TextBox 5">
+            <a:extLst>
+              <a:ext uri="{FF2B5EF4-FFF2-40B4-BE49-F238E27FC236}">
+                <a16:creationId xmlns:a16="http://schemas.microsoft.com/office/drawing/2014/main" id="{A4A922FF-C801-B74A-1D06-0F5E43CB8BC3}"/>
+              </a:ext>
+            </a:extLst>
+          </p:cNvPr>
+          <p:cNvSpPr txBox="1"/>
+          <p:nvPr/>
+        </p:nvSpPr>
+        <p:spPr>
+          <a:xfrm>
+            <a:off x="2633553" y="3386284"/>
+            <a:ext cx="827153" cy="215444"/>
+          </a:xfrm>
+          <a:prstGeom prst="rect">
+            <a:avLst/>
+          </a:prstGeom>
+          <a:noFill/>
+        </p:spPr>
+        <p:txBody>
+          <a:bodyPr vert="horz" wrap="square" lIns="0" tIns="0" rIns="0" bIns="0" numCol="1" spcCol="288000" rtlCol="0" anchor="t" anchorCtr="0">
+            <a:spAutoFit/>
+          </a:bodyPr>
+          <a:lstStyle/>
+          <a:p>
+            <a:pPr algn="r">
+              <a:spcBef>
+                <a:spcPts val="0"/>
+              </a:spcBef>
+              <a:spcAft>
+                <a:spcPts val="600"/>
+              </a:spcAft>
+            </a:pPr>
+            <a:r>
+              <a:rPr lang="en-US" sz="1400" b="0" i="0" spc="0" dirty="0">
+                <a:ln>
+                  <a:noFill/>
+                </a:ln>
+                <a:solidFill>
+                  <a:schemeClr val="tx2"/>
+                </a:solidFill>
+                <a:latin typeface="Source Sans Pro Light" charset="0"/>
+                <a:ea typeface="Source Sans Pro Light" charset="0"/>
+                <a:cs typeface="Source Sans Pro Light" charset="0"/>
+              </a:rPr>
+              <a:t>Flush </a:t>
+            </a:r>
+          </a:p>
+        </p:txBody>
+      </p:sp>
+    </p:spTree>
+    <p:extLst>
+      <p:ext uri="{BB962C8B-B14F-4D97-AF65-F5344CB8AC3E}">
+        <p14:creationId xmlns:p14="http://schemas.microsoft.com/office/powerpoint/2010/main" val="4002024810"/>
+      </p:ext>
+    </p:extLst>
+  </p:cSld>
+  <p:clrMapOvr>
+    <a:masterClrMapping/>
+  </p:clrMapOvr>
+</p:sld>
+</file>
+
+<file path=ppt/slides/slide12.xml><?xml version="1.0" encoding="utf-8"?>
+<p:sld xmlns:a="http://schemas.openxmlformats.org/drawingml/2006/main" xmlns:r="http://schemas.openxmlformats.org/officeDocument/2006/relationships" xmlns:p="http://schemas.openxmlformats.org/presentationml/2006/main">
+  <p:cSld>
+    <p:spTree>
+      <p:nvGrpSpPr>
+        <p:cNvPr id="1" name=""/>
+        <p:cNvGrpSpPr/>
+        <p:nvPr/>
+      </p:nvGrpSpPr>
+      <p:grpSpPr>
+        <a:xfrm>
+          <a:off x="0" y="0"/>
+          <a:ext cx="0" cy="0"/>
+          <a:chOff x="0" y="0"/>
+          <a:chExt cx="0" cy="0"/>
+        </a:xfrm>
+      </p:grpSpPr>
+      <p:sp>
+        <p:nvSpPr>
           <p:cNvPr id="2" name="Rectangle 1">
             <a:extLst>
               <a:ext uri="{FF2B5EF4-FFF2-40B4-BE49-F238E27FC236}">
@@ -32554,7 +33524,7 @@
 </p:sld>
 </file>
 
-<file path=ppt/slides/slide12.xml><?xml version="1.0" encoding="utf-8"?>
+<file path=ppt/slides/slide13.xml><?xml version="1.0" encoding="utf-8"?>
 <p:sld xmlns:a="http://schemas.openxmlformats.org/drawingml/2006/main" xmlns:r="http://schemas.openxmlformats.org/officeDocument/2006/relationships" xmlns:p="http://schemas.openxmlformats.org/presentationml/2006/main">
   <p:cSld>
     <p:spTree>
@@ -34426,7 +35396,7 @@
 </p:sld>
 </file>
 
-<file path=ppt/slides/slide13.xml><?xml version="1.0" encoding="utf-8"?>
+<file path=ppt/slides/slide14.xml><?xml version="1.0" encoding="utf-8"?>
 <p:sld xmlns:a="http://schemas.openxmlformats.org/drawingml/2006/main" xmlns:r="http://schemas.openxmlformats.org/officeDocument/2006/relationships" xmlns:p="http://schemas.openxmlformats.org/presentationml/2006/main">
   <p:cSld>
     <p:spTree>
@@ -36812,7 +37782,7 @@
 </p:sld>
 </file>
 
-<file path=ppt/slides/slide14.xml><?xml version="1.0" encoding="utf-8"?>
+<file path=ppt/slides/slide15.xml><?xml version="1.0" encoding="utf-8"?>
 <p:sld xmlns:a="http://schemas.openxmlformats.org/drawingml/2006/main" xmlns:r="http://schemas.openxmlformats.org/officeDocument/2006/relationships" xmlns:p="http://schemas.openxmlformats.org/presentationml/2006/main">
   <p:cSld>
     <p:spTree>
@@ -36872,59 +37842,6 @@
           </a:fontRef>
         </p:style>
       </p:cxnSp>
-      <p:sp>
-        <p:nvSpPr>
-          <p:cNvPr id="45" name="TextBox 44">
-            <a:extLst>
-              <a:ext uri="{FF2B5EF4-FFF2-40B4-BE49-F238E27FC236}">
-                <a16:creationId xmlns:a16="http://schemas.microsoft.com/office/drawing/2014/main" id="{70C8ED73-1DF2-00BE-28FF-1E7A78AF2938}"/>
-              </a:ext>
-            </a:extLst>
-          </p:cNvPr>
-          <p:cNvSpPr txBox="1"/>
-          <p:nvPr/>
-        </p:nvSpPr>
-        <p:spPr>
-          <a:xfrm>
-            <a:off x="-2744195" y="-4929353"/>
-            <a:ext cx="296624" cy="215444"/>
-          </a:xfrm>
-          <a:prstGeom prst="rect">
-            <a:avLst/>
-          </a:prstGeom>
-          <a:noFill/>
-        </p:spPr>
-        <p:txBody>
-          <a:bodyPr vert="horz" wrap="square" lIns="0" tIns="0" rIns="0" bIns="0" numCol="1" spcCol="288000" rtlCol="0" anchor="t" anchorCtr="0">
-            <a:spAutoFit/>
-          </a:bodyPr>
-          <a:lstStyle/>
-          <a:p>
-            <a:pPr algn="l">
-              <a:spcBef>
-                <a:spcPts val="0"/>
-              </a:spcBef>
-              <a:spcAft>
-                <a:spcPts val="600"/>
-              </a:spcAft>
-            </a:pPr>
-            <a:r>
-              <a:rPr lang="en-US" sz="1400" b="0" i="0" spc="0" dirty="0">
-                <a:ln>
-                  <a:noFill/>
-                </a:ln>
-                <a:solidFill>
-                  <a:schemeClr val="tx2"/>
-                </a:solidFill>
-                <a:latin typeface="Source Sans Pro Light" charset="0"/>
-                <a:ea typeface="Source Sans Pro Light" charset="0"/>
-                <a:cs typeface="Source Sans Pro Light" charset="0"/>
-              </a:rPr>
-              <a:t>no</a:t>
-            </a:r>
-          </a:p>
-        </p:txBody>
-      </p:sp>
       <p:cxnSp>
         <p:nvCxnSpPr>
           <p:cNvPr id="47" name="Connector: Elbow 46">
@@ -37998,112 +38915,6 @@
                 <a:ea typeface="Source Sans Pro" panose="020B0503030403020204" pitchFamily="34" charset="0"/>
               </a:rPr>
               <a:t>Connection Parallel</a:t>
-            </a:r>
-          </a:p>
-        </p:txBody>
-      </p:sp>
-      <p:sp>
-        <p:nvSpPr>
-          <p:cNvPr id="468" name="TextBox 467">
-            <a:extLst>
-              <a:ext uri="{FF2B5EF4-FFF2-40B4-BE49-F238E27FC236}">
-                <a16:creationId xmlns:a16="http://schemas.microsoft.com/office/drawing/2014/main" id="{580DC9F1-77A8-2A2B-CB29-361202138909}"/>
-              </a:ext>
-            </a:extLst>
-          </p:cNvPr>
-          <p:cNvSpPr txBox="1"/>
-          <p:nvPr/>
-        </p:nvSpPr>
-        <p:spPr>
-          <a:xfrm>
-            <a:off x="-684197" y="-4938746"/>
-            <a:ext cx="296624" cy="215444"/>
-          </a:xfrm>
-          <a:prstGeom prst="rect">
-            <a:avLst/>
-          </a:prstGeom>
-          <a:noFill/>
-        </p:spPr>
-        <p:txBody>
-          <a:bodyPr vert="horz" wrap="square" lIns="0" tIns="0" rIns="0" bIns="0" numCol="1" spcCol="288000" rtlCol="0" anchor="t" anchorCtr="0">
-            <a:spAutoFit/>
-          </a:bodyPr>
-          <a:lstStyle/>
-          <a:p>
-            <a:pPr algn="l">
-              <a:spcBef>
-                <a:spcPts val="0"/>
-              </a:spcBef>
-              <a:spcAft>
-                <a:spcPts val="600"/>
-              </a:spcAft>
-            </a:pPr>
-            <a:r>
-              <a:rPr lang="en-US" sz="1400" b="0" i="0" spc="0" dirty="0">
-                <a:ln>
-                  <a:noFill/>
-                </a:ln>
-                <a:solidFill>
-                  <a:schemeClr val="tx2"/>
-                </a:solidFill>
-                <a:latin typeface="Source Sans Pro Light" charset="0"/>
-                <a:ea typeface="Source Sans Pro Light" charset="0"/>
-                <a:cs typeface="Source Sans Pro Light" charset="0"/>
-              </a:rPr>
-              <a:t>yes</a:t>
-            </a:r>
-          </a:p>
-        </p:txBody>
-      </p:sp>
-      <p:sp>
-        <p:nvSpPr>
-          <p:cNvPr id="469" name="TextBox 468">
-            <a:extLst>
-              <a:ext uri="{FF2B5EF4-FFF2-40B4-BE49-F238E27FC236}">
-                <a16:creationId xmlns:a16="http://schemas.microsoft.com/office/drawing/2014/main" id="{C6130480-EB3A-662B-CFB5-3B1E4BF7BAC5}"/>
-              </a:ext>
-            </a:extLst>
-          </p:cNvPr>
-          <p:cNvSpPr txBox="1"/>
-          <p:nvPr/>
-        </p:nvSpPr>
-        <p:spPr>
-          <a:xfrm>
-            <a:off x="1158902" y="-4201764"/>
-            <a:ext cx="296624" cy="215444"/>
-          </a:xfrm>
-          <a:prstGeom prst="rect">
-            <a:avLst/>
-          </a:prstGeom>
-          <a:noFill/>
-        </p:spPr>
-        <p:txBody>
-          <a:bodyPr vert="horz" wrap="square" lIns="0" tIns="0" rIns="0" bIns="0" numCol="1" spcCol="288000" rtlCol="0" anchor="t" anchorCtr="0">
-            <a:spAutoFit/>
-          </a:bodyPr>
-          <a:lstStyle/>
-          <a:p>
-            <a:pPr algn="l">
-              <a:spcBef>
-                <a:spcPts val="0"/>
-              </a:spcBef>
-              <a:spcAft>
-                <a:spcPts val="600"/>
-              </a:spcAft>
-            </a:pPr>
-            <a:r>
-              <a:rPr lang="en-US" sz="1400" b="0" i="0" spc="0" dirty="0">
-                <a:ln>
-                  <a:noFill/>
-                </a:ln>
-                <a:solidFill>
-                  <a:schemeClr val="tx2"/>
-                </a:solidFill>
-                <a:latin typeface="Source Sans Pro Light" charset="0"/>
-                <a:ea typeface="Source Sans Pro Light" charset="0"/>
-                <a:cs typeface="Source Sans Pro Light" charset="0"/>
-              </a:rPr>
-              <a:t>yes</a:t>
             </a:r>
           </a:p>
         </p:txBody>

--- a/VEEPortingGuide/images/ui_overview2.pptx
+++ b/VEEPortingGuide/images/ui_overview2.pptx
@@ -9648,7 +9648,7 @@
               <a:rPr lang="fr-FR" smtClean="0">
                 <a:latin typeface="Calibri Regular" charset="0"/>
               </a:rPr>
-              <a:t>mercredi 7 février 2024</a:t>
+              <a:t>jeudi 8 février 2024</a:t>
             </a:fld>
             <a:endParaRPr lang="en-US" dirty="0">
               <a:latin typeface="Calibri Regular" charset="0"/>
@@ -9826,7 +9826,7 @@
           <a:p>
             <a:fld id="{885721CF-495B-2B41-A23A-4D3221F80235}" type="datetime2">
               <a:rPr lang="fr-FR" smtClean="0"/>
-              <a:t>mercredi 7 février 2024</a:t>
+              <a:t>jeudi 8 février 2024</a:t>
             </a:fld>
             <a:endParaRPr lang="en-US" dirty="0"/>
           </a:p>
@@ -23874,7 +23874,7 @@
           <a:p>
             <a:fld id="{4E285625-C24A-4341-90BC-6CD71F835625}" type="datetimeFigureOut">
               <a:rPr lang="en-GB" smtClean="0"/>
-              <a:t>07/02/2024</a:t>
+              <a:t>08/02/2024</a:t>
             </a:fld>
             <a:endParaRPr lang="en-GB"/>
           </a:p>
@@ -30227,8 +30227,8 @@
         </p:nvSpPr>
         <p:spPr>
           <a:xfrm>
-            <a:off x="1421176" y="2145535"/>
-            <a:ext cx="5290435" cy="2566930"/>
+            <a:off x="1663669" y="2145536"/>
+            <a:ext cx="5040000" cy="2520000"/>
           </a:xfrm>
           <a:prstGeom prst="rect">
             <a:avLst/>
@@ -30237,13 +30237,13 @@
         </p:spPr>
         <p:style>
           <a:lnRef idx="2">
-            <a:schemeClr val="accent2"/>
+            <a:schemeClr val="dk1"/>
           </a:lnRef>
           <a:fillRef idx="1">
             <a:schemeClr val="lt1"/>
           </a:fillRef>
           <a:effectRef idx="0">
-            <a:schemeClr val="accent2"/>
+            <a:schemeClr val="dk1"/>
           </a:effectRef>
           <a:fontRef idx="minor">
             <a:schemeClr val="dk1"/>
@@ -30282,7 +30282,7 @@
         <p:spPr>
           <a:xfrm>
             <a:off x="7094863" y="2145536"/>
-            <a:ext cx="4384713" cy="2566930"/>
+            <a:ext cx="4320000" cy="2520000"/>
           </a:xfrm>
           <a:prstGeom prst="rect">
             <a:avLst/>
@@ -30291,13 +30291,13 @@
         </p:spPr>
         <p:style>
           <a:lnRef idx="2">
-            <a:schemeClr val="accent2"/>
+            <a:schemeClr val="dk1"/>
           </a:lnRef>
           <a:fillRef idx="1">
             <a:schemeClr val="lt1"/>
           </a:fillRef>
           <a:effectRef idx="0">
-            <a:schemeClr val="accent2"/>
+            <a:schemeClr val="dk1"/>
           </a:effectRef>
           <a:fontRef idx="minor">
             <a:schemeClr val="dk1"/>
@@ -30358,56 +30358,6 @@
       </p:pic>
       <p:sp>
         <p:nvSpPr>
-          <p:cNvPr id="10" name="Arc 9">
-            <a:extLst>
-              <a:ext uri="{FF2B5EF4-FFF2-40B4-BE49-F238E27FC236}">
-                <a16:creationId xmlns:a16="http://schemas.microsoft.com/office/drawing/2014/main" id="{070CE625-638E-D085-FAEA-696B711BC3C5}"/>
-              </a:ext>
-            </a:extLst>
-          </p:cNvPr>
-          <p:cNvSpPr/>
-          <p:nvPr/>
-        </p:nvSpPr>
-        <p:spPr>
-          <a:xfrm>
-            <a:off x="3966071" y="2542830"/>
-            <a:ext cx="5496491" cy="1787652"/>
-          </a:xfrm>
-          <a:prstGeom prst="arc">
-            <a:avLst>
-              <a:gd name="adj1" fmla="val 11979648"/>
-              <a:gd name="adj2" fmla="val 9567484"/>
-            </a:avLst>
-          </a:prstGeom>
-          <a:ln w="25400">
-            <a:tailEnd type="stealth" w="lg" len="lg"/>
-          </a:ln>
-        </p:spPr>
-        <p:style>
-          <a:lnRef idx="1">
-            <a:schemeClr val="accent1"/>
-          </a:lnRef>
-          <a:fillRef idx="0">
-            <a:schemeClr val="accent1"/>
-          </a:fillRef>
-          <a:effectRef idx="0">
-            <a:schemeClr val="accent1"/>
-          </a:effectRef>
-          <a:fontRef idx="minor">
-            <a:schemeClr val="tx1"/>
-          </a:fontRef>
-        </p:style>
-        <p:txBody>
-          <a:bodyPr rtlCol="0" anchor="ctr"/>
-          <a:lstStyle/>
-          <a:p>
-            <a:pPr algn="ctr"/>
-            <a:endParaRPr lang="en-US"/>
-          </a:p>
-        </p:txBody>
-      </p:sp>
-      <p:sp>
-        <p:nvSpPr>
           <p:cNvPr id="7" name="Rectangle 6">
             <a:extLst>
               <a:ext uri="{FF2B5EF4-FFF2-40B4-BE49-F238E27FC236}">
@@ -30430,13 +30380,13 @@
         </p:spPr>
         <p:style>
           <a:lnRef idx="2">
-            <a:schemeClr val="accent1"/>
+            <a:schemeClr val="accent2"/>
           </a:lnRef>
           <a:fillRef idx="1">
             <a:schemeClr val="lt1"/>
           </a:fillRef>
           <a:effectRef idx="0">
-            <a:schemeClr val="accent1"/>
+            <a:schemeClr val="accent2"/>
           </a:effectRef>
           <a:fontRef idx="minor">
             <a:schemeClr val="dk1"/>
@@ -30484,13 +30434,13 @@
         </p:spPr>
         <p:style>
           <a:lnRef idx="2">
-            <a:schemeClr val="accent1"/>
+            <a:schemeClr val="accent2"/>
           </a:lnRef>
           <a:fillRef idx="1">
             <a:schemeClr val="lt1"/>
           </a:fillRef>
           <a:effectRef idx="0">
-            <a:schemeClr val="accent1"/>
+            <a:schemeClr val="accent2"/>
           </a:effectRef>
           <a:fontRef idx="minor">
             <a:schemeClr val="dk1"/>
@@ -30538,13 +30488,13 @@
         </p:spPr>
         <p:style>
           <a:lnRef idx="2">
-            <a:schemeClr val="accent1"/>
+            <a:schemeClr val="accent2"/>
           </a:lnRef>
           <a:fillRef idx="1">
             <a:schemeClr val="lt1"/>
           </a:fillRef>
           <a:effectRef idx="0">
-            <a:schemeClr val="accent1"/>
+            <a:schemeClr val="accent2"/>
           </a:effectRef>
           <a:fontRef idx="minor">
             <a:schemeClr val="dk1"/>
@@ -30746,13 +30696,13 @@
         </p:spPr>
         <p:style>
           <a:lnRef idx="2">
-            <a:schemeClr val="accent1"/>
+            <a:schemeClr val="accent2"/>
           </a:lnRef>
           <a:fillRef idx="1">
             <a:schemeClr val="lt1"/>
           </a:fillRef>
           <a:effectRef idx="0">
-            <a:schemeClr val="accent1"/>
+            <a:schemeClr val="accent2"/>
           </a:effectRef>
           <a:fontRef idx="minor">
             <a:schemeClr val="dk1"/>
@@ -30778,98 +30728,6 @@
       </p:sp>
       <p:sp>
         <p:nvSpPr>
-          <p:cNvPr id="9" name="TextBox 8">
-            <a:extLst>
-              <a:ext uri="{FF2B5EF4-FFF2-40B4-BE49-F238E27FC236}">
-                <a16:creationId xmlns:a16="http://schemas.microsoft.com/office/drawing/2014/main" id="{C1612016-8035-FD67-2BBA-1979063563E8}"/>
-              </a:ext>
-            </a:extLst>
-          </p:cNvPr>
-          <p:cNvSpPr txBox="1"/>
-          <p:nvPr/>
-        </p:nvSpPr>
-        <p:spPr>
-          <a:xfrm>
-            <a:off x="0" y="3288533"/>
-            <a:ext cx="720832" cy="215444"/>
-          </a:xfrm>
-          <a:prstGeom prst="rect">
-            <a:avLst/>
-          </a:prstGeom>
-          <a:noFill/>
-        </p:spPr>
-        <p:txBody>
-          <a:bodyPr vert="horz" wrap="square" lIns="0" tIns="0" rIns="0" bIns="0" numCol="1" spcCol="288000" rtlCol="0" anchor="t" anchorCtr="0">
-            <a:spAutoFit/>
-          </a:bodyPr>
-          <a:lstStyle/>
-          <a:p>
-            <a:pPr algn="r">
-              <a:spcBef>
-                <a:spcPts val="0"/>
-              </a:spcBef>
-              <a:spcAft>
-                <a:spcPts val="600"/>
-              </a:spcAft>
-            </a:pPr>
-            <a:r>
-              <a:rPr lang="en-US" sz="1400" b="0" i="0" spc="0" dirty="0">
-                <a:ln>
-                  <a:noFill/>
-                </a:ln>
-                <a:solidFill>
-                  <a:schemeClr val="tx2"/>
-                </a:solidFill>
-                <a:latin typeface="Source Sans Pro Light" charset="0"/>
-                <a:ea typeface="Source Sans Pro Light" charset="0"/>
-                <a:cs typeface="Source Sans Pro Light" charset="0"/>
-              </a:rPr>
-              <a:t>Drawings </a:t>
-            </a:r>
-          </a:p>
-        </p:txBody>
-      </p:sp>
-      <p:cxnSp>
-        <p:nvCxnSpPr>
-          <p:cNvPr id="12" name="Straight Arrow Connector 11">
-            <a:extLst>
-              <a:ext uri="{FF2B5EF4-FFF2-40B4-BE49-F238E27FC236}">
-                <a16:creationId xmlns:a16="http://schemas.microsoft.com/office/drawing/2014/main" id="{18E49BAF-41A5-1AF0-1587-F3A4FEC1AA83}"/>
-              </a:ext>
-            </a:extLst>
-          </p:cNvPr>
-          <p:cNvCxnSpPr/>
-          <p:nvPr/>
-        </p:nvCxnSpPr>
-        <p:spPr>
-          <a:xfrm>
-            <a:off x="934696" y="3423593"/>
-            <a:ext cx="896407" cy="0"/>
-          </a:xfrm>
-          <a:prstGeom prst="straightConnector1">
-            <a:avLst/>
-          </a:prstGeom>
-          <a:ln w="25400">
-            <a:tailEnd type="stealth" w="lg" len="med"/>
-          </a:ln>
-        </p:spPr>
-        <p:style>
-          <a:lnRef idx="1">
-            <a:schemeClr val="accent1"/>
-          </a:lnRef>
-          <a:fillRef idx="0">
-            <a:schemeClr val="accent1"/>
-          </a:fillRef>
-          <a:effectRef idx="0">
-            <a:schemeClr val="accent1"/>
-          </a:effectRef>
-          <a:fontRef idx="minor">
-            <a:schemeClr val="tx1"/>
-          </a:fontRef>
-        </p:style>
-      </p:cxnSp>
-      <p:sp>
-        <p:nvSpPr>
           <p:cNvPr id="25" name="TextBox 24">
             <a:extLst>
               <a:ext uri="{FF2B5EF4-FFF2-40B4-BE49-F238E27FC236}">
@@ -30882,7 +30740,7 @@
         </p:nvSpPr>
         <p:spPr>
           <a:xfrm>
-            <a:off x="3081171" y="4156949"/>
+            <a:off x="3081171" y="3967284"/>
             <a:ext cx="827153" cy="215444"/>
           </a:xfrm>
           <a:prstGeom prst="rect">
@@ -30935,7 +30793,7 @@
         </p:nvCxnSpPr>
         <p:spPr>
           <a:xfrm>
-            <a:off x="3287262" y="4124798"/>
+            <a:off x="3298818" y="3762489"/>
             <a:ext cx="896407" cy="0"/>
           </a:xfrm>
           <a:prstGeom prst="straightConnector1">
@@ -30960,6 +30818,148 @@
           </a:fontRef>
         </p:style>
       </p:cxnSp>
+      <p:sp>
+        <p:nvSpPr>
+          <p:cNvPr id="4" name="TextBox 3">
+            <a:extLst>
+              <a:ext uri="{FF2B5EF4-FFF2-40B4-BE49-F238E27FC236}">
+                <a16:creationId xmlns:a16="http://schemas.microsoft.com/office/drawing/2014/main" id="{6EA621EB-CB13-1A16-821C-9F0B6DF9679E}"/>
+              </a:ext>
+            </a:extLst>
+          </p:cNvPr>
+          <p:cNvSpPr txBox="1"/>
+          <p:nvPr/>
+        </p:nvSpPr>
+        <p:spPr>
+          <a:xfrm>
+            <a:off x="233306" y="3288533"/>
+            <a:ext cx="827153" cy="215444"/>
+          </a:xfrm>
+          <a:prstGeom prst="rect">
+            <a:avLst/>
+          </a:prstGeom>
+          <a:noFill/>
+        </p:spPr>
+        <p:txBody>
+          <a:bodyPr vert="horz" wrap="square" lIns="0" tIns="0" rIns="0" bIns="0" numCol="1" spcCol="288000" rtlCol="0" anchor="t" anchorCtr="0">
+            <a:spAutoFit/>
+          </a:bodyPr>
+          <a:lstStyle/>
+          <a:p>
+            <a:pPr algn="r">
+              <a:spcBef>
+                <a:spcPts val="0"/>
+              </a:spcBef>
+              <a:spcAft>
+                <a:spcPts val="600"/>
+              </a:spcAft>
+            </a:pPr>
+            <a:r>
+              <a:rPr lang="en-US" sz="1400" b="0" i="0" spc="0" dirty="0">
+                <a:ln>
+                  <a:noFill/>
+                </a:ln>
+                <a:solidFill>
+                  <a:schemeClr val="tx2"/>
+                </a:solidFill>
+                <a:latin typeface="Source Sans Pro Light" charset="0"/>
+                <a:ea typeface="Source Sans Pro Light" charset="0"/>
+                <a:cs typeface="Source Sans Pro Light" charset="0"/>
+              </a:rPr>
+              <a:t>Drawings </a:t>
+            </a:r>
+          </a:p>
+        </p:txBody>
+      </p:sp>
+      <p:cxnSp>
+        <p:nvCxnSpPr>
+          <p:cNvPr id="5" name="Straight Arrow Connector 4">
+            <a:extLst>
+              <a:ext uri="{FF2B5EF4-FFF2-40B4-BE49-F238E27FC236}">
+                <a16:creationId xmlns:a16="http://schemas.microsoft.com/office/drawing/2014/main" id="{6F14DEB3-C447-3147-BBA6-12F8A9A82F91}"/>
+              </a:ext>
+            </a:extLst>
+          </p:cNvPr>
+          <p:cNvCxnSpPr/>
+          <p:nvPr/>
+        </p:nvCxnSpPr>
+        <p:spPr>
+          <a:xfrm>
+            <a:off x="1185921" y="3434715"/>
+            <a:ext cx="896407" cy="0"/>
+          </a:xfrm>
+          <a:prstGeom prst="straightConnector1">
+            <a:avLst/>
+          </a:prstGeom>
+          <a:ln w="25400">
+            <a:tailEnd type="stealth" w="lg" len="med"/>
+          </a:ln>
+        </p:spPr>
+        <p:style>
+          <a:lnRef idx="1">
+            <a:schemeClr val="accent1"/>
+          </a:lnRef>
+          <a:fillRef idx="0">
+            <a:schemeClr val="accent1"/>
+          </a:fillRef>
+          <a:effectRef idx="0">
+            <a:schemeClr val="accent1"/>
+          </a:effectRef>
+          <a:fontRef idx="minor">
+            <a:schemeClr val="tx1"/>
+          </a:fontRef>
+        </p:style>
+      </p:cxnSp>
+      <p:sp>
+        <p:nvSpPr>
+          <p:cNvPr id="6" name="Arc 5">
+            <a:extLst>
+              <a:ext uri="{FF2B5EF4-FFF2-40B4-BE49-F238E27FC236}">
+                <a16:creationId xmlns:a16="http://schemas.microsoft.com/office/drawing/2014/main" id="{4211B4AF-D7F8-AB61-ED18-DE4F41691BC0}"/>
+              </a:ext>
+            </a:extLst>
+          </p:cNvPr>
+          <p:cNvSpPr/>
+          <p:nvPr/>
+        </p:nvSpPr>
+        <p:spPr>
+          <a:xfrm>
+            <a:off x="4564253" y="2540889"/>
+            <a:ext cx="5061219" cy="1787652"/>
+          </a:xfrm>
+          <a:prstGeom prst="arc">
+            <a:avLst>
+              <a:gd name="adj1" fmla="val 11425362"/>
+              <a:gd name="adj2" fmla="val 10286630"/>
+            </a:avLst>
+          </a:prstGeom>
+          <a:ln w="25400">
+            <a:tailEnd type="stealth" w="lg" len="lg"/>
+          </a:ln>
+        </p:spPr>
+        <p:style>
+          <a:lnRef idx="1">
+            <a:schemeClr val="accent5"/>
+          </a:lnRef>
+          <a:fillRef idx="0">
+            <a:schemeClr val="accent5"/>
+          </a:fillRef>
+          <a:effectRef idx="0">
+            <a:schemeClr val="accent5"/>
+          </a:effectRef>
+          <a:fontRef idx="minor">
+            <a:schemeClr val="tx1"/>
+          </a:fontRef>
+        </p:style>
+        <p:txBody>
+          <a:bodyPr rtlCol="0" anchor="ctr"/>
+          <a:lstStyle/>
+          <a:p>
+            <a:pPr algn="ctr"/>
+            <a:endParaRPr lang="en-US"/>
+          </a:p>
+        </p:txBody>
+      </p:sp>
     </p:spTree>
     <p:extLst>
       <p:ext uri="{BB962C8B-B14F-4D97-AF65-F5344CB8AC3E}">
@@ -31004,8 +31004,8 @@
         </p:nvSpPr>
         <p:spPr>
           <a:xfrm>
-            <a:off x="1431375" y="1897676"/>
-            <a:ext cx="5290435" cy="3296624"/>
+            <a:off x="1642750" y="1904131"/>
+            <a:ext cx="5040000" cy="3240000"/>
           </a:xfrm>
           <a:prstGeom prst="rect">
             <a:avLst/>
@@ -31014,13 +31014,13 @@
         </p:spPr>
         <p:style>
           <a:lnRef idx="2">
-            <a:schemeClr val="accent2"/>
+            <a:schemeClr val="dk1"/>
           </a:lnRef>
           <a:fillRef idx="1">
             <a:schemeClr val="lt1"/>
           </a:fillRef>
           <a:effectRef idx="0">
-            <a:schemeClr val="accent2"/>
+            <a:schemeClr val="dk1"/>
           </a:effectRef>
           <a:fontRef idx="minor">
             <a:schemeClr val="dk1"/>
@@ -31059,7 +31059,7 @@
         <p:spPr>
           <a:xfrm>
             <a:off x="7127664" y="1897675"/>
-            <a:ext cx="4384713" cy="3296624"/>
+            <a:ext cx="4320000" cy="3240000"/>
           </a:xfrm>
           <a:prstGeom prst="rect">
             <a:avLst/>
@@ -31068,13 +31068,13 @@
         </p:spPr>
         <p:style>
           <a:lnRef idx="2">
-            <a:schemeClr val="accent2"/>
+            <a:schemeClr val="dk1"/>
           </a:lnRef>
           <a:fillRef idx="1">
             <a:schemeClr val="lt1"/>
           </a:fillRef>
           <a:effectRef idx="0">
-            <a:schemeClr val="accent2"/>
+            <a:schemeClr val="dk1"/>
           </a:effectRef>
           <a:fontRef idx="minor">
             <a:schemeClr val="dk1"/>
@@ -31135,56 +31135,6 @@
       </p:pic>
       <p:sp>
         <p:nvSpPr>
-          <p:cNvPr id="10" name="Arc 9">
-            <a:extLst>
-              <a:ext uri="{FF2B5EF4-FFF2-40B4-BE49-F238E27FC236}">
-                <a16:creationId xmlns:a16="http://schemas.microsoft.com/office/drawing/2014/main" id="{070CE625-638E-D085-FAEA-696B711BC3C5}"/>
-              </a:ext>
-            </a:extLst>
-          </p:cNvPr>
-          <p:cNvSpPr/>
-          <p:nvPr/>
-        </p:nvSpPr>
-        <p:spPr>
-          <a:xfrm>
-            <a:off x="3966071" y="2542830"/>
-            <a:ext cx="5496491" cy="1787652"/>
-          </a:xfrm>
-          <a:prstGeom prst="arc">
-            <a:avLst>
-              <a:gd name="adj1" fmla="val 11979648"/>
-              <a:gd name="adj2" fmla="val 9567484"/>
-            </a:avLst>
-          </a:prstGeom>
-          <a:ln w="25400">
-            <a:tailEnd type="stealth" w="lg" len="lg"/>
-          </a:ln>
-        </p:spPr>
-        <p:style>
-          <a:lnRef idx="1">
-            <a:schemeClr val="accent1"/>
-          </a:lnRef>
-          <a:fillRef idx="0">
-            <a:schemeClr val="accent1"/>
-          </a:fillRef>
-          <a:effectRef idx="0">
-            <a:schemeClr val="accent1"/>
-          </a:effectRef>
-          <a:fontRef idx="minor">
-            <a:schemeClr val="tx1"/>
-          </a:fontRef>
-        </p:style>
-        <p:txBody>
-          <a:bodyPr rtlCol="0" anchor="ctr"/>
-          <a:lstStyle/>
-          <a:p>
-            <a:pPr algn="ctr"/>
-            <a:endParaRPr lang="en-US"/>
-          </a:p>
-        </p:txBody>
-      </p:sp>
-      <p:sp>
-        <p:nvSpPr>
           <p:cNvPr id="7" name="Rectangle 6">
             <a:extLst>
               <a:ext uri="{FF2B5EF4-FFF2-40B4-BE49-F238E27FC236}">
@@ -31207,13 +31157,13 @@
         </p:spPr>
         <p:style>
           <a:lnRef idx="2">
-            <a:schemeClr val="accent1"/>
+            <a:schemeClr val="accent2"/>
           </a:lnRef>
           <a:fillRef idx="1">
             <a:schemeClr val="lt1"/>
           </a:fillRef>
           <a:effectRef idx="0">
-            <a:schemeClr val="accent1"/>
+            <a:schemeClr val="accent2"/>
           </a:effectRef>
           <a:fontRef idx="minor">
             <a:schemeClr val="dk1"/>
@@ -31261,13 +31211,13 @@
         </p:spPr>
         <p:style>
           <a:lnRef idx="2">
-            <a:schemeClr val="accent1"/>
+            <a:schemeClr val="accent2"/>
           </a:lnRef>
           <a:fillRef idx="1">
             <a:schemeClr val="lt1"/>
           </a:fillRef>
           <a:effectRef idx="0">
-            <a:schemeClr val="accent1"/>
+            <a:schemeClr val="accent2"/>
           </a:effectRef>
           <a:fontRef idx="minor">
             <a:schemeClr val="dk1"/>
@@ -31315,13 +31265,13 @@
         </p:spPr>
         <p:style>
           <a:lnRef idx="2">
-            <a:schemeClr val="accent1"/>
+            <a:schemeClr val="accent2"/>
           </a:lnRef>
           <a:fillRef idx="1">
             <a:schemeClr val="lt1"/>
           </a:fillRef>
           <a:effectRef idx="0">
-            <a:schemeClr val="accent1"/>
+            <a:schemeClr val="accent2"/>
           </a:effectRef>
           <a:fontRef idx="minor">
             <a:schemeClr val="dk1"/>
@@ -31513,7 +31463,7 @@
         </p:nvSpPr>
         <p:spPr>
           <a:xfrm>
-            <a:off x="1949057" y="2307134"/>
+            <a:off x="1945330" y="2380869"/>
             <a:ext cx="1637489" cy="1015386"/>
           </a:xfrm>
           <a:prstGeom prst="rect">
@@ -31523,13 +31473,13 @@
         </p:spPr>
         <p:style>
           <a:lnRef idx="2">
-            <a:schemeClr val="accent1"/>
+            <a:schemeClr val="accent2"/>
           </a:lnRef>
           <a:fillRef idx="1">
             <a:schemeClr val="lt1"/>
           </a:fillRef>
           <a:effectRef idx="0">
-            <a:schemeClr val="accent1"/>
+            <a:schemeClr val="accent2"/>
           </a:effectRef>
           <a:fontRef idx="minor">
             <a:schemeClr val="dk1"/>
@@ -31553,98 +31503,6 @@
           </a:p>
         </p:txBody>
       </p:sp>
-      <p:sp>
-        <p:nvSpPr>
-          <p:cNvPr id="9" name="TextBox 8">
-            <a:extLst>
-              <a:ext uri="{FF2B5EF4-FFF2-40B4-BE49-F238E27FC236}">
-                <a16:creationId xmlns:a16="http://schemas.microsoft.com/office/drawing/2014/main" id="{C1612016-8035-FD67-2BBA-1979063563E8}"/>
-              </a:ext>
-            </a:extLst>
-          </p:cNvPr>
-          <p:cNvSpPr txBox="1"/>
-          <p:nvPr/>
-        </p:nvSpPr>
-        <p:spPr>
-          <a:xfrm>
-            <a:off x="0" y="3288533"/>
-            <a:ext cx="720832" cy="215444"/>
-          </a:xfrm>
-          <a:prstGeom prst="rect">
-            <a:avLst/>
-          </a:prstGeom>
-          <a:noFill/>
-        </p:spPr>
-        <p:txBody>
-          <a:bodyPr vert="horz" wrap="square" lIns="0" tIns="0" rIns="0" bIns="0" numCol="1" spcCol="288000" rtlCol="0" anchor="t" anchorCtr="0">
-            <a:spAutoFit/>
-          </a:bodyPr>
-          <a:lstStyle/>
-          <a:p>
-            <a:pPr algn="r">
-              <a:spcBef>
-                <a:spcPts val="0"/>
-              </a:spcBef>
-              <a:spcAft>
-                <a:spcPts val="600"/>
-              </a:spcAft>
-            </a:pPr>
-            <a:r>
-              <a:rPr lang="en-US" sz="1400" b="0" i="0" spc="0" dirty="0">
-                <a:ln>
-                  <a:noFill/>
-                </a:ln>
-                <a:solidFill>
-                  <a:schemeClr val="tx2"/>
-                </a:solidFill>
-                <a:latin typeface="Source Sans Pro Light" charset="0"/>
-                <a:ea typeface="Source Sans Pro Light" charset="0"/>
-                <a:cs typeface="Source Sans Pro Light" charset="0"/>
-              </a:rPr>
-              <a:t>Drawings </a:t>
-            </a:r>
-          </a:p>
-        </p:txBody>
-      </p:sp>
-      <p:cxnSp>
-        <p:nvCxnSpPr>
-          <p:cNvPr id="12" name="Straight Arrow Connector 11">
-            <a:extLst>
-              <a:ext uri="{FF2B5EF4-FFF2-40B4-BE49-F238E27FC236}">
-                <a16:creationId xmlns:a16="http://schemas.microsoft.com/office/drawing/2014/main" id="{18E49BAF-41A5-1AF0-1587-F3A4FEC1AA83}"/>
-              </a:ext>
-            </a:extLst>
-          </p:cNvPr>
-          <p:cNvCxnSpPr/>
-          <p:nvPr/>
-        </p:nvCxnSpPr>
-        <p:spPr>
-          <a:xfrm>
-            <a:off x="934696" y="3423593"/>
-            <a:ext cx="896407" cy="0"/>
-          </a:xfrm>
-          <a:prstGeom prst="straightConnector1">
-            <a:avLst/>
-          </a:prstGeom>
-          <a:ln w="25400">
-            <a:tailEnd type="stealth" w="lg" len="med"/>
-          </a:ln>
-        </p:spPr>
-        <p:style>
-          <a:lnRef idx="1">
-            <a:schemeClr val="accent1"/>
-          </a:lnRef>
-          <a:fillRef idx="0">
-            <a:schemeClr val="accent1"/>
-          </a:fillRef>
-          <a:effectRef idx="0">
-            <a:schemeClr val="accent1"/>
-          </a:effectRef>
-          <a:fontRef idx="minor">
-            <a:schemeClr val="tx1"/>
-          </a:fontRef>
-        </p:style>
-      </p:cxnSp>
       <p:cxnSp>
         <p:nvCxnSpPr>
           <p:cNvPr id="2" name="Straight Arrow Connector 1">
@@ -31661,8 +31519,8 @@
         </p:nvCxnSpPr>
         <p:spPr>
           <a:xfrm>
-            <a:off x="3494747" y="3472914"/>
-            <a:ext cx="599973" cy="0"/>
+            <a:off x="3478347" y="3252408"/>
+            <a:ext cx="529971" cy="0"/>
           </a:xfrm>
           <a:prstGeom prst="straightConnector1">
             <a:avLst/>
@@ -31700,7 +31558,7 @@
         </p:nvSpPr>
         <p:spPr>
           <a:xfrm>
-            <a:off x="1945330" y="3730540"/>
+            <a:off x="1955470" y="3652927"/>
             <a:ext cx="1637489" cy="1015386"/>
           </a:xfrm>
           <a:prstGeom prst="rect">
@@ -31710,13 +31568,13 @@
         </p:spPr>
         <p:style>
           <a:lnRef idx="2">
-            <a:schemeClr val="accent1"/>
+            <a:schemeClr val="accent2"/>
           </a:lnRef>
           <a:fillRef idx="1">
             <a:schemeClr val="lt1"/>
           </a:fillRef>
           <a:effectRef idx="0">
-            <a:schemeClr val="accent1"/>
+            <a:schemeClr val="accent2"/>
           </a:effectRef>
           <a:fontRef idx="minor">
             <a:schemeClr val="dk1"/>
@@ -31806,7 +31664,7 @@
         </p:nvSpPr>
         <p:spPr>
           <a:xfrm>
-            <a:off x="2633553" y="3386284"/>
+            <a:off x="2758403" y="3425591"/>
             <a:ext cx="827153" cy="215444"/>
           </a:xfrm>
           <a:prstGeom prst="rect">
@@ -31842,6 +31700,148 @@
               </a:rPr>
               <a:t>Flush </a:t>
             </a:r>
+          </a:p>
+        </p:txBody>
+      </p:sp>
+      <p:sp>
+        <p:nvSpPr>
+          <p:cNvPr id="21" name="TextBox 20">
+            <a:extLst>
+              <a:ext uri="{FF2B5EF4-FFF2-40B4-BE49-F238E27FC236}">
+                <a16:creationId xmlns:a16="http://schemas.microsoft.com/office/drawing/2014/main" id="{CB30A8F1-2C64-B05B-1145-781319F5F14A}"/>
+              </a:ext>
+            </a:extLst>
+          </p:cNvPr>
+          <p:cNvSpPr txBox="1"/>
+          <p:nvPr/>
+        </p:nvSpPr>
+        <p:spPr>
+          <a:xfrm>
+            <a:off x="226795" y="2970909"/>
+            <a:ext cx="827153" cy="215444"/>
+          </a:xfrm>
+          <a:prstGeom prst="rect">
+            <a:avLst/>
+          </a:prstGeom>
+          <a:noFill/>
+        </p:spPr>
+        <p:txBody>
+          <a:bodyPr vert="horz" wrap="square" lIns="0" tIns="0" rIns="0" bIns="0" numCol="1" spcCol="288000" rtlCol="0" anchor="t" anchorCtr="0">
+            <a:spAutoFit/>
+          </a:bodyPr>
+          <a:lstStyle/>
+          <a:p>
+            <a:pPr algn="r">
+              <a:spcBef>
+                <a:spcPts val="0"/>
+              </a:spcBef>
+              <a:spcAft>
+                <a:spcPts val="600"/>
+              </a:spcAft>
+            </a:pPr>
+            <a:r>
+              <a:rPr lang="en-US" sz="1400" b="0" i="0" spc="0" dirty="0">
+                <a:ln>
+                  <a:noFill/>
+                </a:ln>
+                <a:solidFill>
+                  <a:schemeClr val="tx2"/>
+                </a:solidFill>
+                <a:latin typeface="Source Sans Pro Light" charset="0"/>
+                <a:ea typeface="Source Sans Pro Light" charset="0"/>
+                <a:cs typeface="Source Sans Pro Light" charset="0"/>
+              </a:rPr>
+              <a:t>Drawings </a:t>
+            </a:r>
+          </a:p>
+        </p:txBody>
+      </p:sp>
+      <p:cxnSp>
+        <p:nvCxnSpPr>
+          <p:cNvPr id="22" name="Straight Arrow Connector 21">
+            <a:extLst>
+              <a:ext uri="{FF2B5EF4-FFF2-40B4-BE49-F238E27FC236}">
+                <a16:creationId xmlns:a16="http://schemas.microsoft.com/office/drawing/2014/main" id="{EDB2D00F-DED1-6110-F18E-F265197E417B}"/>
+              </a:ext>
+            </a:extLst>
+          </p:cNvPr>
+          <p:cNvCxnSpPr/>
+          <p:nvPr/>
+        </p:nvCxnSpPr>
+        <p:spPr>
+          <a:xfrm>
+            <a:off x="1179410" y="3117091"/>
+            <a:ext cx="896407" cy="0"/>
+          </a:xfrm>
+          <a:prstGeom prst="straightConnector1">
+            <a:avLst/>
+          </a:prstGeom>
+          <a:ln w="25400">
+            <a:tailEnd type="stealth" w="lg" len="med"/>
+          </a:ln>
+        </p:spPr>
+        <p:style>
+          <a:lnRef idx="1">
+            <a:schemeClr val="accent1"/>
+          </a:lnRef>
+          <a:fillRef idx="0">
+            <a:schemeClr val="accent1"/>
+          </a:fillRef>
+          <a:effectRef idx="0">
+            <a:schemeClr val="accent1"/>
+          </a:effectRef>
+          <a:fontRef idx="minor">
+            <a:schemeClr val="tx1"/>
+          </a:fontRef>
+        </p:style>
+      </p:cxnSp>
+      <p:sp>
+        <p:nvSpPr>
+          <p:cNvPr id="23" name="Arc 22">
+            <a:extLst>
+              <a:ext uri="{FF2B5EF4-FFF2-40B4-BE49-F238E27FC236}">
+                <a16:creationId xmlns:a16="http://schemas.microsoft.com/office/drawing/2014/main" id="{D850406C-52EA-D580-ED78-D6564A65B403}"/>
+              </a:ext>
+            </a:extLst>
+          </p:cNvPr>
+          <p:cNvSpPr/>
+          <p:nvPr/>
+        </p:nvSpPr>
+        <p:spPr>
+          <a:xfrm>
+            <a:off x="4608969" y="2519585"/>
+            <a:ext cx="5061219" cy="1787652"/>
+          </a:xfrm>
+          <a:prstGeom prst="arc">
+            <a:avLst>
+              <a:gd name="adj1" fmla="val 11425362"/>
+              <a:gd name="adj2" fmla="val 10286630"/>
+            </a:avLst>
+          </a:prstGeom>
+          <a:ln w="25400">
+            <a:tailEnd type="stealth" w="lg" len="lg"/>
+          </a:ln>
+        </p:spPr>
+        <p:style>
+          <a:lnRef idx="1">
+            <a:schemeClr val="accent5"/>
+          </a:lnRef>
+          <a:fillRef idx="0">
+            <a:schemeClr val="accent5"/>
+          </a:fillRef>
+          <a:effectRef idx="0">
+            <a:schemeClr val="accent5"/>
+          </a:effectRef>
+          <a:fontRef idx="minor">
+            <a:schemeClr val="tx1"/>
+          </a:fontRef>
+        </p:style>
+        <p:txBody>
+          <a:bodyPr rtlCol="0" anchor="ctr"/>
+          <a:lstStyle/>
+          <a:p>
+            <a:pPr algn="ctr"/>
+            <a:endParaRPr lang="en-US"/>
           </a:p>
         </p:txBody>
       </p:sp>
@@ -40391,13 +40391,13 @@
         </p:spPr>
         <p:style>
           <a:lnRef idx="2">
-            <a:schemeClr val="accent1"/>
+            <a:schemeClr val="accent2"/>
           </a:lnRef>
           <a:fillRef idx="1">
             <a:schemeClr val="lt1"/>
           </a:fillRef>
           <a:effectRef idx="0">
-            <a:schemeClr val="accent1"/>
+            <a:schemeClr val="accent2"/>
           </a:effectRef>
           <a:fontRef idx="minor">
             <a:schemeClr val="dk1"/>
@@ -40540,8 +40540,8 @@
           </a:xfrm>
           <a:prstGeom prst="arc">
             <a:avLst>
-              <a:gd name="adj1" fmla="val 12872902"/>
-              <a:gd name="adj2" fmla="val 8225889"/>
+              <a:gd name="adj1" fmla="val 12164897"/>
+              <a:gd name="adj2" fmla="val 8926227"/>
             </a:avLst>
           </a:prstGeom>
           <a:ln w="25400">
@@ -40550,13 +40550,13 @@
         </p:spPr>
         <p:style>
           <a:lnRef idx="1">
-            <a:schemeClr val="accent1"/>
+            <a:schemeClr val="accent5"/>
           </a:lnRef>
           <a:fillRef idx="0">
-            <a:schemeClr val="accent1"/>
+            <a:schemeClr val="accent5"/>
           </a:fillRef>
           <a:effectRef idx="0">
-            <a:schemeClr val="accent1"/>
+            <a:schemeClr val="accent5"/>
           </a:effectRef>
           <a:fontRef idx="minor">
             <a:schemeClr val="tx1"/>
@@ -40585,7 +40585,7 @@
         </p:nvSpPr>
         <p:spPr>
           <a:xfrm>
-            <a:off x="354105" y="3429000"/>
+            <a:off x="798630" y="3447362"/>
             <a:ext cx="1568742" cy="215444"/>
           </a:xfrm>
           <a:prstGeom prst="rect">
@@ -40638,7 +40638,7 @@
         </p:nvCxnSpPr>
         <p:spPr>
           <a:xfrm>
-            <a:off x="2136711" y="3564059"/>
+            <a:off x="2532542" y="3562366"/>
             <a:ext cx="896407" cy="0"/>
           </a:xfrm>
           <a:prstGeom prst="straightConnector1">
@@ -40707,8 +40707,8 @@
         </p:nvSpPr>
         <p:spPr>
           <a:xfrm>
-            <a:off x="1255923" y="2159305"/>
-            <a:ext cx="3538753" cy="2566930"/>
+            <a:off x="1575866" y="2159306"/>
+            <a:ext cx="3240000" cy="2520000"/>
           </a:xfrm>
           <a:prstGeom prst="rect">
             <a:avLst/>
@@ -40717,13 +40717,13 @@
         </p:spPr>
         <p:style>
           <a:lnRef idx="2">
-            <a:schemeClr val="accent2"/>
+            <a:schemeClr val="dk1"/>
           </a:lnRef>
           <a:fillRef idx="1">
             <a:schemeClr val="lt1"/>
           </a:fillRef>
           <a:effectRef idx="0">
-            <a:schemeClr val="accent2"/>
+            <a:schemeClr val="dk1"/>
           </a:effectRef>
           <a:fontRef idx="minor">
             <a:schemeClr val="dk1"/>
@@ -40762,7 +40762,96 @@
         <p:spPr>
           <a:xfrm>
             <a:off x="5177928" y="2159306"/>
-            <a:ext cx="6257580" cy="2566930"/>
+            <a:ext cx="6120000" cy="2520000"/>
+          </a:xfrm>
+          <a:prstGeom prst="rect">
+            <a:avLst/>
+          </a:prstGeom>
+          <a:ln/>
+        </p:spPr>
+        <p:style>
+          <a:lnRef idx="2">
+            <a:schemeClr val="dk1"/>
+          </a:lnRef>
+          <a:fillRef idx="1">
+            <a:schemeClr val="lt1"/>
+          </a:fillRef>
+          <a:effectRef idx="0">
+            <a:schemeClr val="dk1"/>
+          </a:effectRef>
+          <a:fontRef idx="minor">
+            <a:schemeClr val="dk1"/>
+          </a:fontRef>
+        </p:style>
+        <p:txBody>
+          <a:bodyPr rtlCol="0" anchor="b" anchorCtr="0"/>
+          <a:lstStyle/>
+          <a:p>
+            <a:pPr algn="ctr"/>
+            <a:r>
+              <a:rPr lang="en-US" sz="1400" dirty="0">
+                <a:solidFill>
+                  <a:schemeClr val="tx2"/>
+                </a:solidFill>
+                <a:latin typeface="Source Sans Pro Light" panose="020B0403030403020204" pitchFamily="34" charset="77"/>
+                <a:ea typeface="Source Sans Pro" panose="020B0503030403020204" pitchFamily="34" charset="0"/>
+              </a:rPr>
+              <a:t>Display module</a:t>
+            </a:r>
+          </a:p>
+        </p:txBody>
+      </p:sp>
+      <p:pic>
+        <p:nvPicPr>
+          <p:cNvPr id="8" name="Picture 7">
+            <a:extLst>
+              <a:ext uri="{FF2B5EF4-FFF2-40B4-BE49-F238E27FC236}">
+                <a16:creationId xmlns:a16="http://schemas.microsoft.com/office/drawing/2014/main" id="{FFED50E9-4666-827D-A26D-B1C27D6DCC8C}"/>
+              </a:ext>
+            </a:extLst>
+          </p:cNvPr>
+          <p:cNvPicPr>
+            <a:picLocks noChangeAspect="1"/>
+          </p:cNvPicPr>
+          <p:nvPr/>
+        </p:nvPicPr>
+        <p:blipFill rotWithShape="1">
+          <a:blip r:embed="rId3" cstate="print">
+            <a:extLst>
+              <a:ext uri="{28A0092B-C50C-407E-A947-70E740481C1C}">
+                <a14:useLocalDpi xmlns:a14="http://schemas.microsoft.com/office/drawing/2010/main" val="0"/>
+              </a:ext>
+            </a:extLst>
+          </a:blip>
+          <a:srcRect l="18554" t="45307" r="13825" b="13196"/>
+          <a:stretch/>
+        </p:blipFill>
+        <p:spPr>
+          <a:xfrm>
+            <a:off x="8836781" y="2722748"/>
+            <a:ext cx="2279239" cy="1415820"/>
+          </a:xfrm>
+          <a:prstGeom prst="rect">
+            <a:avLst/>
+          </a:prstGeom>
+        </p:spPr>
+      </p:pic>
+      <p:sp>
+        <p:nvSpPr>
+          <p:cNvPr id="9" name="Rectangle 8">
+            <a:extLst>
+              <a:ext uri="{FF2B5EF4-FFF2-40B4-BE49-F238E27FC236}">
+                <a16:creationId xmlns:a16="http://schemas.microsoft.com/office/drawing/2014/main" id="{1A2856C8-2CFE-CD28-F430-C4BAB5AC7E97}"/>
+              </a:ext>
+            </a:extLst>
+          </p:cNvPr>
+          <p:cNvSpPr/>
+          <p:nvPr/>
+        </p:nvSpPr>
+        <p:spPr>
+          <a:xfrm>
+            <a:off x="6515452" y="2922965"/>
+            <a:ext cx="1637489" cy="1015386"/>
           </a:xfrm>
           <a:prstGeom prst="rect">
             <a:avLst/>
@@ -40784,7 +40873,7 @@
           </a:fontRef>
         </p:style>
         <p:txBody>
-          <a:bodyPr rtlCol="0" anchor="b" anchorCtr="0"/>
+          <a:bodyPr rtlCol="0" anchor="ctr"/>
           <a:lstStyle/>
           <a:p>
             <a:pPr algn="ctr"/>
@@ -40796,250 +40885,138 @@
                 <a:latin typeface="Source Sans Pro Light" panose="020B0403030403020204" pitchFamily="34" charset="77"/>
                 <a:ea typeface="Source Sans Pro" panose="020B0503030403020204" pitchFamily="34" charset="0"/>
               </a:rPr>
-              <a:t>Display module</a:t>
+              <a:t>Memory</a:t>
             </a:r>
           </a:p>
         </p:txBody>
       </p:sp>
-      <p:grpSp>
-        <p:nvGrpSpPr>
-          <p:cNvPr id="3" name="Group 2">
+      <p:cxnSp>
+        <p:nvCxnSpPr>
+          <p:cNvPr id="12" name="Straight Connector 11">
             <a:extLst>
               <a:ext uri="{FF2B5EF4-FFF2-40B4-BE49-F238E27FC236}">
-                <a16:creationId xmlns:a16="http://schemas.microsoft.com/office/drawing/2014/main" id="{BA030F01-D386-07D8-28D4-D295E41BDCA1}"/>
+                <a16:creationId xmlns:a16="http://schemas.microsoft.com/office/drawing/2014/main" id="{22EAEBA0-CC84-B4FA-2E32-89A6CD4415DA}"/>
               </a:ext>
             </a:extLst>
           </p:cNvPr>
-          <p:cNvGrpSpPr>
-            <a:grpSpLocks noChangeAspect="1"/>
-          </p:cNvGrpSpPr>
+          <p:cNvCxnSpPr>
+            <a:stCxn id="9" idx="3"/>
+            <a:endCxn id="8" idx="1"/>
+          </p:cNvCxnSpPr>
           <p:nvPr/>
-        </p:nvGrpSpPr>
-        <p:grpSpPr>
+        </p:nvCxnSpPr>
+        <p:spPr>
           <a:xfrm>
-            <a:off x="6515452" y="2479481"/>
-            <a:ext cx="4600568" cy="1787652"/>
-            <a:chOff x="5325630" y="2187838"/>
-            <a:chExt cx="6003142" cy="2332653"/>
-          </a:xfrm>
-        </p:grpSpPr>
-        <p:pic>
-          <p:nvPicPr>
-            <p:cNvPr id="8" name="Picture 7">
-              <a:extLst>
-                <a:ext uri="{FF2B5EF4-FFF2-40B4-BE49-F238E27FC236}">
-                  <a16:creationId xmlns:a16="http://schemas.microsoft.com/office/drawing/2014/main" id="{FFED50E9-4666-827D-A26D-B1C27D6DCC8C}"/>
-                </a:ext>
-              </a:extLst>
-            </p:cNvPr>
-            <p:cNvPicPr>
-              <a:picLocks noChangeAspect="1"/>
-            </p:cNvPicPr>
-            <p:nvPr/>
-          </p:nvPicPr>
-          <p:blipFill rotWithShape="1">
-            <a:blip r:embed="rId3" cstate="print">
-              <a:extLst>
-                <a:ext uri="{28A0092B-C50C-407E-A947-70E740481C1C}">
-                  <a14:useLocalDpi xmlns:a14="http://schemas.microsoft.com/office/drawing/2010/main" val="0"/>
-                </a:ext>
-              </a:extLst>
-            </a:blip>
-            <a:srcRect l="18554" t="45307" r="13825" b="13196"/>
-            <a:stretch/>
-          </p:blipFill>
-          <p:spPr>
-            <a:xfrm>
-              <a:off x="8354662" y="2505270"/>
-              <a:ext cx="2974110" cy="1847461"/>
-            </a:xfrm>
-            <a:prstGeom prst="rect">
-              <a:avLst/>
-            </a:prstGeom>
-          </p:spPr>
-        </p:pic>
-        <p:sp>
-          <p:nvSpPr>
-            <p:cNvPr id="9" name="Rectangle 8">
-              <a:extLst>
-                <a:ext uri="{FF2B5EF4-FFF2-40B4-BE49-F238E27FC236}">
-                  <a16:creationId xmlns:a16="http://schemas.microsoft.com/office/drawing/2014/main" id="{1A2856C8-2CFE-CD28-F430-C4BAB5AC7E97}"/>
-                </a:ext>
-              </a:extLst>
-            </p:cNvPr>
-            <p:cNvSpPr/>
-            <p:nvPr/>
-          </p:nvSpPr>
-          <p:spPr>
-            <a:xfrm>
-              <a:off x="5325630" y="2766527"/>
-              <a:ext cx="2136710" cy="1324946"/>
-            </a:xfrm>
-            <a:prstGeom prst="rect">
-              <a:avLst/>
-            </a:prstGeom>
-            <a:ln/>
-          </p:spPr>
-          <p:style>
-            <a:lnRef idx="2">
-              <a:schemeClr val="accent1"/>
-            </a:lnRef>
-            <a:fillRef idx="1">
-              <a:schemeClr val="lt1"/>
-            </a:fillRef>
-            <a:effectRef idx="0">
-              <a:schemeClr val="accent1"/>
-            </a:effectRef>
-            <a:fontRef idx="minor">
-              <a:schemeClr val="dk1"/>
-            </a:fontRef>
-          </p:style>
-          <p:txBody>
-            <a:bodyPr rtlCol="0" anchor="ctr"/>
-            <a:lstStyle/>
-            <a:p>
-              <a:pPr algn="ctr"/>
-              <a:r>
-                <a:rPr lang="en-US" sz="1400" dirty="0">
-                  <a:solidFill>
-                    <a:schemeClr val="tx2"/>
-                  </a:solidFill>
-                  <a:latin typeface="Source Sans Pro Light" panose="020B0403030403020204" pitchFamily="34" charset="77"/>
-                  <a:ea typeface="Source Sans Pro" panose="020B0503030403020204" pitchFamily="34" charset="0"/>
-                </a:rPr>
-                <a:t>Memory</a:t>
-              </a:r>
-            </a:p>
-          </p:txBody>
-        </p:sp>
-        <p:cxnSp>
-          <p:nvCxnSpPr>
-            <p:cNvPr id="12" name="Straight Connector 11">
-              <a:extLst>
-                <a:ext uri="{FF2B5EF4-FFF2-40B4-BE49-F238E27FC236}">
-                  <a16:creationId xmlns:a16="http://schemas.microsoft.com/office/drawing/2014/main" id="{22EAEBA0-CC84-B4FA-2E32-89A6CD4415DA}"/>
-                </a:ext>
-              </a:extLst>
-            </p:cNvPr>
-            <p:cNvCxnSpPr>
-              <a:stCxn id="9" idx="3"/>
-              <a:endCxn id="8" idx="1"/>
-            </p:cNvCxnSpPr>
-            <p:nvPr/>
-          </p:nvCxnSpPr>
-          <p:spPr>
-            <a:xfrm>
-              <a:off x="7462340" y="3429000"/>
-              <a:ext cx="892322" cy="1"/>
-            </a:xfrm>
-            <a:prstGeom prst="line">
-              <a:avLst/>
-            </a:prstGeom>
-          </p:spPr>
-          <p:style>
-            <a:lnRef idx="1">
-              <a:schemeClr val="accent4"/>
-            </a:lnRef>
-            <a:fillRef idx="0">
-              <a:schemeClr val="accent4"/>
-            </a:fillRef>
-            <a:effectRef idx="0">
-              <a:schemeClr val="accent4"/>
-            </a:effectRef>
-            <a:fontRef idx="minor">
-              <a:schemeClr val="tx1"/>
-            </a:fontRef>
-          </p:style>
-        </p:cxnSp>
-        <p:cxnSp>
-          <p:nvCxnSpPr>
-            <p:cNvPr id="13" name="Straight Connector 12">
-              <a:extLst>
-                <a:ext uri="{FF2B5EF4-FFF2-40B4-BE49-F238E27FC236}">
-                  <a16:creationId xmlns:a16="http://schemas.microsoft.com/office/drawing/2014/main" id="{74E61ECF-86F3-86F3-3684-3341060CF69F}"/>
-                </a:ext>
-              </a:extLst>
-            </p:cNvPr>
-            <p:cNvCxnSpPr>
-              <a:cxnSpLocks/>
-            </p:cNvCxnSpPr>
-            <p:nvPr/>
-          </p:nvCxnSpPr>
-          <p:spPr>
-            <a:xfrm flipV="1">
-              <a:off x="7792681" y="3354164"/>
-              <a:ext cx="148324" cy="190263"/>
-            </a:xfrm>
-            <a:prstGeom prst="line">
-              <a:avLst/>
-            </a:prstGeom>
-          </p:spPr>
-          <p:style>
-            <a:lnRef idx="1">
-              <a:schemeClr val="accent4"/>
-            </a:lnRef>
-            <a:fillRef idx="0">
-              <a:schemeClr val="accent4"/>
-            </a:fillRef>
-            <a:effectRef idx="0">
-              <a:schemeClr val="accent4"/>
-            </a:effectRef>
-            <a:fontRef idx="minor">
-              <a:schemeClr val="tx1"/>
-            </a:fontRef>
-          </p:style>
-        </p:cxnSp>
-        <p:sp>
-          <p:nvSpPr>
-            <p:cNvPr id="10" name="Arc 9">
-              <a:extLst>
-                <a:ext uri="{FF2B5EF4-FFF2-40B4-BE49-F238E27FC236}">
-                  <a16:creationId xmlns:a16="http://schemas.microsoft.com/office/drawing/2014/main" id="{070CE625-638E-D085-FAEA-696B711BC3C5}"/>
-                </a:ext>
-              </a:extLst>
-            </p:cNvPr>
-            <p:cNvSpPr/>
-            <p:nvPr/>
-          </p:nvSpPr>
-          <p:spPr>
-            <a:xfrm>
-              <a:off x="6674527" y="2187838"/>
-              <a:ext cx="2467948" cy="2332653"/>
-            </a:xfrm>
-            <a:prstGeom prst="arc">
-              <a:avLst>
-                <a:gd name="adj1" fmla="val 12872902"/>
-                <a:gd name="adj2" fmla="val 8225889"/>
-              </a:avLst>
-            </a:prstGeom>
-            <a:ln w="25400">
-              <a:tailEnd type="stealth" w="lg" len="lg"/>
-            </a:ln>
-          </p:spPr>
-          <p:style>
-            <a:lnRef idx="1">
-              <a:schemeClr val="accent1"/>
-            </a:lnRef>
-            <a:fillRef idx="0">
-              <a:schemeClr val="accent1"/>
-            </a:fillRef>
-            <a:effectRef idx="0">
-              <a:schemeClr val="accent1"/>
-            </a:effectRef>
-            <a:fontRef idx="minor">
-              <a:schemeClr val="tx1"/>
-            </a:fontRef>
-          </p:style>
-          <p:txBody>
-            <a:bodyPr rtlCol="0" anchor="ctr"/>
-            <a:lstStyle/>
-            <a:p>
-              <a:pPr algn="ctr"/>
-              <a:endParaRPr lang="en-US"/>
-            </a:p>
-          </p:txBody>
-        </p:sp>
-      </p:grpSp>
+            <a:off x="8152941" y="3430658"/>
+            <a:ext cx="683840" cy="1"/>
+          </a:xfrm>
+          <a:prstGeom prst="line">
+            <a:avLst/>
+          </a:prstGeom>
+        </p:spPr>
+        <p:style>
+          <a:lnRef idx="1">
+            <a:schemeClr val="accent4"/>
+          </a:lnRef>
+          <a:fillRef idx="0">
+            <a:schemeClr val="accent4"/>
+          </a:fillRef>
+          <a:effectRef idx="0">
+            <a:schemeClr val="accent4"/>
+          </a:effectRef>
+          <a:fontRef idx="minor">
+            <a:schemeClr val="tx1"/>
+          </a:fontRef>
+        </p:style>
+      </p:cxnSp>
+      <p:cxnSp>
+        <p:nvCxnSpPr>
+          <p:cNvPr id="13" name="Straight Connector 12">
+            <a:extLst>
+              <a:ext uri="{FF2B5EF4-FFF2-40B4-BE49-F238E27FC236}">
+                <a16:creationId xmlns:a16="http://schemas.microsoft.com/office/drawing/2014/main" id="{74E61ECF-86F3-86F3-3684-3341060CF69F}"/>
+              </a:ext>
+            </a:extLst>
+          </p:cNvPr>
+          <p:cNvCxnSpPr>
+            <a:cxnSpLocks/>
+          </p:cNvCxnSpPr>
+          <p:nvPr/>
+        </p:nvCxnSpPr>
+        <p:spPr>
+          <a:xfrm flipV="1">
+            <a:off x="8406101" y="3373307"/>
+            <a:ext cx="113670" cy="145810"/>
+          </a:xfrm>
+          <a:prstGeom prst="line">
+            <a:avLst/>
+          </a:prstGeom>
+        </p:spPr>
+        <p:style>
+          <a:lnRef idx="1">
+            <a:schemeClr val="accent4"/>
+          </a:lnRef>
+          <a:fillRef idx="0">
+            <a:schemeClr val="accent4"/>
+          </a:fillRef>
+          <a:effectRef idx="0">
+            <a:schemeClr val="accent4"/>
+          </a:effectRef>
+          <a:fontRef idx="minor">
+            <a:schemeClr val="tx1"/>
+          </a:fontRef>
+        </p:style>
+      </p:cxnSp>
+      <p:sp>
+        <p:nvSpPr>
+          <p:cNvPr id="10" name="Arc 9">
+            <a:extLst>
+              <a:ext uri="{FF2B5EF4-FFF2-40B4-BE49-F238E27FC236}">
+                <a16:creationId xmlns:a16="http://schemas.microsoft.com/office/drawing/2014/main" id="{070CE625-638E-D085-FAEA-696B711BC3C5}"/>
+              </a:ext>
+            </a:extLst>
+          </p:cNvPr>
+          <p:cNvSpPr/>
+          <p:nvPr/>
+        </p:nvSpPr>
+        <p:spPr>
+          <a:xfrm>
+            <a:off x="7549193" y="2479481"/>
+            <a:ext cx="1891337" cy="1787652"/>
+          </a:xfrm>
+          <a:prstGeom prst="arc">
+            <a:avLst>
+              <a:gd name="adj1" fmla="val 12125043"/>
+              <a:gd name="adj2" fmla="val 9150824"/>
+            </a:avLst>
+          </a:prstGeom>
+          <a:ln w="25400">
+            <a:tailEnd type="stealth" w="lg" len="lg"/>
+          </a:ln>
+        </p:spPr>
+        <p:style>
+          <a:lnRef idx="1">
+            <a:schemeClr val="accent5"/>
+          </a:lnRef>
+          <a:fillRef idx="0">
+            <a:schemeClr val="accent5"/>
+          </a:fillRef>
+          <a:effectRef idx="0">
+            <a:schemeClr val="accent5"/>
+          </a:effectRef>
+          <a:fontRef idx="minor">
+            <a:schemeClr val="tx1"/>
+          </a:fontRef>
+        </p:style>
+        <p:txBody>
+          <a:bodyPr rtlCol="0" anchor="ctr"/>
+          <a:lstStyle/>
+          <a:p>
+            <a:pPr algn="ctr"/>
+            <a:endParaRPr lang="en-US"/>
+          </a:p>
+        </p:txBody>
+      </p:sp>
       <p:sp>
         <p:nvSpPr>
           <p:cNvPr id="7" name="Rectangle 6">
@@ -41064,13 +41041,13 @@
         </p:spPr>
         <p:style>
           <a:lnRef idx="2">
-            <a:schemeClr val="accent1"/>
+            <a:schemeClr val="accent2"/>
           </a:lnRef>
           <a:fillRef idx="1">
             <a:schemeClr val="lt1"/>
           </a:fillRef>
           <a:effectRef idx="0">
-            <a:schemeClr val="accent1"/>
+            <a:schemeClr val="accent2"/>
           </a:effectRef>
           <a:fontRef idx="minor">
             <a:schemeClr val="dk1"/>
@@ -41118,13 +41095,13 @@
         </p:spPr>
         <p:style>
           <a:lnRef idx="2">
-            <a:schemeClr val="accent1"/>
+            <a:schemeClr val="accent2"/>
           </a:lnRef>
           <a:fillRef idx="1">
             <a:schemeClr val="lt1"/>
           </a:fillRef>
           <a:effectRef idx="0">
-            <a:schemeClr val="accent1"/>
+            <a:schemeClr val="accent2"/>
           </a:effectRef>
           <a:fontRef idx="minor">
             <a:schemeClr val="dk1"/>
@@ -41172,13 +41149,13 @@
         </p:spPr>
         <p:style>
           <a:lnRef idx="2">
-            <a:schemeClr val="accent1"/>
+            <a:schemeClr val="accent2"/>
           </a:lnRef>
           <a:fillRef idx="1">
             <a:schemeClr val="lt1"/>
           </a:fillRef>
           <a:effectRef idx="0">
-            <a:schemeClr val="accent1"/>
+            <a:schemeClr val="accent2"/>
           </a:effectRef>
           <a:fontRef idx="minor">
             <a:schemeClr val="dk1"/>
@@ -41326,8 +41303,8 @@
         </p:nvSpPr>
         <p:spPr>
           <a:xfrm>
-            <a:off x="1255923" y="2159305"/>
-            <a:ext cx="3538753" cy="2566930"/>
+            <a:off x="1596404" y="2159306"/>
+            <a:ext cx="3240000" cy="2520000"/>
           </a:xfrm>
           <a:prstGeom prst="rect">
             <a:avLst/>
@@ -41336,13 +41313,13 @@
         </p:spPr>
         <p:style>
           <a:lnRef idx="2">
-            <a:schemeClr val="accent2"/>
+            <a:schemeClr val="dk1"/>
           </a:lnRef>
           <a:fillRef idx="1">
             <a:schemeClr val="lt1"/>
           </a:fillRef>
           <a:effectRef idx="0">
-            <a:schemeClr val="accent2"/>
+            <a:schemeClr val="dk1"/>
           </a:effectRef>
           <a:fontRef idx="minor">
             <a:schemeClr val="dk1"/>
@@ -41381,7 +41358,7 @@
         <p:spPr>
           <a:xfrm>
             <a:off x="5177928" y="2159306"/>
-            <a:ext cx="4384713" cy="2566930"/>
+            <a:ext cx="4320000" cy="2520000"/>
           </a:xfrm>
           <a:prstGeom prst="rect">
             <a:avLst/>
@@ -41390,13 +41367,13 @@
         </p:spPr>
         <p:style>
           <a:lnRef idx="2">
-            <a:schemeClr val="accent2"/>
+            <a:schemeClr val="dk1"/>
           </a:lnRef>
           <a:fillRef idx="1">
             <a:schemeClr val="lt1"/>
           </a:fillRef>
           <a:effectRef idx="0">
-            <a:schemeClr val="accent2"/>
+            <a:schemeClr val="dk1"/>
           </a:effectRef>
           <a:fontRef idx="minor">
             <a:schemeClr val="dk1"/>
@@ -41457,56 +41434,6 @@
       </p:pic>
       <p:sp>
         <p:nvSpPr>
-          <p:cNvPr id="10" name="Arc 9">
-            <a:extLst>
-              <a:ext uri="{FF2B5EF4-FFF2-40B4-BE49-F238E27FC236}">
-                <a16:creationId xmlns:a16="http://schemas.microsoft.com/office/drawing/2014/main" id="{070CE625-638E-D085-FAEA-696B711BC3C5}"/>
-              </a:ext>
-            </a:extLst>
-          </p:cNvPr>
-          <p:cNvSpPr/>
-          <p:nvPr/>
-        </p:nvSpPr>
-        <p:spPr>
-          <a:xfrm>
-            <a:off x="2049136" y="2556600"/>
-            <a:ext cx="5496491" cy="1787652"/>
-          </a:xfrm>
-          <a:prstGeom prst="arc">
-            <a:avLst>
-              <a:gd name="adj1" fmla="val 11979648"/>
-              <a:gd name="adj2" fmla="val 9567484"/>
-            </a:avLst>
-          </a:prstGeom>
-          <a:ln w="25400">
-            <a:tailEnd type="stealth" w="lg" len="lg"/>
-          </a:ln>
-        </p:spPr>
-        <p:style>
-          <a:lnRef idx="1">
-            <a:schemeClr val="accent1"/>
-          </a:lnRef>
-          <a:fillRef idx="0">
-            <a:schemeClr val="accent1"/>
-          </a:fillRef>
-          <a:effectRef idx="0">
-            <a:schemeClr val="accent1"/>
-          </a:effectRef>
-          <a:fontRef idx="minor">
-            <a:schemeClr val="tx1"/>
-          </a:fontRef>
-        </p:style>
-        <p:txBody>
-          <a:bodyPr rtlCol="0" anchor="ctr"/>
-          <a:lstStyle/>
-          <a:p>
-            <a:pPr algn="ctr"/>
-            <a:endParaRPr lang="en-US"/>
-          </a:p>
-        </p:txBody>
-      </p:sp>
-      <p:sp>
-        <p:nvSpPr>
           <p:cNvPr id="7" name="Rectangle 6">
             <a:extLst>
               <a:ext uri="{FF2B5EF4-FFF2-40B4-BE49-F238E27FC236}">
@@ -41529,13 +41456,13 @@
         </p:spPr>
         <p:style>
           <a:lnRef idx="2">
-            <a:schemeClr val="accent1"/>
+            <a:schemeClr val="accent2"/>
           </a:lnRef>
           <a:fillRef idx="1">
             <a:schemeClr val="lt1"/>
           </a:fillRef>
           <a:effectRef idx="0">
-            <a:schemeClr val="accent1"/>
+            <a:schemeClr val="accent2"/>
           </a:effectRef>
           <a:fontRef idx="minor">
             <a:schemeClr val="dk1"/>
@@ -41583,13 +41510,13 @@
         </p:spPr>
         <p:style>
           <a:lnRef idx="2">
-            <a:schemeClr val="accent1"/>
+            <a:schemeClr val="accent2"/>
           </a:lnRef>
           <a:fillRef idx="1">
             <a:schemeClr val="lt1"/>
           </a:fillRef>
           <a:effectRef idx="0">
-            <a:schemeClr val="accent1"/>
+            <a:schemeClr val="accent2"/>
           </a:effectRef>
           <a:fontRef idx="minor">
             <a:schemeClr val="dk1"/>
@@ -41637,13 +41564,13 @@
         </p:spPr>
         <p:style>
           <a:lnRef idx="2">
-            <a:schemeClr val="accent1"/>
+            <a:schemeClr val="accent2"/>
           </a:lnRef>
           <a:fillRef idx="1">
             <a:schemeClr val="lt1"/>
           </a:fillRef>
           <a:effectRef idx="0">
-            <a:schemeClr val="accent1"/>
+            <a:schemeClr val="accent2"/>
           </a:effectRef>
           <a:fontRef idx="minor">
             <a:schemeClr val="dk1"/>
@@ -41821,6 +41748,56 @@
           </a:fontRef>
         </p:style>
       </p:cxnSp>
+      <p:sp>
+        <p:nvSpPr>
+          <p:cNvPr id="10" name="Arc 9">
+            <a:extLst>
+              <a:ext uri="{FF2B5EF4-FFF2-40B4-BE49-F238E27FC236}">
+                <a16:creationId xmlns:a16="http://schemas.microsoft.com/office/drawing/2014/main" id="{070CE625-638E-D085-FAEA-696B711BC3C5}"/>
+              </a:ext>
+            </a:extLst>
+          </p:cNvPr>
+          <p:cNvSpPr/>
+          <p:nvPr/>
+        </p:nvSpPr>
+        <p:spPr>
+          <a:xfrm>
+            <a:off x="2484408" y="2556600"/>
+            <a:ext cx="5061219" cy="1787652"/>
+          </a:xfrm>
+          <a:prstGeom prst="arc">
+            <a:avLst>
+              <a:gd name="adj1" fmla="val 11425362"/>
+              <a:gd name="adj2" fmla="val 10286630"/>
+            </a:avLst>
+          </a:prstGeom>
+          <a:ln w="25400">
+            <a:tailEnd type="stealth" w="lg" len="lg"/>
+          </a:ln>
+        </p:spPr>
+        <p:style>
+          <a:lnRef idx="1">
+            <a:schemeClr val="accent5"/>
+          </a:lnRef>
+          <a:fillRef idx="0">
+            <a:schemeClr val="accent5"/>
+          </a:fillRef>
+          <a:effectRef idx="0">
+            <a:schemeClr val="accent5"/>
+          </a:effectRef>
+          <a:fontRef idx="minor">
+            <a:schemeClr val="tx1"/>
+          </a:fontRef>
+        </p:style>
+        <p:txBody>
+          <a:bodyPr rtlCol="0" anchor="ctr"/>
+          <a:lstStyle/>
+          <a:p>
+            <a:pPr algn="ctr"/>
+            <a:endParaRPr lang="en-US"/>
+          </a:p>
+        </p:txBody>
+      </p:sp>
     </p:spTree>
     <p:extLst>
       <p:ext uri="{BB962C8B-B14F-4D97-AF65-F5344CB8AC3E}">
@@ -41865,8 +41842,8 @@
         </p:nvSpPr>
         <p:spPr>
           <a:xfrm>
-            <a:off x="1255923" y="2159305"/>
-            <a:ext cx="3538753" cy="2566930"/>
+            <a:off x="1548648" y="2167181"/>
+            <a:ext cx="3240000" cy="2520000"/>
           </a:xfrm>
           <a:prstGeom prst="rect">
             <a:avLst/>
@@ -41875,13 +41852,13 @@
         </p:spPr>
         <p:style>
           <a:lnRef idx="2">
-            <a:schemeClr val="accent2"/>
+            <a:schemeClr val="dk1"/>
           </a:lnRef>
           <a:fillRef idx="1">
             <a:schemeClr val="lt1"/>
           </a:fillRef>
           <a:effectRef idx="0">
-            <a:schemeClr val="accent2"/>
+            <a:schemeClr val="dk1"/>
           </a:effectRef>
           <a:fontRef idx="minor">
             <a:schemeClr val="dk1"/>
@@ -41920,7 +41897,96 @@
         <p:spPr>
           <a:xfrm>
             <a:off x="5177928" y="2159306"/>
-            <a:ext cx="6257580" cy="2566930"/>
+            <a:ext cx="6120000" cy="2520000"/>
+          </a:xfrm>
+          <a:prstGeom prst="rect">
+            <a:avLst/>
+          </a:prstGeom>
+          <a:ln/>
+        </p:spPr>
+        <p:style>
+          <a:lnRef idx="2">
+            <a:schemeClr val="dk1"/>
+          </a:lnRef>
+          <a:fillRef idx="1">
+            <a:schemeClr val="lt1"/>
+          </a:fillRef>
+          <a:effectRef idx="0">
+            <a:schemeClr val="dk1"/>
+          </a:effectRef>
+          <a:fontRef idx="minor">
+            <a:schemeClr val="dk1"/>
+          </a:fontRef>
+        </p:style>
+        <p:txBody>
+          <a:bodyPr rtlCol="0" anchor="b" anchorCtr="0"/>
+          <a:lstStyle/>
+          <a:p>
+            <a:pPr algn="ctr"/>
+            <a:r>
+              <a:rPr lang="en-US" sz="1400" dirty="0">
+                <a:solidFill>
+                  <a:schemeClr val="tx2"/>
+                </a:solidFill>
+                <a:latin typeface="Source Sans Pro Light" panose="020B0403030403020204" pitchFamily="34" charset="77"/>
+                <a:ea typeface="Source Sans Pro" panose="020B0503030403020204" pitchFamily="34" charset="0"/>
+              </a:rPr>
+              <a:t>Display module</a:t>
+            </a:r>
+          </a:p>
+        </p:txBody>
+      </p:sp>
+      <p:pic>
+        <p:nvPicPr>
+          <p:cNvPr id="8" name="Picture 7">
+            <a:extLst>
+              <a:ext uri="{FF2B5EF4-FFF2-40B4-BE49-F238E27FC236}">
+                <a16:creationId xmlns:a16="http://schemas.microsoft.com/office/drawing/2014/main" id="{FFED50E9-4666-827D-A26D-B1C27D6DCC8C}"/>
+              </a:ext>
+            </a:extLst>
+          </p:cNvPr>
+          <p:cNvPicPr>
+            <a:picLocks noChangeAspect="1"/>
+          </p:cNvPicPr>
+          <p:nvPr/>
+        </p:nvPicPr>
+        <p:blipFill rotWithShape="1">
+          <a:blip r:embed="rId3" cstate="print">
+            <a:extLst>
+              <a:ext uri="{28A0092B-C50C-407E-A947-70E740481C1C}">
+                <a14:useLocalDpi xmlns:a14="http://schemas.microsoft.com/office/drawing/2010/main" val="0"/>
+              </a:ext>
+            </a:extLst>
+          </a:blip>
+          <a:srcRect l="18554" t="45307" r="13825" b="13196"/>
+          <a:stretch/>
+        </p:blipFill>
+        <p:spPr>
+          <a:xfrm>
+            <a:off x="8836781" y="2722748"/>
+            <a:ext cx="2279239" cy="1415820"/>
+          </a:xfrm>
+          <a:prstGeom prst="rect">
+            <a:avLst/>
+          </a:prstGeom>
+        </p:spPr>
+      </p:pic>
+      <p:sp>
+        <p:nvSpPr>
+          <p:cNvPr id="9" name="Rectangle 8">
+            <a:extLst>
+              <a:ext uri="{FF2B5EF4-FFF2-40B4-BE49-F238E27FC236}">
+                <a16:creationId xmlns:a16="http://schemas.microsoft.com/office/drawing/2014/main" id="{1A2856C8-2CFE-CD28-F430-C4BAB5AC7E97}"/>
+              </a:ext>
+            </a:extLst>
+          </p:cNvPr>
+          <p:cNvSpPr/>
+          <p:nvPr/>
+        </p:nvSpPr>
+        <p:spPr>
+          <a:xfrm>
+            <a:off x="6515452" y="2922965"/>
+            <a:ext cx="1637489" cy="1015386"/>
           </a:xfrm>
           <a:prstGeom prst="rect">
             <a:avLst/>
@@ -41942,7 +42008,7 @@
           </a:fontRef>
         </p:style>
         <p:txBody>
-          <a:bodyPr rtlCol="0" anchor="b" anchorCtr="0"/>
+          <a:bodyPr rtlCol="0" anchor="ctr"/>
           <a:lstStyle/>
           <a:p>
             <a:pPr algn="ctr"/>
@@ -41954,250 +42020,138 @@
                 <a:latin typeface="Source Sans Pro Light" panose="020B0403030403020204" pitchFamily="34" charset="77"/>
                 <a:ea typeface="Source Sans Pro" panose="020B0503030403020204" pitchFamily="34" charset="0"/>
               </a:rPr>
-              <a:t>Display module</a:t>
+              <a:t>Memory</a:t>
             </a:r>
           </a:p>
         </p:txBody>
       </p:sp>
-      <p:grpSp>
-        <p:nvGrpSpPr>
-          <p:cNvPr id="3" name="Group 2">
+      <p:cxnSp>
+        <p:nvCxnSpPr>
+          <p:cNvPr id="12" name="Straight Connector 11">
             <a:extLst>
               <a:ext uri="{FF2B5EF4-FFF2-40B4-BE49-F238E27FC236}">
-                <a16:creationId xmlns:a16="http://schemas.microsoft.com/office/drawing/2014/main" id="{BA030F01-D386-07D8-28D4-D295E41BDCA1}"/>
+                <a16:creationId xmlns:a16="http://schemas.microsoft.com/office/drawing/2014/main" id="{22EAEBA0-CC84-B4FA-2E32-89A6CD4415DA}"/>
               </a:ext>
             </a:extLst>
           </p:cNvPr>
-          <p:cNvGrpSpPr>
-            <a:grpSpLocks noChangeAspect="1"/>
-          </p:cNvGrpSpPr>
+          <p:cNvCxnSpPr>
+            <a:stCxn id="9" idx="3"/>
+            <a:endCxn id="8" idx="1"/>
+          </p:cNvCxnSpPr>
           <p:nvPr/>
-        </p:nvGrpSpPr>
-        <p:grpSpPr>
+        </p:nvCxnSpPr>
+        <p:spPr>
           <a:xfrm>
-            <a:off x="6515452" y="2479481"/>
-            <a:ext cx="4600568" cy="1787652"/>
-            <a:chOff x="5325630" y="2187838"/>
-            <a:chExt cx="6003142" cy="2332653"/>
-          </a:xfrm>
-        </p:grpSpPr>
-        <p:pic>
-          <p:nvPicPr>
-            <p:cNvPr id="8" name="Picture 7">
-              <a:extLst>
-                <a:ext uri="{FF2B5EF4-FFF2-40B4-BE49-F238E27FC236}">
-                  <a16:creationId xmlns:a16="http://schemas.microsoft.com/office/drawing/2014/main" id="{FFED50E9-4666-827D-A26D-B1C27D6DCC8C}"/>
-                </a:ext>
-              </a:extLst>
-            </p:cNvPr>
-            <p:cNvPicPr>
-              <a:picLocks noChangeAspect="1"/>
-            </p:cNvPicPr>
-            <p:nvPr/>
-          </p:nvPicPr>
-          <p:blipFill rotWithShape="1">
-            <a:blip r:embed="rId3" cstate="print">
-              <a:extLst>
-                <a:ext uri="{28A0092B-C50C-407E-A947-70E740481C1C}">
-                  <a14:useLocalDpi xmlns:a14="http://schemas.microsoft.com/office/drawing/2010/main" val="0"/>
-                </a:ext>
-              </a:extLst>
-            </a:blip>
-            <a:srcRect l="18554" t="45307" r="13825" b="13196"/>
-            <a:stretch/>
-          </p:blipFill>
-          <p:spPr>
-            <a:xfrm>
-              <a:off x="8354662" y="2505270"/>
-              <a:ext cx="2974110" cy="1847461"/>
-            </a:xfrm>
-            <a:prstGeom prst="rect">
-              <a:avLst/>
-            </a:prstGeom>
-          </p:spPr>
-        </p:pic>
-        <p:sp>
-          <p:nvSpPr>
-            <p:cNvPr id="9" name="Rectangle 8">
-              <a:extLst>
-                <a:ext uri="{FF2B5EF4-FFF2-40B4-BE49-F238E27FC236}">
-                  <a16:creationId xmlns:a16="http://schemas.microsoft.com/office/drawing/2014/main" id="{1A2856C8-2CFE-CD28-F430-C4BAB5AC7E97}"/>
-                </a:ext>
-              </a:extLst>
-            </p:cNvPr>
-            <p:cNvSpPr/>
-            <p:nvPr/>
-          </p:nvSpPr>
-          <p:spPr>
-            <a:xfrm>
-              <a:off x="5325630" y="2766527"/>
-              <a:ext cx="2136710" cy="1324946"/>
-            </a:xfrm>
-            <a:prstGeom prst="rect">
-              <a:avLst/>
-            </a:prstGeom>
-            <a:ln/>
-          </p:spPr>
-          <p:style>
-            <a:lnRef idx="2">
-              <a:schemeClr val="accent1"/>
-            </a:lnRef>
-            <a:fillRef idx="1">
-              <a:schemeClr val="lt1"/>
-            </a:fillRef>
-            <a:effectRef idx="0">
-              <a:schemeClr val="accent1"/>
-            </a:effectRef>
-            <a:fontRef idx="minor">
-              <a:schemeClr val="dk1"/>
-            </a:fontRef>
-          </p:style>
-          <p:txBody>
-            <a:bodyPr rtlCol="0" anchor="ctr"/>
-            <a:lstStyle/>
-            <a:p>
-              <a:pPr algn="ctr"/>
-              <a:r>
-                <a:rPr lang="en-US" sz="1400" dirty="0">
-                  <a:solidFill>
-                    <a:schemeClr val="tx2"/>
-                  </a:solidFill>
-                  <a:latin typeface="Source Sans Pro Light" panose="020B0403030403020204" pitchFamily="34" charset="77"/>
-                  <a:ea typeface="Source Sans Pro" panose="020B0503030403020204" pitchFamily="34" charset="0"/>
-                </a:rPr>
-                <a:t>Memory</a:t>
-              </a:r>
-            </a:p>
-          </p:txBody>
-        </p:sp>
-        <p:cxnSp>
-          <p:nvCxnSpPr>
-            <p:cNvPr id="12" name="Straight Connector 11">
-              <a:extLst>
-                <a:ext uri="{FF2B5EF4-FFF2-40B4-BE49-F238E27FC236}">
-                  <a16:creationId xmlns:a16="http://schemas.microsoft.com/office/drawing/2014/main" id="{22EAEBA0-CC84-B4FA-2E32-89A6CD4415DA}"/>
-                </a:ext>
-              </a:extLst>
-            </p:cNvPr>
-            <p:cNvCxnSpPr>
-              <a:stCxn id="9" idx="3"/>
-              <a:endCxn id="8" idx="1"/>
-            </p:cNvCxnSpPr>
-            <p:nvPr/>
-          </p:nvCxnSpPr>
-          <p:spPr>
-            <a:xfrm>
-              <a:off x="7462340" y="3429000"/>
-              <a:ext cx="892322" cy="1"/>
-            </a:xfrm>
-            <a:prstGeom prst="line">
-              <a:avLst/>
-            </a:prstGeom>
-          </p:spPr>
-          <p:style>
-            <a:lnRef idx="1">
-              <a:schemeClr val="accent4"/>
-            </a:lnRef>
-            <a:fillRef idx="0">
-              <a:schemeClr val="accent4"/>
-            </a:fillRef>
-            <a:effectRef idx="0">
-              <a:schemeClr val="accent4"/>
-            </a:effectRef>
-            <a:fontRef idx="minor">
-              <a:schemeClr val="tx1"/>
-            </a:fontRef>
-          </p:style>
-        </p:cxnSp>
-        <p:cxnSp>
-          <p:nvCxnSpPr>
-            <p:cNvPr id="13" name="Straight Connector 12">
-              <a:extLst>
-                <a:ext uri="{FF2B5EF4-FFF2-40B4-BE49-F238E27FC236}">
-                  <a16:creationId xmlns:a16="http://schemas.microsoft.com/office/drawing/2014/main" id="{74E61ECF-86F3-86F3-3684-3341060CF69F}"/>
-                </a:ext>
-              </a:extLst>
-            </p:cNvPr>
-            <p:cNvCxnSpPr>
-              <a:cxnSpLocks/>
-            </p:cNvCxnSpPr>
-            <p:nvPr/>
-          </p:nvCxnSpPr>
-          <p:spPr>
-            <a:xfrm flipV="1">
-              <a:off x="7792681" y="3354164"/>
-              <a:ext cx="148324" cy="190263"/>
-            </a:xfrm>
-            <a:prstGeom prst="line">
-              <a:avLst/>
-            </a:prstGeom>
-          </p:spPr>
-          <p:style>
-            <a:lnRef idx="1">
-              <a:schemeClr val="accent4"/>
-            </a:lnRef>
-            <a:fillRef idx="0">
-              <a:schemeClr val="accent4"/>
-            </a:fillRef>
-            <a:effectRef idx="0">
-              <a:schemeClr val="accent4"/>
-            </a:effectRef>
-            <a:fontRef idx="minor">
-              <a:schemeClr val="tx1"/>
-            </a:fontRef>
-          </p:style>
-        </p:cxnSp>
-        <p:sp>
-          <p:nvSpPr>
-            <p:cNvPr id="10" name="Arc 9">
-              <a:extLst>
-                <a:ext uri="{FF2B5EF4-FFF2-40B4-BE49-F238E27FC236}">
-                  <a16:creationId xmlns:a16="http://schemas.microsoft.com/office/drawing/2014/main" id="{070CE625-638E-D085-FAEA-696B711BC3C5}"/>
-                </a:ext>
-              </a:extLst>
-            </p:cNvPr>
-            <p:cNvSpPr/>
-            <p:nvPr/>
-          </p:nvSpPr>
-          <p:spPr>
-            <a:xfrm>
-              <a:off x="6674527" y="2187838"/>
-              <a:ext cx="2467948" cy="2332653"/>
-            </a:xfrm>
-            <a:prstGeom prst="arc">
-              <a:avLst>
-                <a:gd name="adj1" fmla="val 12872902"/>
-                <a:gd name="adj2" fmla="val 8225889"/>
-              </a:avLst>
-            </a:prstGeom>
-            <a:ln w="25400">
-              <a:tailEnd type="stealth" w="lg" len="lg"/>
-            </a:ln>
-          </p:spPr>
-          <p:style>
-            <a:lnRef idx="1">
-              <a:schemeClr val="accent1"/>
-            </a:lnRef>
-            <a:fillRef idx="0">
-              <a:schemeClr val="accent1"/>
-            </a:fillRef>
-            <a:effectRef idx="0">
-              <a:schemeClr val="accent1"/>
-            </a:effectRef>
-            <a:fontRef idx="minor">
-              <a:schemeClr val="tx1"/>
-            </a:fontRef>
-          </p:style>
-          <p:txBody>
-            <a:bodyPr rtlCol="0" anchor="ctr"/>
-            <a:lstStyle/>
-            <a:p>
-              <a:pPr algn="ctr"/>
-              <a:endParaRPr lang="en-US"/>
-            </a:p>
-          </p:txBody>
-        </p:sp>
-      </p:grpSp>
+            <a:off x="8152941" y="3430658"/>
+            <a:ext cx="683840" cy="1"/>
+          </a:xfrm>
+          <a:prstGeom prst="line">
+            <a:avLst/>
+          </a:prstGeom>
+        </p:spPr>
+        <p:style>
+          <a:lnRef idx="1">
+            <a:schemeClr val="accent4"/>
+          </a:lnRef>
+          <a:fillRef idx="0">
+            <a:schemeClr val="accent4"/>
+          </a:fillRef>
+          <a:effectRef idx="0">
+            <a:schemeClr val="accent4"/>
+          </a:effectRef>
+          <a:fontRef idx="minor">
+            <a:schemeClr val="tx1"/>
+          </a:fontRef>
+        </p:style>
+      </p:cxnSp>
+      <p:cxnSp>
+        <p:nvCxnSpPr>
+          <p:cNvPr id="13" name="Straight Connector 12">
+            <a:extLst>
+              <a:ext uri="{FF2B5EF4-FFF2-40B4-BE49-F238E27FC236}">
+                <a16:creationId xmlns:a16="http://schemas.microsoft.com/office/drawing/2014/main" id="{74E61ECF-86F3-86F3-3684-3341060CF69F}"/>
+              </a:ext>
+            </a:extLst>
+          </p:cNvPr>
+          <p:cNvCxnSpPr>
+            <a:cxnSpLocks/>
+          </p:cNvCxnSpPr>
+          <p:nvPr/>
+        </p:nvCxnSpPr>
+        <p:spPr>
+          <a:xfrm flipV="1">
+            <a:off x="8406101" y="3373307"/>
+            <a:ext cx="113670" cy="145810"/>
+          </a:xfrm>
+          <a:prstGeom prst="line">
+            <a:avLst/>
+          </a:prstGeom>
+        </p:spPr>
+        <p:style>
+          <a:lnRef idx="1">
+            <a:schemeClr val="accent4"/>
+          </a:lnRef>
+          <a:fillRef idx="0">
+            <a:schemeClr val="accent4"/>
+          </a:fillRef>
+          <a:effectRef idx="0">
+            <a:schemeClr val="accent4"/>
+          </a:effectRef>
+          <a:fontRef idx="minor">
+            <a:schemeClr val="tx1"/>
+          </a:fontRef>
+        </p:style>
+      </p:cxnSp>
+      <p:sp>
+        <p:nvSpPr>
+          <p:cNvPr id="10" name="Arc 9">
+            <a:extLst>
+              <a:ext uri="{FF2B5EF4-FFF2-40B4-BE49-F238E27FC236}">
+                <a16:creationId xmlns:a16="http://schemas.microsoft.com/office/drawing/2014/main" id="{070CE625-638E-D085-FAEA-696B711BC3C5}"/>
+              </a:ext>
+            </a:extLst>
+          </p:cNvPr>
+          <p:cNvSpPr/>
+          <p:nvPr/>
+        </p:nvSpPr>
+        <p:spPr>
+          <a:xfrm>
+            <a:off x="7549193" y="2479481"/>
+            <a:ext cx="1891337" cy="1787652"/>
+          </a:xfrm>
+          <a:prstGeom prst="arc">
+            <a:avLst>
+              <a:gd name="adj1" fmla="val 11909791"/>
+              <a:gd name="adj2" fmla="val 9248421"/>
+            </a:avLst>
+          </a:prstGeom>
+          <a:ln w="25400">
+            <a:tailEnd type="stealth" w="lg" len="lg"/>
+          </a:ln>
+        </p:spPr>
+        <p:style>
+          <a:lnRef idx="1">
+            <a:schemeClr val="accent5"/>
+          </a:lnRef>
+          <a:fillRef idx="0">
+            <a:schemeClr val="accent5"/>
+          </a:fillRef>
+          <a:effectRef idx="0">
+            <a:schemeClr val="accent5"/>
+          </a:effectRef>
+          <a:fontRef idx="minor">
+            <a:schemeClr val="tx1"/>
+          </a:fontRef>
+        </p:style>
+        <p:txBody>
+          <a:bodyPr rtlCol="0" anchor="ctr"/>
+          <a:lstStyle/>
+          <a:p>
+            <a:pPr algn="ctr"/>
+            <a:endParaRPr lang="en-US"/>
+          </a:p>
+        </p:txBody>
+      </p:sp>
       <p:sp>
         <p:nvSpPr>
           <p:cNvPr id="7" name="Rectangle 6">
@@ -42222,13 +42176,13 @@
         </p:spPr>
         <p:style>
           <a:lnRef idx="2">
-            <a:schemeClr val="accent1"/>
+            <a:schemeClr val="accent2"/>
           </a:lnRef>
           <a:fillRef idx="1">
             <a:schemeClr val="lt1"/>
           </a:fillRef>
           <a:effectRef idx="0">
-            <a:schemeClr val="accent1"/>
+            <a:schemeClr val="accent2"/>
           </a:effectRef>
           <a:fontRef idx="minor">
             <a:schemeClr val="dk1"/>
@@ -42276,13 +42230,13 @@
         </p:spPr>
         <p:style>
           <a:lnRef idx="2">
-            <a:schemeClr val="accent1"/>
+            <a:schemeClr val="accent2"/>
           </a:lnRef>
           <a:fillRef idx="1">
             <a:schemeClr val="lt1"/>
           </a:fillRef>
           <a:effectRef idx="0">
-            <a:schemeClr val="accent1"/>
+            <a:schemeClr val="accent2"/>
           </a:effectRef>
           <a:fontRef idx="minor">
             <a:schemeClr val="dk1"/>
@@ -42330,13 +42284,13 @@
         </p:spPr>
         <p:style>
           <a:lnRef idx="2">
-            <a:schemeClr val="accent1"/>
+            <a:schemeClr val="accent2"/>
           </a:lnRef>
           <a:fillRef idx="1">
             <a:schemeClr val="lt1"/>
           </a:fillRef>
           <a:effectRef idx="0">
-            <a:schemeClr val="accent1"/>
+            <a:schemeClr val="accent2"/>
           </a:effectRef>
           <a:fontRef idx="minor">
             <a:schemeClr val="dk1"/>
@@ -42454,7 +42408,7 @@
         </p:nvSpPr>
         <p:spPr>
           <a:xfrm>
-            <a:off x="-106322" y="3288533"/>
+            <a:off x="233306" y="3288533"/>
             <a:ext cx="827153" cy="215444"/>
           </a:xfrm>
           <a:prstGeom prst="rect">
@@ -42507,7 +42461,7 @@
         </p:nvCxnSpPr>
         <p:spPr>
           <a:xfrm>
-            <a:off x="934696" y="3423593"/>
+            <a:off x="1185921" y="3434715"/>
             <a:ext cx="896407" cy="0"/>
           </a:xfrm>
           <a:prstGeom prst="straightConnector1">
@@ -42546,7 +42500,7 @@
         </p:nvSpPr>
         <p:spPr>
           <a:xfrm>
-            <a:off x="4381099" y="4966545"/>
+            <a:off x="3800367" y="4307531"/>
             <a:ext cx="827153" cy="215444"/>
           </a:xfrm>
           <a:prstGeom prst="rect">
@@ -42585,28 +42539,31 @@
           </a:p>
         </p:txBody>
       </p:sp>
-      <p:cxnSp>
-        <p:nvCxnSpPr>
-          <p:cNvPr id="6" name="Straight Arrow Connector 5">
+      <p:sp>
+        <p:nvSpPr>
+          <p:cNvPr id="21" name="Arc 20">
             <a:extLst>
               <a:ext uri="{FF2B5EF4-FFF2-40B4-BE49-F238E27FC236}">
-                <a16:creationId xmlns:a16="http://schemas.microsoft.com/office/drawing/2014/main" id="{C755B294-CDF8-93A4-E147-FF714C150828}"/>
+                <a16:creationId xmlns:a16="http://schemas.microsoft.com/office/drawing/2014/main" id="{D22EAD7C-77C6-1F4B-691C-E320CCBA0B66}"/>
               </a:ext>
             </a:extLst>
           </p:cNvPr>
-          <p:cNvCxnSpPr/>
+          <p:cNvSpPr/>
           <p:nvPr/>
-        </p:nvCxnSpPr>
-        <p:spPr>
-          <a:xfrm>
-            <a:off x="4595237" y="4914399"/>
-            <a:ext cx="896407" cy="0"/>
-          </a:xfrm>
-          <a:prstGeom prst="straightConnector1">
-            <a:avLst/>
+        </p:nvSpPr>
+        <p:spPr>
+          <a:xfrm flipV="1">
+            <a:off x="2591182" y="3288533"/>
+            <a:ext cx="4645856" cy="999798"/>
+          </a:xfrm>
+          <a:prstGeom prst="arc">
+            <a:avLst>
+              <a:gd name="adj1" fmla="val 10929914"/>
+              <a:gd name="adj2" fmla="val 21541805"/>
+            </a:avLst>
           </a:prstGeom>
           <a:ln w="25400">
-            <a:tailEnd type="stealth" w="lg" len="med"/>
+            <a:tailEnd type="stealth" w="lg" len="lg"/>
           </a:ln>
         </p:spPr>
         <p:style>
@@ -42623,7 +42580,15 @@
             <a:schemeClr val="tx1"/>
           </a:fontRef>
         </p:style>
-      </p:cxnSp>
+        <p:txBody>
+          <a:bodyPr rtlCol="0" anchor="ctr"/>
+          <a:lstStyle/>
+          <a:p>
+            <a:pPr algn="ctr"/>
+            <a:endParaRPr lang="en-US"/>
+          </a:p>
+        </p:txBody>
+      </p:sp>
     </p:spTree>
     <p:extLst>
       <p:ext uri="{BB962C8B-B14F-4D97-AF65-F5344CB8AC3E}">
@@ -42668,8 +42633,8 @@
         </p:nvSpPr>
         <p:spPr>
           <a:xfrm>
-            <a:off x="1255923" y="2159305"/>
-            <a:ext cx="3538753" cy="2566930"/>
+            <a:off x="1557381" y="2159306"/>
+            <a:ext cx="3240000" cy="2520000"/>
           </a:xfrm>
           <a:prstGeom prst="rect">
             <a:avLst/>
@@ -42678,13 +42643,13 @@
         </p:spPr>
         <p:style>
           <a:lnRef idx="2">
-            <a:schemeClr val="accent2"/>
+            <a:schemeClr val="dk1"/>
           </a:lnRef>
           <a:fillRef idx="1">
             <a:schemeClr val="lt1"/>
           </a:fillRef>
           <a:effectRef idx="0">
-            <a:schemeClr val="accent2"/>
+            <a:schemeClr val="dk1"/>
           </a:effectRef>
           <a:fontRef idx="minor">
             <a:schemeClr val="dk1"/>
@@ -42723,7 +42688,7 @@
         <p:spPr>
           <a:xfrm>
             <a:off x="5177928" y="2159306"/>
-            <a:ext cx="4384713" cy="2566930"/>
+            <a:ext cx="4320000" cy="2520000"/>
           </a:xfrm>
           <a:prstGeom prst="rect">
             <a:avLst/>
@@ -42732,13 +42697,13 @@
         </p:spPr>
         <p:style>
           <a:lnRef idx="2">
-            <a:schemeClr val="accent2"/>
+            <a:schemeClr val="dk1"/>
           </a:lnRef>
           <a:fillRef idx="1">
             <a:schemeClr val="lt1"/>
           </a:fillRef>
           <a:effectRef idx="0">
-            <a:schemeClr val="accent2"/>
+            <a:schemeClr val="dk1"/>
           </a:effectRef>
           <a:fontRef idx="minor">
             <a:schemeClr val="dk1"/>
@@ -42799,56 +42764,6 @@
       </p:pic>
       <p:sp>
         <p:nvSpPr>
-          <p:cNvPr id="10" name="Arc 9">
-            <a:extLst>
-              <a:ext uri="{FF2B5EF4-FFF2-40B4-BE49-F238E27FC236}">
-                <a16:creationId xmlns:a16="http://schemas.microsoft.com/office/drawing/2014/main" id="{070CE625-638E-D085-FAEA-696B711BC3C5}"/>
-              </a:ext>
-            </a:extLst>
-          </p:cNvPr>
-          <p:cNvSpPr/>
-          <p:nvPr/>
-        </p:nvSpPr>
-        <p:spPr>
-          <a:xfrm>
-            <a:off x="2049136" y="2556600"/>
-            <a:ext cx="5496491" cy="1787652"/>
-          </a:xfrm>
-          <a:prstGeom prst="arc">
-            <a:avLst>
-              <a:gd name="adj1" fmla="val 11979648"/>
-              <a:gd name="adj2" fmla="val 9567484"/>
-            </a:avLst>
-          </a:prstGeom>
-          <a:ln w="25400">
-            <a:tailEnd type="stealth" w="lg" len="lg"/>
-          </a:ln>
-        </p:spPr>
-        <p:style>
-          <a:lnRef idx="1">
-            <a:schemeClr val="accent1"/>
-          </a:lnRef>
-          <a:fillRef idx="0">
-            <a:schemeClr val="accent1"/>
-          </a:fillRef>
-          <a:effectRef idx="0">
-            <a:schemeClr val="accent1"/>
-          </a:effectRef>
-          <a:fontRef idx="minor">
-            <a:schemeClr val="tx1"/>
-          </a:fontRef>
-        </p:style>
-        <p:txBody>
-          <a:bodyPr rtlCol="0" anchor="ctr"/>
-          <a:lstStyle/>
-          <a:p>
-            <a:pPr algn="ctr"/>
-            <a:endParaRPr lang="en-US"/>
-          </a:p>
-        </p:txBody>
-      </p:sp>
-      <p:sp>
-        <p:nvSpPr>
           <p:cNvPr id="7" name="Rectangle 6">
             <a:extLst>
               <a:ext uri="{FF2B5EF4-FFF2-40B4-BE49-F238E27FC236}">
@@ -42871,13 +42786,13 @@
         </p:spPr>
         <p:style>
           <a:lnRef idx="2">
-            <a:schemeClr val="accent1"/>
+            <a:schemeClr val="accent2"/>
           </a:lnRef>
           <a:fillRef idx="1">
             <a:schemeClr val="lt1"/>
           </a:fillRef>
           <a:effectRef idx="0">
-            <a:schemeClr val="accent1"/>
+            <a:schemeClr val="accent2"/>
           </a:effectRef>
           <a:fontRef idx="minor">
             <a:schemeClr val="dk1"/>
@@ -42925,13 +42840,13 @@
         </p:spPr>
         <p:style>
           <a:lnRef idx="2">
-            <a:schemeClr val="accent1"/>
+            <a:schemeClr val="accent2"/>
           </a:lnRef>
           <a:fillRef idx="1">
             <a:schemeClr val="lt1"/>
           </a:fillRef>
           <a:effectRef idx="0">
-            <a:schemeClr val="accent1"/>
+            <a:schemeClr val="accent2"/>
           </a:effectRef>
           <a:fontRef idx="minor">
             <a:schemeClr val="dk1"/>
@@ -42979,13 +42894,13 @@
         </p:spPr>
         <p:style>
           <a:lnRef idx="2">
-            <a:schemeClr val="accent1"/>
+            <a:schemeClr val="accent2"/>
           </a:lnRef>
           <a:fillRef idx="1">
             <a:schemeClr val="lt1"/>
           </a:fillRef>
           <a:effectRef idx="0">
-            <a:schemeClr val="accent1"/>
+            <a:schemeClr val="accent2"/>
           </a:effectRef>
           <a:fontRef idx="minor">
             <a:schemeClr val="dk1"/>
@@ -43165,10 +43080,60 @@
       </p:cxnSp>
       <p:sp>
         <p:nvSpPr>
-          <p:cNvPr id="2" name="TextBox 1">
+          <p:cNvPr id="4" name="Arc 3">
             <a:extLst>
               <a:ext uri="{FF2B5EF4-FFF2-40B4-BE49-F238E27FC236}">
-                <a16:creationId xmlns:a16="http://schemas.microsoft.com/office/drawing/2014/main" id="{8935B3F9-1C4A-94EF-1AF7-870411A287A3}"/>
+                <a16:creationId xmlns:a16="http://schemas.microsoft.com/office/drawing/2014/main" id="{6B8D8C81-A6F8-CF03-269D-D5445F2E07C7}"/>
+              </a:ext>
+            </a:extLst>
+          </p:cNvPr>
+          <p:cNvSpPr/>
+          <p:nvPr/>
+        </p:nvSpPr>
+        <p:spPr>
+          <a:xfrm>
+            <a:off x="2484408" y="2556600"/>
+            <a:ext cx="5061219" cy="1787652"/>
+          </a:xfrm>
+          <a:prstGeom prst="arc">
+            <a:avLst>
+              <a:gd name="adj1" fmla="val 11425362"/>
+              <a:gd name="adj2" fmla="val 10286630"/>
+            </a:avLst>
+          </a:prstGeom>
+          <a:ln w="25400">
+            <a:tailEnd type="stealth" w="lg" len="lg"/>
+          </a:ln>
+        </p:spPr>
+        <p:style>
+          <a:lnRef idx="1">
+            <a:schemeClr val="accent5"/>
+          </a:lnRef>
+          <a:fillRef idx="0">
+            <a:schemeClr val="accent5"/>
+          </a:fillRef>
+          <a:effectRef idx="0">
+            <a:schemeClr val="accent5"/>
+          </a:effectRef>
+          <a:fontRef idx="minor">
+            <a:schemeClr val="tx1"/>
+          </a:fontRef>
+        </p:style>
+        <p:txBody>
+          <a:bodyPr rtlCol="0" anchor="ctr"/>
+          <a:lstStyle/>
+          <a:p>
+            <a:pPr algn="ctr"/>
+            <a:endParaRPr lang="en-US"/>
+          </a:p>
+        </p:txBody>
+      </p:sp>
+      <p:sp>
+        <p:nvSpPr>
+          <p:cNvPr id="5" name="TextBox 4">
+            <a:extLst>
+              <a:ext uri="{FF2B5EF4-FFF2-40B4-BE49-F238E27FC236}">
+                <a16:creationId xmlns:a16="http://schemas.microsoft.com/office/drawing/2014/main" id="{2D4E17C7-FD5B-EEB8-4428-62D77D76F53B}"/>
               </a:ext>
             </a:extLst>
           </p:cNvPr>
@@ -43177,7 +43142,7 @@
         </p:nvSpPr>
         <p:spPr>
           <a:xfrm>
-            <a:off x="-106322" y="3288533"/>
+            <a:off x="233306" y="3288533"/>
             <a:ext cx="827153" cy="215444"/>
           </a:xfrm>
           <a:prstGeom prst="rect">
@@ -43218,10 +43183,10 @@
       </p:sp>
       <p:cxnSp>
         <p:nvCxnSpPr>
-          <p:cNvPr id="3" name="Straight Arrow Connector 2">
+          <p:cNvPr id="6" name="Straight Arrow Connector 5">
             <a:extLst>
               <a:ext uri="{FF2B5EF4-FFF2-40B4-BE49-F238E27FC236}">
-                <a16:creationId xmlns:a16="http://schemas.microsoft.com/office/drawing/2014/main" id="{788CC8D6-6CE4-0122-4B7C-DAD3A86919E7}"/>
+                <a16:creationId xmlns:a16="http://schemas.microsoft.com/office/drawing/2014/main" id="{29C42295-6F9A-058D-AB9B-0FEF27C7DC58}"/>
               </a:ext>
             </a:extLst>
           </p:cNvPr>
@@ -43230,7 +43195,7 @@
         </p:nvCxnSpPr>
         <p:spPr>
           <a:xfrm>
-            <a:off x="934696" y="3423593"/>
+            <a:off x="1185921" y="3434715"/>
             <a:ext cx="896407" cy="0"/>
           </a:xfrm>
           <a:prstGeom prst="straightConnector1">
@@ -43299,8 +43264,8 @@
         </p:nvSpPr>
         <p:spPr>
           <a:xfrm>
-            <a:off x="1421176" y="2145535"/>
-            <a:ext cx="5290435" cy="2566930"/>
+            <a:off x="1688119" y="2145535"/>
+            <a:ext cx="5040000" cy="2520000"/>
           </a:xfrm>
           <a:prstGeom prst="rect">
             <a:avLst/>
@@ -43309,13 +43274,13 @@
         </p:spPr>
         <p:style>
           <a:lnRef idx="2">
-            <a:schemeClr val="accent2"/>
+            <a:schemeClr val="dk1"/>
           </a:lnRef>
           <a:fillRef idx="1">
             <a:schemeClr val="lt1"/>
           </a:fillRef>
           <a:effectRef idx="0">
-            <a:schemeClr val="accent2"/>
+            <a:schemeClr val="dk1"/>
           </a:effectRef>
           <a:fontRef idx="minor">
             <a:schemeClr val="dk1"/>
@@ -43354,7 +43319,7 @@
         <p:spPr>
           <a:xfrm>
             <a:off x="7094863" y="2145536"/>
-            <a:ext cx="4384713" cy="2566930"/>
+            <a:ext cx="4320000" cy="2520000"/>
           </a:xfrm>
           <a:prstGeom prst="rect">
             <a:avLst/>
@@ -43363,13 +43328,13 @@
         </p:spPr>
         <p:style>
           <a:lnRef idx="2">
-            <a:schemeClr val="accent2"/>
+            <a:schemeClr val="dk1"/>
           </a:lnRef>
           <a:fillRef idx="1">
             <a:schemeClr val="lt1"/>
           </a:fillRef>
           <a:effectRef idx="0">
-            <a:schemeClr val="accent2"/>
+            <a:schemeClr val="dk1"/>
           </a:effectRef>
           <a:fontRef idx="minor">
             <a:schemeClr val="dk1"/>
@@ -43430,56 +43395,6 @@
       </p:pic>
       <p:sp>
         <p:nvSpPr>
-          <p:cNvPr id="10" name="Arc 9">
-            <a:extLst>
-              <a:ext uri="{FF2B5EF4-FFF2-40B4-BE49-F238E27FC236}">
-                <a16:creationId xmlns:a16="http://schemas.microsoft.com/office/drawing/2014/main" id="{070CE625-638E-D085-FAEA-696B711BC3C5}"/>
-              </a:ext>
-            </a:extLst>
-          </p:cNvPr>
-          <p:cNvSpPr/>
-          <p:nvPr/>
-        </p:nvSpPr>
-        <p:spPr>
-          <a:xfrm>
-            <a:off x="3966071" y="2542830"/>
-            <a:ext cx="5496491" cy="1787652"/>
-          </a:xfrm>
-          <a:prstGeom prst="arc">
-            <a:avLst>
-              <a:gd name="adj1" fmla="val 11979648"/>
-              <a:gd name="adj2" fmla="val 9567484"/>
-            </a:avLst>
-          </a:prstGeom>
-          <a:ln w="25400">
-            <a:tailEnd type="stealth" w="lg" len="lg"/>
-          </a:ln>
-        </p:spPr>
-        <p:style>
-          <a:lnRef idx="1">
-            <a:schemeClr val="accent1"/>
-          </a:lnRef>
-          <a:fillRef idx="0">
-            <a:schemeClr val="accent1"/>
-          </a:fillRef>
-          <a:effectRef idx="0">
-            <a:schemeClr val="accent1"/>
-          </a:effectRef>
-          <a:fontRef idx="minor">
-            <a:schemeClr val="tx1"/>
-          </a:fontRef>
-        </p:style>
-        <p:txBody>
-          <a:bodyPr rtlCol="0" anchor="ctr"/>
-          <a:lstStyle/>
-          <a:p>
-            <a:pPr algn="ctr"/>
-            <a:endParaRPr lang="en-US"/>
-          </a:p>
-        </p:txBody>
-      </p:sp>
-      <p:sp>
-        <p:nvSpPr>
           <p:cNvPr id="7" name="Rectangle 6">
             <a:extLst>
               <a:ext uri="{FF2B5EF4-FFF2-40B4-BE49-F238E27FC236}">
@@ -43502,13 +43417,13 @@
         </p:spPr>
         <p:style>
           <a:lnRef idx="2">
-            <a:schemeClr val="accent1"/>
+            <a:schemeClr val="accent2"/>
           </a:lnRef>
           <a:fillRef idx="1">
             <a:schemeClr val="lt1"/>
           </a:fillRef>
           <a:effectRef idx="0">
-            <a:schemeClr val="accent1"/>
+            <a:schemeClr val="accent2"/>
           </a:effectRef>
           <a:fontRef idx="minor">
             <a:schemeClr val="dk1"/>
@@ -43556,13 +43471,13 @@
         </p:spPr>
         <p:style>
           <a:lnRef idx="2">
-            <a:schemeClr val="accent1"/>
+            <a:schemeClr val="accent2"/>
           </a:lnRef>
           <a:fillRef idx="1">
             <a:schemeClr val="lt1"/>
           </a:fillRef>
           <a:effectRef idx="0">
-            <a:schemeClr val="accent1"/>
+            <a:schemeClr val="accent2"/>
           </a:effectRef>
           <a:fontRef idx="minor">
             <a:schemeClr val="dk1"/>
@@ -43600,7 +43515,7 @@
         </p:nvSpPr>
         <p:spPr>
           <a:xfrm>
-            <a:off x="3858937" y="2921307"/>
+            <a:off x="3896150" y="2915900"/>
             <a:ext cx="1637489" cy="1015386"/>
           </a:xfrm>
           <a:prstGeom prst="rect">
@@ -43610,13 +43525,13 @@
         </p:spPr>
         <p:style>
           <a:lnRef idx="2">
-            <a:schemeClr val="accent1"/>
+            <a:schemeClr val="accent2"/>
           </a:lnRef>
           <a:fillRef idx="1">
             <a:schemeClr val="lt1"/>
           </a:fillRef>
           <a:effectRef idx="0">
-            <a:schemeClr val="accent1"/>
+            <a:schemeClr val="accent2"/>
           </a:effectRef>
           <a:fontRef idx="minor">
             <a:schemeClr val="dk1"/>
@@ -43808,7 +43723,7 @@
         </p:nvSpPr>
         <p:spPr>
           <a:xfrm>
-            <a:off x="1910693" y="2917898"/>
+            <a:off x="1972609" y="2915900"/>
             <a:ext cx="1637489" cy="1015386"/>
           </a:xfrm>
           <a:prstGeom prst="rect">
@@ -43818,13 +43733,13 @@
         </p:spPr>
         <p:style>
           <a:lnRef idx="2">
-            <a:schemeClr val="accent1"/>
+            <a:schemeClr val="accent2"/>
           </a:lnRef>
           <a:fillRef idx="1">
             <a:schemeClr val="lt1"/>
           </a:fillRef>
           <a:effectRef idx="0">
-            <a:schemeClr val="accent1"/>
+            <a:schemeClr val="accent2"/>
           </a:effectRef>
           <a:fontRef idx="minor">
             <a:schemeClr val="dk1"/>
@@ -43848,98 +43763,6 @@
           </a:p>
         </p:txBody>
       </p:sp>
-      <p:sp>
-        <p:nvSpPr>
-          <p:cNvPr id="9" name="TextBox 8">
-            <a:extLst>
-              <a:ext uri="{FF2B5EF4-FFF2-40B4-BE49-F238E27FC236}">
-                <a16:creationId xmlns:a16="http://schemas.microsoft.com/office/drawing/2014/main" id="{C1612016-8035-FD67-2BBA-1979063563E8}"/>
-              </a:ext>
-            </a:extLst>
-          </p:cNvPr>
-          <p:cNvSpPr txBox="1"/>
-          <p:nvPr/>
-        </p:nvSpPr>
-        <p:spPr>
-          <a:xfrm>
-            <a:off x="0" y="3288533"/>
-            <a:ext cx="720832" cy="215444"/>
-          </a:xfrm>
-          <a:prstGeom prst="rect">
-            <a:avLst/>
-          </a:prstGeom>
-          <a:noFill/>
-        </p:spPr>
-        <p:txBody>
-          <a:bodyPr vert="horz" wrap="square" lIns="0" tIns="0" rIns="0" bIns="0" numCol="1" spcCol="288000" rtlCol="0" anchor="t" anchorCtr="0">
-            <a:spAutoFit/>
-          </a:bodyPr>
-          <a:lstStyle/>
-          <a:p>
-            <a:pPr algn="r">
-              <a:spcBef>
-                <a:spcPts val="0"/>
-              </a:spcBef>
-              <a:spcAft>
-                <a:spcPts val="600"/>
-              </a:spcAft>
-            </a:pPr>
-            <a:r>
-              <a:rPr lang="en-US" sz="1400" b="0" i="0" spc="0" dirty="0">
-                <a:ln>
-                  <a:noFill/>
-                </a:ln>
-                <a:solidFill>
-                  <a:schemeClr val="tx2"/>
-                </a:solidFill>
-                <a:latin typeface="Source Sans Pro Light" charset="0"/>
-                <a:ea typeface="Source Sans Pro Light" charset="0"/>
-                <a:cs typeface="Source Sans Pro Light" charset="0"/>
-              </a:rPr>
-              <a:t>Drawings </a:t>
-            </a:r>
-          </a:p>
-        </p:txBody>
-      </p:sp>
-      <p:cxnSp>
-        <p:nvCxnSpPr>
-          <p:cNvPr id="12" name="Straight Arrow Connector 11">
-            <a:extLst>
-              <a:ext uri="{FF2B5EF4-FFF2-40B4-BE49-F238E27FC236}">
-                <a16:creationId xmlns:a16="http://schemas.microsoft.com/office/drawing/2014/main" id="{18E49BAF-41A5-1AF0-1587-F3A4FEC1AA83}"/>
-              </a:ext>
-            </a:extLst>
-          </p:cNvPr>
-          <p:cNvCxnSpPr/>
-          <p:nvPr/>
-        </p:nvCxnSpPr>
-        <p:spPr>
-          <a:xfrm>
-            <a:off x="934696" y="3423593"/>
-            <a:ext cx="896407" cy="0"/>
-          </a:xfrm>
-          <a:prstGeom prst="straightConnector1">
-            <a:avLst/>
-          </a:prstGeom>
-          <a:ln w="25400">
-            <a:tailEnd type="stealth" w="lg" len="med"/>
-          </a:ln>
-        </p:spPr>
-        <p:style>
-          <a:lnRef idx="1">
-            <a:schemeClr val="accent1"/>
-          </a:lnRef>
-          <a:fillRef idx="0">
-            <a:schemeClr val="accent1"/>
-          </a:fillRef>
-          <a:effectRef idx="0">
-            <a:schemeClr val="accent1"/>
-          </a:effectRef>
-          <a:fontRef idx="minor">
-            <a:schemeClr val="tx1"/>
-          </a:fontRef>
-        </p:style>
-      </p:cxnSp>
       <p:sp>
         <p:nvSpPr>
           <p:cNvPr id="13" name="Arc 12">
@@ -43956,7 +43779,7 @@
         </p:nvSpPr>
         <p:spPr>
           <a:xfrm>
-            <a:off x="3343714" y="3159565"/>
+            <a:off x="3463239" y="3124761"/>
             <a:ext cx="659970" cy="623790"/>
           </a:xfrm>
           <a:prstGeom prst="arc">
@@ -44042,6 +43865,148 @@
               </a:rPr>
               <a:t>Flush </a:t>
             </a:r>
+          </a:p>
+        </p:txBody>
+      </p:sp>
+      <p:sp>
+        <p:nvSpPr>
+          <p:cNvPr id="4" name="TextBox 3">
+            <a:extLst>
+              <a:ext uri="{FF2B5EF4-FFF2-40B4-BE49-F238E27FC236}">
+                <a16:creationId xmlns:a16="http://schemas.microsoft.com/office/drawing/2014/main" id="{73D467BE-EAAE-BEDA-31FB-692C905BBC9A}"/>
+              </a:ext>
+            </a:extLst>
+          </p:cNvPr>
+          <p:cNvSpPr txBox="1"/>
+          <p:nvPr/>
+        </p:nvSpPr>
+        <p:spPr>
+          <a:xfrm>
+            <a:off x="233306" y="3288533"/>
+            <a:ext cx="827153" cy="215444"/>
+          </a:xfrm>
+          <a:prstGeom prst="rect">
+            <a:avLst/>
+          </a:prstGeom>
+          <a:noFill/>
+        </p:spPr>
+        <p:txBody>
+          <a:bodyPr vert="horz" wrap="square" lIns="0" tIns="0" rIns="0" bIns="0" numCol="1" spcCol="288000" rtlCol="0" anchor="t" anchorCtr="0">
+            <a:spAutoFit/>
+          </a:bodyPr>
+          <a:lstStyle/>
+          <a:p>
+            <a:pPr algn="r">
+              <a:spcBef>
+                <a:spcPts val="0"/>
+              </a:spcBef>
+              <a:spcAft>
+                <a:spcPts val="600"/>
+              </a:spcAft>
+            </a:pPr>
+            <a:r>
+              <a:rPr lang="en-US" sz="1400" b="0" i="0" spc="0" dirty="0">
+                <a:ln>
+                  <a:noFill/>
+                </a:ln>
+                <a:solidFill>
+                  <a:schemeClr val="tx2"/>
+                </a:solidFill>
+                <a:latin typeface="Source Sans Pro Light" charset="0"/>
+                <a:ea typeface="Source Sans Pro Light" charset="0"/>
+                <a:cs typeface="Source Sans Pro Light" charset="0"/>
+              </a:rPr>
+              <a:t>Drawings </a:t>
+            </a:r>
+          </a:p>
+        </p:txBody>
+      </p:sp>
+      <p:cxnSp>
+        <p:nvCxnSpPr>
+          <p:cNvPr id="5" name="Straight Arrow Connector 4">
+            <a:extLst>
+              <a:ext uri="{FF2B5EF4-FFF2-40B4-BE49-F238E27FC236}">
+                <a16:creationId xmlns:a16="http://schemas.microsoft.com/office/drawing/2014/main" id="{1134FA24-6B30-7B71-859F-2762DE0E1003}"/>
+              </a:ext>
+            </a:extLst>
+          </p:cNvPr>
+          <p:cNvCxnSpPr/>
+          <p:nvPr/>
+        </p:nvCxnSpPr>
+        <p:spPr>
+          <a:xfrm>
+            <a:off x="1185921" y="3434715"/>
+            <a:ext cx="896407" cy="0"/>
+          </a:xfrm>
+          <a:prstGeom prst="straightConnector1">
+            <a:avLst/>
+          </a:prstGeom>
+          <a:ln w="25400">
+            <a:tailEnd type="stealth" w="lg" len="med"/>
+          </a:ln>
+        </p:spPr>
+        <p:style>
+          <a:lnRef idx="1">
+            <a:schemeClr val="accent1"/>
+          </a:lnRef>
+          <a:fillRef idx="0">
+            <a:schemeClr val="accent1"/>
+          </a:fillRef>
+          <a:effectRef idx="0">
+            <a:schemeClr val="accent1"/>
+          </a:effectRef>
+          <a:fontRef idx="minor">
+            <a:schemeClr val="tx1"/>
+          </a:fontRef>
+        </p:style>
+      </p:cxnSp>
+      <p:sp>
+        <p:nvSpPr>
+          <p:cNvPr id="6" name="Arc 5">
+            <a:extLst>
+              <a:ext uri="{FF2B5EF4-FFF2-40B4-BE49-F238E27FC236}">
+                <a16:creationId xmlns:a16="http://schemas.microsoft.com/office/drawing/2014/main" id="{742B6BE4-1589-4151-5B25-BD1307114AEF}"/>
+              </a:ext>
+            </a:extLst>
+          </p:cNvPr>
+          <p:cNvSpPr/>
+          <p:nvPr/>
+        </p:nvSpPr>
+        <p:spPr>
+          <a:xfrm>
+            <a:off x="4564253" y="2547319"/>
+            <a:ext cx="5061219" cy="1787652"/>
+          </a:xfrm>
+          <a:prstGeom prst="arc">
+            <a:avLst>
+              <a:gd name="adj1" fmla="val 11425362"/>
+              <a:gd name="adj2" fmla="val 10286630"/>
+            </a:avLst>
+          </a:prstGeom>
+          <a:ln w="25400">
+            <a:tailEnd type="stealth" w="lg" len="lg"/>
+          </a:ln>
+        </p:spPr>
+        <p:style>
+          <a:lnRef idx="1">
+            <a:schemeClr val="accent5"/>
+          </a:lnRef>
+          <a:fillRef idx="0">
+            <a:schemeClr val="accent5"/>
+          </a:fillRef>
+          <a:effectRef idx="0">
+            <a:schemeClr val="accent5"/>
+          </a:effectRef>
+          <a:fontRef idx="minor">
+            <a:schemeClr val="tx1"/>
+          </a:fontRef>
+        </p:style>
+        <p:txBody>
+          <a:bodyPr rtlCol="0" anchor="ctr"/>
+          <a:lstStyle/>
+          <a:p>
+            <a:pPr algn="ctr"/>
+            <a:endParaRPr lang="en-US"/>
           </a:p>
         </p:txBody>
       </p:sp>
@@ -44089,8 +44054,8 @@
         </p:nvSpPr>
         <p:spPr>
           <a:xfrm>
-            <a:off x="1421176" y="2145534"/>
-            <a:ext cx="5290435" cy="3770519"/>
+            <a:off x="1670207" y="2185647"/>
+            <a:ext cx="5040000" cy="3420000"/>
           </a:xfrm>
           <a:prstGeom prst="rect">
             <a:avLst/>
@@ -44099,13 +44064,13 @@
         </p:spPr>
         <p:style>
           <a:lnRef idx="2">
-            <a:schemeClr val="accent2"/>
+            <a:schemeClr val="dk1"/>
           </a:lnRef>
           <a:fillRef idx="1">
             <a:schemeClr val="lt1"/>
           </a:fillRef>
           <a:effectRef idx="0">
-            <a:schemeClr val="accent2"/>
+            <a:schemeClr val="dk1"/>
           </a:effectRef>
           <a:fontRef idx="minor">
             <a:schemeClr val="dk1"/>
@@ -44143,8 +44108,8 @@
         </p:nvSpPr>
         <p:spPr>
           <a:xfrm>
-            <a:off x="7094863" y="2145536"/>
-            <a:ext cx="4384713" cy="2566930"/>
+            <a:off x="7098803" y="2185647"/>
+            <a:ext cx="4320000" cy="3420000"/>
           </a:xfrm>
           <a:prstGeom prst="rect">
             <a:avLst/>
@@ -44153,13 +44118,13 @@
         </p:spPr>
         <p:style>
           <a:lnRef idx="2">
-            <a:schemeClr val="accent2"/>
+            <a:schemeClr val="dk1"/>
           </a:lnRef>
           <a:fillRef idx="1">
             <a:schemeClr val="lt1"/>
           </a:fillRef>
           <a:effectRef idx="0">
-            <a:schemeClr val="accent2"/>
+            <a:schemeClr val="dk1"/>
           </a:effectRef>
           <a:fontRef idx="minor">
             <a:schemeClr val="dk1"/>
@@ -44220,56 +44185,6 @@
       </p:pic>
       <p:sp>
         <p:nvSpPr>
-          <p:cNvPr id="10" name="Arc 9">
-            <a:extLst>
-              <a:ext uri="{FF2B5EF4-FFF2-40B4-BE49-F238E27FC236}">
-                <a16:creationId xmlns:a16="http://schemas.microsoft.com/office/drawing/2014/main" id="{070CE625-638E-D085-FAEA-696B711BC3C5}"/>
-              </a:ext>
-            </a:extLst>
-          </p:cNvPr>
-          <p:cNvSpPr/>
-          <p:nvPr/>
-        </p:nvSpPr>
-        <p:spPr>
-          <a:xfrm>
-            <a:off x="3966071" y="2542830"/>
-            <a:ext cx="5496491" cy="1787652"/>
-          </a:xfrm>
-          <a:prstGeom prst="arc">
-            <a:avLst>
-              <a:gd name="adj1" fmla="val 11979648"/>
-              <a:gd name="adj2" fmla="val 9567484"/>
-            </a:avLst>
-          </a:prstGeom>
-          <a:ln w="25400">
-            <a:tailEnd type="stealth" w="lg" len="lg"/>
-          </a:ln>
-        </p:spPr>
-        <p:style>
-          <a:lnRef idx="1">
-            <a:schemeClr val="accent1"/>
-          </a:lnRef>
-          <a:fillRef idx="0">
-            <a:schemeClr val="accent1"/>
-          </a:fillRef>
-          <a:effectRef idx="0">
-            <a:schemeClr val="accent1"/>
-          </a:effectRef>
-          <a:fontRef idx="minor">
-            <a:schemeClr val="tx1"/>
-          </a:fontRef>
-        </p:style>
-        <p:txBody>
-          <a:bodyPr rtlCol="0" anchor="ctr"/>
-          <a:lstStyle/>
-          <a:p>
-            <a:pPr algn="ctr"/>
-            <a:endParaRPr lang="en-US"/>
-          </a:p>
-        </p:txBody>
-      </p:sp>
-      <p:sp>
-        <p:nvSpPr>
           <p:cNvPr id="7" name="Rectangle 6">
             <a:extLst>
               <a:ext uri="{FF2B5EF4-FFF2-40B4-BE49-F238E27FC236}">
@@ -44292,13 +44207,13 @@
         </p:spPr>
         <p:style>
           <a:lnRef idx="2">
-            <a:schemeClr val="accent1"/>
+            <a:schemeClr val="accent2"/>
           </a:lnRef>
           <a:fillRef idx="1">
             <a:schemeClr val="lt1"/>
           </a:fillRef>
           <a:effectRef idx="0">
-            <a:schemeClr val="accent1"/>
+            <a:schemeClr val="accent2"/>
           </a:effectRef>
           <a:fontRef idx="minor">
             <a:schemeClr val="dk1"/>
@@ -44346,13 +44261,13 @@
         </p:spPr>
         <p:style>
           <a:lnRef idx="2">
-            <a:schemeClr val="accent1"/>
+            <a:schemeClr val="accent2"/>
           </a:lnRef>
           <a:fillRef idx="1">
             <a:schemeClr val="lt1"/>
           </a:fillRef>
           <a:effectRef idx="0">
-            <a:schemeClr val="accent1"/>
+            <a:schemeClr val="accent2"/>
           </a:effectRef>
           <a:fontRef idx="minor">
             <a:schemeClr val="dk1"/>
@@ -44390,7 +44305,7 @@
         </p:nvSpPr>
         <p:spPr>
           <a:xfrm>
-            <a:off x="3858937" y="2921307"/>
+            <a:off x="3847241" y="2924355"/>
             <a:ext cx="1637489" cy="1015386"/>
           </a:xfrm>
           <a:prstGeom prst="rect">
@@ -44400,13 +44315,13 @@
         </p:spPr>
         <p:style>
           <a:lnRef idx="2">
-            <a:schemeClr val="accent1"/>
+            <a:schemeClr val="accent2"/>
           </a:lnRef>
           <a:fillRef idx="1">
             <a:schemeClr val="lt1"/>
           </a:fillRef>
           <a:effectRef idx="0">
-            <a:schemeClr val="accent1"/>
+            <a:schemeClr val="accent2"/>
           </a:effectRef>
           <a:fontRef idx="minor">
             <a:schemeClr val="dk1"/>
@@ -44598,7 +44513,7 @@
         </p:nvSpPr>
         <p:spPr>
           <a:xfrm>
-            <a:off x="1910693" y="2917898"/>
+            <a:off x="1898997" y="2920946"/>
             <a:ext cx="1637489" cy="1015386"/>
           </a:xfrm>
           <a:prstGeom prst="rect">
@@ -44608,13 +44523,13 @@
         </p:spPr>
         <p:style>
           <a:lnRef idx="2">
-            <a:schemeClr val="accent1"/>
+            <a:schemeClr val="accent2"/>
           </a:lnRef>
           <a:fillRef idx="1">
             <a:schemeClr val="lt1"/>
           </a:fillRef>
           <a:effectRef idx="0">
-            <a:schemeClr val="accent1"/>
+            <a:schemeClr val="accent2"/>
           </a:effectRef>
           <a:fontRef idx="minor">
             <a:schemeClr val="dk1"/>
@@ -44640,98 +44555,6 @@
       </p:sp>
       <p:sp>
         <p:nvSpPr>
-          <p:cNvPr id="9" name="TextBox 8">
-            <a:extLst>
-              <a:ext uri="{FF2B5EF4-FFF2-40B4-BE49-F238E27FC236}">
-                <a16:creationId xmlns:a16="http://schemas.microsoft.com/office/drawing/2014/main" id="{C1612016-8035-FD67-2BBA-1979063563E8}"/>
-              </a:ext>
-            </a:extLst>
-          </p:cNvPr>
-          <p:cNvSpPr txBox="1"/>
-          <p:nvPr/>
-        </p:nvSpPr>
-        <p:spPr>
-          <a:xfrm>
-            <a:off x="-106322" y="3288533"/>
-            <a:ext cx="827153" cy="215444"/>
-          </a:xfrm>
-          <a:prstGeom prst="rect">
-            <a:avLst/>
-          </a:prstGeom>
-          <a:noFill/>
-        </p:spPr>
-        <p:txBody>
-          <a:bodyPr vert="horz" wrap="square" lIns="0" tIns="0" rIns="0" bIns="0" numCol="1" spcCol="288000" rtlCol="0" anchor="t" anchorCtr="0">
-            <a:spAutoFit/>
-          </a:bodyPr>
-          <a:lstStyle/>
-          <a:p>
-            <a:pPr algn="r">
-              <a:spcBef>
-                <a:spcPts val="0"/>
-              </a:spcBef>
-              <a:spcAft>
-                <a:spcPts val="600"/>
-              </a:spcAft>
-            </a:pPr>
-            <a:r>
-              <a:rPr lang="en-US" sz="1400" b="0" i="0" spc="0" dirty="0">
-                <a:ln>
-                  <a:noFill/>
-                </a:ln>
-                <a:solidFill>
-                  <a:schemeClr val="tx2"/>
-                </a:solidFill>
-                <a:latin typeface="Source Sans Pro Light" charset="0"/>
-                <a:ea typeface="Source Sans Pro Light" charset="0"/>
-                <a:cs typeface="Source Sans Pro Light" charset="0"/>
-              </a:rPr>
-              <a:t>Drawings </a:t>
-            </a:r>
-          </a:p>
-        </p:txBody>
-      </p:sp>
-      <p:cxnSp>
-        <p:nvCxnSpPr>
-          <p:cNvPr id="12" name="Straight Arrow Connector 11">
-            <a:extLst>
-              <a:ext uri="{FF2B5EF4-FFF2-40B4-BE49-F238E27FC236}">
-                <a16:creationId xmlns:a16="http://schemas.microsoft.com/office/drawing/2014/main" id="{18E49BAF-41A5-1AF0-1587-F3A4FEC1AA83}"/>
-              </a:ext>
-            </a:extLst>
-          </p:cNvPr>
-          <p:cNvCxnSpPr/>
-          <p:nvPr/>
-        </p:nvCxnSpPr>
-        <p:spPr>
-          <a:xfrm>
-            <a:off x="934696" y="3423593"/>
-            <a:ext cx="896407" cy="0"/>
-          </a:xfrm>
-          <a:prstGeom prst="straightConnector1">
-            <a:avLst/>
-          </a:prstGeom>
-          <a:ln w="25400">
-            <a:tailEnd type="stealth" w="lg" len="med"/>
-          </a:ln>
-        </p:spPr>
-        <p:style>
-          <a:lnRef idx="1">
-            <a:schemeClr val="accent1"/>
-          </a:lnRef>
-          <a:fillRef idx="0">
-            <a:schemeClr val="accent1"/>
-          </a:fillRef>
-          <a:effectRef idx="0">
-            <a:schemeClr val="accent1"/>
-          </a:effectRef>
-          <a:fontRef idx="minor">
-            <a:schemeClr val="tx1"/>
-          </a:fontRef>
-        </p:style>
-      </p:cxnSp>
-      <p:sp>
-        <p:nvSpPr>
           <p:cNvPr id="13" name="Rectangle 12">
             <a:extLst>
               <a:ext uri="{FF2B5EF4-FFF2-40B4-BE49-F238E27FC236}">
@@ -44744,7 +44567,7 @@
         </p:nvSpPr>
         <p:spPr>
           <a:xfrm>
-            <a:off x="2938382" y="4197955"/>
+            <a:off x="2926686" y="4201003"/>
             <a:ext cx="1637489" cy="1015386"/>
           </a:xfrm>
           <a:prstGeom prst="rect">
@@ -44754,13 +44577,13 @@
         </p:spPr>
         <p:style>
           <a:lnRef idx="2">
-            <a:schemeClr val="accent1"/>
+            <a:schemeClr val="accent2"/>
           </a:lnRef>
           <a:fillRef idx="1">
             <a:schemeClr val="lt1"/>
           </a:fillRef>
           <a:effectRef idx="0">
-            <a:schemeClr val="accent1"/>
+            <a:schemeClr val="accent2"/>
           </a:effectRef>
           <a:fontRef idx="minor">
             <a:schemeClr val="dk1"/>
@@ -44886,6 +44709,148 @@
               </a:rPr>
               <a:t>Flush </a:t>
             </a:r>
+          </a:p>
+        </p:txBody>
+      </p:sp>
+      <p:sp>
+        <p:nvSpPr>
+          <p:cNvPr id="2" name="TextBox 1">
+            <a:extLst>
+              <a:ext uri="{FF2B5EF4-FFF2-40B4-BE49-F238E27FC236}">
+                <a16:creationId xmlns:a16="http://schemas.microsoft.com/office/drawing/2014/main" id="{6B1DF224-5305-7889-B693-5CD08BEF03FA}"/>
+              </a:ext>
+            </a:extLst>
+          </p:cNvPr>
+          <p:cNvSpPr txBox="1"/>
+          <p:nvPr/>
+        </p:nvSpPr>
+        <p:spPr>
+          <a:xfrm>
+            <a:off x="233306" y="3288533"/>
+            <a:ext cx="827153" cy="215444"/>
+          </a:xfrm>
+          <a:prstGeom prst="rect">
+            <a:avLst/>
+          </a:prstGeom>
+          <a:noFill/>
+        </p:spPr>
+        <p:txBody>
+          <a:bodyPr vert="horz" wrap="square" lIns="0" tIns="0" rIns="0" bIns="0" numCol="1" spcCol="288000" rtlCol="0" anchor="t" anchorCtr="0">
+            <a:spAutoFit/>
+          </a:bodyPr>
+          <a:lstStyle/>
+          <a:p>
+            <a:pPr algn="r">
+              <a:spcBef>
+                <a:spcPts val="0"/>
+              </a:spcBef>
+              <a:spcAft>
+                <a:spcPts val="600"/>
+              </a:spcAft>
+            </a:pPr>
+            <a:r>
+              <a:rPr lang="en-US" sz="1400" b="0" i="0" spc="0" dirty="0">
+                <a:ln>
+                  <a:noFill/>
+                </a:ln>
+                <a:solidFill>
+                  <a:schemeClr val="tx2"/>
+                </a:solidFill>
+                <a:latin typeface="Source Sans Pro Light" charset="0"/>
+                <a:ea typeface="Source Sans Pro Light" charset="0"/>
+                <a:cs typeface="Source Sans Pro Light" charset="0"/>
+              </a:rPr>
+              <a:t>Drawings </a:t>
+            </a:r>
+          </a:p>
+        </p:txBody>
+      </p:sp>
+      <p:cxnSp>
+        <p:nvCxnSpPr>
+          <p:cNvPr id="4" name="Straight Arrow Connector 3">
+            <a:extLst>
+              <a:ext uri="{FF2B5EF4-FFF2-40B4-BE49-F238E27FC236}">
+                <a16:creationId xmlns:a16="http://schemas.microsoft.com/office/drawing/2014/main" id="{B55278FC-E7C4-B704-F152-0A9D0DF5404C}"/>
+              </a:ext>
+            </a:extLst>
+          </p:cNvPr>
+          <p:cNvCxnSpPr/>
+          <p:nvPr/>
+        </p:nvCxnSpPr>
+        <p:spPr>
+          <a:xfrm>
+            <a:off x="1185921" y="3434715"/>
+            <a:ext cx="896407" cy="0"/>
+          </a:xfrm>
+          <a:prstGeom prst="straightConnector1">
+            <a:avLst/>
+          </a:prstGeom>
+          <a:ln w="25400">
+            <a:tailEnd type="stealth" w="lg" len="med"/>
+          </a:ln>
+        </p:spPr>
+        <p:style>
+          <a:lnRef idx="1">
+            <a:schemeClr val="accent1"/>
+          </a:lnRef>
+          <a:fillRef idx="0">
+            <a:schemeClr val="accent1"/>
+          </a:fillRef>
+          <a:effectRef idx="0">
+            <a:schemeClr val="accent1"/>
+          </a:effectRef>
+          <a:fontRef idx="minor">
+            <a:schemeClr val="tx1"/>
+          </a:fontRef>
+        </p:style>
+      </p:cxnSp>
+      <p:sp>
+        <p:nvSpPr>
+          <p:cNvPr id="5" name="Arc 4">
+            <a:extLst>
+              <a:ext uri="{FF2B5EF4-FFF2-40B4-BE49-F238E27FC236}">
+                <a16:creationId xmlns:a16="http://schemas.microsoft.com/office/drawing/2014/main" id="{6DBFC683-B0DA-FB1E-0E7F-B3117DEEAEF2}"/>
+              </a:ext>
+            </a:extLst>
+          </p:cNvPr>
+          <p:cNvSpPr/>
+          <p:nvPr/>
+        </p:nvSpPr>
+        <p:spPr>
+          <a:xfrm>
+            <a:off x="4448759" y="2519585"/>
+            <a:ext cx="5061219" cy="1787652"/>
+          </a:xfrm>
+          <a:prstGeom prst="arc">
+            <a:avLst>
+              <a:gd name="adj1" fmla="val 11425362"/>
+              <a:gd name="adj2" fmla="val 10286630"/>
+            </a:avLst>
+          </a:prstGeom>
+          <a:ln w="25400">
+            <a:tailEnd type="stealth" w="lg" len="lg"/>
+          </a:ln>
+        </p:spPr>
+        <p:style>
+          <a:lnRef idx="1">
+            <a:schemeClr val="accent5"/>
+          </a:lnRef>
+          <a:fillRef idx="0">
+            <a:schemeClr val="accent5"/>
+          </a:fillRef>
+          <a:effectRef idx="0">
+            <a:schemeClr val="accent5"/>
+          </a:effectRef>
+          <a:fontRef idx="minor">
+            <a:schemeClr val="tx1"/>
+          </a:fontRef>
+        </p:style>
+        <p:txBody>
+          <a:bodyPr rtlCol="0" anchor="ctr"/>
+          <a:lstStyle/>
+          <a:p>
+            <a:pPr algn="ctr"/>
+            <a:endParaRPr lang="en-US"/>
           </a:p>
         </p:txBody>
       </p:sp>
@@ -44933,8 +44898,8 @@
         </p:nvSpPr>
         <p:spPr>
           <a:xfrm>
-            <a:off x="1255923" y="2108282"/>
-            <a:ext cx="3538753" cy="3073706"/>
+            <a:off x="1583567" y="2108281"/>
+            <a:ext cx="3240000" cy="2880000"/>
           </a:xfrm>
           <a:prstGeom prst="rect">
             <a:avLst/>
@@ -44943,13 +44908,13 @@
         </p:spPr>
         <p:style>
           <a:lnRef idx="2">
-            <a:schemeClr val="accent2"/>
+            <a:schemeClr val="dk1"/>
           </a:lnRef>
           <a:fillRef idx="1">
             <a:schemeClr val="lt1"/>
           </a:fillRef>
           <a:effectRef idx="0">
-            <a:schemeClr val="accent2"/>
+            <a:schemeClr val="dk1"/>
           </a:effectRef>
           <a:fontRef idx="minor">
             <a:schemeClr val="dk1"/>
@@ -44988,7 +44953,99 @@
         <p:spPr>
           <a:xfrm>
             <a:off x="5208252" y="2108281"/>
-            <a:ext cx="6257580" cy="3073706"/>
+            <a:ext cx="6120000" cy="2880000"/>
+          </a:xfrm>
+          <a:prstGeom prst="rect">
+            <a:avLst/>
+          </a:prstGeom>
+          <a:ln/>
+        </p:spPr>
+        <p:style>
+          <a:lnRef idx="2">
+            <a:schemeClr val="dk1"/>
+          </a:lnRef>
+          <a:fillRef idx="1">
+            <a:schemeClr val="lt1"/>
+          </a:fillRef>
+          <a:effectRef idx="0">
+            <a:schemeClr val="dk1"/>
+          </a:effectRef>
+          <a:fontRef idx="minor">
+            <a:schemeClr val="dk1"/>
+          </a:fontRef>
+        </p:style>
+        <p:txBody>
+          <a:bodyPr rtlCol="0" anchor="b" anchorCtr="0"/>
+          <a:lstStyle/>
+          <a:p>
+            <a:pPr algn="ctr"/>
+            <a:r>
+              <a:rPr lang="en-US" sz="1400" dirty="0">
+                <a:solidFill>
+                  <a:schemeClr val="tx2"/>
+                </a:solidFill>
+                <a:latin typeface="Source Sans Pro Light" panose="020B0403030403020204" pitchFamily="34" charset="77"/>
+                <a:ea typeface="Source Sans Pro" panose="020B0503030403020204" pitchFamily="34" charset="0"/>
+              </a:rPr>
+              <a:t>Display module</a:t>
+            </a:r>
+          </a:p>
+        </p:txBody>
+      </p:sp>
+      <p:pic>
+        <p:nvPicPr>
+          <p:cNvPr id="8" name="Picture 7">
+            <a:extLst>
+              <a:ext uri="{FF2B5EF4-FFF2-40B4-BE49-F238E27FC236}">
+                <a16:creationId xmlns:a16="http://schemas.microsoft.com/office/drawing/2014/main" id="{FFED50E9-4666-827D-A26D-B1C27D6DCC8C}"/>
+              </a:ext>
+            </a:extLst>
+          </p:cNvPr>
+          <p:cNvPicPr>
+            <a:picLocks noChangeAspect="1"/>
+          </p:cNvPicPr>
+          <p:nvPr/>
+        </p:nvPicPr>
+        <p:blipFill rotWithShape="1">
+          <a:blip r:embed="rId3" cstate="print">
+            <a:extLst>
+              <a:ext uri="{28A0092B-C50C-407E-A947-70E740481C1C}">
+                <a14:useLocalDpi xmlns:a14="http://schemas.microsoft.com/office/drawing/2010/main" val="0"/>
+              </a:ext>
+            </a:extLst>
+          </a:blip>
+          <a:srcRect l="18554" t="45307" r="13825" b="13196"/>
+          <a:stretch/>
+        </p:blipFill>
+        <p:spPr>
+          <a:xfrm>
+            <a:off x="8836781" y="2722748"/>
+            <a:ext cx="2279239" cy="1415820"/>
+          </a:xfrm>
+          <a:prstGeom prst="rect">
+            <a:avLst/>
+          </a:prstGeom>
+          <a:ln w="25400">
+            <a:tailEnd type="stealth" w="lg" len="lg"/>
+          </a:ln>
+        </p:spPr>
+      </p:pic>
+      <p:sp>
+        <p:nvSpPr>
+          <p:cNvPr id="9" name="Rectangle 8">
+            <a:extLst>
+              <a:ext uri="{FF2B5EF4-FFF2-40B4-BE49-F238E27FC236}">
+                <a16:creationId xmlns:a16="http://schemas.microsoft.com/office/drawing/2014/main" id="{1A2856C8-2CFE-CD28-F430-C4BAB5AC7E97}"/>
+              </a:ext>
+            </a:extLst>
+          </p:cNvPr>
+          <p:cNvSpPr/>
+          <p:nvPr/>
+        </p:nvSpPr>
+        <p:spPr>
+          <a:xfrm>
+            <a:off x="6515452" y="2922965"/>
+            <a:ext cx="1637489" cy="1015386"/>
           </a:xfrm>
           <a:prstGeom prst="rect">
             <a:avLst/>
@@ -45010,7 +45067,7 @@
           </a:fontRef>
         </p:style>
         <p:txBody>
-          <a:bodyPr rtlCol="0" anchor="b" anchorCtr="0"/>
+          <a:bodyPr rtlCol="0" anchor="ctr"/>
           <a:lstStyle/>
           <a:p>
             <a:pPr algn="ctr"/>
@@ -45022,250 +45079,138 @@
                 <a:latin typeface="Source Sans Pro Light" panose="020B0403030403020204" pitchFamily="34" charset="77"/>
                 <a:ea typeface="Source Sans Pro" panose="020B0503030403020204" pitchFamily="34" charset="0"/>
               </a:rPr>
-              <a:t>Display module</a:t>
+              <a:t>Memory</a:t>
             </a:r>
           </a:p>
         </p:txBody>
       </p:sp>
-      <p:grpSp>
-        <p:nvGrpSpPr>
-          <p:cNvPr id="3" name="Group 2">
+      <p:cxnSp>
+        <p:nvCxnSpPr>
+          <p:cNvPr id="12" name="Straight Connector 11">
             <a:extLst>
               <a:ext uri="{FF2B5EF4-FFF2-40B4-BE49-F238E27FC236}">
-                <a16:creationId xmlns:a16="http://schemas.microsoft.com/office/drawing/2014/main" id="{BA030F01-D386-07D8-28D4-D295E41BDCA1}"/>
+                <a16:creationId xmlns:a16="http://schemas.microsoft.com/office/drawing/2014/main" id="{22EAEBA0-CC84-B4FA-2E32-89A6CD4415DA}"/>
               </a:ext>
             </a:extLst>
           </p:cNvPr>
-          <p:cNvGrpSpPr>
-            <a:grpSpLocks noChangeAspect="1"/>
-          </p:cNvGrpSpPr>
+          <p:cNvCxnSpPr>
+            <a:stCxn id="9" idx="3"/>
+            <a:endCxn id="8" idx="1"/>
+          </p:cNvCxnSpPr>
           <p:nvPr/>
-        </p:nvGrpSpPr>
-        <p:grpSpPr>
+        </p:nvCxnSpPr>
+        <p:spPr>
           <a:xfrm>
-            <a:off x="6515452" y="2479481"/>
-            <a:ext cx="4600568" cy="1787652"/>
-            <a:chOff x="5325630" y="2187838"/>
-            <a:chExt cx="6003142" cy="2332653"/>
-          </a:xfrm>
-        </p:grpSpPr>
-        <p:pic>
-          <p:nvPicPr>
-            <p:cNvPr id="8" name="Picture 7">
-              <a:extLst>
-                <a:ext uri="{FF2B5EF4-FFF2-40B4-BE49-F238E27FC236}">
-                  <a16:creationId xmlns:a16="http://schemas.microsoft.com/office/drawing/2014/main" id="{FFED50E9-4666-827D-A26D-B1C27D6DCC8C}"/>
-                </a:ext>
-              </a:extLst>
-            </p:cNvPr>
-            <p:cNvPicPr>
-              <a:picLocks noChangeAspect="1"/>
-            </p:cNvPicPr>
-            <p:nvPr/>
-          </p:nvPicPr>
-          <p:blipFill rotWithShape="1">
-            <a:blip r:embed="rId3" cstate="print">
-              <a:extLst>
-                <a:ext uri="{28A0092B-C50C-407E-A947-70E740481C1C}">
-                  <a14:useLocalDpi xmlns:a14="http://schemas.microsoft.com/office/drawing/2010/main" val="0"/>
-                </a:ext>
-              </a:extLst>
-            </a:blip>
-            <a:srcRect l="18554" t="45307" r="13825" b="13196"/>
-            <a:stretch/>
-          </p:blipFill>
-          <p:spPr>
-            <a:xfrm>
-              <a:off x="8354662" y="2505270"/>
-              <a:ext cx="2974110" cy="1847461"/>
-            </a:xfrm>
-            <a:prstGeom prst="rect">
-              <a:avLst/>
-            </a:prstGeom>
-          </p:spPr>
-        </p:pic>
-        <p:sp>
-          <p:nvSpPr>
-            <p:cNvPr id="9" name="Rectangle 8">
-              <a:extLst>
-                <a:ext uri="{FF2B5EF4-FFF2-40B4-BE49-F238E27FC236}">
-                  <a16:creationId xmlns:a16="http://schemas.microsoft.com/office/drawing/2014/main" id="{1A2856C8-2CFE-CD28-F430-C4BAB5AC7E97}"/>
-                </a:ext>
-              </a:extLst>
-            </p:cNvPr>
-            <p:cNvSpPr/>
-            <p:nvPr/>
-          </p:nvSpPr>
-          <p:spPr>
-            <a:xfrm>
-              <a:off x="5325630" y="2766527"/>
-              <a:ext cx="2136710" cy="1324946"/>
-            </a:xfrm>
-            <a:prstGeom prst="rect">
-              <a:avLst/>
-            </a:prstGeom>
-            <a:ln/>
-          </p:spPr>
-          <p:style>
-            <a:lnRef idx="2">
-              <a:schemeClr val="accent1"/>
-            </a:lnRef>
-            <a:fillRef idx="1">
-              <a:schemeClr val="lt1"/>
-            </a:fillRef>
-            <a:effectRef idx="0">
-              <a:schemeClr val="accent1"/>
-            </a:effectRef>
-            <a:fontRef idx="minor">
-              <a:schemeClr val="dk1"/>
-            </a:fontRef>
-          </p:style>
-          <p:txBody>
-            <a:bodyPr rtlCol="0" anchor="ctr"/>
-            <a:lstStyle/>
-            <a:p>
-              <a:pPr algn="ctr"/>
-              <a:r>
-                <a:rPr lang="en-US" sz="1400" dirty="0">
-                  <a:solidFill>
-                    <a:schemeClr val="tx2"/>
-                  </a:solidFill>
-                  <a:latin typeface="Source Sans Pro Light" panose="020B0403030403020204" pitchFamily="34" charset="77"/>
-                  <a:ea typeface="Source Sans Pro" panose="020B0503030403020204" pitchFamily="34" charset="0"/>
-                </a:rPr>
-                <a:t>Memory</a:t>
-              </a:r>
-            </a:p>
-          </p:txBody>
-        </p:sp>
-        <p:cxnSp>
-          <p:nvCxnSpPr>
-            <p:cNvPr id="12" name="Straight Connector 11">
-              <a:extLst>
-                <a:ext uri="{FF2B5EF4-FFF2-40B4-BE49-F238E27FC236}">
-                  <a16:creationId xmlns:a16="http://schemas.microsoft.com/office/drawing/2014/main" id="{22EAEBA0-CC84-B4FA-2E32-89A6CD4415DA}"/>
-                </a:ext>
-              </a:extLst>
-            </p:cNvPr>
-            <p:cNvCxnSpPr>
-              <a:stCxn id="9" idx="3"/>
-              <a:endCxn id="8" idx="1"/>
-            </p:cNvCxnSpPr>
-            <p:nvPr/>
-          </p:nvCxnSpPr>
-          <p:spPr>
-            <a:xfrm>
-              <a:off x="7462340" y="3429000"/>
-              <a:ext cx="892322" cy="1"/>
-            </a:xfrm>
-            <a:prstGeom prst="line">
-              <a:avLst/>
-            </a:prstGeom>
-          </p:spPr>
-          <p:style>
-            <a:lnRef idx="1">
-              <a:schemeClr val="accent4"/>
-            </a:lnRef>
-            <a:fillRef idx="0">
-              <a:schemeClr val="accent4"/>
-            </a:fillRef>
-            <a:effectRef idx="0">
-              <a:schemeClr val="accent4"/>
-            </a:effectRef>
-            <a:fontRef idx="minor">
-              <a:schemeClr val="tx1"/>
-            </a:fontRef>
-          </p:style>
-        </p:cxnSp>
-        <p:cxnSp>
-          <p:nvCxnSpPr>
-            <p:cNvPr id="13" name="Straight Connector 12">
-              <a:extLst>
-                <a:ext uri="{FF2B5EF4-FFF2-40B4-BE49-F238E27FC236}">
-                  <a16:creationId xmlns:a16="http://schemas.microsoft.com/office/drawing/2014/main" id="{74E61ECF-86F3-86F3-3684-3341060CF69F}"/>
-                </a:ext>
-              </a:extLst>
-            </p:cNvPr>
-            <p:cNvCxnSpPr>
-              <a:cxnSpLocks/>
-            </p:cNvCxnSpPr>
-            <p:nvPr/>
-          </p:nvCxnSpPr>
-          <p:spPr>
-            <a:xfrm flipV="1">
-              <a:off x="7792681" y="3354164"/>
-              <a:ext cx="148324" cy="190263"/>
-            </a:xfrm>
-            <a:prstGeom prst="line">
-              <a:avLst/>
-            </a:prstGeom>
-          </p:spPr>
-          <p:style>
-            <a:lnRef idx="1">
-              <a:schemeClr val="accent4"/>
-            </a:lnRef>
-            <a:fillRef idx="0">
-              <a:schemeClr val="accent4"/>
-            </a:fillRef>
-            <a:effectRef idx="0">
-              <a:schemeClr val="accent4"/>
-            </a:effectRef>
-            <a:fontRef idx="minor">
-              <a:schemeClr val="tx1"/>
-            </a:fontRef>
-          </p:style>
-        </p:cxnSp>
-        <p:sp>
-          <p:nvSpPr>
-            <p:cNvPr id="10" name="Arc 9">
-              <a:extLst>
-                <a:ext uri="{FF2B5EF4-FFF2-40B4-BE49-F238E27FC236}">
-                  <a16:creationId xmlns:a16="http://schemas.microsoft.com/office/drawing/2014/main" id="{070CE625-638E-D085-FAEA-696B711BC3C5}"/>
-                </a:ext>
-              </a:extLst>
-            </p:cNvPr>
-            <p:cNvSpPr/>
-            <p:nvPr/>
-          </p:nvSpPr>
-          <p:spPr>
-            <a:xfrm>
-              <a:off x="6674527" y="2187838"/>
-              <a:ext cx="2467948" cy="2332653"/>
-            </a:xfrm>
-            <a:prstGeom prst="arc">
-              <a:avLst>
-                <a:gd name="adj1" fmla="val 12872902"/>
-                <a:gd name="adj2" fmla="val 8225889"/>
-              </a:avLst>
-            </a:prstGeom>
-            <a:ln w="25400">
-              <a:tailEnd type="stealth" w="lg" len="lg"/>
-            </a:ln>
-          </p:spPr>
-          <p:style>
-            <a:lnRef idx="1">
-              <a:schemeClr val="accent1"/>
-            </a:lnRef>
-            <a:fillRef idx="0">
-              <a:schemeClr val="accent1"/>
-            </a:fillRef>
-            <a:effectRef idx="0">
-              <a:schemeClr val="accent1"/>
-            </a:effectRef>
-            <a:fontRef idx="minor">
-              <a:schemeClr val="tx1"/>
-            </a:fontRef>
-          </p:style>
-          <p:txBody>
-            <a:bodyPr rtlCol="0" anchor="ctr"/>
-            <a:lstStyle/>
-            <a:p>
-              <a:pPr algn="ctr"/>
-              <a:endParaRPr lang="en-US"/>
-            </a:p>
-          </p:txBody>
-        </p:sp>
-      </p:grpSp>
+            <a:off x="8152941" y="3430658"/>
+            <a:ext cx="683840" cy="1"/>
+          </a:xfrm>
+          <a:prstGeom prst="line">
+            <a:avLst/>
+          </a:prstGeom>
+        </p:spPr>
+        <p:style>
+          <a:lnRef idx="1">
+            <a:schemeClr val="accent4"/>
+          </a:lnRef>
+          <a:fillRef idx="0">
+            <a:schemeClr val="accent4"/>
+          </a:fillRef>
+          <a:effectRef idx="0">
+            <a:schemeClr val="accent4"/>
+          </a:effectRef>
+          <a:fontRef idx="minor">
+            <a:schemeClr val="tx1"/>
+          </a:fontRef>
+        </p:style>
+      </p:cxnSp>
+      <p:cxnSp>
+        <p:nvCxnSpPr>
+          <p:cNvPr id="13" name="Straight Connector 12">
+            <a:extLst>
+              <a:ext uri="{FF2B5EF4-FFF2-40B4-BE49-F238E27FC236}">
+                <a16:creationId xmlns:a16="http://schemas.microsoft.com/office/drawing/2014/main" id="{74E61ECF-86F3-86F3-3684-3341060CF69F}"/>
+              </a:ext>
+            </a:extLst>
+          </p:cNvPr>
+          <p:cNvCxnSpPr>
+            <a:cxnSpLocks/>
+          </p:cNvCxnSpPr>
+          <p:nvPr/>
+        </p:nvCxnSpPr>
+        <p:spPr>
+          <a:xfrm flipV="1">
+            <a:off x="8406101" y="3373307"/>
+            <a:ext cx="113670" cy="145810"/>
+          </a:xfrm>
+          <a:prstGeom prst="line">
+            <a:avLst/>
+          </a:prstGeom>
+        </p:spPr>
+        <p:style>
+          <a:lnRef idx="1">
+            <a:schemeClr val="accent4"/>
+          </a:lnRef>
+          <a:fillRef idx="0">
+            <a:schemeClr val="accent4"/>
+          </a:fillRef>
+          <a:effectRef idx="0">
+            <a:schemeClr val="accent4"/>
+          </a:effectRef>
+          <a:fontRef idx="minor">
+            <a:schemeClr val="tx1"/>
+          </a:fontRef>
+        </p:style>
+      </p:cxnSp>
+      <p:sp>
+        <p:nvSpPr>
+          <p:cNvPr id="10" name="Arc 9">
+            <a:extLst>
+              <a:ext uri="{FF2B5EF4-FFF2-40B4-BE49-F238E27FC236}">
+                <a16:creationId xmlns:a16="http://schemas.microsoft.com/office/drawing/2014/main" id="{070CE625-638E-D085-FAEA-696B711BC3C5}"/>
+              </a:ext>
+            </a:extLst>
+          </p:cNvPr>
+          <p:cNvSpPr/>
+          <p:nvPr/>
+        </p:nvSpPr>
+        <p:spPr>
+          <a:xfrm>
+            <a:off x="7549193" y="2479481"/>
+            <a:ext cx="1891337" cy="1787652"/>
+          </a:xfrm>
+          <a:prstGeom prst="arc">
+            <a:avLst>
+              <a:gd name="adj1" fmla="val 12089537"/>
+              <a:gd name="adj2" fmla="val 9443102"/>
+            </a:avLst>
+          </a:prstGeom>
+          <a:ln w="25400">
+            <a:tailEnd type="stealth" w="lg" len="lg"/>
+          </a:ln>
+        </p:spPr>
+        <p:style>
+          <a:lnRef idx="1">
+            <a:schemeClr val="accent5"/>
+          </a:lnRef>
+          <a:fillRef idx="0">
+            <a:schemeClr val="accent5"/>
+          </a:fillRef>
+          <a:effectRef idx="0">
+            <a:schemeClr val="accent5"/>
+          </a:effectRef>
+          <a:fontRef idx="minor">
+            <a:schemeClr val="tx1"/>
+          </a:fontRef>
+        </p:style>
+        <p:txBody>
+          <a:bodyPr rtlCol="0" anchor="ctr"/>
+          <a:lstStyle/>
+          <a:p>
+            <a:pPr algn="ctr"/>
+            <a:endParaRPr lang="en-US"/>
+          </a:p>
+        </p:txBody>
+      </p:sp>
       <p:sp>
         <p:nvSpPr>
           <p:cNvPr id="7" name="Rectangle 6">
@@ -45290,13 +45235,13 @@
         </p:spPr>
         <p:style>
           <a:lnRef idx="2">
-            <a:schemeClr val="accent1"/>
+            <a:schemeClr val="accent2"/>
           </a:lnRef>
           <a:fillRef idx="1">
             <a:schemeClr val="lt1"/>
           </a:fillRef>
           <a:effectRef idx="0">
-            <a:schemeClr val="accent1"/>
+            <a:schemeClr val="accent2"/>
           </a:effectRef>
           <a:fontRef idx="minor">
             <a:schemeClr val="dk1"/>
@@ -45344,13 +45289,13 @@
         </p:spPr>
         <p:style>
           <a:lnRef idx="2">
-            <a:schemeClr val="accent1"/>
+            <a:schemeClr val="accent2"/>
           </a:lnRef>
           <a:fillRef idx="1">
             <a:schemeClr val="lt1"/>
           </a:fillRef>
           <a:effectRef idx="0">
-            <a:schemeClr val="accent1"/>
+            <a:schemeClr val="accent2"/>
           </a:effectRef>
           <a:fontRef idx="minor">
             <a:schemeClr val="dk1"/>
@@ -45398,13 +45343,13 @@
         </p:spPr>
         <p:style>
           <a:lnRef idx="2">
-            <a:schemeClr val="accent1"/>
+            <a:schemeClr val="accent2"/>
           </a:lnRef>
           <a:fillRef idx="1">
             <a:schemeClr val="lt1"/>
           </a:fillRef>
           <a:effectRef idx="0">
-            <a:schemeClr val="accent1"/>
+            <a:schemeClr val="accent2"/>
           </a:effectRef>
           <a:fontRef idx="minor">
             <a:schemeClr val="dk1"/>
@@ -45510,190 +45455,6 @@
       </p:cxnSp>
       <p:sp>
         <p:nvSpPr>
-          <p:cNvPr id="2" name="TextBox 1">
-            <a:extLst>
-              <a:ext uri="{FF2B5EF4-FFF2-40B4-BE49-F238E27FC236}">
-                <a16:creationId xmlns:a16="http://schemas.microsoft.com/office/drawing/2014/main" id="{DA8DCD39-EBF3-014D-82C4-C5529F107777}"/>
-              </a:ext>
-            </a:extLst>
-          </p:cNvPr>
-          <p:cNvSpPr txBox="1"/>
-          <p:nvPr/>
-        </p:nvSpPr>
-        <p:spPr>
-          <a:xfrm>
-            <a:off x="-108953" y="3383661"/>
-            <a:ext cx="827153" cy="215444"/>
-          </a:xfrm>
-          <a:prstGeom prst="rect">
-            <a:avLst/>
-          </a:prstGeom>
-          <a:noFill/>
-        </p:spPr>
-        <p:txBody>
-          <a:bodyPr vert="horz" wrap="square" lIns="0" tIns="0" rIns="0" bIns="0" numCol="1" spcCol="288000" rtlCol="0" anchor="t" anchorCtr="0">
-            <a:spAutoFit/>
-          </a:bodyPr>
-          <a:lstStyle/>
-          <a:p>
-            <a:pPr algn="r">
-              <a:spcBef>
-                <a:spcPts val="0"/>
-              </a:spcBef>
-              <a:spcAft>
-                <a:spcPts val="600"/>
-              </a:spcAft>
-            </a:pPr>
-            <a:r>
-              <a:rPr lang="en-US" sz="1400" b="0" i="0" spc="0" dirty="0">
-                <a:ln>
-                  <a:noFill/>
-                </a:ln>
-                <a:solidFill>
-                  <a:schemeClr val="tx2"/>
-                </a:solidFill>
-                <a:latin typeface="Source Sans Pro Light" charset="0"/>
-                <a:ea typeface="Source Sans Pro Light" charset="0"/>
-                <a:cs typeface="Source Sans Pro Light" charset="0"/>
-              </a:rPr>
-              <a:t>Drawings </a:t>
-            </a:r>
-          </a:p>
-        </p:txBody>
-      </p:sp>
-      <p:cxnSp>
-        <p:nvCxnSpPr>
-          <p:cNvPr id="4" name="Straight Arrow Connector 3">
-            <a:extLst>
-              <a:ext uri="{FF2B5EF4-FFF2-40B4-BE49-F238E27FC236}">
-                <a16:creationId xmlns:a16="http://schemas.microsoft.com/office/drawing/2014/main" id="{531A6B53-51DD-18D3-7C28-73C71F2DA8A6}"/>
-              </a:ext>
-            </a:extLst>
-          </p:cNvPr>
-          <p:cNvCxnSpPr/>
-          <p:nvPr/>
-        </p:nvCxnSpPr>
-        <p:spPr>
-          <a:xfrm>
-            <a:off x="934696" y="3512341"/>
-            <a:ext cx="896407" cy="0"/>
-          </a:xfrm>
-          <a:prstGeom prst="straightConnector1">
-            <a:avLst/>
-          </a:prstGeom>
-          <a:ln w="25400">
-            <a:tailEnd type="stealth" w="lg" len="med"/>
-          </a:ln>
-        </p:spPr>
-        <p:style>
-          <a:lnRef idx="1">
-            <a:schemeClr val="accent1"/>
-          </a:lnRef>
-          <a:fillRef idx="0">
-            <a:schemeClr val="accent1"/>
-          </a:fillRef>
-          <a:effectRef idx="0">
-            <a:schemeClr val="accent1"/>
-          </a:effectRef>
-          <a:fontRef idx="minor">
-            <a:schemeClr val="tx1"/>
-          </a:fontRef>
-        </p:style>
-      </p:cxnSp>
-      <p:sp>
-        <p:nvSpPr>
-          <p:cNvPr id="5" name="TextBox 4">
-            <a:extLst>
-              <a:ext uri="{FF2B5EF4-FFF2-40B4-BE49-F238E27FC236}">
-                <a16:creationId xmlns:a16="http://schemas.microsoft.com/office/drawing/2014/main" id="{126407F5-BD51-821F-43C9-00B9709F827C}"/>
-              </a:ext>
-            </a:extLst>
-          </p:cNvPr>
-          <p:cNvSpPr txBox="1"/>
-          <p:nvPr/>
-        </p:nvSpPr>
-        <p:spPr>
-          <a:xfrm>
-            <a:off x="4381099" y="5434197"/>
-            <a:ext cx="827153" cy="215444"/>
-          </a:xfrm>
-          <a:prstGeom prst="rect">
-            <a:avLst/>
-          </a:prstGeom>
-          <a:noFill/>
-        </p:spPr>
-        <p:txBody>
-          <a:bodyPr vert="horz" wrap="square" lIns="0" tIns="0" rIns="0" bIns="0" numCol="1" spcCol="288000" rtlCol="0" anchor="t" anchorCtr="0">
-            <a:spAutoFit/>
-          </a:bodyPr>
-          <a:lstStyle/>
-          <a:p>
-            <a:pPr algn="r">
-              <a:spcBef>
-                <a:spcPts val="0"/>
-              </a:spcBef>
-              <a:spcAft>
-                <a:spcPts val="600"/>
-              </a:spcAft>
-            </a:pPr>
-            <a:r>
-              <a:rPr lang="en-US" sz="1400" b="0" i="0" spc="0" dirty="0">
-                <a:ln>
-                  <a:noFill/>
-                </a:ln>
-                <a:solidFill>
-                  <a:schemeClr val="tx2"/>
-                </a:solidFill>
-                <a:latin typeface="Source Sans Pro Light" charset="0"/>
-                <a:ea typeface="Source Sans Pro Light" charset="0"/>
-                <a:cs typeface="Source Sans Pro Light" charset="0"/>
-              </a:rPr>
-              <a:t>Flush </a:t>
-            </a:r>
-          </a:p>
-        </p:txBody>
-      </p:sp>
-      <p:cxnSp>
-        <p:nvCxnSpPr>
-          <p:cNvPr id="6" name="Straight Arrow Connector 5">
-            <a:extLst>
-              <a:ext uri="{FF2B5EF4-FFF2-40B4-BE49-F238E27FC236}">
-                <a16:creationId xmlns:a16="http://schemas.microsoft.com/office/drawing/2014/main" id="{C755B294-CDF8-93A4-E147-FF714C150828}"/>
-              </a:ext>
-            </a:extLst>
-          </p:cNvPr>
-          <p:cNvCxnSpPr/>
-          <p:nvPr/>
-        </p:nvCxnSpPr>
-        <p:spPr>
-          <a:xfrm>
-            <a:off x="4595237" y="5382051"/>
-            <a:ext cx="896407" cy="0"/>
-          </a:xfrm>
-          <a:prstGeom prst="straightConnector1">
-            <a:avLst/>
-          </a:prstGeom>
-          <a:ln w="25400">
-            <a:tailEnd type="stealth" w="lg" len="med"/>
-          </a:ln>
-        </p:spPr>
-        <p:style>
-          <a:lnRef idx="1">
-            <a:schemeClr val="accent1"/>
-          </a:lnRef>
-          <a:fillRef idx="0">
-            <a:schemeClr val="accent1"/>
-          </a:fillRef>
-          <a:effectRef idx="0">
-            <a:schemeClr val="accent1"/>
-          </a:effectRef>
-          <a:fontRef idx="minor">
-            <a:schemeClr val="tx1"/>
-          </a:fontRef>
-        </p:style>
-      </p:cxnSp>
-      <p:sp>
-        <p:nvSpPr>
           <p:cNvPr id="18" name="Rectangle 17">
             <a:extLst>
               <a:ext uri="{FF2B5EF4-FFF2-40B4-BE49-F238E27FC236}">
@@ -45716,13 +45477,13 @@
         </p:spPr>
         <p:style>
           <a:lnRef idx="2">
-            <a:schemeClr val="accent1"/>
+            <a:schemeClr val="accent2"/>
           </a:lnRef>
           <a:fillRef idx="1">
             <a:schemeClr val="lt1"/>
           </a:fillRef>
           <a:effectRef idx="0">
-            <a:schemeClr val="accent1"/>
+            <a:schemeClr val="accent2"/>
           </a:effectRef>
           <a:fontRef idx="minor">
             <a:schemeClr val="dk1"/>
@@ -45812,7 +45573,7 @@
         </p:nvSpPr>
         <p:spPr>
           <a:xfrm>
-            <a:off x="2264094" y="3383661"/>
+            <a:off x="3497296" y="4374883"/>
             <a:ext cx="827153" cy="215444"/>
           </a:xfrm>
           <a:prstGeom prst="rect">
@@ -45851,6 +45612,148 @@
           </a:p>
         </p:txBody>
       </p:sp>
+      <p:sp>
+        <p:nvSpPr>
+          <p:cNvPr id="22" name="Arc 21">
+            <a:extLst>
+              <a:ext uri="{FF2B5EF4-FFF2-40B4-BE49-F238E27FC236}">
+                <a16:creationId xmlns:a16="http://schemas.microsoft.com/office/drawing/2014/main" id="{D304AEFA-EB00-92D3-D14B-4E02471D6D30}"/>
+              </a:ext>
+            </a:extLst>
+          </p:cNvPr>
+          <p:cNvSpPr/>
+          <p:nvPr/>
+        </p:nvSpPr>
+        <p:spPr>
+          <a:xfrm flipV="1">
+            <a:off x="2853017" y="2479480"/>
+            <a:ext cx="4645856" cy="2372419"/>
+          </a:xfrm>
+          <a:prstGeom prst="arc">
+            <a:avLst>
+              <a:gd name="adj1" fmla="val 11983721"/>
+              <a:gd name="adj2" fmla="val 21525099"/>
+            </a:avLst>
+          </a:prstGeom>
+          <a:ln w="25400">
+            <a:tailEnd type="stealth" w="lg" len="lg"/>
+          </a:ln>
+        </p:spPr>
+        <p:style>
+          <a:lnRef idx="1">
+            <a:schemeClr val="accent1"/>
+          </a:lnRef>
+          <a:fillRef idx="0">
+            <a:schemeClr val="accent1"/>
+          </a:fillRef>
+          <a:effectRef idx="0">
+            <a:schemeClr val="accent1"/>
+          </a:effectRef>
+          <a:fontRef idx="minor">
+            <a:schemeClr val="tx1"/>
+          </a:fontRef>
+        </p:style>
+        <p:txBody>
+          <a:bodyPr rtlCol="0" anchor="ctr"/>
+          <a:lstStyle/>
+          <a:p>
+            <a:pPr algn="ctr"/>
+            <a:endParaRPr lang="en-US"/>
+          </a:p>
+        </p:txBody>
+      </p:sp>
+      <p:sp>
+        <p:nvSpPr>
+          <p:cNvPr id="36" name="TextBox 35">
+            <a:extLst>
+              <a:ext uri="{FF2B5EF4-FFF2-40B4-BE49-F238E27FC236}">
+                <a16:creationId xmlns:a16="http://schemas.microsoft.com/office/drawing/2014/main" id="{C5246B87-8E11-BD18-C2AC-F2EB04E77A7D}"/>
+              </a:ext>
+            </a:extLst>
+          </p:cNvPr>
+          <p:cNvSpPr txBox="1"/>
+          <p:nvPr/>
+        </p:nvSpPr>
+        <p:spPr>
+          <a:xfrm>
+            <a:off x="347042" y="3830629"/>
+            <a:ext cx="827153" cy="215444"/>
+          </a:xfrm>
+          <a:prstGeom prst="rect">
+            <a:avLst/>
+          </a:prstGeom>
+          <a:noFill/>
+        </p:spPr>
+        <p:txBody>
+          <a:bodyPr vert="horz" wrap="square" lIns="0" tIns="0" rIns="0" bIns="0" numCol="1" spcCol="288000" rtlCol="0" anchor="t" anchorCtr="0">
+            <a:spAutoFit/>
+          </a:bodyPr>
+          <a:lstStyle/>
+          <a:p>
+            <a:pPr algn="r">
+              <a:spcBef>
+                <a:spcPts val="0"/>
+              </a:spcBef>
+              <a:spcAft>
+                <a:spcPts val="600"/>
+              </a:spcAft>
+            </a:pPr>
+            <a:r>
+              <a:rPr lang="en-US" sz="1400" b="0" i="0" spc="0" dirty="0">
+                <a:ln>
+                  <a:noFill/>
+                </a:ln>
+                <a:solidFill>
+                  <a:schemeClr val="tx2"/>
+                </a:solidFill>
+                <a:latin typeface="Source Sans Pro Light" charset="0"/>
+                <a:ea typeface="Source Sans Pro Light" charset="0"/>
+                <a:cs typeface="Source Sans Pro Light" charset="0"/>
+              </a:rPr>
+              <a:t>Drawings </a:t>
+            </a:r>
+          </a:p>
+        </p:txBody>
+      </p:sp>
+      <p:cxnSp>
+        <p:nvCxnSpPr>
+          <p:cNvPr id="37" name="Straight Arrow Connector 36">
+            <a:extLst>
+              <a:ext uri="{FF2B5EF4-FFF2-40B4-BE49-F238E27FC236}">
+                <a16:creationId xmlns:a16="http://schemas.microsoft.com/office/drawing/2014/main" id="{1652F5FF-0CAB-22CF-5B56-C166E4BE2E47}"/>
+              </a:ext>
+            </a:extLst>
+          </p:cNvPr>
+          <p:cNvCxnSpPr/>
+          <p:nvPr/>
+        </p:nvCxnSpPr>
+        <p:spPr>
+          <a:xfrm>
+            <a:off x="1299657" y="3976811"/>
+            <a:ext cx="896407" cy="0"/>
+          </a:xfrm>
+          <a:prstGeom prst="straightConnector1">
+            <a:avLst/>
+          </a:prstGeom>
+          <a:ln w="25400">
+            <a:tailEnd type="stealth" w="lg" len="med"/>
+          </a:ln>
+        </p:spPr>
+        <p:style>
+          <a:lnRef idx="1">
+            <a:schemeClr val="accent1"/>
+          </a:lnRef>
+          <a:fillRef idx="0">
+            <a:schemeClr val="accent1"/>
+          </a:fillRef>
+          <a:effectRef idx="0">
+            <a:schemeClr val="accent1"/>
+          </a:effectRef>
+          <a:fontRef idx="minor">
+            <a:schemeClr val="tx1"/>
+          </a:fontRef>
+        </p:style>
+      </p:cxnSp>
     </p:spTree>
     <p:extLst>
       <p:ext uri="{BB962C8B-B14F-4D97-AF65-F5344CB8AC3E}">

--- a/VEEPortingGuide/images/ui_overview2.pptx
+++ b/VEEPortingGuide/images/ui_overview2.pptx
@@ -35760,7 +35760,7 @@
           <a:p>
             <a:pPr algn="ctr"/>
             <a:r>
-              <a:rPr lang="en-US" sz="2000" dirty="0">
+              <a:rPr lang="en-US" sz="2000" b="1" dirty="0">
                 <a:solidFill>
                   <a:schemeClr val="tx2"/>
                 </a:solidFill>
@@ -35814,14 +35814,14 @@
           <a:p>
             <a:pPr algn="ctr"/>
             <a:r>
-              <a:rPr lang="en-US" sz="2000" dirty="0">
+              <a:rPr lang="en-US" sz="2000" b="1" dirty="0">
                 <a:solidFill>
                   <a:schemeClr val="tx2"/>
                 </a:solidFill>
                 <a:latin typeface="Source Sans Pro Light" panose="020B0403030403020204" pitchFamily="34" charset="77"/>
                 <a:ea typeface="Source Sans Pro" panose="020B0503030403020204" pitchFamily="34" charset="0"/>
               </a:rPr>
-              <a:t>Single</a:t>
+              <a:t>Parallel</a:t>
             </a:r>
           </a:p>
         </p:txBody>
@@ -35868,7 +35868,7 @@
           <a:p>
             <a:pPr algn="ctr"/>
             <a:r>
-              <a:rPr lang="en-US" sz="2000" dirty="0">
+              <a:rPr lang="en-US" sz="2000" b="1" dirty="0">
                 <a:solidFill>
                   <a:schemeClr val="tx2"/>
                 </a:solidFill>
@@ -35922,7 +35922,7 @@
           <a:p>
             <a:pPr algn="ctr"/>
             <a:r>
-              <a:rPr lang="en-US" sz="2000" dirty="0">
+              <a:rPr lang="en-US" sz="2000" b="1" dirty="0">
                 <a:solidFill>
                   <a:schemeClr val="tx2"/>
                 </a:solidFill>
@@ -35976,7 +35976,7 @@
           <a:p>
             <a:pPr algn="ctr"/>
             <a:r>
-              <a:rPr lang="en-US" sz="2000" dirty="0">
+              <a:rPr lang="en-US" sz="2000" b="1" dirty="0">
                 <a:solidFill>
                   <a:schemeClr val="tx2"/>
                 </a:solidFill>
@@ -36030,7 +36030,7 @@
           <a:p>
             <a:pPr algn="ctr"/>
             <a:r>
-              <a:rPr lang="en-US" sz="2000" dirty="0">
+              <a:rPr lang="en-US" sz="2000" b="1" dirty="0">
                 <a:solidFill>
                   <a:schemeClr val="tx2"/>
                 </a:solidFill>
@@ -36607,7 +36607,17 @@
                 <a:latin typeface="Source Sans Pro Light" panose="020B0403030403020204" pitchFamily="34" charset="77"/>
                 <a:ea typeface="Source Sans Pro" panose="020B0503030403020204" pitchFamily="34" charset="0"/>
               </a:rPr>
-              <a:t>Connection Serial</a:t>
+              <a:t>Connection : </a:t>
+            </a:r>
+            <a:r>
+              <a:rPr lang="en-US" sz="2000" b="1" dirty="0">
+                <a:solidFill>
+                  <a:schemeClr val="tx2"/>
+                </a:solidFill>
+                <a:latin typeface="Source Sans Pro Light" panose="020B0403030403020204" pitchFamily="34" charset="77"/>
+                <a:ea typeface="Source Sans Pro" panose="020B0503030403020204" pitchFamily="34" charset="0"/>
+              </a:rPr>
+              <a:t>Serial</a:t>
             </a:r>
           </a:p>
         </p:txBody>
@@ -36661,7 +36671,17 @@
                 <a:latin typeface="Source Sans Pro Light" panose="020B0403030403020204" pitchFamily="34" charset="77"/>
                 <a:ea typeface="Source Sans Pro" panose="020B0503030403020204" pitchFamily="34" charset="0"/>
               </a:rPr>
-              <a:t>Connection Parallel</a:t>
+              <a:t>Connection : </a:t>
+            </a:r>
+            <a:r>
+              <a:rPr lang="en-US" sz="2000" b="1" dirty="0">
+                <a:solidFill>
+                  <a:schemeClr val="tx2"/>
+                </a:solidFill>
+                <a:latin typeface="Source Sans Pro Light" panose="020B0403030403020204" pitchFamily="34" charset="77"/>
+                <a:ea typeface="Source Sans Pro" panose="020B0503030403020204" pitchFamily="34" charset="0"/>
+              </a:rPr>
+              <a:t>Parallel</a:t>
             </a:r>
           </a:p>
         </p:txBody>
@@ -38013,7 +38033,7 @@
           <a:p>
             <a:pPr algn="ctr"/>
             <a:r>
-              <a:rPr lang="en-US" sz="2000" dirty="0">
+              <a:rPr lang="en-US" sz="2000" b="1" dirty="0">
                 <a:solidFill>
                   <a:schemeClr val="tx2"/>
                 </a:solidFill>
@@ -38067,7 +38087,7 @@
           <a:p>
             <a:pPr algn="ctr"/>
             <a:r>
-              <a:rPr lang="en-US" sz="2000" dirty="0">
+              <a:rPr lang="en-US" sz="2000" b="1" dirty="0">
                 <a:solidFill>
                   <a:schemeClr val="tx2"/>
                 </a:solidFill>
@@ -38121,7 +38141,7 @@
           <a:p>
             <a:pPr algn="ctr"/>
             <a:r>
-              <a:rPr lang="en-US" sz="2000" dirty="0">
+              <a:rPr lang="en-US" sz="2000" b="1" dirty="0">
                 <a:solidFill>
                   <a:schemeClr val="tx2"/>
                 </a:solidFill>
@@ -38175,7 +38195,7 @@
           <a:p>
             <a:pPr algn="ctr"/>
             <a:r>
-              <a:rPr lang="en-US" sz="2000" dirty="0">
+              <a:rPr lang="en-US" sz="2000" b="1" dirty="0">
                 <a:solidFill>
                   <a:schemeClr val="tx2"/>
                 </a:solidFill>
@@ -38229,7 +38249,7 @@
           <a:p>
             <a:pPr algn="ctr"/>
             <a:r>
-              <a:rPr lang="en-US" sz="2000" dirty="0">
+              <a:rPr lang="en-US" sz="2000" b="1" dirty="0">
                 <a:solidFill>
                   <a:schemeClr val="tx2"/>
                 </a:solidFill>
@@ -38283,7 +38303,7 @@
           <a:p>
             <a:pPr algn="ctr"/>
             <a:r>
-              <a:rPr lang="en-US" sz="2000" dirty="0">
+              <a:rPr lang="en-US" sz="2000" b="1" dirty="0">
                 <a:solidFill>
                   <a:schemeClr val="tx2"/>
                 </a:solidFill>
@@ -38860,7 +38880,17 @@
                 <a:latin typeface="Source Sans Pro Light" panose="020B0403030403020204" pitchFamily="34" charset="77"/>
                 <a:ea typeface="Source Sans Pro" panose="020B0503030403020204" pitchFamily="34" charset="0"/>
               </a:rPr>
-              <a:t>Connection Serial</a:t>
+              <a:t>Connection : </a:t>
+            </a:r>
+            <a:r>
+              <a:rPr lang="en-US" sz="2000" b="1" dirty="0">
+                <a:solidFill>
+                  <a:schemeClr val="tx2"/>
+                </a:solidFill>
+                <a:latin typeface="Source Sans Pro Light" panose="020B0403030403020204" pitchFamily="34" charset="77"/>
+                <a:ea typeface="Source Sans Pro" panose="020B0503030403020204" pitchFamily="34" charset="0"/>
+              </a:rPr>
+              <a:t>Serial</a:t>
             </a:r>
           </a:p>
         </p:txBody>
@@ -38914,7 +38944,17 @@
                 <a:latin typeface="Source Sans Pro Light" panose="020B0403030403020204" pitchFamily="34" charset="77"/>
                 <a:ea typeface="Source Sans Pro" panose="020B0503030403020204" pitchFamily="34" charset="0"/>
               </a:rPr>
-              <a:t>Connection Parallel</a:t>
+              <a:t>Connection : </a:t>
+            </a:r>
+            <a:r>
+              <a:rPr lang="en-US" sz="2000" b="1" dirty="0">
+                <a:solidFill>
+                  <a:schemeClr val="tx2"/>
+                </a:solidFill>
+                <a:latin typeface="Source Sans Pro Light" panose="020B0403030403020204" pitchFamily="34" charset="77"/>
+                <a:ea typeface="Source Sans Pro" panose="020B0503030403020204" pitchFamily="34" charset="0"/>
+              </a:rPr>
+              <a:t>Parallel</a:t>
             </a:r>
           </a:p>
         </p:txBody>

--- a/VEEPortingGuide/images/ui_overview2.pptx
+++ b/VEEPortingGuide/images/ui_overview2.pptx
@@ -5,10 +5,10 @@
     <p:sldMasterId id="2147483660" r:id="rId1"/>
   </p:sldMasterIdLst>
   <p:notesMasterIdLst>
-    <p:notesMasterId r:id="rId17"/>
+    <p:notesMasterId r:id="rId19"/>
   </p:notesMasterIdLst>
   <p:handoutMasterIdLst>
-    <p:handoutMasterId r:id="rId18"/>
+    <p:handoutMasterId r:id="rId20"/>
   </p:handoutMasterIdLst>
   <p:sldIdLst>
     <p:sldId id="256" r:id="rId2"/>
@@ -26,6 +26,8 @@
     <p:sldId id="319" r:id="rId14"/>
     <p:sldId id="320" r:id="rId15"/>
     <p:sldId id="321" r:id="rId16"/>
+    <p:sldId id="323" r:id="rId17"/>
+    <p:sldId id="324" r:id="rId18"/>
   </p:sldIdLst>
   <p:sldSz cx="12192000" cy="6858000"/>
   <p:notesSz cx="6858000" cy="9144000"/>
@@ -9648,7 +9650,7 @@
               <a:rPr lang="fr-FR" smtClean="0">
                 <a:latin typeface="Calibri Regular" charset="0"/>
               </a:rPr>
-              <a:t>jeudi 8 février 2024</a:t>
+              <a:t>lundi 19 février 2024</a:t>
             </a:fld>
             <a:endParaRPr lang="en-US" dirty="0">
               <a:latin typeface="Calibri Regular" charset="0"/>
@@ -9826,7 +9828,7 @@
           <a:p>
             <a:fld id="{885721CF-495B-2B41-A23A-4D3221F80235}" type="datetime2">
               <a:rPr lang="fr-FR" smtClean="0"/>
-              <a:t>jeudi 8 février 2024</a:t>
+              <a:t>lundi 19 février 2024</a:t>
             </a:fld>
             <a:endParaRPr lang="en-US" dirty="0"/>
           </a:p>
@@ -10594,6 +10596,222 @@
     <p:extLst>
       <p:ext uri="{BB962C8B-B14F-4D97-AF65-F5344CB8AC3E}">
         <p14:creationId xmlns:p14="http://schemas.microsoft.com/office/powerpoint/2010/main" val="296598514"/>
+      </p:ext>
+    </p:extLst>
+  </p:cSld>
+  <p:clrMapOvr>
+    <a:masterClrMapping/>
+  </p:clrMapOvr>
+</p:notes>
+</file>
+
+<file path=ppt/notesSlides/notesSlide15.xml><?xml version="1.0" encoding="utf-8"?>
+<p:notes xmlns:a="http://schemas.openxmlformats.org/drawingml/2006/main" xmlns:r="http://schemas.openxmlformats.org/officeDocument/2006/relationships" xmlns:p="http://schemas.openxmlformats.org/presentationml/2006/main">
+  <p:cSld>
+    <p:spTree>
+      <p:nvGrpSpPr>
+        <p:cNvPr id="1" name="">
+          <a:extLst>
+            <a:ext uri="{FF2B5EF4-FFF2-40B4-BE49-F238E27FC236}">
+              <a16:creationId xmlns:a16="http://schemas.microsoft.com/office/drawing/2014/main" id="{D0FF28E6-95C9-4756-84CA-A153D8810E28}"/>
+            </a:ext>
+          </a:extLst>
+        </p:cNvPr>
+        <p:cNvGrpSpPr/>
+        <p:nvPr/>
+      </p:nvGrpSpPr>
+      <p:grpSpPr>
+        <a:xfrm>
+          <a:off x="0" y="0"/>
+          <a:ext cx="0" cy="0"/>
+          <a:chOff x="0" y="0"/>
+          <a:chExt cx="0" cy="0"/>
+        </a:xfrm>
+      </p:grpSpPr>
+      <p:sp>
+        <p:nvSpPr>
+          <p:cNvPr id="2" name="Slide Image Placeholder 1">
+            <a:extLst>
+              <a:ext uri="{FF2B5EF4-FFF2-40B4-BE49-F238E27FC236}">
+                <a16:creationId xmlns:a16="http://schemas.microsoft.com/office/drawing/2014/main" id="{5F66419A-560C-6152-80E8-978C57E6383D}"/>
+              </a:ext>
+            </a:extLst>
+          </p:cNvPr>
+          <p:cNvSpPr>
+            <a:spLocks noGrp="1" noRot="1" noChangeAspect="1"/>
+          </p:cNvSpPr>
+          <p:nvPr>
+            <p:ph type="sldImg"/>
+          </p:nvPr>
+        </p:nvSpPr>
+        <p:spPr/>
+      </p:sp>
+      <p:sp>
+        <p:nvSpPr>
+          <p:cNvPr id="3" name="Notes Placeholder 2">
+            <a:extLst>
+              <a:ext uri="{FF2B5EF4-FFF2-40B4-BE49-F238E27FC236}">
+                <a16:creationId xmlns:a16="http://schemas.microsoft.com/office/drawing/2014/main" id="{34AAAD37-D2A0-660C-51CB-2BE4ECC1DFCD}"/>
+              </a:ext>
+            </a:extLst>
+          </p:cNvPr>
+          <p:cNvSpPr>
+            <a:spLocks noGrp="1"/>
+          </p:cNvSpPr>
+          <p:nvPr>
+            <p:ph type="body" idx="1"/>
+          </p:nvPr>
+        </p:nvSpPr>
+        <p:spPr/>
+        <p:txBody>
+          <a:bodyPr/>
+          <a:lstStyle/>
+          <a:p>
+            <a:pPr marL="0" indent="0">
+              <a:buFont typeface="Arial" panose="020B0604020202020204" pitchFamily="34" charset="0"/>
+              <a:buNone/>
+            </a:pPr>
+            <a:endParaRPr lang="en-US" dirty="0"/>
+          </a:p>
+        </p:txBody>
+      </p:sp>
+      <p:sp>
+        <p:nvSpPr>
+          <p:cNvPr id="4" name="Footer Placeholder 3">
+            <a:extLst>
+              <a:ext uri="{FF2B5EF4-FFF2-40B4-BE49-F238E27FC236}">
+                <a16:creationId xmlns:a16="http://schemas.microsoft.com/office/drawing/2014/main" id="{C4C44905-6DB7-CB74-36A5-829948D73D86}"/>
+              </a:ext>
+            </a:extLst>
+          </p:cNvPr>
+          <p:cNvSpPr>
+            <a:spLocks noGrp="1"/>
+          </p:cNvSpPr>
+          <p:nvPr>
+            <p:ph type="ftr" sz="quarter" idx="4"/>
+          </p:nvPr>
+        </p:nvSpPr>
+        <p:spPr/>
+        <p:txBody>
+          <a:bodyPr/>
+          <a:lstStyle/>
+          <a:p>
+            <a:endParaRPr lang="en-US" dirty="0"/>
+          </a:p>
+        </p:txBody>
+      </p:sp>
+    </p:spTree>
+    <p:extLst>
+      <p:ext uri="{BB962C8B-B14F-4D97-AF65-F5344CB8AC3E}">
+        <p14:creationId xmlns:p14="http://schemas.microsoft.com/office/powerpoint/2010/main" val="2457848129"/>
+      </p:ext>
+    </p:extLst>
+  </p:cSld>
+  <p:clrMapOvr>
+    <a:masterClrMapping/>
+  </p:clrMapOvr>
+</p:notes>
+</file>
+
+<file path=ppt/notesSlides/notesSlide16.xml><?xml version="1.0" encoding="utf-8"?>
+<p:notes xmlns:a="http://schemas.openxmlformats.org/drawingml/2006/main" xmlns:r="http://schemas.openxmlformats.org/officeDocument/2006/relationships" xmlns:p="http://schemas.openxmlformats.org/presentationml/2006/main">
+  <p:cSld>
+    <p:spTree>
+      <p:nvGrpSpPr>
+        <p:cNvPr id="1" name="">
+          <a:extLst>
+            <a:ext uri="{FF2B5EF4-FFF2-40B4-BE49-F238E27FC236}">
+              <a16:creationId xmlns:a16="http://schemas.microsoft.com/office/drawing/2014/main" id="{969AB7BE-B5F0-1BA4-F2AA-E9E37CC03C33}"/>
+            </a:ext>
+          </a:extLst>
+        </p:cNvPr>
+        <p:cNvGrpSpPr/>
+        <p:nvPr/>
+      </p:nvGrpSpPr>
+      <p:grpSpPr>
+        <a:xfrm>
+          <a:off x="0" y="0"/>
+          <a:ext cx="0" cy="0"/>
+          <a:chOff x="0" y="0"/>
+          <a:chExt cx="0" cy="0"/>
+        </a:xfrm>
+      </p:grpSpPr>
+      <p:sp>
+        <p:nvSpPr>
+          <p:cNvPr id="2" name="Slide Image Placeholder 1">
+            <a:extLst>
+              <a:ext uri="{FF2B5EF4-FFF2-40B4-BE49-F238E27FC236}">
+                <a16:creationId xmlns:a16="http://schemas.microsoft.com/office/drawing/2014/main" id="{D8D03EC0-8EAE-CB61-3E5C-E3CED008C6C3}"/>
+              </a:ext>
+            </a:extLst>
+          </p:cNvPr>
+          <p:cNvSpPr>
+            <a:spLocks noGrp="1" noRot="1" noChangeAspect="1"/>
+          </p:cNvSpPr>
+          <p:nvPr>
+            <p:ph type="sldImg"/>
+          </p:nvPr>
+        </p:nvSpPr>
+        <p:spPr/>
+      </p:sp>
+      <p:sp>
+        <p:nvSpPr>
+          <p:cNvPr id="3" name="Notes Placeholder 2">
+            <a:extLst>
+              <a:ext uri="{FF2B5EF4-FFF2-40B4-BE49-F238E27FC236}">
+                <a16:creationId xmlns:a16="http://schemas.microsoft.com/office/drawing/2014/main" id="{CAEDDF49-1185-C77B-88F8-A7CAEB91165D}"/>
+              </a:ext>
+            </a:extLst>
+          </p:cNvPr>
+          <p:cNvSpPr>
+            <a:spLocks noGrp="1"/>
+          </p:cNvSpPr>
+          <p:nvPr>
+            <p:ph type="body" idx="1"/>
+          </p:nvPr>
+        </p:nvSpPr>
+        <p:spPr/>
+        <p:txBody>
+          <a:bodyPr/>
+          <a:lstStyle/>
+          <a:p>
+            <a:pPr marL="0" indent="0">
+              <a:buFont typeface="Arial" panose="020B0604020202020204" pitchFamily="34" charset="0"/>
+              <a:buNone/>
+            </a:pPr>
+            <a:endParaRPr lang="en-US" dirty="0"/>
+          </a:p>
+        </p:txBody>
+      </p:sp>
+      <p:sp>
+        <p:nvSpPr>
+          <p:cNvPr id="4" name="Footer Placeholder 3">
+            <a:extLst>
+              <a:ext uri="{FF2B5EF4-FFF2-40B4-BE49-F238E27FC236}">
+                <a16:creationId xmlns:a16="http://schemas.microsoft.com/office/drawing/2014/main" id="{3D83F748-1E73-6391-CB43-65005F3A2097}"/>
+              </a:ext>
+            </a:extLst>
+          </p:cNvPr>
+          <p:cNvSpPr>
+            <a:spLocks noGrp="1"/>
+          </p:cNvSpPr>
+          <p:nvPr>
+            <p:ph type="ftr" sz="quarter" idx="4"/>
+          </p:nvPr>
+        </p:nvSpPr>
+        <p:spPr/>
+        <p:txBody>
+          <a:bodyPr/>
+          <a:lstStyle/>
+          <a:p>
+            <a:endParaRPr lang="en-US" dirty="0"/>
+          </a:p>
+        </p:txBody>
+      </p:sp>
+    </p:spTree>
+    <p:extLst>
+      <p:ext uri="{BB962C8B-B14F-4D97-AF65-F5344CB8AC3E}">
+        <p14:creationId xmlns:p14="http://schemas.microsoft.com/office/powerpoint/2010/main" val="3980192197"/>
       </p:ext>
     </p:extLst>
   </p:cSld>
@@ -23874,7 +24092,7 @@
           <a:p>
             <a:fld id="{4E285625-C24A-4341-90BC-6CD71F835625}" type="datetimeFigureOut">
               <a:rPr lang="en-GB" smtClean="0"/>
-              <a:t>08/02/2024</a:t>
+              <a:t>19/02/2024</a:t>
             </a:fld>
             <a:endParaRPr lang="en-GB"/>
           </a:p>
@@ -35821,7 +36039,7 @@
                 <a:latin typeface="Source Sans Pro Light" panose="020B0403030403020204" pitchFamily="34" charset="77"/>
                 <a:ea typeface="Source Sans Pro" panose="020B0503030403020204" pitchFamily="34" charset="0"/>
               </a:rPr>
-              <a:t>Parallel</a:t>
+              <a:t>Single</a:t>
             </a:r>
           </a:p>
         </p:txBody>
@@ -40346,6 +40564,2447 @@
     <p:extLst>
       <p:ext uri="{BB962C8B-B14F-4D97-AF65-F5344CB8AC3E}">
         <p14:creationId xmlns:p14="http://schemas.microsoft.com/office/powerpoint/2010/main" val="2348798651"/>
+      </p:ext>
+    </p:extLst>
+  </p:cSld>
+  <p:clrMapOvr>
+    <a:masterClrMapping/>
+  </p:clrMapOvr>
+</p:sld>
+</file>
+
+<file path=ppt/slides/slide16.xml><?xml version="1.0" encoding="utf-8"?>
+<p:sld xmlns:a="http://schemas.openxmlformats.org/drawingml/2006/main" xmlns:r="http://schemas.openxmlformats.org/officeDocument/2006/relationships" xmlns:p="http://schemas.openxmlformats.org/presentationml/2006/main">
+  <p:cSld>
+    <p:spTree>
+      <p:nvGrpSpPr>
+        <p:cNvPr id="1" name="">
+          <a:extLst>
+            <a:ext uri="{FF2B5EF4-FFF2-40B4-BE49-F238E27FC236}">
+              <a16:creationId xmlns:a16="http://schemas.microsoft.com/office/drawing/2014/main" id="{6FDFF038-45E9-D927-3C1E-44BC295DAEE4}"/>
+            </a:ext>
+          </a:extLst>
+        </p:cNvPr>
+        <p:cNvGrpSpPr/>
+        <p:nvPr/>
+      </p:nvGrpSpPr>
+      <p:grpSpPr>
+        <a:xfrm>
+          <a:off x="0" y="0"/>
+          <a:ext cx="0" cy="0"/>
+          <a:chOff x="0" y="0"/>
+          <a:chExt cx="0" cy="0"/>
+        </a:xfrm>
+      </p:grpSpPr>
+      <p:cxnSp>
+        <p:nvCxnSpPr>
+          <p:cNvPr id="42" name="Connector: Elbow 41">
+            <a:extLst>
+              <a:ext uri="{FF2B5EF4-FFF2-40B4-BE49-F238E27FC236}">
+                <a16:creationId xmlns:a16="http://schemas.microsoft.com/office/drawing/2014/main" id="{5D7B427E-4073-C2EA-D4C2-BA4C59CC4064}"/>
+              </a:ext>
+            </a:extLst>
+          </p:cNvPr>
+          <p:cNvCxnSpPr>
+            <a:cxnSpLocks/>
+            <a:stCxn id="378" idx="3"/>
+            <a:endCxn id="101" idx="0"/>
+          </p:cNvCxnSpPr>
+          <p:nvPr/>
+        </p:nvCxnSpPr>
+        <p:spPr>
+          <a:xfrm rot="10800000" flipV="1">
+            <a:off x="2962160" y="1428897"/>
+            <a:ext cx="1227207" cy="1271838"/>
+          </a:xfrm>
+          <a:prstGeom prst="bentConnector2">
+            <a:avLst/>
+          </a:prstGeom>
+          <a:ln w="19050">
+            <a:tailEnd type="triangle"/>
+          </a:ln>
+        </p:spPr>
+        <p:style>
+          <a:lnRef idx="1">
+            <a:schemeClr val="accent1"/>
+          </a:lnRef>
+          <a:fillRef idx="0">
+            <a:schemeClr val="accent1"/>
+          </a:fillRef>
+          <a:effectRef idx="0">
+            <a:schemeClr val="accent1"/>
+          </a:effectRef>
+          <a:fontRef idx="minor">
+            <a:schemeClr val="tx1"/>
+          </a:fontRef>
+        </p:style>
+      </p:cxnSp>
+      <p:sp>
+        <p:nvSpPr>
+          <p:cNvPr id="45" name="TextBox 44">
+            <a:extLst>
+              <a:ext uri="{FF2B5EF4-FFF2-40B4-BE49-F238E27FC236}">
+                <a16:creationId xmlns:a16="http://schemas.microsoft.com/office/drawing/2014/main" id="{352916D1-D382-5ADE-60C2-A0A75F0CEDC5}"/>
+              </a:ext>
+            </a:extLst>
+          </p:cNvPr>
+          <p:cNvSpPr txBox="1"/>
+          <p:nvPr/>
+        </p:nvSpPr>
+        <p:spPr>
+          <a:xfrm>
+            <a:off x="3575763" y="1137589"/>
+            <a:ext cx="799857" cy="215444"/>
+          </a:xfrm>
+          <a:prstGeom prst="rect">
+            <a:avLst/>
+          </a:prstGeom>
+          <a:noFill/>
+        </p:spPr>
+        <p:txBody>
+          <a:bodyPr vert="horz" wrap="square" lIns="0" tIns="0" rIns="0" bIns="0" numCol="1" spcCol="288000" rtlCol="0" anchor="t" anchorCtr="0">
+            <a:spAutoFit/>
+          </a:bodyPr>
+          <a:lstStyle/>
+          <a:p>
+            <a:pPr algn="l">
+              <a:spcBef>
+                <a:spcPts val="0"/>
+              </a:spcBef>
+              <a:spcAft>
+                <a:spcPts val="600"/>
+              </a:spcAft>
+            </a:pPr>
+            <a:r>
+              <a:rPr lang="en-US" sz="1400" b="0" i="0" spc="0" dirty="0">
+                <a:ln>
+                  <a:noFill/>
+                </a:ln>
+                <a:solidFill>
+                  <a:schemeClr val="tx2"/>
+                </a:solidFill>
+                <a:latin typeface="Source Sans Pro Light" charset="0"/>
+                <a:ea typeface="Source Sans Pro Light" charset="0"/>
+                <a:cs typeface="Source Sans Pro Light" charset="0"/>
+              </a:rPr>
+              <a:t>0 buffer</a:t>
+            </a:r>
+          </a:p>
+        </p:txBody>
+      </p:sp>
+      <p:cxnSp>
+        <p:nvCxnSpPr>
+          <p:cNvPr id="47" name="Connector: Elbow 46">
+            <a:extLst>
+              <a:ext uri="{FF2B5EF4-FFF2-40B4-BE49-F238E27FC236}">
+                <a16:creationId xmlns:a16="http://schemas.microsoft.com/office/drawing/2014/main" id="{4A868C56-EA38-B71D-6DAB-DDEDCC5120CC}"/>
+              </a:ext>
+            </a:extLst>
+          </p:cNvPr>
+          <p:cNvCxnSpPr>
+            <a:cxnSpLocks/>
+            <a:stCxn id="378" idx="7"/>
+            <a:endCxn id="103" idx="0"/>
+          </p:cNvCxnSpPr>
+          <p:nvPr/>
+        </p:nvCxnSpPr>
+        <p:spPr>
+          <a:xfrm>
+            <a:off x="5917366" y="1428897"/>
+            <a:ext cx="1236999" cy="1271838"/>
+          </a:xfrm>
+          <a:prstGeom prst="bentConnector2">
+            <a:avLst/>
+          </a:prstGeom>
+          <a:ln w="19050">
+            <a:tailEnd type="triangle"/>
+          </a:ln>
+        </p:spPr>
+        <p:style>
+          <a:lnRef idx="1">
+            <a:schemeClr val="accent1"/>
+          </a:lnRef>
+          <a:fillRef idx="0">
+            <a:schemeClr val="accent1"/>
+          </a:fillRef>
+          <a:effectRef idx="0">
+            <a:schemeClr val="accent1"/>
+          </a:effectRef>
+          <a:fontRef idx="minor">
+            <a:schemeClr val="tx1"/>
+          </a:fontRef>
+        </p:style>
+      </p:cxnSp>
+      <p:sp>
+        <p:nvSpPr>
+          <p:cNvPr id="101" name="Rectangle: Rounded Corners 100">
+            <a:extLst>
+              <a:ext uri="{FF2B5EF4-FFF2-40B4-BE49-F238E27FC236}">
+                <a16:creationId xmlns:a16="http://schemas.microsoft.com/office/drawing/2014/main" id="{0F43D8D6-21F7-BAE3-9C69-BC7DB4847E15}"/>
+              </a:ext>
+            </a:extLst>
+          </p:cNvPr>
+          <p:cNvSpPr/>
+          <p:nvPr/>
+        </p:nvSpPr>
+        <p:spPr>
+          <a:xfrm>
+            <a:off x="2098159" y="2700735"/>
+            <a:ext cx="1728000" cy="720000"/>
+          </a:xfrm>
+          <a:prstGeom prst="roundRect">
+            <a:avLst/>
+          </a:prstGeom>
+          <a:ln/>
+        </p:spPr>
+        <p:style>
+          <a:lnRef idx="2">
+            <a:schemeClr val="accent5"/>
+          </a:lnRef>
+          <a:fillRef idx="1">
+            <a:schemeClr val="lt1"/>
+          </a:fillRef>
+          <a:effectRef idx="0">
+            <a:schemeClr val="accent5"/>
+          </a:effectRef>
+          <a:fontRef idx="minor">
+            <a:schemeClr val="dk1"/>
+          </a:fontRef>
+        </p:style>
+        <p:txBody>
+          <a:bodyPr rtlCol="0" anchor="ctr"/>
+          <a:lstStyle/>
+          <a:p>
+            <a:pPr algn="ctr"/>
+            <a:r>
+              <a:rPr lang="en-US" sz="2000" b="1" dirty="0">
+                <a:solidFill>
+                  <a:schemeClr val="tx2"/>
+                </a:solidFill>
+                <a:latin typeface="Source Sans Pro Light" panose="020B0403030403020204" pitchFamily="34" charset="77"/>
+                <a:ea typeface="Source Sans Pro" panose="020B0503030403020204" pitchFamily="34" charset="0"/>
+              </a:rPr>
+              <a:t>Partial</a:t>
+            </a:r>
+          </a:p>
+        </p:txBody>
+      </p:sp>
+      <p:sp>
+        <p:nvSpPr>
+          <p:cNvPr id="102" name="Rectangle: Rounded Corners 101">
+            <a:extLst>
+              <a:ext uri="{FF2B5EF4-FFF2-40B4-BE49-F238E27FC236}">
+                <a16:creationId xmlns:a16="http://schemas.microsoft.com/office/drawing/2014/main" id="{694AD508-D760-BCA6-5CF3-4F77C6AF53A6}"/>
+              </a:ext>
+            </a:extLst>
+          </p:cNvPr>
+          <p:cNvSpPr/>
+          <p:nvPr/>
+        </p:nvSpPr>
+        <p:spPr>
+          <a:xfrm>
+            <a:off x="4194262" y="2700735"/>
+            <a:ext cx="1728000" cy="720000"/>
+          </a:xfrm>
+          <a:prstGeom prst="roundRect">
+            <a:avLst/>
+          </a:prstGeom>
+          <a:ln/>
+        </p:spPr>
+        <p:style>
+          <a:lnRef idx="2">
+            <a:schemeClr val="accent5"/>
+          </a:lnRef>
+          <a:fillRef idx="1">
+            <a:schemeClr val="lt1"/>
+          </a:fillRef>
+          <a:effectRef idx="0">
+            <a:schemeClr val="accent5"/>
+          </a:effectRef>
+          <a:fontRef idx="minor">
+            <a:schemeClr val="dk1"/>
+          </a:fontRef>
+        </p:style>
+        <p:txBody>
+          <a:bodyPr rtlCol="0" anchor="ctr"/>
+          <a:lstStyle/>
+          <a:p>
+            <a:pPr algn="ctr"/>
+            <a:r>
+              <a:rPr lang="en-US" sz="2000" b="1" dirty="0">
+                <a:solidFill>
+                  <a:schemeClr val="tx2"/>
+                </a:solidFill>
+                <a:latin typeface="Source Sans Pro Light" panose="020B0403030403020204" pitchFamily="34" charset="77"/>
+                <a:ea typeface="Source Sans Pro" panose="020B0503030403020204" pitchFamily="34" charset="0"/>
+              </a:rPr>
+              <a:t>Single</a:t>
+            </a:r>
+          </a:p>
+        </p:txBody>
+      </p:sp>
+      <p:sp>
+        <p:nvSpPr>
+          <p:cNvPr id="103" name="Rectangle: Rounded Corners 102">
+            <a:extLst>
+              <a:ext uri="{FF2B5EF4-FFF2-40B4-BE49-F238E27FC236}">
+                <a16:creationId xmlns:a16="http://schemas.microsoft.com/office/drawing/2014/main" id="{0503D9B7-F3C6-B8B5-2C8B-020368A0EA2A}"/>
+              </a:ext>
+            </a:extLst>
+          </p:cNvPr>
+          <p:cNvSpPr/>
+          <p:nvPr/>
+        </p:nvSpPr>
+        <p:spPr>
+          <a:xfrm>
+            <a:off x="6290365" y="2700735"/>
+            <a:ext cx="1728000" cy="720000"/>
+          </a:xfrm>
+          <a:prstGeom prst="roundRect">
+            <a:avLst/>
+          </a:prstGeom>
+          <a:ln/>
+        </p:spPr>
+        <p:style>
+          <a:lnRef idx="2">
+            <a:schemeClr val="accent5"/>
+          </a:lnRef>
+          <a:fillRef idx="1">
+            <a:schemeClr val="lt1"/>
+          </a:fillRef>
+          <a:effectRef idx="0">
+            <a:schemeClr val="accent5"/>
+          </a:effectRef>
+          <a:fontRef idx="minor">
+            <a:schemeClr val="dk1"/>
+          </a:fontRef>
+        </p:style>
+        <p:txBody>
+          <a:bodyPr rtlCol="0" anchor="ctr"/>
+          <a:lstStyle/>
+          <a:p>
+            <a:pPr algn="ctr"/>
+            <a:r>
+              <a:rPr lang="en-US" sz="2000" b="1" dirty="0">
+                <a:solidFill>
+                  <a:schemeClr val="tx2"/>
+                </a:solidFill>
+                <a:latin typeface="Source Sans Pro Light" panose="020B0403030403020204" pitchFamily="34" charset="77"/>
+                <a:ea typeface="Source Sans Pro" panose="020B0503030403020204" pitchFamily="34" charset="0"/>
+              </a:rPr>
+              <a:t>Copy &amp; Swap</a:t>
+            </a:r>
+          </a:p>
+        </p:txBody>
+      </p:sp>
+      <p:sp>
+        <p:nvSpPr>
+          <p:cNvPr id="104" name="Rectangle: Rounded Corners 103">
+            <a:extLst>
+              <a:ext uri="{FF2B5EF4-FFF2-40B4-BE49-F238E27FC236}">
+                <a16:creationId xmlns:a16="http://schemas.microsoft.com/office/drawing/2014/main" id="{62699CBC-D300-F506-A40D-2A7ADEE5F9D6}"/>
+              </a:ext>
+            </a:extLst>
+          </p:cNvPr>
+          <p:cNvSpPr/>
+          <p:nvPr/>
+        </p:nvSpPr>
+        <p:spPr>
+          <a:xfrm>
+            <a:off x="2056" y="2700735"/>
+            <a:ext cx="1728000" cy="720000"/>
+          </a:xfrm>
+          <a:prstGeom prst="roundRect">
+            <a:avLst/>
+          </a:prstGeom>
+          <a:ln>
+            <a:solidFill>
+              <a:schemeClr val="accent4">
+                <a:lumMod val="40000"/>
+                <a:lumOff val="60000"/>
+              </a:schemeClr>
+            </a:solidFill>
+            <a:prstDash val="dash"/>
+          </a:ln>
+        </p:spPr>
+        <p:style>
+          <a:lnRef idx="2">
+            <a:schemeClr val="accent5"/>
+          </a:lnRef>
+          <a:fillRef idx="1">
+            <a:schemeClr val="lt1"/>
+          </a:fillRef>
+          <a:effectRef idx="0">
+            <a:schemeClr val="accent5"/>
+          </a:effectRef>
+          <a:fontRef idx="minor">
+            <a:schemeClr val="dk1"/>
+          </a:fontRef>
+        </p:style>
+        <p:txBody>
+          <a:bodyPr rtlCol="0" anchor="ctr"/>
+          <a:lstStyle/>
+          <a:p>
+            <a:pPr algn="ctr"/>
+            <a:r>
+              <a:rPr lang="en-US" sz="2000" b="1" dirty="0">
+                <a:solidFill>
+                  <a:schemeClr val="tx2">
+                    <a:lumMod val="60000"/>
+                    <a:lumOff val="40000"/>
+                  </a:schemeClr>
+                </a:solidFill>
+                <a:latin typeface="Source Sans Pro Light" panose="020B0403030403020204" pitchFamily="34" charset="77"/>
+                <a:ea typeface="Source Sans Pro" panose="020B0503030403020204" pitchFamily="34" charset="0"/>
+              </a:rPr>
+              <a:t>Direct</a:t>
+            </a:r>
+          </a:p>
+        </p:txBody>
+      </p:sp>
+      <p:sp>
+        <p:nvSpPr>
+          <p:cNvPr id="105" name="Rectangle: Rounded Corners 104">
+            <a:extLst>
+              <a:ext uri="{FF2B5EF4-FFF2-40B4-BE49-F238E27FC236}">
+                <a16:creationId xmlns:a16="http://schemas.microsoft.com/office/drawing/2014/main" id="{0AD11061-46BC-FCFF-61CD-7AF65F26DBDA}"/>
+              </a:ext>
+            </a:extLst>
+          </p:cNvPr>
+          <p:cNvSpPr/>
+          <p:nvPr/>
+        </p:nvSpPr>
+        <p:spPr>
+          <a:xfrm>
+            <a:off x="8386468" y="2700735"/>
+            <a:ext cx="1728000" cy="720000"/>
+          </a:xfrm>
+          <a:prstGeom prst="roundRect">
+            <a:avLst/>
+          </a:prstGeom>
+          <a:ln>
+            <a:solidFill>
+              <a:schemeClr val="accent4">
+                <a:lumMod val="40000"/>
+                <a:lumOff val="60000"/>
+              </a:schemeClr>
+            </a:solidFill>
+            <a:prstDash val="dash"/>
+          </a:ln>
+        </p:spPr>
+        <p:style>
+          <a:lnRef idx="2">
+            <a:schemeClr val="accent5"/>
+          </a:lnRef>
+          <a:fillRef idx="1">
+            <a:schemeClr val="lt1"/>
+          </a:fillRef>
+          <a:effectRef idx="0">
+            <a:schemeClr val="accent5"/>
+          </a:effectRef>
+          <a:fontRef idx="minor">
+            <a:schemeClr val="dk1"/>
+          </a:fontRef>
+        </p:style>
+        <p:txBody>
+          <a:bodyPr rtlCol="0" anchor="ctr"/>
+          <a:lstStyle/>
+          <a:p>
+            <a:pPr algn="ctr"/>
+            <a:r>
+              <a:rPr lang="en-US" sz="2000" b="1" dirty="0">
+                <a:solidFill>
+                  <a:schemeClr val="tx2">
+                    <a:lumMod val="60000"/>
+                    <a:lumOff val="40000"/>
+                  </a:schemeClr>
+                </a:solidFill>
+                <a:latin typeface="Source Sans Pro Light" panose="020B0403030403020204" pitchFamily="34" charset="77"/>
+                <a:ea typeface="Source Sans Pro" panose="020B0503030403020204" pitchFamily="34" charset="0"/>
+              </a:rPr>
+              <a:t>Swap Double</a:t>
+            </a:r>
+          </a:p>
+        </p:txBody>
+      </p:sp>
+      <p:sp>
+        <p:nvSpPr>
+          <p:cNvPr id="106" name="Rectangle: Rounded Corners 105">
+            <a:extLst>
+              <a:ext uri="{FF2B5EF4-FFF2-40B4-BE49-F238E27FC236}">
+                <a16:creationId xmlns:a16="http://schemas.microsoft.com/office/drawing/2014/main" id="{544385FC-9ECE-D0DE-9F83-A56B911ABDA0}"/>
+              </a:ext>
+            </a:extLst>
+          </p:cNvPr>
+          <p:cNvSpPr/>
+          <p:nvPr/>
+        </p:nvSpPr>
+        <p:spPr>
+          <a:xfrm>
+            <a:off x="10482569" y="2700735"/>
+            <a:ext cx="1728000" cy="720000"/>
+          </a:xfrm>
+          <a:prstGeom prst="roundRect">
+            <a:avLst/>
+          </a:prstGeom>
+          <a:ln>
+            <a:solidFill>
+              <a:schemeClr val="accent4">
+                <a:lumMod val="40000"/>
+                <a:lumOff val="60000"/>
+              </a:schemeClr>
+            </a:solidFill>
+            <a:prstDash val="dash"/>
+          </a:ln>
+        </p:spPr>
+        <p:style>
+          <a:lnRef idx="2">
+            <a:schemeClr val="accent5"/>
+          </a:lnRef>
+          <a:fillRef idx="1">
+            <a:schemeClr val="lt1"/>
+          </a:fillRef>
+          <a:effectRef idx="0">
+            <a:schemeClr val="accent5"/>
+          </a:effectRef>
+          <a:fontRef idx="minor">
+            <a:schemeClr val="dk1"/>
+          </a:fontRef>
+        </p:style>
+        <p:txBody>
+          <a:bodyPr rtlCol="0" anchor="ctr"/>
+          <a:lstStyle/>
+          <a:p>
+            <a:pPr algn="ctr"/>
+            <a:r>
+              <a:rPr lang="en-US" sz="2000" b="1" dirty="0">
+                <a:solidFill>
+                  <a:schemeClr val="tx2">
+                    <a:lumMod val="60000"/>
+                    <a:lumOff val="40000"/>
+                  </a:schemeClr>
+                </a:solidFill>
+                <a:latin typeface="Source Sans Pro Light" panose="020B0403030403020204" pitchFamily="34" charset="77"/>
+                <a:ea typeface="Source Sans Pro" panose="020B0503030403020204" pitchFamily="34" charset="0"/>
+              </a:rPr>
+              <a:t>Swap Triple</a:t>
+            </a:r>
+          </a:p>
+        </p:txBody>
+      </p:sp>
+      <p:sp>
+        <p:nvSpPr>
+          <p:cNvPr id="378" name="Arrow: Left-Right 377">
+            <a:extLst>
+              <a:ext uri="{FF2B5EF4-FFF2-40B4-BE49-F238E27FC236}">
+                <a16:creationId xmlns:a16="http://schemas.microsoft.com/office/drawing/2014/main" id="{155CF700-018A-24E4-72C8-0FB6DA6D293D}"/>
+              </a:ext>
+            </a:extLst>
+          </p:cNvPr>
+          <p:cNvSpPr/>
+          <p:nvPr/>
+        </p:nvSpPr>
+        <p:spPr>
+          <a:xfrm>
+            <a:off x="4189366" y="1068897"/>
+            <a:ext cx="1728000" cy="720000"/>
+          </a:xfrm>
+          <a:prstGeom prst="leftRightArrow">
+            <a:avLst>
+              <a:gd name="adj1" fmla="val 100000"/>
+              <a:gd name="adj2" fmla="val 28824"/>
+            </a:avLst>
+          </a:prstGeom>
+          <a:ln>
+            <a:headEnd type="none" w="med" len="med"/>
+            <a:tailEnd type="none" w="med" len="med"/>
+          </a:ln>
+        </p:spPr>
+        <p:style>
+          <a:lnRef idx="2">
+            <a:schemeClr val="accent2"/>
+          </a:lnRef>
+          <a:fillRef idx="1">
+            <a:schemeClr val="lt1"/>
+          </a:fillRef>
+          <a:effectRef idx="0">
+            <a:schemeClr val="accent2"/>
+          </a:effectRef>
+          <a:fontRef idx="minor">
+            <a:schemeClr val="dk1"/>
+          </a:fontRef>
+        </p:style>
+        <p:txBody>
+          <a:bodyPr lIns="0" tIns="0" rIns="0" bIns="0" rtlCol="0" anchor="ctr"/>
+          <a:lstStyle/>
+          <a:p>
+            <a:pPr algn="ctr"/>
+            <a:r>
+              <a:rPr lang="en-US" sz="1400" dirty="0">
+                <a:solidFill>
+                  <a:schemeClr val="tx1"/>
+                </a:solidFill>
+              </a:rPr>
+              <a:t>Available RAM</a:t>
+            </a:r>
+          </a:p>
+          <a:p>
+            <a:pPr algn="ctr"/>
+            <a:r>
+              <a:rPr lang="en-US" sz="1400" dirty="0">
+                <a:solidFill>
+                  <a:schemeClr val="tx1"/>
+                </a:solidFill>
+              </a:rPr>
+              <a:t>for n buffer(s)</a:t>
+            </a:r>
+          </a:p>
+        </p:txBody>
+      </p:sp>
+      <p:sp>
+        <p:nvSpPr>
+          <p:cNvPr id="468" name="TextBox 467">
+            <a:extLst>
+              <a:ext uri="{FF2B5EF4-FFF2-40B4-BE49-F238E27FC236}">
+                <a16:creationId xmlns:a16="http://schemas.microsoft.com/office/drawing/2014/main" id="{0D140FD1-2C8B-C196-1BB5-06FE922DE008}"/>
+              </a:ext>
+            </a:extLst>
+          </p:cNvPr>
+          <p:cNvSpPr txBox="1"/>
+          <p:nvPr/>
+        </p:nvSpPr>
+        <p:spPr>
+          <a:xfrm>
+            <a:off x="6085895" y="1137589"/>
+            <a:ext cx="736601" cy="215444"/>
+          </a:xfrm>
+          <a:prstGeom prst="rect">
+            <a:avLst/>
+          </a:prstGeom>
+          <a:noFill/>
+        </p:spPr>
+        <p:txBody>
+          <a:bodyPr vert="horz" wrap="square" lIns="0" tIns="0" rIns="0" bIns="0" numCol="1" spcCol="288000" rtlCol="0" anchor="t" anchorCtr="0">
+            <a:spAutoFit/>
+          </a:bodyPr>
+          <a:lstStyle/>
+          <a:p>
+            <a:pPr algn="l">
+              <a:spcBef>
+                <a:spcPts val="0"/>
+              </a:spcBef>
+              <a:spcAft>
+                <a:spcPts val="600"/>
+              </a:spcAft>
+            </a:pPr>
+            <a:r>
+              <a:rPr lang="en-US" sz="1400" dirty="0">
+                <a:solidFill>
+                  <a:schemeClr val="tx2"/>
+                </a:solidFill>
+                <a:latin typeface="Source Sans Pro Light" charset="0"/>
+                <a:ea typeface="Source Sans Pro Light" charset="0"/>
+                <a:cs typeface="Source Sans Pro Light" charset="0"/>
+              </a:rPr>
+              <a:t>2 buffers</a:t>
+            </a:r>
+            <a:endParaRPr lang="en-US" sz="1400" b="0" i="0" spc="0" dirty="0">
+              <a:ln>
+                <a:noFill/>
+              </a:ln>
+              <a:solidFill>
+                <a:schemeClr val="tx2"/>
+              </a:solidFill>
+              <a:latin typeface="Source Sans Pro Light" charset="0"/>
+              <a:ea typeface="Source Sans Pro Light" charset="0"/>
+              <a:cs typeface="Source Sans Pro Light" charset="0"/>
+            </a:endParaRPr>
+          </a:p>
+        </p:txBody>
+      </p:sp>
+      <p:sp>
+        <p:nvSpPr>
+          <p:cNvPr id="2" name="TextBox 1">
+            <a:extLst>
+              <a:ext uri="{FF2B5EF4-FFF2-40B4-BE49-F238E27FC236}">
+                <a16:creationId xmlns:a16="http://schemas.microsoft.com/office/drawing/2014/main" id="{B8DC905C-BBC6-1CD1-63C9-1357E6EA3A54}"/>
+              </a:ext>
+            </a:extLst>
+          </p:cNvPr>
+          <p:cNvSpPr txBox="1"/>
+          <p:nvPr/>
+        </p:nvSpPr>
+        <p:spPr>
+          <a:xfrm>
+            <a:off x="5168200" y="1859454"/>
+            <a:ext cx="736601" cy="215444"/>
+          </a:xfrm>
+          <a:prstGeom prst="rect">
+            <a:avLst/>
+          </a:prstGeom>
+          <a:noFill/>
+        </p:spPr>
+        <p:txBody>
+          <a:bodyPr vert="horz" wrap="square" lIns="0" tIns="0" rIns="0" bIns="0" numCol="1" spcCol="288000" rtlCol="0" anchor="t" anchorCtr="0">
+            <a:spAutoFit/>
+          </a:bodyPr>
+          <a:lstStyle/>
+          <a:p>
+            <a:pPr algn="l">
+              <a:spcBef>
+                <a:spcPts val="0"/>
+              </a:spcBef>
+              <a:spcAft>
+                <a:spcPts val="600"/>
+              </a:spcAft>
+            </a:pPr>
+            <a:r>
+              <a:rPr lang="en-US" sz="1400" dirty="0">
+                <a:solidFill>
+                  <a:schemeClr val="tx2"/>
+                </a:solidFill>
+                <a:latin typeface="Source Sans Pro Light" charset="0"/>
+                <a:ea typeface="Source Sans Pro Light" charset="0"/>
+                <a:cs typeface="Source Sans Pro Light" charset="0"/>
+              </a:rPr>
+              <a:t>1 buffer</a:t>
+            </a:r>
+            <a:endParaRPr lang="en-US" sz="1400" b="0" i="0" spc="0" dirty="0">
+              <a:ln>
+                <a:noFill/>
+              </a:ln>
+              <a:solidFill>
+                <a:schemeClr val="tx2"/>
+              </a:solidFill>
+              <a:latin typeface="Source Sans Pro Light" charset="0"/>
+              <a:ea typeface="Source Sans Pro Light" charset="0"/>
+              <a:cs typeface="Source Sans Pro Light" charset="0"/>
+            </a:endParaRPr>
+          </a:p>
+        </p:txBody>
+      </p:sp>
+      <p:cxnSp>
+        <p:nvCxnSpPr>
+          <p:cNvPr id="12" name="Straight Arrow Connector 11">
+            <a:extLst>
+              <a:ext uri="{FF2B5EF4-FFF2-40B4-BE49-F238E27FC236}">
+                <a16:creationId xmlns:a16="http://schemas.microsoft.com/office/drawing/2014/main" id="{4101F69D-A413-DA30-5A5F-5B509BE5791F}"/>
+              </a:ext>
+            </a:extLst>
+          </p:cNvPr>
+          <p:cNvCxnSpPr>
+            <a:stCxn id="378" idx="5"/>
+            <a:endCxn id="102" idx="0"/>
+          </p:cNvCxnSpPr>
+          <p:nvPr/>
+        </p:nvCxnSpPr>
+        <p:spPr>
+          <a:xfrm>
+            <a:off x="5053366" y="1788897"/>
+            <a:ext cx="4896" cy="911838"/>
+          </a:xfrm>
+          <a:prstGeom prst="straightConnector1">
+            <a:avLst/>
+          </a:prstGeom>
+          <a:ln w="19050">
+            <a:tailEnd type="triangle"/>
+          </a:ln>
+        </p:spPr>
+        <p:style>
+          <a:lnRef idx="1">
+            <a:schemeClr val="accent1"/>
+          </a:lnRef>
+          <a:fillRef idx="0">
+            <a:schemeClr val="accent1"/>
+          </a:fillRef>
+          <a:effectRef idx="0">
+            <a:schemeClr val="accent1"/>
+          </a:effectRef>
+          <a:fontRef idx="minor">
+            <a:schemeClr val="tx1"/>
+          </a:fontRef>
+        </p:style>
+      </p:cxnSp>
+    </p:spTree>
+    <p:extLst>
+      <p:ext uri="{BB962C8B-B14F-4D97-AF65-F5344CB8AC3E}">
+        <p14:creationId xmlns:p14="http://schemas.microsoft.com/office/powerpoint/2010/main" val="3970490044"/>
+      </p:ext>
+    </p:extLst>
+  </p:cSld>
+  <p:clrMapOvr>
+    <a:masterClrMapping/>
+  </p:clrMapOvr>
+</p:sld>
+</file>
+
+<file path=ppt/slides/slide17.xml><?xml version="1.0" encoding="utf-8"?>
+<p:sld xmlns:a="http://schemas.openxmlformats.org/drawingml/2006/main" xmlns:r="http://schemas.openxmlformats.org/officeDocument/2006/relationships" xmlns:p="http://schemas.openxmlformats.org/presentationml/2006/main">
+  <p:cSld>
+    <p:spTree>
+      <p:nvGrpSpPr>
+        <p:cNvPr id="1" name="">
+          <a:extLst>
+            <a:ext uri="{FF2B5EF4-FFF2-40B4-BE49-F238E27FC236}">
+              <a16:creationId xmlns:a16="http://schemas.microsoft.com/office/drawing/2014/main" id="{B8496C05-7E36-E387-487A-F839E1E144D3}"/>
+            </a:ext>
+          </a:extLst>
+        </p:cNvPr>
+        <p:cNvGrpSpPr/>
+        <p:nvPr/>
+      </p:nvGrpSpPr>
+      <p:grpSpPr>
+        <a:xfrm>
+          <a:off x="0" y="0"/>
+          <a:ext cx="0" cy="0"/>
+          <a:chOff x="0" y="0"/>
+          <a:chExt cx="0" cy="0"/>
+        </a:xfrm>
+      </p:grpSpPr>
+      <p:sp>
+        <p:nvSpPr>
+          <p:cNvPr id="101" name="Rectangle: Rounded Corners 100">
+            <a:extLst>
+              <a:ext uri="{FF2B5EF4-FFF2-40B4-BE49-F238E27FC236}">
+                <a16:creationId xmlns:a16="http://schemas.microsoft.com/office/drawing/2014/main" id="{E65FC6EA-4686-177B-A786-DC2C95951F5B}"/>
+              </a:ext>
+            </a:extLst>
+          </p:cNvPr>
+          <p:cNvSpPr/>
+          <p:nvPr/>
+        </p:nvSpPr>
+        <p:spPr>
+          <a:xfrm>
+            <a:off x="2096103" y="4311820"/>
+            <a:ext cx="1728000" cy="720000"/>
+          </a:xfrm>
+          <a:prstGeom prst="roundRect">
+            <a:avLst/>
+          </a:prstGeom>
+          <a:ln/>
+        </p:spPr>
+        <p:style>
+          <a:lnRef idx="2">
+            <a:schemeClr val="accent5"/>
+          </a:lnRef>
+          <a:fillRef idx="1">
+            <a:schemeClr val="lt1"/>
+          </a:fillRef>
+          <a:effectRef idx="0">
+            <a:schemeClr val="accent5"/>
+          </a:effectRef>
+          <a:fontRef idx="minor">
+            <a:schemeClr val="dk1"/>
+          </a:fontRef>
+        </p:style>
+        <p:txBody>
+          <a:bodyPr rtlCol="0" anchor="ctr"/>
+          <a:lstStyle/>
+          <a:p>
+            <a:pPr algn="ctr"/>
+            <a:r>
+              <a:rPr lang="en-US" sz="2000" b="1" dirty="0">
+                <a:solidFill>
+                  <a:schemeClr val="tx2"/>
+                </a:solidFill>
+                <a:latin typeface="Source Sans Pro Light" panose="020B0403030403020204" pitchFamily="34" charset="77"/>
+                <a:ea typeface="Source Sans Pro" panose="020B0503030403020204" pitchFamily="34" charset="0"/>
+              </a:rPr>
+              <a:t>Partial</a:t>
+            </a:r>
+          </a:p>
+        </p:txBody>
+      </p:sp>
+      <p:sp>
+        <p:nvSpPr>
+          <p:cNvPr id="102" name="Rectangle: Rounded Corners 101">
+            <a:extLst>
+              <a:ext uri="{FF2B5EF4-FFF2-40B4-BE49-F238E27FC236}">
+                <a16:creationId xmlns:a16="http://schemas.microsoft.com/office/drawing/2014/main" id="{090CFE8F-6454-F3A2-573B-5F98589B6039}"/>
+              </a:ext>
+            </a:extLst>
+          </p:cNvPr>
+          <p:cNvSpPr/>
+          <p:nvPr/>
+        </p:nvSpPr>
+        <p:spPr>
+          <a:xfrm>
+            <a:off x="4192206" y="4311820"/>
+            <a:ext cx="1728000" cy="720000"/>
+          </a:xfrm>
+          <a:prstGeom prst="roundRect">
+            <a:avLst/>
+          </a:prstGeom>
+          <a:ln/>
+        </p:spPr>
+        <p:style>
+          <a:lnRef idx="2">
+            <a:schemeClr val="accent5"/>
+          </a:lnRef>
+          <a:fillRef idx="1">
+            <a:schemeClr val="lt1"/>
+          </a:fillRef>
+          <a:effectRef idx="0">
+            <a:schemeClr val="accent5"/>
+          </a:effectRef>
+          <a:fontRef idx="minor">
+            <a:schemeClr val="dk1"/>
+          </a:fontRef>
+        </p:style>
+        <p:txBody>
+          <a:bodyPr rtlCol="0" anchor="ctr"/>
+          <a:lstStyle/>
+          <a:p>
+            <a:pPr algn="ctr"/>
+            <a:r>
+              <a:rPr lang="en-US" sz="2000" b="1" dirty="0">
+                <a:solidFill>
+                  <a:schemeClr val="tx2"/>
+                </a:solidFill>
+                <a:latin typeface="Source Sans Pro Light" panose="020B0403030403020204" pitchFamily="34" charset="77"/>
+                <a:ea typeface="Source Sans Pro" panose="020B0503030403020204" pitchFamily="34" charset="0"/>
+              </a:rPr>
+              <a:t>Single</a:t>
+            </a:r>
+          </a:p>
+        </p:txBody>
+      </p:sp>
+      <p:sp>
+        <p:nvSpPr>
+          <p:cNvPr id="103" name="Rectangle: Rounded Corners 102">
+            <a:extLst>
+              <a:ext uri="{FF2B5EF4-FFF2-40B4-BE49-F238E27FC236}">
+                <a16:creationId xmlns:a16="http://schemas.microsoft.com/office/drawing/2014/main" id="{F40C5512-0F15-2C7D-CE61-A408875D4270}"/>
+              </a:ext>
+            </a:extLst>
+          </p:cNvPr>
+          <p:cNvSpPr/>
+          <p:nvPr/>
+        </p:nvSpPr>
+        <p:spPr>
+          <a:xfrm>
+            <a:off x="6288309" y="4311820"/>
+            <a:ext cx="1728000" cy="720000"/>
+          </a:xfrm>
+          <a:prstGeom prst="roundRect">
+            <a:avLst/>
+          </a:prstGeom>
+          <a:ln/>
+        </p:spPr>
+        <p:style>
+          <a:lnRef idx="2">
+            <a:schemeClr val="accent5"/>
+          </a:lnRef>
+          <a:fillRef idx="1">
+            <a:schemeClr val="lt1"/>
+          </a:fillRef>
+          <a:effectRef idx="0">
+            <a:schemeClr val="accent5"/>
+          </a:effectRef>
+          <a:fontRef idx="minor">
+            <a:schemeClr val="dk1"/>
+          </a:fontRef>
+        </p:style>
+        <p:txBody>
+          <a:bodyPr rtlCol="0" anchor="ctr"/>
+          <a:lstStyle/>
+          <a:p>
+            <a:pPr algn="ctr"/>
+            <a:r>
+              <a:rPr lang="en-US" sz="2000" b="1" dirty="0">
+                <a:solidFill>
+                  <a:schemeClr val="tx2"/>
+                </a:solidFill>
+                <a:latin typeface="Source Sans Pro Light" panose="020B0403030403020204" pitchFamily="34" charset="77"/>
+                <a:ea typeface="Source Sans Pro" panose="020B0503030403020204" pitchFamily="34" charset="0"/>
+              </a:rPr>
+              <a:t>Copy &amp; Swap</a:t>
+            </a:r>
+          </a:p>
+        </p:txBody>
+      </p:sp>
+      <p:sp>
+        <p:nvSpPr>
+          <p:cNvPr id="104" name="Rectangle: Rounded Corners 103">
+            <a:extLst>
+              <a:ext uri="{FF2B5EF4-FFF2-40B4-BE49-F238E27FC236}">
+                <a16:creationId xmlns:a16="http://schemas.microsoft.com/office/drawing/2014/main" id="{A377A9F4-1F4D-FBC3-5905-530B9281146E}"/>
+              </a:ext>
+            </a:extLst>
+          </p:cNvPr>
+          <p:cNvSpPr/>
+          <p:nvPr/>
+        </p:nvSpPr>
+        <p:spPr>
+          <a:xfrm>
+            <a:off x="0" y="4311820"/>
+            <a:ext cx="1728000" cy="720000"/>
+          </a:xfrm>
+          <a:prstGeom prst="roundRect">
+            <a:avLst/>
+          </a:prstGeom>
+          <a:ln/>
+        </p:spPr>
+        <p:style>
+          <a:lnRef idx="2">
+            <a:schemeClr val="accent5"/>
+          </a:lnRef>
+          <a:fillRef idx="1">
+            <a:schemeClr val="lt1"/>
+          </a:fillRef>
+          <a:effectRef idx="0">
+            <a:schemeClr val="accent5"/>
+          </a:effectRef>
+          <a:fontRef idx="minor">
+            <a:schemeClr val="dk1"/>
+          </a:fontRef>
+        </p:style>
+        <p:txBody>
+          <a:bodyPr rtlCol="0" anchor="ctr"/>
+          <a:lstStyle/>
+          <a:p>
+            <a:pPr algn="ctr"/>
+            <a:r>
+              <a:rPr lang="en-US" sz="2000" b="1" dirty="0">
+                <a:solidFill>
+                  <a:schemeClr val="tx2"/>
+                </a:solidFill>
+                <a:latin typeface="Source Sans Pro Light" panose="020B0403030403020204" pitchFamily="34" charset="77"/>
+                <a:ea typeface="Source Sans Pro" panose="020B0503030403020204" pitchFamily="34" charset="0"/>
+              </a:rPr>
+              <a:t>Direct</a:t>
+            </a:r>
+          </a:p>
+        </p:txBody>
+      </p:sp>
+      <p:sp>
+        <p:nvSpPr>
+          <p:cNvPr id="105" name="Rectangle: Rounded Corners 104">
+            <a:extLst>
+              <a:ext uri="{FF2B5EF4-FFF2-40B4-BE49-F238E27FC236}">
+                <a16:creationId xmlns:a16="http://schemas.microsoft.com/office/drawing/2014/main" id="{54E8E622-C173-8DC2-E404-55D07A9D2751}"/>
+              </a:ext>
+            </a:extLst>
+          </p:cNvPr>
+          <p:cNvSpPr/>
+          <p:nvPr/>
+        </p:nvSpPr>
+        <p:spPr>
+          <a:xfrm>
+            <a:off x="8384412" y="4311820"/>
+            <a:ext cx="1728000" cy="720000"/>
+          </a:xfrm>
+          <a:prstGeom prst="roundRect">
+            <a:avLst/>
+          </a:prstGeom>
+          <a:ln/>
+        </p:spPr>
+        <p:style>
+          <a:lnRef idx="2">
+            <a:schemeClr val="accent5"/>
+          </a:lnRef>
+          <a:fillRef idx="1">
+            <a:schemeClr val="lt1"/>
+          </a:fillRef>
+          <a:effectRef idx="0">
+            <a:schemeClr val="accent5"/>
+          </a:effectRef>
+          <a:fontRef idx="minor">
+            <a:schemeClr val="dk1"/>
+          </a:fontRef>
+        </p:style>
+        <p:txBody>
+          <a:bodyPr rtlCol="0" anchor="ctr"/>
+          <a:lstStyle/>
+          <a:p>
+            <a:pPr algn="ctr"/>
+            <a:r>
+              <a:rPr lang="en-US" sz="2000" b="1" dirty="0">
+                <a:solidFill>
+                  <a:schemeClr val="tx2"/>
+                </a:solidFill>
+                <a:latin typeface="Source Sans Pro Light" panose="020B0403030403020204" pitchFamily="34" charset="77"/>
+                <a:ea typeface="Source Sans Pro" panose="020B0503030403020204" pitchFamily="34" charset="0"/>
+              </a:rPr>
+              <a:t>Swap Double</a:t>
+            </a:r>
+          </a:p>
+        </p:txBody>
+      </p:sp>
+      <p:sp>
+        <p:nvSpPr>
+          <p:cNvPr id="106" name="Rectangle: Rounded Corners 105">
+            <a:extLst>
+              <a:ext uri="{FF2B5EF4-FFF2-40B4-BE49-F238E27FC236}">
+                <a16:creationId xmlns:a16="http://schemas.microsoft.com/office/drawing/2014/main" id="{2DBB197D-6CDB-B9E1-0BEE-11457415AD75}"/>
+              </a:ext>
+            </a:extLst>
+          </p:cNvPr>
+          <p:cNvSpPr/>
+          <p:nvPr/>
+        </p:nvSpPr>
+        <p:spPr>
+          <a:xfrm>
+            <a:off x="10480513" y="4311820"/>
+            <a:ext cx="1728000" cy="720000"/>
+          </a:xfrm>
+          <a:prstGeom prst="roundRect">
+            <a:avLst/>
+          </a:prstGeom>
+          <a:ln/>
+        </p:spPr>
+        <p:style>
+          <a:lnRef idx="2">
+            <a:schemeClr val="accent5"/>
+          </a:lnRef>
+          <a:fillRef idx="1">
+            <a:schemeClr val="lt1"/>
+          </a:fillRef>
+          <a:effectRef idx="0">
+            <a:schemeClr val="accent5"/>
+          </a:effectRef>
+          <a:fontRef idx="minor">
+            <a:schemeClr val="dk1"/>
+          </a:fontRef>
+        </p:style>
+        <p:txBody>
+          <a:bodyPr rtlCol="0" anchor="ctr"/>
+          <a:lstStyle/>
+          <a:p>
+            <a:pPr algn="ctr"/>
+            <a:r>
+              <a:rPr lang="en-US" sz="2000" b="1" dirty="0">
+                <a:solidFill>
+                  <a:schemeClr val="tx2"/>
+                </a:solidFill>
+                <a:latin typeface="Source Sans Pro Light" panose="020B0403030403020204" pitchFamily="34" charset="77"/>
+                <a:ea typeface="Source Sans Pro" panose="020B0503030403020204" pitchFamily="34" charset="0"/>
+              </a:rPr>
+              <a:t>Swap Triple</a:t>
+            </a:r>
+          </a:p>
+        </p:txBody>
+      </p:sp>
+      <p:sp>
+        <p:nvSpPr>
+          <p:cNvPr id="30" name="Arrow: Left-Right 29">
+            <a:extLst>
+              <a:ext uri="{FF2B5EF4-FFF2-40B4-BE49-F238E27FC236}">
+                <a16:creationId xmlns:a16="http://schemas.microsoft.com/office/drawing/2014/main" id="{89E72019-1F27-A6FD-1CA5-CDBFFD58B234}"/>
+              </a:ext>
+            </a:extLst>
+          </p:cNvPr>
+          <p:cNvSpPr/>
+          <p:nvPr/>
+        </p:nvSpPr>
+        <p:spPr>
+          <a:xfrm>
+            <a:off x="7371580" y="2071270"/>
+            <a:ext cx="1727409" cy="787987"/>
+          </a:xfrm>
+          <a:prstGeom prst="leftRightArrow">
+            <a:avLst>
+              <a:gd name="adj1" fmla="val 100000"/>
+              <a:gd name="adj2" fmla="val 28824"/>
+            </a:avLst>
+          </a:prstGeom>
+          <a:ln>
+            <a:headEnd type="none" w="med" len="med"/>
+            <a:tailEnd type="none" w="med" len="med"/>
+          </a:ln>
+        </p:spPr>
+        <p:style>
+          <a:lnRef idx="2">
+            <a:schemeClr val="accent2"/>
+          </a:lnRef>
+          <a:fillRef idx="1">
+            <a:schemeClr val="lt1"/>
+          </a:fillRef>
+          <a:effectRef idx="0">
+            <a:schemeClr val="accent2"/>
+          </a:effectRef>
+          <a:fontRef idx="minor">
+            <a:schemeClr val="dk1"/>
+          </a:fontRef>
+        </p:style>
+        <p:txBody>
+          <a:bodyPr lIns="0" tIns="0" rIns="0" bIns="0" rtlCol="0" anchor="ctr"/>
+          <a:lstStyle/>
+          <a:p>
+            <a:pPr algn="ctr"/>
+            <a:r>
+              <a:rPr lang="en-US" sz="1400" dirty="0">
+                <a:solidFill>
+                  <a:schemeClr val="tx1"/>
+                </a:solidFill>
+              </a:rPr>
+              <a:t>Display can</a:t>
+            </a:r>
+          </a:p>
+          <a:p>
+            <a:pPr algn="ctr"/>
+            <a:r>
+              <a:rPr lang="en-US" sz="1400" dirty="0">
+                <a:solidFill>
+                  <a:schemeClr val="tx1"/>
+                </a:solidFill>
+              </a:rPr>
+              <a:t>change its source</a:t>
+            </a:r>
+          </a:p>
+          <a:p>
+            <a:pPr algn="ctr"/>
+            <a:r>
+              <a:rPr lang="en-US" sz="1400" dirty="0">
+                <a:solidFill>
+                  <a:schemeClr val="tx1"/>
+                </a:solidFill>
+              </a:rPr>
+              <a:t>buffer address</a:t>
+            </a:r>
+          </a:p>
+        </p:txBody>
+      </p:sp>
+      <p:cxnSp>
+        <p:nvCxnSpPr>
+          <p:cNvPr id="178" name="Connector: Elbow 177">
+            <a:extLst>
+              <a:ext uri="{FF2B5EF4-FFF2-40B4-BE49-F238E27FC236}">
+                <a16:creationId xmlns:a16="http://schemas.microsoft.com/office/drawing/2014/main" id="{2162A338-10D2-2261-974A-C58F035B2349}"/>
+              </a:ext>
+            </a:extLst>
+          </p:cNvPr>
+          <p:cNvCxnSpPr>
+            <a:cxnSpLocks/>
+            <a:stCxn id="374" idx="3"/>
+            <a:endCxn id="373" idx="1"/>
+          </p:cNvCxnSpPr>
+          <p:nvPr/>
+        </p:nvCxnSpPr>
+        <p:spPr>
+          <a:xfrm rot="10800000" flipV="1">
+            <a:off x="1868195" y="1778565"/>
+            <a:ext cx="1132989" cy="1088202"/>
+          </a:xfrm>
+          <a:prstGeom prst="bentConnector2">
+            <a:avLst/>
+          </a:prstGeom>
+          <a:ln w="19050">
+            <a:tailEnd type="triangle"/>
+          </a:ln>
+        </p:spPr>
+        <p:style>
+          <a:lnRef idx="1">
+            <a:schemeClr val="accent1"/>
+          </a:lnRef>
+          <a:fillRef idx="0">
+            <a:schemeClr val="accent1"/>
+          </a:fillRef>
+          <a:effectRef idx="0">
+            <a:schemeClr val="accent1"/>
+          </a:effectRef>
+          <a:fontRef idx="minor">
+            <a:schemeClr val="tx1"/>
+          </a:fontRef>
+        </p:style>
+      </p:cxnSp>
+      <p:cxnSp>
+        <p:nvCxnSpPr>
+          <p:cNvPr id="185" name="Connector: Elbow 184">
+            <a:extLst>
+              <a:ext uri="{FF2B5EF4-FFF2-40B4-BE49-F238E27FC236}">
+                <a16:creationId xmlns:a16="http://schemas.microsoft.com/office/drawing/2014/main" id="{74827B9F-2B5E-E53D-4BD8-12990D2DC78F}"/>
+              </a:ext>
+            </a:extLst>
+          </p:cNvPr>
+          <p:cNvCxnSpPr>
+            <a:cxnSpLocks/>
+            <a:stCxn id="374" idx="7"/>
+            <a:endCxn id="30" idx="1"/>
+          </p:cNvCxnSpPr>
+          <p:nvPr/>
+        </p:nvCxnSpPr>
+        <p:spPr>
+          <a:xfrm>
+            <a:off x="4729183" y="1778565"/>
+            <a:ext cx="3506102" cy="292705"/>
+          </a:xfrm>
+          <a:prstGeom prst="bentConnector2">
+            <a:avLst/>
+          </a:prstGeom>
+          <a:ln w="19050">
+            <a:tailEnd type="triangle"/>
+          </a:ln>
+        </p:spPr>
+        <p:style>
+          <a:lnRef idx="1">
+            <a:schemeClr val="accent1"/>
+          </a:lnRef>
+          <a:fillRef idx="0">
+            <a:schemeClr val="accent1"/>
+          </a:fillRef>
+          <a:effectRef idx="0">
+            <a:schemeClr val="accent1"/>
+          </a:effectRef>
+          <a:fontRef idx="minor">
+            <a:schemeClr val="tx1"/>
+          </a:fontRef>
+        </p:style>
+      </p:cxnSp>
+      <p:cxnSp>
+        <p:nvCxnSpPr>
+          <p:cNvPr id="191" name="Connector: Elbow 190">
+            <a:extLst>
+              <a:ext uri="{FF2B5EF4-FFF2-40B4-BE49-F238E27FC236}">
+                <a16:creationId xmlns:a16="http://schemas.microsoft.com/office/drawing/2014/main" id="{245C8C6D-A8AD-54E5-8B4B-3EE172CCA34B}"/>
+              </a:ext>
+            </a:extLst>
+          </p:cNvPr>
+          <p:cNvCxnSpPr>
+            <a:cxnSpLocks/>
+            <a:stCxn id="376" idx="3"/>
+            <a:endCxn id="102" idx="0"/>
+          </p:cNvCxnSpPr>
+          <p:nvPr/>
+        </p:nvCxnSpPr>
+        <p:spPr>
+          <a:xfrm rot="10800000" flipV="1">
+            <a:off x="5056206" y="3260760"/>
+            <a:ext cx="140194" cy="1051059"/>
+          </a:xfrm>
+          <a:prstGeom prst="bentConnector2">
+            <a:avLst/>
+          </a:prstGeom>
+          <a:ln w="19050">
+            <a:tailEnd type="triangle"/>
+          </a:ln>
+        </p:spPr>
+        <p:style>
+          <a:lnRef idx="1">
+            <a:schemeClr val="accent1"/>
+          </a:lnRef>
+          <a:fillRef idx="0">
+            <a:schemeClr val="accent1"/>
+          </a:fillRef>
+          <a:effectRef idx="0">
+            <a:schemeClr val="accent1"/>
+          </a:effectRef>
+          <a:fontRef idx="minor">
+            <a:schemeClr val="tx1"/>
+          </a:fontRef>
+        </p:style>
+      </p:cxnSp>
+      <p:cxnSp>
+        <p:nvCxnSpPr>
+          <p:cNvPr id="194" name="Connector: Elbow 193">
+            <a:extLst>
+              <a:ext uri="{FF2B5EF4-FFF2-40B4-BE49-F238E27FC236}">
+                <a16:creationId xmlns:a16="http://schemas.microsoft.com/office/drawing/2014/main" id="{DC52333A-36D6-EC56-8862-937B50289A3A}"/>
+              </a:ext>
+            </a:extLst>
+          </p:cNvPr>
+          <p:cNvCxnSpPr>
+            <a:cxnSpLocks/>
+            <a:stCxn id="376" idx="7"/>
+            <a:endCxn id="103" idx="0"/>
+          </p:cNvCxnSpPr>
+          <p:nvPr/>
+        </p:nvCxnSpPr>
+        <p:spPr>
+          <a:xfrm>
+            <a:off x="6924400" y="3260761"/>
+            <a:ext cx="227909" cy="1051059"/>
+          </a:xfrm>
+          <a:prstGeom prst="bentConnector2">
+            <a:avLst/>
+          </a:prstGeom>
+          <a:ln w="19050">
+            <a:tailEnd type="triangle"/>
+          </a:ln>
+        </p:spPr>
+        <p:style>
+          <a:lnRef idx="1">
+            <a:schemeClr val="accent1"/>
+          </a:lnRef>
+          <a:fillRef idx="0">
+            <a:schemeClr val="accent1"/>
+          </a:fillRef>
+          <a:effectRef idx="0">
+            <a:schemeClr val="accent1"/>
+          </a:effectRef>
+          <a:fontRef idx="minor">
+            <a:schemeClr val="tx1"/>
+          </a:fontRef>
+        </p:style>
+      </p:cxnSp>
+      <p:cxnSp>
+        <p:nvCxnSpPr>
+          <p:cNvPr id="199" name="Connector: Elbow 198">
+            <a:extLst>
+              <a:ext uri="{FF2B5EF4-FFF2-40B4-BE49-F238E27FC236}">
+                <a16:creationId xmlns:a16="http://schemas.microsoft.com/office/drawing/2014/main" id="{432674B4-8CB2-5768-AC43-649822860DD3}"/>
+              </a:ext>
+            </a:extLst>
+          </p:cNvPr>
+          <p:cNvCxnSpPr>
+            <a:cxnSpLocks/>
+            <a:stCxn id="375" idx="3"/>
+            <a:endCxn id="105" idx="0"/>
+          </p:cNvCxnSpPr>
+          <p:nvPr/>
+        </p:nvCxnSpPr>
+        <p:spPr>
+          <a:xfrm rot="10800000" flipV="1">
+            <a:off x="9248412" y="3260760"/>
+            <a:ext cx="140194" cy="1051059"/>
+          </a:xfrm>
+          <a:prstGeom prst="bentConnector2">
+            <a:avLst/>
+          </a:prstGeom>
+          <a:ln w="19050">
+            <a:tailEnd type="triangle"/>
+          </a:ln>
+        </p:spPr>
+        <p:style>
+          <a:lnRef idx="1">
+            <a:schemeClr val="accent1"/>
+          </a:lnRef>
+          <a:fillRef idx="0">
+            <a:schemeClr val="accent1"/>
+          </a:fillRef>
+          <a:effectRef idx="0">
+            <a:schemeClr val="accent1"/>
+          </a:effectRef>
+          <a:fontRef idx="minor">
+            <a:schemeClr val="tx1"/>
+          </a:fontRef>
+        </p:style>
+      </p:cxnSp>
+      <p:cxnSp>
+        <p:nvCxnSpPr>
+          <p:cNvPr id="202" name="Connector: Elbow 201">
+            <a:extLst>
+              <a:ext uri="{FF2B5EF4-FFF2-40B4-BE49-F238E27FC236}">
+                <a16:creationId xmlns:a16="http://schemas.microsoft.com/office/drawing/2014/main" id="{9611FAAD-60A8-C5EA-5DA2-B18164557B34}"/>
+              </a:ext>
+            </a:extLst>
+          </p:cNvPr>
+          <p:cNvCxnSpPr>
+            <a:cxnSpLocks/>
+            <a:stCxn id="375" idx="7"/>
+            <a:endCxn id="106" idx="0"/>
+          </p:cNvCxnSpPr>
+          <p:nvPr/>
+        </p:nvCxnSpPr>
+        <p:spPr>
+          <a:xfrm>
+            <a:off x="11116606" y="3260761"/>
+            <a:ext cx="227907" cy="1051059"/>
+          </a:xfrm>
+          <a:prstGeom prst="bentConnector2">
+            <a:avLst/>
+          </a:prstGeom>
+          <a:ln w="19050">
+            <a:tailEnd type="triangle"/>
+          </a:ln>
+        </p:spPr>
+        <p:style>
+          <a:lnRef idx="1">
+            <a:schemeClr val="accent1"/>
+          </a:lnRef>
+          <a:fillRef idx="0">
+            <a:schemeClr val="accent1"/>
+          </a:fillRef>
+          <a:effectRef idx="0">
+            <a:schemeClr val="accent1"/>
+          </a:effectRef>
+          <a:fontRef idx="minor">
+            <a:schemeClr val="tx1"/>
+          </a:fontRef>
+        </p:style>
+      </p:cxnSp>
+      <p:cxnSp>
+        <p:nvCxnSpPr>
+          <p:cNvPr id="221" name="Connector: Elbow 220">
+            <a:extLst>
+              <a:ext uri="{FF2B5EF4-FFF2-40B4-BE49-F238E27FC236}">
+                <a16:creationId xmlns:a16="http://schemas.microsoft.com/office/drawing/2014/main" id="{C5A48454-BB09-EFE0-7D79-A0261BCAE488}"/>
+              </a:ext>
+            </a:extLst>
+          </p:cNvPr>
+          <p:cNvCxnSpPr>
+            <a:cxnSpLocks/>
+            <a:stCxn id="30" idx="3"/>
+            <a:endCxn id="376" idx="1"/>
+          </p:cNvCxnSpPr>
+          <p:nvPr/>
+        </p:nvCxnSpPr>
+        <p:spPr>
+          <a:xfrm rot="10800000" flipV="1">
+            <a:off x="6060400" y="2465263"/>
+            <a:ext cx="1311180" cy="401503"/>
+          </a:xfrm>
+          <a:prstGeom prst="bentConnector2">
+            <a:avLst/>
+          </a:prstGeom>
+          <a:ln w="19050">
+            <a:tailEnd type="triangle"/>
+          </a:ln>
+        </p:spPr>
+        <p:style>
+          <a:lnRef idx="1">
+            <a:schemeClr val="accent1"/>
+          </a:lnRef>
+          <a:fillRef idx="0">
+            <a:schemeClr val="accent1"/>
+          </a:fillRef>
+          <a:effectRef idx="0">
+            <a:schemeClr val="accent1"/>
+          </a:effectRef>
+          <a:fontRef idx="minor">
+            <a:schemeClr val="tx1"/>
+          </a:fontRef>
+        </p:style>
+      </p:cxnSp>
+      <p:cxnSp>
+        <p:nvCxnSpPr>
+          <p:cNvPr id="224" name="Connector: Elbow 223">
+            <a:extLst>
+              <a:ext uri="{FF2B5EF4-FFF2-40B4-BE49-F238E27FC236}">
+                <a16:creationId xmlns:a16="http://schemas.microsoft.com/office/drawing/2014/main" id="{8F45121B-64C1-47FB-A3CB-EE7A48B6F851}"/>
+              </a:ext>
+            </a:extLst>
+          </p:cNvPr>
+          <p:cNvCxnSpPr>
+            <a:cxnSpLocks/>
+            <a:stCxn id="30" idx="7"/>
+            <a:endCxn id="375" idx="1"/>
+          </p:cNvCxnSpPr>
+          <p:nvPr/>
+        </p:nvCxnSpPr>
+        <p:spPr>
+          <a:xfrm>
+            <a:off x="9098989" y="2465264"/>
+            <a:ext cx="1153617" cy="401503"/>
+          </a:xfrm>
+          <a:prstGeom prst="bentConnector2">
+            <a:avLst/>
+          </a:prstGeom>
+          <a:ln w="19050">
+            <a:tailEnd type="triangle"/>
+          </a:ln>
+        </p:spPr>
+        <p:style>
+          <a:lnRef idx="1">
+            <a:schemeClr val="accent1"/>
+          </a:lnRef>
+          <a:fillRef idx="0">
+            <a:schemeClr val="accent1"/>
+          </a:fillRef>
+          <a:effectRef idx="0">
+            <a:schemeClr val="accent1"/>
+          </a:effectRef>
+          <a:fontRef idx="minor">
+            <a:schemeClr val="tx1"/>
+          </a:fontRef>
+        </p:style>
+      </p:cxnSp>
+      <p:cxnSp>
+        <p:nvCxnSpPr>
+          <p:cNvPr id="227" name="Connector: Elbow 226">
+            <a:extLst>
+              <a:ext uri="{FF2B5EF4-FFF2-40B4-BE49-F238E27FC236}">
+                <a16:creationId xmlns:a16="http://schemas.microsoft.com/office/drawing/2014/main" id="{CFDA01C7-CF54-1431-A94F-A5A9FD54FE54}"/>
+              </a:ext>
+            </a:extLst>
+          </p:cNvPr>
+          <p:cNvCxnSpPr>
+            <a:cxnSpLocks/>
+            <a:stCxn id="373" idx="7"/>
+            <a:endCxn id="101" idx="0"/>
+          </p:cNvCxnSpPr>
+          <p:nvPr/>
+        </p:nvCxnSpPr>
+        <p:spPr>
+          <a:xfrm>
+            <a:off x="2732194" y="3260761"/>
+            <a:ext cx="227909" cy="1051059"/>
+          </a:xfrm>
+          <a:prstGeom prst="bentConnector2">
+            <a:avLst/>
+          </a:prstGeom>
+          <a:ln w="19050">
+            <a:tailEnd type="triangle"/>
+          </a:ln>
+        </p:spPr>
+        <p:style>
+          <a:lnRef idx="1">
+            <a:schemeClr val="accent1"/>
+          </a:lnRef>
+          <a:fillRef idx="0">
+            <a:schemeClr val="accent1"/>
+          </a:fillRef>
+          <a:effectRef idx="0">
+            <a:schemeClr val="accent1"/>
+          </a:effectRef>
+          <a:fontRef idx="minor">
+            <a:schemeClr val="tx1"/>
+          </a:fontRef>
+        </p:style>
+      </p:cxnSp>
+      <p:cxnSp>
+        <p:nvCxnSpPr>
+          <p:cNvPr id="230" name="Connector: Elbow 229">
+            <a:extLst>
+              <a:ext uri="{FF2B5EF4-FFF2-40B4-BE49-F238E27FC236}">
+                <a16:creationId xmlns:a16="http://schemas.microsoft.com/office/drawing/2014/main" id="{2CD08044-6B4B-162F-D7F0-A64158A9248F}"/>
+              </a:ext>
+            </a:extLst>
+          </p:cNvPr>
+          <p:cNvCxnSpPr>
+            <a:cxnSpLocks/>
+            <a:stCxn id="373" idx="3"/>
+            <a:endCxn id="104" idx="0"/>
+          </p:cNvCxnSpPr>
+          <p:nvPr/>
+        </p:nvCxnSpPr>
+        <p:spPr>
+          <a:xfrm rot="10800000" flipV="1">
+            <a:off x="864000" y="3260760"/>
+            <a:ext cx="140194" cy="1051059"/>
+          </a:xfrm>
+          <a:prstGeom prst="bentConnector2">
+            <a:avLst/>
+          </a:prstGeom>
+          <a:ln w="19050">
+            <a:tailEnd type="triangle"/>
+          </a:ln>
+        </p:spPr>
+        <p:style>
+          <a:lnRef idx="1">
+            <a:schemeClr val="accent1"/>
+          </a:lnRef>
+          <a:fillRef idx="0">
+            <a:schemeClr val="accent1"/>
+          </a:fillRef>
+          <a:effectRef idx="0">
+            <a:schemeClr val="accent1"/>
+          </a:effectRef>
+          <a:fontRef idx="minor">
+            <a:schemeClr val="tx1"/>
+          </a:fontRef>
+        </p:style>
+      </p:cxnSp>
+      <p:sp>
+        <p:nvSpPr>
+          <p:cNvPr id="373" name="Arrow: Left-Right 372">
+            <a:extLst>
+              <a:ext uri="{FF2B5EF4-FFF2-40B4-BE49-F238E27FC236}">
+                <a16:creationId xmlns:a16="http://schemas.microsoft.com/office/drawing/2014/main" id="{CECF962D-7DCC-BA70-D27A-12A2E1DC1467}"/>
+              </a:ext>
+            </a:extLst>
+          </p:cNvPr>
+          <p:cNvSpPr/>
+          <p:nvPr/>
+        </p:nvSpPr>
+        <p:spPr>
+          <a:xfrm>
+            <a:off x="1004194" y="2866767"/>
+            <a:ext cx="1728000" cy="787987"/>
+          </a:xfrm>
+          <a:prstGeom prst="leftRightArrow">
+            <a:avLst>
+              <a:gd name="adj1" fmla="val 100000"/>
+              <a:gd name="adj2" fmla="val 28824"/>
+            </a:avLst>
+          </a:prstGeom>
+          <a:ln>
+            <a:headEnd type="none" w="med" len="med"/>
+            <a:tailEnd type="none" w="med" len="med"/>
+          </a:ln>
+        </p:spPr>
+        <p:style>
+          <a:lnRef idx="2">
+            <a:schemeClr val="accent2"/>
+          </a:lnRef>
+          <a:fillRef idx="1">
+            <a:schemeClr val="lt1"/>
+          </a:fillRef>
+          <a:effectRef idx="0">
+            <a:schemeClr val="accent2"/>
+          </a:effectRef>
+          <a:fontRef idx="minor">
+            <a:schemeClr val="dk1"/>
+          </a:fontRef>
+        </p:style>
+        <p:txBody>
+          <a:bodyPr lIns="0" tIns="0" rIns="0" bIns="0" rtlCol="0" anchor="ctr"/>
+          <a:lstStyle/>
+          <a:p>
+            <a:pPr algn="ctr"/>
+            <a:r>
+              <a:rPr lang="en-US" sz="1400" dirty="0">
+                <a:solidFill>
+                  <a:schemeClr val="tx1"/>
+                </a:solidFill>
+              </a:rPr>
+              <a:t>Available RAM</a:t>
+            </a:r>
+          </a:p>
+          <a:p>
+            <a:pPr algn="ctr"/>
+            <a:r>
+              <a:rPr lang="en-US" sz="1400" dirty="0">
+                <a:solidFill>
+                  <a:schemeClr val="tx1"/>
+                </a:solidFill>
+              </a:rPr>
+              <a:t>for a partial buffer</a:t>
+            </a:r>
+          </a:p>
+        </p:txBody>
+      </p:sp>
+      <p:sp>
+        <p:nvSpPr>
+          <p:cNvPr id="374" name="Arrow: Left-Right 373">
+            <a:extLst>
+              <a:ext uri="{FF2B5EF4-FFF2-40B4-BE49-F238E27FC236}">
+                <a16:creationId xmlns:a16="http://schemas.microsoft.com/office/drawing/2014/main" id="{8AD3AE9B-880D-71B9-2348-1027A6C254E5}"/>
+              </a:ext>
+            </a:extLst>
+          </p:cNvPr>
+          <p:cNvSpPr/>
+          <p:nvPr/>
+        </p:nvSpPr>
+        <p:spPr>
+          <a:xfrm>
+            <a:off x="3001183" y="1384571"/>
+            <a:ext cx="1728000" cy="787987"/>
+          </a:xfrm>
+          <a:prstGeom prst="leftRightArrow">
+            <a:avLst>
+              <a:gd name="adj1" fmla="val 100000"/>
+              <a:gd name="adj2" fmla="val 28824"/>
+            </a:avLst>
+          </a:prstGeom>
+          <a:ln>
+            <a:headEnd type="none" w="med" len="med"/>
+            <a:tailEnd type="none" w="med" len="med"/>
+          </a:ln>
+        </p:spPr>
+        <p:style>
+          <a:lnRef idx="2">
+            <a:schemeClr val="accent2"/>
+          </a:lnRef>
+          <a:fillRef idx="1">
+            <a:schemeClr val="lt1"/>
+          </a:fillRef>
+          <a:effectRef idx="0">
+            <a:schemeClr val="accent2"/>
+          </a:effectRef>
+          <a:fontRef idx="minor">
+            <a:schemeClr val="dk1"/>
+          </a:fontRef>
+        </p:style>
+        <p:txBody>
+          <a:bodyPr lIns="0" tIns="0" rIns="0" bIns="0" rtlCol="0" anchor="ctr"/>
+          <a:lstStyle/>
+          <a:p>
+            <a:pPr algn="ctr"/>
+            <a:r>
+              <a:rPr lang="en-US" sz="1400" dirty="0">
+                <a:solidFill>
+                  <a:schemeClr val="tx1"/>
+                </a:solidFill>
+              </a:rPr>
+              <a:t>Available RAM</a:t>
+            </a:r>
+          </a:p>
+          <a:p>
+            <a:pPr algn="ctr"/>
+            <a:r>
+              <a:rPr lang="en-US" sz="1400" dirty="0">
+                <a:solidFill>
+                  <a:schemeClr val="tx1"/>
+                </a:solidFill>
+              </a:rPr>
+              <a:t>for 2 buffers</a:t>
+            </a:r>
+          </a:p>
+        </p:txBody>
+      </p:sp>
+      <p:sp>
+        <p:nvSpPr>
+          <p:cNvPr id="375" name="Arrow: Left-Right 374">
+            <a:extLst>
+              <a:ext uri="{FF2B5EF4-FFF2-40B4-BE49-F238E27FC236}">
+                <a16:creationId xmlns:a16="http://schemas.microsoft.com/office/drawing/2014/main" id="{F5CD0EDD-4DC5-281B-D555-6F7F7092AF79}"/>
+              </a:ext>
+            </a:extLst>
+          </p:cNvPr>
+          <p:cNvSpPr/>
+          <p:nvPr/>
+        </p:nvSpPr>
+        <p:spPr>
+          <a:xfrm>
+            <a:off x="9388606" y="2866767"/>
+            <a:ext cx="1728000" cy="787987"/>
+          </a:xfrm>
+          <a:prstGeom prst="leftRightArrow">
+            <a:avLst>
+              <a:gd name="adj1" fmla="val 100000"/>
+              <a:gd name="adj2" fmla="val 28824"/>
+            </a:avLst>
+          </a:prstGeom>
+          <a:ln>
+            <a:headEnd type="none" w="med" len="med"/>
+            <a:tailEnd type="none" w="med" len="med"/>
+          </a:ln>
+        </p:spPr>
+        <p:style>
+          <a:lnRef idx="2">
+            <a:schemeClr val="accent2"/>
+          </a:lnRef>
+          <a:fillRef idx="1">
+            <a:schemeClr val="lt1"/>
+          </a:fillRef>
+          <a:effectRef idx="0">
+            <a:schemeClr val="accent2"/>
+          </a:effectRef>
+          <a:fontRef idx="minor">
+            <a:schemeClr val="dk1"/>
+          </a:fontRef>
+        </p:style>
+        <p:txBody>
+          <a:bodyPr lIns="0" tIns="0" rIns="0" bIns="0" rtlCol="0" anchor="ctr"/>
+          <a:lstStyle/>
+          <a:p>
+            <a:pPr algn="ctr"/>
+            <a:r>
+              <a:rPr lang="en-US" sz="1400" dirty="0">
+                <a:solidFill>
+                  <a:schemeClr val="tx1"/>
+                </a:solidFill>
+              </a:rPr>
+              <a:t>Available RAM</a:t>
+            </a:r>
+          </a:p>
+          <a:p>
+            <a:pPr algn="ctr"/>
+            <a:r>
+              <a:rPr lang="en-US" sz="1400" dirty="0">
+                <a:solidFill>
+                  <a:schemeClr val="tx1"/>
+                </a:solidFill>
+              </a:rPr>
+              <a:t>for 3 buffers</a:t>
+            </a:r>
+          </a:p>
+        </p:txBody>
+      </p:sp>
+      <p:sp>
+        <p:nvSpPr>
+          <p:cNvPr id="376" name="Arrow: Left-Right 375">
+            <a:extLst>
+              <a:ext uri="{FF2B5EF4-FFF2-40B4-BE49-F238E27FC236}">
+                <a16:creationId xmlns:a16="http://schemas.microsoft.com/office/drawing/2014/main" id="{57668BA7-7304-84B9-5436-413311F7BAF5}"/>
+              </a:ext>
+            </a:extLst>
+          </p:cNvPr>
+          <p:cNvSpPr/>
+          <p:nvPr/>
+        </p:nvSpPr>
+        <p:spPr>
+          <a:xfrm>
+            <a:off x="5196400" y="2866767"/>
+            <a:ext cx="1728000" cy="787987"/>
+          </a:xfrm>
+          <a:prstGeom prst="leftRightArrow">
+            <a:avLst>
+              <a:gd name="adj1" fmla="val 100000"/>
+              <a:gd name="adj2" fmla="val 28824"/>
+            </a:avLst>
+          </a:prstGeom>
+          <a:ln>
+            <a:headEnd type="none" w="med" len="med"/>
+            <a:tailEnd type="none" w="med" len="med"/>
+          </a:ln>
+        </p:spPr>
+        <p:style>
+          <a:lnRef idx="2">
+            <a:schemeClr val="accent2"/>
+          </a:lnRef>
+          <a:fillRef idx="1">
+            <a:schemeClr val="lt1"/>
+          </a:fillRef>
+          <a:effectRef idx="0">
+            <a:schemeClr val="accent2"/>
+          </a:effectRef>
+          <a:fontRef idx="minor">
+            <a:schemeClr val="dk1"/>
+          </a:fontRef>
+        </p:style>
+        <p:txBody>
+          <a:bodyPr lIns="0" tIns="0" rIns="0" bIns="0" rtlCol="0" anchor="ctr"/>
+          <a:lstStyle/>
+          <a:p>
+            <a:pPr algn="ctr"/>
+            <a:r>
+              <a:rPr lang="en-US" sz="1400" dirty="0">
+                <a:solidFill>
+                  <a:schemeClr val="tx1"/>
+                </a:solidFill>
+              </a:rPr>
+              <a:t>Available RAM</a:t>
+            </a:r>
+          </a:p>
+          <a:p>
+            <a:pPr algn="ctr"/>
+            <a:r>
+              <a:rPr lang="en-US" sz="1400" dirty="0">
+                <a:solidFill>
+                  <a:schemeClr val="tx1"/>
+                </a:solidFill>
+              </a:rPr>
+              <a:t>for 3 buffers</a:t>
+            </a:r>
+          </a:p>
+        </p:txBody>
+      </p:sp>
+      <p:sp>
+        <p:nvSpPr>
+          <p:cNvPr id="464" name="TextBox 463">
+            <a:extLst>
+              <a:ext uri="{FF2B5EF4-FFF2-40B4-BE49-F238E27FC236}">
+                <a16:creationId xmlns:a16="http://schemas.microsoft.com/office/drawing/2014/main" id="{17BCC528-E9A2-CDC0-FDBD-D60DD2C4DAD0}"/>
+              </a:ext>
+            </a:extLst>
+          </p:cNvPr>
+          <p:cNvSpPr txBox="1"/>
+          <p:nvPr/>
+        </p:nvSpPr>
+        <p:spPr>
+          <a:xfrm>
+            <a:off x="738921" y="3026082"/>
+            <a:ext cx="296624" cy="235788"/>
+          </a:xfrm>
+          <a:prstGeom prst="rect">
+            <a:avLst/>
+          </a:prstGeom>
+          <a:noFill/>
+        </p:spPr>
+        <p:txBody>
+          <a:bodyPr vert="horz" wrap="square" lIns="0" tIns="0" rIns="0" bIns="0" numCol="1" spcCol="288000" rtlCol="0" anchor="t" anchorCtr="0">
+            <a:spAutoFit/>
+          </a:bodyPr>
+          <a:lstStyle/>
+          <a:p>
+            <a:pPr algn="l">
+              <a:spcBef>
+                <a:spcPts val="0"/>
+              </a:spcBef>
+              <a:spcAft>
+                <a:spcPts val="600"/>
+              </a:spcAft>
+            </a:pPr>
+            <a:r>
+              <a:rPr lang="en-US" sz="1400" b="0" i="0" spc="0" dirty="0">
+                <a:ln>
+                  <a:noFill/>
+                </a:ln>
+                <a:solidFill>
+                  <a:schemeClr val="tx2"/>
+                </a:solidFill>
+                <a:latin typeface="Source Sans Pro Light" charset="0"/>
+                <a:ea typeface="Source Sans Pro Light" charset="0"/>
+                <a:cs typeface="Source Sans Pro Light" charset="0"/>
+              </a:rPr>
+              <a:t>no</a:t>
+            </a:r>
+          </a:p>
+        </p:txBody>
+      </p:sp>
+      <p:sp>
+        <p:nvSpPr>
+          <p:cNvPr id="465" name="TextBox 464">
+            <a:extLst>
+              <a:ext uri="{FF2B5EF4-FFF2-40B4-BE49-F238E27FC236}">
+                <a16:creationId xmlns:a16="http://schemas.microsoft.com/office/drawing/2014/main" id="{5968EFFA-7598-0F04-B72C-88F26C7ADF4A}"/>
+              </a:ext>
+            </a:extLst>
+          </p:cNvPr>
+          <p:cNvSpPr txBox="1"/>
+          <p:nvPr/>
+        </p:nvSpPr>
+        <p:spPr>
+          <a:xfrm>
+            <a:off x="4991435" y="3046247"/>
+            <a:ext cx="296624" cy="235788"/>
+          </a:xfrm>
+          <a:prstGeom prst="rect">
+            <a:avLst/>
+          </a:prstGeom>
+          <a:noFill/>
+        </p:spPr>
+        <p:txBody>
+          <a:bodyPr vert="horz" wrap="square" lIns="0" tIns="0" rIns="0" bIns="0" numCol="1" spcCol="288000" rtlCol="0" anchor="t" anchorCtr="0">
+            <a:spAutoFit/>
+          </a:bodyPr>
+          <a:lstStyle/>
+          <a:p>
+            <a:pPr algn="l">
+              <a:spcBef>
+                <a:spcPts val="0"/>
+              </a:spcBef>
+              <a:spcAft>
+                <a:spcPts val="600"/>
+              </a:spcAft>
+            </a:pPr>
+            <a:r>
+              <a:rPr lang="en-US" sz="1400" b="0" i="0" spc="0" dirty="0">
+                <a:ln>
+                  <a:noFill/>
+                </a:ln>
+                <a:solidFill>
+                  <a:schemeClr val="tx2"/>
+                </a:solidFill>
+                <a:latin typeface="Source Sans Pro Light" charset="0"/>
+                <a:ea typeface="Source Sans Pro Light" charset="0"/>
+                <a:cs typeface="Source Sans Pro Light" charset="0"/>
+              </a:rPr>
+              <a:t>no</a:t>
+            </a:r>
+          </a:p>
+        </p:txBody>
+      </p:sp>
+      <p:sp>
+        <p:nvSpPr>
+          <p:cNvPr id="466" name="TextBox 465">
+            <a:extLst>
+              <a:ext uri="{FF2B5EF4-FFF2-40B4-BE49-F238E27FC236}">
+                <a16:creationId xmlns:a16="http://schemas.microsoft.com/office/drawing/2014/main" id="{2A259C06-59E4-987D-B911-29288C1EB39A}"/>
+              </a:ext>
+            </a:extLst>
+          </p:cNvPr>
+          <p:cNvSpPr txBox="1"/>
+          <p:nvPr/>
+        </p:nvSpPr>
+        <p:spPr>
+          <a:xfrm>
+            <a:off x="7115701" y="2229476"/>
+            <a:ext cx="296624" cy="235788"/>
+          </a:xfrm>
+          <a:prstGeom prst="rect">
+            <a:avLst/>
+          </a:prstGeom>
+          <a:noFill/>
+        </p:spPr>
+        <p:txBody>
+          <a:bodyPr vert="horz" wrap="square" lIns="0" tIns="0" rIns="0" bIns="0" numCol="1" spcCol="288000" rtlCol="0" anchor="t" anchorCtr="0">
+            <a:spAutoFit/>
+          </a:bodyPr>
+          <a:lstStyle/>
+          <a:p>
+            <a:pPr algn="l">
+              <a:spcBef>
+                <a:spcPts val="0"/>
+              </a:spcBef>
+              <a:spcAft>
+                <a:spcPts val="600"/>
+              </a:spcAft>
+            </a:pPr>
+            <a:r>
+              <a:rPr lang="en-US" sz="1400" b="0" i="0" spc="0" dirty="0">
+                <a:ln>
+                  <a:noFill/>
+                </a:ln>
+                <a:solidFill>
+                  <a:schemeClr val="tx2"/>
+                </a:solidFill>
+                <a:latin typeface="Source Sans Pro Light" charset="0"/>
+                <a:ea typeface="Source Sans Pro Light" charset="0"/>
+                <a:cs typeface="Source Sans Pro Light" charset="0"/>
+              </a:rPr>
+              <a:t>no</a:t>
+            </a:r>
+          </a:p>
+        </p:txBody>
+      </p:sp>
+      <p:sp>
+        <p:nvSpPr>
+          <p:cNvPr id="467" name="TextBox 466">
+            <a:extLst>
+              <a:ext uri="{FF2B5EF4-FFF2-40B4-BE49-F238E27FC236}">
+                <a16:creationId xmlns:a16="http://schemas.microsoft.com/office/drawing/2014/main" id="{585776DD-A6E2-B2AC-BF99-E3E2D336D43F}"/>
+              </a:ext>
+            </a:extLst>
+          </p:cNvPr>
+          <p:cNvSpPr txBox="1"/>
+          <p:nvPr/>
+        </p:nvSpPr>
+        <p:spPr>
+          <a:xfrm>
+            <a:off x="9189897" y="3035129"/>
+            <a:ext cx="296624" cy="235788"/>
+          </a:xfrm>
+          <a:prstGeom prst="rect">
+            <a:avLst/>
+          </a:prstGeom>
+          <a:noFill/>
+        </p:spPr>
+        <p:txBody>
+          <a:bodyPr vert="horz" wrap="square" lIns="0" tIns="0" rIns="0" bIns="0" numCol="1" spcCol="288000" rtlCol="0" anchor="t" anchorCtr="0">
+            <a:spAutoFit/>
+          </a:bodyPr>
+          <a:lstStyle/>
+          <a:p>
+            <a:pPr algn="l">
+              <a:spcBef>
+                <a:spcPts val="0"/>
+              </a:spcBef>
+              <a:spcAft>
+                <a:spcPts val="600"/>
+              </a:spcAft>
+            </a:pPr>
+            <a:r>
+              <a:rPr lang="en-US" sz="1400" b="0" i="0" spc="0" dirty="0">
+                <a:ln>
+                  <a:noFill/>
+                </a:ln>
+                <a:solidFill>
+                  <a:schemeClr val="tx2"/>
+                </a:solidFill>
+                <a:latin typeface="Source Sans Pro Light" charset="0"/>
+                <a:ea typeface="Source Sans Pro Light" charset="0"/>
+                <a:cs typeface="Source Sans Pro Light" charset="0"/>
+              </a:rPr>
+              <a:t>no</a:t>
+            </a:r>
+          </a:p>
+        </p:txBody>
+      </p:sp>
+      <p:sp>
+        <p:nvSpPr>
+          <p:cNvPr id="470" name="TextBox 469">
+            <a:extLst>
+              <a:ext uri="{FF2B5EF4-FFF2-40B4-BE49-F238E27FC236}">
+                <a16:creationId xmlns:a16="http://schemas.microsoft.com/office/drawing/2014/main" id="{9C2D2BC6-923B-FE75-87CF-8B67450F659B}"/>
+              </a:ext>
+            </a:extLst>
+          </p:cNvPr>
+          <p:cNvSpPr txBox="1"/>
+          <p:nvPr/>
+        </p:nvSpPr>
+        <p:spPr>
+          <a:xfrm>
+            <a:off x="2756537" y="3017733"/>
+            <a:ext cx="296624" cy="235788"/>
+          </a:xfrm>
+          <a:prstGeom prst="rect">
+            <a:avLst/>
+          </a:prstGeom>
+          <a:noFill/>
+        </p:spPr>
+        <p:txBody>
+          <a:bodyPr vert="horz" wrap="square" lIns="0" tIns="0" rIns="0" bIns="0" numCol="1" spcCol="288000" rtlCol="0" anchor="t" anchorCtr="0">
+            <a:spAutoFit/>
+          </a:bodyPr>
+          <a:lstStyle/>
+          <a:p>
+            <a:pPr algn="l">
+              <a:spcBef>
+                <a:spcPts val="0"/>
+              </a:spcBef>
+              <a:spcAft>
+                <a:spcPts val="600"/>
+              </a:spcAft>
+            </a:pPr>
+            <a:r>
+              <a:rPr lang="en-US" sz="1400" b="0" i="0" spc="0" dirty="0">
+                <a:ln>
+                  <a:noFill/>
+                </a:ln>
+                <a:solidFill>
+                  <a:schemeClr val="tx2"/>
+                </a:solidFill>
+                <a:latin typeface="Source Sans Pro Light" charset="0"/>
+                <a:ea typeface="Source Sans Pro Light" charset="0"/>
+                <a:cs typeface="Source Sans Pro Light" charset="0"/>
+              </a:rPr>
+              <a:t>yes</a:t>
+            </a:r>
+          </a:p>
+        </p:txBody>
+      </p:sp>
+      <p:sp>
+        <p:nvSpPr>
+          <p:cNvPr id="471" name="TextBox 470">
+            <a:extLst>
+              <a:ext uri="{FF2B5EF4-FFF2-40B4-BE49-F238E27FC236}">
+                <a16:creationId xmlns:a16="http://schemas.microsoft.com/office/drawing/2014/main" id="{46397B65-A68D-B28C-C1F7-FD16B412E3BD}"/>
+              </a:ext>
+            </a:extLst>
+          </p:cNvPr>
+          <p:cNvSpPr txBox="1"/>
+          <p:nvPr/>
+        </p:nvSpPr>
+        <p:spPr>
+          <a:xfrm>
+            <a:off x="6909742" y="3006544"/>
+            <a:ext cx="296624" cy="235788"/>
+          </a:xfrm>
+          <a:prstGeom prst="rect">
+            <a:avLst/>
+          </a:prstGeom>
+          <a:noFill/>
+        </p:spPr>
+        <p:txBody>
+          <a:bodyPr vert="horz" wrap="square" lIns="0" tIns="0" rIns="0" bIns="0" numCol="1" spcCol="288000" rtlCol="0" anchor="t" anchorCtr="0">
+            <a:spAutoFit/>
+          </a:bodyPr>
+          <a:lstStyle/>
+          <a:p>
+            <a:pPr algn="l">
+              <a:spcBef>
+                <a:spcPts val="0"/>
+              </a:spcBef>
+              <a:spcAft>
+                <a:spcPts val="600"/>
+              </a:spcAft>
+            </a:pPr>
+            <a:r>
+              <a:rPr lang="en-US" sz="1400" b="0" i="0" spc="0" dirty="0">
+                <a:ln>
+                  <a:noFill/>
+                </a:ln>
+                <a:solidFill>
+                  <a:schemeClr val="tx2"/>
+                </a:solidFill>
+                <a:latin typeface="Source Sans Pro Light" charset="0"/>
+                <a:ea typeface="Source Sans Pro Light" charset="0"/>
+                <a:cs typeface="Source Sans Pro Light" charset="0"/>
+              </a:rPr>
+              <a:t>yes</a:t>
+            </a:r>
+          </a:p>
+        </p:txBody>
+      </p:sp>
+      <p:sp>
+        <p:nvSpPr>
+          <p:cNvPr id="472" name="TextBox 471">
+            <a:extLst>
+              <a:ext uri="{FF2B5EF4-FFF2-40B4-BE49-F238E27FC236}">
+                <a16:creationId xmlns:a16="http://schemas.microsoft.com/office/drawing/2014/main" id="{7AD68D03-AEAA-7E63-DE3D-243BBD032226}"/>
+              </a:ext>
+            </a:extLst>
+          </p:cNvPr>
+          <p:cNvSpPr txBox="1"/>
+          <p:nvPr/>
+        </p:nvSpPr>
+        <p:spPr>
+          <a:xfrm>
+            <a:off x="9098989" y="2232284"/>
+            <a:ext cx="296624" cy="235788"/>
+          </a:xfrm>
+          <a:prstGeom prst="rect">
+            <a:avLst/>
+          </a:prstGeom>
+          <a:noFill/>
+        </p:spPr>
+        <p:txBody>
+          <a:bodyPr vert="horz" wrap="square" lIns="0" tIns="0" rIns="0" bIns="0" numCol="1" spcCol="288000" rtlCol="0" anchor="t" anchorCtr="0">
+            <a:spAutoFit/>
+          </a:bodyPr>
+          <a:lstStyle/>
+          <a:p>
+            <a:pPr algn="l">
+              <a:spcBef>
+                <a:spcPts val="0"/>
+              </a:spcBef>
+              <a:spcAft>
+                <a:spcPts val="600"/>
+              </a:spcAft>
+            </a:pPr>
+            <a:r>
+              <a:rPr lang="en-US" sz="1400" b="0" i="0" spc="0" dirty="0">
+                <a:ln>
+                  <a:noFill/>
+                </a:ln>
+                <a:solidFill>
+                  <a:schemeClr val="tx2"/>
+                </a:solidFill>
+                <a:latin typeface="Source Sans Pro Light" charset="0"/>
+                <a:ea typeface="Source Sans Pro Light" charset="0"/>
+                <a:cs typeface="Source Sans Pro Light" charset="0"/>
+              </a:rPr>
+              <a:t>yes</a:t>
+            </a:r>
+          </a:p>
+        </p:txBody>
+      </p:sp>
+      <p:sp>
+        <p:nvSpPr>
+          <p:cNvPr id="473" name="TextBox 472">
+            <a:extLst>
+              <a:ext uri="{FF2B5EF4-FFF2-40B4-BE49-F238E27FC236}">
+                <a16:creationId xmlns:a16="http://schemas.microsoft.com/office/drawing/2014/main" id="{2C38EEA3-1FB1-5AE4-4A8E-1A130D9C3862}"/>
+              </a:ext>
+            </a:extLst>
+          </p:cNvPr>
+          <p:cNvSpPr txBox="1"/>
+          <p:nvPr/>
+        </p:nvSpPr>
+        <p:spPr>
+          <a:xfrm>
+            <a:off x="11152343" y="3026082"/>
+            <a:ext cx="296624" cy="235788"/>
+          </a:xfrm>
+          <a:prstGeom prst="rect">
+            <a:avLst/>
+          </a:prstGeom>
+          <a:noFill/>
+        </p:spPr>
+        <p:txBody>
+          <a:bodyPr vert="horz" wrap="square" lIns="0" tIns="0" rIns="0" bIns="0" numCol="1" spcCol="288000" rtlCol="0" anchor="t" anchorCtr="0">
+            <a:spAutoFit/>
+          </a:bodyPr>
+          <a:lstStyle/>
+          <a:p>
+            <a:pPr algn="l">
+              <a:spcBef>
+                <a:spcPts val="0"/>
+              </a:spcBef>
+              <a:spcAft>
+                <a:spcPts val="600"/>
+              </a:spcAft>
+            </a:pPr>
+            <a:r>
+              <a:rPr lang="en-US" sz="1400" b="0" i="0" spc="0" dirty="0">
+                <a:ln>
+                  <a:noFill/>
+                </a:ln>
+                <a:solidFill>
+                  <a:schemeClr val="tx2"/>
+                </a:solidFill>
+                <a:latin typeface="Source Sans Pro Light" charset="0"/>
+                <a:ea typeface="Source Sans Pro Light" charset="0"/>
+                <a:cs typeface="Source Sans Pro Light" charset="0"/>
+              </a:rPr>
+              <a:t>yes</a:t>
+            </a:r>
+          </a:p>
+        </p:txBody>
+      </p:sp>
+      <p:sp>
+        <p:nvSpPr>
+          <p:cNvPr id="475" name="TextBox 474">
+            <a:extLst>
+              <a:ext uri="{FF2B5EF4-FFF2-40B4-BE49-F238E27FC236}">
+                <a16:creationId xmlns:a16="http://schemas.microsoft.com/office/drawing/2014/main" id="{C51B25BF-F79C-3F6F-18BA-9B5770652714}"/>
+              </a:ext>
+            </a:extLst>
+          </p:cNvPr>
+          <p:cNvSpPr txBox="1"/>
+          <p:nvPr/>
+        </p:nvSpPr>
+        <p:spPr>
+          <a:xfrm>
+            <a:off x="4774822" y="1542777"/>
+            <a:ext cx="296624" cy="235788"/>
+          </a:xfrm>
+          <a:prstGeom prst="rect">
+            <a:avLst/>
+          </a:prstGeom>
+          <a:noFill/>
+        </p:spPr>
+        <p:txBody>
+          <a:bodyPr vert="horz" wrap="square" lIns="0" tIns="0" rIns="0" bIns="0" numCol="1" spcCol="288000" rtlCol="0" anchor="t" anchorCtr="0">
+            <a:spAutoFit/>
+          </a:bodyPr>
+          <a:lstStyle/>
+          <a:p>
+            <a:pPr algn="l">
+              <a:spcBef>
+                <a:spcPts val="0"/>
+              </a:spcBef>
+              <a:spcAft>
+                <a:spcPts val="600"/>
+              </a:spcAft>
+            </a:pPr>
+            <a:r>
+              <a:rPr lang="en-US" sz="1400" b="0" i="0" spc="0" dirty="0">
+                <a:ln>
+                  <a:noFill/>
+                </a:ln>
+                <a:solidFill>
+                  <a:schemeClr val="tx2"/>
+                </a:solidFill>
+                <a:latin typeface="Source Sans Pro Light" charset="0"/>
+                <a:ea typeface="Source Sans Pro Light" charset="0"/>
+                <a:cs typeface="Source Sans Pro Light" charset="0"/>
+              </a:rPr>
+              <a:t>yes</a:t>
+            </a:r>
+          </a:p>
+        </p:txBody>
+      </p:sp>
+      <p:sp>
+        <p:nvSpPr>
+          <p:cNvPr id="477" name="TextBox 476">
+            <a:extLst>
+              <a:ext uri="{FF2B5EF4-FFF2-40B4-BE49-F238E27FC236}">
+                <a16:creationId xmlns:a16="http://schemas.microsoft.com/office/drawing/2014/main" id="{96B0FEDD-8657-5CC0-E9E9-4213C8378A12}"/>
+              </a:ext>
+            </a:extLst>
+          </p:cNvPr>
+          <p:cNvSpPr txBox="1"/>
+          <p:nvPr/>
+        </p:nvSpPr>
+        <p:spPr>
+          <a:xfrm>
+            <a:off x="2774662" y="1535537"/>
+            <a:ext cx="296624" cy="235788"/>
+          </a:xfrm>
+          <a:prstGeom prst="rect">
+            <a:avLst/>
+          </a:prstGeom>
+          <a:noFill/>
+        </p:spPr>
+        <p:txBody>
+          <a:bodyPr vert="horz" wrap="square" lIns="0" tIns="0" rIns="0" bIns="0" numCol="1" spcCol="288000" rtlCol="0" anchor="t" anchorCtr="0">
+            <a:spAutoFit/>
+          </a:bodyPr>
+          <a:lstStyle/>
+          <a:p>
+            <a:pPr algn="l">
+              <a:spcBef>
+                <a:spcPts val="0"/>
+              </a:spcBef>
+              <a:spcAft>
+                <a:spcPts val="600"/>
+              </a:spcAft>
+            </a:pPr>
+            <a:r>
+              <a:rPr lang="en-US" sz="1400" b="0" i="0" spc="0" dirty="0">
+                <a:ln>
+                  <a:noFill/>
+                </a:ln>
+                <a:solidFill>
+                  <a:schemeClr val="tx2"/>
+                </a:solidFill>
+                <a:latin typeface="Source Sans Pro Light" charset="0"/>
+                <a:ea typeface="Source Sans Pro Light" charset="0"/>
+                <a:cs typeface="Source Sans Pro Light" charset="0"/>
+              </a:rPr>
+              <a:t>no</a:t>
+            </a:r>
+          </a:p>
+        </p:txBody>
+      </p:sp>
+    </p:spTree>
+    <p:extLst>
+      <p:ext uri="{BB962C8B-B14F-4D97-AF65-F5344CB8AC3E}">
+        <p14:creationId xmlns:p14="http://schemas.microsoft.com/office/powerpoint/2010/main" val="2587249731"/>
       </p:ext>
     </p:extLst>
   </p:cSld>

--- a/VEEPortingGuide/images/ui_overview2.pptx
+++ b/VEEPortingGuide/images/ui_overview2.pptx
@@ -9650,7 +9650,7 @@
               <a:rPr lang="fr-FR" smtClean="0">
                 <a:latin typeface="Calibri Regular" charset="0"/>
               </a:rPr>
-              <a:t>lundi 19 février 2024</a:t>
+              <a:t>vendredi 23 février 2024</a:t>
             </a:fld>
             <a:endParaRPr lang="en-US" dirty="0">
               <a:latin typeface="Calibri Regular" charset="0"/>
@@ -9828,7 +9828,7 @@
           <a:p>
             <a:fld id="{885721CF-495B-2B41-A23A-4D3221F80235}" type="datetime2">
               <a:rPr lang="fr-FR" smtClean="0"/>
-              <a:t>lundi 19 février 2024</a:t>
+              <a:t>vendredi 23 février 2024</a:t>
             </a:fld>
             <a:endParaRPr lang="en-US" dirty="0"/>
           </a:p>
@@ -24092,7 +24092,7 @@
           <a:p>
             <a:fld id="{4E285625-C24A-4341-90BC-6CD71F835625}" type="datetimeFigureOut">
               <a:rPr lang="en-GB" smtClean="0"/>
-              <a:t>19/02/2024</a:t>
+              <a:t>23/02/2024</a:t>
             </a:fld>
             <a:endParaRPr lang="en-GB"/>
           </a:p>
@@ -30731,7 +30731,7 @@
                 <a:latin typeface="Source Sans Pro Light" panose="020B0403030403020204" pitchFamily="34" charset="77"/>
                 <a:ea typeface="Source Sans Pro" panose="020B0503030403020204" pitchFamily="34" charset="0"/>
               </a:rPr>
-              <a:t>Frame buffer</a:t>
+              <a:t>Front buffer</a:t>
             </a:r>
           </a:p>
         </p:txBody>
@@ -31508,7 +31508,7 @@
                 <a:latin typeface="Source Sans Pro Light" panose="020B0403030403020204" pitchFamily="34" charset="77"/>
                 <a:ea typeface="Source Sans Pro" panose="020B0503030403020204" pitchFamily="34" charset="0"/>
               </a:rPr>
-              <a:t>Frame buffer</a:t>
+              <a:t>Front buffer</a:t>
             </a:r>
           </a:p>
         </p:txBody>
@@ -31716,7 +31716,7 @@
                 <a:latin typeface="Source Sans Pro Light" panose="020B0403030403020204" pitchFamily="34" charset="77"/>
                 <a:ea typeface="Source Sans Pro" panose="020B0503030403020204" pitchFamily="34" charset="0"/>
               </a:rPr>
-              <a:t>Back buffer</a:t>
+              <a:t>Back buffer 1</a:t>
             </a:r>
           </a:p>
         </p:txBody>
@@ -31811,7 +31811,7 @@
                 <a:latin typeface="Source Sans Pro Light" panose="020B0403030403020204" pitchFamily="34" charset="77"/>
                 <a:ea typeface="Source Sans Pro" panose="020B0503030403020204" pitchFamily="34" charset="0"/>
               </a:rPr>
-              <a:t>Back buffer</a:t>
+              <a:t>Back buffer 2</a:t>
             </a:r>
           </a:p>
         </p:txBody>
@@ -44719,7 +44719,7 @@
                 <a:latin typeface="Source Sans Pro Light" panose="020B0403030403020204" pitchFamily="34" charset="77"/>
                 <a:ea typeface="Source Sans Pro" panose="020B0503030403020204" pitchFamily="34" charset="0"/>
               </a:rPr>
-              <a:t>Memory</a:t>
+              <a:t>Front buffer</a:t>
             </a:r>
           </a:p>
         </p:txBody>
@@ -45008,7 +45008,7 @@
                 <a:latin typeface="Source Sans Pro Light" panose="020B0403030403020204" pitchFamily="34" charset="77"/>
                 <a:ea typeface="Source Sans Pro" panose="020B0503030403020204" pitchFamily="34" charset="0"/>
               </a:rPr>
-              <a:t>Memory</a:t>
+              <a:t>Back buffer</a:t>
             </a:r>
           </a:p>
         </p:txBody>
@@ -46249,7 +46249,7 @@
                 <a:latin typeface="Source Sans Pro Light" panose="020B0403030403020204" pitchFamily="34" charset="77"/>
                 <a:ea typeface="Source Sans Pro" panose="020B0503030403020204" pitchFamily="34" charset="0"/>
               </a:rPr>
-              <a:t>Frame buffer</a:t>
+              <a:t>Front buffer</a:t>
             </a:r>
           </a:p>
         </p:txBody>
@@ -47778,7 +47778,7 @@
                 <a:latin typeface="Source Sans Pro Light" panose="020B0403030403020204" pitchFamily="34" charset="77"/>
                 <a:ea typeface="Source Sans Pro" panose="020B0503030403020204" pitchFamily="34" charset="0"/>
               </a:rPr>
-              <a:t>Memory</a:t>
+              <a:t>Front buffer</a:t>
             </a:r>
           </a:p>
         </p:txBody>
@@ -48067,7 +48067,7 @@
                 <a:latin typeface="Source Sans Pro Light" panose="020B0403030403020204" pitchFamily="34" charset="77"/>
                 <a:ea typeface="Source Sans Pro" panose="020B0503030403020204" pitchFamily="34" charset="0"/>
               </a:rPr>
-              <a:t>Memory</a:t>
+              <a:t>Back buffer 1</a:t>
             </a:r>
           </a:p>
         </p:txBody>
@@ -48201,7 +48201,7 @@
                 <a:latin typeface="Source Sans Pro Light" panose="020B0403030403020204" pitchFamily="34" charset="77"/>
                 <a:ea typeface="Source Sans Pro" panose="020B0503030403020204" pitchFamily="34" charset="0"/>
               </a:rPr>
-              <a:t>Memory</a:t>
+              <a:t>Back buffer 2</a:t>
             </a:r>
           </a:p>
         </p:txBody>

--- a/VEEPortingGuide/images/ui_overview2.pptx
+++ b/VEEPortingGuide/images/ui_overview2.pptx
@@ -9650,7 +9650,7 @@
               <a:rPr lang="fr-FR" smtClean="0">
                 <a:latin typeface="Calibri Regular" charset="0"/>
               </a:rPr>
-              <a:t>vendredi 23 février 2024</a:t>
+              <a:t>lundi 18 mars 2024</a:t>
             </a:fld>
             <a:endParaRPr lang="en-US" dirty="0">
               <a:latin typeface="Calibri Regular" charset="0"/>
@@ -9828,7 +9828,7 @@
           <a:p>
             <a:fld id="{885721CF-495B-2B41-A23A-4D3221F80235}" type="datetime2">
               <a:rPr lang="fr-FR" smtClean="0"/>
-              <a:t>vendredi 23 février 2024</a:t>
+              <a:t>lundi 18 mars 2024</a:t>
             </a:fld>
             <a:endParaRPr lang="en-US" dirty="0"/>
           </a:p>
@@ -24092,7 +24092,7 @@
           <a:p>
             <a:fld id="{4E285625-C24A-4341-90BC-6CD71F835625}" type="datetimeFigureOut">
               <a:rPr lang="en-GB" smtClean="0"/>
-              <a:t>23/02/2024</a:t>
+              <a:t>18/03/2024</a:t>
             </a:fld>
             <a:endParaRPr lang="en-GB"/>
           </a:p>
@@ -36093,7 +36093,7 @@
                 <a:latin typeface="Source Sans Pro Light" panose="020B0403030403020204" pitchFamily="34" charset="77"/>
                 <a:ea typeface="Source Sans Pro" panose="020B0503030403020204" pitchFamily="34" charset="0"/>
               </a:rPr>
-              <a:t>Copy &amp; Swap</a:t>
+              <a:t>Transmit &amp; Swap</a:t>
             </a:r>
           </a:p>
         </p:txBody>
@@ -38366,7 +38366,7 @@
                 <a:latin typeface="Source Sans Pro Light" panose="020B0403030403020204" pitchFamily="34" charset="77"/>
                 <a:ea typeface="Source Sans Pro" panose="020B0503030403020204" pitchFamily="34" charset="0"/>
               </a:rPr>
-              <a:t>Copy &amp; Swap</a:t>
+              <a:t>Transmit &amp; Swap</a:t>
             </a:r>
           </a:p>
         </p:txBody>
@@ -40892,7 +40892,7 @@
                 <a:latin typeface="Source Sans Pro Light" panose="020B0403030403020204" pitchFamily="34" charset="77"/>
                 <a:ea typeface="Source Sans Pro" panose="020B0503030403020204" pitchFamily="34" charset="0"/>
               </a:rPr>
-              <a:t>Copy &amp; Swap</a:t>
+              <a:t>Transmit &amp; Swap</a:t>
             </a:r>
           </a:p>
         </p:txBody>
@@ -41511,14 +41511,24 @@
           <a:p>
             <a:pPr algn="ctr"/>
             <a:r>
-              <a:rPr lang="en-US" sz="2000" b="1" dirty="0">
+              <a:rPr lang="en-US" sz="2000" b="1">
                 <a:solidFill>
                   <a:schemeClr val="tx2"/>
                 </a:solidFill>
                 <a:latin typeface="Source Sans Pro Light" panose="020B0403030403020204" pitchFamily="34" charset="77"/>
                 <a:ea typeface="Source Sans Pro" panose="020B0503030403020204" pitchFamily="34" charset="0"/>
               </a:rPr>
-              <a:t>Copy &amp; Swap</a:t>
+              <a:t>Transmit </a:t>
+            </a:r>
+            <a:r>
+              <a:rPr lang="en-US" sz="2000" b="1" dirty="0">
+                <a:solidFill>
+                  <a:schemeClr val="tx2"/>
+                </a:solidFill>
+                <a:latin typeface="Source Sans Pro Light" panose="020B0403030403020204" pitchFamily="34" charset="77"/>
+                <a:ea typeface="Source Sans Pro" panose="020B0503030403020204" pitchFamily="34" charset="0"/>
+              </a:rPr>
+              <a:t>&amp; Swap</a:t>
             </a:r>
           </a:p>
         </p:txBody>
